--- a/ppt/curso-devops-ulpgc-api.pptx
+++ b/ppt/curso-devops-ulpgc-api.pptx
@@ -5,10 +5,10 @@
     <p:sldMasterId id="2147483678" r:id="rId4"/>
   </p:sldMasterIdLst>
   <p:notesMasterIdLst>
-    <p:notesMasterId r:id="rId18"/>
+    <p:notesMasterId r:id="rId21"/>
   </p:notesMasterIdLst>
   <p:handoutMasterIdLst>
-    <p:handoutMasterId r:id="rId19"/>
+    <p:handoutMasterId r:id="rId22"/>
   </p:handoutMasterIdLst>
   <p:sldIdLst>
     <p:sldId id="302" r:id="rId5"/>
@@ -21,39 +21,42 @@
     <p:sldId id="1269" r:id="rId12"/>
     <p:sldId id="1270" r:id="rId13"/>
     <p:sldId id="1271" r:id="rId14"/>
-    <p:sldId id="1263" r:id="rId15"/>
-    <p:sldId id="304" r:id="rId16"/>
-    <p:sldId id="1255" r:id="rId17"/>
+    <p:sldId id="1272" r:id="rId15"/>
+    <p:sldId id="1273" r:id="rId16"/>
+    <p:sldId id="1274" r:id="rId17"/>
+    <p:sldId id="1263" r:id="rId18"/>
+    <p:sldId id="304" r:id="rId19"/>
+    <p:sldId id="1255" r:id="rId20"/>
   </p:sldIdLst>
   <p:sldSz cx="9144000" cy="5143500" type="screen16x9"/>
   <p:notesSz cx="6858000" cy="9144000"/>
   <p:embeddedFontLst>
     <p:embeddedFont>
       <p:font typeface="Arial Black" panose="020B0A04020102020204" pitchFamily="34" charset="0"/>
-      <p:bold r:id="rId20"/>
+      <p:bold r:id="rId23"/>
     </p:embeddedFont>
     <p:embeddedFont>
       <p:font typeface="Century Gothic" panose="020B0502020202020204" pitchFamily="34" charset="0"/>
-      <p:regular r:id="rId20"/>
-      <p:bold r:id="rId20"/>
-      <p:italic r:id="rId20"/>
-      <p:boldItalic r:id="rId20"/>
+      <p:regular r:id="rId23"/>
+      <p:bold r:id="rId23"/>
+      <p:italic r:id="rId23"/>
+      <p:boldItalic r:id="rId23"/>
     </p:embeddedFont>
     <p:embeddedFont>
       <p:font typeface="Montserrat" panose="00000500000000000000" pitchFamily="2" charset="0"/>
-      <p:regular r:id="rId21"/>
-      <p:bold r:id="rId22"/>
-      <p:italic r:id="rId23"/>
-      <p:boldItalic r:id="rId24"/>
+      <p:regular r:id="rId24"/>
+      <p:bold r:id="rId25"/>
+      <p:italic r:id="rId26"/>
+      <p:boldItalic r:id="rId27"/>
     </p:embeddedFont>
     <p:embeddedFont>
       <p:font typeface="Montserrat ExtraBold" panose="00000900000000000000" pitchFamily="2" charset="0"/>
-      <p:bold r:id="rId20"/>
-      <p:boldItalic r:id="rId20"/>
+      <p:bold r:id="rId23"/>
+      <p:boldItalic r:id="rId23"/>
     </p:embeddedFont>
     <p:embeddedFont>
       <p:font typeface="Ramabhadra"/>
-      <p:regular r:id="rId20"/>
+      <p:regular r:id="rId23"/>
     </p:embeddedFont>
   </p:embeddedFontLst>
   <p:defaultTextStyle>
@@ -409,7 +412,7 @@
           <a:p>
             <a:fld id="{4A3B785F-1BCE-1A46-9CAA-77ACC7103834}" type="datetimeFigureOut">
               <a:rPr lang="es-ES" smtClean="0"/>
-              <a:t>10/02/2023</a:t>
+              <a:t>13/02/2023</a:t>
             </a:fld>
             <a:endParaRPr lang="es-ES" dirty="0"/>
           </a:p>
@@ -1250,6 +1253,333 @@
               </a:spcAft>
               <a:buNone/>
             </a:pPr>
+            <a:endParaRPr dirty="0"/>
+          </a:p>
+        </p:txBody>
+      </p:sp>
+    </p:spTree>
+    <p:extLst>
+      <p:ext uri="{BB962C8B-B14F-4D97-AF65-F5344CB8AC3E}">
+        <p14:creationId xmlns:p14="http://schemas.microsoft.com/office/powerpoint/2010/main" val="2269035433"/>
+      </p:ext>
+    </p:extLst>
+  </p:cSld>
+  <p:clrMapOvr>
+    <a:masterClrMapping/>
+  </p:clrMapOvr>
+</p:notes>
+</file>
+
+<file path=ppt/notesSlides/notesSlide12.xml><?xml version="1.0" encoding="utf-8"?>
+<p:notes xmlns:a="http://schemas.openxmlformats.org/drawingml/2006/main" xmlns:r="http://schemas.openxmlformats.org/officeDocument/2006/relationships" xmlns:p="http://schemas.openxmlformats.org/presentationml/2006/main" showMasterSp="0" showMasterPhAnim="0">
+  <p:cSld>
+    <p:spTree>
+      <p:nvGrpSpPr>
+        <p:cNvPr id="1" name="Shape 350"/>
+        <p:cNvGrpSpPr/>
+        <p:nvPr/>
+      </p:nvGrpSpPr>
+      <p:grpSpPr>
+        <a:xfrm>
+          <a:off x="0" y="0"/>
+          <a:ext cx="0" cy="0"/>
+          <a:chOff x="0" y="0"/>
+          <a:chExt cx="0" cy="0"/>
+        </a:xfrm>
+      </p:grpSpPr>
+      <p:sp>
+        <p:nvSpPr>
+          <p:cNvPr id="351" name="Google Shape;351;gec13231a95_0_22:notes"/>
+          <p:cNvSpPr>
+            <a:spLocks noGrp="1" noRot="1" noChangeAspect="1"/>
+          </p:cNvSpPr>
+          <p:nvPr>
+            <p:ph type="sldImg" idx="2"/>
+          </p:nvPr>
+        </p:nvSpPr>
+        <p:spPr>
+          <a:xfrm>
+            <a:off x="381000" y="685800"/>
+            <a:ext cx="6096000" cy="3429000"/>
+          </a:xfrm>
+          <a:custGeom>
+            <a:avLst/>
+            <a:gdLst/>
+            <a:ahLst/>
+            <a:cxnLst/>
+            <a:rect l="l" t="t" r="r" b="b"/>
+            <a:pathLst>
+              <a:path w="120000" h="120000" extrusionOk="0">
+                <a:moveTo>
+                  <a:pt x="0" y="0"/>
+                </a:moveTo>
+                <a:lnTo>
+                  <a:pt x="120000" y="0"/>
+                </a:lnTo>
+                <a:lnTo>
+                  <a:pt x="120000" y="120000"/>
+                </a:lnTo>
+                <a:lnTo>
+                  <a:pt x="0" y="120000"/>
+                </a:lnTo>
+                <a:close/>
+              </a:path>
+            </a:pathLst>
+          </a:custGeom>
+        </p:spPr>
+      </p:sp>
+      <p:sp>
+        <p:nvSpPr>
+          <p:cNvPr id="352" name="Google Shape;352;gec13231a95_0_22:notes"/>
+          <p:cNvSpPr txBox="1">
+            <a:spLocks noGrp="1"/>
+          </p:cNvSpPr>
+          <p:nvPr>
+            <p:ph type="body" idx="1"/>
+          </p:nvPr>
+        </p:nvSpPr>
+        <p:spPr>
+          <a:xfrm>
+            <a:off x="685800" y="4343400"/>
+            <a:ext cx="5486400" cy="4114800"/>
+          </a:xfrm>
+          <a:prstGeom prst="rect">
+            <a:avLst/>
+          </a:prstGeom>
+        </p:spPr>
+        <p:txBody>
+          <a:bodyPr spcFirstLastPara="1" wrap="square" lIns="91425" tIns="91425" rIns="91425" bIns="91425" anchor="t" anchorCtr="0">
+            <a:noAutofit/>
+          </a:bodyPr>
+          <a:lstStyle/>
+          <a:p>
+            <a:pPr marL="0" lvl="0" indent="0" algn="l" rtl="0">
+              <a:spcBef>
+                <a:spcPts val="0"/>
+              </a:spcBef>
+              <a:spcAft>
+                <a:spcPts val="0"/>
+              </a:spcAft>
+              <a:buNone/>
+            </a:pPr>
+            <a:endParaRPr dirty="0"/>
+          </a:p>
+        </p:txBody>
+      </p:sp>
+    </p:spTree>
+    <p:extLst>
+      <p:ext uri="{BB962C8B-B14F-4D97-AF65-F5344CB8AC3E}">
+        <p14:creationId xmlns:p14="http://schemas.microsoft.com/office/powerpoint/2010/main" val="475150722"/>
+      </p:ext>
+    </p:extLst>
+  </p:cSld>
+  <p:clrMapOvr>
+    <a:masterClrMapping/>
+  </p:clrMapOvr>
+</p:notes>
+</file>
+
+<file path=ppt/notesSlides/notesSlide13.xml><?xml version="1.0" encoding="utf-8"?>
+<p:notes xmlns:a="http://schemas.openxmlformats.org/drawingml/2006/main" xmlns:r="http://schemas.openxmlformats.org/officeDocument/2006/relationships" xmlns:p="http://schemas.openxmlformats.org/presentationml/2006/main" showMasterSp="0" showMasterPhAnim="0">
+  <p:cSld>
+    <p:spTree>
+      <p:nvGrpSpPr>
+        <p:cNvPr id="1" name="Shape 350"/>
+        <p:cNvGrpSpPr/>
+        <p:nvPr/>
+      </p:nvGrpSpPr>
+      <p:grpSpPr>
+        <a:xfrm>
+          <a:off x="0" y="0"/>
+          <a:ext cx="0" cy="0"/>
+          <a:chOff x="0" y="0"/>
+          <a:chExt cx="0" cy="0"/>
+        </a:xfrm>
+      </p:grpSpPr>
+      <p:sp>
+        <p:nvSpPr>
+          <p:cNvPr id="351" name="Google Shape;351;gec13231a95_0_22:notes"/>
+          <p:cNvSpPr>
+            <a:spLocks noGrp="1" noRot="1" noChangeAspect="1"/>
+          </p:cNvSpPr>
+          <p:nvPr>
+            <p:ph type="sldImg" idx="2"/>
+          </p:nvPr>
+        </p:nvSpPr>
+        <p:spPr>
+          <a:xfrm>
+            <a:off x="381000" y="685800"/>
+            <a:ext cx="6096000" cy="3429000"/>
+          </a:xfrm>
+          <a:custGeom>
+            <a:avLst/>
+            <a:gdLst/>
+            <a:ahLst/>
+            <a:cxnLst/>
+            <a:rect l="l" t="t" r="r" b="b"/>
+            <a:pathLst>
+              <a:path w="120000" h="120000" extrusionOk="0">
+                <a:moveTo>
+                  <a:pt x="0" y="0"/>
+                </a:moveTo>
+                <a:lnTo>
+                  <a:pt x="120000" y="0"/>
+                </a:lnTo>
+                <a:lnTo>
+                  <a:pt x="120000" y="120000"/>
+                </a:lnTo>
+                <a:lnTo>
+                  <a:pt x="0" y="120000"/>
+                </a:lnTo>
+                <a:close/>
+              </a:path>
+            </a:pathLst>
+          </a:custGeom>
+        </p:spPr>
+      </p:sp>
+      <p:sp>
+        <p:nvSpPr>
+          <p:cNvPr id="352" name="Google Shape;352;gec13231a95_0_22:notes"/>
+          <p:cNvSpPr txBox="1">
+            <a:spLocks noGrp="1"/>
+          </p:cNvSpPr>
+          <p:nvPr>
+            <p:ph type="body" idx="1"/>
+          </p:nvPr>
+        </p:nvSpPr>
+        <p:spPr>
+          <a:xfrm>
+            <a:off x="685800" y="4343400"/>
+            <a:ext cx="5486400" cy="4114800"/>
+          </a:xfrm>
+          <a:prstGeom prst="rect">
+            <a:avLst/>
+          </a:prstGeom>
+        </p:spPr>
+        <p:txBody>
+          <a:bodyPr spcFirstLastPara="1" wrap="square" lIns="91425" tIns="91425" rIns="91425" bIns="91425" anchor="t" anchorCtr="0">
+            <a:noAutofit/>
+          </a:bodyPr>
+          <a:lstStyle/>
+          <a:p>
+            <a:pPr marL="0" lvl="0" indent="0" algn="l" rtl="0">
+              <a:spcBef>
+                <a:spcPts val="0"/>
+              </a:spcBef>
+              <a:spcAft>
+                <a:spcPts val="0"/>
+              </a:spcAft>
+              <a:buNone/>
+            </a:pPr>
+            <a:endParaRPr dirty="0"/>
+          </a:p>
+        </p:txBody>
+      </p:sp>
+    </p:spTree>
+    <p:extLst>
+      <p:ext uri="{BB962C8B-B14F-4D97-AF65-F5344CB8AC3E}">
+        <p14:creationId xmlns:p14="http://schemas.microsoft.com/office/powerpoint/2010/main" val="3166858941"/>
+      </p:ext>
+    </p:extLst>
+  </p:cSld>
+  <p:clrMapOvr>
+    <a:masterClrMapping/>
+  </p:clrMapOvr>
+</p:notes>
+</file>
+
+<file path=ppt/notesSlides/notesSlide14.xml><?xml version="1.0" encoding="utf-8"?>
+<p:notes xmlns:a="http://schemas.openxmlformats.org/drawingml/2006/main" xmlns:r="http://schemas.openxmlformats.org/officeDocument/2006/relationships" xmlns:p="http://schemas.openxmlformats.org/presentationml/2006/main" showMasterSp="0" showMasterPhAnim="0">
+  <p:cSld>
+    <p:spTree>
+      <p:nvGrpSpPr>
+        <p:cNvPr id="1" name="Shape 350"/>
+        <p:cNvGrpSpPr/>
+        <p:nvPr/>
+      </p:nvGrpSpPr>
+      <p:grpSpPr>
+        <a:xfrm>
+          <a:off x="0" y="0"/>
+          <a:ext cx="0" cy="0"/>
+          <a:chOff x="0" y="0"/>
+          <a:chExt cx="0" cy="0"/>
+        </a:xfrm>
+      </p:grpSpPr>
+      <p:sp>
+        <p:nvSpPr>
+          <p:cNvPr id="351" name="Google Shape;351;gec13231a95_0_22:notes"/>
+          <p:cNvSpPr>
+            <a:spLocks noGrp="1" noRot="1" noChangeAspect="1"/>
+          </p:cNvSpPr>
+          <p:nvPr>
+            <p:ph type="sldImg" idx="2"/>
+          </p:nvPr>
+        </p:nvSpPr>
+        <p:spPr>
+          <a:xfrm>
+            <a:off x="381000" y="685800"/>
+            <a:ext cx="6096000" cy="3429000"/>
+          </a:xfrm>
+          <a:custGeom>
+            <a:avLst/>
+            <a:gdLst/>
+            <a:ahLst/>
+            <a:cxnLst/>
+            <a:rect l="l" t="t" r="r" b="b"/>
+            <a:pathLst>
+              <a:path w="120000" h="120000" extrusionOk="0">
+                <a:moveTo>
+                  <a:pt x="0" y="0"/>
+                </a:moveTo>
+                <a:lnTo>
+                  <a:pt x="120000" y="0"/>
+                </a:lnTo>
+                <a:lnTo>
+                  <a:pt x="120000" y="120000"/>
+                </a:lnTo>
+                <a:lnTo>
+                  <a:pt x="0" y="120000"/>
+                </a:lnTo>
+                <a:close/>
+              </a:path>
+            </a:pathLst>
+          </a:custGeom>
+        </p:spPr>
+      </p:sp>
+      <p:sp>
+        <p:nvSpPr>
+          <p:cNvPr id="352" name="Google Shape;352;gec13231a95_0_22:notes"/>
+          <p:cNvSpPr txBox="1">
+            <a:spLocks noGrp="1"/>
+          </p:cNvSpPr>
+          <p:nvPr>
+            <p:ph type="body" idx="1"/>
+          </p:nvPr>
+        </p:nvSpPr>
+        <p:spPr>
+          <a:xfrm>
+            <a:off x="685800" y="4343400"/>
+            <a:ext cx="5486400" cy="4114800"/>
+          </a:xfrm>
+          <a:prstGeom prst="rect">
+            <a:avLst/>
+          </a:prstGeom>
+        </p:spPr>
+        <p:txBody>
+          <a:bodyPr spcFirstLastPara="1" wrap="square" lIns="91425" tIns="91425" rIns="91425" bIns="91425" anchor="t" anchorCtr="0">
+            <a:noAutofit/>
+          </a:bodyPr>
+          <a:lstStyle/>
+          <a:p>
+            <a:pPr marL="0" lvl="0" indent="0" algn="l" rtl="0">
+              <a:spcBef>
+                <a:spcPts val="0"/>
+              </a:spcBef>
+              <a:spcAft>
+                <a:spcPts val="0"/>
+              </a:spcAft>
+              <a:buNone/>
+            </a:pPr>
             <a:endParaRPr/>
           </a:p>
         </p:txBody>
@@ -1267,7 +1597,7 @@
 </p:notes>
 </file>
 
-<file path=ppt/notesSlides/notesSlide12.xml><?xml version="1.0" encoding="utf-8"?>
+<file path=ppt/notesSlides/notesSlide15.xml><?xml version="1.0" encoding="utf-8"?>
 <p:notes xmlns:a="http://schemas.openxmlformats.org/drawingml/2006/main" xmlns:r="http://schemas.openxmlformats.org/officeDocument/2006/relationships" xmlns:p="http://schemas.openxmlformats.org/presentationml/2006/main" showMasterSp="0" showMasterPhAnim="0">
   <p:cSld>
     <p:spTree>
@@ -1371,7 +1701,7 @@
 </p:notes>
 </file>
 
-<file path=ppt/notesSlides/notesSlide13.xml><?xml version="1.0" encoding="utf-8"?>
+<file path=ppt/notesSlides/notesSlide16.xml><?xml version="1.0" encoding="utf-8"?>
 <p:notes xmlns:a="http://schemas.openxmlformats.org/drawingml/2006/main" xmlns:r="http://schemas.openxmlformats.org/officeDocument/2006/relationships" xmlns:p="http://schemas.openxmlformats.org/presentationml/2006/main" showMasterSp="0" showMasterPhAnim="0">
   <p:cSld>
     <p:spTree>
@@ -10260,6 +10590,355 @@
           <a:chExt cx="0" cy="0"/>
         </a:xfrm>
       </p:grpSpPr>
+      <p:pic>
+        <p:nvPicPr>
+          <p:cNvPr id="4" name="Imagen 3">
+            <a:extLst>
+              <a:ext uri="{FF2B5EF4-FFF2-40B4-BE49-F238E27FC236}">
+                <a16:creationId xmlns:a16="http://schemas.microsoft.com/office/drawing/2014/main" id="{DD3EA722-A4F2-8A1B-1991-B0CF2F9D1CB3}"/>
+              </a:ext>
+            </a:extLst>
+          </p:cNvPr>
+          <p:cNvPicPr>
+            <a:picLocks noChangeAspect="1"/>
+          </p:cNvPicPr>
+          <p:nvPr/>
+        </p:nvPicPr>
+        <p:blipFill>
+          <a:blip r:embed="rId3"/>
+          <a:stretch>
+            <a:fillRect/>
+          </a:stretch>
+        </p:blipFill>
+        <p:spPr>
+          <a:xfrm>
+            <a:off x="613386" y="740013"/>
+            <a:ext cx="7494107" cy="4156741"/>
+          </a:xfrm>
+          <a:prstGeom prst="rect">
+            <a:avLst/>
+          </a:prstGeom>
+        </p:spPr>
+      </p:pic>
+      <p:sp>
+        <p:nvSpPr>
+          <p:cNvPr id="354" name="Google Shape;354;p37"/>
+          <p:cNvSpPr txBox="1">
+            <a:spLocks noGrp="1"/>
+          </p:cNvSpPr>
+          <p:nvPr>
+            <p:ph type="title"/>
+          </p:nvPr>
+        </p:nvSpPr>
+        <p:spPr>
+          <a:xfrm>
+            <a:off x="714375" y="190941"/>
+            <a:ext cx="7715250" cy="571500"/>
+          </a:xfrm>
+          <a:prstGeom prst="rect">
+            <a:avLst/>
+          </a:prstGeom>
+        </p:spPr>
+        <p:txBody>
+          <a:bodyPr spcFirstLastPara="1" wrap="square" lIns="91425" tIns="91425" rIns="91425" bIns="91425" anchor="t" anchorCtr="0">
+            <a:noAutofit/>
+          </a:bodyPr>
+          <a:lstStyle/>
+          <a:p>
+            <a:pPr lvl="0" algn="ctr"/>
+            <a:r>
+              <a:rPr lang="es-ES" dirty="0">
+                <a:latin typeface="Century Gothic" panose="020B0502020202020204" pitchFamily="34" charset="0"/>
+              </a:rPr>
+              <a:t>MAVEN</a:t>
+            </a:r>
+            <a:endParaRPr dirty="0">
+              <a:solidFill>
+                <a:schemeClr val="accent3"/>
+              </a:solidFill>
+              <a:latin typeface="Century Gothic" panose="020B0502020202020204" pitchFamily="34" charset="0"/>
+            </a:endParaRPr>
+          </a:p>
+        </p:txBody>
+      </p:sp>
+      <p:pic>
+        <p:nvPicPr>
+          <p:cNvPr id="3078" name="Picture 6">
+            <a:extLst>
+              <a:ext uri="{FF2B5EF4-FFF2-40B4-BE49-F238E27FC236}">
+                <a16:creationId xmlns:a16="http://schemas.microsoft.com/office/drawing/2014/main" id="{852C7473-011A-5322-4419-6F6DE03BF6C9}"/>
+              </a:ext>
+            </a:extLst>
+          </p:cNvPr>
+          <p:cNvPicPr>
+            <a:picLocks noChangeAspect="1" noChangeArrowheads="1"/>
+          </p:cNvPicPr>
+          <p:nvPr/>
+        </p:nvPicPr>
+        <p:blipFill>
+          <a:blip r:embed="rId4">
+            <a:extLst>
+              <a:ext uri="{28A0092B-C50C-407E-A947-70E740481C1C}">
+                <a14:useLocalDpi xmlns:a14="http://schemas.microsoft.com/office/drawing/2010/main" val="0"/>
+              </a:ext>
+            </a:extLst>
+          </a:blip>
+          <a:srcRect/>
+          <a:stretch>
+            <a:fillRect/>
+          </a:stretch>
+        </p:blipFill>
+        <p:spPr bwMode="auto">
+          <a:xfrm>
+            <a:off x="7402995" y="4694405"/>
+            <a:ext cx="1706321" cy="431352"/>
+          </a:xfrm>
+          <a:prstGeom prst="rect">
+            <a:avLst/>
+          </a:prstGeom>
+          <a:noFill/>
+          <a:extLst>
+            <a:ext uri="{909E8E84-426E-40DD-AFC4-6F175D3DCCD1}">
+              <a14:hiddenFill xmlns:a14="http://schemas.microsoft.com/office/drawing/2010/main">
+                <a:solidFill>
+                  <a:srgbClr val="FFFFFF"/>
+                </a:solidFill>
+              </a14:hiddenFill>
+            </a:ext>
+          </a:extLst>
+        </p:spPr>
+      </p:pic>
+    </p:spTree>
+    <p:extLst>
+      <p:ext uri="{BB962C8B-B14F-4D97-AF65-F5344CB8AC3E}">
+        <p14:creationId xmlns:p14="http://schemas.microsoft.com/office/powerpoint/2010/main" val="4184564884"/>
+      </p:ext>
+    </p:extLst>
+  </p:cSld>
+  <p:clrMapOvr>
+    <a:masterClrMapping/>
+  </p:clrMapOvr>
+</p:sld>
+</file>
+
+<file path=ppt/slides/slide12.xml><?xml version="1.0" encoding="utf-8"?>
+<p:sld xmlns:a="http://schemas.openxmlformats.org/drawingml/2006/main" xmlns:r="http://schemas.openxmlformats.org/officeDocument/2006/relationships" xmlns:p="http://schemas.openxmlformats.org/presentationml/2006/main">
+  <p:cSld>
+    <p:spTree>
+      <p:nvGrpSpPr>
+        <p:cNvPr id="1" name="Shape 353"/>
+        <p:cNvGrpSpPr/>
+        <p:nvPr/>
+      </p:nvGrpSpPr>
+      <p:grpSpPr>
+        <a:xfrm>
+          <a:off x="0" y="0"/>
+          <a:ext cx="0" cy="0"/>
+          <a:chOff x="0" y="0"/>
+          <a:chExt cx="0" cy="0"/>
+        </a:xfrm>
+      </p:grpSpPr>
+      <p:sp>
+        <p:nvSpPr>
+          <p:cNvPr id="354" name="Google Shape;354;p37"/>
+          <p:cNvSpPr txBox="1">
+            <a:spLocks noGrp="1"/>
+          </p:cNvSpPr>
+          <p:nvPr>
+            <p:ph type="title"/>
+          </p:nvPr>
+        </p:nvSpPr>
+        <p:spPr>
+          <a:xfrm>
+            <a:off x="714375" y="-2167"/>
+            <a:ext cx="7715250" cy="571500"/>
+          </a:xfrm>
+          <a:prstGeom prst="rect">
+            <a:avLst/>
+          </a:prstGeom>
+        </p:spPr>
+        <p:txBody>
+          <a:bodyPr spcFirstLastPara="1" wrap="square" lIns="91425" tIns="91425" rIns="91425" bIns="91425" anchor="t" anchorCtr="0">
+            <a:noAutofit/>
+          </a:bodyPr>
+          <a:lstStyle/>
+          <a:p>
+            <a:pPr lvl="0" algn="ctr"/>
+            <a:r>
+              <a:rPr lang="es-ES" dirty="0">
+                <a:latin typeface="Century Gothic" panose="020B0502020202020204" pitchFamily="34" charset="0"/>
+              </a:rPr>
+              <a:t>API</a:t>
+            </a:r>
+            <a:endParaRPr dirty="0">
+              <a:solidFill>
+                <a:schemeClr val="accent3"/>
+              </a:solidFill>
+              <a:latin typeface="Century Gothic" panose="020B0502020202020204" pitchFamily="34" charset="0"/>
+            </a:endParaRPr>
+          </a:p>
+        </p:txBody>
+      </p:sp>
+      <p:pic>
+        <p:nvPicPr>
+          <p:cNvPr id="3" name="Imagen 2">
+            <a:extLst>
+              <a:ext uri="{FF2B5EF4-FFF2-40B4-BE49-F238E27FC236}">
+                <a16:creationId xmlns:a16="http://schemas.microsoft.com/office/drawing/2014/main" id="{79FD624B-B0E9-1893-6890-9BA8D1C6608C}"/>
+              </a:ext>
+            </a:extLst>
+          </p:cNvPr>
+          <p:cNvPicPr>
+            <a:picLocks noChangeAspect="1"/>
+          </p:cNvPicPr>
+          <p:nvPr/>
+        </p:nvPicPr>
+        <p:blipFill rotWithShape="1">
+          <a:blip r:embed="rId3"/>
+          <a:srcRect t="1188"/>
+          <a:stretch/>
+        </p:blipFill>
+        <p:spPr>
+          <a:xfrm>
+            <a:off x="0" y="569333"/>
+            <a:ext cx="9144000" cy="4271982"/>
+          </a:xfrm>
+          <a:prstGeom prst="rect">
+            <a:avLst/>
+          </a:prstGeom>
+        </p:spPr>
+      </p:pic>
+    </p:spTree>
+    <p:extLst>
+      <p:ext uri="{BB962C8B-B14F-4D97-AF65-F5344CB8AC3E}">
+        <p14:creationId xmlns:p14="http://schemas.microsoft.com/office/powerpoint/2010/main" val="2289645106"/>
+      </p:ext>
+    </p:extLst>
+  </p:cSld>
+  <p:clrMapOvr>
+    <a:masterClrMapping/>
+  </p:clrMapOvr>
+</p:sld>
+</file>
+
+<file path=ppt/slides/slide13.xml><?xml version="1.0" encoding="utf-8"?>
+<p:sld xmlns:a="http://schemas.openxmlformats.org/drawingml/2006/main" xmlns:r="http://schemas.openxmlformats.org/officeDocument/2006/relationships" xmlns:p="http://schemas.openxmlformats.org/presentationml/2006/main">
+  <p:cSld>
+    <p:spTree>
+      <p:nvGrpSpPr>
+        <p:cNvPr id="1" name="Shape 353"/>
+        <p:cNvGrpSpPr/>
+        <p:nvPr/>
+      </p:nvGrpSpPr>
+      <p:grpSpPr>
+        <a:xfrm>
+          <a:off x="0" y="0"/>
+          <a:ext cx="0" cy="0"/>
+          <a:chOff x="0" y="0"/>
+          <a:chExt cx="0" cy="0"/>
+        </a:xfrm>
+      </p:grpSpPr>
+      <p:sp>
+        <p:nvSpPr>
+          <p:cNvPr id="354" name="Google Shape;354;p37"/>
+          <p:cNvSpPr txBox="1">
+            <a:spLocks noGrp="1"/>
+          </p:cNvSpPr>
+          <p:nvPr>
+            <p:ph type="title"/>
+          </p:nvPr>
+        </p:nvSpPr>
+        <p:spPr>
+          <a:xfrm>
+            <a:off x="714375" y="-2167"/>
+            <a:ext cx="7715250" cy="571500"/>
+          </a:xfrm>
+          <a:prstGeom prst="rect">
+            <a:avLst/>
+          </a:prstGeom>
+        </p:spPr>
+        <p:txBody>
+          <a:bodyPr spcFirstLastPara="1" wrap="square" lIns="91425" tIns="91425" rIns="91425" bIns="91425" anchor="t" anchorCtr="0">
+            <a:noAutofit/>
+          </a:bodyPr>
+          <a:lstStyle/>
+          <a:p>
+            <a:pPr lvl="0" algn="ctr"/>
+            <a:r>
+              <a:rPr lang="es-ES" dirty="0">
+                <a:latin typeface="Century Gothic" panose="020B0502020202020204" pitchFamily="34" charset="0"/>
+              </a:rPr>
+              <a:t>API</a:t>
+            </a:r>
+            <a:endParaRPr dirty="0">
+              <a:solidFill>
+                <a:schemeClr val="accent3"/>
+              </a:solidFill>
+              <a:latin typeface="Century Gothic" panose="020B0502020202020204" pitchFamily="34" charset="0"/>
+            </a:endParaRPr>
+          </a:p>
+        </p:txBody>
+      </p:sp>
+      <p:pic>
+        <p:nvPicPr>
+          <p:cNvPr id="4" name="Imagen 3">
+            <a:extLst>
+              <a:ext uri="{FF2B5EF4-FFF2-40B4-BE49-F238E27FC236}">
+                <a16:creationId xmlns:a16="http://schemas.microsoft.com/office/drawing/2014/main" id="{F085EFA9-0255-C7F3-3493-55471BB12EC8}"/>
+              </a:ext>
+            </a:extLst>
+          </p:cNvPr>
+          <p:cNvPicPr>
+            <a:picLocks noChangeAspect="1"/>
+          </p:cNvPicPr>
+          <p:nvPr/>
+        </p:nvPicPr>
+        <p:blipFill>
+          <a:blip r:embed="rId3"/>
+          <a:stretch>
+            <a:fillRect/>
+          </a:stretch>
+        </p:blipFill>
+        <p:spPr>
+          <a:xfrm>
+            <a:off x="374847" y="569333"/>
+            <a:ext cx="8144407" cy="4255462"/>
+          </a:xfrm>
+          <a:prstGeom prst="rect">
+            <a:avLst/>
+          </a:prstGeom>
+        </p:spPr>
+      </p:pic>
+    </p:spTree>
+    <p:extLst>
+      <p:ext uri="{BB962C8B-B14F-4D97-AF65-F5344CB8AC3E}">
+        <p14:creationId xmlns:p14="http://schemas.microsoft.com/office/powerpoint/2010/main" val="4229209639"/>
+      </p:ext>
+    </p:extLst>
+  </p:cSld>
+  <p:clrMapOvr>
+    <a:masterClrMapping/>
+  </p:clrMapOvr>
+</p:sld>
+</file>
+
+<file path=ppt/slides/slide14.xml><?xml version="1.0" encoding="utf-8"?>
+<p:sld xmlns:a="http://schemas.openxmlformats.org/drawingml/2006/main" xmlns:r="http://schemas.openxmlformats.org/officeDocument/2006/relationships" xmlns:p="http://schemas.openxmlformats.org/presentationml/2006/main">
+  <p:cSld>
+    <p:spTree>
+      <p:nvGrpSpPr>
+        <p:cNvPr id="1" name="Shape 353"/>
+        <p:cNvGrpSpPr/>
+        <p:nvPr/>
+      </p:nvGrpSpPr>
+      <p:grpSpPr>
+        <a:xfrm>
+          <a:off x="0" y="0"/>
+          <a:ext cx="0" cy="0"/>
+          <a:chOff x="0" y="0"/>
+          <a:chExt cx="0" cy="0"/>
+        </a:xfrm>
+      </p:grpSpPr>
       <p:sp>
         <p:nvSpPr>
           <p:cNvPr id="354" name="Google Shape;354;p37"/>
@@ -10839,7 +11518,7 @@
 </p:sld>
 </file>
 
-<file path=ppt/slides/slide12.xml><?xml version="1.0" encoding="utf-8"?>
+<file path=ppt/slides/slide15.xml><?xml version="1.0" encoding="utf-8"?>
 <p:sld xmlns:a="http://schemas.openxmlformats.org/drawingml/2006/main" xmlns:r="http://schemas.openxmlformats.org/officeDocument/2006/relationships" xmlns:p="http://schemas.openxmlformats.org/presentationml/2006/main">
   <p:cSld>
     <p:spTree>
@@ -11978,7 +12657,7 @@
 </p:sld>
 </file>
 
-<file path=ppt/slides/slide13.xml><?xml version="1.0" encoding="utf-8"?>
+<file path=ppt/slides/slide16.xml><?xml version="1.0" encoding="utf-8"?>
 <p:sld xmlns:a="http://schemas.openxmlformats.org/drawingml/2006/main" xmlns:r="http://schemas.openxmlformats.org/officeDocument/2006/relationships" xmlns:p="http://schemas.openxmlformats.org/presentationml/2006/main">
   <p:cSld>
     <p:spTree>
@@ -22335,15 +23014,6 @@
 </file>
 
 <file path=customXml/item2.xml><?xml version="1.0" encoding="utf-8"?>
-<?mso-contentType ?>
-<FormTemplates xmlns="http://schemas.microsoft.com/sharepoint/v3/contenttype/forms">
-  <Display>DocumentLibraryForm</Display>
-  <Edit>DocumentLibraryForm</Edit>
-  <New>DocumentLibraryForm</New>
-</FormTemplates>
-</file>
-
-<file path=customXml/item3.xml><?xml version="1.0" encoding="utf-8"?>
 <ct:contentTypeSchema xmlns:ct="http://schemas.microsoft.com/office/2006/metadata/contentType" xmlns:ma="http://schemas.microsoft.com/office/2006/metadata/properties/metaAttributes" ct:_="" ma:_="" ma:contentTypeName="Documento" ma:contentTypeID="0x0101006B1E11B541137C48AA3727DCBBA54C16" ma:contentTypeVersion="11" ma:contentTypeDescription="Crear nuevo documento." ma:contentTypeScope="" ma:versionID="95949c5f839407ce12e4e96351584624">
   <xsd:schema xmlns:xsd="http://www.w3.org/2001/XMLSchema" xmlns:xs="http://www.w3.org/2001/XMLSchema" xmlns:p="http://schemas.microsoft.com/office/2006/metadata/properties" xmlns:ns2="e202ecef-a3f6-4d98-ad9b-1b77cdb87b84" xmlns:ns3="435026e9-b5d0-4467-bbd9-3b76a09ae0c4" targetNamespace="http://schemas.microsoft.com/office/2006/metadata/properties" ma:root="true" ma:fieldsID="f348301bcb62330657a04a353e23fd75" ns2:_="" ns3:_="">
     <xsd:import namespace="e202ecef-a3f6-4d98-ad9b-1b77cdb87b84"/>
@@ -22538,6 +23208,15 @@
 </ct:contentTypeSchema>
 </file>
 
+<file path=customXml/item3.xml><?xml version="1.0" encoding="utf-8"?>
+<?mso-contentType ?>
+<FormTemplates xmlns="http://schemas.microsoft.com/sharepoint/v3/contenttype/forms">
+  <Display>DocumentLibraryForm</Display>
+  <Edit>DocumentLibraryForm</Edit>
+  <New>DocumentLibraryForm</New>
+</FormTemplates>
+</file>
+
 <file path=customXml/itemProps1.xml><?xml version="1.0" encoding="utf-8"?>
 <ds:datastoreItem xmlns:ds="http://schemas.openxmlformats.org/officeDocument/2006/customXml" ds:itemID="{2F6D6B62-92C6-4EDE-B50E-8B81CFF669EA}">
   <ds:schemaRefs>
@@ -22550,14 +23229,6 @@
 </file>
 
 <file path=customXml/itemProps2.xml><?xml version="1.0" encoding="utf-8"?>
-<ds:datastoreItem xmlns:ds="http://schemas.openxmlformats.org/officeDocument/2006/customXml" ds:itemID="{A4B54BEA-998E-408D-BCCD-09BA67DF44CE}">
-  <ds:schemaRefs>
-    <ds:schemaRef ds:uri="http://schemas.microsoft.com/sharepoint/v3/contenttype/forms"/>
-  </ds:schemaRefs>
-</ds:datastoreItem>
-</file>
-
-<file path=customXml/itemProps3.xml><?xml version="1.0" encoding="utf-8"?>
 <ds:datastoreItem xmlns:ds="http://schemas.openxmlformats.org/officeDocument/2006/customXml" ds:itemID="{592DADBC-4920-4373-95D3-1A0ABF3667A7}">
   <ds:schemaRefs>
     <ds:schemaRef ds:uri="http://schemas.microsoft.com/office/2006/metadata/contentType"/>
@@ -22574,4 +23245,12 @@
     <ds:schemaRef ds:uri="http://schemas.microsoft.com/internal/obd"/>
   </ds:schemaRefs>
 </ds:datastoreItem>
+</file>
+
+<file path=customXml/itemProps3.xml><?xml version="1.0" encoding="utf-8"?>
+<ds:datastoreItem xmlns:ds="http://schemas.openxmlformats.org/officeDocument/2006/customXml" ds:itemID="{A4B54BEA-998E-408D-BCCD-09BA67DF44CE}">
+  <ds:schemaRefs>
+    <ds:schemaRef ds:uri="http://schemas.microsoft.com/sharepoint/v3/contenttype/forms"/>
+  </ds:schemaRefs>
+</ds:datastoreItem>
 </file>
--- a/ppt/curso-devops-ulpgc-api.pptx
+++ b/ppt/curso-devops-ulpgc-api.pptx
@@ -5,10 +5,10 @@
     <p:sldMasterId id="2147483678" r:id="rId4"/>
   </p:sldMasterIdLst>
   <p:notesMasterIdLst>
-    <p:notesMasterId r:id="rId21"/>
+    <p:notesMasterId r:id="rId25"/>
   </p:notesMasterIdLst>
   <p:handoutMasterIdLst>
-    <p:handoutMasterId r:id="rId22"/>
+    <p:handoutMasterId r:id="rId26"/>
   </p:handoutMasterIdLst>
   <p:sldIdLst>
     <p:sldId id="302" r:id="rId5"/>
@@ -23,40 +23,49 @@
     <p:sldId id="1271" r:id="rId14"/>
     <p:sldId id="1272" r:id="rId15"/>
     <p:sldId id="1273" r:id="rId16"/>
-    <p:sldId id="1274" r:id="rId17"/>
-    <p:sldId id="1263" r:id="rId18"/>
-    <p:sldId id="304" r:id="rId19"/>
-    <p:sldId id="1255" r:id="rId20"/>
+    <p:sldId id="1275" r:id="rId17"/>
+    <p:sldId id="1277" r:id="rId18"/>
+    <p:sldId id="1276" r:id="rId19"/>
+    <p:sldId id="1278" r:id="rId20"/>
+    <p:sldId id="1274" r:id="rId21"/>
+    <p:sldId id="1263" r:id="rId22"/>
+    <p:sldId id="304" r:id="rId23"/>
+    <p:sldId id="1255" r:id="rId24"/>
   </p:sldIdLst>
   <p:sldSz cx="9144000" cy="5143500" type="screen16x9"/>
   <p:notesSz cx="6858000" cy="9144000"/>
   <p:embeddedFontLst>
     <p:embeddedFont>
       <p:font typeface="Arial Black" panose="020B0A04020102020204" pitchFamily="34" charset="0"/>
-      <p:bold r:id="rId23"/>
+      <p:bold r:id="rId27"/>
     </p:embeddedFont>
     <p:embeddedFont>
       <p:font typeface="Century Gothic" panose="020B0502020202020204" pitchFamily="34" charset="0"/>
-      <p:regular r:id="rId23"/>
-      <p:bold r:id="rId23"/>
-      <p:italic r:id="rId23"/>
-      <p:boldItalic r:id="rId23"/>
+      <p:regular r:id="rId27"/>
+      <p:bold r:id="rId27"/>
+      <p:italic r:id="rId27"/>
+      <p:boldItalic r:id="rId27"/>
     </p:embeddedFont>
     <p:embeddedFont>
       <p:font typeface="Montserrat" panose="00000500000000000000" pitchFamily="2" charset="0"/>
-      <p:regular r:id="rId24"/>
-      <p:bold r:id="rId25"/>
-      <p:italic r:id="rId26"/>
+      <p:regular r:id="rId28"/>
+      <p:bold r:id="rId29"/>
+      <p:italic r:id="rId30"/>
+      <p:boldItalic r:id="rId31"/>
+    </p:embeddedFont>
+    <p:embeddedFont>
+      <p:font typeface="Montserrat ExtraBold" panose="00000900000000000000" pitchFamily="2" charset="0"/>
+      <p:bold r:id="rId27"/>
       <p:boldItalic r:id="rId27"/>
     </p:embeddedFont>
     <p:embeddedFont>
-      <p:font typeface="Montserrat ExtraBold" panose="00000900000000000000" pitchFamily="2" charset="0"/>
-      <p:bold r:id="rId23"/>
-      <p:boldItalic r:id="rId23"/>
+      <p:font typeface="Raleway Medium" pitchFamily="2" charset="0"/>
+      <p:regular r:id="rId32"/>
+      <p:italic r:id="rId33"/>
     </p:embeddedFont>
     <p:embeddedFont>
       <p:font typeface="Ramabhadra"/>
-      <p:regular r:id="rId23"/>
+      <p:regular r:id="rId27"/>
     </p:embeddedFont>
   </p:embeddedFontLst>
   <p:defaultTextStyle>
@@ -412,7 +421,7 @@
           <a:p>
             <a:fld id="{4A3B785F-1BCE-1A46-9CAA-77ACC7103834}" type="datetimeFigureOut">
               <a:rPr lang="es-ES" smtClean="0"/>
-              <a:t>13/02/2023</a:t>
+              <a:t>14/02/2023</a:t>
             </a:fld>
             <a:endParaRPr lang="es-ES" dirty="0"/>
           </a:p>
@@ -1478,7 +1487,7 @@
     </p:spTree>
     <p:extLst>
       <p:ext uri="{BB962C8B-B14F-4D97-AF65-F5344CB8AC3E}">
-        <p14:creationId xmlns:p14="http://schemas.microsoft.com/office/powerpoint/2010/main" val="3166858941"/>
+        <p14:creationId xmlns:p14="http://schemas.microsoft.com/office/powerpoint/2010/main" val="2170106149"/>
       </p:ext>
     </p:extLst>
   </p:cSld>
@@ -1580,6 +1589,442 @@
               </a:spcAft>
               <a:buNone/>
             </a:pPr>
+            <a:endParaRPr dirty="0"/>
+          </a:p>
+        </p:txBody>
+      </p:sp>
+    </p:spTree>
+    <p:extLst>
+      <p:ext uri="{BB962C8B-B14F-4D97-AF65-F5344CB8AC3E}">
+        <p14:creationId xmlns:p14="http://schemas.microsoft.com/office/powerpoint/2010/main" val="749835437"/>
+      </p:ext>
+    </p:extLst>
+  </p:cSld>
+  <p:clrMapOvr>
+    <a:masterClrMapping/>
+  </p:clrMapOvr>
+</p:notes>
+</file>
+
+<file path=ppt/notesSlides/notesSlide15.xml><?xml version="1.0" encoding="utf-8"?>
+<p:notes xmlns:a="http://schemas.openxmlformats.org/drawingml/2006/main" xmlns:r="http://schemas.openxmlformats.org/officeDocument/2006/relationships" xmlns:p="http://schemas.openxmlformats.org/presentationml/2006/main" showMasterSp="0" showMasterPhAnim="0">
+  <p:cSld>
+    <p:spTree>
+      <p:nvGrpSpPr>
+        <p:cNvPr id="1" name="Shape 350"/>
+        <p:cNvGrpSpPr/>
+        <p:nvPr/>
+      </p:nvGrpSpPr>
+      <p:grpSpPr>
+        <a:xfrm>
+          <a:off x="0" y="0"/>
+          <a:ext cx="0" cy="0"/>
+          <a:chOff x="0" y="0"/>
+          <a:chExt cx="0" cy="0"/>
+        </a:xfrm>
+      </p:grpSpPr>
+      <p:sp>
+        <p:nvSpPr>
+          <p:cNvPr id="351" name="Google Shape;351;gec13231a95_0_22:notes"/>
+          <p:cNvSpPr>
+            <a:spLocks noGrp="1" noRot="1" noChangeAspect="1"/>
+          </p:cNvSpPr>
+          <p:nvPr>
+            <p:ph type="sldImg" idx="2"/>
+          </p:nvPr>
+        </p:nvSpPr>
+        <p:spPr>
+          <a:xfrm>
+            <a:off x="381000" y="685800"/>
+            <a:ext cx="6096000" cy="3429000"/>
+          </a:xfrm>
+          <a:custGeom>
+            <a:avLst/>
+            <a:gdLst/>
+            <a:ahLst/>
+            <a:cxnLst/>
+            <a:rect l="l" t="t" r="r" b="b"/>
+            <a:pathLst>
+              <a:path w="120000" h="120000" extrusionOk="0">
+                <a:moveTo>
+                  <a:pt x="0" y="0"/>
+                </a:moveTo>
+                <a:lnTo>
+                  <a:pt x="120000" y="0"/>
+                </a:lnTo>
+                <a:lnTo>
+                  <a:pt x="120000" y="120000"/>
+                </a:lnTo>
+                <a:lnTo>
+                  <a:pt x="0" y="120000"/>
+                </a:lnTo>
+                <a:close/>
+              </a:path>
+            </a:pathLst>
+          </a:custGeom>
+        </p:spPr>
+      </p:sp>
+      <p:sp>
+        <p:nvSpPr>
+          <p:cNvPr id="352" name="Google Shape;352;gec13231a95_0_22:notes"/>
+          <p:cNvSpPr txBox="1">
+            <a:spLocks noGrp="1"/>
+          </p:cNvSpPr>
+          <p:nvPr>
+            <p:ph type="body" idx="1"/>
+          </p:nvPr>
+        </p:nvSpPr>
+        <p:spPr>
+          <a:xfrm>
+            <a:off x="685800" y="4343400"/>
+            <a:ext cx="5486400" cy="4114800"/>
+          </a:xfrm>
+          <a:prstGeom prst="rect">
+            <a:avLst/>
+          </a:prstGeom>
+        </p:spPr>
+        <p:txBody>
+          <a:bodyPr spcFirstLastPara="1" wrap="square" lIns="91425" tIns="91425" rIns="91425" bIns="91425" anchor="t" anchorCtr="0">
+            <a:noAutofit/>
+          </a:bodyPr>
+          <a:lstStyle/>
+          <a:p>
+            <a:pPr marL="0" lvl="0" indent="0" algn="l" rtl="0">
+              <a:spcBef>
+                <a:spcPts val="0"/>
+              </a:spcBef>
+              <a:spcAft>
+                <a:spcPts val="0"/>
+              </a:spcAft>
+              <a:buNone/>
+            </a:pPr>
+            <a:endParaRPr dirty="0"/>
+          </a:p>
+        </p:txBody>
+      </p:sp>
+    </p:spTree>
+    <p:extLst>
+      <p:ext uri="{BB962C8B-B14F-4D97-AF65-F5344CB8AC3E}">
+        <p14:creationId xmlns:p14="http://schemas.microsoft.com/office/powerpoint/2010/main" val="4223373497"/>
+      </p:ext>
+    </p:extLst>
+  </p:cSld>
+  <p:clrMapOvr>
+    <a:masterClrMapping/>
+  </p:clrMapOvr>
+</p:notes>
+</file>
+
+<file path=ppt/notesSlides/notesSlide16.xml><?xml version="1.0" encoding="utf-8"?>
+<p:notes xmlns:a="http://schemas.openxmlformats.org/drawingml/2006/main" xmlns:r="http://schemas.openxmlformats.org/officeDocument/2006/relationships" xmlns:p="http://schemas.openxmlformats.org/presentationml/2006/main" showMasterSp="0" showMasterPhAnim="0">
+  <p:cSld>
+    <p:spTree>
+      <p:nvGrpSpPr>
+        <p:cNvPr id="1" name="Shape 350"/>
+        <p:cNvGrpSpPr/>
+        <p:nvPr/>
+      </p:nvGrpSpPr>
+      <p:grpSpPr>
+        <a:xfrm>
+          <a:off x="0" y="0"/>
+          <a:ext cx="0" cy="0"/>
+          <a:chOff x="0" y="0"/>
+          <a:chExt cx="0" cy="0"/>
+        </a:xfrm>
+      </p:grpSpPr>
+      <p:sp>
+        <p:nvSpPr>
+          <p:cNvPr id="351" name="Google Shape;351;gec13231a95_0_22:notes"/>
+          <p:cNvSpPr>
+            <a:spLocks noGrp="1" noRot="1" noChangeAspect="1"/>
+          </p:cNvSpPr>
+          <p:nvPr>
+            <p:ph type="sldImg" idx="2"/>
+          </p:nvPr>
+        </p:nvSpPr>
+        <p:spPr>
+          <a:xfrm>
+            <a:off x="381000" y="685800"/>
+            <a:ext cx="6096000" cy="3429000"/>
+          </a:xfrm>
+          <a:custGeom>
+            <a:avLst/>
+            <a:gdLst/>
+            <a:ahLst/>
+            <a:cxnLst/>
+            <a:rect l="l" t="t" r="r" b="b"/>
+            <a:pathLst>
+              <a:path w="120000" h="120000" extrusionOk="0">
+                <a:moveTo>
+                  <a:pt x="0" y="0"/>
+                </a:moveTo>
+                <a:lnTo>
+                  <a:pt x="120000" y="0"/>
+                </a:lnTo>
+                <a:lnTo>
+                  <a:pt x="120000" y="120000"/>
+                </a:lnTo>
+                <a:lnTo>
+                  <a:pt x="0" y="120000"/>
+                </a:lnTo>
+                <a:close/>
+              </a:path>
+            </a:pathLst>
+          </a:custGeom>
+        </p:spPr>
+      </p:sp>
+      <p:sp>
+        <p:nvSpPr>
+          <p:cNvPr id="352" name="Google Shape;352;gec13231a95_0_22:notes"/>
+          <p:cNvSpPr txBox="1">
+            <a:spLocks noGrp="1"/>
+          </p:cNvSpPr>
+          <p:nvPr>
+            <p:ph type="body" idx="1"/>
+          </p:nvPr>
+        </p:nvSpPr>
+        <p:spPr>
+          <a:xfrm>
+            <a:off x="685800" y="4343400"/>
+            <a:ext cx="5486400" cy="4114800"/>
+          </a:xfrm>
+          <a:prstGeom prst="rect">
+            <a:avLst/>
+          </a:prstGeom>
+        </p:spPr>
+        <p:txBody>
+          <a:bodyPr spcFirstLastPara="1" wrap="square" lIns="91425" tIns="91425" rIns="91425" bIns="91425" anchor="t" anchorCtr="0">
+            <a:noAutofit/>
+          </a:bodyPr>
+          <a:lstStyle/>
+          <a:p>
+            <a:pPr marL="0" lvl="0" indent="0" algn="l" rtl="0">
+              <a:spcBef>
+                <a:spcPts val="0"/>
+              </a:spcBef>
+              <a:spcAft>
+                <a:spcPts val="0"/>
+              </a:spcAft>
+              <a:buNone/>
+            </a:pPr>
+            <a:endParaRPr dirty="0"/>
+          </a:p>
+        </p:txBody>
+      </p:sp>
+    </p:spTree>
+    <p:extLst>
+      <p:ext uri="{BB962C8B-B14F-4D97-AF65-F5344CB8AC3E}">
+        <p14:creationId xmlns:p14="http://schemas.microsoft.com/office/powerpoint/2010/main" val="2570670403"/>
+      </p:ext>
+    </p:extLst>
+  </p:cSld>
+  <p:clrMapOvr>
+    <a:masterClrMapping/>
+  </p:clrMapOvr>
+</p:notes>
+</file>
+
+<file path=ppt/notesSlides/notesSlide17.xml><?xml version="1.0" encoding="utf-8"?>
+<p:notes xmlns:a="http://schemas.openxmlformats.org/drawingml/2006/main" xmlns:r="http://schemas.openxmlformats.org/officeDocument/2006/relationships" xmlns:p="http://schemas.openxmlformats.org/presentationml/2006/main" showMasterSp="0" showMasterPhAnim="0">
+  <p:cSld>
+    <p:spTree>
+      <p:nvGrpSpPr>
+        <p:cNvPr id="1" name="Shape 350"/>
+        <p:cNvGrpSpPr/>
+        <p:nvPr/>
+      </p:nvGrpSpPr>
+      <p:grpSpPr>
+        <a:xfrm>
+          <a:off x="0" y="0"/>
+          <a:ext cx="0" cy="0"/>
+          <a:chOff x="0" y="0"/>
+          <a:chExt cx="0" cy="0"/>
+        </a:xfrm>
+      </p:grpSpPr>
+      <p:sp>
+        <p:nvSpPr>
+          <p:cNvPr id="351" name="Google Shape;351;gec13231a95_0_22:notes"/>
+          <p:cNvSpPr>
+            <a:spLocks noGrp="1" noRot="1" noChangeAspect="1"/>
+          </p:cNvSpPr>
+          <p:nvPr>
+            <p:ph type="sldImg" idx="2"/>
+          </p:nvPr>
+        </p:nvSpPr>
+        <p:spPr>
+          <a:xfrm>
+            <a:off x="381000" y="685800"/>
+            <a:ext cx="6096000" cy="3429000"/>
+          </a:xfrm>
+          <a:custGeom>
+            <a:avLst/>
+            <a:gdLst/>
+            <a:ahLst/>
+            <a:cxnLst/>
+            <a:rect l="l" t="t" r="r" b="b"/>
+            <a:pathLst>
+              <a:path w="120000" h="120000" extrusionOk="0">
+                <a:moveTo>
+                  <a:pt x="0" y="0"/>
+                </a:moveTo>
+                <a:lnTo>
+                  <a:pt x="120000" y="0"/>
+                </a:lnTo>
+                <a:lnTo>
+                  <a:pt x="120000" y="120000"/>
+                </a:lnTo>
+                <a:lnTo>
+                  <a:pt x="0" y="120000"/>
+                </a:lnTo>
+                <a:close/>
+              </a:path>
+            </a:pathLst>
+          </a:custGeom>
+        </p:spPr>
+      </p:sp>
+      <p:sp>
+        <p:nvSpPr>
+          <p:cNvPr id="352" name="Google Shape;352;gec13231a95_0_22:notes"/>
+          <p:cNvSpPr txBox="1">
+            <a:spLocks noGrp="1"/>
+          </p:cNvSpPr>
+          <p:nvPr>
+            <p:ph type="body" idx="1"/>
+          </p:nvPr>
+        </p:nvSpPr>
+        <p:spPr>
+          <a:xfrm>
+            <a:off x="685800" y="4343400"/>
+            <a:ext cx="5486400" cy="4114800"/>
+          </a:xfrm>
+          <a:prstGeom prst="rect">
+            <a:avLst/>
+          </a:prstGeom>
+        </p:spPr>
+        <p:txBody>
+          <a:bodyPr spcFirstLastPara="1" wrap="square" lIns="91425" tIns="91425" rIns="91425" bIns="91425" anchor="t" anchorCtr="0">
+            <a:noAutofit/>
+          </a:bodyPr>
+          <a:lstStyle/>
+          <a:p>
+            <a:pPr marL="0" lvl="0" indent="0" algn="l" rtl="0">
+              <a:spcBef>
+                <a:spcPts val="0"/>
+              </a:spcBef>
+              <a:spcAft>
+                <a:spcPts val="0"/>
+              </a:spcAft>
+              <a:buNone/>
+            </a:pPr>
+            <a:endParaRPr dirty="0"/>
+          </a:p>
+        </p:txBody>
+      </p:sp>
+    </p:spTree>
+    <p:extLst>
+      <p:ext uri="{BB962C8B-B14F-4D97-AF65-F5344CB8AC3E}">
+        <p14:creationId xmlns:p14="http://schemas.microsoft.com/office/powerpoint/2010/main" val="3166858941"/>
+      </p:ext>
+    </p:extLst>
+  </p:cSld>
+  <p:clrMapOvr>
+    <a:masterClrMapping/>
+  </p:clrMapOvr>
+</p:notes>
+</file>
+
+<file path=ppt/notesSlides/notesSlide18.xml><?xml version="1.0" encoding="utf-8"?>
+<p:notes xmlns:a="http://schemas.openxmlformats.org/drawingml/2006/main" xmlns:r="http://schemas.openxmlformats.org/officeDocument/2006/relationships" xmlns:p="http://schemas.openxmlformats.org/presentationml/2006/main" showMasterSp="0" showMasterPhAnim="0">
+  <p:cSld>
+    <p:spTree>
+      <p:nvGrpSpPr>
+        <p:cNvPr id="1" name="Shape 350"/>
+        <p:cNvGrpSpPr/>
+        <p:nvPr/>
+      </p:nvGrpSpPr>
+      <p:grpSpPr>
+        <a:xfrm>
+          <a:off x="0" y="0"/>
+          <a:ext cx="0" cy="0"/>
+          <a:chOff x="0" y="0"/>
+          <a:chExt cx="0" cy="0"/>
+        </a:xfrm>
+      </p:grpSpPr>
+      <p:sp>
+        <p:nvSpPr>
+          <p:cNvPr id="351" name="Google Shape;351;gec13231a95_0_22:notes"/>
+          <p:cNvSpPr>
+            <a:spLocks noGrp="1" noRot="1" noChangeAspect="1"/>
+          </p:cNvSpPr>
+          <p:nvPr>
+            <p:ph type="sldImg" idx="2"/>
+          </p:nvPr>
+        </p:nvSpPr>
+        <p:spPr>
+          <a:xfrm>
+            <a:off x="381000" y="685800"/>
+            <a:ext cx="6096000" cy="3429000"/>
+          </a:xfrm>
+          <a:custGeom>
+            <a:avLst/>
+            <a:gdLst/>
+            <a:ahLst/>
+            <a:cxnLst/>
+            <a:rect l="l" t="t" r="r" b="b"/>
+            <a:pathLst>
+              <a:path w="120000" h="120000" extrusionOk="0">
+                <a:moveTo>
+                  <a:pt x="0" y="0"/>
+                </a:moveTo>
+                <a:lnTo>
+                  <a:pt x="120000" y="0"/>
+                </a:lnTo>
+                <a:lnTo>
+                  <a:pt x="120000" y="120000"/>
+                </a:lnTo>
+                <a:lnTo>
+                  <a:pt x="0" y="120000"/>
+                </a:lnTo>
+                <a:close/>
+              </a:path>
+            </a:pathLst>
+          </a:custGeom>
+        </p:spPr>
+      </p:sp>
+      <p:sp>
+        <p:nvSpPr>
+          <p:cNvPr id="352" name="Google Shape;352;gec13231a95_0_22:notes"/>
+          <p:cNvSpPr txBox="1">
+            <a:spLocks noGrp="1"/>
+          </p:cNvSpPr>
+          <p:nvPr>
+            <p:ph type="body" idx="1"/>
+          </p:nvPr>
+        </p:nvSpPr>
+        <p:spPr>
+          <a:xfrm>
+            <a:off x="685800" y="4343400"/>
+            <a:ext cx="5486400" cy="4114800"/>
+          </a:xfrm>
+          <a:prstGeom prst="rect">
+            <a:avLst/>
+          </a:prstGeom>
+        </p:spPr>
+        <p:txBody>
+          <a:bodyPr spcFirstLastPara="1" wrap="square" lIns="91425" tIns="91425" rIns="91425" bIns="91425" anchor="t" anchorCtr="0">
+            <a:noAutofit/>
+          </a:bodyPr>
+          <a:lstStyle/>
+          <a:p>
+            <a:pPr marL="0" lvl="0" indent="0" algn="l" rtl="0">
+              <a:spcBef>
+                <a:spcPts val="0"/>
+              </a:spcBef>
+              <a:spcAft>
+                <a:spcPts val="0"/>
+              </a:spcAft>
+              <a:buNone/>
+            </a:pPr>
             <a:endParaRPr/>
           </a:p>
         </p:txBody>
@@ -1597,7 +2042,7 @@
 </p:notes>
 </file>
 
-<file path=ppt/notesSlides/notesSlide15.xml><?xml version="1.0" encoding="utf-8"?>
+<file path=ppt/notesSlides/notesSlide19.xml><?xml version="1.0" encoding="utf-8"?>
 <p:notes xmlns:a="http://schemas.openxmlformats.org/drawingml/2006/main" xmlns:r="http://schemas.openxmlformats.org/officeDocument/2006/relationships" xmlns:p="http://schemas.openxmlformats.org/presentationml/2006/main" showMasterSp="0" showMasterPhAnim="0">
   <p:cSld>
     <p:spTree>
@@ -1694,115 +2139,6 @@
         </p:txBody>
       </p:sp>
     </p:spTree>
-  </p:cSld>
-  <p:clrMapOvr>
-    <a:masterClrMapping/>
-  </p:clrMapOvr>
-</p:notes>
-</file>
-
-<file path=ppt/notesSlides/notesSlide16.xml><?xml version="1.0" encoding="utf-8"?>
-<p:notes xmlns:a="http://schemas.openxmlformats.org/drawingml/2006/main" xmlns:r="http://schemas.openxmlformats.org/officeDocument/2006/relationships" xmlns:p="http://schemas.openxmlformats.org/presentationml/2006/main" showMasterSp="0" showMasterPhAnim="0">
-  <p:cSld>
-    <p:spTree>
-      <p:nvGrpSpPr>
-        <p:cNvPr id="1" name="Shape 697"/>
-        <p:cNvGrpSpPr/>
-        <p:nvPr/>
-      </p:nvGrpSpPr>
-      <p:grpSpPr>
-        <a:xfrm>
-          <a:off x="0" y="0"/>
-          <a:ext cx="0" cy="0"/>
-          <a:chOff x="0" y="0"/>
-          <a:chExt cx="0" cy="0"/>
-        </a:xfrm>
-      </p:grpSpPr>
-      <p:sp>
-        <p:nvSpPr>
-          <p:cNvPr id="698" name="Google Shape;698;geb856e698b_2_646:notes"/>
-          <p:cNvSpPr>
-            <a:spLocks noGrp="1" noRot="1" noChangeAspect="1"/>
-          </p:cNvSpPr>
-          <p:nvPr>
-            <p:ph type="sldImg" idx="2"/>
-          </p:nvPr>
-        </p:nvSpPr>
-        <p:spPr>
-          <a:xfrm>
-            <a:off x="381000" y="685800"/>
-            <a:ext cx="6096000" cy="3429000"/>
-          </a:xfrm>
-          <a:custGeom>
-            <a:avLst/>
-            <a:gdLst/>
-            <a:ahLst/>
-            <a:cxnLst/>
-            <a:rect l="l" t="t" r="r" b="b"/>
-            <a:pathLst>
-              <a:path w="120000" h="120000" extrusionOk="0">
-                <a:moveTo>
-                  <a:pt x="0" y="0"/>
-                </a:moveTo>
-                <a:lnTo>
-                  <a:pt x="120000" y="0"/>
-                </a:lnTo>
-                <a:lnTo>
-                  <a:pt x="120000" y="120000"/>
-                </a:lnTo>
-                <a:lnTo>
-                  <a:pt x="0" y="120000"/>
-                </a:lnTo>
-                <a:close/>
-              </a:path>
-            </a:pathLst>
-          </a:custGeom>
-        </p:spPr>
-      </p:sp>
-      <p:sp>
-        <p:nvSpPr>
-          <p:cNvPr id="699" name="Google Shape;699;geb856e698b_2_646:notes"/>
-          <p:cNvSpPr txBox="1">
-            <a:spLocks noGrp="1"/>
-          </p:cNvSpPr>
-          <p:nvPr>
-            <p:ph type="body" idx="1"/>
-          </p:nvPr>
-        </p:nvSpPr>
-        <p:spPr>
-          <a:xfrm>
-            <a:off x="685800" y="4343400"/>
-            <a:ext cx="5486400" cy="4114800"/>
-          </a:xfrm>
-          <a:prstGeom prst="rect">
-            <a:avLst/>
-          </a:prstGeom>
-        </p:spPr>
-        <p:txBody>
-          <a:bodyPr spcFirstLastPara="1" wrap="square" lIns="91425" tIns="91425" rIns="91425" bIns="91425" anchor="t" anchorCtr="0">
-            <a:noAutofit/>
-          </a:bodyPr>
-          <a:lstStyle/>
-          <a:p>
-            <a:pPr marL="0" lvl="0" indent="0" algn="l" rtl="0">
-              <a:spcBef>
-                <a:spcPts val="0"/>
-              </a:spcBef>
-              <a:spcAft>
-                <a:spcPts val="0"/>
-              </a:spcAft>
-              <a:buNone/>
-            </a:pPr>
-            <a:endParaRPr dirty="0"/>
-          </a:p>
-        </p:txBody>
-      </p:sp>
-    </p:spTree>
-    <p:extLst>
-      <p:ext uri="{BB962C8B-B14F-4D97-AF65-F5344CB8AC3E}">
-        <p14:creationId xmlns:p14="http://schemas.microsoft.com/office/powerpoint/2010/main" val="4158172074"/>
-      </p:ext>
-    </p:extLst>
   </p:cSld>
   <p:clrMapOvr>
     <a:masterClrMapping/>
@@ -1910,6 +2246,115 @@
     <p:extLst>
       <p:ext uri="{BB962C8B-B14F-4D97-AF65-F5344CB8AC3E}">
         <p14:creationId xmlns:p14="http://schemas.microsoft.com/office/powerpoint/2010/main" val="3388912306"/>
+      </p:ext>
+    </p:extLst>
+  </p:cSld>
+  <p:clrMapOvr>
+    <a:masterClrMapping/>
+  </p:clrMapOvr>
+</p:notes>
+</file>
+
+<file path=ppt/notesSlides/notesSlide20.xml><?xml version="1.0" encoding="utf-8"?>
+<p:notes xmlns:a="http://schemas.openxmlformats.org/drawingml/2006/main" xmlns:r="http://schemas.openxmlformats.org/officeDocument/2006/relationships" xmlns:p="http://schemas.openxmlformats.org/presentationml/2006/main" showMasterSp="0" showMasterPhAnim="0">
+  <p:cSld>
+    <p:spTree>
+      <p:nvGrpSpPr>
+        <p:cNvPr id="1" name="Shape 697"/>
+        <p:cNvGrpSpPr/>
+        <p:nvPr/>
+      </p:nvGrpSpPr>
+      <p:grpSpPr>
+        <a:xfrm>
+          <a:off x="0" y="0"/>
+          <a:ext cx="0" cy="0"/>
+          <a:chOff x="0" y="0"/>
+          <a:chExt cx="0" cy="0"/>
+        </a:xfrm>
+      </p:grpSpPr>
+      <p:sp>
+        <p:nvSpPr>
+          <p:cNvPr id="698" name="Google Shape;698;geb856e698b_2_646:notes"/>
+          <p:cNvSpPr>
+            <a:spLocks noGrp="1" noRot="1" noChangeAspect="1"/>
+          </p:cNvSpPr>
+          <p:nvPr>
+            <p:ph type="sldImg" idx="2"/>
+          </p:nvPr>
+        </p:nvSpPr>
+        <p:spPr>
+          <a:xfrm>
+            <a:off x="381000" y="685800"/>
+            <a:ext cx="6096000" cy="3429000"/>
+          </a:xfrm>
+          <a:custGeom>
+            <a:avLst/>
+            <a:gdLst/>
+            <a:ahLst/>
+            <a:cxnLst/>
+            <a:rect l="l" t="t" r="r" b="b"/>
+            <a:pathLst>
+              <a:path w="120000" h="120000" extrusionOk="0">
+                <a:moveTo>
+                  <a:pt x="0" y="0"/>
+                </a:moveTo>
+                <a:lnTo>
+                  <a:pt x="120000" y="0"/>
+                </a:lnTo>
+                <a:lnTo>
+                  <a:pt x="120000" y="120000"/>
+                </a:lnTo>
+                <a:lnTo>
+                  <a:pt x="0" y="120000"/>
+                </a:lnTo>
+                <a:close/>
+              </a:path>
+            </a:pathLst>
+          </a:custGeom>
+        </p:spPr>
+      </p:sp>
+      <p:sp>
+        <p:nvSpPr>
+          <p:cNvPr id="699" name="Google Shape;699;geb856e698b_2_646:notes"/>
+          <p:cNvSpPr txBox="1">
+            <a:spLocks noGrp="1"/>
+          </p:cNvSpPr>
+          <p:nvPr>
+            <p:ph type="body" idx="1"/>
+          </p:nvPr>
+        </p:nvSpPr>
+        <p:spPr>
+          <a:xfrm>
+            <a:off x="685800" y="4343400"/>
+            <a:ext cx="5486400" cy="4114800"/>
+          </a:xfrm>
+          <a:prstGeom prst="rect">
+            <a:avLst/>
+          </a:prstGeom>
+        </p:spPr>
+        <p:txBody>
+          <a:bodyPr spcFirstLastPara="1" wrap="square" lIns="91425" tIns="91425" rIns="91425" bIns="91425" anchor="t" anchorCtr="0">
+            <a:noAutofit/>
+          </a:bodyPr>
+          <a:lstStyle/>
+          <a:p>
+            <a:pPr marL="0" lvl="0" indent="0" algn="l" rtl="0">
+              <a:spcBef>
+                <a:spcPts val="0"/>
+              </a:spcBef>
+              <a:spcAft>
+                <a:spcPts val="0"/>
+              </a:spcAft>
+              <a:buNone/>
+            </a:pPr>
+            <a:endParaRPr dirty="0"/>
+          </a:p>
+        </p:txBody>
+      </p:sp>
+    </p:spTree>
+    <p:extLst>
+      <p:ext uri="{BB962C8B-B14F-4D97-AF65-F5344CB8AC3E}">
+        <p14:creationId xmlns:p14="http://schemas.microsoft.com/office/powerpoint/2010/main" val="4158172074"/>
       </p:ext>
     </p:extLst>
   </p:cSld>
@@ -10850,6 +11295,5872 @@
         </p:nvSpPr>
         <p:spPr>
           <a:xfrm>
+            <a:off x="714375" y="190941"/>
+            <a:ext cx="7715250" cy="571500"/>
+          </a:xfrm>
+          <a:prstGeom prst="rect">
+            <a:avLst/>
+          </a:prstGeom>
+        </p:spPr>
+        <p:txBody>
+          <a:bodyPr spcFirstLastPara="1" wrap="square" lIns="91425" tIns="91425" rIns="91425" bIns="91425" anchor="t" anchorCtr="0">
+            <a:noAutofit/>
+          </a:bodyPr>
+          <a:lstStyle/>
+          <a:p>
+            <a:pPr lvl="0" algn="ctr"/>
+            <a:r>
+              <a:rPr lang="es-ES" dirty="0">
+                <a:latin typeface="Century Gothic" panose="020B0502020202020204" pitchFamily="34" charset="0"/>
+              </a:rPr>
+              <a:t>API </a:t>
+            </a:r>
+            <a:r>
+              <a:rPr lang="es-ES" dirty="0" err="1">
+                <a:latin typeface="Century Gothic" panose="020B0502020202020204" pitchFamily="34" charset="0"/>
+              </a:rPr>
+              <a:t>RESTful</a:t>
+            </a:r>
+            <a:endParaRPr dirty="0">
+              <a:solidFill>
+                <a:schemeClr val="accent3"/>
+              </a:solidFill>
+              <a:latin typeface="Century Gothic" panose="020B0502020202020204" pitchFamily="34" charset="0"/>
+            </a:endParaRPr>
+          </a:p>
+        </p:txBody>
+      </p:sp>
+      <p:graphicFrame>
+        <p:nvGraphicFramePr>
+          <p:cNvPr id="23" name="Tabla 22">
+            <a:extLst>
+              <a:ext uri="{FF2B5EF4-FFF2-40B4-BE49-F238E27FC236}">
+                <a16:creationId xmlns:a16="http://schemas.microsoft.com/office/drawing/2014/main" id="{F40B4849-EC97-4A44-8050-D6998671B486}"/>
+              </a:ext>
+            </a:extLst>
+          </p:cNvPr>
+          <p:cNvGraphicFramePr>
+            <a:graphicFrameLocks noGrp="1"/>
+          </p:cNvGraphicFramePr>
+          <p:nvPr>
+            <p:extLst>
+              <p:ext uri="{D42A27DB-BD31-4B8C-83A1-F6EECF244321}">
+                <p14:modId xmlns:p14="http://schemas.microsoft.com/office/powerpoint/2010/main" val="773685614"/>
+              </p:ext>
+            </p:extLst>
+          </p:nvPr>
+        </p:nvGraphicFramePr>
+        <p:xfrm>
+          <a:off x="1141227" y="880914"/>
+          <a:ext cx="6882810" cy="3736484"/>
+        </p:xfrm>
+        <a:graphic>
+          <a:graphicData uri="http://schemas.openxmlformats.org/drawingml/2006/table">
+            <a:tbl>
+              <a:tblPr>
+                <a:noFill/>
+                <a:tableStyleId>{A1C7B93B-6999-4B74-A35D-47D06107CE48}</a:tableStyleId>
+              </a:tblPr>
+              <a:tblGrid>
+                <a:gridCol w="6882810">
+                  <a:extLst>
+                    <a:ext uri="{9D8B030D-6E8A-4147-A177-3AD203B41FA5}">
+                      <a16:colId xmlns:a16="http://schemas.microsoft.com/office/drawing/2014/main" val="3200416508"/>
+                    </a:ext>
+                  </a:extLst>
+                </a:gridCol>
+              </a:tblGrid>
+              <a:tr h="609713">
+                <a:tc>
+                  <a:txBody>
+                    <a:bodyPr/>
+                    <a:lstStyle/>
+                    <a:p>
+                      <a:pPr marL="0" lvl="0" indent="0" algn="ctr" rtl="0">
+                        <a:spcBef>
+                          <a:spcPts val="0"/>
+                        </a:spcBef>
+                        <a:spcAft>
+                          <a:spcPts val="0"/>
+                        </a:spcAft>
+                        <a:buClr>
+                          <a:schemeClr val="dk1"/>
+                        </a:buClr>
+                        <a:buSzPts val="1100"/>
+                        <a:buFont typeface="Arial"/>
+                        <a:buNone/>
+                      </a:pPr>
+                      <a:r>
+                        <a:rPr lang="es-ES" sz="1800" b="1" dirty="0">
+                          <a:solidFill>
+                            <a:srgbClr val="007399"/>
+                          </a:solidFill>
+                          <a:latin typeface="Montserrat"/>
+                          <a:ea typeface="Montserrat"/>
+                          <a:cs typeface="Montserrat"/>
+                          <a:sym typeface="Montserrat"/>
+                        </a:rPr>
+                        <a:t>Transferencia de estado representacional (REST)</a:t>
+                      </a:r>
+                      <a:endParaRPr sz="1100" dirty="0">
+                        <a:solidFill>
+                          <a:srgbClr val="007399"/>
+                        </a:solidFill>
+                      </a:endParaRPr>
+                    </a:p>
+                  </a:txBody>
+                  <a:tcPr marL="91425" marR="91425" marT="91425" marB="91425" anchor="ctr">
+                    <a:lnL w="9525" cap="flat" cmpd="sng">
+                      <a:solidFill>
+                        <a:srgbClr val="9E9E9E">
+                          <a:alpha val="0"/>
+                        </a:srgbClr>
+                      </a:solidFill>
+                      <a:prstDash val="solid"/>
+                      <a:round/>
+                      <a:headEnd type="none" w="sm" len="sm"/>
+                      <a:tailEnd type="none" w="sm" len="sm"/>
+                    </a:lnL>
+                    <a:lnR w="9525" cap="flat" cmpd="sng">
+                      <a:solidFill>
+                        <a:srgbClr val="9E9E9E">
+                          <a:alpha val="0"/>
+                        </a:srgbClr>
+                      </a:solidFill>
+                      <a:prstDash val="solid"/>
+                      <a:round/>
+                      <a:headEnd type="none" w="sm" len="sm"/>
+                      <a:tailEnd type="none" w="sm" len="sm"/>
+                    </a:lnR>
+                    <a:lnT w="19050" cap="flat" cmpd="sng">
+                      <a:solidFill>
+                        <a:schemeClr val="accent1"/>
+                      </a:solidFill>
+                      <a:prstDash val="solid"/>
+                      <a:round/>
+                      <a:headEnd type="none" w="sm" len="sm"/>
+                      <a:tailEnd type="none" w="sm" len="sm"/>
+                    </a:lnT>
+                    <a:lnB w="19050" cap="flat" cmpd="sng">
+                      <a:solidFill>
+                        <a:schemeClr val="accent1"/>
+                      </a:solidFill>
+                      <a:prstDash val="solid"/>
+                      <a:round/>
+                      <a:headEnd type="none" w="sm" len="sm"/>
+                      <a:tailEnd type="none" w="sm" len="sm"/>
+                    </a:lnB>
+                  </a:tcPr>
+                </a:tc>
+                <a:extLst>
+                  <a:ext uri="{0D108BD9-81ED-4DB2-BD59-A6C34878D82A}">
+                    <a16:rowId xmlns:a16="http://schemas.microsoft.com/office/drawing/2014/main" val="1412082200"/>
+                  </a:ext>
+                </a:extLst>
+              </a:tr>
+              <a:tr h="689432">
+                <a:tc>
+                  <a:txBody>
+                    <a:bodyPr/>
+                    <a:lstStyle/>
+                    <a:p>
+                      <a:pPr marL="0" lvl="0" indent="0" algn="ctr" rtl="0">
+                        <a:spcBef>
+                          <a:spcPts val="0"/>
+                        </a:spcBef>
+                        <a:spcAft>
+                          <a:spcPts val="0"/>
+                        </a:spcAft>
+                        <a:buNone/>
+                      </a:pPr>
+                      <a:r>
+                        <a:rPr lang="es-ES" sz="1800" b="1" dirty="0">
+                          <a:solidFill>
+                            <a:srgbClr val="007399"/>
+                          </a:solidFill>
+                          <a:latin typeface="Montserrat"/>
+                          <a:ea typeface="Montserrat"/>
+                          <a:cs typeface="Montserrat"/>
+                          <a:sym typeface="Montserrat"/>
+                        </a:rPr>
+                        <a:t>Interfaz uniforme</a:t>
+                      </a:r>
+                      <a:endParaRPr sz="1100" dirty="0">
+                        <a:solidFill>
+                          <a:srgbClr val="007399"/>
+                        </a:solidFill>
+                      </a:endParaRPr>
+                    </a:p>
+                  </a:txBody>
+                  <a:tcPr marL="91425" marR="91425" marT="91425" marB="91425" anchor="ctr">
+                    <a:lnL w="9525" cap="flat" cmpd="sng">
+                      <a:solidFill>
+                        <a:srgbClr val="9E9E9E">
+                          <a:alpha val="0"/>
+                        </a:srgbClr>
+                      </a:solidFill>
+                      <a:prstDash val="solid"/>
+                      <a:round/>
+                      <a:headEnd type="none" w="sm" len="sm"/>
+                      <a:tailEnd type="none" w="sm" len="sm"/>
+                    </a:lnL>
+                    <a:lnR w="9525" cap="flat" cmpd="sng">
+                      <a:solidFill>
+                        <a:srgbClr val="9E9E9E">
+                          <a:alpha val="0"/>
+                        </a:srgbClr>
+                      </a:solidFill>
+                      <a:prstDash val="solid"/>
+                      <a:round/>
+                      <a:headEnd type="none" w="sm" len="sm"/>
+                      <a:tailEnd type="none" w="sm" len="sm"/>
+                    </a:lnR>
+                    <a:lnT w="19050" cap="flat" cmpd="sng">
+                      <a:solidFill>
+                        <a:schemeClr val="accent1"/>
+                      </a:solidFill>
+                      <a:prstDash val="solid"/>
+                      <a:round/>
+                      <a:headEnd type="none" w="sm" len="sm"/>
+                      <a:tailEnd type="none" w="sm" len="sm"/>
+                    </a:lnT>
+                    <a:lnB w="19050" cap="flat" cmpd="sng" algn="ctr">
+                      <a:solidFill>
+                        <a:schemeClr val="accent1"/>
+                      </a:solidFill>
+                      <a:prstDash val="solid"/>
+                      <a:round/>
+                      <a:headEnd type="none" w="sm" len="sm"/>
+                      <a:tailEnd type="none" w="sm" len="sm"/>
+                    </a:lnB>
+                  </a:tcPr>
+                </a:tc>
+                <a:extLst>
+                  <a:ext uri="{0D108BD9-81ED-4DB2-BD59-A6C34878D82A}">
+                    <a16:rowId xmlns:a16="http://schemas.microsoft.com/office/drawing/2014/main" val="1475379407"/>
+                  </a:ext>
+                </a:extLst>
+              </a:tr>
+              <a:tr h="461864">
+                <a:tc>
+                  <a:txBody>
+                    <a:bodyPr/>
+                    <a:lstStyle/>
+                    <a:p>
+                      <a:pPr marL="0" lvl="0" indent="0" algn="ctr" rtl="0">
+                        <a:spcBef>
+                          <a:spcPts val="0"/>
+                        </a:spcBef>
+                        <a:spcAft>
+                          <a:spcPts val="0"/>
+                        </a:spcAft>
+                        <a:buNone/>
+                      </a:pPr>
+                      <a:r>
+                        <a:rPr lang="es-ES" sz="1800" b="1" dirty="0">
+                          <a:solidFill>
+                            <a:srgbClr val="007399"/>
+                          </a:solidFill>
+                          <a:latin typeface="Montserrat"/>
+                          <a:ea typeface="Montserrat"/>
+                          <a:cs typeface="Montserrat"/>
+                          <a:sym typeface="Montserrat"/>
+                        </a:rPr>
+                        <a:t>Tecnología sin estado</a:t>
+                      </a:r>
+                      <a:endParaRPr sz="1100" dirty="0">
+                        <a:solidFill>
+                          <a:srgbClr val="007399"/>
+                        </a:solidFill>
+                      </a:endParaRPr>
+                    </a:p>
+                  </a:txBody>
+                  <a:tcPr marL="91425" marR="91425" marT="91425" marB="91425" anchor="ctr">
+                    <a:lnL w="9525" cap="flat" cmpd="sng">
+                      <a:solidFill>
+                        <a:srgbClr val="9E9E9E">
+                          <a:alpha val="0"/>
+                        </a:srgbClr>
+                      </a:solidFill>
+                      <a:prstDash val="solid"/>
+                      <a:round/>
+                      <a:headEnd type="none" w="sm" len="sm"/>
+                      <a:tailEnd type="none" w="sm" len="sm"/>
+                    </a:lnL>
+                    <a:lnR w="9525" cap="flat" cmpd="sng">
+                      <a:solidFill>
+                        <a:srgbClr val="9E9E9E">
+                          <a:alpha val="0"/>
+                        </a:srgbClr>
+                      </a:solidFill>
+                      <a:prstDash val="solid"/>
+                      <a:round/>
+                      <a:headEnd type="none" w="sm" len="sm"/>
+                      <a:tailEnd type="none" w="sm" len="sm"/>
+                    </a:lnR>
+                    <a:lnT w="19050" cap="flat" cmpd="sng">
+                      <a:solidFill>
+                        <a:schemeClr val="accent1"/>
+                      </a:solidFill>
+                      <a:prstDash val="solid"/>
+                      <a:round/>
+                      <a:headEnd type="none" w="sm" len="sm"/>
+                      <a:tailEnd type="none" w="sm" len="sm"/>
+                    </a:lnT>
+                    <a:lnB w="19050" cap="flat" cmpd="sng">
+                      <a:solidFill>
+                        <a:schemeClr val="accent1"/>
+                      </a:solidFill>
+                      <a:prstDash val="solid"/>
+                      <a:round/>
+                      <a:headEnd type="none" w="sm" len="sm"/>
+                      <a:tailEnd type="none" w="sm" len="sm"/>
+                    </a:lnB>
+                  </a:tcPr>
+                </a:tc>
+                <a:extLst>
+                  <a:ext uri="{0D108BD9-81ED-4DB2-BD59-A6C34878D82A}">
+                    <a16:rowId xmlns:a16="http://schemas.microsoft.com/office/drawing/2014/main" val="2916274589"/>
+                  </a:ext>
+                </a:extLst>
+              </a:tr>
+              <a:tr h="609713">
+                <a:tc>
+                  <a:txBody>
+                    <a:bodyPr/>
+                    <a:lstStyle/>
+                    <a:p>
+                      <a:pPr marL="0" lvl="0" indent="0" algn="ctr" rtl="0">
+                        <a:spcBef>
+                          <a:spcPts val="0"/>
+                        </a:spcBef>
+                        <a:spcAft>
+                          <a:spcPts val="0"/>
+                        </a:spcAft>
+                        <a:buNone/>
+                      </a:pPr>
+                      <a:r>
+                        <a:rPr lang="es-ES" sz="1800" b="1" dirty="0">
+                          <a:solidFill>
+                            <a:srgbClr val="007399"/>
+                          </a:solidFill>
+                          <a:latin typeface="Montserrat"/>
+                          <a:ea typeface="Montserrat"/>
+                          <a:cs typeface="Montserrat"/>
+                          <a:sym typeface="Montserrat"/>
+                        </a:rPr>
+                        <a:t>Escalabilidad</a:t>
+                      </a:r>
+                      <a:endParaRPr sz="1100" dirty="0">
+                        <a:solidFill>
+                          <a:srgbClr val="007399"/>
+                        </a:solidFill>
+                      </a:endParaRPr>
+                    </a:p>
+                  </a:txBody>
+                  <a:tcPr marL="91425" marR="91425" marT="91425" marB="91425" anchor="ctr">
+                    <a:lnL w="9525" cap="flat" cmpd="sng">
+                      <a:solidFill>
+                        <a:srgbClr val="9E9E9E">
+                          <a:alpha val="0"/>
+                        </a:srgbClr>
+                      </a:solidFill>
+                      <a:prstDash val="solid"/>
+                      <a:round/>
+                      <a:headEnd type="none" w="sm" len="sm"/>
+                      <a:tailEnd type="none" w="sm" len="sm"/>
+                    </a:lnL>
+                    <a:lnR w="9525" cap="flat" cmpd="sng">
+                      <a:solidFill>
+                        <a:srgbClr val="9E9E9E">
+                          <a:alpha val="0"/>
+                        </a:srgbClr>
+                      </a:solidFill>
+                      <a:prstDash val="solid"/>
+                      <a:round/>
+                      <a:headEnd type="none" w="sm" len="sm"/>
+                      <a:tailEnd type="none" w="sm" len="sm"/>
+                    </a:lnR>
+                    <a:lnT w="19050" cap="flat" cmpd="sng">
+                      <a:solidFill>
+                        <a:schemeClr val="accent1"/>
+                      </a:solidFill>
+                      <a:prstDash val="solid"/>
+                      <a:round/>
+                      <a:headEnd type="none" w="sm" len="sm"/>
+                      <a:tailEnd type="none" w="sm" len="sm"/>
+                    </a:lnT>
+                    <a:lnB w="19050" cap="flat" cmpd="sng">
+                      <a:solidFill>
+                        <a:schemeClr val="accent1"/>
+                      </a:solidFill>
+                      <a:prstDash val="solid"/>
+                      <a:round/>
+                      <a:headEnd type="none" w="sm" len="sm"/>
+                      <a:tailEnd type="none" w="sm" len="sm"/>
+                    </a:lnB>
+                  </a:tcPr>
+                </a:tc>
+                <a:extLst>
+                  <a:ext uri="{0D108BD9-81ED-4DB2-BD59-A6C34878D82A}">
+                    <a16:rowId xmlns:a16="http://schemas.microsoft.com/office/drawing/2014/main" val="1661231357"/>
+                  </a:ext>
+                </a:extLst>
+              </a:tr>
+              <a:tr h="621477">
+                <a:tc>
+                  <a:txBody>
+                    <a:bodyPr/>
+                    <a:lstStyle/>
+                    <a:p>
+                      <a:pPr marL="0" lvl="0" indent="0" algn="ctr" rtl="0">
+                        <a:spcBef>
+                          <a:spcPts val="0"/>
+                        </a:spcBef>
+                        <a:spcAft>
+                          <a:spcPts val="0"/>
+                        </a:spcAft>
+                        <a:buNone/>
+                      </a:pPr>
+                      <a:r>
+                        <a:rPr lang="es-ES" sz="1800" b="1" dirty="0">
+                          <a:solidFill>
+                            <a:srgbClr val="007399"/>
+                          </a:solidFill>
+                          <a:latin typeface="Montserrat"/>
+                          <a:ea typeface="Montserrat"/>
+                          <a:cs typeface="Montserrat"/>
+                          <a:sym typeface="Montserrat"/>
+                        </a:rPr>
+                        <a:t>Flexibilidad (desacoplamiento cliente/servidor)</a:t>
+                      </a:r>
+                      <a:endParaRPr sz="1100" dirty="0">
+                        <a:solidFill>
+                          <a:srgbClr val="007399"/>
+                        </a:solidFill>
+                      </a:endParaRPr>
+                    </a:p>
+                  </a:txBody>
+                  <a:tcPr marL="91425" marR="91425" marT="91425" marB="91425" anchor="ctr">
+                    <a:lnL w="9525" cap="flat" cmpd="sng">
+                      <a:solidFill>
+                        <a:srgbClr val="9E9E9E">
+                          <a:alpha val="0"/>
+                        </a:srgbClr>
+                      </a:solidFill>
+                      <a:prstDash val="solid"/>
+                      <a:round/>
+                      <a:headEnd type="none" w="sm" len="sm"/>
+                      <a:tailEnd type="none" w="sm" len="sm"/>
+                    </a:lnL>
+                    <a:lnR w="9525" cap="flat" cmpd="sng">
+                      <a:solidFill>
+                        <a:srgbClr val="9E9E9E">
+                          <a:alpha val="0"/>
+                        </a:srgbClr>
+                      </a:solidFill>
+                      <a:prstDash val="solid"/>
+                      <a:round/>
+                      <a:headEnd type="none" w="sm" len="sm"/>
+                      <a:tailEnd type="none" w="sm" len="sm"/>
+                    </a:lnR>
+                    <a:lnT w="19050" cap="flat" cmpd="sng" algn="ctr">
+                      <a:solidFill>
+                        <a:schemeClr val="accent1"/>
+                      </a:solidFill>
+                      <a:prstDash val="solid"/>
+                      <a:round/>
+                      <a:headEnd type="none" w="sm" len="sm"/>
+                      <a:tailEnd type="none" w="sm" len="sm"/>
+                    </a:lnT>
+                    <a:lnB w="19050" cap="flat" cmpd="sng">
+                      <a:solidFill>
+                        <a:schemeClr val="accent1"/>
+                      </a:solidFill>
+                      <a:prstDash val="solid"/>
+                      <a:round/>
+                      <a:headEnd type="none" w="sm" len="sm"/>
+                      <a:tailEnd type="none" w="sm" len="sm"/>
+                    </a:lnB>
+                  </a:tcPr>
+                </a:tc>
+                <a:extLst>
+                  <a:ext uri="{0D108BD9-81ED-4DB2-BD59-A6C34878D82A}">
+                    <a16:rowId xmlns:a16="http://schemas.microsoft.com/office/drawing/2014/main" val="33802572"/>
+                  </a:ext>
+                </a:extLst>
+              </a:tr>
+              <a:tr h="744285">
+                <a:tc>
+                  <a:txBody>
+                    <a:bodyPr/>
+                    <a:lstStyle/>
+                    <a:p>
+                      <a:pPr marL="0" lvl="0" indent="0" algn="ctr" rtl="0">
+                        <a:spcBef>
+                          <a:spcPts val="0"/>
+                        </a:spcBef>
+                        <a:spcAft>
+                          <a:spcPts val="0"/>
+                        </a:spcAft>
+                        <a:buClr>
+                          <a:schemeClr val="dk1"/>
+                        </a:buClr>
+                        <a:buSzPts val="1100"/>
+                        <a:buFont typeface="Arial"/>
+                        <a:buNone/>
+                      </a:pPr>
+                      <a:r>
+                        <a:rPr lang="es-ES" sz="1800" b="1" dirty="0">
+                          <a:solidFill>
+                            <a:srgbClr val="007399"/>
+                          </a:solidFill>
+                          <a:latin typeface="Montserrat"/>
+                          <a:ea typeface="Montserrat"/>
+                          <a:cs typeface="Montserrat"/>
+                          <a:sym typeface="Montserrat"/>
+                        </a:rPr>
+                        <a:t>Independientes tecnología</a:t>
+                      </a:r>
+                      <a:endParaRPr sz="1100" dirty="0">
+                        <a:solidFill>
+                          <a:srgbClr val="007399"/>
+                        </a:solidFill>
+                      </a:endParaRPr>
+                    </a:p>
+                  </a:txBody>
+                  <a:tcPr marL="91425" marR="91425" marT="91425" marB="91425" anchor="ctr">
+                    <a:lnL w="9525" cap="flat" cmpd="sng">
+                      <a:solidFill>
+                        <a:srgbClr val="9E9E9E">
+                          <a:alpha val="0"/>
+                        </a:srgbClr>
+                      </a:solidFill>
+                      <a:prstDash val="solid"/>
+                      <a:round/>
+                      <a:headEnd type="none" w="sm" len="sm"/>
+                      <a:tailEnd type="none" w="sm" len="sm"/>
+                    </a:lnL>
+                    <a:lnR w="9525" cap="flat" cmpd="sng">
+                      <a:solidFill>
+                        <a:srgbClr val="9E9E9E">
+                          <a:alpha val="0"/>
+                        </a:srgbClr>
+                      </a:solidFill>
+                      <a:prstDash val="solid"/>
+                      <a:round/>
+                      <a:headEnd type="none" w="sm" len="sm"/>
+                      <a:tailEnd type="none" w="sm" len="sm"/>
+                    </a:lnR>
+                    <a:lnT w="19050" cap="flat" cmpd="sng">
+                      <a:solidFill>
+                        <a:schemeClr val="accent1"/>
+                      </a:solidFill>
+                      <a:prstDash val="solid"/>
+                      <a:round/>
+                      <a:headEnd type="none" w="sm" len="sm"/>
+                      <a:tailEnd type="none" w="sm" len="sm"/>
+                    </a:lnT>
+                    <a:lnB w="19050" cap="flat" cmpd="sng">
+                      <a:solidFill>
+                        <a:schemeClr val="accent1"/>
+                      </a:solidFill>
+                      <a:prstDash val="solid"/>
+                      <a:round/>
+                      <a:headEnd type="none" w="sm" len="sm"/>
+                      <a:tailEnd type="none" w="sm" len="sm"/>
+                    </a:lnB>
+                  </a:tcPr>
+                </a:tc>
+                <a:extLst>
+                  <a:ext uri="{0D108BD9-81ED-4DB2-BD59-A6C34878D82A}">
+                    <a16:rowId xmlns:a16="http://schemas.microsoft.com/office/drawing/2014/main" val="1389778004"/>
+                  </a:ext>
+                </a:extLst>
+              </a:tr>
+            </a:tbl>
+          </a:graphicData>
+        </a:graphic>
+      </p:graphicFrame>
+    </p:spTree>
+    <p:extLst>
+      <p:ext uri="{BB962C8B-B14F-4D97-AF65-F5344CB8AC3E}">
+        <p14:creationId xmlns:p14="http://schemas.microsoft.com/office/powerpoint/2010/main" val="2000002094"/>
+      </p:ext>
+    </p:extLst>
+  </p:cSld>
+  <p:clrMapOvr>
+    <a:masterClrMapping/>
+  </p:clrMapOvr>
+</p:sld>
+</file>
+
+<file path=ppt/slides/slide14.xml><?xml version="1.0" encoding="utf-8"?>
+<p:sld xmlns:a="http://schemas.openxmlformats.org/drawingml/2006/main" xmlns:r="http://schemas.openxmlformats.org/officeDocument/2006/relationships" xmlns:p="http://schemas.openxmlformats.org/presentationml/2006/main">
+  <p:cSld>
+    <p:spTree>
+      <p:nvGrpSpPr>
+        <p:cNvPr id="1" name="Shape 353"/>
+        <p:cNvGrpSpPr/>
+        <p:nvPr/>
+      </p:nvGrpSpPr>
+      <p:grpSpPr>
+        <a:xfrm>
+          <a:off x="0" y="0"/>
+          <a:ext cx="0" cy="0"/>
+          <a:chOff x="0" y="0"/>
+          <a:chExt cx="0" cy="0"/>
+        </a:xfrm>
+      </p:grpSpPr>
+      <p:sp>
+        <p:nvSpPr>
+          <p:cNvPr id="354" name="Google Shape;354;p37"/>
+          <p:cNvSpPr txBox="1">
+            <a:spLocks noGrp="1"/>
+          </p:cNvSpPr>
+          <p:nvPr>
+            <p:ph type="title"/>
+          </p:nvPr>
+        </p:nvSpPr>
+        <p:spPr>
+          <a:xfrm>
+            <a:off x="714375" y="190941"/>
+            <a:ext cx="7715250" cy="571500"/>
+          </a:xfrm>
+          <a:prstGeom prst="rect">
+            <a:avLst/>
+          </a:prstGeom>
+        </p:spPr>
+        <p:txBody>
+          <a:bodyPr spcFirstLastPara="1" wrap="square" lIns="91425" tIns="91425" rIns="91425" bIns="91425" anchor="t" anchorCtr="0">
+            <a:noAutofit/>
+          </a:bodyPr>
+          <a:lstStyle/>
+          <a:p>
+            <a:pPr lvl="0" algn="ctr"/>
+            <a:r>
+              <a:rPr lang="es-ES" dirty="0">
+                <a:latin typeface="Century Gothic" panose="020B0502020202020204" pitchFamily="34" charset="0"/>
+              </a:rPr>
+              <a:t>API </a:t>
+            </a:r>
+            <a:r>
+              <a:rPr lang="es-ES" dirty="0" err="1">
+                <a:latin typeface="Century Gothic" panose="020B0502020202020204" pitchFamily="34" charset="0"/>
+              </a:rPr>
+              <a:t>RESTful</a:t>
+            </a:r>
+            <a:r>
+              <a:rPr lang="es-ES" dirty="0">
+                <a:latin typeface="Century Gothic" panose="020B0502020202020204" pitchFamily="34" charset="0"/>
+              </a:rPr>
+              <a:t> – Buenas Prácticas</a:t>
+            </a:r>
+            <a:endParaRPr dirty="0">
+              <a:solidFill>
+                <a:schemeClr val="accent3"/>
+              </a:solidFill>
+              <a:latin typeface="Century Gothic" panose="020B0502020202020204" pitchFamily="34" charset="0"/>
+            </a:endParaRPr>
+          </a:p>
+        </p:txBody>
+      </p:sp>
+      <p:sp>
+        <p:nvSpPr>
+          <p:cNvPr id="2" name="Google Shape;427;p42">
+            <a:extLst>
+              <a:ext uri="{FF2B5EF4-FFF2-40B4-BE49-F238E27FC236}">
+                <a16:creationId xmlns:a16="http://schemas.microsoft.com/office/drawing/2014/main" id="{525CF85C-95D5-0394-1988-C80412609513}"/>
+              </a:ext>
+            </a:extLst>
+          </p:cNvPr>
+          <p:cNvSpPr/>
+          <p:nvPr/>
+        </p:nvSpPr>
+        <p:spPr>
+          <a:xfrm>
+            <a:off x="2094750" y="1178551"/>
+            <a:ext cx="695400" cy="677400"/>
+          </a:xfrm>
+          <a:prstGeom prst="roundRect">
+            <a:avLst>
+              <a:gd name="adj" fmla="val 16667"/>
+            </a:avLst>
+          </a:prstGeom>
+          <a:solidFill>
+            <a:srgbClr val="F3B734"/>
+          </a:solidFill>
+          <a:ln>
+            <a:noFill/>
+          </a:ln>
+        </p:spPr>
+        <p:txBody>
+          <a:bodyPr spcFirstLastPara="1" wrap="square" lIns="91425" tIns="91425" rIns="91425" bIns="91425" anchor="ctr" anchorCtr="0">
+            <a:noAutofit/>
+          </a:bodyPr>
+          <a:lstStyle/>
+          <a:p>
+            <a:pPr marL="0" lvl="0" indent="0" algn="l" rtl="0">
+              <a:spcBef>
+                <a:spcPts val="0"/>
+              </a:spcBef>
+              <a:spcAft>
+                <a:spcPts val="0"/>
+              </a:spcAft>
+              <a:buNone/>
+            </a:pPr>
+            <a:endParaRPr/>
+          </a:p>
+        </p:txBody>
+      </p:sp>
+      <p:sp>
+        <p:nvSpPr>
+          <p:cNvPr id="3" name="Google Shape;432;p42">
+            <a:extLst>
+              <a:ext uri="{FF2B5EF4-FFF2-40B4-BE49-F238E27FC236}">
+                <a16:creationId xmlns:a16="http://schemas.microsoft.com/office/drawing/2014/main" id="{E5A9A265-F1AD-046B-B3D0-0294E063333F}"/>
+              </a:ext>
+            </a:extLst>
+          </p:cNvPr>
+          <p:cNvSpPr txBox="1"/>
+          <p:nvPr/>
+        </p:nvSpPr>
+        <p:spPr>
+          <a:xfrm>
+            <a:off x="1488555" y="2052206"/>
+            <a:ext cx="1903639" cy="409487"/>
+          </a:xfrm>
+          <a:prstGeom prst="rect">
+            <a:avLst/>
+          </a:prstGeom>
+          <a:noFill/>
+          <a:ln>
+            <a:noFill/>
+          </a:ln>
+        </p:spPr>
+        <p:txBody>
+          <a:bodyPr spcFirstLastPara="1" wrap="square" lIns="91425" tIns="91425" rIns="91425" bIns="91425" anchor="ctr" anchorCtr="0">
+            <a:noAutofit/>
+          </a:bodyPr>
+          <a:lstStyle/>
+          <a:p>
+            <a:pPr lvl="0" algn="ctr"/>
+            <a:r>
+              <a:rPr lang="es-ES" sz="2200" b="1" dirty="0">
+                <a:solidFill>
+                  <a:srgbClr val="007399"/>
+                </a:solidFill>
+                <a:latin typeface="Montserrat"/>
+                <a:ea typeface="Montserrat"/>
+                <a:cs typeface="Montserrat"/>
+                <a:sym typeface="Montserrat"/>
+              </a:rPr>
+              <a:t>Nombrado de recursos</a:t>
+            </a:r>
+            <a:endParaRPr sz="2200" b="1" dirty="0">
+              <a:solidFill>
+                <a:srgbClr val="007399"/>
+              </a:solidFill>
+              <a:latin typeface="Montserrat"/>
+              <a:ea typeface="Montserrat"/>
+              <a:cs typeface="Montserrat"/>
+              <a:sym typeface="Montserrat"/>
+            </a:endParaRPr>
+          </a:p>
+        </p:txBody>
+      </p:sp>
+      <p:sp>
+        <p:nvSpPr>
+          <p:cNvPr id="5" name="Google Shape;433;p42">
+            <a:extLst>
+              <a:ext uri="{FF2B5EF4-FFF2-40B4-BE49-F238E27FC236}">
+                <a16:creationId xmlns:a16="http://schemas.microsoft.com/office/drawing/2014/main" id="{A001C8EE-0D71-6004-6EC1-B124CFDAF3F6}"/>
+              </a:ext>
+            </a:extLst>
+          </p:cNvPr>
+          <p:cNvSpPr txBox="1"/>
+          <p:nvPr/>
+        </p:nvSpPr>
+        <p:spPr>
+          <a:xfrm>
+            <a:off x="653358" y="2662843"/>
+            <a:ext cx="3514603" cy="1327908"/>
+          </a:xfrm>
+          <a:prstGeom prst="rect">
+            <a:avLst/>
+          </a:prstGeom>
+          <a:noFill/>
+          <a:ln>
+            <a:noFill/>
+          </a:ln>
+        </p:spPr>
+        <p:txBody>
+          <a:bodyPr spcFirstLastPara="1" wrap="square" lIns="91425" tIns="91425" rIns="91425" bIns="91425" anchor="ctr" anchorCtr="0">
+            <a:noAutofit/>
+          </a:bodyPr>
+          <a:lstStyle/>
+          <a:p>
+            <a:pPr lvl="0" algn="ctr">
+              <a:buSzPts val="1100"/>
+            </a:pPr>
+            <a:r>
+              <a:rPr lang="es-ES" dirty="0">
+                <a:solidFill>
+                  <a:srgbClr val="007399"/>
+                </a:solidFill>
+                <a:latin typeface="Raleway Medium"/>
+                <a:ea typeface="Raleway Medium"/>
+                <a:cs typeface="Raleway Medium"/>
+                <a:sym typeface="Raleway Medium"/>
+              </a:rPr>
+              <a:t>Sustantivos</a:t>
+            </a:r>
+          </a:p>
+          <a:p>
+            <a:pPr lvl="0" algn="ctr">
+              <a:buSzPts val="1100"/>
+            </a:pPr>
+            <a:r>
+              <a:rPr lang="es-ES" dirty="0">
+                <a:solidFill>
+                  <a:srgbClr val="007399"/>
+                </a:solidFill>
+                <a:latin typeface="Raleway Medium"/>
+                <a:ea typeface="Raleway Medium"/>
+                <a:cs typeface="Raleway Medium"/>
+                <a:sym typeface="Raleway Medium"/>
+              </a:rPr>
+              <a:t>Plural</a:t>
+            </a:r>
+          </a:p>
+          <a:p>
+            <a:pPr lvl="0" algn="ctr">
+              <a:buSzPts val="1100"/>
+            </a:pPr>
+            <a:r>
+              <a:rPr lang="es-ES" dirty="0">
+                <a:solidFill>
+                  <a:srgbClr val="007399"/>
+                </a:solidFill>
+                <a:latin typeface="Raleway Medium"/>
+                <a:ea typeface="Raleway Medium"/>
+                <a:cs typeface="Raleway Medium"/>
+                <a:sym typeface="Raleway Medium"/>
+              </a:rPr>
+              <a:t>Minúscula</a:t>
+            </a:r>
+          </a:p>
+          <a:p>
+            <a:pPr lvl="0" algn="ctr">
+              <a:buSzPts val="1100"/>
+            </a:pPr>
+            <a:r>
+              <a:rPr lang="es-ES" dirty="0">
+                <a:solidFill>
+                  <a:srgbClr val="007399"/>
+                </a:solidFill>
+                <a:latin typeface="Raleway Medium"/>
+                <a:ea typeface="Raleway Medium"/>
+                <a:cs typeface="Raleway Medium"/>
+                <a:sym typeface="Raleway Medium"/>
+              </a:rPr>
+              <a:t>Usamos guiones para separar palabras</a:t>
+            </a:r>
+          </a:p>
+          <a:p>
+            <a:pPr lvl="0" algn="ctr">
+              <a:buSzPts val="1100"/>
+            </a:pPr>
+            <a:r>
+              <a:rPr lang="es-ES" dirty="0">
+                <a:solidFill>
+                  <a:srgbClr val="007399"/>
+                </a:solidFill>
+                <a:latin typeface="Raleway Medium"/>
+                <a:ea typeface="Raleway Medium"/>
+                <a:cs typeface="Raleway Medium"/>
+                <a:sym typeface="Raleway Medium"/>
+              </a:rPr>
+              <a:t>No acabar en /</a:t>
+            </a:r>
+          </a:p>
+          <a:p>
+            <a:pPr lvl="0" algn="ctr">
+              <a:buSzPts val="1100"/>
+            </a:pPr>
+            <a:r>
+              <a:rPr lang="es-ES" dirty="0">
+                <a:solidFill>
+                  <a:srgbClr val="007399"/>
+                </a:solidFill>
+                <a:latin typeface="Raleway Medium"/>
+                <a:ea typeface="Raleway Medium"/>
+                <a:cs typeface="Raleway Medium"/>
+                <a:sym typeface="Raleway Medium"/>
+              </a:rPr>
+              <a:t>No usar extensiones </a:t>
+            </a:r>
+          </a:p>
+        </p:txBody>
+      </p:sp>
+      <p:grpSp>
+        <p:nvGrpSpPr>
+          <p:cNvPr id="6" name="Google Shape;453;p42">
+            <a:extLst>
+              <a:ext uri="{FF2B5EF4-FFF2-40B4-BE49-F238E27FC236}">
+                <a16:creationId xmlns:a16="http://schemas.microsoft.com/office/drawing/2014/main" id="{B682D1B8-DFBD-6958-32A4-2AC74EB56C79}"/>
+              </a:ext>
+            </a:extLst>
+          </p:cNvPr>
+          <p:cNvGrpSpPr/>
+          <p:nvPr/>
+        </p:nvGrpSpPr>
+        <p:grpSpPr>
+          <a:xfrm>
+            <a:off x="2252000" y="1347486"/>
+            <a:ext cx="346347" cy="339623"/>
+            <a:chOff x="1490050" y="3805975"/>
+            <a:chExt cx="491900" cy="482350"/>
+          </a:xfrm>
+        </p:grpSpPr>
+        <p:sp>
+          <p:nvSpPr>
+            <p:cNvPr id="7" name="Google Shape;454;p42">
+              <a:extLst>
+                <a:ext uri="{FF2B5EF4-FFF2-40B4-BE49-F238E27FC236}">
+                  <a16:creationId xmlns:a16="http://schemas.microsoft.com/office/drawing/2014/main" id="{8AB84D4A-E0CA-4BFD-7BF0-944CB14BA3C3}"/>
+                </a:ext>
+              </a:extLst>
+            </p:cNvPr>
+            <p:cNvSpPr/>
+            <p:nvPr/>
+          </p:nvSpPr>
+          <p:spPr>
+            <a:xfrm>
+              <a:off x="1541775" y="3877050"/>
+              <a:ext cx="302500" cy="277225"/>
+            </a:xfrm>
+            <a:custGeom>
+              <a:avLst/>
+              <a:gdLst/>
+              <a:ahLst/>
+              <a:cxnLst/>
+              <a:rect l="l" t="t" r="r" b="b"/>
+              <a:pathLst>
+                <a:path w="12100" h="11089" extrusionOk="0">
+                  <a:moveTo>
+                    <a:pt x="10512" y="1"/>
+                  </a:moveTo>
+                  <a:lnTo>
+                    <a:pt x="0" y="10513"/>
+                  </a:lnTo>
+                  <a:cubicBezTo>
+                    <a:pt x="207" y="10475"/>
+                    <a:pt x="415" y="10456"/>
+                    <a:pt x="622" y="10456"/>
+                  </a:cubicBezTo>
+                  <a:cubicBezTo>
+                    <a:pt x="1327" y="10456"/>
+                    <a:pt x="2020" y="10674"/>
+                    <a:pt x="2602" y="11088"/>
+                  </a:cubicBezTo>
+                  <a:lnTo>
+                    <a:pt x="12099" y="1588"/>
+                  </a:lnTo>
+                  <a:lnTo>
+                    <a:pt x="10512" y="1"/>
+                  </a:lnTo>
+                  <a:close/>
+                </a:path>
+              </a:pathLst>
+            </a:custGeom>
+            <a:solidFill>
+              <a:schemeClr val="lt1"/>
+            </a:solidFill>
+            <a:ln>
+              <a:noFill/>
+            </a:ln>
+          </p:spPr>
+          <p:txBody>
+            <a:bodyPr spcFirstLastPara="1" wrap="square" lIns="91425" tIns="91425" rIns="91425" bIns="91425" anchor="ctr" anchorCtr="0">
+              <a:noAutofit/>
+            </a:bodyPr>
+            <a:lstStyle/>
+            <a:p>
+              <a:pPr marL="0" lvl="0" indent="0" algn="l" rtl="0">
+                <a:spcBef>
+                  <a:spcPts val="0"/>
+                </a:spcBef>
+                <a:spcAft>
+                  <a:spcPts val="0"/>
+                </a:spcAft>
+                <a:buNone/>
+              </a:pPr>
+              <a:endParaRPr>
+                <a:solidFill>
+                  <a:srgbClr val="435D74"/>
+                </a:solidFill>
+              </a:endParaRPr>
+            </a:p>
+          </p:txBody>
+        </p:sp>
+        <p:sp>
+          <p:nvSpPr>
+            <p:cNvPr id="8" name="Google Shape;455;p42">
+              <a:extLst>
+                <a:ext uri="{FF2B5EF4-FFF2-40B4-BE49-F238E27FC236}">
+                  <a16:creationId xmlns:a16="http://schemas.microsoft.com/office/drawing/2014/main" id="{408673CE-1D04-A76E-3562-25D79B29C146}"/>
+                </a:ext>
+              </a:extLst>
+            </p:cNvPr>
+            <p:cNvSpPr/>
+            <p:nvPr/>
+          </p:nvSpPr>
+          <p:spPr>
+            <a:xfrm>
+              <a:off x="1824450" y="3805975"/>
+              <a:ext cx="157500" cy="150525"/>
+            </a:xfrm>
+            <a:custGeom>
+              <a:avLst/>
+              <a:gdLst/>
+              <a:ahLst/>
+              <a:cxnLst/>
+              <a:rect l="l" t="t" r="r" b="b"/>
+              <a:pathLst>
+                <a:path w="6300" h="6021" extrusionOk="0">
+                  <a:moveTo>
+                    <a:pt x="3211" y="0"/>
+                  </a:moveTo>
+                  <a:cubicBezTo>
+                    <a:pt x="2484" y="0"/>
+                    <a:pt x="1758" y="281"/>
+                    <a:pt x="1208" y="841"/>
+                  </a:cubicBezTo>
+                  <a:lnTo>
+                    <a:pt x="0" y="2049"/>
+                  </a:lnTo>
+                  <a:lnTo>
+                    <a:pt x="3972" y="6021"/>
+                  </a:lnTo>
+                  <a:lnTo>
+                    <a:pt x="5180" y="4813"/>
+                  </a:lnTo>
+                  <a:cubicBezTo>
+                    <a:pt x="6294" y="3717"/>
+                    <a:pt x="6300" y="1925"/>
+                    <a:pt x="5198" y="823"/>
+                  </a:cubicBezTo>
+                  <a:cubicBezTo>
+                    <a:pt x="4649" y="274"/>
+                    <a:pt x="3930" y="0"/>
+                    <a:pt x="3211" y="0"/>
+                  </a:cubicBezTo>
+                  <a:close/>
+                </a:path>
+              </a:pathLst>
+            </a:custGeom>
+            <a:solidFill>
+              <a:schemeClr val="lt1"/>
+            </a:solidFill>
+            <a:ln>
+              <a:noFill/>
+            </a:ln>
+          </p:spPr>
+          <p:txBody>
+            <a:bodyPr spcFirstLastPara="1" wrap="square" lIns="91425" tIns="91425" rIns="91425" bIns="91425" anchor="ctr" anchorCtr="0">
+              <a:noAutofit/>
+            </a:bodyPr>
+            <a:lstStyle/>
+            <a:p>
+              <a:pPr marL="0" lvl="0" indent="0" algn="l" rtl="0">
+                <a:spcBef>
+                  <a:spcPts val="0"/>
+                </a:spcBef>
+                <a:spcAft>
+                  <a:spcPts val="0"/>
+                </a:spcAft>
+                <a:buNone/>
+              </a:pPr>
+              <a:endParaRPr>
+                <a:solidFill>
+                  <a:srgbClr val="435D74"/>
+                </a:solidFill>
+              </a:endParaRPr>
+            </a:p>
+          </p:txBody>
+        </p:sp>
+        <p:sp>
+          <p:nvSpPr>
+            <p:cNvPr id="9" name="Google Shape;456;p42">
+              <a:extLst>
+                <a:ext uri="{FF2B5EF4-FFF2-40B4-BE49-F238E27FC236}">
+                  <a16:creationId xmlns:a16="http://schemas.microsoft.com/office/drawing/2014/main" id="{861F5943-89EA-8D5E-19E4-E2A0DB64EB90}"/>
+                </a:ext>
+              </a:extLst>
+            </p:cNvPr>
+            <p:cNvSpPr/>
+            <p:nvPr/>
+          </p:nvSpPr>
+          <p:spPr>
+            <a:xfrm>
+              <a:off x="1626675" y="3936600"/>
+              <a:ext cx="277225" cy="302600"/>
+            </a:xfrm>
+            <a:custGeom>
+              <a:avLst/>
+              <a:gdLst/>
+              <a:ahLst/>
+              <a:cxnLst/>
+              <a:rect l="l" t="t" r="r" b="b"/>
+              <a:pathLst>
+                <a:path w="11089" h="12104" extrusionOk="0">
+                  <a:moveTo>
+                    <a:pt x="9501" y="1"/>
+                  </a:moveTo>
+                  <a:lnTo>
+                    <a:pt x="1" y="9501"/>
+                  </a:lnTo>
+                  <a:cubicBezTo>
+                    <a:pt x="537" y="10254"/>
+                    <a:pt x="745" y="11194"/>
+                    <a:pt x="576" y="12103"/>
+                  </a:cubicBezTo>
+                  <a:lnTo>
+                    <a:pt x="11088" y="1591"/>
+                  </a:lnTo>
+                  <a:lnTo>
+                    <a:pt x="9501" y="1"/>
+                  </a:lnTo>
+                  <a:close/>
+                </a:path>
+              </a:pathLst>
+            </a:custGeom>
+            <a:solidFill>
+              <a:schemeClr val="lt1"/>
+            </a:solidFill>
+            <a:ln>
+              <a:noFill/>
+            </a:ln>
+          </p:spPr>
+          <p:txBody>
+            <a:bodyPr spcFirstLastPara="1" wrap="square" lIns="91425" tIns="91425" rIns="91425" bIns="91425" anchor="ctr" anchorCtr="0">
+              <a:noAutofit/>
+            </a:bodyPr>
+            <a:lstStyle/>
+            <a:p>
+              <a:pPr marL="0" lvl="0" indent="0" algn="l" rtl="0">
+                <a:spcBef>
+                  <a:spcPts val="0"/>
+                </a:spcBef>
+                <a:spcAft>
+                  <a:spcPts val="0"/>
+                </a:spcAft>
+                <a:buNone/>
+              </a:pPr>
+              <a:endParaRPr>
+                <a:solidFill>
+                  <a:srgbClr val="435D74"/>
+                </a:solidFill>
+              </a:endParaRPr>
+            </a:p>
+          </p:txBody>
+        </p:sp>
+        <p:sp>
+          <p:nvSpPr>
+            <p:cNvPr id="10" name="Google Shape;457;p42">
+              <a:extLst>
+                <a:ext uri="{FF2B5EF4-FFF2-40B4-BE49-F238E27FC236}">
+                  <a16:creationId xmlns:a16="http://schemas.microsoft.com/office/drawing/2014/main" id="{C8AE910F-E08D-A1A4-CAD9-EF3F73D04E6E}"/>
+                </a:ext>
+              </a:extLst>
+            </p:cNvPr>
+            <p:cNvSpPr/>
+            <p:nvPr/>
+          </p:nvSpPr>
+          <p:spPr>
+            <a:xfrm>
+              <a:off x="1490050" y="4166500"/>
+              <a:ext cx="129950" cy="121825"/>
+            </a:xfrm>
+            <a:custGeom>
+              <a:avLst/>
+              <a:gdLst/>
+              <a:ahLst/>
+              <a:cxnLst/>
+              <a:rect l="l" t="t" r="r" b="b"/>
+              <a:pathLst>
+                <a:path w="5198" h="4873" extrusionOk="0">
+                  <a:moveTo>
+                    <a:pt x="2693" y="0"/>
+                  </a:moveTo>
+                  <a:cubicBezTo>
+                    <a:pt x="2243" y="0"/>
+                    <a:pt x="1790" y="133"/>
+                    <a:pt x="1398" y="405"/>
+                  </a:cubicBezTo>
+                  <a:lnTo>
+                    <a:pt x="1398" y="402"/>
+                  </a:lnTo>
+                  <a:lnTo>
+                    <a:pt x="741" y="2446"/>
+                  </a:lnTo>
+                  <a:lnTo>
+                    <a:pt x="139" y="4118"/>
+                  </a:lnTo>
+                  <a:cubicBezTo>
+                    <a:pt x="0" y="4500"/>
+                    <a:pt x="295" y="4872"/>
+                    <a:pt x="664" y="4872"/>
+                  </a:cubicBezTo>
+                  <a:cubicBezTo>
+                    <a:pt x="727" y="4872"/>
+                    <a:pt x="793" y="4861"/>
+                    <a:pt x="859" y="4837"/>
+                  </a:cubicBezTo>
+                  <a:lnTo>
+                    <a:pt x="2530" y="4235"/>
+                  </a:lnTo>
+                  <a:lnTo>
+                    <a:pt x="4574" y="3579"/>
+                  </a:lnTo>
+                  <a:cubicBezTo>
+                    <a:pt x="5198" y="2672"/>
+                    <a:pt x="5086" y="1450"/>
+                    <a:pt x="4306" y="670"/>
+                  </a:cubicBezTo>
+                  <a:cubicBezTo>
+                    <a:pt x="3866" y="228"/>
+                    <a:pt x="3282" y="0"/>
+                    <a:pt x="2693" y="0"/>
+                  </a:cubicBezTo>
+                  <a:close/>
+                </a:path>
+              </a:pathLst>
+            </a:custGeom>
+            <a:solidFill>
+              <a:schemeClr val="lt1"/>
+            </a:solidFill>
+            <a:ln>
+              <a:noFill/>
+            </a:ln>
+          </p:spPr>
+          <p:txBody>
+            <a:bodyPr spcFirstLastPara="1" wrap="square" lIns="91425" tIns="91425" rIns="91425" bIns="91425" anchor="ctr" anchorCtr="0">
+              <a:noAutofit/>
+            </a:bodyPr>
+            <a:lstStyle/>
+            <a:p>
+              <a:pPr marL="0" lvl="0" indent="0" algn="l" rtl="0">
+                <a:spcBef>
+                  <a:spcPts val="0"/>
+                </a:spcBef>
+                <a:spcAft>
+                  <a:spcPts val="0"/>
+                </a:spcAft>
+                <a:buNone/>
+              </a:pPr>
+              <a:endParaRPr>
+                <a:solidFill>
+                  <a:srgbClr val="435D74"/>
+                </a:solidFill>
+              </a:endParaRPr>
+            </a:p>
+          </p:txBody>
+        </p:sp>
+      </p:grpSp>
+      <p:sp>
+        <p:nvSpPr>
+          <p:cNvPr id="11" name="Google Shape;430;p42">
+            <a:extLst>
+              <a:ext uri="{FF2B5EF4-FFF2-40B4-BE49-F238E27FC236}">
+                <a16:creationId xmlns:a16="http://schemas.microsoft.com/office/drawing/2014/main" id="{59D31576-D6DC-3350-28AC-1B181ADFC68C}"/>
+              </a:ext>
+            </a:extLst>
+          </p:cNvPr>
+          <p:cNvSpPr/>
+          <p:nvPr/>
+        </p:nvSpPr>
+        <p:spPr>
+          <a:xfrm>
+            <a:off x="6255531" y="1178551"/>
+            <a:ext cx="695400" cy="677400"/>
+          </a:xfrm>
+          <a:prstGeom prst="roundRect">
+            <a:avLst>
+              <a:gd name="adj" fmla="val 16667"/>
+            </a:avLst>
+          </a:prstGeom>
+          <a:solidFill>
+            <a:srgbClr val="F3B734"/>
+          </a:solidFill>
+          <a:ln>
+            <a:noFill/>
+          </a:ln>
+        </p:spPr>
+        <p:txBody>
+          <a:bodyPr spcFirstLastPara="1" wrap="square" lIns="91425" tIns="91425" rIns="91425" bIns="91425" anchor="ctr" anchorCtr="0">
+            <a:noAutofit/>
+          </a:bodyPr>
+          <a:lstStyle/>
+          <a:p>
+            <a:pPr marL="0" lvl="0" indent="0" algn="l" rtl="0">
+              <a:spcBef>
+                <a:spcPts val="0"/>
+              </a:spcBef>
+              <a:spcAft>
+                <a:spcPts val="0"/>
+              </a:spcAft>
+              <a:buNone/>
+            </a:pPr>
+            <a:endParaRPr/>
+          </a:p>
+        </p:txBody>
+      </p:sp>
+      <p:sp>
+        <p:nvSpPr>
+          <p:cNvPr id="12" name="Google Shape;438;p42">
+            <a:extLst>
+              <a:ext uri="{FF2B5EF4-FFF2-40B4-BE49-F238E27FC236}">
+                <a16:creationId xmlns:a16="http://schemas.microsoft.com/office/drawing/2014/main" id="{F0716CD5-65B8-C87A-E700-D963A329F4DA}"/>
+              </a:ext>
+            </a:extLst>
+          </p:cNvPr>
+          <p:cNvSpPr txBox="1"/>
+          <p:nvPr/>
+        </p:nvSpPr>
+        <p:spPr>
+          <a:xfrm>
+            <a:off x="5660792" y="2072813"/>
+            <a:ext cx="1903639" cy="318000"/>
+          </a:xfrm>
+          <a:prstGeom prst="rect">
+            <a:avLst/>
+          </a:prstGeom>
+          <a:noFill/>
+          <a:ln>
+            <a:noFill/>
+          </a:ln>
+        </p:spPr>
+        <p:txBody>
+          <a:bodyPr spcFirstLastPara="1" wrap="square" lIns="91425" tIns="91425" rIns="91425" bIns="91425" anchor="ctr" anchorCtr="0">
+            <a:noAutofit/>
+          </a:bodyPr>
+          <a:lstStyle/>
+          <a:p>
+            <a:pPr lvl="0" algn="ctr"/>
+            <a:r>
+              <a:rPr lang="es-ES" sz="2200" b="1" dirty="0">
+                <a:solidFill>
+                  <a:srgbClr val="007399"/>
+                </a:solidFill>
+                <a:latin typeface="Montserrat"/>
+                <a:ea typeface="Montserrat"/>
+                <a:cs typeface="Montserrat"/>
+                <a:sym typeface="Montserrat"/>
+              </a:rPr>
+              <a:t>Acciones</a:t>
+            </a:r>
+            <a:endParaRPr sz="2200" b="1" dirty="0">
+              <a:solidFill>
+                <a:srgbClr val="007399"/>
+              </a:solidFill>
+              <a:latin typeface="Montserrat"/>
+              <a:ea typeface="Montserrat"/>
+              <a:cs typeface="Montserrat"/>
+              <a:sym typeface="Montserrat"/>
+            </a:endParaRPr>
+          </a:p>
+        </p:txBody>
+      </p:sp>
+      <p:sp>
+        <p:nvSpPr>
+          <p:cNvPr id="13" name="Google Shape;439;p42">
+            <a:extLst>
+              <a:ext uri="{FF2B5EF4-FFF2-40B4-BE49-F238E27FC236}">
+                <a16:creationId xmlns:a16="http://schemas.microsoft.com/office/drawing/2014/main" id="{FF40A2D8-8F66-218C-5445-698B1EE29D08}"/>
+              </a:ext>
+            </a:extLst>
+          </p:cNvPr>
+          <p:cNvSpPr txBox="1"/>
+          <p:nvPr/>
+        </p:nvSpPr>
+        <p:spPr>
+          <a:xfrm>
+            <a:off x="5660793" y="2478550"/>
+            <a:ext cx="1884900" cy="1150693"/>
+          </a:xfrm>
+          <a:prstGeom prst="rect">
+            <a:avLst/>
+          </a:prstGeom>
+          <a:noFill/>
+          <a:ln>
+            <a:noFill/>
+          </a:ln>
+        </p:spPr>
+        <p:txBody>
+          <a:bodyPr spcFirstLastPara="1" wrap="square" lIns="91425" tIns="91425" rIns="91425" bIns="91425" anchor="ctr" anchorCtr="0">
+            <a:noAutofit/>
+          </a:bodyPr>
+          <a:lstStyle/>
+          <a:p>
+            <a:pPr lvl="0" algn="ctr">
+              <a:buSzPts val="1100"/>
+            </a:pPr>
+            <a:r>
+              <a:rPr lang="es-ES" dirty="0">
+                <a:solidFill>
+                  <a:srgbClr val="007399"/>
+                </a:solidFill>
+                <a:latin typeface="Raleway Medium"/>
+                <a:ea typeface="Raleway Medium"/>
+                <a:cs typeface="Raleway Medium"/>
+                <a:sym typeface="Raleway Medium"/>
+              </a:rPr>
+              <a:t>POST</a:t>
+            </a:r>
+          </a:p>
+          <a:p>
+            <a:pPr lvl="0" algn="ctr">
+              <a:buSzPts val="1100"/>
+            </a:pPr>
+            <a:r>
+              <a:rPr lang="es-ES" dirty="0">
+                <a:solidFill>
+                  <a:srgbClr val="007399"/>
+                </a:solidFill>
+                <a:latin typeface="Raleway Medium"/>
+                <a:ea typeface="Raleway Medium"/>
+                <a:cs typeface="Raleway Medium"/>
+                <a:sym typeface="Raleway Medium"/>
+              </a:rPr>
+              <a:t>PUT</a:t>
+            </a:r>
+          </a:p>
+          <a:p>
+            <a:pPr lvl="0" algn="ctr">
+              <a:buSzPts val="1100"/>
+            </a:pPr>
+            <a:r>
+              <a:rPr lang="es-ES" dirty="0">
+                <a:solidFill>
+                  <a:srgbClr val="007399"/>
+                </a:solidFill>
+                <a:latin typeface="Raleway Medium"/>
+                <a:ea typeface="Raleway Medium"/>
+                <a:cs typeface="Raleway Medium"/>
+                <a:sym typeface="Raleway Medium"/>
+              </a:rPr>
+              <a:t>GET</a:t>
+            </a:r>
+          </a:p>
+          <a:p>
+            <a:pPr lvl="0" algn="ctr">
+              <a:buSzPts val="1100"/>
+            </a:pPr>
+            <a:r>
+              <a:rPr lang="es-ES" dirty="0">
+                <a:solidFill>
+                  <a:srgbClr val="007399"/>
+                </a:solidFill>
+                <a:latin typeface="Raleway Medium"/>
+                <a:ea typeface="Raleway Medium"/>
+                <a:cs typeface="Raleway Medium"/>
+                <a:sym typeface="Raleway Medium"/>
+              </a:rPr>
+              <a:t>DELETE</a:t>
+            </a:r>
+            <a:endParaRPr dirty="0">
+              <a:solidFill>
+                <a:srgbClr val="007399"/>
+              </a:solidFill>
+              <a:latin typeface="Raleway Medium"/>
+              <a:ea typeface="Raleway Medium"/>
+              <a:cs typeface="Raleway Medium"/>
+              <a:sym typeface="Raleway Medium"/>
+            </a:endParaRPr>
+          </a:p>
+        </p:txBody>
+      </p:sp>
+      <p:grpSp>
+        <p:nvGrpSpPr>
+          <p:cNvPr id="14" name="Google Shape;458;p42">
+            <a:extLst>
+              <a:ext uri="{FF2B5EF4-FFF2-40B4-BE49-F238E27FC236}">
+                <a16:creationId xmlns:a16="http://schemas.microsoft.com/office/drawing/2014/main" id="{E636EDE1-FCF7-1E7C-4BF2-F55A6D0F4A75}"/>
+              </a:ext>
+            </a:extLst>
+          </p:cNvPr>
+          <p:cNvGrpSpPr/>
+          <p:nvPr/>
+        </p:nvGrpSpPr>
+        <p:grpSpPr>
+          <a:xfrm>
+            <a:off x="6433122" y="1347631"/>
+            <a:ext cx="340573" cy="339271"/>
+            <a:chOff x="898875" y="4399275"/>
+            <a:chExt cx="483700" cy="481850"/>
+          </a:xfrm>
+        </p:grpSpPr>
+        <p:sp>
+          <p:nvSpPr>
+            <p:cNvPr id="15" name="Google Shape;459;p42">
+              <a:extLst>
+                <a:ext uri="{FF2B5EF4-FFF2-40B4-BE49-F238E27FC236}">
+                  <a16:creationId xmlns:a16="http://schemas.microsoft.com/office/drawing/2014/main" id="{1890880D-C8D8-97A0-3DF1-A006955670C1}"/>
+                </a:ext>
+              </a:extLst>
+            </p:cNvPr>
+            <p:cNvSpPr/>
+            <p:nvPr/>
+          </p:nvSpPr>
+          <p:spPr>
+            <a:xfrm>
+              <a:off x="992750" y="4642900"/>
+              <a:ext cx="145300" cy="144100"/>
+            </a:xfrm>
+            <a:custGeom>
+              <a:avLst/>
+              <a:gdLst/>
+              <a:ahLst/>
+              <a:cxnLst/>
+              <a:rect l="l" t="t" r="r" b="b"/>
+              <a:pathLst>
+                <a:path w="5812" h="5764" extrusionOk="0">
+                  <a:moveTo>
+                    <a:pt x="994" y="0"/>
+                  </a:moveTo>
+                  <a:lnTo>
+                    <a:pt x="988" y="12"/>
+                  </a:lnTo>
+                  <a:cubicBezTo>
+                    <a:pt x="988" y="9"/>
+                    <a:pt x="991" y="6"/>
+                    <a:pt x="991" y="3"/>
+                  </a:cubicBezTo>
+                  <a:lnTo>
+                    <a:pt x="991" y="3"/>
+                  </a:lnTo>
+                  <a:lnTo>
+                    <a:pt x="979" y="27"/>
+                  </a:lnTo>
+                  <a:lnTo>
+                    <a:pt x="108" y="1759"/>
+                  </a:lnTo>
+                  <a:cubicBezTo>
+                    <a:pt x="0" y="1976"/>
+                    <a:pt x="42" y="2241"/>
+                    <a:pt x="214" y="2415"/>
+                  </a:cubicBezTo>
+                  <a:lnTo>
+                    <a:pt x="3397" y="5598"/>
+                  </a:lnTo>
+                  <a:cubicBezTo>
+                    <a:pt x="3506" y="5707"/>
+                    <a:pt x="3649" y="5763"/>
+                    <a:pt x="3795" y="5763"/>
+                  </a:cubicBezTo>
+                  <a:cubicBezTo>
+                    <a:pt x="3883" y="5763"/>
+                    <a:pt x="3971" y="5743"/>
+                    <a:pt x="4053" y="5701"/>
+                  </a:cubicBezTo>
+                  <a:lnTo>
+                    <a:pt x="5797" y="4827"/>
+                  </a:lnTo>
+                  <a:lnTo>
+                    <a:pt x="5800" y="4824"/>
+                  </a:lnTo>
+                  <a:lnTo>
+                    <a:pt x="5812" y="4818"/>
+                  </a:lnTo>
+                  <a:lnTo>
+                    <a:pt x="994" y="0"/>
+                  </a:lnTo>
+                  <a:close/>
+                </a:path>
+              </a:pathLst>
+            </a:custGeom>
+            <a:solidFill>
+              <a:schemeClr val="lt1"/>
+            </a:solidFill>
+            <a:ln>
+              <a:noFill/>
+            </a:ln>
+          </p:spPr>
+          <p:txBody>
+            <a:bodyPr spcFirstLastPara="1" wrap="square" lIns="91425" tIns="91425" rIns="91425" bIns="91425" anchor="ctr" anchorCtr="0">
+              <a:noAutofit/>
+            </a:bodyPr>
+            <a:lstStyle/>
+            <a:p>
+              <a:pPr marL="0" lvl="0" indent="0" algn="l" rtl="0">
+                <a:spcBef>
+                  <a:spcPts val="0"/>
+                </a:spcBef>
+                <a:spcAft>
+                  <a:spcPts val="0"/>
+                </a:spcAft>
+                <a:buNone/>
+              </a:pPr>
+              <a:endParaRPr>
+                <a:solidFill>
+                  <a:srgbClr val="435D74"/>
+                </a:solidFill>
+              </a:endParaRPr>
+            </a:p>
+          </p:txBody>
+        </p:sp>
+        <p:sp>
+          <p:nvSpPr>
+            <p:cNvPr id="16" name="Google Shape;460;p42">
+              <a:extLst>
+                <a:ext uri="{FF2B5EF4-FFF2-40B4-BE49-F238E27FC236}">
+                  <a16:creationId xmlns:a16="http://schemas.microsoft.com/office/drawing/2014/main" id="{8E02A1BA-C6CA-E613-7115-91CD180AD88E}"/>
+                </a:ext>
+              </a:extLst>
+            </p:cNvPr>
+            <p:cNvSpPr/>
+            <p:nvPr/>
+          </p:nvSpPr>
+          <p:spPr>
+            <a:xfrm>
+              <a:off x="1138025" y="4763350"/>
+              <a:ext cx="25" cy="25"/>
+            </a:xfrm>
+            <a:custGeom>
+              <a:avLst/>
+              <a:gdLst/>
+              <a:ahLst/>
+              <a:cxnLst/>
+              <a:rect l="l" t="t" r="r" b="b"/>
+              <a:pathLst>
+                <a:path w="1" h="1" extrusionOk="0">
+                  <a:moveTo>
+                    <a:pt x="1" y="0"/>
+                  </a:moveTo>
+                  <a:close/>
+                </a:path>
+              </a:pathLst>
+            </a:custGeom>
+            <a:solidFill>
+              <a:schemeClr val="lt1"/>
+            </a:solidFill>
+            <a:ln>
+              <a:noFill/>
+            </a:ln>
+          </p:spPr>
+          <p:txBody>
+            <a:bodyPr spcFirstLastPara="1" wrap="square" lIns="91425" tIns="91425" rIns="91425" bIns="91425" anchor="ctr" anchorCtr="0">
+              <a:noAutofit/>
+            </a:bodyPr>
+            <a:lstStyle/>
+            <a:p>
+              <a:pPr marL="0" lvl="0" indent="0" algn="l" rtl="0">
+                <a:spcBef>
+                  <a:spcPts val="0"/>
+                </a:spcBef>
+                <a:spcAft>
+                  <a:spcPts val="0"/>
+                </a:spcAft>
+                <a:buNone/>
+              </a:pPr>
+              <a:endParaRPr>
+                <a:solidFill>
+                  <a:srgbClr val="435D74"/>
+                </a:solidFill>
+              </a:endParaRPr>
+            </a:p>
+          </p:txBody>
+        </p:sp>
+        <p:sp>
+          <p:nvSpPr>
+            <p:cNvPr id="17" name="Google Shape;461;p42">
+              <a:extLst>
+                <a:ext uri="{FF2B5EF4-FFF2-40B4-BE49-F238E27FC236}">
+                  <a16:creationId xmlns:a16="http://schemas.microsoft.com/office/drawing/2014/main" id="{83A74197-3239-E019-14A4-6901D1689A80}"/>
+                </a:ext>
+              </a:extLst>
+            </p:cNvPr>
+            <p:cNvSpPr/>
+            <p:nvPr/>
+          </p:nvSpPr>
+          <p:spPr>
+            <a:xfrm>
+              <a:off x="1269550" y="4399275"/>
+              <a:ext cx="113025" cy="112125"/>
+            </a:xfrm>
+            <a:custGeom>
+              <a:avLst/>
+              <a:gdLst/>
+              <a:ahLst/>
+              <a:cxnLst/>
+              <a:rect l="l" t="t" r="r" b="b"/>
+              <a:pathLst>
+                <a:path w="4521" h="4485" extrusionOk="0">
+                  <a:moveTo>
+                    <a:pt x="3066" y="1"/>
+                  </a:moveTo>
+                  <a:cubicBezTo>
+                    <a:pt x="1947" y="1"/>
+                    <a:pt x="938" y="82"/>
+                    <a:pt x="0" y="239"/>
+                  </a:cubicBezTo>
+                  <a:lnTo>
+                    <a:pt x="9" y="895"/>
+                  </a:lnTo>
+                  <a:cubicBezTo>
+                    <a:pt x="34" y="2862"/>
+                    <a:pt x="1623" y="4452"/>
+                    <a:pt x="3590" y="4476"/>
+                  </a:cubicBezTo>
+                  <a:lnTo>
+                    <a:pt x="4243" y="4485"/>
+                  </a:lnTo>
+                  <a:cubicBezTo>
+                    <a:pt x="4439" y="3313"/>
+                    <a:pt x="4520" y="2028"/>
+                    <a:pt x="4469" y="561"/>
+                  </a:cubicBezTo>
+                  <a:cubicBezTo>
+                    <a:pt x="4457" y="266"/>
+                    <a:pt x="4219" y="28"/>
+                    <a:pt x="3924" y="16"/>
+                  </a:cubicBezTo>
+                  <a:cubicBezTo>
+                    <a:pt x="3631" y="6"/>
+                    <a:pt x="3345" y="1"/>
+                    <a:pt x="3066" y="1"/>
+                  </a:cubicBezTo>
+                  <a:close/>
+                </a:path>
+              </a:pathLst>
+            </a:custGeom>
+            <a:solidFill>
+              <a:schemeClr val="lt1"/>
+            </a:solidFill>
+            <a:ln>
+              <a:noFill/>
+            </a:ln>
+          </p:spPr>
+          <p:txBody>
+            <a:bodyPr spcFirstLastPara="1" wrap="square" lIns="91425" tIns="91425" rIns="91425" bIns="91425" anchor="ctr" anchorCtr="0">
+              <a:noAutofit/>
+            </a:bodyPr>
+            <a:lstStyle/>
+            <a:p>
+              <a:pPr marL="0" lvl="0" indent="0" algn="l" rtl="0">
+                <a:spcBef>
+                  <a:spcPts val="0"/>
+                </a:spcBef>
+                <a:spcAft>
+                  <a:spcPts val="0"/>
+                </a:spcAft>
+                <a:buNone/>
+              </a:pPr>
+              <a:endParaRPr>
+                <a:solidFill>
+                  <a:srgbClr val="435D74"/>
+                </a:solidFill>
+              </a:endParaRPr>
+            </a:p>
+          </p:txBody>
+        </p:sp>
+        <p:sp>
+          <p:nvSpPr>
+            <p:cNvPr id="18" name="Google Shape;462;p42">
+              <a:extLst>
+                <a:ext uri="{FF2B5EF4-FFF2-40B4-BE49-F238E27FC236}">
+                  <a16:creationId xmlns:a16="http://schemas.microsoft.com/office/drawing/2014/main" id="{687A2F61-728F-F531-5E82-87368533C97B}"/>
+                </a:ext>
+              </a:extLst>
+            </p:cNvPr>
+            <p:cNvSpPr/>
+            <p:nvPr/>
+          </p:nvSpPr>
+          <p:spPr>
+            <a:xfrm>
+              <a:off x="1161975" y="4531175"/>
+              <a:ext cx="91400" cy="84350"/>
+            </a:xfrm>
+            <a:custGeom>
+              <a:avLst/>
+              <a:gdLst/>
+              <a:ahLst/>
+              <a:cxnLst/>
+              <a:rect l="l" t="t" r="r" b="b"/>
+              <a:pathLst>
+                <a:path w="3656" h="3374" extrusionOk="0">
+                  <a:moveTo>
+                    <a:pt x="1821" y="1"/>
+                  </a:moveTo>
+                  <a:cubicBezTo>
+                    <a:pt x="1137" y="1"/>
+                    <a:pt x="523" y="415"/>
+                    <a:pt x="262" y="1046"/>
+                  </a:cubicBezTo>
+                  <a:cubicBezTo>
+                    <a:pt x="0" y="1678"/>
+                    <a:pt x="145" y="2410"/>
+                    <a:pt x="633" y="2894"/>
+                  </a:cubicBezTo>
+                  <a:cubicBezTo>
+                    <a:pt x="952" y="3214"/>
+                    <a:pt x="1391" y="3373"/>
+                    <a:pt x="1830" y="3373"/>
+                  </a:cubicBezTo>
+                  <a:cubicBezTo>
+                    <a:pt x="2269" y="3373"/>
+                    <a:pt x="2707" y="3214"/>
+                    <a:pt x="3027" y="2894"/>
+                  </a:cubicBezTo>
+                  <a:cubicBezTo>
+                    <a:pt x="3511" y="2410"/>
+                    <a:pt x="3656" y="1681"/>
+                    <a:pt x="3394" y="1046"/>
+                  </a:cubicBezTo>
+                  <a:cubicBezTo>
+                    <a:pt x="3132" y="413"/>
+                    <a:pt x="2515" y="1"/>
+                    <a:pt x="1828" y="1"/>
+                  </a:cubicBezTo>
+                  <a:cubicBezTo>
+                    <a:pt x="1826" y="1"/>
+                    <a:pt x="1823" y="1"/>
+                    <a:pt x="1821" y="1"/>
+                  </a:cubicBezTo>
+                  <a:close/>
+                </a:path>
+              </a:pathLst>
+            </a:custGeom>
+            <a:solidFill>
+              <a:schemeClr val="lt1"/>
+            </a:solidFill>
+            <a:ln>
+              <a:noFill/>
+            </a:ln>
+          </p:spPr>
+          <p:txBody>
+            <a:bodyPr spcFirstLastPara="1" wrap="square" lIns="91425" tIns="91425" rIns="91425" bIns="91425" anchor="ctr" anchorCtr="0">
+              <a:noAutofit/>
+            </a:bodyPr>
+            <a:lstStyle/>
+            <a:p>
+              <a:pPr marL="0" lvl="0" indent="0" algn="l" rtl="0">
+                <a:spcBef>
+                  <a:spcPts val="0"/>
+                </a:spcBef>
+                <a:spcAft>
+                  <a:spcPts val="0"/>
+                </a:spcAft>
+                <a:buNone/>
+              </a:pPr>
+              <a:endParaRPr>
+                <a:solidFill>
+                  <a:srgbClr val="435D74"/>
+                </a:solidFill>
+              </a:endParaRPr>
+            </a:p>
+          </p:txBody>
+        </p:sp>
+        <p:sp>
+          <p:nvSpPr>
+            <p:cNvPr id="19" name="Google Shape;463;p42">
+              <a:extLst>
+                <a:ext uri="{FF2B5EF4-FFF2-40B4-BE49-F238E27FC236}">
+                  <a16:creationId xmlns:a16="http://schemas.microsoft.com/office/drawing/2014/main" id="{2FE0E2EC-11FE-99A1-EC2C-E3870FA76A25}"/>
+                </a:ext>
+              </a:extLst>
+            </p:cNvPr>
+            <p:cNvSpPr/>
+            <p:nvPr/>
+          </p:nvSpPr>
+          <p:spPr>
+            <a:xfrm>
+              <a:off x="1031050" y="4411100"/>
+              <a:ext cx="338650" cy="338725"/>
+            </a:xfrm>
+            <a:custGeom>
+              <a:avLst/>
+              <a:gdLst/>
+              <a:ahLst/>
+              <a:cxnLst/>
+              <a:rect l="l" t="t" r="r" b="b"/>
+              <a:pathLst>
+                <a:path w="13546" h="13549" extrusionOk="0">
+                  <a:moveTo>
+                    <a:pt x="7066" y="3673"/>
+                  </a:moveTo>
+                  <a:cubicBezTo>
+                    <a:pt x="7800" y="3673"/>
+                    <a:pt x="8522" y="3960"/>
+                    <a:pt x="9062" y="4500"/>
+                  </a:cubicBezTo>
+                  <a:cubicBezTo>
+                    <a:pt x="10170" y="5602"/>
+                    <a:pt x="10170" y="7393"/>
+                    <a:pt x="9062" y="8492"/>
+                  </a:cubicBezTo>
+                  <a:cubicBezTo>
+                    <a:pt x="8522" y="9032"/>
+                    <a:pt x="7800" y="9319"/>
+                    <a:pt x="7066" y="9319"/>
+                  </a:cubicBezTo>
+                  <a:cubicBezTo>
+                    <a:pt x="6702" y="9319"/>
+                    <a:pt x="6334" y="9248"/>
+                    <a:pt x="5984" y="9104"/>
+                  </a:cubicBezTo>
+                  <a:cubicBezTo>
+                    <a:pt x="4930" y="8667"/>
+                    <a:pt x="4244" y="7637"/>
+                    <a:pt x="4244" y="6496"/>
+                  </a:cubicBezTo>
+                  <a:cubicBezTo>
+                    <a:pt x="4244" y="5355"/>
+                    <a:pt x="4930" y="4325"/>
+                    <a:pt x="5984" y="3888"/>
+                  </a:cubicBezTo>
+                  <a:cubicBezTo>
+                    <a:pt x="6334" y="3744"/>
+                    <a:pt x="6702" y="3673"/>
+                    <a:pt x="7066" y="3673"/>
+                  </a:cubicBezTo>
+                  <a:close/>
+                  <a:moveTo>
+                    <a:pt x="3868" y="9124"/>
+                  </a:moveTo>
+                  <a:cubicBezTo>
+                    <a:pt x="4006" y="9124"/>
+                    <a:pt x="4147" y="9176"/>
+                    <a:pt x="4262" y="9290"/>
+                  </a:cubicBezTo>
+                  <a:cubicBezTo>
+                    <a:pt x="4481" y="9510"/>
+                    <a:pt x="4481" y="9869"/>
+                    <a:pt x="4262" y="10088"/>
+                  </a:cubicBezTo>
+                  <a:cubicBezTo>
+                    <a:pt x="4147" y="10204"/>
+                    <a:pt x="4005" y="10255"/>
+                    <a:pt x="3866" y="10255"/>
+                  </a:cubicBezTo>
+                  <a:cubicBezTo>
+                    <a:pt x="3576" y="10255"/>
+                    <a:pt x="3298" y="10031"/>
+                    <a:pt x="3298" y="9691"/>
+                  </a:cubicBezTo>
+                  <a:cubicBezTo>
+                    <a:pt x="3298" y="9350"/>
+                    <a:pt x="3577" y="9124"/>
+                    <a:pt x="3868" y="9124"/>
+                  </a:cubicBezTo>
+                  <a:close/>
+                  <a:moveTo>
+                    <a:pt x="8414" y="1"/>
+                  </a:moveTo>
+                  <a:cubicBezTo>
+                    <a:pt x="6466" y="507"/>
+                    <a:pt x="4888" y="1425"/>
+                    <a:pt x="3518" y="2846"/>
+                  </a:cubicBezTo>
+                  <a:cubicBezTo>
+                    <a:pt x="2169" y="4244"/>
+                    <a:pt x="1000" y="6282"/>
+                    <a:pt x="1" y="8212"/>
+                  </a:cubicBezTo>
+                  <a:lnTo>
+                    <a:pt x="5337" y="13548"/>
+                  </a:lnTo>
+                  <a:cubicBezTo>
+                    <a:pt x="7267" y="12549"/>
+                    <a:pt x="9309" y="11380"/>
+                    <a:pt x="10706" y="10031"/>
+                  </a:cubicBezTo>
+                  <a:cubicBezTo>
+                    <a:pt x="12124" y="8664"/>
+                    <a:pt x="13039" y="7086"/>
+                    <a:pt x="13545" y="5138"/>
+                  </a:cubicBezTo>
+                  <a:lnTo>
+                    <a:pt x="13112" y="5129"/>
+                  </a:lnTo>
+                  <a:cubicBezTo>
+                    <a:pt x="10534" y="5099"/>
+                    <a:pt x="8453" y="3015"/>
+                    <a:pt x="8420" y="440"/>
+                  </a:cubicBezTo>
+                  <a:lnTo>
+                    <a:pt x="8414" y="1"/>
+                  </a:lnTo>
+                  <a:close/>
+                </a:path>
+              </a:pathLst>
+            </a:custGeom>
+            <a:solidFill>
+              <a:schemeClr val="lt1"/>
+            </a:solidFill>
+            <a:ln>
+              <a:noFill/>
+            </a:ln>
+          </p:spPr>
+          <p:txBody>
+            <a:bodyPr spcFirstLastPara="1" wrap="square" lIns="91425" tIns="91425" rIns="91425" bIns="91425" anchor="ctr" anchorCtr="0">
+              <a:noAutofit/>
+            </a:bodyPr>
+            <a:lstStyle/>
+            <a:p>
+              <a:pPr marL="0" lvl="0" indent="0" algn="l" rtl="0">
+                <a:spcBef>
+                  <a:spcPts val="0"/>
+                </a:spcBef>
+                <a:spcAft>
+                  <a:spcPts val="0"/>
+                </a:spcAft>
+                <a:buNone/>
+              </a:pPr>
+              <a:endParaRPr>
+                <a:solidFill>
+                  <a:srgbClr val="435D74"/>
+                </a:solidFill>
+              </a:endParaRPr>
+            </a:p>
+          </p:txBody>
+        </p:sp>
+        <p:sp>
+          <p:nvSpPr>
+            <p:cNvPr id="20" name="Google Shape;464;p42">
+              <a:extLst>
+                <a:ext uri="{FF2B5EF4-FFF2-40B4-BE49-F238E27FC236}">
+                  <a16:creationId xmlns:a16="http://schemas.microsoft.com/office/drawing/2014/main" id="{FC6786F2-A460-30EB-8AF0-E3331DAB948A}"/>
+                </a:ext>
+              </a:extLst>
+            </p:cNvPr>
+            <p:cNvSpPr/>
+            <p:nvPr/>
+          </p:nvSpPr>
+          <p:spPr>
+            <a:xfrm>
+              <a:off x="1130500" y="4740450"/>
+              <a:ext cx="108950" cy="111250"/>
+            </a:xfrm>
+            <a:custGeom>
+              <a:avLst/>
+              <a:gdLst/>
+              <a:ahLst/>
+              <a:cxnLst/>
+              <a:rect l="l" t="t" r="r" b="b"/>
+              <a:pathLst>
+                <a:path w="4358" h="4450" extrusionOk="0">
+                  <a:moveTo>
+                    <a:pt x="4358" y="1"/>
+                  </a:moveTo>
+                  <a:lnTo>
+                    <a:pt x="4358" y="1"/>
+                  </a:lnTo>
+                  <a:cubicBezTo>
+                    <a:pt x="2906" y="877"/>
+                    <a:pt x="1437" y="1609"/>
+                    <a:pt x="1" y="2332"/>
+                  </a:cubicBezTo>
+                  <a:cubicBezTo>
+                    <a:pt x="58" y="3090"/>
+                    <a:pt x="112" y="3789"/>
+                    <a:pt x="118" y="3882"/>
+                  </a:cubicBezTo>
+                  <a:cubicBezTo>
+                    <a:pt x="118" y="4211"/>
+                    <a:pt x="387" y="4450"/>
+                    <a:pt x="683" y="4450"/>
+                  </a:cubicBezTo>
+                  <a:cubicBezTo>
+                    <a:pt x="767" y="4450"/>
+                    <a:pt x="854" y="4430"/>
+                    <a:pt x="937" y="4388"/>
+                  </a:cubicBezTo>
+                  <a:cubicBezTo>
+                    <a:pt x="1039" y="4295"/>
+                    <a:pt x="3858" y="3208"/>
+                    <a:pt x="4358" y="1"/>
+                  </a:cubicBezTo>
+                  <a:close/>
+                </a:path>
+              </a:pathLst>
+            </a:custGeom>
+            <a:solidFill>
+              <a:schemeClr val="lt1"/>
+            </a:solidFill>
+            <a:ln>
+              <a:noFill/>
+            </a:ln>
+          </p:spPr>
+          <p:txBody>
+            <a:bodyPr spcFirstLastPara="1" wrap="square" lIns="91425" tIns="91425" rIns="91425" bIns="91425" anchor="ctr" anchorCtr="0">
+              <a:noAutofit/>
+            </a:bodyPr>
+            <a:lstStyle/>
+            <a:p>
+              <a:pPr marL="0" lvl="0" indent="0" algn="l" rtl="0">
+                <a:spcBef>
+                  <a:spcPts val="0"/>
+                </a:spcBef>
+                <a:spcAft>
+                  <a:spcPts val="0"/>
+                </a:spcAft>
+                <a:buNone/>
+              </a:pPr>
+              <a:endParaRPr>
+                <a:solidFill>
+                  <a:srgbClr val="435D74"/>
+                </a:solidFill>
+              </a:endParaRPr>
+            </a:p>
+          </p:txBody>
+        </p:sp>
+        <p:sp>
+          <p:nvSpPr>
+            <p:cNvPr id="21" name="Google Shape;465;p42">
+              <a:extLst>
+                <a:ext uri="{FF2B5EF4-FFF2-40B4-BE49-F238E27FC236}">
+                  <a16:creationId xmlns:a16="http://schemas.microsoft.com/office/drawing/2014/main" id="{9AD79476-F1A1-AEC0-2D67-0D27F0C91F8B}"/>
+                </a:ext>
+              </a:extLst>
+            </p:cNvPr>
+            <p:cNvSpPr/>
+            <p:nvPr/>
+          </p:nvSpPr>
+          <p:spPr>
+            <a:xfrm>
+              <a:off x="927325" y="4539825"/>
+              <a:ext cx="114150" cy="109800"/>
+            </a:xfrm>
+            <a:custGeom>
+              <a:avLst/>
+              <a:gdLst/>
+              <a:ahLst/>
+              <a:cxnLst/>
+              <a:rect l="l" t="t" r="r" b="b"/>
+              <a:pathLst>
+                <a:path w="4566" h="4392" extrusionOk="0">
+                  <a:moveTo>
+                    <a:pt x="4565" y="1"/>
+                  </a:moveTo>
+                  <a:lnTo>
+                    <a:pt x="4565" y="1"/>
+                  </a:lnTo>
+                  <a:cubicBezTo>
+                    <a:pt x="1268" y="459"/>
+                    <a:pt x="184" y="3334"/>
+                    <a:pt x="91" y="3437"/>
+                  </a:cubicBezTo>
+                  <a:cubicBezTo>
+                    <a:pt x="0" y="3611"/>
+                    <a:pt x="9" y="3822"/>
+                    <a:pt x="112" y="3988"/>
+                  </a:cubicBezTo>
+                  <a:cubicBezTo>
+                    <a:pt x="295" y="4286"/>
+                    <a:pt x="606" y="4232"/>
+                    <a:pt x="723" y="4256"/>
+                  </a:cubicBezTo>
+                  <a:lnTo>
+                    <a:pt x="2214" y="4391"/>
+                  </a:lnTo>
+                  <a:cubicBezTo>
+                    <a:pt x="2945" y="2928"/>
+                    <a:pt x="3680" y="1458"/>
+                    <a:pt x="4565" y="1"/>
+                  </a:cubicBezTo>
+                  <a:close/>
+                </a:path>
+              </a:pathLst>
+            </a:custGeom>
+            <a:solidFill>
+              <a:schemeClr val="lt1"/>
+            </a:solidFill>
+            <a:ln>
+              <a:noFill/>
+            </a:ln>
+          </p:spPr>
+          <p:txBody>
+            <a:bodyPr spcFirstLastPara="1" wrap="square" lIns="91425" tIns="91425" rIns="91425" bIns="91425" anchor="ctr" anchorCtr="0">
+              <a:noAutofit/>
+            </a:bodyPr>
+            <a:lstStyle/>
+            <a:p>
+              <a:pPr marL="0" lvl="0" indent="0" algn="l" rtl="0">
+                <a:spcBef>
+                  <a:spcPts val="0"/>
+                </a:spcBef>
+                <a:spcAft>
+                  <a:spcPts val="0"/>
+                </a:spcAft>
+                <a:buNone/>
+              </a:pPr>
+              <a:endParaRPr>
+                <a:solidFill>
+                  <a:srgbClr val="435D74"/>
+                </a:solidFill>
+              </a:endParaRPr>
+            </a:p>
+          </p:txBody>
+        </p:sp>
+        <p:sp>
+          <p:nvSpPr>
+            <p:cNvPr id="22" name="Google Shape;466;p42">
+              <a:extLst>
+                <a:ext uri="{FF2B5EF4-FFF2-40B4-BE49-F238E27FC236}">
+                  <a16:creationId xmlns:a16="http://schemas.microsoft.com/office/drawing/2014/main" id="{BC072FE8-D78D-B94D-C7AE-2A1F276B21F8}"/>
+                </a:ext>
+              </a:extLst>
+            </p:cNvPr>
+            <p:cNvSpPr/>
+            <p:nvPr/>
+          </p:nvSpPr>
+          <p:spPr>
+            <a:xfrm>
+              <a:off x="898875" y="4711550"/>
+              <a:ext cx="170825" cy="169575"/>
+            </a:xfrm>
+            <a:custGeom>
+              <a:avLst/>
+              <a:gdLst/>
+              <a:ahLst/>
+              <a:cxnLst/>
+              <a:rect l="l" t="t" r="r" b="b"/>
+              <a:pathLst>
+                <a:path w="6833" h="6783" extrusionOk="0">
+                  <a:moveTo>
+                    <a:pt x="2846" y="1"/>
+                  </a:moveTo>
+                  <a:cubicBezTo>
+                    <a:pt x="1747" y="1052"/>
+                    <a:pt x="503" y="4602"/>
+                    <a:pt x="63" y="6050"/>
+                  </a:cubicBezTo>
+                  <a:cubicBezTo>
+                    <a:pt x="0" y="6252"/>
+                    <a:pt x="54" y="6469"/>
+                    <a:pt x="202" y="6616"/>
+                  </a:cubicBezTo>
+                  <a:cubicBezTo>
+                    <a:pt x="309" y="6724"/>
+                    <a:pt x="454" y="6782"/>
+                    <a:pt x="602" y="6782"/>
+                  </a:cubicBezTo>
+                  <a:cubicBezTo>
+                    <a:pt x="656" y="6782"/>
+                    <a:pt x="711" y="6774"/>
+                    <a:pt x="765" y="6758"/>
+                  </a:cubicBezTo>
+                  <a:cubicBezTo>
+                    <a:pt x="2225" y="6318"/>
+                    <a:pt x="5782" y="5084"/>
+                    <a:pt x="6833" y="3981"/>
+                  </a:cubicBezTo>
+                  <a:cubicBezTo>
+                    <a:pt x="6655" y="3900"/>
+                    <a:pt x="6492" y="3789"/>
+                    <a:pt x="6354" y="3650"/>
+                  </a:cubicBezTo>
+                  <a:lnTo>
+                    <a:pt x="5167" y="2464"/>
+                  </a:lnTo>
+                  <a:lnTo>
+                    <a:pt x="4767" y="2861"/>
+                  </a:lnTo>
+                  <a:cubicBezTo>
+                    <a:pt x="4658" y="2967"/>
+                    <a:pt x="4517" y="3020"/>
+                    <a:pt x="4375" y="3020"/>
+                  </a:cubicBezTo>
+                  <a:cubicBezTo>
+                    <a:pt x="4231" y="3020"/>
+                    <a:pt x="4086" y="2965"/>
+                    <a:pt x="3975" y="2855"/>
+                  </a:cubicBezTo>
+                  <a:cubicBezTo>
+                    <a:pt x="3758" y="2638"/>
+                    <a:pt x="3755" y="2286"/>
+                    <a:pt x="3969" y="2063"/>
+                  </a:cubicBezTo>
+                  <a:lnTo>
+                    <a:pt x="4369" y="1663"/>
+                  </a:lnTo>
+                  <a:lnTo>
+                    <a:pt x="3171" y="464"/>
+                  </a:lnTo>
+                  <a:cubicBezTo>
+                    <a:pt x="3035" y="329"/>
+                    <a:pt x="2927" y="172"/>
+                    <a:pt x="2846" y="1"/>
+                  </a:cubicBezTo>
+                  <a:close/>
+                </a:path>
+              </a:pathLst>
+            </a:custGeom>
+            <a:solidFill>
+              <a:schemeClr val="lt1"/>
+            </a:solidFill>
+            <a:ln>
+              <a:noFill/>
+            </a:ln>
+          </p:spPr>
+          <p:txBody>
+            <a:bodyPr spcFirstLastPara="1" wrap="square" lIns="91425" tIns="91425" rIns="91425" bIns="91425" anchor="ctr" anchorCtr="0">
+              <a:noAutofit/>
+            </a:bodyPr>
+            <a:lstStyle/>
+            <a:p>
+              <a:pPr marL="0" lvl="0" indent="0" algn="l" rtl="0">
+                <a:spcBef>
+                  <a:spcPts val="0"/>
+                </a:spcBef>
+                <a:spcAft>
+                  <a:spcPts val="0"/>
+                </a:spcAft>
+                <a:buNone/>
+              </a:pPr>
+              <a:endParaRPr>
+                <a:solidFill>
+                  <a:srgbClr val="435D74"/>
+                </a:solidFill>
+              </a:endParaRPr>
+            </a:p>
+          </p:txBody>
+        </p:sp>
+      </p:grpSp>
+    </p:spTree>
+    <p:extLst>
+      <p:ext uri="{BB962C8B-B14F-4D97-AF65-F5344CB8AC3E}">
+        <p14:creationId xmlns:p14="http://schemas.microsoft.com/office/powerpoint/2010/main" val="2728961381"/>
+      </p:ext>
+    </p:extLst>
+  </p:cSld>
+  <p:clrMapOvr>
+    <a:masterClrMapping/>
+  </p:clrMapOvr>
+</p:sld>
+</file>
+
+<file path=ppt/slides/slide15.xml><?xml version="1.0" encoding="utf-8"?>
+<p:sld xmlns:a="http://schemas.openxmlformats.org/drawingml/2006/main" xmlns:r="http://schemas.openxmlformats.org/officeDocument/2006/relationships" xmlns:p="http://schemas.openxmlformats.org/presentationml/2006/main">
+  <p:cSld>
+    <p:spTree>
+      <p:nvGrpSpPr>
+        <p:cNvPr id="1" name="Shape 353"/>
+        <p:cNvGrpSpPr/>
+        <p:nvPr/>
+      </p:nvGrpSpPr>
+      <p:grpSpPr>
+        <a:xfrm>
+          <a:off x="0" y="0"/>
+          <a:ext cx="0" cy="0"/>
+          <a:chOff x="0" y="0"/>
+          <a:chExt cx="0" cy="0"/>
+        </a:xfrm>
+      </p:grpSpPr>
+      <p:sp>
+        <p:nvSpPr>
+          <p:cNvPr id="354" name="Google Shape;354;p37"/>
+          <p:cNvSpPr txBox="1">
+            <a:spLocks noGrp="1"/>
+          </p:cNvSpPr>
+          <p:nvPr>
+            <p:ph type="title"/>
+          </p:nvPr>
+        </p:nvSpPr>
+        <p:spPr>
+          <a:xfrm>
+            <a:off x="714375" y="190941"/>
+            <a:ext cx="7715250" cy="571500"/>
+          </a:xfrm>
+          <a:prstGeom prst="rect">
+            <a:avLst/>
+          </a:prstGeom>
+        </p:spPr>
+        <p:txBody>
+          <a:bodyPr spcFirstLastPara="1" wrap="square" lIns="91425" tIns="91425" rIns="91425" bIns="91425" anchor="t" anchorCtr="0">
+            <a:noAutofit/>
+          </a:bodyPr>
+          <a:lstStyle/>
+          <a:p>
+            <a:pPr lvl="0" algn="ctr"/>
+            <a:r>
+              <a:rPr lang="es-ES" dirty="0">
+                <a:latin typeface="Century Gothic" panose="020B0502020202020204" pitchFamily="34" charset="0"/>
+              </a:rPr>
+              <a:t>API </a:t>
+            </a:r>
+            <a:r>
+              <a:rPr lang="es-ES" dirty="0" err="1">
+                <a:latin typeface="Century Gothic" panose="020B0502020202020204" pitchFamily="34" charset="0"/>
+              </a:rPr>
+              <a:t>RESTful</a:t>
+            </a:r>
+            <a:r>
+              <a:rPr lang="es-ES" dirty="0">
+                <a:latin typeface="Century Gothic" panose="020B0502020202020204" pitchFamily="34" charset="0"/>
+              </a:rPr>
+              <a:t> – Ejemplos</a:t>
+            </a:r>
+            <a:endParaRPr dirty="0">
+              <a:solidFill>
+                <a:schemeClr val="accent3"/>
+              </a:solidFill>
+              <a:latin typeface="Century Gothic" panose="020B0502020202020204" pitchFamily="34" charset="0"/>
+            </a:endParaRPr>
+          </a:p>
+        </p:txBody>
+      </p:sp>
+      <p:sp>
+        <p:nvSpPr>
+          <p:cNvPr id="2" name="Google Shape;427;p42">
+            <a:extLst>
+              <a:ext uri="{FF2B5EF4-FFF2-40B4-BE49-F238E27FC236}">
+                <a16:creationId xmlns:a16="http://schemas.microsoft.com/office/drawing/2014/main" id="{525CF85C-95D5-0394-1988-C80412609513}"/>
+              </a:ext>
+            </a:extLst>
+          </p:cNvPr>
+          <p:cNvSpPr/>
+          <p:nvPr/>
+        </p:nvSpPr>
+        <p:spPr>
+          <a:xfrm>
+            <a:off x="701420" y="903428"/>
+            <a:ext cx="695400" cy="677400"/>
+          </a:xfrm>
+          <a:prstGeom prst="roundRect">
+            <a:avLst>
+              <a:gd name="adj" fmla="val 16667"/>
+            </a:avLst>
+          </a:prstGeom>
+          <a:solidFill>
+            <a:srgbClr val="F3B734"/>
+          </a:solidFill>
+          <a:ln>
+            <a:noFill/>
+          </a:ln>
+        </p:spPr>
+        <p:txBody>
+          <a:bodyPr spcFirstLastPara="1" wrap="square" lIns="91425" tIns="91425" rIns="91425" bIns="91425" anchor="ctr" anchorCtr="0">
+            <a:noAutofit/>
+          </a:bodyPr>
+          <a:lstStyle/>
+          <a:p>
+            <a:pPr marL="0" lvl="0" indent="0" algn="l" rtl="0">
+              <a:spcBef>
+                <a:spcPts val="0"/>
+              </a:spcBef>
+              <a:spcAft>
+                <a:spcPts val="0"/>
+              </a:spcAft>
+              <a:buNone/>
+            </a:pPr>
+            <a:endParaRPr/>
+          </a:p>
+        </p:txBody>
+      </p:sp>
+      <p:sp>
+        <p:nvSpPr>
+          <p:cNvPr id="13" name="Google Shape;439;p42">
+            <a:extLst>
+              <a:ext uri="{FF2B5EF4-FFF2-40B4-BE49-F238E27FC236}">
+                <a16:creationId xmlns:a16="http://schemas.microsoft.com/office/drawing/2014/main" id="{FF40A2D8-8F66-218C-5445-698B1EE29D08}"/>
+              </a:ext>
+            </a:extLst>
+          </p:cNvPr>
+          <p:cNvSpPr txBox="1"/>
+          <p:nvPr/>
+        </p:nvSpPr>
+        <p:spPr>
+          <a:xfrm>
+            <a:off x="1692072" y="885345"/>
+            <a:ext cx="7260542" cy="2169743"/>
+          </a:xfrm>
+          <a:prstGeom prst="rect">
+            <a:avLst/>
+          </a:prstGeom>
+          <a:noFill/>
+          <a:ln>
+            <a:noFill/>
+          </a:ln>
+        </p:spPr>
+        <p:txBody>
+          <a:bodyPr spcFirstLastPara="1" wrap="square" lIns="91425" tIns="91425" rIns="91425" bIns="91425" anchor="ctr" anchorCtr="0">
+            <a:noAutofit/>
+          </a:bodyPr>
+          <a:lstStyle/>
+          <a:p>
+            <a:pPr lvl="0">
+              <a:lnSpc>
+                <a:spcPct val="200000"/>
+              </a:lnSpc>
+              <a:buSzPts val="1100"/>
+            </a:pPr>
+            <a:r>
+              <a:rPr lang="es-ES" dirty="0">
+                <a:solidFill>
+                  <a:srgbClr val="007399"/>
+                </a:solidFill>
+                <a:latin typeface="Raleway Medium"/>
+                <a:ea typeface="Raleway Medium"/>
+                <a:cs typeface="Raleway Medium"/>
+                <a:sym typeface="Raleway Medium"/>
+              </a:rPr>
+              <a:t>GET </a:t>
+            </a:r>
+            <a:r>
+              <a:rPr lang="es-ES" dirty="0">
+                <a:solidFill>
+                  <a:srgbClr val="007399"/>
+                </a:solidFill>
+                <a:latin typeface="Raleway Medium"/>
+                <a:ea typeface="Raleway Medium"/>
+                <a:cs typeface="Raleway Medium"/>
+                <a:sym typeface="Raleway Medium"/>
+                <a:hlinkClick r:id="rId3"/>
+              </a:rPr>
+              <a:t>https://api.my-company.com/library/book-reviews</a:t>
+            </a:r>
+            <a:endParaRPr lang="es-ES" dirty="0">
+              <a:solidFill>
+                <a:srgbClr val="007399"/>
+              </a:solidFill>
+              <a:latin typeface="Raleway Medium"/>
+              <a:ea typeface="Raleway Medium"/>
+              <a:cs typeface="Raleway Medium"/>
+              <a:sym typeface="Raleway Medium"/>
+            </a:endParaRPr>
+          </a:p>
+          <a:p>
+            <a:pPr>
+              <a:lnSpc>
+                <a:spcPct val="200000"/>
+              </a:lnSpc>
+              <a:buSzPts val="1100"/>
+            </a:pPr>
+            <a:r>
+              <a:rPr lang="es-ES" dirty="0">
+                <a:solidFill>
+                  <a:srgbClr val="007399"/>
+                </a:solidFill>
+                <a:latin typeface="Raleway Medium"/>
+                <a:ea typeface="Raleway Medium"/>
+                <a:cs typeface="Raleway Medium"/>
+                <a:sym typeface="Raleway Medium"/>
+              </a:rPr>
+              <a:t>GET </a:t>
+            </a:r>
+            <a:r>
+              <a:rPr lang="es-ES" dirty="0">
+                <a:solidFill>
+                  <a:srgbClr val="007399"/>
+                </a:solidFill>
+                <a:latin typeface="Raleway Medium"/>
+                <a:ea typeface="Raleway Medium"/>
+                <a:cs typeface="Raleway Medium"/>
+                <a:sym typeface="Raleway Medium"/>
+                <a:hlinkClick r:id="rId4"/>
+              </a:rPr>
+              <a:t>https://api.my-company.com/library/book-reviews/?book-name=%lord</a:t>
+            </a:r>
+            <a:r>
+              <a:rPr lang="es-ES" dirty="0">
+                <a:solidFill>
+                  <a:srgbClr val="007399"/>
+                </a:solidFill>
+                <a:latin typeface="Raleway Medium"/>
+                <a:ea typeface="Raleway Medium"/>
+                <a:cs typeface="Raleway Medium"/>
+                <a:sym typeface="Raleway Medium"/>
+              </a:rPr>
+              <a:t> </a:t>
+            </a:r>
+            <a:r>
+              <a:rPr lang="es-ES" dirty="0" err="1">
+                <a:solidFill>
+                  <a:srgbClr val="007399"/>
+                </a:solidFill>
+                <a:latin typeface="Raleway Medium"/>
+                <a:ea typeface="Raleway Medium"/>
+                <a:cs typeface="Raleway Medium"/>
+                <a:sym typeface="Raleway Medium"/>
+              </a:rPr>
+              <a:t>of</a:t>
+            </a:r>
+            <a:r>
+              <a:rPr lang="es-ES" dirty="0">
+                <a:solidFill>
+                  <a:srgbClr val="007399"/>
+                </a:solidFill>
+                <a:latin typeface="Raleway Medium"/>
+                <a:ea typeface="Raleway Medium"/>
+                <a:cs typeface="Raleway Medium"/>
+                <a:sym typeface="Raleway Medium"/>
+              </a:rPr>
+              <a:t>%</a:t>
+            </a:r>
+          </a:p>
+          <a:p>
+            <a:pPr>
+              <a:lnSpc>
+                <a:spcPct val="200000"/>
+              </a:lnSpc>
+              <a:buSzPts val="1100"/>
+            </a:pPr>
+            <a:r>
+              <a:rPr lang="es-ES" dirty="0">
+                <a:solidFill>
+                  <a:srgbClr val="007399"/>
+                </a:solidFill>
+                <a:latin typeface="Raleway Medium"/>
+                <a:ea typeface="Raleway Medium"/>
+                <a:cs typeface="Raleway Medium"/>
+                <a:sym typeface="Raleway Medium"/>
+              </a:rPr>
+              <a:t>GET </a:t>
+            </a:r>
+            <a:r>
+              <a:rPr lang="es-ES" dirty="0">
+                <a:solidFill>
+                  <a:srgbClr val="007399"/>
+                </a:solidFill>
+                <a:latin typeface="Raleway Medium"/>
+                <a:ea typeface="Raleway Medium"/>
+                <a:cs typeface="Raleway Medium"/>
+                <a:sym typeface="Raleway Medium"/>
+                <a:hlinkClick r:id="rId5"/>
+              </a:rPr>
+              <a:t>https://api.my-company.com/library/book-reviews/{id}</a:t>
+            </a:r>
+            <a:endParaRPr lang="es-ES" dirty="0">
+              <a:solidFill>
+                <a:srgbClr val="007399"/>
+              </a:solidFill>
+              <a:latin typeface="Raleway Medium"/>
+              <a:ea typeface="Raleway Medium"/>
+              <a:cs typeface="Raleway Medium"/>
+              <a:sym typeface="Raleway Medium"/>
+            </a:endParaRPr>
+          </a:p>
+          <a:p>
+            <a:pPr lvl="0">
+              <a:lnSpc>
+                <a:spcPct val="200000"/>
+              </a:lnSpc>
+              <a:buSzPts val="1100"/>
+            </a:pPr>
+            <a:r>
+              <a:rPr lang="es-ES" dirty="0">
+                <a:solidFill>
+                  <a:srgbClr val="007399"/>
+                </a:solidFill>
+                <a:latin typeface="Raleway Medium"/>
+                <a:ea typeface="Raleway Medium"/>
+                <a:cs typeface="Raleway Medium"/>
+                <a:sym typeface="Raleway Medium"/>
+              </a:rPr>
+              <a:t>POST </a:t>
+            </a:r>
+            <a:r>
+              <a:rPr lang="es-ES" dirty="0">
+                <a:solidFill>
+                  <a:srgbClr val="007399"/>
+                </a:solidFill>
+                <a:latin typeface="Raleway Medium"/>
+                <a:ea typeface="Raleway Medium"/>
+                <a:cs typeface="Raleway Medium"/>
+                <a:sym typeface="Raleway Medium"/>
+                <a:hlinkClick r:id="rId3"/>
+              </a:rPr>
+              <a:t>https://api.my-company.com/library/boo</a:t>
+            </a:r>
+            <a:br>
+              <a:rPr lang="es-ES" dirty="0">
+                <a:solidFill>
+                  <a:srgbClr val="007399"/>
+                </a:solidFill>
+                <a:latin typeface="Raleway Medium"/>
+                <a:ea typeface="Raleway Medium"/>
+                <a:cs typeface="Raleway Medium"/>
+                <a:sym typeface="Raleway Medium"/>
+              </a:rPr>
+            </a:br>
+            <a:r>
+              <a:rPr lang="es-ES" dirty="0">
+                <a:solidFill>
+                  <a:srgbClr val="007399"/>
+                </a:solidFill>
+                <a:latin typeface="Raleway Medium"/>
+                <a:ea typeface="Raleway Medium"/>
+                <a:cs typeface="Raleway Medium"/>
+                <a:sym typeface="Raleway Medium"/>
+              </a:rPr>
+              <a:t>PUT </a:t>
+            </a:r>
+            <a:r>
+              <a:rPr lang="es-ES" dirty="0">
+                <a:solidFill>
+                  <a:srgbClr val="007399"/>
+                </a:solidFill>
+                <a:latin typeface="Raleway Medium"/>
+                <a:ea typeface="Raleway Medium"/>
+                <a:cs typeface="Raleway Medium"/>
+                <a:sym typeface="Raleway Medium"/>
+                <a:hlinkClick r:id="rId5"/>
+              </a:rPr>
+              <a:t>https://api.my-company.com/library/book-reviews/{id}</a:t>
+            </a:r>
+            <a:endParaRPr lang="es-ES" dirty="0">
+              <a:solidFill>
+                <a:srgbClr val="007399"/>
+              </a:solidFill>
+              <a:latin typeface="Raleway Medium"/>
+              <a:ea typeface="Raleway Medium"/>
+              <a:cs typeface="Raleway Medium"/>
+              <a:sym typeface="Raleway Medium"/>
+            </a:endParaRPr>
+          </a:p>
+          <a:p>
+            <a:pPr>
+              <a:lnSpc>
+                <a:spcPct val="200000"/>
+              </a:lnSpc>
+              <a:buSzPts val="1100"/>
+            </a:pPr>
+            <a:r>
+              <a:rPr lang="es-ES" dirty="0">
+                <a:solidFill>
+                  <a:srgbClr val="007399"/>
+                </a:solidFill>
+                <a:latin typeface="Raleway Medium"/>
+                <a:ea typeface="Raleway Medium"/>
+                <a:cs typeface="Raleway Medium"/>
+                <a:sym typeface="Raleway Medium"/>
+              </a:rPr>
+              <a:t>GET </a:t>
+            </a:r>
+            <a:r>
+              <a:rPr lang="es-ES" dirty="0">
+                <a:solidFill>
+                  <a:srgbClr val="007399"/>
+                </a:solidFill>
+                <a:latin typeface="Raleway Medium"/>
+                <a:ea typeface="Raleway Medium"/>
+                <a:cs typeface="Raleway Medium"/>
+                <a:sym typeface="Raleway Medium"/>
+                <a:hlinkClick r:id="rId6"/>
+              </a:rPr>
+              <a:t>https://api.my-company.com/library/book-reviews/{id}/books</a:t>
+            </a:r>
+            <a:endParaRPr dirty="0">
+              <a:solidFill>
+                <a:srgbClr val="007399"/>
+              </a:solidFill>
+              <a:latin typeface="Raleway Medium"/>
+              <a:ea typeface="Raleway Medium"/>
+              <a:cs typeface="Raleway Medium"/>
+              <a:sym typeface="Raleway Medium"/>
+            </a:endParaRPr>
+          </a:p>
+        </p:txBody>
+      </p:sp>
+      <p:grpSp>
+        <p:nvGrpSpPr>
+          <p:cNvPr id="4" name="Google Shape;7707;p74">
+            <a:extLst>
+              <a:ext uri="{FF2B5EF4-FFF2-40B4-BE49-F238E27FC236}">
+                <a16:creationId xmlns:a16="http://schemas.microsoft.com/office/drawing/2014/main" id="{23074539-802E-0F54-DF05-00F1FA2DC78D}"/>
+              </a:ext>
+            </a:extLst>
+          </p:cNvPr>
+          <p:cNvGrpSpPr/>
+          <p:nvPr/>
+        </p:nvGrpSpPr>
+        <p:grpSpPr>
+          <a:xfrm>
+            <a:off x="869888" y="1080228"/>
+            <a:ext cx="354311" cy="355909"/>
+            <a:chOff x="-49764975" y="3551225"/>
+            <a:chExt cx="299300" cy="300650"/>
+          </a:xfrm>
+          <a:solidFill>
+            <a:schemeClr val="bg1"/>
+          </a:solidFill>
+        </p:grpSpPr>
+        <p:sp>
+          <p:nvSpPr>
+            <p:cNvPr id="23" name="Google Shape;7708;p74">
+              <a:extLst>
+                <a:ext uri="{FF2B5EF4-FFF2-40B4-BE49-F238E27FC236}">
+                  <a16:creationId xmlns:a16="http://schemas.microsoft.com/office/drawing/2014/main" id="{5B60478F-9D92-3B70-E83A-DBCE29DF6DDD}"/>
+                </a:ext>
+              </a:extLst>
+            </p:cNvPr>
+            <p:cNvSpPr/>
+            <p:nvPr/>
+          </p:nvSpPr>
+          <p:spPr>
+            <a:xfrm>
+              <a:off x="-49764975" y="3657325"/>
+              <a:ext cx="35450" cy="18125"/>
+            </a:xfrm>
+            <a:custGeom>
+              <a:avLst/>
+              <a:gdLst/>
+              <a:ahLst/>
+              <a:cxnLst/>
+              <a:rect l="l" t="t" r="r" b="b"/>
+              <a:pathLst>
+                <a:path w="1418" h="725" extrusionOk="0">
+                  <a:moveTo>
+                    <a:pt x="347" y="0"/>
+                  </a:moveTo>
+                  <a:cubicBezTo>
+                    <a:pt x="158" y="0"/>
+                    <a:pt x="0" y="158"/>
+                    <a:pt x="0" y="378"/>
+                  </a:cubicBezTo>
+                  <a:cubicBezTo>
+                    <a:pt x="0" y="567"/>
+                    <a:pt x="158" y="725"/>
+                    <a:pt x="347" y="725"/>
+                  </a:cubicBezTo>
+                  <a:lnTo>
+                    <a:pt x="1040" y="725"/>
+                  </a:lnTo>
+                  <a:cubicBezTo>
+                    <a:pt x="1260" y="725"/>
+                    <a:pt x="1418" y="567"/>
+                    <a:pt x="1418" y="378"/>
+                  </a:cubicBezTo>
+                  <a:cubicBezTo>
+                    <a:pt x="1386" y="158"/>
+                    <a:pt x="1197" y="0"/>
+                    <a:pt x="1040" y="0"/>
+                  </a:cubicBezTo>
+                  <a:close/>
+                </a:path>
+              </a:pathLst>
+            </a:custGeom>
+            <a:grpFill/>
+            <a:ln>
+              <a:noFill/>
+            </a:ln>
+          </p:spPr>
+          <p:txBody>
+            <a:bodyPr spcFirstLastPara="1" wrap="square" lIns="91425" tIns="91425" rIns="91425" bIns="91425" anchor="ctr" anchorCtr="0">
+              <a:noAutofit/>
+            </a:bodyPr>
+            <a:lstStyle/>
+            <a:p>
+              <a:pPr marL="0" lvl="0" indent="0" algn="l" rtl="0">
+                <a:spcBef>
+                  <a:spcPts val="0"/>
+                </a:spcBef>
+                <a:spcAft>
+                  <a:spcPts val="0"/>
+                </a:spcAft>
+                <a:buNone/>
+              </a:pPr>
+              <a:endParaRPr/>
+            </a:p>
+          </p:txBody>
+        </p:sp>
+        <p:sp>
+          <p:nvSpPr>
+            <p:cNvPr id="24" name="Google Shape;7709;p74">
+              <a:extLst>
+                <a:ext uri="{FF2B5EF4-FFF2-40B4-BE49-F238E27FC236}">
+                  <a16:creationId xmlns:a16="http://schemas.microsoft.com/office/drawing/2014/main" id="{E5081F49-DEE4-3CE9-C90A-A86CA661804B}"/>
+                </a:ext>
+              </a:extLst>
+            </p:cNvPr>
+            <p:cNvSpPr/>
+            <p:nvPr/>
+          </p:nvSpPr>
+          <p:spPr>
+            <a:xfrm>
+              <a:off x="-49763400" y="3598250"/>
+              <a:ext cx="31525" cy="29950"/>
+            </a:xfrm>
+            <a:custGeom>
+              <a:avLst/>
+              <a:gdLst/>
+              <a:ahLst/>
+              <a:cxnLst/>
+              <a:rect l="l" t="t" r="r" b="b"/>
+              <a:pathLst>
+                <a:path w="1261" h="1198" extrusionOk="0">
+                  <a:moveTo>
+                    <a:pt x="390" y="0"/>
+                  </a:moveTo>
+                  <a:cubicBezTo>
+                    <a:pt x="299" y="0"/>
+                    <a:pt x="205" y="32"/>
+                    <a:pt x="126" y="95"/>
+                  </a:cubicBezTo>
+                  <a:cubicBezTo>
+                    <a:pt x="0" y="221"/>
+                    <a:pt x="0" y="441"/>
+                    <a:pt x="126" y="599"/>
+                  </a:cubicBezTo>
+                  <a:lnTo>
+                    <a:pt x="630" y="1103"/>
+                  </a:lnTo>
+                  <a:cubicBezTo>
+                    <a:pt x="693" y="1166"/>
+                    <a:pt x="780" y="1197"/>
+                    <a:pt x="870" y="1197"/>
+                  </a:cubicBezTo>
+                  <a:cubicBezTo>
+                    <a:pt x="961" y="1197"/>
+                    <a:pt x="1056" y="1166"/>
+                    <a:pt x="1134" y="1103"/>
+                  </a:cubicBezTo>
+                  <a:cubicBezTo>
+                    <a:pt x="1260" y="1008"/>
+                    <a:pt x="1260" y="756"/>
+                    <a:pt x="1134" y="599"/>
+                  </a:cubicBezTo>
+                  <a:lnTo>
+                    <a:pt x="630" y="95"/>
+                  </a:lnTo>
+                  <a:cubicBezTo>
+                    <a:pt x="567" y="32"/>
+                    <a:pt x="481" y="0"/>
+                    <a:pt x="390" y="0"/>
+                  </a:cubicBezTo>
+                  <a:close/>
+                </a:path>
+              </a:pathLst>
+            </a:custGeom>
+            <a:grpFill/>
+            <a:ln>
+              <a:noFill/>
+            </a:ln>
+          </p:spPr>
+          <p:txBody>
+            <a:bodyPr spcFirstLastPara="1" wrap="square" lIns="91425" tIns="91425" rIns="91425" bIns="91425" anchor="ctr" anchorCtr="0">
+              <a:noAutofit/>
+            </a:bodyPr>
+            <a:lstStyle/>
+            <a:p>
+              <a:pPr marL="0" lvl="0" indent="0" algn="l" rtl="0">
+                <a:spcBef>
+                  <a:spcPts val="0"/>
+                </a:spcBef>
+                <a:spcAft>
+                  <a:spcPts val="0"/>
+                </a:spcAft>
+                <a:buNone/>
+              </a:pPr>
+              <a:endParaRPr/>
+            </a:p>
+          </p:txBody>
+        </p:sp>
+        <p:sp>
+          <p:nvSpPr>
+            <p:cNvPr id="25" name="Google Shape;7710;p74">
+              <a:extLst>
+                <a:ext uri="{FF2B5EF4-FFF2-40B4-BE49-F238E27FC236}">
+                  <a16:creationId xmlns:a16="http://schemas.microsoft.com/office/drawing/2014/main" id="{F29B95B2-1725-8847-9E3C-F39EB1A92CB4}"/>
+                </a:ext>
+              </a:extLst>
+            </p:cNvPr>
+            <p:cNvSpPr/>
+            <p:nvPr/>
+          </p:nvSpPr>
+          <p:spPr>
+            <a:xfrm>
+              <a:off x="-49763400" y="3703975"/>
+              <a:ext cx="31525" cy="30550"/>
+            </a:xfrm>
+            <a:custGeom>
+              <a:avLst/>
+              <a:gdLst/>
+              <a:ahLst/>
+              <a:cxnLst/>
+              <a:rect l="l" t="t" r="r" b="b"/>
+              <a:pathLst>
+                <a:path w="1261" h="1222" extrusionOk="0">
+                  <a:moveTo>
+                    <a:pt x="882" y="1"/>
+                  </a:moveTo>
+                  <a:cubicBezTo>
+                    <a:pt x="796" y="1"/>
+                    <a:pt x="709" y="40"/>
+                    <a:pt x="630" y="119"/>
+                  </a:cubicBezTo>
+                  <a:lnTo>
+                    <a:pt x="126" y="623"/>
+                  </a:lnTo>
+                  <a:cubicBezTo>
+                    <a:pt x="0" y="749"/>
+                    <a:pt x="0" y="970"/>
+                    <a:pt x="126" y="1127"/>
+                  </a:cubicBezTo>
+                  <a:cubicBezTo>
+                    <a:pt x="189" y="1190"/>
+                    <a:pt x="276" y="1222"/>
+                    <a:pt x="366" y="1222"/>
+                  </a:cubicBezTo>
+                  <a:cubicBezTo>
+                    <a:pt x="457" y="1222"/>
+                    <a:pt x="551" y="1190"/>
+                    <a:pt x="630" y="1127"/>
+                  </a:cubicBezTo>
+                  <a:lnTo>
+                    <a:pt x="1134" y="623"/>
+                  </a:lnTo>
+                  <a:cubicBezTo>
+                    <a:pt x="1260" y="497"/>
+                    <a:pt x="1260" y="276"/>
+                    <a:pt x="1134" y="119"/>
+                  </a:cubicBezTo>
+                  <a:cubicBezTo>
+                    <a:pt x="1056" y="40"/>
+                    <a:pt x="969" y="1"/>
+                    <a:pt x="882" y="1"/>
+                  </a:cubicBezTo>
+                  <a:close/>
+                </a:path>
+              </a:pathLst>
+            </a:custGeom>
+            <a:grpFill/>
+            <a:ln>
+              <a:noFill/>
+            </a:ln>
+          </p:spPr>
+          <p:txBody>
+            <a:bodyPr spcFirstLastPara="1" wrap="square" lIns="91425" tIns="91425" rIns="91425" bIns="91425" anchor="ctr" anchorCtr="0">
+              <a:noAutofit/>
+            </a:bodyPr>
+            <a:lstStyle/>
+            <a:p>
+              <a:pPr marL="0" lvl="0" indent="0" algn="l" rtl="0">
+                <a:spcBef>
+                  <a:spcPts val="0"/>
+                </a:spcBef>
+                <a:spcAft>
+                  <a:spcPts val="0"/>
+                </a:spcAft>
+                <a:buNone/>
+              </a:pPr>
+              <a:endParaRPr/>
+            </a:p>
+          </p:txBody>
+        </p:sp>
+        <p:sp>
+          <p:nvSpPr>
+            <p:cNvPr id="26" name="Google Shape;7711;p74">
+              <a:extLst>
+                <a:ext uri="{FF2B5EF4-FFF2-40B4-BE49-F238E27FC236}">
+                  <a16:creationId xmlns:a16="http://schemas.microsoft.com/office/drawing/2014/main" id="{D9335983-65D8-CB2B-CC66-3C894C4122F7}"/>
+                </a:ext>
+              </a:extLst>
+            </p:cNvPr>
+            <p:cNvSpPr/>
+            <p:nvPr/>
+          </p:nvSpPr>
+          <p:spPr>
+            <a:xfrm>
+              <a:off x="-49501125" y="3657325"/>
+              <a:ext cx="35450" cy="18125"/>
+            </a:xfrm>
+            <a:custGeom>
+              <a:avLst/>
+              <a:gdLst/>
+              <a:ahLst/>
+              <a:cxnLst/>
+              <a:rect l="l" t="t" r="r" b="b"/>
+              <a:pathLst>
+                <a:path w="1418" h="725" extrusionOk="0">
+                  <a:moveTo>
+                    <a:pt x="347" y="0"/>
+                  </a:moveTo>
+                  <a:cubicBezTo>
+                    <a:pt x="158" y="0"/>
+                    <a:pt x="0" y="158"/>
+                    <a:pt x="0" y="378"/>
+                  </a:cubicBezTo>
+                  <a:cubicBezTo>
+                    <a:pt x="0" y="567"/>
+                    <a:pt x="158" y="725"/>
+                    <a:pt x="347" y="725"/>
+                  </a:cubicBezTo>
+                  <a:lnTo>
+                    <a:pt x="1071" y="725"/>
+                  </a:lnTo>
+                  <a:cubicBezTo>
+                    <a:pt x="1260" y="725"/>
+                    <a:pt x="1418" y="567"/>
+                    <a:pt x="1418" y="378"/>
+                  </a:cubicBezTo>
+                  <a:cubicBezTo>
+                    <a:pt x="1418" y="158"/>
+                    <a:pt x="1260" y="0"/>
+                    <a:pt x="1071" y="0"/>
+                  </a:cubicBezTo>
+                  <a:close/>
+                </a:path>
+              </a:pathLst>
+            </a:custGeom>
+            <a:grpFill/>
+            <a:ln>
+              <a:noFill/>
+            </a:ln>
+          </p:spPr>
+          <p:txBody>
+            <a:bodyPr spcFirstLastPara="1" wrap="square" lIns="91425" tIns="91425" rIns="91425" bIns="91425" anchor="ctr" anchorCtr="0">
+              <a:noAutofit/>
+            </a:bodyPr>
+            <a:lstStyle/>
+            <a:p>
+              <a:pPr marL="0" lvl="0" indent="0" algn="l" rtl="0">
+                <a:spcBef>
+                  <a:spcPts val="0"/>
+                </a:spcBef>
+                <a:spcAft>
+                  <a:spcPts val="0"/>
+                </a:spcAft>
+                <a:buNone/>
+              </a:pPr>
+              <a:endParaRPr/>
+            </a:p>
+          </p:txBody>
+        </p:sp>
+        <p:sp>
+          <p:nvSpPr>
+            <p:cNvPr id="27" name="Google Shape;7712;p74">
+              <a:extLst>
+                <a:ext uri="{FF2B5EF4-FFF2-40B4-BE49-F238E27FC236}">
+                  <a16:creationId xmlns:a16="http://schemas.microsoft.com/office/drawing/2014/main" id="{11F46FC0-C1AC-A5E1-BC0C-F8096E1702FD}"/>
+                </a:ext>
+              </a:extLst>
+            </p:cNvPr>
+            <p:cNvSpPr/>
+            <p:nvPr/>
+          </p:nvSpPr>
+          <p:spPr>
+            <a:xfrm>
+              <a:off x="-49499550" y="3598250"/>
+              <a:ext cx="31525" cy="30550"/>
+            </a:xfrm>
+            <a:custGeom>
+              <a:avLst/>
+              <a:gdLst/>
+              <a:ahLst/>
+              <a:cxnLst/>
+              <a:rect l="l" t="t" r="r" b="b"/>
+              <a:pathLst>
+                <a:path w="1261" h="1222" extrusionOk="0">
+                  <a:moveTo>
+                    <a:pt x="906" y="0"/>
+                  </a:moveTo>
+                  <a:cubicBezTo>
+                    <a:pt x="812" y="0"/>
+                    <a:pt x="709" y="32"/>
+                    <a:pt x="630" y="95"/>
+                  </a:cubicBezTo>
+                  <a:lnTo>
+                    <a:pt x="126" y="599"/>
+                  </a:lnTo>
+                  <a:cubicBezTo>
+                    <a:pt x="0" y="725"/>
+                    <a:pt x="0" y="945"/>
+                    <a:pt x="126" y="1103"/>
+                  </a:cubicBezTo>
+                  <a:cubicBezTo>
+                    <a:pt x="205" y="1182"/>
+                    <a:pt x="292" y="1221"/>
+                    <a:pt x="378" y="1221"/>
+                  </a:cubicBezTo>
+                  <a:cubicBezTo>
+                    <a:pt x="465" y="1221"/>
+                    <a:pt x="552" y="1182"/>
+                    <a:pt x="630" y="1103"/>
+                  </a:cubicBezTo>
+                  <a:lnTo>
+                    <a:pt x="1134" y="599"/>
+                  </a:lnTo>
+                  <a:cubicBezTo>
+                    <a:pt x="1260" y="473"/>
+                    <a:pt x="1260" y="252"/>
+                    <a:pt x="1134" y="95"/>
+                  </a:cubicBezTo>
+                  <a:cubicBezTo>
+                    <a:pt x="1087" y="32"/>
+                    <a:pt x="1001" y="0"/>
+                    <a:pt x="906" y="0"/>
+                  </a:cubicBezTo>
+                  <a:close/>
+                </a:path>
+              </a:pathLst>
+            </a:custGeom>
+            <a:grpFill/>
+            <a:ln>
+              <a:noFill/>
+            </a:ln>
+          </p:spPr>
+          <p:txBody>
+            <a:bodyPr spcFirstLastPara="1" wrap="square" lIns="91425" tIns="91425" rIns="91425" bIns="91425" anchor="ctr" anchorCtr="0">
+              <a:noAutofit/>
+            </a:bodyPr>
+            <a:lstStyle/>
+            <a:p>
+              <a:pPr marL="0" lvl="0" indent="0" algn="l" rtl="0">
+                <a:spcBef>
+                  <a:spcPts val="0"/>
+                </a:spcBef>
+                <a:spcAft>
+                  <a:spcPts val="0"/>
+                </a:spcAft>
+                <a:buNone/>
+              </a:pPr>
+              <a:endParaRPr/>
+            </a:p>
+          </p:txBody>
+        </p:sp>
+        <p:sp>
+          <p:nvSpPr>
+            <p:cNvPr id="28" name="Google Shape;7713;p74">
+              <a:extLst>
+                <a:ext uri="{FF2B5EF4-FFF2-40B4-BE49-F238E27FC236}">
+                  <a16:creationId xmlns:a16="http://schemas.microsoft.com/office/drawing/2014/main" id="{B925900D-6B53-FCC0-CAE2-BA736A6C2489}"/>
+                </a:ext>
+              </a:extLst>
+            </p:cNvPr>
+            <p:cNvSpPr/>
+            <p:nvPr/>
+          </p:nvSpPr>
+          <p:spPr>
+            <a:xfrm>
+              <a:off x="-49499550" y="3704575"/>
+              <a:ext cx="31525" cy="29950"/>
+            </a:xfrm>
+            <a:custGeom>
+              <a:avLst/>
+              <a:gdLst/>
+              <a:ahLst/>
+              <a:cxnLst/>
+              <a:rect l="l" t="t" r="r" b="b"/>
+              <a:pathLst>
+                <a:path w="1261" h="1198" extrusionOk="0">
+                  <a:moveTo>
+                    <a:pt x="390" y="0"/>
+                  </a:moveTo>
+                  <a:cubicBezTo>
+                    <a:pt x="300" y="0"/>
+                    <a:pt x="205" y="32"/>
+                    <a:pt x="126" y="95"/>
+                  </a:cubicBezTo>
+                  <a:cubicBezTo>
+                    <a:pt x="0" y="221"/>
+                    <a:pt x="0" y="441"/>
+                    <a:pt x="126" y="599"/>
+                  </a:cubicBezTo>
+                  <a:lnTo>
+                    <a:pt x="630" y="1103"/>
+                  </a:lnTo>
+                  <a:cubicBezTo>
+                    <a:pt x="693" y="1166"/>
+                    <a:pt x="780" y="1198"/>
+                    <a:pt x="871" y="1198"/>
+                  </a:cubicBezTo>
+                  <a:cubicBezTo>
+                    <a:pt x="961" y="1198"/>
+                    <a:pt x="1056" y="1166"/>
+                    <a:pt x="1134" y="1103"/>
+                  </a:cubicBezTo>
+                  <a:cubicBezTo>
+                    <a:pt x="1260" y="1009"/>
+                    <a:pt x="1260" y="757"/>
+                    <a:pt x="1134" y="599"/>
+                  </a:cubicBezTo>
+                  <a:lnTo>
+                    <a:pt x="630" y="95"/>
+                  </a:lnTo>
+                  <a:cubicBezTo>
+                    <a:pt x="567" y="32"/>
+                    <a:pt x="481" y="0"/>
+                    <a:pt x="390" y="0"/>
+                  </a:cubicBezTo>
+                  <a:close/>
+                </a:path>
+              </a:pathLst>
+            </a:custGeom>
+            <a:grpFill/>
+            <a:ln>
+              <a:noFill/>
+            </a:ln>
+          </p:spPr>
+          <p:txBody>
+            <a:bodyPr spcFirstLastPara="1" wrap="square" lIns="91425" tIns="91425" rIns="91425" bIns="91425" anchor="ctr" anchorCtr="0">
+              <a:noAutofit/>
+            </a:bodyPr>
+            <a:lstStyle/>
+            <a:p>
+              <a:pPr marL="0" lvl="0" indent="0" algn="l" rtl="0">
+                <a:spcBef>
+                  <a:spcPts val="0"/>
+                </a:spcBef>
+                <a:spcAft>
+                  <a:spcPts val="0"/>
+                </a:spcAft>
+                <a:buNone/>
+              </a:pPr>
+              <a:endParaRPr/>
+            </a:p>
+          </p:txBody>
+        </p:sp>
+        <p:sp>
+          <p:nvSpPr>
+            <p:cNvPr id="29" name="Google Shape;7714;p74">
+              <a:extLst>
+                <a:ext uri="{FF2B5EF4-FFF2-40B4-BE49-F238E27FC236}">
+                  <a16:creationId xmlns:a16="http://schemas.microsoft.com/office/drawing/2014/main" id="{54DB216D-A4A1-3819-BC3F-981E8E39EA5E}"/>
+                </a:ext>
+              </a:extLst>
+            </p:cNvPr>
+            <p:cNvSpPr/>
+            <p:nvPr/>
+          </p:nvSpPr>
+          <p:spPr>
+            <a:xfrm>
+              <a:off x="-49725600" y="3551225"/>
+              <a:ext cx="215050" cy="210875"/>
+            </a:xfrm>
+            <a:custGeom>
+              <a:avLst/>
+              <a:gdLst/>
+              <a:ahLst/>
+              <a:cxnLst/>
+              <a:rect l="l" t="t" r="r" b="b"/>
+              <a:pathLst>
+                <a:path w="8602" h="8435" extrusionOk="0">
+                  <a:moveTo>
+                    <a:pt x="4354" y="0"/>
+                  </a:moveTo>
+                  <a:cubicBezTo>
+                    <a:pt x="4070" y="0"/>
+                    <a:pt x="3783" y="28"/>
+                    <a:pt x="3497" y="86"/>
+                  </a:cubicBezTo>
+                  <a:cubicBezTo>
+                    <a:pt x="1922" y="401"/>
+                    <a:pt x="630" y="1724"/>
+                    <a:pt x="252" y="3299"/>
+                  </a:cubicBezTo>
+                  <a:cubicBezTo>
+                    <a:pt x="0" y="4654"/>
+                    <a:pt x="347" y="6040"/>
+                    <a:pt x="1261" y="7017"/>
+                  </a:cubicBezTo>
+                  <a:cubicBezTo>
+                    <a:pt x="1607" y="7395"/>
+                    <a:pt x="1828" y="7930"/>
+                    <a:pt x="1922" y="8434"/>
+                  </a:cubicBezTo>
+                  <a:lnTo>
+                    <a:pt x="3025" y="8434"/>
+                  </a:lnTo>
+                  <a:lnTo>
+                    <a:pt x="3025" y="5284"/>
+                  </a:lnTo>
+                  <a:cubicBezTo>
+                    <a:pt x="3025" y="5158"/>
+                    <a:pt x="4064" y="3141"/>
+                    <a:pt x="4127" y="3047"/>
+                  </a:cubicBezTo>
+                  <a:cubicBezTo>
+                    <a:pt x="4190" y="2921"/>
+                    <a:pt x="4317" y="2858"/>
+                    <a:pt x="4443" y="2858"/>
+                  </a:cubicBezTo>
+                  <a:cubicBezTo>
+                    <a:pt x="4569" y="2858"/>
+                    <a:pt x="4695" y="2921"/>
+                    <a:pt x="4758" y="3047"/>
+                  </a:cubicBezTo>
+                  <a:cubicBezTo>
+                    <a:pt x="4852" y="3141"/>
+                    <a:pt x="5860" y="5158"/>
+                    <a:pt x="5860" y="5284"/>
+                  </a:cubicBezTo>
+                  <a:lnTo>
+                    <a:pt x="5860" y="8434"/>
+                  </a:lnTo>
+                  <a:lnTo>
+                    <a:pt x="6963" y="8434"/>
+                  </a:lnTo>
+                  <a:cubicBezTo>
+                    <a:pt x="7057" y="7930"/>
+                    <a:pt x="7278" y="7395"/>
+                    <a:pt x="7625" y="6985"/>
+                  </a:cubicBezTo>
+                  <a:cubicBezTo>
+                    <a:pt x="8255" y="6260"/>
+                    <a:pt x="8601" y="5284"/>
+                    <a:pt x="8601" y="4244"/>
+                  </a:cubicBezTo>
+                  <a:cubicBezTo>
+                    <a:pt x="8601" y="2984"/>
+                    <a:pt x="8066" y="1787"/>
+                    <a:pt x="7026" y="936"/>
+                  </a:cubicBezTo>
+                  <a:cubicBezTo>
+                    <a:pt x="6270" y="327"/>
+                    <a:pt x="5327" y="0"/>
+                    <a:pt x="4354" y="0"/>
+                  </a:cubicBezTo>
+                  <a:close/>
+                </a:path>
+              </a:pathLst>
+            </a:custGeom>
+            <a:grpFill/>
+            <a:ln>
+              <a:noFill/>
+            </a:ln>
+          </p:spPr>
+          <p:txBody>
+            <a:bodyPr spcFirstLastPara="1" wrap="square" lIns="91425" tIns="91425" rIns="91425" bIns="91425" anchor="ctr" anchorCtr="0">
+              <a:noAutofit/>
+            </a:bodyPr>
+            <a:lstStyle/>
+            <a:p>
+              <a:pPr marL="0" lvl="0" indent="0" algn="l" rtl="0">
+                <a:spcBef>
+                  <a:spcPts val="0"/>
+                </a:spcBef>
+                <a:spcAft>
+                  <a:spcPts val="0"/>
+                </a:spcAft>
+                <a:buNone/>
+              </a:pPr>
+              <a:endParaRPr/>
+            </a:p>
+          </p:txBody>
+        </p:sp>
+        <p:sp>
+          <p:nvSpPr>
+            <p:cNvPr id="30" name="Google Shape;7715;p74">
+              <a:extLst>
+                <a:ext uri="{FF2B5EF4-FFF2-40B4-BE49-F238E27FC236}">
+                  <a16:creationId xmlns:a16="http://schemas.microsoft.com/office/drawing/2014/main" id="{D78F05F3-706F-D99B-3D8A-AE7C7438682F}"/>
+                </a:ext>
+              </a:extLst>
+            </p:cNvPr>
+            <p:cNvSpPr/>
+            <p:nvPr/>
+          </p:nvSpPr>
+          <p:spPr>
+            <a:xfrm>
+              <a:off x="-49633450" y="3697475"/>
+              <a:ext cx="35475" cy="65400"/>
+            </a:xfrm>
+            <a:custGeom>
+              <a:avLst/>
+              <a:gdLst/>
+              <a:ahLst/>
+              <a:cxnLst/>
+              <a:rect l="l" t="t" r="r" b="b"/>
+              <a:pathLst>
+                <a:path w="1419" h="2616" extrusionOk="0">
+                  <a:moveTo>
+                    <a:pt x="0" y="1"/>
+                  </a:moveTo>
+                  <a:lnTo>
+                    <a:pt x="0" y="2616"/>
+                  </a:lnTo>
+                  <a:lnTo>
+                    <a:pt x="1418" y="2616"/>
+                  </a:lnTo>
+                  <a:lnTo>
+                    <a:pt x="1418" y="1"/>
+                  </a:lnTo>
+                  <a:cubicBezTo>
+                    <a:pt x="1198" y="95"/>
+                    <a:pt x="946" y="127"/>
+                    <a:pt x="725" y="127"/>
+                  </a:cubicBezTo>
+                  <a:cubicBezTo>
+                    <a:pt x="473" y="127"/>
+                    <a:pt x="252" y="95"/>
+                    <a:pt x="0" y="1"/>
+                  </a:cubicBezTo>
+                  <a:close/>
+                </a:path>
+              </a:pathLst>
+            </a:custGeom>
+            <a:grpFill/>
+            <a:ln>
+              <a:noFill/>
+            </a:ln>
+          </p:spPr>
+          <p:txBody>
+            <a:bodyPr spcFirstLastPara="1" wrap="square" lIns="91425" tIns="91425" rIns="91425" bIns="91425" anchor="ctr" anchorCtr="0">
+              <a:noAutofit/>
+            </a:bodyPr>
+            <a:lstStyle/>
+            <a:p>
+              <a:pPr marL="0" lvl="0" indent="0" algn="l" rtl="0">
+                <a:spcBef>
+                  <a:spcPts val="0"/>
+                </a:spcBef>
+                <a:spcAft>
+                  <a:spcPts val="0"/>
+                </a:spcAft>
+                <a:buNone/>
+              </a:pPr>
+              <a:endParaRPr/>
+            </a:p>
+          </p:txBody>
+        </p:sp>
+        <p:sp>
+          <p:nvSpPr>
+            <p:cNvPr id="31" name="Google Shape;7716;p74">
+              <a:extLst>
+                <a:ext uri="{FF2B5EF4-FFF2-40B4-BE49-F238E27FC236}">
+                  <a16:creationId xmlns:a16="http://schemas.microsoft.com/office/drawing/2014/main" id="{A6F275F2-35C2-C17D-F7E8-EEE17129503E}"/>
+                </a:ext>
+              </a:extLst>
+            </p:cNvPr>
+            <p:cNvSpPr/>
+            <p:nvPr/>
+          </p:nvSpPr>
+          <p:spPr>
+            <a:xfrm>
+              <a:off x="-49676775" y="3780975"/>
+              <a:ext cx="123675" cy="34675"/>
+            </a:xfrm>
+            <a:custGeom>
+              <a:avLst/>
+              <a:gdLst/>
+              <a:ahLst/>
+              <a:cxnLst/>
+              <a:rect l="l" t="t" r="r" b="b"/>
+              <a:pathLst>
+                <a:path w="4947" h="1387" extrusionOk="0">
+                  <a:moveTo>
+                    <a:pt x="1" y="0"/>
+                  </a:moveTo>
+                  <a:lnTo>
+                    <a:pt x="1" y="347"/>
+                  </a:lnTo>
+                  <a:cubicBezTo>
+                    <a:pt x="1" y="946"/>
+                    <a:pt x="473" y="1387"/>
+                    <a:pt x="1072" y="1387"/>
+                  </a:cubicBezTo>
+                  <a:lnTo>
+                    <a:pt x="3876" y="1387"/>
+                  </a:lnTo>
+                  <a:cubicBezTo>
+                    <a:pt x="4474" y="1387"/>
+                    <a:pt x="4947" y="946"/>
+                    <a:pt x="4947" y="347"/>
+                  </a:cubicBezTo>
+                  <a:lnTo>
+                    <a:pt x="4947" y="0"/>
+                  </a:lnTo>
+                  <a:close/>
+                </a:path>
+              </a:pathLst>
+            </a:custGeom>
+            <a:grpFill/>
+            <a:ln>
+              <a:noFill/>
+            </a:ln>
+          </p:spPr>
+          <p:txBody>
+            <a:bodyPr spcFirstLastPara="1" wrap="square" lIns="91425" tIns="91425" rIns="91425" bIns="91425" anchor="ctr" anchorCtr="0">
+              <a:noAutofit/>
+            </a:bodyPr>
+            <a:lstStyle/>
+            <a:p>
+              <a:pPr marL="0" lvl="0" indent="0" algn="l" rtl="0">
+                <a:spcBef>
+                  <a:spcPts val="0"/>
+                </a:spcBef>
+                <a:spcAft>
+                  <a:spcPts val="0"/>
+                </a:spcAft>
+                <a:buNone/>
+              </a:pPr>
+              <a:endParaRPr/>
+            </a:p>
+          </p:txBody>
+        </p:sp>
+        <p:sp>
+          <p:nvSpPr>
+            <p:cNvPr id="32" name="Google Shape;7717;p74">
+              <a:extLst>
+                <a:ext uri="{FF2B5EF4-FFF2-40B4-BE49-F238E27FC236}">
+                  <a16:creationId xmlns:a16="http://schemas.microsoft.com/office/drawing/2014/main" id="{860A0615-1608-E056-82CB-74ADA4F7AEE9}"/>
+                </a:ext>
+              </a:extLst>
+            </p:cNvPr>
+            <p:cNvSpPr/>
+            <p:nvPr/>
+          </p:nvSpPr>
+          <p:spPr>
+            <a:xfrm>
+              <a:off x="-49630300" y="3651800"/>
+              <a:ext cx="29150" cy="31325"/>
+            </a:xfrm>
+            <a:custGeom>
+              <a:avLst/>
+              <a:gdLst/>
+              <a:ahLst/>
+              <a:cxnLst/>
+              <a:rect l="l" t="t" r="r" b="b"/>
+              <a:pathLst>
+                <a:path w="1166" h="1253" extrusionOk="0">
+                  <a:moveTo>
+                    <a:pt x="599" y="1"/>
+                  </a:moveTo>
+                  <a:lnTo>
+                    <a:pt x="0" y="1135"/>
+                  </a:lnTo>
+                  <a:cubicBezTo>
+                    <a:pt x="189" y="1214"/>
+                    <a:pt x="386" y="1253"/>
+                    <a:pt x="583" y="1253"/>
+                  </a:cubicBezTo>
+                  <a:cubicBezTo>
+                    <a:pt x="780" y="1253"/>
+                    <a:pt x="977" y="1214"/>
+                    <a:pt x="1166" y="1135"/>
+                  </a:cubicBezTo>
+                  <a:lnTo>
+                    <a:pt x="599" y="1"/>
+                  </a:lnTo>
+                  <a:close/>
+                </a:path>
+              </a:pathLst>
+            </a:custGeom>
+            <a:grpFill/>
+            <a:ln>
+              <a:noFill/>
+            </a:ln>
+          </p:spPr>
+          <p:txBody>
+            <a:bodyPr spcFirstLastPara="1" wrap="square" lIns="91425" tIns="91425" rIns="91425" bIns="91425" anchor="ctr" anchorCtr="0">
+              <a:noAutofit/>
+            </a:bodyPr>
+            <a:lstStyle/>
+            <a:p>
+              <a:pPr marL="0" lvl="0" indent="0" algn="l" rtl="0">
+                <a:spcBef>
+                  <a:spcPts val="0"/>
+                </a:spcBef>
+                <a:spcAft>
+                  <a:spcPts val="0"/>
+                </a:spcAft>
+                <a:buNone/>
+              </a:pPr>
+              <a:endParaRPr/>
+            </a:p>
+          </p:txBody>
+        </p:sp>
+        <p:sp>
+          <p:nvSpPr>
+            <p:cNvPr id="33" name="Google Shape;7718;p74">
+              <a:extLst>
+                <a:ext uri="{FF2B5EF4-FFF2-40B4-BE49-F238E27FC236}">
+                  <a16:creationId xmlns:a16="http://schemas.microsoft.com/office/drawing/2014/main" id="{D41C4DCE-4E94-3E8B-9B12-9E7F60526433}"/>
+                </a:ext>
+              </a:extLst>
+            </p:cNvPr>
+            <p:cNvSpPr/>
+            <p:nvPr/>
+          </p:nvSpPr>
+          <p:spPr>
+            <a:xfrm>
+              <a:off x="-49657875" y="3833750"/>
+              <a:ext cx="85100" cy="18125"/>
+            </a:xfrm>
+            <a:custGeom>
+              <a:avLst/>
+              <a:gdLst/>
+              <a:ahLst/>
+              <a:cxnLst/>
+              <a:rect l="l" t="t" r="r" b="b"/>
+              <a:pathLst>
+                <a:path w="3404" h="725" extrusionOk="0">
+                  <a:moveTo>
+                    <a:pt x="1" y="0"/>
+                  </a:moveTo>
+                  <a:cubicBezTo>
+                    <a:pt x="158" y="410"/>
+                    <a:pt x="536" y="725"/>
+                    <a:pt x="977" y="725"/>
+                  </a:cubicBezTo>
+                  <a:lnTo>
+                    <a:pt x="2395" y="725"/>
+                  </a:lnTo>
+                  <a:cubicBezTo>
+                    <a:pt x="2868" y="725"/>
+                    <a:pt x="3246" y="410"/>
+                    <a:pt x="3403" y="0"/>
+                  </a:cubicBezTo>
+                  <a:close/>
+                </a:path>
+              </a:pathLst>
+            </a:custGeom>
+            <a:grpFill/>
+            <a:ln>
+              <a:noFill/>
+            </a:ln>
+          </p:spPr>
+          <p:txBody>
+            <a:bodyPr spcFirstLastPara="1" wrap="square" lIns="91425" tIns="91425" rIns="91425" bIns="91425" anchor="ctr" anchorCtr="0">
+              <a:noAutofit/>
+            </a:bodyPr>
+            <a:lstStyle/>
+            <a:p>
+              <a:pPr marL="0" lvl="0" indent="0" algn="l" rtl="0">
+                <a:spcBef>
+                  <a:spcPts val="0"/>
+                </a:spcBef>
+                <a:spcAft>
+                  <a:spcPts val="0"/>
+                </a:spcAft>
+                <a:buNone/>
+              </a:pPr>
+              <a:endParaRPr/>
+            </a:p>
+          </p:txBody>
+        </p:sp>
+      </p:grpSp>
+      <p:sp>
+        <p:nvSpPr>
+          <p:cNvPr id="46" name="Google Shape;427;p42">
+            <a:extLst>
+              <a:ext uri="{FF2B5EF4-FFF2-40B4-BE49-F238E27FC236}">
+                <a16:creationId xmlns:a16="http://schemas.microsoft.com/office/drawing/2014/main" id="{E4A56D46-5923-723A-7BFB-2499C9A4B43B}"/>
+              </a:ext>
+            </a:extLst>
+          </p:cNvPr>
+          <p:cNvSpPr/>
+          <p:nvPr/>
+        </p:nvSpPr>
+        <p:spPr>
+          <a:xfrm>
+            <a:off x="757717" y="3680735"/>
+            <a:ext cx="695400" cy="677400"/>
+          </a:xfrm>
+          <a:prstGeom prst="roundRect">
+            <a:avLst>
+              <a:gd name="adj" fmla="val 16667"/>
+            </a:avLst>
+          </a:prstGeom>
+          <a:solidFill>
+            <a:srgbClr val="F3B734"/>
+          </a:solidFill>
+          <a:ln>
+            <a:noFill/>
+          </a:ln>
+        </p:spPr>
+        <p:txBody>
+          <a:bodyPr spcFirstLastPara="1" wrap="square" lIns="91425" tIns="91425" rIns="91425" bIns="91425" anchor="ctr" anchorCtr="0">
+            <a:noAutofit/>
+          </a:bodyPr>
+          <a:lstStyle/>
+          <a:p>
+            <a:pPr marL="0" lvl="0" indent="0" algn="l" rtl="0">
+              <a:spcBef>
+                <a:spcPts val="0"/>
+              </a:spcBef>
+              <a:spcAft>
+                <a:spcPts val="0"/>
+              </a:spcAft>
+              <a:buNone/>
+            </a:pPr>
+            <a:endParaRPr/>
+          </a:p>
+        </p:txBody>
+      </p:sp>
+      <p:sp>
+        <p:nvSpPr>
+          <p:cNvPr id="47" name="Google Shape;439;p42">
+            <a:extLst>
+              <a:ext uri="{FF2B5EF4-FFF2-40B4-BE49-F238E27FC236}">
+                <a16:creationId xmlns:a16="http://schemas.microsoft.com/office/drawing/2014/main" id="{128F034C-A547-957B-6096-68997A1B8DF1}"/>
+              </a:ext>
+            </a:extLst>
+          </p:cNvPr>
+          <p:cNvSpPr txBox="1"/>
+          <p:nvPr/>
+        </p:nvSpPr>
+        <p:spPr>
+          <a:xfrm>
+            <a:off x="1692072" y="3079196"/>
+            <a:ext cx="5998811" cy="2169743"/>
+          </a:xfrm>
+          <a:prstGeom prst="rect">
+            <a:avLst/>
+          </a:prstGeom>
+          <a:noFill/>
+          <a:ln>
+            <a:noFill/>
+          </a:ln>
+        </p:spPr>
+        <p:txBody>
+          <a:bodyPr spcFirstLastPara="1" wrap="square" lIns="91425" tIns="91425" rIns="91425" bIns="91425" anchor="ctr" anchorCtr="0">
+            <a:noAutofit/>
+          </a:bodyPr>
+          <a:lstStyle/>
+          <a:p>
+            <a:pPr lvl="0">
+              <a:lnSpc>
+                <a:spcPct val="200000"/>
+              </a:lnSpc>
+              <a:buSzPts val="1100"/>
+            </a:pPr>
+            <a:r>
+              <a:rPr lang="es-ES" dirty="0">
+                <a:solidFill>
+                  <a:srgbClr val="007399"/>
+                </a:solidFill>
+                <a:latin typeface="Raleway Medium"/>
+                <a:ea typeface="Raleway Medium"/>
+                <a:cs typeface="Raleway Medium"/>
+                <a:sym typeface="Raleway Medium"/>
+              </a:rPr>
+              <a:t>POST </a:t>
+            </a:r>
+            <a:r>
+              <a:rPr lang="es-ES" dirty="0">
+                <a:solidFill>
+                  <a:srgbClr val="007399"/>
+                </a:solidFill>
+                <a:latin typeface="Raleway Medium"/>
+                <a:ea typeface="Raleway Medium"/>
+                <a:cs typeface="Raleway Medium"/>
+                <a:sym typeface="Raleway Medium"/>
+                <a:hlinkClick r:id="rId7"/>
+              </a:rPr>
+              <a:t>https://api.my-company.com/library/book-reviews</a:t>
+            </a:r>
+            <a:r>
+              <a:rPr lang="es-ES" dirty="0">
+                <a:solidFill>
+                  <a:srgbClr val="007399"/>
+                </a:solidFill>
+                <a:latin typeface="Raleway Medium"/>
+                <a:ea typeface="Raleway Medium"/>
+                <a:cs typeface="Raleway Medium"/>
+                <a:sym typeface="Raleway Medium"/>
+                <a:hlinkClick r:id="rId7"/>
+              </a:rPr>
+              <a:t>/créate</a:t>
+            </a:r>
+            <a:r>
+              <a:rPr lang="es-ES" dirty="0">
+                <a:solidFill>
+                  <a:srgbClr val="007399"/>
+                </a:solidFill>
+                <a:latin typeface="Raleway Medium"/>
+                <a:ea typeface="Raleway Medium"/>
+                <a:cs typeface="Raleway Medium"/>
+                <a:sym typeface="Raleway Medium"/>
+              </a:rPr>
+              <a:t>/</a:t>
+            </a:r>
+          </a:p>
+          <a:p>
+            <a:pPr lvl="0">
+              <a:lnSpc>
+                <a:spcPct val="200000"/>
+              </a:lnSpc>
+              <a:buSzPts val="1100"/>
+            </a:pPr>
+            <a:r>
+              <a:rPr lang="es-ES" dirty="0">
+                <a:solidFill>
+                  <a:srgbClr val="007399"/>
+                </a:solidFill>
+                <a:latin typeface="Raleway Medium"/>
+                <a:ea typeface="Raleway Medium"/>
+                <a:cs typeface="Raleway Medium"/>
+                <a:sym typeface="Raleway Medium"/>
+              </a:rPr>
+              <a:t>GET </a:t>
+            </a:r>
+            <a:r>
+              <a:rPr lang="es-ES" dirty="0">
+                <a:solidFill>
+                  <a:srgbClr val="007399"/>
+                </a:solidFill>
+                <a:latin typeface="Raleway Medium"/>
+                <a:ea typeface="Raleway Medium"/>
+                <a:cs typeface="Raleway Medium"/>
+                <a:sym typeface="Raleway Medium"/>
+                <a:hlinkClick r:id="rId8"/>
+              </a:rPr>
+              <a:t>https://api.my-company.com/library/book-reviews.json</a:t>
+            </a:r>
+            <a:endParaRPr lang="es-ES" dirty="0">
+              <a:solidFill>
+                <a:srgbClr val="007399"/>
+              </a:solidFill>
+              <a:latin typeface="Raleway Medium"/>
+              <a:ea typeface="Raleway Medium"/>
+              <a:cs typeface="Raleway Medium"/>
+              <a:sym typeface="Raleway Medium"/>
+            </a:endParaRPr>
+          </a:p>
+          <a:p>
+            <a:pPr>
+              <a:lnSpc>
+                <a:spcPct val="200000"/>
+              </a:lnSpc>
+              <a:buSzPts val="1100"/>
+            </a:pPr>
+            <a:r>
+              <a:rPr lang="es-ES" dirty="0">
+                <a:solidFill>
+                  <a:srgbClr val="007399"/>
+                </a:solidFill>
+                <a:latin typeface="Raleway Medium"/>
+                <a:ea typeface="Raleway Medium"/>
+                <a:cs typeface="Raleway Medium"/>
+                <a:sym typeface="Raleway Medium"/>
+              </a:rPr>
+              <a:t>GET </a:t>
+            </a:r>
+            <a:r>
+              <a:rPr lang="es-ES" dirty="0">
+                <a:solidFill>
+                  <a:srgbClr val="007399"/>
+                </a:solidFill>
+                <a:latin typeface="Raleway Medium"/>
+                <a:ea typeface="Raleway Medium"/>
+                <a:cs typeface="Raleway Medium"/>
+                <a:sym typeface="Raleway Medium"/>
+                <a:hlinkClick r:id="rId9"/>
+              </a:rPr>
+              <a:t>https://api.my-company.com/library/bookReviews</a:t>
+            </a:r>
+            <a:endParaRPr dirty="0">
+              <a:solidFill>
+                <a:srgbClr val="007399"/>
+              </a:solidFill>
+              <a:latin typeface="Raleway Medium"/>
+              <a:ea typeface="Raleway Medium"/>
+              <a:cs typeface="Raleway Medium"/>
+              <a:sym typeface="Raleway Medium"/>
+            </a:endParaRPr>
+          </a:p>
+        </p:txBody>
+      </p:sp>
+      <p:grpSp>
+        <p:nvGrpSpPr>
+          <p:cNvPr id="48" name="Google Shape;7707;p74">
+            <a:extLst>
+              <a:ext uri="{FF2B5EF4-FFF2-40B4-BE49-F238E27FC236}">
+                <a16:creationId xmlns:a16="http://schemas.microsoft.com/office/drawing/2014/main" id="{0707D5A7-CEF4-304F-4AE2-350179C28033}"/>
+              </a:ext>
+            </a:extLst>
+          </p:cNvPr>
+          <p:cNvGrpSpPr/>
+          <p:nvPr/>
+        </p:nvGrpSpPr>
+        <p:grpSpPr>
+          <a:xfrm>
+            <a:off x="926185" y="3857535"/>
+            <a:ext cx="354311" cy="355909"/>
+            <a:chOff x="-49764975" y="3551225"/>
+            <a:chExt cx="299300" cy="300650"/>
+          </a:xfrm>
+          <a:solidFill>
+            <a:schemeClr val="bg2">
+              <a:lumMod val="10000"/>
+            </a:schemeClr>
+          </a:solidFill>
+        </p:grpSpPr>
+        <p:sp>
+          <p:nvSpPr>
+            <p:cNvPr id="49" name="Google Shape;7708;p74">
+              <a:extLst>
+                <a:ext uri="{FF2B5EF4-FFF2-40B4-BE49-F238E27FC236}">
+                  <a16:creationId xmlns:a16="http://schemas.microsoft.com/office/drawing/2014/main" id="{FCE53A65-E903-72AC-554A-D18A3F4C37BC}"/>
+                </a:ext>
+              </a:extLst>
+            </p:cNvPr>
+            <p:cNvSpPr/>
+            <p:nvPr/>
+          </p:nvSpPr>
+          <p:spPr>
+            <a:xfrm>
+              <a:off x="-49764975" y="3657325"/>
+              <a:ext cx="35450" cy="18125"/>
+            </a:xfrm>
+            <a:custGeom>
+              <a:avLst/>
+              <a:gdLst/>
+              <a:ahLst/>
+              <a:cxnLst/>
+              <a:rect l="l" t="t" r="r" b="b"/>
+              <a:pathLst>
+                <a:path w="1418" h="725" extrusionOk="0">
+                  <a:moveTo>
+                    <a:pt x="347" y="0"/>
+                  </a:moveTo>
+                  <a:cubicBezTo>
+                    <a:pt x="158" y="0"/>
+                    <a:pt x="0" y="158"/>
+                    <a:pt x="0" y="378"/>
+                  </a:cubicBezTo>
+                  <a:cubicBezTo>
+                    <a:pt x="0" y="567"/>
+                    <a:pt x="158" y="725"/>
+                    <a:pt x="347" y="725"/>
+                  </a:cubicBezTo>
+                  <a:lnTo>
+                    <a:pt x="1040" y="725"/>
+                  </a:lnTo>
+                  <a:cubicBezTo>
+                    <a:pt x="1260" y="725"/>
+                    <a:pt x="1418" y="567"/>
+                    <a:pt x="1418" y="378"/>
+                  </a:cubicBezTo>
+                  <a:cubicBezTo>
+                    <a:pt x="1386" y="158"/>
+                    <a:pt x="1197" y="0"/>
+                    <a:pt x="1040" y="0"/>
+                  </a:cubicBezTo>
+                  <a:close/>
+                </a:path>
+              </a:pathLst>
+            </a:custGeom>
+            <a:grpFill/>
+            <a:ln>
+              <a:noFill/>
+            </a:ln>
+          </p:spPr>
+          <p:txBody>
+            <a:bodyPr spcFirstLastPara="1" wrap="square" lIns="91425" tIns="91425" rIns="91425" bIns="91425" anchor="ctr" anchorCtr="0">
+              <a:noAutofit/>
+            </a:bodyPr>
+            <a:lstStyle/>
+            <a:p>
+              <a:pPr marL="0" lvl="0" indent="0" algn="l" rtl="0">
+                <a:spcBef>
+                  <a:spcPts val="0"/>
+                </a:spcBef>
+                <a:spcAft>
+                  <a:spcPts val="0"/>
+                </a:spcAft>
+                <a:buNone/>
+              </a:pPr>
+              <a:endParaRPr/>
+            </a:p>
+          </p:txBody>
+        </p:sp>
+        <p:sp>
+          <p:nvSpPr>
+            <p:cNvPr id="50" name="Google Shape;7709;p74">
+              <a:extLst>
+                <a:ext uri="{FF2B5EF4-FFF2-40B4-BE49-F238E27FC236}">
+                  <a16:creationId xmlns:a16="http://schemas.microsoft.com/office/drawing/2014/main" id="{A5707083-D7EB-0DC6-53AF-CDC98B31AEB8}"/>
+                </a:ext>
+              </a:extLst>
+            </p:cNvPr>
+            <p:cNvSpPr/>
+            <p:nvPr/>
+          </p:nvSpPr>
+          <p:spPr>
+            <a:xfrm>
+              <a:off x="-49763400" y="3598250"/>
+              <a:ext cx="31525" cy="29950"/>
+            </a:xfrm>
+            <a:custGeom>
+              <a:avLst/>
+              <a:gdLst/>
+              <a:ahLst/>
+              <a:cxnLst/>
+              <a:rect l="l" t="t" r="r" b="b"/>
+              <a:pathLst>
+                <a:path w="1261" h="1198" extrusionOk="0">
+                  <a:moveTo>
+                    <a:pt x="390" y="0"/>
+                  </a:moveTo>
+                  <a:cubicBezTo>
+                    <a:pt x="299" y="0"/>
+                    <a:pt x="205" y="32"/>
+                    <a:pt x="126" y="95"/>
+                  </a:cubicBezTo>
+                  <a:cubicBezTo>
+                    <a:pt x="0" y="221"/>
+                    <a:pt x="0" y="441"/>
+                    <a:pt x="126" y="599"/>
+                  </a:cubicBezTo>
+                  <a:lnTo>
+                    <a:pt x="630" y="1103"/>
+                  </a:lnTo>
+                  <a:cubicBezTo>
+                    <a:pt x="693" y="1166"/>
+                    <a:pt x="780" y="1197"/>
+                    <a:pt x="870" y="1197"/>
+                  </a:cubicBezTo>
+                  <a:cubicBezTo>
+                    <a:pt x="961" y="1197"/>
+                    <a:pt x="1056" y="1166"/>
+                    <a:pt x="1134" y="1103"/>
+                  </a:cubicBezTo>
+                  <a:cubicBezTo>
+                    <a:pt x="1260" y="1008"/>
+                    <a:pt x="1260" y="756"/>
+                    <a:pt x="1134" y="599"/>
+                  </a:cubicBezTo>
+                  <a:lnTo>
+                    <a:pt x="630" y="95"/>
+                  </a:lnTo>
+                  <a:cubicBezTo>
+                    <a:pt x="567" y="32"/>
+                    <a:pt x="481" y="0"/>
+                    <a:pt x="390" y="0"/>
+                  </a:cubicBezTo>
+                  <a:close/>
+                </a:path>
+              </a:pathLst>
+            </a:custGeom>
+            <a:grpFill/>
+            <a:ln>
+              <a:noFill/>
+            </a:ln>
+          </p:spPr>
+          <p:txBody>
+            <a:bodyPr spcFirstLastPara="1" wrap="square" lIns="91425" tIns="91425" rIns="91425" bIns="91425" anchor="ctr" anchorCtr="0">
+              <a:noAutofit/>
+            </a:bodyPr>
+            <a:lstStyle/>
+            <a:p>
+              <a:pPr marL="0" lvl="0" indent="0" algn="l" rtl="0">
+                <a:spcBef>
+                  <a:spcPts val="0"/>
+                </a:spcBef>
+                <a:spcAft>
+                  <a:spcPts val="0"/>
+                </a:spcAft>
+                <a:buNone/>
+              </a:pPr>
+              <a:endParaRPr/>
+            </a:p>
+          </p:txBody>
+        </p:sp>
+        <p:sp>
+          <p:nvSpPr>
+            <p:cNvPr id="51" name="Google Shape;7710;p74">
+              <a:extLst>
+                <a:ext uri="{FF2B5EF4-FFF2-40B4-BE49-F238E27FC236}">
+                  <a16:creationId xmlns:a16="http://schemas.microsoft.com/office/drawing/2014/main" id="{08E76D91-78BB-727F-6C3B-252257A90127}"/>
+                </a:ext>
+              </a:extLst>
+            </p:cNvPr>
+            <p:cNvSpPr/>
+            <p:nvPr/>
+          </p:nvSpPr>
+          <p:spPr>
+            <a:xfrm>
+              <a:off x="-49763400" y="3703975"/>
+              <a:ext cx="31525" cy="30550"/>
+            </a:xfrm>
+            <a:custGeom>
+              <a:avLst/>
+              <a:gdLst/>
+              <a:ahLst/>
+              <a:cxnLst/>
+              <a:rect l="l" t="t" r="r" b="b"/>
+              <a:pathLst>
+                <a:path w="1261" h="1222" extrusionOk="0">
+                  <a:moveTo>
+                    <a:pt x="882" y="1"/>
+                  </a:moveTo>
+                  <a:cubicBezTo>
+                    <a:pt x="796" y="1"/>
+                    <a:pt x="709" y="40"/>
+                    <a:pt x="630" y="119"/>
+                  </a:cubicBezTo>
+                  <a:lnTo>
+                    <a:pt x="126" y="623"/>
+                  </a:lnTo>
+                  <a:cubicBezTo>
+                    <a:pt x="0" y="749"/>
+                    <a:pt x="0" y="970"/>
+                    <a:pt x="126" y="1127"/>
+                  </a:cubicBezTo>
+                  <a:cubicBezTo>
+                    <a:pt x="189" y="1190"/>
+                    <a:pt x="276" y="1222"/>
+                    <a:pt x="366" y="1222"/>
+                  </a:cubicBezTo>
+                  <a:cubicBezTo>
+                    <a:pt x="457" y="1222"/>
+                    <a:pt x="551" y="1190"/>
+                    <a:pt x="630" y="1127"/>
+                  </a:cubicBezTo>
+                  <a:lnTo>
+                    <a:pt x="1134" y="623"/>
+                  </a:lnTo>
+                  <a:cubicBezTo>
+                    <a:pt x="1260" y="497"/>
+                    <a:pt x="1260" y="276"/>
+                    <a:pt x="1134" y="119"/>
+                  </a:cubicBezTo>
+                  <a:cubicBezTo>
+                    <a:pt x="1056" y="40"/>
+                    <a:pt x="969" y="1"/>
+                    <a:pt x="882" y="1"/>
+                  </a:cubicBezTo>
+                  <a:close/>
+                </a:path>
+              </a:pathLst>
+            </a:custGeom>
+            <a:grpFill/>
+            <a:ln>
+              <a:noFill/>
+            </a:ln>
+          </p:spPr>
+          <p:txBody>
+            <a:bodyPr spcFirstLastPara="1" wrap="square" lIns="91425" tIns="91425" rIns="91425" bIns="91425" anchor="ctr" anchorCtr="0">
+              <a:noAutofit/>
+            </a:bodyPr>
+            <a:lstStyle/>
+            <a:p>
+              <a:pPr marL="0" lvl="0" indent="0" algn="l" rtl="0">
+                <a:spcBef>
+                  <a:spcPts val="0"/>
+                </a:spcBef>
+                <a:spcAft>
+                  <a:spcPts val="0"/>
+                </a:spcAft>
+                <a:buNone/>
+              </a:pPr>
+              <a:endParaRPr/>
+            </a:p>
+          </p:txBody>
+        </p:sp>
+        <p:sp>
+          <p:nvSpPr>
+            <p:cNvPr id="52" name="Google Shape;7711;p74">
+              <a:extLst>
+                <a:ext uri="{FF2B5EF4-FFF2-40B4-BE49-F238E27FC236}">
+                  <a16:creationId xmlns:a16="http://schemas.microsoft.com/office/drawing/2014/main" id="{CFB1FC9F-D72B-5A9F-F08C-6366CA4B19D4}"/>
+                </a:ext>
+              </a:extLst>
+            </p:cNvPr>
+            <p:cNvSpPr/>
+            <p:nvPr/>
+          </p:nvSpPr>
+          <p:spPr>
+            <a:xfrm>
+              <a:off x="-49501125" y="3657325"/>
+              <a:ext cx="35450" cy="18125"/>
+            </a:xfrm>
+            <a:custGeom>
+              <a:avLst/>
+              <a:gdLst/>
+              <a:ahLst/>
+              <a:cxnLst/>
+              <a:rect l="l" t="t" r="r" b="b"/>
+              <a:pathLst>
+                <a:path w="1418" h="725" extrusionOk="0">
+                  <a:moveTo>
+                    <a:pt x="347" y="0"/>
+                  </a:moveTo>
+                  <a:cubicBezTo>
+                    <a:pt x="158" y="0"/>
+                    <a:pt x="0" y="158"/>
+                    <a:pt x="0" y="378"/>
+                  </a:cubicBezTo>
+                  <a:cubicBezTo>
+                    <a:pt x="0" y="567"/>
+                    <a:pt x="158" y="725"/>
+                    <a:pt x="347" y="725"/>
+                  </a:cubicBezTo>
+                  <a:lnTo>
+                    <a:pt x="1071" y="725"/>
+                  </a:lnTo>
+                  <a:cubicBezTo>
+                    <a:pt x="1260" y="725"/>
+                    <a:pt x="1418" y="567"/>
+                    <a:pt x="1418" y="378"/>
+                  </a:cubicBezTo>
+                  <a:cubicBezTo>
+                    <a:pt x="1418" y="158"/>
+                    <a:pt x="1260" y="0"/>
+                    <a:pt x="1071" y="0"/>
+                  </a:cubicBezTo>
+                  <a:close/>
+                </a:path>
+              </a:pathLst>
+            </a:custGeom>
+            <a:grpFill/>
+            <a:ln>
+              <a:noFill/>
+            </a:ln>
+          </p:spPr>
+          <p:txBody>
+            <a:bodyPr spcFirstLastPara="1" wrap="square" lIns="91425" tIns="91425" rIns="91425" bIns="91425" anchor="ctr" anchorCtr="0">
+              <a:noAutofit/>
+            </a:bodyPr>
+            <a:lstStyle/>
+            <a:p>
+              <a:pPr marL="0" lvl="0" indent="0" algn="l" rtl="0">
+                <a:spcBef>
+                  <a:spcPts val="0"/>
+                </a:spcBef>
+                <a:spcAft>
+                  <a:spcPts val="0"/>
+                </a:spcAft>
+                <a:buNone/>
+              </a:pPr>
+              <a:endParaRPr/>
+            </a:p>
+          </p:txBody>
+        </p:sp>
+        <p:sp>
+          <p:nvSpPr>
+            <p:cNvPr id="53" name="Google Shape;7712;p74">
+              <a:extLst>
+                <a:ext uri="{FF2B5EF4-FFF2-40B4-BE49-F238E27FC236}">
+                  <a16:creationId xmlns:a16="http://schemas.microsoft.com/office/drawing/2014/main" id="{7FFB7845-AE7C-3AB5-7C56-1B1CCE2D6410}"/>
+                </a:ext>
+              </a:extLst>
+            </p:cNvPr>
+            <p:cNvSpPr/>
+            <p:nvPr/>
+          </p:nvSpPr>
+          <p:spPr>
+            <a:xfrm>
+              <a:off x="-49499550" y="3598250"/>
+              <a:ext cx="31525" cy="30550"/>
+            </a:xfrm>
+            <a:custGeom>
+              <a:avLst/>
+              <a:gdLst/>
+              <a:ahLst/>
+              <a:cxnLst/>
+              <a:rect l="l" t="t" r="r" b="b"/>
+              <a:pathLst>
+                <a:path w="1261" h="1222" extrusionOk="0">
+                  <a:moveTo>
+                    <a:pt x="906" y="0"/>
+                  </a:moveTo>
+                  <a:cubicBezTo>
+                    <a:pt x="812" y="0"/>
+                    <a:pt x="709" y="32"/>
+                    <a:pt x="630" y="95"/>
+                  </a:cubicBezTo>
+                  <a:lnTo>
+                    <a:pt x="126" y="599"/>
+                  </a:lnTo>
+                  <a:cubicBezTo>
+                    <a:pt x="0" y="725"/>
+                    <a:pt x="0" y="945"/>
+                    <a:pt x="126" y="1103"/>
+                  </a:cubicBezTo>
+                  <a:cubicBezTo>
+                    <a:pt x="205" y="1182"/>
+                    <a:pt x="292" y="1221"/>
+                    <a:pt x="378" y="1221"/>
+                  </a:cubicBezTo>
+                  <a:cubicBezTo>
+                    <a:pt x="465" y="1221"/>
+                    <a:pt x="552" y="1182"/>
+                    <a:pt x="630" y="1103"/>
+                  </a:cubicBezTo>
+                  <a:lnTo>
+                    <a:pt x="1134" y="599"/>
+                  </a:lnTo>
+                  <a:cubicBezTo>
+                    <a:pt x="1260" y="473"/>
+                    <a:pt x="1260" y="252"/>
+                    <a:pt x="1134" y="95"/>
+                  </a:cubicBezTo>
+                  <a:cubicBezTo>
+                    <a:pt x="1087" y="32"/>
+                    <a:pt x="1001" y="0"/>
+                    <a:pt x="906" y="0"/>
+                  </a:cubicBezTo>
+                  <a:close/>
+                </a:path>
+              </a:pathLst>
+            </a:custGeom>
+            <a:grpFill/>
+            <a:ln>
+              <a:noFill/>
+            </a:ln>
+          </p:spPr>
+          <p:txBody>
+            <a:bodyPr spcFirstLastPara="1" wrap="square" lIns="91425" tIns="91425" rIns="91425" bIns="91425" anchor="ctr" anchorCtr="0">
+              <a:noAutofit/>
+            </a:bodyPr>
+            <a:lstStyle/>
+            <a:p>
+              <a:pPr marL="0" lvl="0" indent="0" algn="l" rtl="0">
+                <a:spcBef>
+                  <a:spcPts val="0"/>
+                </a:spcBef>
+                <a:spcAft>
+                  <a:spcPts val="0"/>
+                </a:spcAft>
+                <a:buNone/>
+              </a:pPr>
+              <a:endParaRPr/>
+            </a:p>
+          </p:txBody>
+        </p:sp>
+        <p:sp>
+          <p:nvSpPr>
+            <p:cNvPr id="54" name="Google Shape;7713;p74">
+              <a:extLst>
+                <a:ext uri="{FF2B5EF4-FFF2-40B4-BE49-F238E27FC236}">
+                  <a16:creationId xmlns:a16="http://schemas.microsoft.com/office/drawing/2014/main" id="{3957C132-90AD-F646-F126-77A0B00B7647}"/>
+                </a:ext>
+              </a:extLst>
+            </p:cNvPr>
+            <p:cNvSpPr/>
+            <p:nvPr/>
+          </p:nvSpPr>
+          <p:spPr>
+            <a:xfrm>
+              <a:off x="-49499550" y="3704575"/>
+              <a:ext cx="31525" cy="29950"/>
+            </a:xfrm>
+            <a:custGeom>
+              <a:avLst/>
+              <a:gdLst/>
+              <a:ahLst/>
+              <a:cxnLst/>
+              <a:rect l="l" t="t" r="r" b="b"/>
+              <a:pathLst>
+                <a:path w="1261" h="1198" extrusionOk="0">
+                  <a:moveTo>
+                    <a:pt x="390" y="0"/>
+                  </a:moveTo>
+                  <a:cubicBezTo>
+                    <a:pt x="300" y="0"/>
+                    <a:pt x="205" y="32"/>
+                    <a:pt x="126" y="95"/>
+                  </a:cubicBezTo>
+                  <a:cubicBezTo>
+                    <a:pt x="0" y="221"/>
+                    <a:pt x="0" y="441"/>
+                    <a:pt x="126" y="599"/>
+                  </a:cubicBezTo>
+                  <a:lnTo>
+                    <a:pt x="630" y="1103"/>
+                  </a:lnTo>
+                  <a:cubicBezTo>
+                    <a:pt x="693" y="1166"/>
+                    <a:pt x="780" y="1198"/>
+                    <a:pt x="871" y="1198"/>
+                  </a:cubicBezTo>
+                  <a:cubicBezTo>
+                    <a:pt x="961" y="1198"/>
+                    <a:pt x="1056" y="1166"/>
+                    <a:pt x="1134" y="1103"/>
+                  </a:cubicBezTo>
+                  <a:cubicBezTo>
+                    <a:pt x="1260" y="1009"/>
+                    <a:pt x="1260" y="757"/>
+                    <a:pt x="1134" y="599"/>
+                  </a:cubicBezTo>
+                  <a:lnTo>
+                    <a:pt x="630" y="95"/>
+                  </a:lnTo>
+                  <a:cubicBezTo>
+                    <a:pt x="567" y="32"/>
+                    <a:pt x="481" y="0"/>
+                    <a:pt x="390" y="0"/>
+                  </a:cubicBezTo>
+                  <a:close/>
+                </a:path>
+              </a:pathLst>
+            </a:custGeom>
+            <a:grpFill/>
+            <a:ln>
+              <a:noFill/>
+            </a:ln>
+          </p:spPr>
+          <p:txBody>
+            <a:bodyPr spcFirstLastPara="1" wrap="square" lIns="91425" tIns="91425" rIns="91425" bIns="91425" anchor="ctr" anchorCtr="0">
+              <a:noAutofit/>
+            </a:bodyPr>
+            <a:lstStyle/>
+            <a:p>
+              <a:pPr marL="0" lvl="0" indent="0" algn="l" rtl="0">
+                <a:spcBef>
+                  <a:spcPts val="0"/>
+                </a:spcBef>
+                <a:spcAft>
+                  <a:spcPts val="0"/>
+                </a:spcAft>
+                <a:buNone/>
+              </a:pPr>
+              <a:endParaRPr/>
+            </a:p>
+          </p:txBody>
+        </p:sp>
+        <p:sp>
+          <p:nvSpPr>
+            <p:cNvPr id="55" name="Google Shape;7714;p74">
+              <a:extLst>
+                <a:ext uri="{FF2B5EF4-FFF2-40B4-BE49-F238E27FC236}">
+                  <a16:creationId xmlns:a16="http://schemas.microsoft.com/office/drawing/2014/main" id="{20A711C7-64C9-A11B-C24F-78CE9FD502E3}"/>
+                </a:ext>
+              </a:extLst>
+            </p:cNvPr>
+            <p:cNvSpPr/>
+            <p:nvPr/>
+          </p:nvSpPr>
+          <p:spPr>
+            <a:xfrm>
+              <a:off x="-49725600" y="3551225"/>
+              <a:ext cx="215050" cy="210875"/>
+            </a:xfrm>
+            <a:custGeom>
+              <a:avLst/>
+              <a:gdLst/>
+              <a:ahLst/>
+              <a:cxnLst/>
+              <a:rect l="l" t="t" r="r" b="b"/>
+              <a:pathLst>
+                <a:path w="8602" h="8435" extrusionOk="0">
+                  <a:moveTo>
+                    <a:pt x="4354" y="0"/>
+                  </a:moveTo>
+                  <a:cubicBezTo>
+                    <a:pt x="4070" y="0"/>
+                    <a:pt x="3783" y="28"/>
+                    <a:pt x="3497" y="86"/>
+                  </a:cubicBezTo>
+                  <a:cubicBezTo>
+                    <a:pt x="1922" y="401"/>
+                    <a:pt x="630" y="1724"/>
+                    <a:pt x="252" y="3299"/>
+                  </a:cubicBezTo>
+                  <a:cubicBezTo>
+                    <a:pt x="0" y="4654"/>
+                    <a:pt x="347" y="6040"/>
+                    <a:pt x="1261" y="7017"/>
+                  </a:cubicBezTo>
+                  <a:cubicBezTo>
+                    <a:pt x="1607" y="7395"/>
+                    <a:pt x="1828" y="7930"/>
+                    <a:pt x="1922" y="8434"/>
+                  </a:cubicBezTo>
+                  <a:lnTo>
+                    <a:pt x="3025" y="8434"/>
+                  </a:lnTo>
+                  <a:lnTo>
+                    <a:pt x="3025" y="5284"/>
+                  </a:lnTo>
+                  <a:cubicBezTo>
+                    <a:pt x="3025" y="5158"/>
+                    <a:pt x="4064" y="3141"/>
+                    <a:pt x="4127" y="3047"/>
+                  </a:cubicBezTo>
+                  <a:cubicBezTo>
+                    <a:pt x="4190" y="2921"/>
+                    <a:pt x="4317" y="2858"/>
+                    <a:pt x="4443" y="2858"/>
+                  </a:cubicBezTo>
+                  <a:cubicBezTo>
+                    <a:pt x="4569" y="2858"/>
+                    <a:pt x="4695" y="2921"/>
+                    <a:pt x="4758" y="3047"/>
+                  </a:cubicBezTo>
+                  <a:cubicBezTo>
+                    <a:pt x="4852" y="3141"/>
+                    <a:pt x="5860" y="5158"/>
+                    <a:pt x="5860" y="5284"/>
+                  </a:cubicBezTo>
+                  <a:lnTo>
+                    <a:pt x="5860" y="8434"/>
+                  </a:lnTo>
+                  <a:lnTo>
+                    <a:pt x="6963" y="8434"/>
+                  </a:lnTo>
+                  <a:cubicBezTo>
+                    <a:pt x="7057" y="7930"/>
+                    <a:pt x="7278" y="7395"/>
+                    <a:pt x="7625" y="6985"/>
+                  </a:cubicBezTo>
+                  <a:cubicBezTo>
+                    <a:pt x="8255" y="6260"/>
+                    <a:pt x="8601" y="5284"/>
+                    <a:pt x="8601" y="4244"/>
+                  </a:cubicBezTo>
+                  <a:cubicBezTo>
+                    <a:pt x="8601" y="2984"/>
+                    <a:pt x="8066" y="1787"/>
+                    <a:pt x="7026" y="936"/>
+                  </a:cubicBezTo>
+                  <a:cubicBezTo>
+                    <a:pt x="6270" y="327"/>
+                    <a:pt x="5327" y="0"/>
+                    <a:pt x="4354" y="0"/>
+                  </a:cubicBezTo>
+                  <a:close/>
+                </a:path>
+              </a:pathLst>
+            </a:custGeom>
+            <a:grpFill/>
+            <a:ln>
+              <a:noFill/>
+            </a:ln>
+          </p:spPr>
+          <p:txBody>
+            <a:bodyPr spcFirstLastPara="1" wrap="square" lIns="91425" tIns="91425" rIns="91425" bIns="91425" anchor="ctr" anchorCtr="0">
+              <a:noAutofit/>
+            </a:bodyPr>
+            <a:lstStyle/>
+            <a:p>
+              <a:pPr marL="0" lvl="0" indent="0" algn="l" rtl="0">
+                <a:spcBef>
+                  <a:spcPts val="0"/>
+                </a:spcBef>
+                <a:spcAft>
+                  <a:spcPts val="0"/>
+                </a:spcAft>
+                <a:buNone/>
+              </a:pPr>
+              <a:endParaRPr/>
+            </a:p>
+          </p:txBody>
+        </p:sp>
+        <p:sp>
+          <p:nvSpPr>
+            <p:cNvPr id="56" name="Google Shape;7715;p74">
+              <a:extLst>
+                <a:ext uri="{FF2B5EF4-FFF2-40B4-BE49-F238E27FC236}">
+                  <a16:creationId xmlns:a16="http://schemas.microsoft.com/office/drawing/2014/main" id="{1059D2CC-9929-DDDE-8CB5-96F1B66002E8}"/>
+                </a:ext>
+              </a:extLst>
+            </p:cNvPr>
+            <p:cNvSpPr/>
+            <p:nvPr/>
+          </p:nvSpPr>
+          <p:spPr>
+            <a:xfrm>
+              <a:off x="-49633450" y="3697475"/>
+              <a:ext cx="35475" cy="65400"/>
+            </a:xfrm>
+            <a:custGeom>
+              <a:avLst/>
+              <a:gdLst/>
+              <a:ahLst/>
+              <a:cxnLst/>
+              <a:rect l="l" t="t" r="r" b="b"/>
+              <a:pathLst>
+                <a:path w="1419" h="2616" extrusionOk="0">
+                  <a:moveTo>
+                    <a:pt x="0" y="1"/>
+                  </a:moveTo>
+                  <a:lnTo>
+                    <a:pt x="0" y="2616"/>
+                  </a:lnTo>
+                  <a:lnTo>
+                    <a:pt x="1418" y="2616"/>
+                  </a:lnTo>
+                  <a:lnTo>
+                    <a:pt x="1418" y="1"/>
+                  </a:lnTo>
+                  <a:cubicBezTo>
+                    <a:pt x="1198" y="95"/>
+                    <a:pt x="946" y="127"/>
+                    <a:pt x="725" y="127"/>
+                  </a:cubicBezTo>
+                  <a:cubicBezTo>
+                    <a:pt x="473" y="127"/>
+                    <a:pt x="252" y="95"/>
+                    <a:pt x="0" y="1"/>
+                  </a:cubicBezTo>
+                  <a:close/>
+                </a:path>
+              </a:pathLst>
+            </a:custGeom>
+            <a:grpFill/>
+            <a:ln>
+              <a:noFill/>
+            </a:ln>
+          </p:spPr>
+          <p:txBody>
+            <a:bodyPr spcFirstLastPara="1" wrap="square" lIns="91425" tIns="91425" rIns="91425" bIns="91425" anchor="ctr" anchorCtr="0">
+              <a:noAutofit/>
+            </a:bodyPr>
+            <a:lstStyle/>
+            <a:p>
+              <a:pPr marL="0" lvl="0" indent="0" algn="l" rtl="0">
+                <a:spcBef>
+                  <a:spcPts val="0"/>
+                </a:spcBef>
+                <a:spcAft>
+                  <a:spcPts val="0"/>
+                </a:spcAft>
+                <a:buNone/>
+              </a:pPr>
+              <a:endParaRPr/>
+            </a:p>
+          </p:txBody>
+        </p:sp>
+        <p:sp>
+          <p:nvSpPr>
+            <p:cNvPr id="57" name="Google Shape;7716;p74">
+              <a:extLst>
+                <a:ext uri="{FF2B5EF4-FFF2-40B4-BE49-F238E27FC236}">
+                  <a16:creationId xmlns:a16="http://schemas.microsoft.com/office/drawing/2014/main" id="{94B9980D-0623-D483-132D-0723092FD5D8}"/>
+                </a:ext>
+              </a:extLst>
+            </p:cNvPr>
+            <p:cNvSpPr/>
+            <p:nvPr/>
+          </p:nvSpPr>
+          <p:spPr>
+            <a:xfrm>
+              <a:off x="-49676775" y="3780975"/>
+              <a:ext cx="123675" cy="34675"/>
+            </a:xfrm>
+            <a:custGeom>
+              <a:avLst/>
+              <a:gdLst/>
+              <a:ahLst/>
+              <a:cxnLst/>
+              <a:rect l="l" t="t" r="r" b="b"/>
+              <a:pathLst>
+                <a:path w="4947" h="1387" extrusionOk="0">
+                  <a:moveTo>
+                    <a:pt x="1" y="0"/>
+                  </a:moveTo>
+                  <a:lnTo>
+                    <a:pt x="1" y="347"/>
+                  </a:lnTo>
+                  <a:cubicBezTo>
+                    <a:pt x="1" y="946"/>
+                    <a:pt x="473" y="1387"/>
+                    <a:pt x="1072" y="1387"/>
+                  </a:cubicBezTo>
+                  <a:lnTo>
+                    <a:pt x="3876" y="1387"/>
+                  </a:lnTo>
+                  <a:cubicBezTo>
+                    <a:pt x="4474" y="1387"/>
+                    <a:pt x="4947" y="946"/>
+                    <a:pt x="4947" y="347"/>
+                  </a:cubicBezTo>
+                  <a:lnTo>
+                    <a:pt x="4947" y="0"/>
+                  </a:lnTo>
+                  <a:close/>
+                </a:path>
+              </a:pathLst>
+            </a:custGeom>
+            <a:grpFill/>
+            <a:ln>
+              <a:noFill/>
+            </a:ln>
+          </p:spPr>
+          <p:txBody>
+            <a:bodyPr spcFirstLastPara="1" wrap="square" lIns="91425" tIns="91425" rIns="91425" bIns="91425" anchor="ctr" anchorCtr="0">
+              <a:noAutofit/>
+            </a:bodyPr>
+            <a:lstStyle/>
+            <a:p>
+              <a:pPr marL="0" lvl="0" indent="0" algn="l" rtl="0">
+                <a:spcBef>
+                  <a:spcPts val="0"/>
+                </a:spcBef>
+                <a:spcAft>
+                  <a:spcPts val="0"/>
+                </a:spcAft>
+                <a:buNone/>
+              </a:pPr>
+              <a:endParaRPr/>
+            </a:p>
+          </p:txBody>
+        </p:sp>
+        <p:sp>
+          <p:nvSpPr>
+            <p:cNvPr id="58" name="Google Shape;7717;p74">
+              <a:extLst>
+                <a:ext uri="{FF2B5EF4-FFF2-40B4-BE49-F238E27FC236}">
+                  <a16:creationId xmlns:a16="http://schemas.microsoft.com/office/drawing/2014/main" id="{C1583D30-8BA2-60A6-DE17-50AA80FB4BBF}"/>
+                </a:ext>
+              </a:extLst>
+            </p:cNvPr>
+            <p:cNvSpPr/>
+            <p:nvPr/>
+          </p:nvSpPr>
+          <p:spPr>
+            <a:xfrm>
+              <a:off x="-49630300" y="3651800"/>
+              <a:ext cx="29150" cy="31325"/>
+            </a:xfrm>
+            <a:custGeom>
+              <a:avLst/>
+              <a:gdLst/>
+              <a:ahLst/>
+              <a:cxnLst/>
+              <a:rect l="l" t="t" r="r" b="b"/>
+              <a:pathLst>
+                <a:path w="1166" h="1253" extrusionOk="0">
+                  <a:moveTo>
+                    <a:pt x="599" y="1"/>
+                  </a:moveTo>
+                  <a:lnTo>
+                    <a:pt x="0" y="1135"/>
+                  </a:lnTo>
+                  <a:cubicBezTo>
+                    <a:pt x="189" y="1214"/>
+                    <a:pt x="386" y="1253"/>
+                    <a:pt x="583" y="1253"/>
+                  </a:cubicBezTo>
+                  <a:cubicBezTo>
+                    <a:pt x="780" y="1253"/>
+                    <a:pt x="977" y="1214"/>
+                    <a:pt x="1166" y="1135"/>
+                  </a:cubicBezTo>
+                  <a:lnTo>
+                    <a:pt x="599" y="1"/>
+                  </a:lnTo>
+                  <a:close/>
+                </a:path>
+              </a:pathLst>
+            </a:custGeom>
+            <a:grpFill/>
+            <a:ln>
+              <a:noFill/>
+            </a:ln>
+          </p:spPr>
+          <p:txBody>
+            <a:bodyPr spcFirstLastPara="1" wrap="square" lIns="91425" tIns="91425" rIns="91425" bIns="91425" anchor="ctr" anchorCtr="0">
+              <a:noAutofit/>
+            </a:bodyPr>
+            <a:lstStyle/>
+            <a:p>
+              <a:pPr marL="0" lvl="0" indent="0" algn="l" rtl="0">
+                <a:spcBef>
+                  <a:spcPts val="0"/>
+                </a:spcBef>
+                <a:spcAft>
+                  <a:spcPts val="0"/>
+                </a:spcAft>
+                <a:buNone/>
+              </a:pPr>
+              <a:endParaRPr/>
+            </a:p>
+          </p:txBody>
+        </p:sp>
+        <p:sp>
+          <p:nvSpPr>
+            <p:cNvPr id="59" name="Google Shape;7718;p74">
+              <a:extLst>
+                <a:ext uri="{FF2B5EF4-FFF2-40B4-BE49-F238E27FC236}">
+                  <a16:creationId xmlns:a16="http://schemas.microsoft.com/office/drawing/2014/main" id="{E64F05D1-DD74-8C40-1AD5-791454F464B3}"/>
+                </a:ext>
+              </a:extLst>
+            </p:cNvPr>
+            <p:cNvSpPr/>
+            <p:nvPr/>
+          </p:nvSpPr>
+          <p:spPr>
+            <a:xfrm>
+              <a:off x="-49657875" y="3833750"/>
+              <a:ext cx="85100" cy="18125"/>
+            </a:xfrm>
+            <a:custGeom>
+              <a:avLst/>
+              <a:gdLst/>
+              <a:ahLst/>
+              <a:cxnLst/>
+              <a:rect l="l" t="t" r="r" b="b"/>
+              <a:pathLst>
+                <a:path w="3404" h="725" extrusionOk="0">
+                  <a:moveTo>
+                    <a:pt x="1" y="0"/>
+                  </a:moveTo>
+                  <a:cubicBezTo>
+                    <a:pt x="158" y="410"/>
+                    <a:pt x="536" y="725"/>
+                    <a:pt x="977" y="725"/>
+                  </a:cubicBezTo>
+                  <a:lnTo>
+                    <a:pt x="2395" y="725"/>
+                  </a:lnTo>
+                  <a:cubicBezTo>
+                    <a:pt x="2868" y="725"/>
+                    <a:pt x="3246" y="410"/>
+                    <a:pt x="3403" y="0"/>
+                  </a:cubicBezTo>
+                  <a:close/>
+                </a:path>
+              </a:pathLst>
+            </a:custGeom>
+            <a:grpFill/>
+            <a:ln>
+              <a:noFill/>
+            </a:ln>
+          </p:spPr>
+          <p:txBody>
+            <a:bodyPr spcFirstLastPara="1" wrap="square" lIns="91425" tIns="91425" rIns="91425" bIns="91425" anchor="ctr" anchorCtr="0">
+              <a:noAutofit/>
+            </a:bodyPr>
+            <a:lstStyle/>
+            <a:p>
+              <a:pPr marL="0" lvl="0" indent="0" algn="l" rtl="0">
+                <a:spcBef>
+                  <a:spcPts val="0"/>
+                </a:spcBef>
+                <a:spcAft>
+                  <a:spcPts val="0"/>
+                </a:spcAft>
+                <a:buNone/>
+              </a:pPr>
+              <a:endParaRPr/>
+            </a:p>
+          </p:txBody>
+        </p:sp>
+      </p:grpSp>
+    </p:spTree>
+    <p:extLst>
+      <p:ext uri="{BB962C8B-B14F-4D97-AF65-F5344CB8AC3E}">
+        <p14:creationId xmlns:p14="http://schemas.microsoft.com/office/powerpoint/2010/main" val="1441288343"/>
+      </p:ext>
+    </p:extLst>
+  </p:cSld>
+  <p:clrMapOvr>
+    <a:masterClrMapping/>
+  </p:clrMapOvr>
+</p:sld>
+</file>
+
+<file path=ppt/slides/slide16.xml><?xml version="1.0" encoding="utf-8"?>
+<p:sld xmlns:a="http://schemas.openxmlformats.org/drawingml/2006/main" xmlns:r="http://schemas.openxmlformats.org/officeDocument/2006/relationships" xmlns:p="http://schemas.openxmlformats.org/presentationml/2006/main">
+  <p:cSld>
+    <p:spTree>
+      <p:nvGrpSpPr>
+        <p:cNvPr id="1" name="Shape 353"/>
+        <p:cNvGrpSpPr/>
+        <p:nvPr/>
+      </p:nvGrpSpPr>
+      <p:grpSpPr>
+        <a:xfrm>
+          <a:off x="0" y="0"/>
+          <a:ext cx="0" cy="0"/>
+          <a:chOff x="0" y="0"/>
+          <a:chExt cx="0" cy="0"/>
+        </a:xfrm>
+      </p:grpSpPr>
+      <p:sp>
+        <p:nvSpPr>
+          <p:cNvPr id="354" name="Google Shape;354;p37"/>
+          <p:cNvSpPr txBox="1">
+            <a:spLocks noGrp="1"/>
+          </p:cNvSpPr>
+          <p:nvPr>
+            <p:ph type="title"/>
+          </p:nvPr>
+        </p:nvSpPr>
+        <p:spPr>
+          <a:xfrm>
+            <a:off x="714375" y="190941"/>
+            <a:ext cx="7715250" cy="571500"/>
+          </a:xfrm>
+          <a:prstGeom prst="rect">
+            <a:avLst/>
+          </a:prstGeom>
+        </p:spPr>
+        <p:txBody>
+          <a:bodyPr spcFirstLastPara="1" wrap="square" lIns="91425" tIns="91425" rIns="91425" bIns="91425" anchor="t" anchorCtr="0">
+            <a:noAutofit/>
+          </a:bodyPr>
+          <a:lstStyle/>
+          <a:p>
+            <a:pPr lvl="0" algn="ctr"/>
+            <a:r>
+              <a:rPr lang="es-ES" dirty="0">
+                <a:latin typeface="Century Gothic" panose="020B0502020202020204" pitchFamily="34" charset="0"/>
+              </a:rPr>
+              <a:t>API </a:t>
+            </a:r>
+            <a:r>
+              <a:rPr lang="es-ES" dirty="0" err="1">
+                <a:latin typeface="Century Gothic" panose="020B0502020202020204" pitchFamily="34" charset="0"/>
+              </a:rPr>
+              <a:t>RESTful</a:t>
+            </a:r>
+            <a:r>
+              <a:rPr lang="es-ES" dirty="0">
+                <a:latin typeface="Century Gothic" panose="020B0502020202020204" pitchFamily="34" charset="0"/>
+              </a:rPr>
+              <a:t> – </a:t>
+            </a:r>
+            <a:r>
+              <a:rPr lang="es-ES" dirty="0"/>
+              <a:t>Respuesta</a:t>
+            </a:r>
+            <a:endParaRPr dirty="0">
+              <a:solidFill>
+                <a:schemeClr val="accent3"/>
+              </a:solidFill>
+              <a:latin typeface="Century Gothic" panose="020B0502020202020204" pitchFamily="34" charset="0"/>
+            </a:endParaRPr>
+          </a:p>
+        </p:txBody>
+      </p:sp>
+      <p:sp>
+        <p:nvSpPr>
+          <p:cNvPr id="2" name="Google Shape;427;p42">
+            <a:extLst>
+              <a:ext uri="{FF2B5EF4-FFF2-40B4-BE49-F238E27FC236}">
+                <a16:creationId xmlns:a16="http://schemas.microsoft.com/office/drawing/2014/main" id="{525CF85C-95D5-0394-1988-C80412609513}"/>
+              </a:ext>
+            </a:extLst>
+          </p:cNvPr>
+          <p:cNvSpPr/>
+          <p:nvPr/>
+        </p:nvSpPr>
+        <p:spPr>
+          <a:xfrm>
+            <a:off x="701420" y="903428"/>
+            <a:ext cx="695400" cy="677400"/>
+          </a:xfrm>
+          <a:prstGeom prst="roundRect">
+            <a:avLst>
+              <a:gd name="adj" fmla="val 16667"/>
+            </a:avLst>
+          </a:prstGeom>
+          <a:solidFill>
+            <a:srgbClr val="F3B734"/>
+          </a:solidFill>
+          <a:ln>
+            <a:noFill/>
+          </a:ln>
+        </p:spPr>
+        <p:txBody>
+          <a:bodyPr spcFirstLastPara="1" wrap="square" lIns="91425" tIns="91425" rIns="91425" bIns="91425" anchor="ctr" anchorCtr="0">
+            <a:noAutofit/>
+          </a:bodyPr>
+          <a:lstStyle/>
+          <a:p>
+            <a:pPr marL="0" lvl="0" indent="0" algn="l" rtl="0">
+              <a:spcBef>
+                <a:spcPts val="0"/>
+              </a:spcBef>
+              <a:spcAft>
+                <a:spcPts val="0"/>
+              </a:spcAft>
+              <a:buNone/>
+            </a:pPr>
+            <a:endParaRPr/>
+          </a:p>
+        </p:txBody>
+      </p:sp>
+      <p:sp>
+        <p:nvSpPr>
+          <p:cNvPr id="13" name="Google Shape;439;p42">
+            <a:extLst>
+              <a:ext uri="{FF2B5EF4-FFF2-40B4-BE49-F238E27FC236}">
+                <a16:creationId xmlns:a16="http://schemas.microsoft.com/office/drawing/2014/main" id="{FF40A2D8-8F66-218C-5445-698B1EE29D08}"/>
+              </a:ext>
+            </a:extLst>
+          </p:cNvPr>
+          <p:cNvSpPr txBox="1"/>
+          <p:nvPr/>
+        </p:nvSpPr>
+        <p:spPr>
+          <a:xfrm>
+            <a:off x="1692072" y="885346"/>
+            <a:ext cx="7260542" cy="1794060"/>
+          </a:xfrm>
+          <a:prstGeom prst="rect">
+            <a:avLst/>
+          </a:prstGeom>
+          <a:noFill/>
+          <a:ln>
+            <a:noFill/>
+          </a:ln>
+        </p:spPr>
+        <p:txBody>
+          <a:bodyPr spcFirstLastPara="1" wrap="square" lIns="91425" tIns="91425" rIns="91425" bIns="91425" anchor="ctr" anchorCtr="0">
+            <a:noAutofit/>
+          </a:bodyPr>
+          <a:lstStyle/>
+          <a:p>
+            <a:pPr lvl="0">
+              <a:lnSpc>
+                <a:spcPct val="200000"/>
+              </a:lnSpc>
+              <a:buSzPts val="1100"/>
+            </a:pPr>
+            <a:r>
+              <a:rPr lang="es-ES" dirty="0">
+                <a:solidFill>
+                  <a:srgbClr val="007399"/>
+                </a:solidFill>
+                <a:latin typeface="Raleway Medium"/>
+                <a:ea typeface="Raleway Medium"/>
+                <a:cs typeface="Raleway Medium"/>
+                <a:sym typeface="Raleway Medium"/>
+              </a:rPr>
+              <a:t>Estado: </a:t>
+            </a:r>
+          </a:p>
+          <a:p>
+            <a:pPr marL="285750" lvl="0" indent="-285750">
+              <a:lnSpc>
+                <a:spcPct val="200000"/>
+              </a:lnSpc>
+              <a:buSzPts val="1100"/>
+              <a:buFont typeface="Arial" panose="020B0604020202020204" pitchFamily="34" charset="0"/>
+              <a:buChar char="•"/>
+            </a:pPr>
+            <a:r>
+              <a:rPr lang="es-ES" dirty="0">
+                <a:solidFill>
+                  <a:srgbClr val="007399"/>
+                </a:solidFill>
+                <a:latin typeface="Raleway Medium"/>
+                <a:ea typeface="Raleway Medium"/>
+                <a:cs typeface="Raleway Medium"/>
+                <a:sym typeface="Raleway Medium"/>
+              </a:rPr>
+              <a:t>2XX indican el procesamiento correcto, </a:t>
+            </a:r>
+          </a:p>
+          <a:p>
+            <a:pPr marL="285750" lvl="0" indent="-285750">
+              <a:lnSpc>
+                <a:spcPct val="200000"/>
+              </a:lnSpc>
+              <a:buSzPts val="1100"/>
+              <a:buFont typeface="Arial" panose="020B0604020202020204" pitchFamily="34" charset="0"/>
+              <a:buChar char="•"/>
+            </a:pPr>
+            <a:r>
+              <a:rPr lang="es-ES" dirty="0">
+                <a:solidFill>
+                  <a:srgbClr val="007399"/>
+                </a:solidFill>
+                <a:latin typeface="Raleway Medium"/>
+                <a:ea typeface="Raleway Medium"/>
+                <a:cs typeface="Raleway Medium"/>
+                <a:sym typeface="Raleway Medium"/>
+              </a:rPr>
+              <a:t>Códigos 4XX y 5XX indican errores</a:t>
+            </a:r>
+          </a:p>
+          <a:p>
+            <a:pPr marL="285750" lvl="0" indent="-285750">
+              <a:lnSpc>
+                <a:spcPct val="200000"/>
+              </a:lnSpc>
+              <a:buSzPts val="1100"/>
+              <a:buFont typeface="Arial" panose="020B0604020202020204" pitchFamily="34" charset="0"/>
+              <a:buChar char="•"/>
+            </a:pPr>
+            <a:r>
+              <a:rPr lang="es-ES" dirty="0">
+                <a:solidFill>
+                  <a:srgbClr val="007399"/>
+                </a:solidFill>
+                <a:latin typeface="Raleway Medium"/>
+                <a:ea typeface="Raleway Medium"/>
+                <a:cs typeface="Raleway Medium"/>
+                <a:sym typeface="Raleway Medium"/>
+              </a:rPr>
+              <a:t>Códigos 3XX indican la redirección de URL.</a:t>
+            </a:r>
+          </a:p>
+        </p:txBody>
+      </p:sp>
+      <p:sp>
+        <p:nvSpPr>
+          <p:cNvPr id="47" name="Google Shape;439;p42">
+            <a:extLst>
+              <a:ext uri="{FF2B5EF4-FFF2-40B4-BE49-F238E27FC236}">
+                <a16:creationId xmlns:a16="http://schemas.microsoft.com/office/drawing/2014/main" id="{128F034C-A547-957B-6096-68997A1B8DF1}"/>
+              </a:ext>
+            </a:extLst>
+          </p:cNvPr>
+          <p:cNvSpPr txBox="1"/>
+          <p:nvPr/>
+        </p:nvSpPr>
+        <p:spPr>
+          <a:xfrm>
+            <a:off x="1692072" y="3079196"/>
+            <a:ext cx="5998811" cy="867472"/>
+          </a:xfrm>
+          <a:prstGeom prst="rect">
+            <a:avLst/>
+          </a:prstGeom>
+          <a:noFill/>
+          <a:ln>
+            <a:noFill/>
+          </a:ln>
+        </p:spPr>
+        <p:txBody>
+          <a:bodyPr spcFirstLastPara="1" wrap="square" lIns="91425" tIns="91425" rIns="91425" bIns="91425" anchor="ctr" anchorCtr="0">
+            <a:noAutofit/>
+          </a:bodyPr>
+          <a:lstStyle/>
+          <a:p>
+            <a:pPr lvl="0">
+              <a:lnSpc>
+                <a:spcPct val="200000"/>
+              </a:lnSpc>
+              <a:buSzPts val="1100"/>
+            </a:pPr>
+            <a:r>
+              <a:rPr lang="es-ES" dirty="0">
+                <a:solidFill>
+                  <a:srgbClr val="007399"/>
+                </a:solidFill>
+                <a:latin typeface="Raleway Medium"/>
+                <a:ea typeface="Raleway Medium"/>
+                <a:cs typeface="Raleway Medium"/>
+                <a:sym typeface="Raleway Medium"/>
+              </a:rPr>
+              <a:t>Cuerpo:</a:t>
+            </a:r>
+          </a:p>
+          <a:p>
+            <a:pPr lvl="0">
+              <a:lnSpc>
+                <a:spcPct val="200000"/>
+              </a:lnSpc>
+              <a:buSzPts val="1100"/>
+            </a:pPr>
+            <a:r>
+              <a:rPr lang="es-ES" b="0" i="0" dirty="0">
+                <a:solidFill>
+                  <a:srgbClr val="333333"/>
+                </a:solidFill>
+                <a:effectLst/>
+                <a:latin typeface="AmazonEmber"/>
+              </a:rPr>
+              <a:t>	'{"</a:t>
+            </a:r>
+            <a:r>
+              <a:rPr lang="es-ES" b="0" i="0" dirty="0" err="1">
+                <a:solidFill>
+                  <a:srgbClr val="333333"/>
+                </a:solidFill>
+                <a:effectLst/>
+                <a:latin typeface="AmazonEmber"/>
+              </a:rPr>
+              <a:t>name</a:t>
+            </a:r>
+            <a:r>
+              <a:rPr lang="es-ES" b="0" i="0" dirty="0">
+                <a:solidFill>
+                  <a:srgbClr val="333333"/>
+                </a:solidFill>
+                <a:effectLst/>
+                <a:latin typeface="AmazonEmber"/>
+              </a:rPr>
+              <a:t>":"John", "age":30}'</a:t>
+            </a:r>
+            <a:endParaRPr dirty="0">
+              <a:solidFill>
+                <a:srgbClr val="007399"/>
+              </a:solidFill>
+              <a:latin typeface="Raleway Medium"/>
+              <a:ea typeface="Raleway Medium"/>
+              <a:cs typeface="Raleway Medium"/>
+              <a:sym typeface="Raleway Medium"/>
+            </a:endParaRPr>
+          </a:p>
+        </p:txBody>
+      </p:sp>
+      <p:grpSp>
+        <p:nvGrpSpPr>
+          <p:cNvPr id="3" name="Google Shape;7838;p74">
+            <a:extLst>
+              <a:ext uri="{FF2B5EF4-FFF2-40B4-BE49-F238E27FC236}">
+                <a16:creationId xmlns:a16="http://schemas.microsoft.com/office/drawing/2014/main" id="{BB41A3D1-F878-5AE3-5BB9-40060065045E}"/>
+              </a:ext>
+            </a:extLst>
+          </p:cNvPr>
+          <p:cNvGrpSpPr/>
+          <p:nvPr/>
+        </p:nvGrpSpPr>
+        <p:grpSpPr>
+          <a:xfrm>
+            <a:off x="853425" y="1035414"/>
+            <a:ext cx="354341" cy="356205"/>
+            <a:chOff x="-45673275" y="3937700"/>
+            <a:chExt cx="299325" cy="300900"/>
+          </a:xfrm>
+          <a:solidFill>
+            <a:schemeClr val="bg1"/>
+          </a:solidFill>
+        </p:grpSpPr>
+        <p:sp>
+          <p:nvSpPr>
+            <p:cNvPr id="5" name="Google Shape;7839;p74">
+              <a:extLst>
+                <a:ext uri="{FF2B5EF4-FFF2-40B4-BE49-F238E27FC236}">
+                  <a16:creationId xmlns:a16="http://schemas.microsoft.com/office/drawing/2014/main" id="{3DF89A38-1DB5-B14A-7A43-B0D99D7D4144}"/>
+                </a:ext>
+              </a:extLst>
+            </p:cNvPr>
+            <p:cNvSpPr/>
+            <p:nvPr/>
+          </p:nvSpPr>
+          <p:spPr>
+            <a:xfrm>
+              <a:off x="-45673275" y="3937700"/>
+              <a:ext cx="285925" cy="135500"/>
+            </a:xfrm>
+            <a:custGeom>
+              <a:avLst/>
+              <a:gdLst/>
+              <a:ahLst/>
+              <a:cxnLst/>
+              <a:rect l="l" t="t" r="r" b="b"/>
+              <a:pathLst>
+                <a:path w="11437" h="5420" extrusionOk="0">
+                  <a:moveTo>
+                    <a:pt x="11437" y="1"/>
+                  </a:moveTo>
+                  <a:lnTo>
+                    <a:pt x="221" y="3435"/>
+                  </a:lnTo>
+                  <a:cubicBezTo>
+                    <a:pt x="63" y="3466"/>
+                    <a:pt x="0" y="3624"/>
+                    <a:pt x="0" y="3781"/>
+                  </a:cubicBezTo>
+                  <a:cubicBezTo>
+                    <a:pt x="0" y="3939"/>
+                    <a:pt x="95" y="4065"/>
+                    <a:pt x="221" y="4159"/>
+                  </a:cubicBezTo>
+                  <a:lnTo>
+                    <a:pt x="4348" y="5420"/>
+                  </a:lnTo>
+                  <a:lnTo>
+                    <a:pt x="11405" y="64"/>
+                  </a:lnTo>
+                  <a:lnTo>
+                    <a:pt x="11437" y="1"/>
+                  </a:lnTo>
+                  <a:close/>
+                </a:path>
+              </a:pathLst>
+            </a:custGeom>
+            <a:grpFill/>
+            <a:ln>
+              <a:noFill/>
+            </a:ln>
+          </p:spPr>
+          <p:txBody>
+            <a:bodyPr spcFirstLastPara="1" wrap="square" lIns="91425" tIns="91425" rIns="91425" bIns="91425" anchor="ctr" anchorCtr="0">
+              <a:noAutofit/>
+            </a:bodyPr>
+            <a:lstStyle/>
+            <a:p>
+              <a:pPr marL="0" lvl="0" indent="0" algn="l" rtl="0">
+                <a:spcBef>
+                  <a:spcPts val="0"/>
+                </a:spcBef>
+                <a:spcAft>
+                  <a:spcPts val="0"/>
+                </a:spcAft>
+                <a:buNone/>
+              </a:pPr>
+              <a:endParaRPr/>
+            </a:p>
+          </p:txBody>
+        </p:sp>
+        <p:sp>
+          <p:nvSpPr>
+            <p:cNvPr id="6" name="Google Shape;7840;p74">
+              <a:extLst>
+                <a:ext uri="{FF2B5EF4-FFF2-40B4-BE49-F238E27FC236}">
+                  <a16:creationId xmlns:a16="http://schemas.microsoft.com/office/drawing/2014/main" id="{99DB3155-0BD7-6F7C-9474-E9881A727FC1}"/>
+                </a:ext>
+              </a:extLst>
+            </p:cNvPr>
+            <p:cNvSpPr/>
+            <p:nvPr/>
+          </p:nvSpPr>
+          <p:spPr>
+            <a:xfrm>
+              <a:off x="-45577975" y="3990475"/>
+              <a:ext cx="151250" cy="150925"/>
+            </a:xfrm>
+            <a:custGeom>
+              <a:avLst/>
+              <a:gdLst/>
+              <a:ahLst/>
+              <a:cxnLst/>
+              <a:rect l="l" t="t" r="r" b="b"/>
+              <a:pathLst>
+                <a:path w="6050" h="6037" extrusionOk="0">
+                  <a:moveTo>
+                    <a:pt x="6049" y="1"/>
+                  </a:moveTo>
+                  <a:lnTo>
+                    <a:pt x="536" y="4159"/>
+                  </a:lnTo>
+                  <a:lnTo>
+                    <a:pt x="32" y="5577"/>
+                  </a:lnTo>
+                  <a:cubicBezTo>
+                    <a:pt x="0" y="5703"/>
+                    <a:pt x="32" y="5861"/>
+                    <a:pt x="126" y="5955"/>
+                  </a:cubicBezTo>
+                  <a:cubicBezTo>
+                    <a:pt x="186" y="6015"/>
+                    <a:pt x="259" y="6037"/>
+                    <a:pt x="336" y="6037"/>
+                  </a:cubicBezTo>
+                  <a:cubicBezTo>
+                    <a:pt x="381" y="6037"/>
+                    <a:pt x="427" y="6030"/>
+                    <a:pt x="473" y="6018"/>
+                  </a:cubicBezTo>
+                  <a:lnTo>
+                    <a:pt x="1891" y="5514"/>
+                  </a:lnTo>
+                  <a:lnTo>
+                    <a:pt x="6049" y="1"/>
+                  </a:lnTo>
+                  <a:close/>
+                </a:path>
+              </a:pathLst>
+            </a:custGeom>
+            <a:grpFill/>
+            <a:ln>
+              <a:noFill/>
+            </a:ln>
+          </p:spPr>
+          <p:txBody>
+            <a:bodyPr spcFirstLastPara="1" wrap="square" lIns="91425" tIns="91425" rIns="91425" bIns="91425" anchor="ctr" anchorCtr="0">
+              <a:noAutofit/>
+            </a:bodyPr>
+            <a:lstStyle/>
+            <a:p>
+              <a:pPr marL="0" lvl="0" indent="0" algn="l" rtl="0">
+                <a:spcBef>
+                  <a:spcPts val="0"/>
+                </a:spcBef>
+                <a:spcAft>
+                  <a:spcPts val="0"/>
+                </a:spcAft>
+                <a:buNone/>
+              </a:pPr>
+              <a:endParaRPr/>
+            </a:p>
+          </p:txBody>
+        </p:sp>
+        <p:sp>
+          <p:nvSpPr>
+            <p:cNvPr id="7" name="Google Shape;7841;p74">
+              <a:extLst>
+                <a:ext uri="{FF2B5EF4-FFF2-40B4-BE49-F238E27FC236}">
+                  <a16:creationId xmlns:a16="http://schemas.microsoft.com/office/drawing/2014/main" id="{9EDB2364-0973-AF20-C950-1AAA7C81A475}"/>
+                </a:ext>
+              </a:extLst>
+            </p:cNvPr>
+            <p:cNvSpPr/>
+            <p:nvPr/>
+          </p:nvSpPr>
+          <p:spPr>
+            <a:xfrm>
+              <a:off x="-45509450" y="3951100"/>
+              <a:ext cx="135500" cy="286725"/>
+            </a:xfrm>
+            <a:custGeom>
+              <a:avLst/>
+              <a:gdLst/>
+              <a:ahLst/>
+              <a:cxnLst/>
+              <a:rect l="l" t="t" r="r" b="b"/>
+              <a:pathLst>
+                <a:path w="5420" h="11469" extrusionOk="0">
+                  <a:moveTo>
+                    <a:pt x="5419" y="0"/>
+                  </a:moveTo>
+                  <a:lnTo>
+                    <a:pt x="5356" y="32"/>
+                  </a:lnTo>
+                  <a:lnTo>
+                    <a:pt x="0" y="7089"/>
+                  </a:lnTo>
+                  <a:lnTo>
+                    <a:pt x="1261" y="11216"/>
+                  </a:lnTo>
+                  <a:cubicBezTo>
+                    <a:pt x="1324" y="11374"/>
+                    <a:pt x="1481" y="11468"/>
+                    <a:pt x="1639" y="11468"/>
+                  </a:cubicBezTo>
+                  <a:cubicBezTo>
+                    <a:pt x="1796" y="11468"/>
+                    <a:pt x="1891" y="11342"/>
+                    <a:pt x="1985" y="11216"/>
+                  </a:cubicBezTo>
+                  <a:lnTo>
+                    <a:pt x="5419" y="0"/>
+                  </a:lnTo>
+                  <a:close/>
+                </a:path>
+              </a:pathLst>
+            </a:custGeom>
+            <a:grpFill/>
+            <a:ln>
+              <a:noFill/>
+            </a:ln>
+          </p:spPr>
+          <p:txBody>
+            <a:bodyPr spcFirstLastPara="1" wrap="square" lIns="91425" tIns="91425" rIns="91425" bIns="91425" anchor="ctr" anchorCtr="0">
+              <a:noAutofit/>
+            </a:bodyPr>
+            <a:lstStyle/>
+            <a:p>
+              <a:pPr marL="0" lvl="0" indent="0" algn="l" rtl="0">
+                <a:spcBef>
+                  <a:spcPts val="0"/>
+                </a:spcBef>
+                <a:spcAft>
+                  <a:spcPts val="0"/>
+                </a:spcAft>
+                <a:buNone/>
+              </a:pPr>
+              <a:endParaRPr/>
+            </a:p>
+          </p:txBody>
+        </p:sp>
+        <p:sp>
+          <p:nvSpPr>
+            <p:cNvPr id="8" name="Google Shape;7842;p74">
+              <a:extLst>
+                <a:ext uri="{FF2B5EF4-FFF2-40B4-BE49-F238E27FC236}">
+                  <a16:creationId xmlns:a16="http://schemas.microsoft.com/office/drawing/2014/main" id="{571B224D-1312-1CC1-4742-619AE40207D3}"/>
+                </a:ext>
+              </a:extLst>
+            </p:cNvPr>
+            <p:cNvSpPr/>
+            <p:nvPr/>
+          </p:nvSpPr>
+          <p:spPr>
+            <a:xfrm>
+              <a:off x="-45670925" y="4114125"/>
+              <a:ext cx="72500" cy="70325"/>
+            </a:xfrm>
+            <a:custGeom>
+              <a:avLst/>
+              <a:gdLst/>
+              <a:ahLst/>
+              <a:cxnLst/>
+              <a:rect l="l" t="t" r="r" b="b"/>
+              <a:pathLst>
+                <a:path w="2900" h="2813" extrusionOk="0">
+                  <a:moveTo>
+                    <a:pt x="2521" y="1"/>
+                  </a:moveTo>
+                  <a:cubicBezTo>
+                    <a:pt x="2435" y="1"/>
+                    <a:pt x="2348" y="32"/>
+                    <a:pt x="2269" y="95"/>
+                  </a:cubicBezTo>
+                  <a:lnTo>
+                    <a:pt x="127" y="2206"/>
+                  </a:lnTo>
+                  <a:cubicBezTo>
+                    <a:pt x="1" y="2332"/>
+                    <a:pt x="1" y="2553"/>
+                    <a:pt x="127" y="2742"/>
+                  </a:cubicBezTo>
+                  <a:cubicBezTo>
+                    <a:pt x="190" y="2789"/>
+                    <a:pt x="277" y="2813"/>
+                    <a:pt x="371" y="2813"/>
+                  </a:cubicBezTo>
+                  <a:cubicBezTo>
+                    <a:pt x="466" y="2813"/>
+                    <a:pt x="568" y="2789"/>
+                    <a:pt x="662" y="2742"/>
+                  </a:cubicBezTo>
+                  <a:lnTo>
+                    <a:pt x="2773" y="600"/>
+                  </a:lnTo>
+                  <a:cubicBezTo>
+                    <a:pt x="2899" y="473"/>
+                    <a:pt x="2899" y="253"/>
+                    <a:pt x="2773" y="95"/>
+                  </a:cubicBezTo>
+                  <a:cubicBezTo>
+                    <a:pt x="2695" y="32"/>
+                    <a:pt x="2608" y="1"/>
+                    <a:pt x="2521" y="1"/>
+                  </a:cubicBezTo>
+                  <a:close/>
+                </a:path>
+              </a:pathLst>
+            </a:custGeom>
+            <a:grpFill/>
+            <a:ln>
+              <a:noFill/>
+            </a:ln>
+          </p:spPr>
+          <p:txBody>
+            <a:bodyPr spcFirstLastPara="1" wrap="square" lIns="91425" tIns="91425" rIns="91425" bIns="91425" anchor="ctr" anchorCtr="0">
+              <a:noAutofit/>
+            </a:bodyPr>
+            <a:lstStyle/>
+            <a:p>
+              <a:pPr marL="0" lvl="0" indent="0" algn="l" rtl="0">
+                <a:spcBef>
+                  <a:spcPts val="0"/>
+                </a:spcBef>
+                <a:spcAft>
+                  <a:spcPts val="0"/>
+                </a:spcAft>
+                <a:buNone/>
+              </a:pPr>
+              <a:endParaRPr/>
+            </a:p>
+          </p:txBody>
+        </p:sp>
+        <p:sp>
+          <p:nvSpPr>
+            <p:cNvPr id="9" name="Google Shape;7843;p74">
+              <a:extLst>
+                <a:ext uri="{FF2B5EF4-FFF2-40B4-BE49-F238E27FC236}">
+                  <a16:creationId xmlns:a16="http://schemas.microsoft.com/office/drawing/2014/main" id="{8FB3DA05-1B9E-15B9-F931-5FD918D89E0D}"/>
+                </a:ext>
+              </a:extLst>
+            </p:cNvPr>
+            <p:cNvSpPr/>
+            <p:nvPr/>
+          </p:nvSpPr>
+          <p:spPr>
+            <a:xfrm>
+              <a:off x="-45620500" y="4163550"/>
+              <a:ext cx="70900" cy="71125"/>
+            </a:xfrm>
+            <a:custGeom>
+              <a:avLst/>
+              <a:gdLst/>
+              <a:ahLst/>
+              <a:cxnLst/>
+              <a:rect l="l" t="t" r="r" b="b"/>
+              <a:pathLst>
+                <a:path w="2836" h="2845" extrusionOk="0">
+                  <a:moveTo>
+                    <a:pt x="2489" y="1"/>
+                  </a:moveTo>
+                  <a:cubicBezTo>
+                    <a:pt x="2395" y="1"/>
+                    <a:pt x="2300" y="24"/>
+                    <a:pt x="2237" y="72"/>
+                  </a:cubicBezTo>
+                  <a:lnTo>
+                    <a:pt x="126" y="2214"/>
+                  </a:lnTo>
+                  <a:cubicBezTo>
+                    <a:pt x="0" y="2340"/>
+                    <a:pt x="0" y="2561"/>
+                    <a:pt x="126" y="2718"/>
+                  </a:cubicBezTo>
+                  <a:cubicBezTo>
+                    <a:pt x="221" y="2781"/>
+                    <a:pt x="284" y="2844"/>
+                    <a:pt x="378" y="2844"/>
+                  </a:cubicBezTo>
+                  <a:cubicBezTo>
+                    <a:pt x="441" y="2844"/>
+                    <a:pt x="567" y="2781"/>
+                    <a:pt x="599" y="2718"/>
+                  </a:cubicBezTo>
+                  <a:lnTo>
+                    <a:pt x="2741" y="607"/>
+                  </a:lnTo>
+                  <a:cubicBezTo>
+                    <a:pt x="2836" y="481"/>
+                    <a:pt x="2836" y="229"/>
+                    <a:pt x="2741" y="72"/>
+                  </a:cubicBezTo>
+                  <a:cubicBezTo>
+                    <a:pt x="2678" y="24"/>
+                    <a:pt x="2584" y="1"/>
+                    <a:pt x="2489" y="1"/>
+                  </a:cubicBezTo>
+                  <a:close/>
+                </a:path>
+              </a:pathLst>
+            </a:custGeom>
+            <a:grpFill/>
+            <a:ln>
+              <a:noFill/>
+            </a:ln>
+          </p:spPr>
+          <p:txBody>
+            <a:bodyPr spcFirstLastPara="1" wrap="square" lIns="91425" tIns="91425" rIns="91425" bIns="91425" anchor="ctr" anchorCtr="0">
+              <a:noAutofit/>
+            </a:bodyPr>
+            <a:lstStyle/>
+            <a:p>
+              <a:pPr marL="0" lvl="0" indent="0" algn="l" rtl="0">
+                <a:spcBef>
+                  <a:spcPts val="0"/>
+                </a:spcBef>
+                <a:spcAft>
+                  <a:spcPts val="0"/>
+                </a:spcAft>
+                <a:buNone/>
+              </a:pPr>
+              <a:endParaRPr/>
+            </a:p>
+          </p:txBody>
+        </p:sp>
+        <p:sp>
+          <p:nvSpPr>
+            <p:cNvPr id="10" name="Google Shape;7844;p74">
+              <a:extLst>
+                <a:ext uri="{FF2B5EF4-FFF2-40B4-BE49-F238E27FC236}">
+                  <a16:creationId xmlns:a16="http://schemas.microsoft.com/office/drawing/2014/main" id="{BB936601-E025-E950-57CC-1C6CB5694BC7}"/>
+                </a:ext>
+              </a:extLst>
+            </p:cNvPr>
+            <p:cNvSpPr/>
+            <p:nvPr/>
+          </p:nvSpPr>
+          <p:spPr>
+            <a:xfrm>
+              <a:off x="-45673275" y="4159625"/>
+              <a:ext cx="79575" cy="78975"/>
+            </a:xfrm>
+            <a:custGeom>
+              <a:avLst/>
+              <a:gdLst/>
+              <a:ahLst/>
+              <a:cxnLst/>
+              <a:rect l="l" t="t" r="r" b="b"/>
+              <a:pathLst>
+                <a:path w="3183" h="3159" extrusionOk="0">
+                  <a:moveTo>
+                    <a:pt x="2816" y="0"/>
+                  </a:moveTo>
+                  <a:cubicBezTo>
+                    <a:pt x="2726" y="0"/>
+                    <a:pt x="2631" y="24"/>
+                    <a:pt x="2552" y="71"/>
+                  </a:cubicBezTo>
+                  <a:lnTo>
+                    <a:pt x="95" y="2529"/>
+                  </a:lnTo>
+                  <a:cubicBezTo>
+                    <a:pt x="0" y="2655"/>
+                    <a:pt x="0" y="2875"/>
+                    <a:pt x="95" y="3033"/>
+                  </a:cubicBezTo>
+                  <a:cubicBezTo>
+                    <a:pt x="189" y="3127"/>
+                    <a:pt x="252" y="3159"/>
+                    <a:pt x="347" y="3159"/>
+                  </a:cubicBezTo>
+                  <a:cubicBezTo>
+                    <a:pt x="441" y="3159"/>
+                    <a:pt x="536" y="3127"/>
+                    <a:pt x="599" y="3033"/>
+                  </a:cubicBezTo>
+                  <a:lnTo>
+                    <a:pt x="3025" y="607"/>
+                  </a:lnTo>
+                  <a:cubicBezTo>
+                    <a:pt x="3182" y="449"/>
+                    <a:pt x="3182" y="197"/>
+                    <a:pt x="3056" y="71"/>
+                  </a:cubicBezTo>
+                  <a:cubicBezTo>
+                    <a:pt x="2993" y="24"/>
+                    <a:pt x="2907" y="0"/>
+                    <a:pt x="2816" y="0"/>
+                  </a:cubicBezTo>
+                  <a:close/>
+                </a:path>
+              </a:pathLst>
+            </a:custGeom>
+            <a:grpFill/>
+            <a:ln>
+              <a:noFill/>
+            </a:ln>
+          </p:spPr>
+          <p:txBody>
+            <a:bodyPr spcFirstLastPara="1" wrap="square" lIns="91425" tIns="91425" rIns="91425" bIns="91425" anchor="ctr" anchorCtr="0">
+              <a:noAutofit/>
+            </a:bodyPr>
+            <a:lstStyle/>
+            <a:p>
+              <a:pPr marL="0" lvl="0" indent="0" algn="l" rtl="0">
+                <a:spcBef>
+                  <a:spcPts val="0"/>
+                </a:spcBef>
+                <a:spcAft>
+                  <a:spcPts val="0"/>
+                </a:spcAft>
+                <a:buNone/>
+              </a:pPr>
+              <a:endParaRPr/>
+            </a:p>
+          </p:txBody>
+        </p:sp>
+      </p:grpSp>
+    </p:spTree>
+    <p:extLst>
+      <p:ext uri="{BB962C8B-B14F-4D97-AF65-F5344CB8AC3E}">
+        <p14:creationId xmlns:p14="http://schemas.microsoft.com/office/powerpoint/2010/main" val="2101119171"/>
+      </p:ext>
+    </p:extLst>
+  </p:cSld>
+  <p:clrMapOvr>
+    <a:masterClrMapping/>
+  </p:clrMapOvr>
+</p:sld>
+</file>
+
+<file path=ppt/slides/slide17.xml><?xml version="1.0" encoding="utf-8"?>
+<p:sld xmlns:a="http://schemas.openxmlformats.org/drawingml/2006/main" xmlns:r="http://schemas.openxmlformats.org/officeDocument/2006/relationships" xmlns:p="http://schemas.openxmlformats.org/presentationml/2006/main">
+  <p:cSld>
+    <p:spTree>
+      <p:nvGrpSpPr>
+        <p:cNvPr id="1" name="Shape 353"/>
+        <p:cNvGrpSpPr/>
+        <p:nvPr/>
+      </p:nvGrpSpPr>
+      <p:grpSpPr>
+        <a:xfrm>
+          <a:off x="0" y="0"/>
+          <a:ext cx="0" cy="0"/>
+          <a:chOff x="0" y="0"/>
+          <a:chExt cx="0" cy="0"/>
+        </a:xfrm>
+      </p:grpSpPr>
+      <p:sp>
+        <p:nvSpPr>
+          <p:cNvPr id="354" name="Google Shape;354;p37"/>
+          <p:cNvSpPr txBox="1">
+            <a:spLocks noGrp="1"/>
+          </p:cNvSpPr>
+          <p:nvPr>
+            <p:ph type="title"/>
+          </p:nvPr>
+        </p:nvSpPr>
+        <p:spPr>
+          <a:xfrm>
             <a:off x="714375" y="-2167"/>
             <a:ext cx="7715250" cy="571500"/>
           </a:xfrm>
@@ -10922,7 +17233,7 @@
 </p:sld>
 </file>
 
-<file path=ppt/slides/slide14.xml><?xml version="1.0" encoding="utf-8"?>
+<file path=ppt/slides/slide18.xml><?xml version="1.0" encoding="utf-8"?>
 <p:sld xmlns:a="http://schemas.openxmlformats.org/drawingml/2006/main" xmlns:r="http://schemas.openxmlformats.org/officeDocument/2006/relationships" xmlns:p="http://schemas.openxmlformats.org/presentationml/2006/main">
   <p:cSld>
     <p:spTree>
@@ -11518,7 +17829,7 @@
 </p:sld>
 </file>
 
-<file path=ppt/slides/slide15.xml><?xml version="1.0" encoding="utf-8"?>
+<file path=ppt/slides/slide19.xml><?xml version="1.0" encoding="utf-8"?>
 <p:sld xmlns:a="http://schemas.openxmlformats.org/drawingml/2006/main" xmlns:r="http://schemas.openxmlformats.org/officeDocument/2006/relationships" xmlns:p="http://schemas.openxmlformats.org/presentationml/2006/main">
   <p:cSld>
     <p:spTree>
@@ -12657,7 +18968,205 @@
 </p:sld>
 </file>
 
-<file path=ppt/slides/slide16.xml><?xml version="1.0" encoding="utf-8"?>
+<file path=ppt/slides/slide2.xml><?xml version="1.0" encoding="utf-8"?>
+<p:sld xmlns:a="http://schemas.openxmlformats.org/drawingml/2006/main" xmlns:r="http://schemas.openxmlformats.org/officeDocument/2006/relationships" xmlns:p="http://schemas.openxmlformats.org/presentationml/2006/main">
+  <p:cSld>
+    <p:spTree>
+      <p:nvGrpSpPr>
+        <p:cNvPr id="1" name="Shape 332"/>
+        <p:cNvGrpSpPr/>
+        <p:nvPr/>
+      </p:nvGrpSpPr>
+      <p:grpSpPr>
+        <a:xfrm>
+          <a:off x="0" y="0"/>
+          <a:ext cx="0" cy="0"/>
+          <a:chOff x="0" y="0"/>
+          <a:chExt cx="0" cy="0"/>
+        </a:xfrm>
+      </p:grpSpPr>
+      <p:sp>
+        <p:nvSpPr>
+          <p:cNvPr id="341" name="Google Shape;341;p36"/>
+          <p:cNvSpPr txBox="1">
+            <a:spLocks noGrp="1"/>
+          </p:cNvSpPr>
+          <p:nvPr>
+            <p:ph type="title"/>
+          </p:nvPr>
+        </p:nvSpPr>
+        <p:spPr>
+          <a:xfrm>
+            <a:off x="714375" y="358775"/>
+            <a:ext cx="7715250" cy="571500"/>
+          </a:xfrm>
+          <a:prstGeom prst="rect">
+            <a:avLst/>
+          </a:prstGeom>
+        </p:spPr>
+        <p:txBody>
+          <a:bodyPr spcFirstLastPara="1" wrap="square" lIns="91425" tIns="91425" rIns="91425" bIns="91425" anchor="t" anchorCtr="0">
+            <a:noAutofit/>
+          </a:bodyPr>
+          <a:lstStyle/>
+          <a:p>
+            <a:pPr marL="0" lvl="0" indent="0" algn="ctr" rtl="0">
+              <a:spcBef>
+                <a:spcPts val="0"/>
+              </a:spcBef>
+              <a:spcAft>
+                <a:spcPts val="0"/>
+              </a:spcAft>
+              <a:buNone/>
+            </a:pPr>
+            <a:r>
+              <a:rPr lang="en" dirty="0">
+                <a:latin typeface="Century Gothic" panose="020B0502020202020204" pitchFamily="34" charset="0"/>
+              </a:rPr>
+              <a:t>GIT FLOW</a:t>
+            </a:r>
+            <a:endParaRPr dirty="0">
+              <a:latin typeface="Century Gothic" panose="020B0502020202020204" pitchFamily="34" charset="0"/>
+            </a:endParaRPr>
+          </a:p>
+        </p:txBody>
+      </p:sp>
+      <p:pic>
+        <p:nvPicPr>
+          <p:cNvPr id="23" name="Gráfico 22">
+            <a:extLst>
+              <a:ext uri="{FF2B5EF4-FFF2-40B4-BE49-F238E27FC236}">
+                <a16:creationId xmlns:a16="http://schemas.microsoft.com/office/drawing/2014/main" id="{EFAB9613-8385-8487-5F23-5A6E572E8501}"/>
+              </a:ext>
+            </a:extLst>
+          </p:cNvPr>
+          <p:cNvPicPr>
+            <a:picLocks noChangeAspect="1"/>
+          </p:cNvPicPr>
+          <p:nvPr/>
+        </p:nvPicPr>
+        <p:blipFill>
+          <a:blip r:embed="rId3">
+            <a:extLst>
+              <a:ext uri="{96DAC541-7B7A-43D3-8B79-37D633B846F1}">
+                <asvg:svgBlip xmlns:asvg="http://schemas.microsoft.com/office/drawing/2016/SVG/main" r:embed="rId4"/>
+              </a:ext>
+            </a:extLst>
+          </a:blip>
+          <a:stretch>
+            <a:fillRect/>
+          </a:stretch>
+        </p:blipFill>
+        <p:spPr>
+          <a:xfrm>
+            <a:off x="1102959" y="1361451"/>
+            <a:ext cx="6938081" cy="2822717"/>
+          </a:xfrm>
+          <a:prstGeom prst="rect">
+            <a:avLst/>
+          </a:prstGeom>
+        </p:spPr>
+      </p:pic>
+      <p:pic>
+        <p:nvPicPr>
+          <p:cNvPr id="3" name="Picture 6">
+            <a:extLst>
+              <a:ext uri="{FF2B5EF4-FFF2-40B4-BE49-F238E27FC236}">
+                <a16:creationId xmlns:a16="http://schemas.microsoft.com/office/drawing/2014/main" id="{1158E795-63DE-4221-0229-627DEB4802C9}"/>
+              </a:ext>
+            </a:extLst>
+          </p:cNvPr>
+          <p:cNvPicPr>
+            <a:picLocks noChangeAspect="1" noChangeArrowheads="1"/>
+          </p:cNvPicPr>
+          <p:nvPr/>
+        </p:nvPicPr>
+        <p:blipFill>
+          <a:blip r:embed="rId5">
+            <a:extLst>
+              <a:ext uri="{28A0092B-C50C-407E-A947-70E740481C1C}">
+                <a14:useLocalDpi xmlns:a14="http://schemas.microsoft.com/office/drawing/2010/main" val="0"/>
+              </a:ext>
+            </a:extLst>
+          </a:blip>
+          <a:srcRect/>
+          <a:stretch>
+            <a:fillRect/>
+          </a:stretch>
+        </p:blipFill>
+        <p:spPr bwMode="auto">
+          <a:xfrm>
+            <a:off x="8041040" y="4615344"/>
+            <a:ext cx="933277" cy="388866"/>
+          </a:xfrm>
+          <a:prstGeom prst="rect">
+            <a:avLst/>
+          </a:prstGeom>
+          <a:noFill/>
+          <a:extLst>
+            <a:ext uri="{909E8E84-426E-40DD-AFC4-6F175D3DCCD1}">
+              <a14:hiddenFill xmlns:a14="http://schemas.microsoft.com/office/drawing/2010/main">
+                <a:solidFill>
+                  <a:srgbClr val="FFFFFF"/>
+                </a:solidFill>
+              </a14:hiddenFill>
+            </a:ext>
+          </a:extLst>
+        </p:spPr>
+      </p:pic>
+      <p:sp>
+        <p:nvSpPr>
+          <p:cNvPr id="5" name="CuadroTexto 4">
+            <a:extLst>
+              <a:ext uri="{FF2B5EF4-FFF2-40B4-BE49-F238E27FC236}">
+                <a16:creationId xmlns:a16="http://schemas.microsoft.com/office/drawing/2014/main" id="{6060AAA1-27B6-A885-83C1-E9CAF73C671A}"/>
+              </a:ext>
+            </a:extLst>
+          </p:cNvPr>
+          <p:cNvSpPr txBox="1"/>
+          <p:nvPr/>
+        </p:nvSpPr>
+        <p:spPr>
+          <a:xfrm>
+            <a:off x="1314094" y="4615344"/>
+            <a:ext cx="6515809" cy="307777"/>
+          </a:xfrm>
+          <a:prstGeom prst="rect">
+            <a:avLst/>
+          </a:prstGeom>
+          <a:noFill/>
+        </p:spPr>
+        <p:txBody>
+          <a:bodyPr wrap="square">
+            <a:spAutoFit/>
+          </a:bodyPr>
+          <a:lstStyle/>
+          <a:p>
+            <a:r>
+              <a:rPr lang="es-ES" dirty="0">
+                <a:solidFill>
+                  <a:schemeClr val="accent2"/>
+                </a:solidFill>
+              </a:rPr>
+              <a:t>https://www.atlassian.com/git/tutorials/comparing-workflows/gitflow-workflow</a:t>
+            </a:r>
+          </a:p>
+        </p:txBody>
+      </p:sp>
+    </p:spTree>
+    <p:extLst>
+      <p:ext uri="{BB962C8B-B14F-4D97-AF65-F5344CB8AC3E}">
+        <p14:creationId xmlns:p14="http://schemas.microsoft.com/office/powerpoint/2010/main" val="2531866707"/>
+      </p:ext>
+    </p:extLst>
+  </p:cSld>
+  <p:clrMapOvr>
+    <a:masterClrMapping/>
+  </p:clrMapOvr>
+</p:sld>
+</file>
+
+<file path=ppt/slides/slide20.xml><?xml version="1.0" encoding="utf-8"?>
 <p:sld xmlns:a="http://schemas.openxmlformats.org/drawingml/2006/main" xmlns:r="http://schemas.openxmlformats.org/officeDocument/2006/relationships" xmlns:p="http://schemas.openxmlformats.org/presentationml/2006/main">
   <p:cSld>
     <p:spTree>
@@ -14191,204 +20700,6 @@
 </p:sld>
 </file>
 
-<file path=ppt/slides/slide2.xml><?xml version="1.0" encoding="utf-8"?>
-<p:sld xmlns:a="http://schemas.openxmlformats.org/drawingml/2006/main" xmlns:r="http://schemas.openxmlformats.org/officeDocument/2006/relationships" xmlns:p="http://schemas.openxmlformats.org/presentationml/2006/main">
-  <p:cSld>
-    <p:spTree>
-      <p:nvGrpSpPr>
-        <p:cNvPr id="1" name="Shape 332"/>
-        <p:cNvGrpSpPr/>
-        <p:nvPr/>
-      </p:nvGrpSpPr>
-      <p:grpSpPr>
-        <a:xfrm>
-          <a:off x="0" y="0"/>
-          <a:ext cx="0" cy="0"/>
-          <a:chOff x="0" y="0"/>
-          <a:chExt cx="0" cy="0"/>
-        </a:xfrm>
-      </p:grpSpPr>
-      <p:sp>
-        <p:nvSpPr>
-          <p:cNvPr id="341" name="Google Shape;341;p36"/>
-          <p:cNvSpPr txBox="1">
-            <a:spLocks noGrp="1"/>
-          </p:cNvSpPr>
-          <p:nvPr>
-            <p:ph type="title"/>
-          </p:nvPr>
-        </p:nvSpPr>
-        <p:spPr>
-          <a:xfrm>
-            <a:off x="714375" y="358775"/>
-            <a:ext cx="7715250" cy="571500"/>
-          </a:xfrm>
-          <a:prstGeom prst="rect">
-            <a:avLst/>
-          </a:prstGeom>
-        </p:spPr>
-        <p:txBody>
-          <a:bodyPr spcFirstLastPara="1" wrap="square" lIns="91425" tIns="91425" rIns="91425" bIns="91425" anchor="t" anchorCtr="0">
-            <a:noAutofit/>
-          </a:bodyPr>
-          <a:lstStyle/>
-          <a:p>
-            <a:pPr marL="0" lvl="0" indent="0" algn="ctr" rtl="0">
-              <a:spcBef>
-                <a:spcPts val="0"/>
-              </a:spcBef>
-              <a:spcAft>
-                <a:spcPts val="0"/>
-              </a:spcAft>
-              <a:buNone/>
-            </a:pPr>
-            <a:r>
-              <a:rPr lang="en" dirty="0">
-                <a:latin typeface="Century Gothic" panose="020B0502020202020204" pitchFamily="34" charset="0"/>
-              </a:rPr>
-              <a:t>GIT FLOW</a:t>
-            </a:r>
-            <a:endParaRPr dirty="0">
-              <a:latin typeface="Century Gothic" panose="020B0502020202020204" pitchFamily="34" charset="0"/>
-            </a:endParaRPr>
-          </a:p>
-        </p:txBody>
-      </p:sp>
-      <p:pic>
-        <p:nvPicPr>
-          <p:cNvPr id="23" name="Gráfico 22">
-            <a:extLst>
-              <a:ext uri="{FF2B5EF4-FFF2-40B4-BE49-F238E27FC236}">
-                <a16:creationId xmlns:a16="http://schemas.microsoft.com/office/drawing/2014/main" id="{EFAB9613-8385-8487-5F23-5A6E572E8501}"/>
-              </a:ext>
-            </a:extLst>
-          </p:cNvPr>
-          <p:cNvPicPr>
-            <a:picLocks noChangeAspect="1"/>
-          </p:cNvPicPr>
-          <p:nvPr/>
-        </p:nvPicPr>
-        <p:blipFill>
-          <a:blip r:embed="rId3">
-            <a:extLst>
-              <a:ext uri="{96DAC541-7B7A-43D3-8B79-37D633B846F1}">
-                <asvg:svgBlip xmlns:asvg="http://schemas.microsoft.com/office/drawing/2016/SVG/main" r:embed="rId4"/>
-              </a:ext>
-            </a:extLst>
-          </a:blip>
-          <a:stretch>
-            <a:fillRect/>
-          </a:stretch>
-        </p:blipFill>
-        <p:spPr>
-          <a:xfrm>
-            <a:off x="1102959" y="1361451"/>
-            <a:ext cx="6938081" cy="2822717"/>
-          </a:xfrm>
-          <a:prstGeom prst="rect">
-            <a:avLst/>
-          </a:prstGeom>
-        </p:spPr>
-      </p:pic>
-      <p:pic>
-        <p:nvPicPr>
-          <p:cNvPr id="3" name="Picture 6">
-            <a:extLst>
-              <a:ext uri="{FF2B5EF4-FFF2-40B4-BE49-F238E27FC236}">
-                <a16:creationId xmlns:a16="http://schemas.microsoft.com/office/drawing/2014/main" id="{1158E795-63DE-4221-0229-627DEB4802C9}"/>
-              </a:ext>
-            </a:extLst>
-          </p:cNvPr>
-          <p:cNvPicPr>
-            <a:picLocks noChangeAspect="1" noChangeArrowheads="1"/>
-          </p:cNvPicPr>
-          <p:nvPr/>
-        </p:nvPicPr>
-        <p:blipFill>
-          <a:blip r:embed="rId5">
-            <a:extLst>
-              <a:ext uri="{28A0092B-C50C-407E-A947-70E740481C1C}">
-                <a14:useLocalDpi xmlns:a14="http://schemas.microsoft.com/office/drawing/2010/main" val="0"/>
-              </a:ext>
-            </a:extLst>
-          </a:blip>
-          <a:srcRect/>
-          <a:stretch>
-            <a:fillRect/>
-          </a:stretch>
-        </p:blipFill>
-        <p:spPr bwMode="auto">
-          <a:xfrm>
-            <a:off x="8041040" y="4615344"/>
-            <a:ext cx="933277" cy="388866"/>
-          </a:xfrm>
-          <a:prstGeom prst="rect">
-            <a:avLst/>
-          </a:prstGeom>
-          <a:noFill/>
-          <a:extLst>
-            <a:ext uri="{909E8E84-426E-40DD-AFC4-6F175D3DCCD1}">
-              <a14:hiddenFill xmlns:a14="http://schemas.microsoft.com/office/drawing/2010/main">
-                <a:solidFill>
-                  <a:srgbClr val="FFFFFF"/>
-                </a:solidFill>
-              </a14:hiddenFill>
-            </a:ext>
-          </a:extLst>
-        </p:spPr>
-      </p:pic>
-      <p:sp>
-        <p:nvSpPr>
-          <p:cNvPr id="5" name="CuadroTexto 4">
-            <a:extLst>
-              <a:ext uri="{FF2B5EF4-FFF2-40B4-BE49-F238E27FC236}">
-                <a16:creationId xmlns:a16="http://schemas.microsoft.com/office/drawing/2014/main" id="{6060AAA1-27B6-A885-83C1-E9CAF73C671A}"/>
-              </a:ext>
-            </a:extLst>
-          </p:cNvPr>
-          <p:cNvSpPr txBox="1"/>
-          <p:nvPr/>
-        </p:nvSpPr>
-        <p:spPr>
-          <a:xfrm>
-            <a:off x="1314094" y="4615344"/>
-            <a:ext cx="6515809" cy="307777"/>
-          </a:xfrm>
-          <a:prstGeom prst="rect">
-            <a:avLst/>
-          </a:prstGeom>
-          <a:noFill/>
-        </p:spPr>
-        <p:txBody>
-          <a:bodyPr wrap="square">
-            <a:spAutoFit/>
-          </a:bodyPr>
-          <a:lstStyle/>
-          <a:p>
-            <a:r>
-              <a:rPr lang="es-ES" dirty="0">
-                <a:solidFill>
-                  <a:schemeClr val="accent2"/>
-                </a:solidFill>
-              </a:rPr>
-              <a:t>https://www.atlassian.com/git/tutorials/comparing-workflows/gitflow-workflow</a:t>
-            </a:r>
-          </a:p>
-        </p:txBody>
-      </p:sp>
-    </p:spTree>
-    <p:extLst>
-      <p:ext uri="{BB962C8B-B14F-4D97-AF65-F5344CB8AC3E}">
-        <p14:creationId xmlns:p14="http://schemas.microsoft.com/office/powerpoint/2010/main" val="2531866707"/>
-      </p:ext>
-    </p:extLst>
-  </p:cSld>
-  <p:clrMapOvr>
-    <a:masterClrMapping/>
-  </p:clrMapOvr>
-</p:sld>
-</file>
-
 <file path=ppt/slides/slide3.xml><?xml version="1.0" encoding="utf-8"?>
 <p:sld xmlns:a="http://schemas.openxmlformats.org/drawingml/2006/main" xmlns:r="http://schemas.openxmlformats.org/officeDocument/2006/relationships" xmlns:p="http://schemas.openxmlformats.org/presentationml/2006/main">
   <p:cSld>
@@ -23014,6 +29325,15 @@
 </file>
 
 <file path=customXml/item2.xml><?xml version="1.0" encoding="utf-8"?>
+<?mso-contentType ?>
+<FormTemplates xmlns="http://schemas.microsoft.com/sharepoint/v3/contenttype/forms">
+  <Display>DocumentLibraryForm</Display>
+  <Edit>DocumentLibraryForm</Edit>
+  <New>DocumentLibraryForm</New>
+</FormTemplates>
+</file>
+
+<file path=customXml/item3.xml><?xml version="1.0" encoding="utf-8"?>
 <ct:contentTypeSchema xmlns:ct="http://schemas.microsoft.com/office/2006/metadata/contentType" xmlns:ma="http://schemas.microsoft.com/office/2006/metadata/properties/metaAttributes" ct:_="" ma:_="" ma:contentTypeName="Documento" ma:contentTypeID="0x0101006B1E11B541137C48AA3727DCBBA54C16" ma:contentTypeVersion="11" ma:contentTypeDescription="Crear nuevo documento." ma:contentTypeScope="" ma:versionID="95949c5f839407ce12e4e96351584624">
   <xsd:schema xmlns:xsd="http://www.w3.org/2001/XMLSchema" xmlns:xs="http://www.w3.org/2001/XMLSchema" xmlns:p="http://schemas.microsoft.com/office/2006/metadata/properties" xmlns:ns2="e202ecef-a3f6-4d98-ad9b-1b77cdb87b84" xmlns:ns3="435026e9-b5d0-4467-bbd9-3b76a09ae0c4" targetNamespace="http://schemas.microsoft.com/office/2006/metadata/properties" ma:root="true" ma:fieldsID="f348301bcb62330657a04a353e23fd75" ns2:_="" ns3:_="">
     <xsd:import namespace="e202ecef-a3f6-4d98-ad9b-1b77cdb87b84"/>
@@ -23208,15 +29528,6 @@
 </ct:contentTypeSchema>
 </file>
 
-<file path=customXml/item3.xml><?xml version="1.0" encoding="utf-8"?>
-<?mso-contentType ?>
-<FormTemplates xmlns="http://schemas.microsoft.com/sharepoint/v3/contenttype/forms">
-  <Display>DocumentLibraryForm</Display>
-  <Edit>DocumentLibraryForm</Edit>
-  <New>DocumentLibraryForm</New>
-</FormTemplates>
-</file>
-
 <file path=customXml/itemProps1.xml><?xml version="1.0" encoding="utf-8"?>
 <ds:datastoreItem xmlns:ds="http://schemas.openxmlformats.org/officeDocument/2006/customXml" ds:itemID="{2F6D6B62-92C6-4EDE-B50E-8B81CFF669EA}">
   <ds:schemaRefs>
@@ -23229,6 +29540,14 @@
 </file>
 
 <file path=customXml/itemProps2.xml><?xml version="1.0" encoding="utf-8"?>
+<ds:datastoreItem xmlns:ds="http://schemas.openxmlformats.org/officeDocument/2006/customXml" ds:itemID="{A4B54BEA-998E-408D-BCCD-09BA67DF44CE}">
+  <ds:schemaRefs>
+    <ds:schemaRef ds:uri="http://schemas.microsoft.com/sharepoint/v3/contenttype/forms"/>
+  </ds:schemaRefs>
+</ds:datastoreItem>
+</file>
+
+<file path=customXml/itemProps3.xml><?xml version="1.0" encoding="utf-8"?>
 <ds:datastoreItem xmlns:ds="http://schemas.openxmlformats.org/officeDocument/2006/customXml" ds:itemID="{592DADBC-4920-4373-95D3-1A0ABF3667A7}">
   <ds:schemaRefs>
     <ds:schemaRef ds:uri="http://schemas.microsoft.com/office/2006/metadata/contentType"/>
@@ -23245,12 +29564,4 @@
     <ds:schemaRef ds:uri="http://schemas.microsoft.com/internal/obd"/>
   </ds:schemaRefs>
 </ds:datastoreItem>
-</file>
-
-<file path=customXml/itemProps3.xml><?xml version="1.0" encoding="utf-8"?>
-<ds:datastoreItem xmlns:ds="http://schemas.openxmlformats.org/officeDocument/2006/customXml" ds:itemID="{A4B54BEA-998E-408D-BCCD-09BA67DF44CE}">
-  <ds:schemaRefs>
-    <ds:schemaRef ds:uri="http://schemas.microsoft.com/sharepoint/v3/contenttype/forms"/>
-  </ds:schemaRefs>
-</ds:datastoreItem>
 </file>
--- a/ppt/curso-devops-ulpgc-api.pptx
+++ b/ppt/curso-devops-ulpgc-api.pptx
@@ -5,10 +5,10 @@
     <p:sldMasterId id="2147483678" r:id="rId4"/>
   </p:sldMasterIdLst>
   <p:notesMasterIdLst>
-    <p:notesMasterId r:id="rId25"/>
+    <p:notesMasterId r:id="rId27"/>
   </p:notesMasterIdLst>
   <p:handoutMasterIdLst>
-    <p:handoutMasterId r:id="rId26"/>
+    <p:handoutMasterId r:id="rId28"/>
   </p:handoutMasterIdLst>
   <p:sldIdLst>
     <p:sldId id="302" r:id="rId5"/>
@@ -28,44 +28,46 @@
     <p:sldId id="1276" r:id="rId19"/>
     <p:sldId id="1278" r:id="rId20"/>
     <p:sldId id="1274" r:id="rId21"/>
-    <p:sldId id="1263" r:id="rId22"/>
-    <p:sldId id="304" r:id="rId23"/>
-    <p:sldId id="1255" r:id="rId24"/>
+    <p:sldId id="1279" r:id="rId22"/>
+    <p:sldId id="1263" r:id="rId23"/>
+    <p:sldId id="1281" r:id="rId24"/>
+    <p:sldId id="1280" r:id="rId25"/>
+    <p:sldId id="1255" r:id="rId26"/>
   </p:sldIdLst>
   <p:sldSz cx="9144000" cy="5143500" type="screen16x9"/>
   <p:notesSz cx="6858000" cy="9144000"/>
   <p:embeddedFontLst>
     <p:embeddedFont>
       <p:font typeface="Arial Black" panose="020B0A04020102020204" pitchFamily="34" charset="0"/>
-      <p:bold r:id="rId27"/>
+      <p:bold r:id="rId29"/>
     </p:embeddedFont>
     <p:embeddedFont>
       <p:font typeface="Century Gothic" panose="020B0502020202020204" pitchFamily="34" charset="0"/>
-      <p:regular r:id="rId27"/>
-      <p:bold r:id="rId27"/>
-      <p:italic r:id="rId27"/>
-      <p:boldItalic r:id="rId27"/>
+      <p:regular r:id="rId29"/>
+      <p:bold r:id="rId29"/>
+      <p:italic r:id="rId29"/>
+      <p:boldItalic r:id="rId29"/>
     </p:embeddedFont>
     <p:embeddedFont>
       <p:font typeface="Montserrat" panose="00000500000000000000" pitchFamily="2" charset="0"/>
-      <p:regular r:id="rId28"/>
-      <p:bold r:id="rId29"/>
-      <p:italic r:id="rId30"/>
-      <p:boldItalic r:id="rId31"/>
+      <p:regular r:id="rId30"/>
+      <p:bold r:id="rId31"/>
+      <p:italic r:id="rId32"/>
+      <p:boldItalic r:id="rId33"/>
     </p:embeddedFont>
     <p:embeddedFont>
       <p:font typeface="Montserrat ExtraBold" panose="00000900000000000000" pitchFamily="2" charset="0"/>
-      <p:bold r:id="rId27"/>
-      <p:boldItalic r:id="rId27"/>
+      <p:bold r:id="rId29"/>
+      <p:boldItalic r:id="rId29"/>
     </p:embeddedFont>
     <p:embeddedFont>
       <p:font typeface="Raleway Medium" pitchFamily="2" charset="0"/>
-      <p:regular r:id="rId32"/>
-      <p:italic r:id="rId33"/>
+      <p:regular r:id="rId34"/>
+      <p:italic r:id="rId35"/>
     </p:embeddedFont>
     <p:embeddedFont>
       <p:font typeface="Ramabhadra"/>
-      <p:regular r:id="rId27"/>
+      <p:regular r:id="rId29"/>
     </p:embeddedFont>
   </p:embeddedFontLst>
   <p:defaultTextStyle>
@@ -421,7 +423,7 @@
           <a:p>
             <a:fld id="{4A3B785F-1BCE-1A46-9CAA-77ACC7103834}" type="datetimeFigureOut">
               <a:rPr lang="es-ES" smtClean="0"/>
-              <a:t>14/02/2023</a:t>
+              <a:t>16/02/2023</a:t>
             </a:fld>
             <a:endParaRPr lang="es-ES" dirty="0"/>
           </a:p>
@@ -2025,14 +2027,14 @@
               </a:spcAft>
               <a:buNone/>
             </a:pPr>
-            <a:endParaRPr/>
+            <a:endParaRPr dirty="0"/>
           </a:p>
         </p:txBody>
       </p:sp>
     </p:spTree>
     <p:extLst>
       <p:ext uri="{BB962C8B-B14F-4D97-AF65-F5344CB8AC3E}">
-        <p14:creationId xmlns:p14="http://schemas.microsoft.com/office/powerpoint/2010/main" val="537281798"/>
+        <p14:creationId xmlns:p14="http://schemas.microsoft.com/office/powerpoint/2010/main" val="96156599"/>
       </p:ext>
     </p:extLst>
   </p:cSld>
@@ -2047,7 +2049,7 @@
   <p:cSld>
     <p:spTree>
       <p:nvGrpSpPr>
-        <p:cNvPr id="1" name="Shape 1175"/>
+        <p:cNvPr id="1" name="Shape 350"/>
         <p:cNvGrpSpPr/>
         <p:nvPr/>
       </p:nvGrpSpPr>
@@ -2061,7 +2063,7 @@
       </p:grpSpPr>
       <p:sp>
         <p:nvSpPr>
-          <p:cNvPr id="1176" name="Google Shape;1176;geb856e698b_1_9358:notes"/>
+          <p:cNvPr id="351" name="Google Shape;351;gec13231a95_0_22:notes"/>
           <p:cNvSpPr>
             <a:spLocks noGrp="1" noRot="1" noChangeAspect="1"/>
           </p:cNvSpPr>
@@ -2102,7 +2104,7 @@
       </p:sp>
       <p:sp>
         <p:nvSpPr>
-          <p:cNvPr id="1177" name="Google Shape;1177;geb856e698b_1_9358:notes"/>
+          <p:cNvPr id="352" name="Google Shape;352;gec13231a95_0_22:notes"/>
           <p:cNvSpPr txBox="1">
             <a:spLocks noGrp="1"/>
           </p:cNvSpPr>
@@ -2134,11 +2136,16 @@
               </a:spcAft>
               <a:buNone/>
             </a:pPr>
-            <a:endParaRPr dirty="0"/>
+            <a:endParaRPr/>
           </a:p>
         </p:txBody>
       </p:sp>
     </p:spTree>
+    <p:extLst>
+      <p:ext uri="{BB962C8B-B14F-4D97-AF65-F5344CB8AC3E}">
+        <p14:creationId xmlns:p14="http://schemas.microsoft.com/office/powerpoint/2010/main" val="537281798"/>
+      </p:ext>
+    </p:extLst>
   </p:cSld>
   <p:clrMapOvr>
     <a:masterClrMapping/>
@@ -2256,6 +2263,224 @@
 </file>
 
 <file path=ppt/notesSlides/notesSlide20.xml><?xml version="1.0" encoding="utf-8"?>
+<p:notes xmlns:a="http://schemas.openxmlformats.org/drawingml/2006/main" xmlns:r="http://schemas.openxmlformats.org/officeDocument/2006/relationships" xmlns:p="http://schemas.openxmlformats.org/presentationml/2006/main" showMasterSp="0" showMasterPhAnim="0">
+  <p:cSld>
+    <p:spTree>
+      <p:nvGrpSpPr>
+        <p:cNvPr id="1" name="Shape 350"/>
+        <p:cNvGrpSpPr/>
+        <p:nvPr/>
+      </p:nvGrpSpPr>
+      <p:grpSpPr>
+        <a:xfrm>
+          <a:off x="0" y="0"/>
+          <a:ext cx="0" cy="0"/>
+          <a:chOff x="0" y="0"/>
+          <a:chExt cx="0" cy="0"/>
+        </a:xfrm>
+      </p:grpSpPr>
+      <p:sp>
+        <p:nvSpPr>
+          <p:cNvPr id="351" name="Google Shape;351;gec13231a95_0_22:notes"/>
+          <p:cNvSpPr>
+            <a:spLocks noGrp="1" noRot="1" noChangeAspect="1"/>
+          </p:cNvSpPr>
+          <p:nvPr>
+            <p:ph type="sldImg" idx="2"/>
+          </p:nvPr>
+        </p:nvSpPr>
+        <p:spPr>
+          <a:xfrm>
+            <a:off x="381000" y="685800"/>
+            <a:ext cx="6096000" cy="3429000"/>
+          </a:xfrm>
+          <a:custGeom>
+            <a:avLst/>
+            <a:gdLst/>
+            <a:ahLst/>
+            <a:cxnLst/>
+            <a:rect l="l" t="t" r="r" b="b"/>
+            <a:pathLst>
+              <a:path w="120000" h="120000" extrusionOk="0">
+                <a:moveTo>
+                  <a:pt x="0" y="0"/>
+                </a:moveTo>
+                <a:lnTo>
+                  <a:pt x="120000" y="0"/>
+                </a:lnTo>
+                <a:lnTo>
+                  <a:pt x="120000" y="120000"/>
+                </a:lnTo>
+                <a:lnTo>
+                  <a:pt x="0" y="120000"/>
+                </a:lnTo>
+                <a:close/>
+              </a:path>
+            </a:pathLst>
+          </a:custGeom>
+        </p:spPr>
+      </p:sp>
+      <p:sp>
+        <p:nvSpPr>
+          <p:cNvPr id="352" name="Google Shape;352;gec13231a95_0_22:notes"/>
+          <p:cNvSpPr txBox="1">
+            <a:spLocks noGrp="1"/>
+          </p:cNvSpPr>
+          <p:nvPr>
+            <p:ph type="body" idx="1"/>
+          </p:nvPr>
+        </p:nvSpPr>
+        <p:spPr>
+          <a:xfrm>
+            <a:off x="685800" y="4343400"/>
+            <a:ext cx="5486400" cy="4114800"/>
+          </a:xfrm>
+          <a:prstGeom prst="rect">
+            <a:avLst/>
+          </a:prstGeom>
+        </p:spPr>
+        <p:txBody>
+          <a:bodyPr spcFirstLastPara="1" wrap="square" lIns="91425" tIns="91425" rIns="91425" bIns="91425" anchor="t" anchorCtr="0">
+            <a:noAutofit/>
+          </a:bodyPr>
+          <a:lstStyle/>
+          <a:p>
+            <a:pPr marL="0" lvl="0" indent="0" algn="l" rtl="0">
+              <a:spcBef>
+                <a:spcPts val="0"/>
+              </a:spcBef>
+              <a:spcAft>
+                <a:spcPts val="0"/>
+              </a:spcAft>
+              <a:buNone/>
+            </a:pPr>
+            <a:endParaRPr dirty="0"/>
+          </a:p>
+        </p:txBody>
+      </p:sp>
+    </p:spTree>
+    <p:extLst>
+      <p:ext uri="{BB962C8B-B14F-4D97-AF65-F5344CB8AC3E}">
+        <p14:creationId xmlns:p14="http://schemas.microsoft.com/office/powerpoint/2010/main" val="2078952649"/>
+      </p:ext>
+    </p:extLst>
+  </p:cSld>
+  <p:clrMapOvr>
+    <a:masterClrMapping/>
+  </p:clrMapOvr>
+</p:notes>
+</file>
+
+<file path=ppt/notesSlides/notesSlide21.xml><?xml version="1.0" encoding="utf-8"?>
+<p:notes xmlns:a="http://schemas.openxmlformats.org/drawingml/2006/main" xmlns:r="http://schemas.openxmlformats.org/officeDocument/2006/relationships" xmlns:p="http://schemas.openxmlformats.org/presentationml/2006/main" showMasterSp="0" showMasterPhAnim="0">
+  <p:cSld>
+    <p:spTree>
+      <p:nvGrpSpPr>
+        <p:cNvPr id="1" name="Shape 350"/>
+        <p:cNvGrpSpPr/>
+        <p:nvPr/>
+      </p:nvGrpSpPr>
+      <p:grpSpPr>
+        <a:xfrm>
+          <a:off x="0" y="0"/>
+          <a:ext cx="0" cy="0"/>
+          <a:chOff x="0" y="0"/>
+          <a:chExt cx="0" cy="0"/>
+        </a:xfrm>
+      </p:grpSpPr>
+      <p:sp>
+        <p:nvSpPr>
+          <p:cNvPr id="351" name="Google Shape;351;gec13231a95_0_22:notes"/>
+          <p:cNvSpPr>
+            <a:spLocks noGrp="1" noRot="1" noChangeAspect="1"/>
+          </p:cNvSpPr>
+          <p:nvPr>
+            <p:ph type="sldImg" idx="2"/>
+          </p:nvPr>
+        </p:nvSpPr>
+        <p:spPr>
+          <a:xfrm>
+            <a:off x="381000" y="685800"/>
+            <a:ext cx="6096000" cy="3429000"/>
+          </a:xfrm>
+          <a:custGeom>
+            <a:avLst/>
+            <a:gdLst/>
+            <a:ahLst/>
+            <a:cxnLst/>
+            <a:rect l="l" t="t" r="r" b="b"/>
+            <a:pathLst>
+              <a:path w="120000" h="120000" extrusionOk="0">
+                <a:moveTo>
+                  <a:pt x="0" y="0"/>
+                </a:moveTo>
+                <a:lnTo>
+                  <a:pt x="120000" y="0"/>
+                </a:lnTo>
+                <a:lnTo>
+                  <a:pt x="120000" y="120000"/>
+                </a:lnTo>
+                <a:lnTo>
+                  <a:pt x="0" y="120000"/>
+                </a:lnTo>
+                <a:close/>
+              </a:path>
+            </a:pathLst>
+          </a:custGeom>
+        </p:spPr>
+      </p:sp>
+      <p:sp>
+        <p:nvSpPr>
+          <p:cNvPr id="352" name="Google Shape;352;gec13231a95_0_22:notes"/>
+          <p:cNvSpPr txBox="1">
+            <a:spLocks noGrp="1"/>
+          </p:cNvSpPr>
+          <p:nvPr>
+            <p:ph type="body" idx="1"/>
+          </p:nvPr>
+        </p:nvSpPr>
+        <p:spPr>
+          <a:xfrm>
+            <a:off x="685800" y="4343400"/>
+            <a:ext cx="5486400" cy="4114800"/>
+          </a:xfrm>
+          <a:prstGeom prst="rect">
+            <a:avLst/>
+          </a:prstGeom>
+        </p:spPr>
+        <p:txBody>
+          <a:bodyPr spcFirstLastPara="1" wrap="square" lIns="91425" tIns="91425" rIns="91425" bIns="91425" anchor="t" anchorCtr="0">
+            <a:noAutofit/>
+          </a:bodyPr>
+          <a:lstStyle/>
+          <a:p>
+            <a:pPr marL="0" lvl="0" indent="0" algn="l" rtl="0">
+              <a:spcBef>
+                <a:spcPts val="0"/>
+              </a:spcBef>
+              <a:spcAft>
+                <a:spcPts val="0"/>
+              </a:spcAft>
+              <a:buNone/>
+            </a:pPr>
+            <a:endParaRPr dirty="0"/>
+          </a:p>
+        </p:txBody>
+      </p:sp>
+    </p:spTree>
+    <p:extLst>
+      <p:ext uri="{BB962C8B-B14F-4D97-AF65-F5344CB8AC3E}">
+        <p14:creationId xmlns:p14="http://schemas.microsoft.com/office/powerpoint/2010/main" val="25386803"/>
+      </p:ext>
+    </p:extLst>
+  </p:cSld>
+  <p:clrMapOvr>
+    <a:masterClrMapping/>
+  </p:clrMapOvr>
+</p:notes>
+</file>
+
+<file path=ppt/notesSlides/notesSlide22.xml><?xml version="1.0" encoding="utf-8"?>
 <p:notes xmlns:a="http://schemas.openxmlformats.org/drawingml/2006/main" xmlns:r="http://schemas.openxmlformats.org/officeDocument/2006/relationships" xmlns:p="http://schemas.openxmlformats.org/presentationml/2006/main" showMasterSp="0" showMasterPhAnim="0">
   <p:cSld>
     <p:spTree>
@@ -4795,455 +5020,6 @@
 </file>
 
 <file path=ppt/slideLayouts/slideLayout10.xml><?xml version="1.0" encoding="utf-8"?>
-<p:sldLayout xmlns:a="http://schemas.openxmlformats.org/drawingml/2006/main" xmlns:r="http://schemas.openxmlformats.org/officeDocument/2006/relationships" xmlns:p="http://schemas.openxmlformats.org/presentationml/2006/main" matchingName="Big number">
-  <p:cSld name="BIG_NUMBER">
-    <p:bg>
-      <p:bgPr>
-        <a:solidFill>
-          <a:srgbClr val="007399"/>
-        </a:solidFill>
-        <a:effectLst/>
-      </p:bgPr>
-    </p:bg>
-    <p:spTree>
-      <p:nvGrpSpPr>
-        <p:cNvPr id="1" name="Shape 71"/>
-        <p:cNvGrpSpPr/>
-        <p:nvPr/>
-      </p:nvGrpSpPr>
-      <p:grpSpPr>
-        <a:xfrm>
-          <a:off x="0" y="0"/>
-          <a:ext cx="0" cy="0"/>
-          <a:chOff x="0" y="0"/>
-          <a:chExt cx="0" cy="0"/>
-        </a:xfrm>
-      </p:grpSpPr>
-      <p:sp>
-        <p:nvSpPr>
-          <p:cNvPr id="79" name="Google Shape;79;p11"/>
-          <p:cNvSpPr txBox="1">
-            <a:spLocks noGrp="1"/>
-          </p:cNvSpPr>
-          <p:nvPr>
-            <p:ph type="title" hasCustomPrompt="1"/>
-          </p:nvPr>
-        </p:nvSpPr>
-        <p:spPr>
-          <a:xfrm>
-            <a:off x="1284000" y="1688913"/>
-            <a:ext cx="6576000" cy="1511100"/>
-          </a:xfrm>
-          <a:prstGeom prst="rect">
-            <a:avLst/>
-          </a:prstGeom>
-        </p:spPr>
-        <p:txBody>
-          <a:bodyPr spcFirstLastPara="1" wrap="square" lIns="91425" tIns="91425" rIns="91425" bIns="91425" anchor="b" anchorCtr="0">
-            <a:noAutofit/>
-          </a:bodyPr>
-          <a:lstStyle>
-            <a:lvl1pPr lvl="0" algn="ctr">
-              <a:spcBef>
-                <a:spcPts val="0"/>
-              </a:spcBef>
-              <a:spcAft>
-                <a:spcPts val="0"/>
-              </a:spcAft>
-              <a:buClr>
-                <a:schemeClr val="dk2"/>
-              </a:buClr>
-              <a:buSzPts val="9600"/>
-              <a:buNone/>
-              <a:defRPr sz="9600" b="1">
-                <a:solidFill>
-                  <a:schemeClr val="dk2"/>
-                </a:solidFill>
-                <a:latin typeface="Century Gothic" panose="020B0502020202020204" pitchFamily="34" charset="0"/>
-              </a:defRPr>
-            </a:lvl1pPr>
-            <a:lvl2pPr lvl="1" algn="ctr">
-              <a:spcBef>
-                <a:spcPts val="0"/>
-              </a:spcBef>
-              <a:spcAft>
-                <a:spcPts val="0"/>
-              </a:spcAft>
-              <a:buClr>
-                <a:schemeClr val="dk2"/>
-              </a:buClr>
-              <a:buSzPts val="9600"/>
-              <a:buNone/>
-              <a:defRPr sz="9600">
-                <a:solidFill>
-                  <a:schemeClr val="dk2"/>
-                </a:solidFill>
-              </a:defRPr>
-            </a:lvl2pPr>
-            <a:lvl3pPr lvl="2" algn="ctr">
-              <a:spcBef>
-                <a:spcPts val="0"/>
-              </a:spcBef>
-              <a:spcAft>
-                <a:spcPts val="0"/>
-              </a:spcAft>
-              <a:buClr>
-                <a:schemeClr val="dk2"/>
-              </a:buClr>
-              <a:buSzPts val="9600"/>
-              <a:buNone/>
-              <a:defRPr sz="9600">
-                <a:solidFill>
-                  <a:schemeClr val="dk2"/>
-                </a:solidFill>
-              </a:defRPr>
-            </a:lvl3pPr>
-            <a:lvl4pPr lvl="3" algn="ctr">
-              <a:spcBef>
-                <a:spcPts val="0"/>
-              </a:spcBef>
-              <a:spcAft>
-                <a:spcPts val="0"/>
-              </a:spcAft>
-              <a:buClr>
-                <a:schemeClr val="dk2"/>
-              </a:buClr>
-              <a:buSzPts val="9600"/>
-              <a:buNone/>
-              <a:defRPr sz="9600">
-                <a:solidFill>
-                  <a:schemeClr val="dk2"/>
-                </a:solidFill>
-              </a:defRPr>
-            </a:lvl4pPr>
-            <a:lvl5pPr lvl="4" algn="ctr">
-              <a:spcBef>
-                <a:spcPts val="0"/>
-              </a:spcBef>
-              <a:spcAft>
-                <a:spcPts val="0"/>
-              </a:spcAft>
-              <a:buClr>
-                <a:schemeClr val="dk2"/>
-              </a:buClr>
-              <a:buSzPts val="9600"/>
-              <a:buNone/>
-              <a:defRPr sz="9600">
-                <a:solidFill>
-                  <a:schemeClr val="dk2"/>
-                </a:solidFill>
-              </a:defRPr>
-            </a:lvl5pPr>
-            <a:lvl6pPr lvl="5" algn="ctr">
-              <a:spcBef>
-                <a:spcPts val="0"/>
-              </a:spcBef>
-              <a:spcAft>
-                <a:spcPts val="0"/>
-              </a:spcAft>
-              <a:buClr>
-                <a:schemeClr val="dk2"/>
-              </a:buClr>
-              <a:buSzPts val="9600"/>
-              <a:buNone/>
-              <a:defRPr sz="9600">
-                <a:solidFill>
-                  <a:schemeClr val="dk2"/>
-                </a:solidFill>
-              </a:defRPr>
-            </a:lvl6pPr>
-            <a:lvl7pPr lvl="6" algn="ctr">
-              <a:spcBef>
-                <a:spcPts val="0"/>
-              </a:spcBef>
-              <a:spcAft>
-                <a:spcPts val="0"/>
-              </a:spcAft>
-              <a:buClr>
-                <a:schemeClr val="dk2"/>
-              </a:buClr>
-              <a:buSzPts val="9600"/>
-              <a:buNone/>
-              <a:defRPr sz="9600">
-                <a:solidFill>
-                  <a:schemeClr val="dk2"/>
-                </a:solidFill>
-              </a:defRPr>
-            </a:lvl7pPr>
-            <a:lvl8pPr lvl="7" algn="ctr">
-              <a:spcBef>
-                <a:spcPts val="0"/>
-              </a:spcBef>
-              <a:spcAft>
-                <a:spcPts val="0"/>
-              </a:spcAft>
-              <a:buClr>
-                <a:schemeClr val="dk2"/>
-              </a:buClr>
-              <a:buSzPts val="9600"/>
-              <a:buNone/>
-              <a:defRPr sz="9600">
-                <a:solidFill>
-                  <a:schemeClr val="dk2"/>
-                </a:solidFill>
-              </a:defRPr>
-            </a:lvl8pPr>
-            <a:lvl9pPr lvl="8" algn="ctr">
-              <a:spcBef>
-                <a:spcPts val="0"/>
-              </a:spcBef>
-              <a:spcAft>
-                <a:spcPts val="0"/>
-              </a:spcAft>
-              <a:buClr>
-                <a:schemeClr val="dk2"/>
-              </a:buClr>
-              <a:buSzPts val="9600"/>
-              <a:buNone/>
-              <a:defRPr sz="9600">
-                <a:solidFill>
-                  <a:schemeClr val="dk2"/>
-                </a:solidFill>
-              </a:defRPr>
-            </a:lvl9pPr>
-          </a:lstStyle>
-          <a:p>
-            <a:r>
-              <a:rPr dirty="0"/>
-              <a:t>xx%</a:t>
-            </a:r>
-          </a:p>
-        </p:txBody>
-      </p:sp>
-      <p:sp>
-        <p:nvSpPr>
-          <p:cNvPr id="80" name="Google Shape;80;p11"/>
-          <p:cNvSpPr txBox="1">
-            <a:spLocks noGrp="1"/>
-          </p:cNvSpPr>
-          <p:nvPr>
-            <p:ph type="subTitle" idx="1"/>
-          </p:nvPr>
-        </p:nvSpPr>
-        <p:spPr>
-          <a:xfrm>
-            <a:off x="1284000" y="3158488"/>
-            <a:ext cx="6576000" cy="296100"/>
-          </a:xfrm>
-          <a:prstGeom prst="rect">
-            <a:avLst/>
-          </a:prstGeom>
-        </p:spPr>
-        <p:txBody>
-          <a:bodyPr spcFirstLastPara="1" wrap="square" lIns="91425" tIns="91425" rIns="91425" bIns="91425" anchor="ctr" anchorCtr="0">
-            <a:noAutofit/>
-          </a:bodyPr>
-          <a:lstStyle>
-            <a:lvl1pPr lvl="0" algn="ctr" rtl="0">
-              <a:lnSpc>
-                <a:spcPct val="100000"/>
-              </a:lnSpc>
-              <a:spcBef>
-                <a:spcPts val="0"/>
-              </a:spcBef>
-              <a:spcAft>
-                <a:spcPts val="0"/>
-              </a:spcAft>
-              <a:buClr>
-                <a:schemeClr val="dk2"/>
-              </a:buClr>
-              <a:buSzPts val="1600"/>
-              <a:buNone/>
-              <a:defRPr sz="1600" b="1">
-                <a:solidFill>
-                  <a:schemeClr val="dk2"/>
-                </a:solidFill>
-                <a:latin typeface="Century Gothic" panose="020B0502020202020204" pitchFamily="34" charset="0"/>
-              </a:defRPr>
-            </a:lvl1pPr>
-            <a:lvl2pPr lvl="1" algn="ctr" rtl="0">
-              <a:lnSpc>
-                <a:spcPct val="100000"/>
-              </a:lnSpc>
-              <a:spcBef>
-                <a:spcPts val="0"/>
-              </a:spcBef>
-              <a:spcAft>
-                <a:spcPts val="0"/>
-              </a:spcAft>
-              <a:buClr>
-                <a:schemeClr val="dk2"/>
-              </a:buClr>
-              <a:buSzPts val="1600"/>
-              <a:buNone/>
-              <a:defRPr sz="1600">
-                <a:solidFill>
-                  <a:schemeClr val="dk2"/>
-                </a:solidFill>
-              </a:defRPr>
-            </a:lvl2pPr>
-            <a:lvl3pPr lvl="2" algn="ctr" rtl="0">
-              <a:lnSpc>
-                <a:spcPct val="100000"/>
-              </a:lnSpc>
-              <a:spcBef>
-                <a:spcPts val="0"/>
-              </a:spcBef>
-              <a:spcAft>
-                <a:spcPts val="0"/>
-              </a:spcAft>
-              <a:buClr>
-                <a:schemeClr val="dk2"/>
-              </a:buClr>
-              <a:buSzPts val="1600"/>
-              <a:buNone/>
-              <a:defRPr sz="1600">
-                <a:solidFill>
-                  <a:schemeClr val="dk2"/>
-                </a:solidFill>
-              </a:defRPr>
-            </a:lvl3pPr>
-            <a:lvl4pPr lvl="3" algn="ctr" rtl="0">
-              <a:lnSpc>
-                <a:spcPct val="100000"/>
-              </a:lnSpc>
-              <a:spcBef>
-                <a:spcPts val="0"/>
-              </a:spcBef>
-              <a:spcAft>
-                <a:spcPts val="0"/>
-              </a:spcAft>
-              <a:buClr>
-                <a:schemeClr val="dk2"/>
-              </a:buClr>
-              <a:buSzPts val="1600"/>
-              <a:buNone/>
-              <a:defRPr sz="1600">
-                <a:solidFill>
-                  <a:schemeClr val="dk2"/>
-                </a:solidFill>
-              </a:defRPr>
-            </a:lvl4pPr>
-            <a:lvl5pPr lvl="4" algn="ctr" rtl="0">
-              <a:lnSpc>
-                <a:spcPct val="100000"/>
-              </a:lnSpc>
-              <a:spcBef>
-                <a:spcPts val="0"/>
-              </a:spcBef>
-              <a:spcAft>
-                <a:spcPts val="0"/>
-              </a:spcAft>
-              <a:buClr>
-                <a:schemeClr val="dk2"/>
-              </a:buClr>
-              <a:buSzPts val="1600"/>
-              <a:buNone/>
-              <a:defRPr sz="1600">
-                <a:solidFill>
-                  <a:schemeClr val="dk2"/>
-                </a:solidFill>
-              </a:defRPr>
-            </a:lvl5pPr>
-            <a:lvl6pPr lvl="5" algn="ctr" rtl="0">
-              <a:lnSpc>
-                <a:spcPct val="100000"/>
-              </a:lnSpc>
-              <a:spcBef>
-                <a:spcPts val="0"/>
-              </a:spcBef>
-              <a:spcAft>
-                <a:spcPts val="0"/>
-              </a:spcAft>
-              <a:buClr>
-                <a:schemeClr val="dk2"/>
-              </a:buClr>
-              <a:buSzPts val="1600"/>
-              <a:buNone/>
-              <a:defRPr sz="1600">
-                <a:solidFill>
-                  <a:schemeClr val="dk2"/>
-                </a:solidFill>
-              </a:defRPr>
-            </a:lvl6pPr>
-            <a:lvl7pPr lvl="6" algn="ctr" rtl="0">
-              <a:lnSpc>
-                <a:spcPct val="100000"/>
-              </a:lnSpc>
-              <a:spcBef>
-                <a:spcPts val="0"/>
-              </a:spcBef>
-              <a:spcAft>
-                <a:spcPts val="0"/>
-              </a:spcAft>
-              <a:buClr>
-                <a:schemeClr val="dk2"/>
-              </a:buClr>
-              <a:buSzPts val="1600"/>
-              <a:buNone/>
-              <a:defRPr sz="1600">
-                <a:solidFill>
-                  <a:schemeClr val="dk2"/>
-                </a:solidFill>
-              </a:defRPr>
-            </a:lvl7pPr>
-            <a:lvl8pPr lvl="7" algn="ctr" rtl="0">
-              <a:lnSpc>
-                <a:spcPct val="100000"/>
-              </a:lnSpc>
-              <a:spcBef>
-                <a:spcPts val="0"/>
-              </a:spcBef>
-              <a:spcAft>
-                <a:spcPts val="0"/>
-              </a:spcAft>
-              <a:buClr>
-                <a:schemeClr val="dk2"/>
-              </a:buClr>
-              <a:buSzPts val="1600"/>
-              <a:buNone/>
-              <a:defRPr sz="1600">
-                <a:solidFill>
-                  <a:schemeClr val="dk2"/>
-                </a:solidFill>
-              </a:defRPr>
-            </a:lvl8pPr>
-            <a:lvl9pPr lvl="8" algn="ctr" rtl="0">
-              <a:lnSpc>
-                <a:spcPct val="100000"/>
-              </a:lnSpc>
-              <a:spcBef>
-                <a:spcPts val="0"/>
-              </a:spcBef>
-              <a:spcAft>
-                <a:spcPts val="0"/>
-              </a:spcAft>
-              <a:buClr>
-                <a:schemeClr val="dk2"/>
-              </a:buClr>
-              <a:buSzPts val="1600"/>
-              <a:buNone/>
-              <a:defRPr sz="1600">
-                <a:solidFill>
-                  <a:schemeClr val="dk2"/>
-                </a:solidFill>
-              </a:defRPr>
-            </a:lvl9pPr>
-          </a:lstStyle>
-          <a:p>
-            <a:endParaRPr dirty="0"/>
-          </a:p>
-        </p:txBody>
-      </p:sp>
-    </p:spTree>
-  </p:cSld>
-  <p:clrMapOvr>
-    <a:masterClrMapping/>
-  </p:clrMapOvr>
-</p:sldLayout>
-</file>
-
-<file path=ppt/slideLayouts/slideLayout11.xml><?xml version="1.0" encoding="utf-8"?>
 <p:sldLayout xmlns:a="http://schemas.openxmlformats.org/drawingml/2006/main" xmlns:r="http://schemas.openxmlformats.org/officeDocument/2006/relationships" xmlns:p="http://schemas.openxmlformats.org/presentationml/2006/main" matchingName="Blank" userDrawn="1">
   <p:cSld name="BLANK">
     <p:spTree>
@@ -5609,7 +5385,7 @@
 </p:sldLayout>
 </file>
 
-<file path=ppt/slideLayouts/slideLayout12.xml><?xml version="1.0" encoding="utf-8"?>
+<file path=ppt/slideLayouts/slideLayout11.xml><?xml version="1.0" encoding="utf-8"?>
 <p:sldLayout xmlns:a="http://schemas.openxmlformats.org/drawingml/2006/main" xmlns:r="http://schemas.openxmlformats.org/officeDocument/2006/relationships" xmlns:p="http://schemas.openxmlformats.org/presentationml/2006/main" matchingName="Blank" preserve="1" userDrawn="1">
   <p:cSld name="1_Blank">
     <p:spTree>
@@ -9142,8 +8918,8 @@
 </file>
 
 <file path=ppt/slideLayouts/slideLayout9.xml><?xml version="1.0" encoding="utf-8"?>
-<p:sldLayout xmlns:a="http://schemas.openxmlformats.org/drawingml/2006/main" xmlns:r="http://schemas.openxmlformats.org/officeDocument/2006/relationships" xmlns:p="http://schemas.openxmlformats.org/presentationml/2006/main" matchingName="Main point">
-  <p:cSld name="MAIN_POINT">
+<p:sldLayout xmlns:a="http://schemas.openxmlformats.org/drawingml/2006/main" xmlns:r="http://schemas.openxmlformats.org/officeDocument/2006/relationships" xmlns:p="http://schemas.openxmlformats.org/presentationml/2006/main" matchingName="Big number">
+  <p:cSld name="BIG_NUMBER">
     <p:bg>
       <p:bgPr>
         <a:solidFill>
@@ -9154,7 +8930,7 @@
     </p:bg>
     <p:spTree>
       <p:nvGrpSpPr>
-        <p:cNvPr id="1" name="Shape 53"/>
+        <p:cNvPr id="1" name="Shape 71"/>
         <p:cNvGrpSpPr/>
         <p:nvPr/>
       </p:nvGrpSpPr>
@@ -9168,18 +8944,214 @@
       </p:grpSpPr>
       <p:sp>
         <p:nvSpPr>
-          <p:cNvPr id="54" name="Google Shape;54;p8"/>
+          <p:cNvPr id="79" name="Google Shape;79;p11"/>
           <p:cNvSpPr txBox="1">
             <a:spLocks noGrp="1"/>
           </p:cNvSpPr>
           <p:nvPr>
-            <p:ph type="title"/>
+            <p:ph type="title" hasCustomPrompt="1"/>
           </p:nvPr>
         </p:nvSpPr>
         <p:spPr>
           <a:xfrm>
-            <a:off x="715050" y="1265100"/>
-            <a:ext cx="7983276" cy="2613300"/>
+            <a:off x="1284000" y="1688913"/>
+            <a:ext cx="6576000" cy="1511100"/>
+          </a:xfrm>
+          <a:prstGeom prst="rect">
+            <a:avLst/>
+          </a:prstGeom>
+        </p:spPr>
+        <p:txBody>
+          <a:bodyPr spcFirstLastPara="1" wrap="square" lIns="91425" tIns="91425" rIns="91425" bIns="91425" anchor="b" anchorCtr="0">
+            <a:noAutofit/>
+          </a:bodyPr>
+          <a:lstStyle>
+            <a:lvl1pPr lvl="0" algn="ctr">
+              <a:spcBef>
+                <a:spcPts val="0"/>
+              </a:spcBef>
+              <a:spcAft>
+                <a:spcPts val="0"/>
+              </a:spcAft>
+              <a:buClr>
+                <a:schemeClr val="dk2"/>
+              </a:buClr>
+              <a:buSzPts val="9600"/>
+              <a:buNone/>
+              <a:defRPr sz="9600" b="1">
+                <a:solidFill>
+                  <a:schemeClr val="dk2"/>
+                </a:solidFill>
+                <a:latin typeface="Century Gothic" panose="020B0502020202020204" pitchFamily="34" charset="0"/>
+              </a:defRPr>
+            </a:lvl1pPr>
+            <a:lvl2pPr lvl="1" algn="ctr">
+              <a:spcBef>
+                <a:spcPts val="0"/>
+              </a:spcBef>
+              <a:spcAft>
+                <a:spcPts val="0"/>
+              </a:spcAft>
+              <a:buClr>
+                <a:schemeClr val="dk2"/>
+              </a:buClr>
+              <a:buSzPts val="9600"/>
+              <a:buNone/>
+              <a:defRPr sz="9600">
+                <a:solidFill>
+                  <a:schemeClr val="dk2"/>
+                </a:solidFill>
+              </a:defRPr>
+            </a:lvl2pPr>
+            <a:lvl3pPr lvl="2" algn="ctr">
+              <a:spcBef>
+                <a:spcPts val="0"/>
+              </a:spcBef>
+              <a:spcAft>
+                <a:spcPts val="0"/>
+              </a:spcAft>
+              <a:buClr>
+                <a:schemeClr val="dk2"/>
+              </a:buClr>
+              <a:buSzPts val="9600"/>
+              <a:buNone/>
+              <a:defRPr sz="9600">
+                <a:solidFill>
+                  <a:schemeClr val="dk2"/>
+                </a:solidFill>
+              </a:defRPr>
+            </a:lvl3pPr>
+            <a:lvl4pPr lvl="3" algn="ctr">
+              <a:spcBef>
+                <a:spcPts val="0"/>
+              </a:spcBef>
+              <a:spcAft>
+                <a:spcPts val="0"/>
+              </a:spcAft>
+              <a:buClr>
+                <a:schemeClr val="dk2"/>
+              </a:buClr>
+              <a:buSzPts val="9600"/>
+              <a:buNone/>
+              <a:defRPr sz="9600">
+                <a:solidFill>
+                  <a:schemeClr val="dk2"/>
+                </a:solidFill>
+              </a:defRPr>
+            </a:lvl4pPr>
+            <a:lvl5pPr lvl="4" algn="ctr">
+              <a:spcBef>
+                <a:spcPts val="0"/>
+              </a:spcBef>
+              <a:spcAft>
+                <a:spcPts val="0"/>
+              </a:spcAft>
+              <a:buClr>
+                <a:schemeClr val="dk2"/>
+              </a:buClr>
+              <a:buSzPts val="9600"/>
+              <a:buNone/>
+              <a:defRPr sz="9600">
+                <a:solidFill>
+                  <a:schemeClr val="dk2"/>
+                </a:solidFill>
+              </a:defRPr>
+            </a:lvl5pPr>
+            <a:lvl6pPr lvl="5" algn="ctr">
+              <a:spcBef>
+                <a:spcPts val="0"/>
+              </a:spcBef>
+              <a:spcAft>
+                <a:spcPts val="0"/>
+              </a:spcAft>
+              <a:buClr>
+                <a:schemeClr val="dk2"/>
+              </a:buClr>
+              <a:buSzPts val="9600"/>
+              <a:buNone/>
+              <a:defRPr sz="9600">
+                <a:solidFill>
+                  <a:schemeClr val="dk2"/>
+                </a:solidFill>
+              </a:defRPr>
+            </a:lvl6pPr>
+            <a:lvl7pPr lvl="6" algn="ctr">
+              <a:spcBef>
+                <a:spcPts val="0"/>
+              </a:spcBef>
+              <a:spcAft>
+                <a:spcPts val="0"/>
+              </a:spcAft>
+              <a:buClr>
+                <a:schemeClr val="dk2"/>
+              </a:buClr>
+              <a:buSzPts val="9600"/>
+              <a:buNone/>
+              <a:defRPr sz="9600">
+                <a:solidFill>
+                  <a:schemeClr val="dk2"/>
+                </a:solidFill>
+              </a:defRPr>
+            </a:lvl7pPr>
+            <a:lvl8pPr lvl="7" algn="ctr">
+              <a:spcBef>
+                <a:spcPts val="0"/>
+              </a:spcBef>
+              <a:spcAft>
+                <a:spcPts val="0"/>
+              </a:spcAft>
+              <a:buClr>
+                <a:schemeClr val="dk2"/>
+              </a:buClr>
+              <a:buSzPts val="9600"/>
+              <a:buNone/>
+              <a:defRPr sz="9600">
+                <a:solidFill>
+                  <a:schemeClr val="dk2"/>
+                </a:solidFill>
+              </a:defRPr>
+            </a:lvl8pPr>
+            <a:lvl9pPr lvl="8" algn="ctr">
+              <a:spcBef>
+                <a:spcPts val="0"/>
+              </a:spcBef>
+              <a:spcAft>
+                <a:spcPts val="0"/>
+              </a:spcAft>
+              <a:buClr>
+                <a:schemeClr val="dk2"/>
+              </a:buClr>
+              <a:buSzPts val="9600"/>
+              <a:buNone/>
+              <a:defRPr sz="9600">
+                <a:solidFill>
+                  <a:schemeClr val="dk2"/>
+                </a:solidFill>
+              </a:defRPr>
+            </a:lvl9pPr>
+          </a:lstStyle>
+          <a:p>
+            <a:r>
+              <a:rPr dirty="0"/>
+              <a:t>xx%</a:t>
+            </a:r>
+          </a:p>
+        </p:txBody>
+      </p:sp>
+      <p:sp>
+        <p:nvSpPr>
+          <p:cNvPr id="80" name="Google Shape;80;p11"/>
+          <p:cNvSpPr txBox="1">
+            <a:spLocks noGrp="1"/>
+          </p:cNvSpPr>
+          <p:nvPr>
+            <p:ph type="subTitle" idx="1"/>
+          </p:nvPr>
+        </p:nvSpPr>
+        <p:spPr>
+          <a:xfrm>
+            <a:off x="1284000" y="3158488"/>
+            <a:ext cx="6576000" cy="296100"/>
           </a:xfrm>
           <a:prstGeom prst="rect">
             <a:avLst/>
@@ -9190,109 +9162,195 @@
             <a:noAutofit/>
           </a:bodyPr>
           <a:lstStyle>
-            <a:lvl1pPr lvl="0">
-              <a:spcBef>
-                <a:spcPts val="0"/>
-              </a:spcBef>
-              <a:spcAft>
-                <a:spcPts val="0"/>
-              </a:spcAft>
-              <a:buSzPts val="6000"/>
-              <a:buNone/>
-              <a:defRPr sz="4800" b="1" i="0">
-                <a:solidFill>
-                  <a:schemeClr val="lt1"/>
+            <a:lvl1pPr lvl="0" algn="ctr" rtl="0">
+              <a:lnSpc>
+                <a:spcPct val="100000"/>
+              </a:lnSpc>
+              <a:spcBef>
+                <a:spcPts val="0"/>
+              </a:spcBef>
+              <a:spcAft>
+                <a:spcPts val="0"/>
+              </a:spcAft>
+              <a:buClr>
+                <a:schemeClr val="dk2"/>
+              </a:buClr>
+              <a:buSzPts val="1600"/>
+              <a:buNone/>
+              <a:defRPr sz="1600" b="1">
+                <a:solidFill>
+                  <a:schemeClr val="dk2"/>
                 </a:solidFill>
                 <a:latin typeface="Century Gothic" panose="020B0502020202020204" pitchFamily="34" charset="0"/>
               </a:defRPr>
             </a:lvl1pPr>
-            <a:lvl2pPr lvl="1">
-              <a:spcBef>
-                <a:spcPts val="0"/>
-              </a:spcBef>
-              <a:spcAft>
-                <a:spcPts val="0"/>
-              </a:spcAft>
-              <a:buSzPts val="6000"/>
-              <a:buNone/>
-              <a:defRPr sz="6000"/>
+            <a:lvl2pPr lvl="1" algn="ctr" rtl="0">
+              <a:lnSpc>
+                <a:spcPct val="100000"/>
+              </a:lnSpc>
+              <a:spcBef>
+                <a:spcPts val="0"/>
+              </a:spcBef>
+              <a:spcAft>
+                <a:spcPts val="0"/>
+              </a:spcAft>
+              <a:buClr>
+                <a:schemeClr val="dk2"/>
+              </a:buClr>
+              <a:buSzPts val="1600"/>
+              <a:buNone/>
+              <a:defRPr sz="1600">
+                <a:solidFill>
+                  <a:schemeClr val="dk2"/>
+                </a:solidFill>
+              </a:defRPr>
             </a:lvl2pPr>
-            <a:lvl3pPr lvl="2">
-              <a:spcBef>
-                <a:spcPts val="0"/>
-              </a:spcBef>
-              <a:spcAft>
-                <a:spcPts val="0"/>
-              </a:spcAft>
-              <a:buSzPts val="6000"/>
-              <a:buNone/>
-              <a:defRPr sz="6000"/>
+            <a:lvl3pPr lvl="2" algn="ctr" rtl="0">
+              <a:lnSpc>
+                <a:spcPct val="100000"/>
+              </a:lnSpc>
+              <a:spcBef>
+                <a:spcPts val="0"/>
+              </a:spcBef>
+              <a:spcAft>
+                <a:spcPts val="0"/>
+              </a:spcAft>
+              <a:buClr>
+                <a:schemeClr val="dk2"/>
+              </a:buClr>
+              <a:buSzPts val="1600"/>
+              <a:buNone/>
+              <a:defRPr sz="1600">
+                <a:solidFill>
+                  <a:schemeClr val="dk2"/>
+                </a:solidFill>
+              </a:defRPr>
             </a:lvl3pPr>
-            <a:lvl4pPr lvl="3">
-              <a:spcBef>
-                <a:spcPts val="0"/>
-              </a:spcBef>
-              <a:spcAft>
-                <a:spcPts val="0"/>
-              </a:spcAft>
-              <a:buSzPts val="6000"/>
-              <a:buNone/>
-              <a:defRPr sz="6000"/>
+            <a:lvl4pPr lvl="3" algn="ctr" rtl="0">
+              <a:lnSpc>
+                <a:spcPct val="100000"/>
+              </a:lnSpc>
+              <a:spcBef>
+                <a:spcPts val="0"/>
+              </a:spcBef>
+              <a:spcAft>
+                <a:spcPts val="0"/>
+              </a:spcAft>
+              <a:buClr>
+                <a:schemeClr val="dk2"/>
+              </a:buClr>
+              <a:buSzPts val="1600"/>
+              <a:buNone/>
+              <a:defRPr sz="1600">
+                <a:solidFill>
+                  <a:schemeClr val="dk2"/>
+                </a:solidFill>
+              </a:defRPr>
             </a:lvl4pPr>
-            <a:lvl5pPr lvl="4">
-              <a:spcBef>
-                <a:spcPts val="0"/>
-              </a:spcBef>
-              <a:spcAft>
-                <a:spcPts val="0"/>
-              </a:spcAft>
-              <a:buSzPts val="6000"/>
-              <a:buNone/>
-              <a:defRPr sz="6000"/>
+            <a:lvl5pPr lvl="4" algn="ctr" rtl="0">
+              <a:lnSpc>
+                <a:spcPct val="100000"/>
+              </a:lnSpc>
+              <a:spcBef>
+                <a:spcPts val="0"/>
+              </a:spcBef>
+              <a:spcAft>
+                <a:spcPts val="0"/>
+              </a:spcAft>
+              <a:buClr>
+                <a:schemeClr val="dk2"/>
+              </a:buClr>
+              <a:buSzPts val="1600"/>
+              <a:buNone/>
+              <a:defRPr sz="1600">
+                <a:solidFill>
+                  <a:schemeClr val="dk2"/>
+                </a:solidFill>
+              </a:defRPr>
             </a:lvl5pPr>
-            <a:lvl6pPr lvl="5">
-              <a:spcBef>
-                <a:spcPts val="0"/>
-              </a:spcBef>
-              <a:spcAft>
-                <a:spcPts val="0"/>
-              </a:spcAft>
-              <a:buSzPts val="6000"/>
-              <a:buNone/>
-              <a:defRPr sz="6000"/>
+            <a:lvl6pPr lvl="5" algn="ctr" rtl="0">
+              <a:lnSpc>
+                <a:spcPct val="100000"/>
+              </a:lnSpc>
+              <a:spcBef>
+                <a:spcPts val="0"/>
+              </a:spcBef>
+              <a:spcAft>
+                <a:spcPts val="0"/>
+              </a:spcAft>
+              <a:buClr>
+                <a:schemeClr val="dk2"/>
+              </a:buClr>
+              <a:buSzPts val="1600"/>
+              <a:buNone/>
+              <a:defRPr sz="1600">
+                <a:solidFill>
+                  <a:schemeClr val="dk2"/>
+                </a:solidFill>
+              </a:defRPr>
             </a:lvl6pPr>
-            <a:lvl7pPr lvl="6">
-              <a:spcBef>
-                <a:spcPts val="0"/>
-              </a:spcBef>
-              <a:spcAft>
-                <a:spcPts val="0"/>
-              </a:spcAft>
-              <a:buSzPts val="6000"/>
-              <a:buNone/>
-              <a:defRPr sz="6000"/>
+            <a:lvl7pPr lvl="6" algn="ctr" rtl="0">
+              <a:lnSpc>
+                <a:spcPct val="100000"/>
+              </a:lnSpc>
+              <a:spcBef>
+                <a:spcPts val="0"/>
+              </a:spcBef>
+              <a:spcAft>
+                <a:spcPts val="0"/>
+              </a:spcAft>
+              <a:buClr>
+                <a:schemeClr val="dk2"/>
+              </a:buClr>
+              <a:buSzPts val="1600"/>
+              <a:buNone/>
+              <a:defRPr sz="1600">
+                <a:solidFill>
+                  <a:schemeClr val="dk2"/>
+                </a:solidFill>
+              </a:defRPr>
             </a:lvl7pPr>
-            <a:lvl8pPr lvl="7">
-              <a:spcBef>
-                <a:spcPts val="0"/>
-              </a:spcBef>
-              <a:spcAft>
-                <a:spcPts val="0"/>
-              </a:spcAft>
-              <a:buSzPts val="6000"/>
-              <a:buNone/>
-              <a:defRPr sz="6000"/>
+            <a:lvl8pPr lvl="7" algn="ctr" rtl="0">
+              <a:lnSpc>
+                <a:spcPct val="100000"/>
+              </a:lnSpc>
+              <a:spcBef>
+                <a:spcPts val="0"/>
+              </a:spcBef>
+              <a:spcAft>
+                <a:spcPts val="0"/>
+              </a:spcAft>
+              <a:buClr>
+                <a:schemeClr val="dk2"/>
+              </a:buClr>
+              <a:buSzPts val="1600"/>
+              <a:buNone/>
+              <a:defRPr sz="1600">
+                <a:solidFill>
+                  <a:schemeClr val="dk2"/>
+                </a:solidFill>
+              </a:defRPr>
             </a:lvl8pPr>
-            <a:lvl9pPr lvl="8">
-              <a:spcBef>
-                <a:spcPts val="0"/>
-              </a:spcBef>
-              <a:spcAft>
-                <a:spcPts val="0"/>
-              </a:spcAft>
-              <a:buSzPts val="6000"/>
-              <a:buNone/>
-              <a:defRPr sz="6000"/>
+            <a:lvl9pPr lvl="8" algn="ctr" rtl="0">
+              <a:lnSpc>
+                <a:spcPct val="100000"/>
+              </a:lnSpc>
+              <a:spcBef>
+                <a:spcPts val="0"/>
+              </a:spcBef>
+              <a:spcAft>
+                <a:spcPts val="0"/>
+              </a:spcAft>
+              <a:buClr>
+                <a:schemeClr val="dk2"/>
+              </a:buClr>
+              <a:buSzPts val="1600"/>
+              <a:buNone/>
+              <a:defRPr sz="1600">
+                <a:solidFill>
+                  <a:schemeClr val="dk2"/>
+                </a:solidFill>
+              </a:defRPr>
             </a:lvl9pPr>
           </a:lstStyle>
           <a:p>
@@ -9300,35 +9358,6 @@
           </a:p>
         </p:txBody>
       </p:sp>
-      <p:pic>
-        <p:nvPicPr>
-          <p:cNvPr id="4" name="Imagen 3">
-            <a:extLst>
-              <a:ext uri="{FF2B5EF4-FFF2-40B4-BE49-F238E27FC236}">
-                <a16:creationId xmlns:a16="http://schemas.microsoft.com/office/drawing/2014/main" id="{B1BBF81C-6339-0145-88FB-C7DCA1DD2BDA}"/>
-              </a:ext>
-            </a:extLst>
-          </p:cNvPr>
-          <p:cNvPicPr>
-            <a:picLocks noChangeAspect="1"/>
-          </p:cNvPicPr>
-          <p:nvPr userDrawn="1"/>
-        </p:nvPicPr>
-        <p:blipFill>
-          <a:blip r:embed="rId2"/>
-          <a:srcRect t="19195" b="19195"/>
-          <a:stretch/>
-        </p:blipFill>
-        <p:spPr>
-          <a:xfrm>
-            <a:off x="7952891" y="78745"/>
-            <a:ext cx="1092146" cy="448574"/>
-          </a:xfrm>
-          <a:prstGeom prst="rect">
-            <a:avLst/>
-          </a:prstGeom>
-        </p:spPr>
-      </p:pic>
     </p:spTree>
   </p:cSld>
   <p:clrMapOvr>
@@ -9374,10 +9403,9 @@
     <p:sldLayoutId id="2147483682" r:id="rId6"/>
     <p:sldLayoutId id="2147483680" r:id="rId7"/>
     <p:sldLayoutId id="2147483684" r:id="rId8"/>
-    <p:sldLayoutId id="2147483654" r:id="rId9"/>
-    <p:sldLayoutId id="2147483657" r:id="rId10"/>
-    <p:sldLayoutId id="2147483658" r:id="rId11"/>
-    <p:sldLayoutId id="2147483675" r:id="rId12"/>
+    <p:sldLayoutId id="2147483657" r:id="rId9"/>
+    <p:sldLayoutId id="2147483658" r:id="rId10"/>
+    <p:sldLayoutId id="2147483675" r:id="rId11"/>
   </p:sldLayoutIdLst>
   <p:hf hdr="0" ftr="0" dt="0"/>
   <p:txStyles>
@@ -13972,21 +14000,27 @@
                 <a:ea typeface="Raleway Medium"/>
                 <a:cs typeface="Raleway Medium"/>
                 <a:sym typeface="Raleway Medium"/>
-                <a:hlinkClick r:id="rId3"/>
-              </a:rPr>
-              <a:t>https://api.my-company.com/library/boo</a:t>
-            </a:r>
-            <a:br>
-              <a:rPr lang="es-ES" dirty="0">
-                <a:solidFill>
-                  <a:srgbClr val="007399"/>
-                </a:solidFill>
-                <a:latin typeface="Raleway Medium"/>
-                <a:ea typeface="Raleway Medium"/>
-                <a:cs typeface="Raleway Medium"/>
-                <a:sym typeface="Raleway Medium"/>
-              </a:rPr>
-            </a:br>
+                <a:hlinkClick r:id="rId6"/>
+              </a:rPr>
+              <a:t>https://api.my-company.com/library/book</a:t>
+            </a:r>
+            <a:endParaRPr lang="es-ES" dirty="0">
+              <a:solidFill>
+                <a:srgbClr val="007399"/>
+              </a:solidFill>
+              <a:latin typeface="Raleway Medium"/>
+              <a:ea typeface="Raleway Medium"/>
+              <a:cs typeface="Raleway Medium"/>
+              <a:sym typeface="Raleway Medium"/>
+            </a:endParaRPr>
+          </a:p>
+          <a:p>
+            <a:pPr lvl="0">
+              <a:lnSpc>
+                <a:spcPct val="200000"/>
+              </a:lnSpc>
+              <a:buSzPts val="1100"/>
+            </a:pPr>
             <a:r>
               <a:rPr lang="es-ES" dirty="0">
                 <a:solidFill>
@@ -14050,7 +14084,7 @@
                 <a:ea typeface="Raleway Medium"/>
                 <a:cs typeface="Raleway Medium"/>
                 <a:sym typeface="Raleway Medium"/>
-                <a:hlinkClick r:id="rId6"/>
+                <a:hlinkClick r:id="rId7"/>
               </a:rPr>
               <a:t>https://api.my-company.com/library/book-reviews/{id}/books</a:t>
             </a:r>
@@ -15141,9 +15175,9 @@
                 <a:ea typeface="Raleway Medium"/>
                 <a:cs typeface="Raleway Medium"/>
                 <a:sym typeface="Raleway Medium"/>
-                <a:hlinkClick r:id="rId7"/>
-              </a:rPr>
-              <a:t>https://api.my-company.com/library/book-reviews</a:t>
+                <a:hlinkClick r:id="rId8"/>
+              </a:rPr>
+              <a:t>https://api.my-company.com/library/book-reviews/créate</a:t>
             </a:r>
             <a:r>
               <a:rPr lang="es-ES" dirty="0">
@@ -15154,10 +15188,17 @@
                 <a:ea typeface="Raleway Medium"/>
                 <a:cs typeface="Raleway Medium"/>
                 <a:sym typeface="Raleway Medium"/>
-                <a:hlinkClick r:id="rId7"/>
-              </a:rPr>
-              <a:t>/créate</a:t>
-            </a:r>
+              </a:rPr>
+              <a:t>/</a:t>
+            </a:r>
+          </a:p>
+          <a:p>
+            <a:pPr lvl="0">
+              <a:lnSpc>
+                <a:spcPct val="200000"/>
+              </a:lnSpc>
+              <a:buSzPts val="1100"/>
+            </a:pPr>
             <a:r>
               <a:rPr lang="es-ES" dirty="0">
                 <a:solidFill>
@@ -15168,16 +15209,8 @@
                 <a:cs typeface="Raleway Medium"/>
                 <a:sym typeface="Raleway Medium"/>
               </a:rPr>
-              <a:t>/</a:t>
-            </a:r>
-          </a:p>
-          <a:p>
-            <a:pPr lvl="0">
-              <a:lnSpc>
-                <a:spcPct val="200000"/>
-              </a:lnSpc>
-              <a:buSzPts val="1100"/>
-            </a:pPr>
+              <a:t>GET </a:t>
+            </a:r>
             <a:r>
               <a:rPr lang="es-ES" dirty="0">
                 <a:solidFill>
@@ -15187,19 +15220,7 @@
                 <a:ea typeface="Raleway Medium"/>
                 <a:cs typeface="Raleway Medium"/>
                 <a:sym typeface="Raleway Medium"/>
-              </a:rPr>
-              <a:t>GET </a:t>
-            </a:r>
-            <a:r>
-              <a:rPr lang="es-ES" dirty="0">
-                <a:solidFill>
-                  <a:srgbClr val="007399"/>
-                </a:solidFill>
-                <a:latin typeface="Raleway Medium"/>
-                <a:ea typeface="Raleway Medium"/>
-                <a:cs typeface="Raleway Medium"/>
-                <a:sym typeface="Raleway Medium"/>
-                <a:hlinkClick r:id="rId8"/>
+                <a:hlinkClick r:id="rId9"/>
               </a:rPr>
               <a:t>https://api.my-company.com/library/book-reviews.json</a:t>
             </a:r>
@@ -15241,7 +15262,7 @@
                 <a:ea typeface="Raleway Medium"/>
                 <a:cs typeface="Raleway Medium"/>
                 <a:sym typeface="Raleway Medium"/>
-                <a:hlinkClick r:id="rId9"/>
+                <a:hlinkClick r:id="rId10"/>
               </a:rPr>
               <a:t>https://api.my-company.com/library/bookReviews</a:t>
             </a:r>
@@ -17252,6 +17273,558 @@
       </p:grpSpPr>
       <p:sp>
         <p:nvSpPr>
+          <p:cNvPr id="46" name="Google Shape;530;p44">
+            <a:extLst>
+              <a:ext uri="{FF2B5EF4-FFF2-40B4-BE49-F238E27FC236}">
+                <a16:creationId xmlns:a16="http://schemas.microsoft.com/office/drawing/2014/main" id="{B6EEF91A-C606-5602-93DF-DAD30CC89DBD}"/>
+              </a:ext>
+            </a:extLst>
+          </p:cNvPr>
+          <p:cNvSpPr/>
+          <p:nvPr/>
+        </p:nvSpPr>
+        <p:spPr>
+          <a:xfrm>
+            <a:off x="602060" y="1201498"/>
+            <a:ext cx="2837264" cy="2867731"/>
+          </a:xfrm>
+          <a:prstGeom prst="ellipse">
+            <a:avLst/>
+          </a:prstGeom>
+          <a:solidFill>
+            <a:srgbClr val="007399"/>
+          </a:solidFill>
+          <a:ln>
+            <a:noFill/>
+          </a:ln>
+        </p:spPr>
+        <p:txBody>
+          <a:bodyPr spcFirstLastPara="1" wrap="square" lIns="91425" tIns="91425" rIns="91425" bIns="91425" anchor="ctr" anchorCtr="0">
+            <a:noAutofit/>
+          </a:bodyPr>
+          <a:lstStyle/>
+          <a:p>
+            <a:pPr marL="0" lvl="0" indent="0" algn="l" rtl="0">
+              <a:spcBef>
+                <a:spcPts val="0"/>
+              </a:spcBef>
+              <a:spcAft>
+                <a:spcPts val="0"/>
+              </a:spcAft>
+              <a:buNone/>
+            </a:pPr>
+            <a:endParaRPr dirty="0">
+              <a:solidFill>
+                <a:schemeClr val="bg2"/>
+              </a:solidFill>
+            </a:endParaRPr>
+          </a:p>
+        </p:txBody>
+      </p:sp>
+      <p:sp>
+        <p:nvSpPr>
+          <p:cNvPr id="354" name="Google Shape;354;p37"/>
+          <p:cNvSpPr txBox="1">
+            <a:spLocks noGrp="1"/>
+          </p:cNvSpPr>
+          <p:nvPr>
+            <p:ph type="title"/>
+          </p:nvPr>
+        </p:nvSpPr>
+        <p:spPr>
+          <a:xfrm>
+            <a:off x="714375" y="190941"/>
+            <a:ext cx="7715250" cy="571500"/>
+          </a:xfrm>
+          <a:prstGeom prst="rect">
+            <a:avLst/>
+          </a:prstGeom>
+        </p:spPr>
+        <p:txBody>
+          <a:bodyPr spcFirstLastPara="1" wrap="square" lIns="91425" tIns="91425" rIns="91425" bIns="91425" anchor="t" anchorCtr="0">
+            <a:noAutofit/>
+          </a:bodyPr>
+          <a:lstStyle/>
+          <a:p>
+            <a:pPr lvl="0" algn="ctr"/>
+            <a:r>
+              <a:rPr lang="es-ES" sz="2800" dirty="0">
+                <a:latin typeface="Century Gothic" panose="020B0502020202020204" pitchFamily="34" charset="0"/>
+              </a:rPr>
+              <a:t>JPA - ORM</a:t>
+            </a:r>
+            <a:endParaRPr sz="2800" dirty="0">
+              <a:solidFill>
+                <a:schemeClr val="accent3"/>
+              </a:solidFill>
+              <a:latin typeface="Century Gothic" panose="020B0502020202020204" pitchFamily="34" charset="0"/>
+            </a:endParaRPr>
+          </a:p>
+        </p:txBody>
+      </p:sp>
+      <p:sp>
+        <p:nvSpPr>
+          <p:cNvPr id="41" name="Google Shape;530;p44">
+            <a:extLst>
+              <a:ext uri="{FF2B5EF4-FFF2-40B4-BE49-F238E27FC236}">
+                <a16:creationId xmlns:a16="http://schemas.microsoft.com/office/drawing/2014/main" id="{29561D97-184A-1CAF-DFAF-908CE82371A5}"/>
+              </a:ext>
+            </a:extLst>
+          </p:cNvPr>
+          <p:cNvSpPr/>
+          <p:nvPr/>
+        </p:nvSpPr>
+        <p:spPr>
+          <a:xfrm>
+            <a:off x="1042122" y="1635217"/>
+            <a:ext cx="2000296" cy="2000296"/>
+          </a:xfrm>
+          <a:prstGeom prst="ellipse">
+            <a:avLst/>
+          </a:prstGeom>
+          <a:solidFill>
+            <a:schemeClr val="accent3"/>
+          </a:solidFill>
+          <a:ln>
+            <a:noFill/>
+          </a:ln>
+        </p:spPr>
+        <p:txBody>
+          <a:bodyPr spcFirstLastPara="1" wrap="square" lIns="91425" tIns="91425" rIns="91425" bIns="91425" anchor="ctr" anchorCtr="0">
+            <a:noAutofit/>
+          </a:bodyPr>
+          <a:lstStyle/>
+          <a:p>
+            <a:endParaRPr dirty="0"/>
+          </a:p>
+        </p:txBody>
+      </p:sp>
+      <p:sp>
+        <p:nvSpPr>
+          <p:cNvPr id="40" name="Google Shape;530;p44">
+            <a:extLst>
+              <a:ext uri="{FF2B5EF4-FFF2-40B4-BE49-F238E27FC236}">
+                <a16:creationId xmlns:a16="http://schemas.microsoft.com/office/drawing/2014/main" id="{7FFB2AF8-CECD-6EFE-0C78-DEF88C72319E}"/>
+              </a:ext>
+            </a:extLst>
+          </p:cNvPr>
+          <p:cNvSpPr/>
+          <p:nvPr/>
+        </p:nvSpPr>
+        <p:spPr>
+          <a:xfrm>
+            <a:off x="1568265" y="2159699"/>
+            <a:ext cx="904854" cy="955159"/>
+          </a:xfrm>
+          <a:prstGeom prst="ellipse">
+            <a:avLst/>
+          </a:prstGeom>
+          <a:solidFill>
+            <a:srgbClr val="007399"/>
+          </a:solidFill>
+          <a:ln>
+            <a:noFill/>
+          </a:ln>
+        </p:spPr>
+        <p:txBody>
+          <a:bodyPr spcFirstLastPara="1" wrap="square" lIns="91425" tIns="91425" rIns="91425" bIns="91425" anchor="ctr" anchorCtr="0">
+            <a:noAutofit/>
+          </a:bodyPr>
+          <a:lstStyle/>
+          <a:p>
+            <a:pPr marL="0" lvl="0" indent="0" algn="l" rtl="0">
+              <a:spcBef>
+                <a:spcPts val="0"/>
+              </a:spcBef>
+              <a:spcAft>
+                <a:spcPts val="0"/>
+              </a:spcAft>
+              <a:buNone/>
+            </a:pPr>
+            <a:endParaRPr dirty="0">
+              <a:solidFill>
+                <a:schemeClr val="bg2"/>
+              </a:solidFill>
+            </a:endParaRPr>
+          </a:p>
+        </p:txBody>
+      </p:sp>
+      <p:sp>
+        <p:nvSpPr>
+          <p:cNvPr id="43" name="CuadroTexto 42">
+            <a:extLst>
+              <a:ext uri="{FF2B5EF4-FFF2-40B4-BE49-F238E27FC236}">
+                <a16:creationId xmlns:a16="http://schemas.microsoft.com/office/drawing/2014/main" id="{EDE419E1-594B-F8F9-F6FD-4C2CBDC25006}"/>
+              </a:ext>
+            </a:extLst>
+          </p:cNvPr>
+          <p:cNvSpPr txBox="1"/>
+          <p:nvPr/>
+        </p:nvSpPr>
+        <p:spPr>
+          <a:xfrm>
+            <a:off x="1723512" y="3173348"/>
+            <a:ext cx="594360" cy="307777"/>
+          </a:xfrm>
+          <a:prstGeom prst="rect">
+            <a:avLst/>
+          </a:prstGeom>
+          <a:noFill/>
+        </p:spPr>
+        <p:txBody>
+          <a:bodyPr wrap="square">
+            <a:spAutoFit/>
+          </a:bodyPr>
+          <a:lstStyle/>
+          <a:p>
+            <a:pPr algn="ctr"/>
+            <a:r>
+              <a:rPr lang="es-ES" dirty="0">
+                <a:solidFill>
+                  <a:schemeClr val="bg2"/>
+                </a:solidFill>
+              </a:rPr>
+              <a:t>JPA</a:t>
+            </a:r>
+            <a:endParaRPr lang="es-ES" dirty="0"/>
+          </a:p>
+        </p:txBody>
+      </p:sp>
+      <p:sp>
+        <p:nvSpPr>
+          <p:cNvPr id="44" name="CuadroTexto 43">
+            <a:extLst>
+              <a:ext uri="{FF2B5EF4-FFF2-40B4-BE49-F238E27FC236}">
+                <a16:creationId xmlns:a16="http://schemas.microsoft.com/office/drawing/2014/main" id="{1B64AF53-E58A-9CEE-1896-A5E9A3279ECD}"/>
+              </a:ext>
+            </a:extLst>
+          </p:cNvPr>
+          <p:cNvSpPr txBox="1"/>
+          <p:nvPr/>
+        </p:nvSpPr>
+        <p:spPr>
+          <a:xfrm>
+            <a:off x="1723511" y="2481476"/>
+            <a:ext cx="637519" cy="307777"/>
+          </a:xfrm>
+          <a:prstGeom prst="rect">
+            <a:avLst/>
+          </a:prstGeom>
+          <a:noFill/>
+        </p:spPr>
+        <p:txBody>
+          <a:bodyPr wrap="square">
+            <a:spAutoFit/>
+          </a:bodyPr>
+          <a:lstStyle/>
+          <a:p>
+            <a:r>
+              <a:rPr lang="es-ES" dirty="0">
+                <a:solidFill>
+                  <a:schemeClr val="bg2"/>
+                </a:solidFill>
+              </a:rPr>
+              <a:t>ORM</a:t>
+            </a:r>
+            <a:endParaRPr lang="es-ES" dirty="0"/>
+          </a:p>
+        </p:txBody>
+      </p:sp>
+      <p:sp>
+        <p:nvSpPr>
+          <p:cNvPr id="48" name="CuadroTexto 47">
+            <a:extLst>
+              <a:ext uri="{FF2B5EF4-FFF2-40B4-BE49-F238E27FC236}">
+                <a16:creationId xmlns:a16="http://schemas.microsoft.com/office/drawing/2014/main" id="{3D0793E6-6D31-1F9D-409F-82A60938AA98}"/>
+              </a:ext>
+            </a:extLst>
+          </p:cNvPr>
+          <p:cNvSpPr txBox="1"/>
+          <p:nvPr/>
+        </p:nvSpPr>
+        <p:spPr>
+          <a:xfrm>
+            <a:off x="1133967" y="3629113"/>
+            <a:ext cx="1796364" cy="307777"/>
+          </a:xfrm>
+          <a:prstGeom prst="rect">
+            <a:avLst/>
+          </a:prstGeom>
+          <a:noFill/>
+        </p:spPr>
+        <p:txBody>
+          <a:bodyPr wrap="square">
+            <a:spAutoFit/>
+          </a:bodyPr>
+          <a:lstStyle/>
+          <a:p>
+            <a:pPr algn="ctr"/>
+            <a:r>
+              <a:rPr lang="es-ES" dirty="0" err="1">
+                <a:solidFill>
+                  <a:schemeClr val="bg2"/>
+                </a:solidFill>
+              </a:rPr>
+              <a:t>Hibernate</a:t>
+            </a:r>
+            <a:r>
+              <a:rPr lang="es-ES" dirty="0">
+                <a:solidFill>
+                  <a:schemeClr val="bg2"/>
+                </a:solidFill>
+              </a:rPr>
+              <a:t>/</a:t>
+            </a:r>
+            <a:r>
+              <a:rPr lang="es-ES" dirty="0" err="1">
+                <a:solidFill>
+                  <a:schemeClr val="bg2"/>
+                </a:solidFill>
+              </a:rPr>
+              <a:t>MyBatis</a:t>
+            </a:r>
+            <a:r>
+              <a:rPr lang="es-ES" dirty="0">
+                <a:solidFill>
+                  <a:schemeClr val="bg2"/>
+                </a:solidFill>
+              </a:rPr>
+              <a:t> </a:t>
+            </a:r>
+            <a:endParaRPr lang="es-ES" dirty="0"/>
+          </a:p>
+        </p:txBody>
+      </p:sp>
+      <p:sp>
+        <p:nvSpPr>
+          <p:cNvPr id="50" name="CuadroTexto 49">
+            <a:extLst>
+              <a:ext uri="{FF2B5EF4-FFF2-40B4-BE49-F238E27FC236}">
+                <a16:creationId xmlns:a16="http://schemas.microsoft.com/office/drawing/2014/main" id="{1BE368C6-5AE0-F4DF-6DF1-0A0195F3FEA4}"/>
+              </a:ext>
+            </a:extLst>
+          </p:cNvPr>
+          <p:cNvSpPr txBox="1"/>
+          <p:nvPr/>
+        </p:nvSpPr>
+        <p:spPr>
+          <a:xfrm>
+            <a:off x="3750351" y="1658899"/>
+            <a:ext cx="4651640" cy="338554"/>
+          </a:xfrm>
+          <a:prstGeom prst="rect">
+            <a:avLst/>
+          </a:prstGeom>
+          <a:noFill/>
+        </p:spPr>
+        <p:txBody>
+          <a:bodyPr wrap="square">
+            <a:spAutoFit/>
+          </a:bodyPr>
+          <a:lstStyle>
+            <a:defPPr marR="0" lvl="0" algn="l" rtl="0">
+              <a:lnSpc>
+                <a:spcPct val="100000"/>
+              </a:lnSpc>
+              <a:spcBef>
+                <a:spcPts val="0"/>
+              </a:spcBef>
+              <a:spcAft>
+                <a:spcPts val="0"/>
+              </a:spcAft>
+            </a:defPPr>
+            <a:lvl1pPr>
+              <a:defRPr b="1">
+                <a:solidFill>
+                  <a:srgbClr val="202122"/>
+                </a:solidFill>
+                <a:effectLst/>
+                <a:latin typeface="Arial" panose="020B0604020202020204" pitchFamily="34" charset="0"/>
+              </a:defRPr>
+            </a:lvl1pPr>
+          </a:lstStyle>
+          <a:p>
+            <a:r>
+              <a:rPr lang="es-ES" sz="1600" dirty="0" err="1"/>
+              <a:t>Object</a:t>
+            </a:r>
+            <a:r>
+              <a:rPr lang="es-ES" sz="1600" dirty="0"/>
+              <a:t> </a:t>
+            </a:r>
+            <a:r>
+              <a:rPr lang="es-ES" sz="1600" dirty="0" err="1"/>
+              <a:t>Relational</a:t>
+            </a:r>
+            <a:r>
+              <a:rPr lang="es-ES" sz="1600" dirty="0"/>
+              <a:t> </a:t>
+            </a:r>
+            <a:r>
+              <a:rPr lang="es-ES" sz="1600" dirty="0" err="1"/>
+              <a:t>Mapping</a:t>
+            </a:r>
+            <a:r>
+              <a:rPr lang="es-ES" sz="1600" dirty="0"/>
+              <a:t> (ORM)</a:t>
+            </a:r>
+          </a:p>
+        </p:txBody>
+      </p:sp>
+      <p:sp>
+        <p:nvSpPr>
+          <p:cNvPr id="52" name="CuadroTexto 51">
+            <a:extLst>
+              <a:ext uri="{FF2B5EF4-FFF2-40B4-BE49-F238E27FC236}">
+                <a16:creationId xmlns:a16="http://schemas.microsoft.com/office/drawing/2014/main" id="{7FE6B239-92D7-30C7-3A20-5865156AB475}"/>
+              </a:ext>
+            </a:extLst>
+          </p:cNvPr>
+          <p:cNvSpPr txBox="1"/>
+          <p:nvPr/>
+        </p:nvSpPr>
+        <p:spPr>
+          <a:xfrm>
+            <a:off x="3750351" y="2182792"/>
+            <a:ext cx="4651640" cy="338554"/>
+          </a:xfrm>
+          <a:prstGeom prst="rect">
+            <a:avLst/>
+          </a:prstGeom>
+          <a:noFill/>
+        </p:spPr>
+        <p:txBody>
+          <a:bodyPr wrap="square">
+            <a:spAutoFit/>
+          </a:bodyPr>
+          <a:lstStyle/>
+          <a:p>
+            <a:r>
+              <a:rPr lang="es-ES" sz="1600" b="1" i="0" dirty="0">
+                <a:solidFill>
+                  <a:srgbClr val="202122"/>
+                </a:solidFill>
+                <a:effectLst/>
+                <a:latin typeface="Arial" panose="020B0604020202020204" pitchFamily="34" charset="0"/>
+              </a:rPr>
+              <a:t>Java </a:t>
+            </a:r>
+            <a:r>
+              <a:rPr lang="es-ES" sz="1600" b="1" i="0" dirty="0" err="1">
+                <a:solidFill>
+                  <a:srgbClr val="202122"/>
+                </a:solidFill>
+                <a:effectLst/>
+                <a:latin typeface="Arial" panose="020B0604020202020204" pitchFamily="34" charset="0"/>
+              </a:rPr>
+              <a:t>Persistence</a:t>
+            </a:r>
+            <a:r>
+              <a:rPr lang="es-ES" sz="1600" b="1" i="0" dirty="0">
+                <a:solidFill>
+                  <a:srgbClr val="202122"/>
+                </a:solidFill>
+                <a:effectLst/>
+                <a:latin typeface="Arial" panose="020B0604020202020204" pitchFamily="34" charset="0"/>
+              </a:rPr>
+              <a:t> API (JPA)</a:t>
+            </a:r>
+            <a:endParaRPr lang="es-ES" sz="1600" dirty="0"/>
+          </a:p>
+        </p:txBody>
+      </p:sp>
+      <p:pic>
+        <p:nvPicPr>
+          <p:cNvPr id="55" name="Imagen 54">
+            <a:extLst>
+              <a:ext uri="{FF2B5EF4-FFF2-40B4-BE49-F238E27FC236}">
+                <a16:creationId xmlns:a16="http://schemas.microsoft.com/office/drawing/2014/main" id="{0D9EADBE-64D1-D0A1-6530-3CB8833A6D44}"/>
+              </a:ext>
+            </a:extLst>
+          </p:cNvPr>
+          <p:cNvPicPr>
+            <a:picLocks noChangeAspect="1"/>
+          </p:cNvPicPr>
+          <p:nvPr/>
+        </p:nvPicPr>
+        <p:blipFill>
+          <a:blip r:embed="rId3"/>
+          <a:stretch>
+            <a:fillRect/>
+          </a:stretch>
+        </p:blipFill>
+        <p:spPr>
+          <a:xfrm>
+            <a:off x="3750352" y="3249756"/>
+            <a:ext cx="1567306" cy="412449"/>
+          </a:xfrm>
+          <a:prstGeom prst="rect">
+            <a:avLst/>
+          </a:prstGeom>
+        </p:spPr>
+      </p:pic>
+      <p:pic>
+        <p:nvPicPr>
+          <p:cNvPr id="57" name="Imagen 56">
+            <a:extLst>
+              <a:ext uri="{FF2B5EF4-FFF2-40B4-BE49-F238E27FC236}">
+                <a16:creationId xmlns:a16="http://schemas.microsoft.com/office/drawing/2014/main" id="{31361D64-1B4A-E0A8-F95E-F63FD9823AA6}"/>
+              </a:ext>
+            </a:extLst>
+          </p:cNvPr>
+          <p:cNvPicPr>
+            <a:picLocks noChangeAspect="1"/>
+          </p:cNvPicPr>
+          <p:nvPr/>
+        </p:nvPicPr>
+        <p:blipFill>
+          <a:blip r:embed="rId4"/>
+          <a:stretch>
+            <a:fillRect/>
+          </a:stretch>
+        </p:blipFill>
+        <p:spPr>
+          <a:xfrm>
+            <a:off x="3750351" y="2662556"/>
+            <a:ext cx="1970689" cy="461751"/>
+          </a:xfrm>
+          <a:prstGeom prst="rect">
+            <a:avLst/>
+          </a:prstGeom>
+        </p:spPr>
+      </p:pic>
+    </p:spTree>
+    <p:extLst>
+      <p:ext uri="{BB962C8B-B14F-4D97-AF65-F5344CB8AC3E}">
+        <p14:creationId xmlns:p14="http://schemas.microsoft.com/office/powerpoint/2010/main" val="3788245154"/>
+      </p:ext>
+    </p:extLst>
+  </p:cSld>
+  <p:clrMapOvr>
+    <a:masterClrMapping/>
+  </p:clrMapOvr>
+</p:sld>
+</file>
+
+<file path=ppt/slides/slide19.xml><?xml version="1.0" encoding="utf-8"?>
+<p:sld xmlns:a="http://schemas.openxmlformats.org/drawingml/2006/main" xmlns:r="http://schemas.openxmlformats.org/officeDocument/2006/relationships" xmlns:p="http://schemas.openxmlformats.org/presentationml/2006/main">
+  <p:cSld>
+    <p:spTree>
+      <p:nvGrpSpPr>
+        <p:cNvPr id="1" name="Shape 353"/>
+        <p:cNvGrpSpPr/>
+        <p:nvPr/>
+      </p:nvGrpSpPr>
+      <p:grpSpPr>
+        <a:xfrm>
+          <a:off x="0" y="0"/>
+          <a:ext cx="0" cy="0"/>
+          <a:chOff x="0" y="0"/>
+          <a:chExt cx="0" cy="0"/>
+        </a:xfrm>
+      </p:grpSpPr>
+      <p:sp>
+        <p:nvSpPr>
           <p:cNvPr id="354" name="Google Shape;354;p37"/>
           <p:cNvSpPr txBox="1">
             <a:spLocks noGrp="1"/>
@@ -17826,1145 +18399,6 @@
   <p:clrMapOvr>
     <a:masterClrMapping/>
   </p:clrMapOvr>
-</p:sld>
-</file>
-
-<file path=ppt/slides/slide19.xml><?xml version="1.0" encoding="utf-8"?>
-<p:sld xmlns:a="http://schemas.openxmlformats.org/drawingml/2006/main" xmlns:r="http://schemas.openxmlformats.org/officeDocument/2006/relationships" xmlns:p="http://schemas.openxmlformats.org/presentationml/2006/main">
-  <p:cSld>
-    <p:spTree>
-      <p:nvGrpSpPr>
-        <p:cNvPr id="1" name="Shape 1178"/>
-        <p:cNvGrpSpPr/>
-        <p:nvPr/>
-      </p:nvGrpSpPr>
-      <p:grpSpPr>
-        <a:xfrm>
-          <a:off x="0" y="0"/>
-          <a:ext cx="0" cy="0"/>
-          <a:chOff x="0" y="0"/>
-          <a:chExt cx="0" cy="0"/>
-        </a:xfrm>
-      </p:grpSpPr>
-      <p:sp>
-        <p:nvSpPr>
-          <p:cNvPr id="2" name="Google Shape;694;p50">
-            <a:extLst>
-              <a:ext uri="{FF2B5EF4-FFF2-40B4-BE49-F238E27FC236}">
-                <a16:creationId xmlns:a16="http://schemas.microsoft.com/office/drawing/2014/main" id="{B733614D-E203-BEB6-DA05-844B1FBB7315}"/>
-              </a:ext>
-            </a:extLst>
-          </p:cNvPr>
-          <p:cNvSpPr/>
-          <p:nvPr/>
-        </p:nvSpPr>
-        <p:spPr>
-          <a:xfrm rot="10800000">
-            <a:off x="1" y="978024"/>
-            <a:ext cx="5300422" cy="3222527"/>
-          </a:xfrm>
-          <a:custGeom>
-            <a:avLst/>
-            <a:gdLst/>
-            <a:ahLst/>
-            <a:cxnLst/>
-            <a:rect l="l" t="t" r="r" b="b"/>
-            <a:pathLst>
-              <a:path w="56317" h="33350" extrusionOk="0">
-                <a:moveTo>
-                  <a:pt x="56317" y="33350"/>
-                </a:moveTo>
-                <a:lnTo>
-                  <a:pt x="56317" y="0"/>
-                </a:lnTo>
-                <a:lnTo>
-                  <a:pt x="20074" y="0"/>
-                </a:lnTo>
-                <a:cubicBezTo>
-                  <a:pt x="18741" y="0"/>
-                  <a:pt x="17514" y="739"/>
-                  <a:pt x="16883" y="1905"/>
-                </a:cubicBezTo>
-                <a:lnTo>
-                  <a:pt x="0" y="33350"/>
-                </a:lnTo>
-                <a:cubicBezTo>
-                  <a:pt x="0" y="33350"/>
-                  <a:pt x="53412" y="33326"/>
-                  <a:pt x="56317" y="33350"/>
-                </a:cubicBezTo>
-                <a:close/>
-              </a:path>
-            </a:pathLst>
-          </a:custGeom>
-          <a:solidFill>
-            <a:srgbClr val="F3B734"/>
-          </a:solidFill>
-          <a:ln>
-            <a:noFill/>
-          </a:ln>
-        </p:spPr>
-        <p:txBody>
-          <a:bodyPr spcFirstLastPara="1" wrap="square" lIns="91425" tIns="91425" rIns="91425" bIns="91425" anchor="ctr" anchorCtr="0">
-            <a:noAutofit/>
-          </a:bodyPr>
-          <a:lstStyle/>
-          <a:p>
-            <a:pPr marL="0" lvl="0" indent="0" algn="l" rtl="0">
-              <a:spcBef>
-                <a:spcPts val="0"/>
-              </a:spcBef>
-              <a:spcAft>
-                <a:spcPts val="0"/>
-              </a:spcAft>
-              <a:buNone/>
-            </a:pPr>
-            <a:endParaRPr dirty="0"/>
-          </a:p>
-        </p:txBody>
-      </p:sp>
-      <p:sp>
-        <p:nvSpPr>
-          <p:cNvPr id="3" name="Google Shape;695;p50">
-            <a:extLst>
-              <a:ext uri="{FF2B5EF4-FFF2-40B4-BE49-F238E27FC236}">
-                <a16:creationId xmlns:a16="http://schemas.microsoft.com/office/drawing/2014/main" id="{C9CDE78C-C62B-D133-54B8-18A38C8CEDF3}"/>
-              </a:ext>
-            </a:extLst>
-          </p:cNvPr>
-          <p:cNvSpPr txBox="1">
-            <a:spLocks noGrp="1"/>
-          </p:cNvSpPr>
-          <p:nvPr>
-            <p:ph type="title"/>
-          </p:nvPr>
-        </p:nvSpPr>
-        <p:spPr>
-          <a:xfrm>
-            <a:off x="-4011" y="1627601"/>
-            <a:ext cx="4323014" cy="1846000"/>
-          </a:xfrm>
-          <a:prstGeom prst="rect">
-            <a:avLst/>
-          </a:prstGeom>
-        </p:spPr>
-        <p:txBody>
-          <a:bodyPr spcFirstLastPara="1" wrap="square" lIns="91425" tIns="91425" rIns="91425" bIns="91425" anchor="ctr" anchorCtr="0">
-            <a:noAutofit/>
-          </a:bodyPr>
-          <a:lstStyle/>
-          <a:p>
-            <a:pPr lvl="0" algn="ctr"/>
-            <a:r>
-              <a:rPr lang="es-ES" sz="4900" dirty="0">
-                <a:latin typeface="Century Gothic" panose="020B0502020202020204" pitchFamily="34" charset="0"/>
-              </a:rPr>
-              <a:t>Introducción a Docker</a:t>
-            </a:r>
-            <a:endParaRPr sz="4900" dirty="0">
-              <a:latin typeface="Century Gothic" panose="020B0502020202020204" pitchFamily="34" charset="0"/>
-            </a:endParaRPr>
-          </a:p>
-        </p:txBody>
-      </p:sp>
-      <p:pic>
-        <p:nvPicPr>
-          <p:cNvPr id="5" name="Imagen 4">
-            <a:extLst>
-              <a:ext uri="{FF2B5EF4-FFF2-40B4-BE49-F238E27FC236}">
-                <a16:creationId xmlns:a16="http://schemas.microsoft.com/office/drawing/2014/main" id="{CF1725F0-D9FD-CDA3-461B-066FD91E2F43}"/>
-              </a:ext>
-            </a:extLst>
-          </p:cNvPr>
-          <p:cNvPicPr>
-            <a:picLocks noChangeAspect="1"/>
-          </p:cNvPicPr>
-          <p:nvPr/>
-        </p:nvPicPr>
-        <p:blipFill>
-          <a:blip r:embed="rId3" cstate="print">
-            <a:lum bright="70000" contrast="-70000"/>
-            <a:extLst>
-              <a:ext uri="{28A0092B-C50C-407E-A947-70E740481C1C}">
-                <a14:useLocalDpi xmlns:a14="http://schemas.microsoft.com/office/drawing/2010/main"/>
-              </a:ext>
-            </a:extLst>
-          </a:blip>
-          <a:stretch>
-            <a:fillRect/>
-          </a:stretch>
-        </p:blipFill>
-        <p:spPr>
-          <a:xfrm>
-            <a:off x="4975841" y="2081713"/>
-            <a:ext cx="3399559" cy="1512386"/>
-          </a:xfrm>
-          <a:prstGeom prst="rect">
-            <a:avLst/>
-          </a:prstGeom>
-        </p:spPr>
-      </p:pic>
-      <p:sp>
-        <p:nvSpPr>
-          <p:cNvPr id="7" name="Google Shape;836;p57">
-            <a:extLst>
-              <a:ext uri="{FF2B5EF4-FFF2-40B4-BE49-F238E27FC236}">
-                <a16:creationId xmlns:a16="http://schemas.microsoft.com/office/drawing/2014/main" id="{A6195659-C99E-75C1-1857-1E84FBF1F723}"/>
-              </a:ext>
-            </a:extLst>
-          </p:cNvPr>
-          <p:cNvSpPr/>
-          <p:nvPr/>
-        </p:nvSpPr>
-        <p:spPr>
-          <a:xfrm>
-            <a:off x="5824380" y="4340562"/>
-            <a:ext cx="77840" cy="239950"/>
-          </a:xfrm>
-          <a:custGeom>
-            <a:avLst/>
-            <a:gdLst/>
-            <a:ahLst/>
-            <a:cxnLst/>
-            <a:rect l="l" t="t" r="r" b="b"/>
-            <a:pathLst>
-              <a:path w="895" h="2759" extrusionOk="0">
-                <a:moveTo>
-                  <a:pt x="457" y="0"/>
-                </a:moveTo>
-                <a:cubicBezTo>
-                  <a:pt x="191" y="0"/>
-                  <a:pt x="1" y="190"/>
-                  <a:pt x="1" y="438"/>
-                </a:cubicBezTo>
-                <a:lnTo>
-                  <a:pt x="1" y="2321"/>
-                </a:lnTo>
-                <a:cubicBezTo>
-                  <a:pt x="1" y="2568"/>
-                  <a:pt x="210" y="2758"/>
-                  <a:pt x="457" y="2758"/>
-                </a:cubicBezTo>
-                <a:cubicBezTo>
-                  <a:pt x="705" y="2758"/>
-                  <a:pt x="895" y="2568"/>
-                  <a:pt x="895" y="2321"/>
-                </a:cubicBezTo>
-                <a:lnTo>
-                  <a:pt x="895" y="438"/>
-                </a:lnTo>
-                <a:cubicBezTo>
-                  <a:pt x="895" y="190"/>
-                  <a:pt x="705" y="0"/>
-                  <a:pt x="457" y="0"/>
-                </a:cubicBezTo>
-                <a:close/>
-              </a:path>
-            </a:pathLst>
-          </a:custGeom>
-          <a:solidFill>
-            <a:schemeClr val="accent3"/>
-          </a:solidFill>
-          <a:ln>
-            <a:noFill/>
-          </a:ln>
-        </p:spPr>
-        <p:txBody>
-          <a:bodyPr spcFirstLastPara="1" wrap="square" lIns="91425" tIns="91425" rIns="91425" bIns="91425" anchor="ctr" anchorCtr="0">
-            <a:noAutofit/>
-          </a:bodyPr>
-          <a:lstStyle/>
-          <a:p>
-            <a:pPr marL="0" lvl="0" indent="0" algn="l" rtl="0">
-              <a:spcBef>
-                <a:spcPts val="0"/>
-              </a:spcBef>
-              <a:spcAft>
-                <a:spcPts val="0"/>
-              </a:spcAft>
-              <a:buNone/>
-            </a:pPr>
-            <a:endParaRPr dirty="0"/>
-          </a:p>
-        </p:txBody>
-      </p:sp>
-      <p:sp>
-        <p:nvSpPr>
-          <p:cNvPr id="8" name="Google Shape;837;p57">
-            <a:extLst>
-              <a:ext uri="{FF2B5EF4-FFF2-40B4-BE49-F238E27FC236}">
-                <a16:creationId xmlns:a16="http://schemas.microsoft.com/office/drawing/2014/main" id="{A679CE23-B489-6811-935F-C4D5C91344DD}"/>
-              </a:ext>
-            </a:extLst>
-          </p:cNvPr>
-          <p:cNvSpPr/>
-          <p:nvPr/>
-        </p:nvSpPr>
-        <p:spPr>
-          <a:xfrm>
-            <a:off x="5741673" y="4421614"/>
-            <a:ext cx="243262" cy="77838"/>
-          </a:xfrm>
-          <a:custGeom>
-            <a:avLst/>
-            <a:gdLst/>
-            <a:ahLst/>
-            <a:cxnLst/>
-            <a:rect l="l" t="t" r="r" b="b"/>
-            <a:pathLst>
-              <a:path w="2797" h="895" extrusionOk="0">
-                <a:moveTo>
-                  <a:pt x="438" y="0"/>
-                </a:moveTo>
-                <a:cubicBezTo>
-                  <a:pt x="191" y="0"/>
-                  <a:pt x="1" y="190"/>
-                  <a:pt x="1" y="438"/>
-                </a:cubicBezTo>
-                <a:cubicBezTo>
-                  <a:pt x="1" y="685"/>
-                  <a:pt x="191" y="894"/>
-                  <a:pt x="438" y="894"/>
-                </a:cubicBezTo>
-                <a:lnTo>
-                  <a:pt x="2359" y="894"/>
-                </a:lnTo>
-                <a:cubicBezTo>
-                  <a:pt x="2607" y="894"/>
-                  <a:pt x="2797" y="685"/>
-                  <a:pt x="2797" y="438"/>
-                </a:cubicBezTo>
-                <a:cubicBezTo>
-                  <a:pt x="2797" y="190"/>
-                  <a:pt x="2607" y="0"/>
-                  <a:pt x="2359" y="0"/>
-                </a:cubicBezTo>
-                <a:close/>
-              </a:path>
-            </a:pathLst>
-          </a:custGeom>
-          <a:solidFill>
-            <a:schemeClr val="accent3"/>
-          </a:solidFill>
-          <a:ln>
-            <a:noFill/>
-          </a:ln>
-        </p:spPr>
-        <p:txBody>
-          <a:bodyPr spcFirstLastPara="1" wrap="square" lIns="91425" tIns="91425" rIns="91425" bIns="91425" anchor="ctr" anchorCtr="0">
-            <a:noAutofit/>
-          </a:bodyPr>
-          <a:lstStyle/>
-          <a:p>
-            <a:pPr marL="0" lvl="0" indent="0" algn="l" rtl="0">
-              <a:spcBef>
-                <a:spcPts val="0"/>
-              </a:spcBef>
-              <a:spcAft>
-                <a:spcPts val="0"/>
-              </a:spcAft>
-              <a:buNone/>
-            </a:pPr>
-            <a:endParaRPr dirty="0"/>
-          </a:p>
-        </p:txBody>
-      </p:sp>
-      <p:sp>
-        <p:nvSpPr>
-          <p:cNvPr id="9" name="Google Shape;836;p57">
-            <a:extLst>
-              <a:ext uri="{FF2B5EF4-FFF2-40B4-BE49-F238E27FC236}">
-                <a16:creationId xmlns:a16="http://schemas.microsoft.com/office/drawing/2014/main" id="{0F6C07CC-EEF5-C864-16EE-749FF8F9D57B}"/>
-              </a:ext>
-            </a:extLst>
-          </p:cNvPr>
-          <p:cNvSpPr/>
-          <p:nvPr/>
-        </p:nvSpPr>
-        <p:spPr>
-          <a:xfrm>
-            <a:off x="6561123" y="4340562"/>
-            <a:ext cx="77840" cy="239950"/>
-          </a:xfrm>
-          <a:custGeom>
-            <a:avLst/>
-            <a:gdLst/>
-            <a:ahLst/>
-            <a:cxnLst/>
-            <a:rect l="l" t="t" r="r" b="b"/>
-            <a:pathLst>
-              <a:path w="895" h="2759" extrusionOk="0">
-                <a:moveTo>
-                  <a:pt x="457" y="0"/>
-                </a:moveTo>
-                <a:cubicBezTo>
-                  <a:pt x="191" y="0"/>
-                  <a:pt x="1" y="190"/>
-                  <a:pt x="1" y="438"/>
-                </a:cubicBezTo>
-                <a:lnTo>
-                  <a:pt x="1" y="2321"/>
-                </a:lnTo>
-                <a:cubicBezTo>
-                  <a:pt x="1" y="2568"/>
-                  <a:pt x="210" y="2758"/>
-                  <a:pt x="457" y="2758"/>
-                </a:cubicBezTo>
-                <a:cubicBezTo>
-                  <a:pt x="705" y="2758"/>
-                  <a:pt x="895" y="2568"/>
-                  <a:pt x="895" y="2321"/>
-                </a:cubicBezTo>
-                <a:lnTo>
-                  <a:pt x="895" y="438"/>
-                </a:lnTo>
-                <a:cubicBezTo>
-                  <a:pt x="895" y="190"/>
-                  <a:pt x="705" y="0"/>
-                  <a:pt x="457" y="0"/>
-                </a:cubicBezTo>
-                <a:close/>
-              </a:path>
-            </a:pathLst>
-          </a:custGeom>
-          <a:solidFill>
-            <a:schemeClr val="accent3"/>
-          </a:solidFill>
-          <a:ln>
-            <a:noFill/>
-          </a:ln>
-        </p:spPr>
-        <p:txBody>
-          <a:bodyPr spcFirstLastPara="1" wrap="square" lIns="91425" tIns="91425" rIns="91425" bIns="91425" anchor="ctr" anchorCtr="0">
-            <a:noAutofit/>
-          </a:bodyPr>
-          <a:lstStyle/>
-          <a:p>
-            <a:pPr marL="0" lvl="0" indent="0" algn="l" rtl="0">
-              <a:spcBef>
-                <a:spcPts val="0"/>
-              </a:spcBef>
-              <a:spcAft>
-                <a:spcPts val="0"/>
-              </a:spcAft>
-              <a:buNone/>
-            </a:pPr>
-            <a:endParaRPr dirty="0"/>
-          </a:p>
-        </p:txBody>
-      </p:sp>
-      <p:sp>
-        <p:nvSpPr>
-          <p:cNvPr id="10" name="Google Shape;837;p57">
-            <a:extLst>
-              <a:ext uri="{FF2B5EF4-FFF2-40B4-BE49-F238E27FC236}">
-                <a16:creationId xmlns:a16="http://schemas.microsoft.com/office/drawing/2014/main" id="{71497B29-03E3-73F1-C16C-B67C1B711E41}"/>
-              </a:ext>
-            </a:extLst>
-          </p:cNvPr>
-          <p:cNvSpPr/>
-          <p:nvPr/>
-        </p:nvSpPr>
-        <p:spPr>
-          <a:xfrm>
-            <a:off x="6478416" y="4421614"/>
-            <a:ext cx="243262" cy="77838"/>
-          </a:xfrm>
-          <a:custGeom>
-            <a:avLst/>
-            <a:gdLst/>
-            <a:ahLst/>
-            <a:cxnLst/>
-            <a:rect l="l" t="t" r="r" b="b"/>
-            <a:pathLst>
-              <a:path w="2797" h="895" extrusionOk="0">
-                <a:moveTo>
-                  <a:pt x="438" y="0"/>
-                </a:moveTo>
-                <a:cubicBezTo>
-                  <a:pt x="191" y="0"/>
-                  <a:pt x="1" y="190"/>
-                  <a:pt x="1" y="438"/>
-                </a:cubicBezTo>
-                <a:cubicBezTo>
-                  <a:pt x="1" y="685"/>
-                  <a:pt x="191" y="894"/>
-                  <a:pt x="438" y="894"/>
-                </a:cubicBezTo>
-                <a:lnTo>
-                  <a:pt x="2359" y="894"/>
-                </a:lnTo>
-                <a:cubicBezTo>
-                  <a:pt x="2607" y="894"/>
-                  <a:pt x="2797" y="685"/>
-                  <a:pt x="2797" y="438"/>
-                </a:cubicBezTo>
-                <a:cubicBezTo>
-                  <a:pt x="2797" y="190"/>
-                  <a:pt x="2607" y="0"/>
-                  <a:pt x="2359" y="0"/>
-                </a:cubicBezTo>
-                <a:close/>
-              </a:path>
-            </a:pathLst>
-          </a:custGeom>
-          <a:solidFill>
-            <a:schemeClr val="accent3"/>
-          </a:solidFill>
-          <a:ln>
-            <a:noFill/>
-          </a:ln>
-        </p:spPr>
-        <p:txBody>
-          <a:bodyPr spcFirstLastPara="1" wrap="square" lIns="91425" tIns="91425" rIns="91425" bIns="91425" anchor="ctr" anchorCtr="0">
-            <a:noAutofit/>
-          </a:bodyPr>
-          <a:lstStyle/>
-          <a:p>
-            <a:pPr marL="0" lvl="0" indent="0" algn="l" rtl="0">
-              <a:spcBef>
-                <a:spcPts val="0"/>
-              </a:spcBef>
-              <a:spcAft>
-                <a:spcPts val="0"/>
-              </a:spcAft>
-              <a:buNone/>
-            </a:pPr>
-            <a:endParaRPr dirty="0"/>
-          </a:p>
-        </p:txBody>
-      </p:sp>
-      <p:sp>
-        <p:nvSpPr>
-          <p:cNvPr id="11" name="Google Shape;836;p57">
-            <a:extLst>
-              <a:ext uri="{FF2B5EF4-FFF2-40B4-BE49-F238E27FC236}">
-                <a16:creationId xmlns:a16="http://schemas.microsoft.com/office/drawing/2014/main" id="{561EE4ED-797D-5777-4D68-5A5457A72747}"/>
-              </a:ext>
-            </a:extLst>
-          </p:cNvPr>
-          <p:cNvSpPr/>
-          <p:nvPr/>
-        </p:nvSpPr>
-        <p:spPr>
-          <a:xfrm>
-            <a:off x="7295428" y="4335388"/>
-            <a:ext cx="77840" cy="239950"/>
-          </a:xfrm>
-          <a:custGeom>
-            <a:avLst/>
-            <a:gdLst/>
-            <a:ahLst/>
-            <a:cxnLst/>
-            <a:rect l="l" t="t" r="r" b="b"/>
-            <a:pathLst>
-              <a:path w="895" h="2759" extrusionOk="0">
-                <a:moveTo>
-                  <a:pt x="457" y="0"/>
-                </a:moveTo>
-                <a:cubicBezTo>
-                  <a:pt x="191" y="0"/>
-                  <a:pt x="1" y="190"/>
-                  <a:pt x="1" y="438"/>
-                </a:cubicBezTo>
-                <a:lnTo>
-                  <a:pt x="1" y="2321"/>
-                </a:lnTo>
-                <a:cubicBezTo>
-                  <a:pt x="1" y="2568"/>
-                  <a:pt x="210" y="2758"/>
-                  <a:pt x="457" y="2758"/>
-                </a:cubicBezTo>
-                <a:cubicBezTo>
-                  <a:pt x="705" y="2758"/>
-                  <a:pt x="895" y="2568"/>
-                  <a:pt x="895" y="2321"/>
-                </a:cubicBezTo>
-                <a:lnTo>
-                  <a:pt x="895" y="438"/>
-                </a:lnTo>
-                <a:cubicBezTo>
-                  <a:pt x="895" y="190"/>
-                  <a:pt x="705" y="0"/>
-                  <a:pt x="457" y="0"/>
-                </a:cubicBezTo>
-                <a:close/>
-              </a:path>
-            </a:pathLst>
-          </a:custGeom>
-          <a:solidFill>
-            <a:schemeClr val="accent3"/>
-          </a:solidFill>
-          <a:ln>
-            <a:noFill/>
-          </a:ln>
-        </p:spPr>
-        <p:txBody>
-          <a:bodyPr spcFirstLastPara="1" wrap="square" lIns="91425" tIns="91425" rIns="91425" bIns="91425" anchor="ctr" anchorCtr="0">
-            <a:noAutofit/>
-          </a:bodyPr>
-          <a:lstStyle/>
-          <a:p>
-            <a:pPr marL="0" lvl="0" indent="0" algn="l" rtl="0">
-              <a:spcBef>
-                <a:spcPts val="0"/>
-              </a:spcBef>
-              <a:spcAft>
-                <a:spcPts val="0"/>
-              </a:spcAft>
-              <a:buNone/>
-            </a:pPr>
-            <a:endParaRPr dirty="0"/>
-          </a:p>
-        </p:txBody>
-      </p:sp>
-      <p:sp>
-        <p:nvSpPr>
-          <p:cNvPr id="12" name="Google Shape;837;p57">
-            <a:extLst>
-              <a:ext uri="{FF2B5EF4-FFF2-40B4-BE49-F238E27FC236}">
-                <a16:creationId xmlns:a16="http://schemas.microsoft.com/office/drawing/2014/main" id="{AB6D63EC-1D18-1125-72A5-E8CEFB615B4B}"/>
-              </a:ext>
-            </a:extLst>
-          </p:cNvPr>
-          <p:cNvSpPr/>
-          <p:nvPr/>
-        </p:nvSpPr>
-        <p:spPr>
-          <a:xfrm>
-            <a:off x="7212721" y="4411677"/>
-            <a:ext cx="243262" cy="77838"/>
-          </a:xfrm>
-          <a:custGeom>
-            <a:avLst/>
-            <a:gdLst/>
-            <a:ahLst/>
-            <a:cxnLst/>
-            <a:rect l="l" t="t" r="r" b="b"/>
-            <a:pathLst>
-              <a:path w="2797" h="895" extrusionOk="0">
-                <a:moveTo>
-                  <a:pt x="438" y="0"/>
-                </a:moveTo>
-                <a:cubicBezTo>
-                  <a:pt x="191" y="0"/>
-                  <a:pt x="1" y="190"/>
-                  <a:pt x="1" y="438"/>
-                </a:cubicBezTo>
-                <a:cubicBezTo>
-                  <a:pt x="1" y="685"/>
-                  <a:pt x="191" y="894"/>
-                  <a:pt x="438" y="894"/>
-                </a:cubicBezTo>
-                <a:lnTo>
-                  <a:pt x="2359" y="894"/>
-                </a:lnTo>
-                <a:cubicBezTo>
-                  <a:pt x="2607" y="894"/>
-                  <a:pt x="2797" y="685"/>
-                  <a:pt x="2797" y="438"/>
-                </a:cubicBezTo>
-                <a:cubicBezTo>
-                  <a:pt x="2797" y="190"/>
-                  <a:pt x="2607" y="0"/>
-                  <a:pt x="2359" y="0"/>
-                </a:cubicBezTo>
-                <a:close/>
-              </a:path>
-            </a:pathLst>
-          </a:custGeom>
-          <a:solidFill>
-            <a:schemeClr val="accent3"/>
-          </a:solidFill>
-          <a:ln>
-            <a:noFill/>
-          </a:ln>
-        </p:spPr>
-        <p:txBody>
-          <a:bodyPr spcFirstLastPara="1" wrap="square" lIns="91425" tIns="91425" rIns="91425" bIns="91425" anchor="ctr" anchorCtr="0">
-            <a:noAutofit/>
-          </a:bodyPr>
-          <a:lstStyle/>
-          <a:p>
-            <a:pPr marL="0" lvl="0" indent="0" algn="l" rtl="0">
-              <a:spcBef>
-                <a:spcPts val="0"/>
-              </a:spcBef>
-              <a:spcAft>
-                <a:spcPts val="0"/>
-              </a:spcAft>
-              <a:buNone/>
-            </a:pPr>
-            <a:endParaRPr dirty="0"/>
-          </a:p>
-        </p:txBody>
-      </p:sp>
-    </p:spTree>
-  </p:cSld>
-  <p:clrMapOvr>
-    <a:masterClrMapping/>
-  </p:clrMapOvr>
-  <mc:AlternateContent xmlns:mc="http://schemas.openxmlformats.org/markup-compatibility/2006" xmlns:p14="http://schemas.microsoft.com/office/powerpoint/2010/main">
-    <mc:Choice Requires="p14">
-      <p:transition spd="med" p14:dur="700">
-        <p:fade/>
-      </p:transition>
-    </mc:Choice>
-    <mc:Fallback xmlns="">
-      <p:transition spd="med">
-        <p:fade/>
-      </p:transition>
-    </mc:Fallback>
-  </mc:AlternateContent>
-  <p:timing>
-    <p:tnLst>
-      <p:par>
-        <p:cTn id="1" dur="indefinite" restart="never" nodeType="tmRoot">
-          <p:childTnLst>
-            <p:seq concurrent="1" nextAc="seek">
-              <p:cTn id="2" dur="indefinite" nodeType="mainSeq">
-                <p:childTnLst>
-                  <p:par>
-                    <p:cTn id="3" fill="hold">
-                      <p:stCondLst>
-                        <p:cond delay="indefinite"/>
-                        <p:cond evt="onBegin" delay="0">
-                          <p:tn val="2"/>
-                        </p:cond>
-                      </p:stCondLst>
-                      <p:childTnLst>
-                        <p:par>
-                          <p:cTn id="4" fill="hold">
-                            <p:stCondLst>
-                              <p:cond delay="0"/>
-                            </p:stCondLst>
-                            <p:childTnLst>
-                              <p:par>
-                                <p:cTn id="5" presetID="27" presetClass="emph" presetSubtype="0" fill="remove" grpId="0" nodeType="withEffect">
-                                  <p:stCondLst>
-                                    <p:cond delay="1000"/>
-                                  </p:stCondLst>
-                                  <p:childTnLst>
-                                    <p:animClr clrSpc="rgb" dir="cw">
-                                      <p:cBhvr override="childStyle">
-                                        <p:cTn id="6" dur="250" autoRev="1" fill="remove"/>
-                                        <p:tgtEl>
-                                          <p:spTgt spid="7"/>
-                                        </p:tgtEl>
-                                        <p:attrNameLst>
-                                          <p:attrName>style.color</p:attrName>
-                                        </p:attrNameLst>
-                                      </p:cBhvr>
-                                      <p:to>
-                                        <a:schemeClr val="bg1"/>
-                                      </p:to>
-                                    </p:animClr>
-                                    <p:animClr clrSpc="rgb" dir="cw">
-                                      <p:cBhvr>
-                                        <p:cTn id="7" dur="250" autoRev="1" fill="remove"/>
-                                        <p:tgtEl>
-                                          <p:spTgt spid="7"/>
-                                        </p:tgtEl>
-                                        <p:attrNameLst>
-                                          <p:attrName>fillcolor</p:attrName>
-                                        </p:attrNameLst>
-                                      </p:cBhvr>
-                                      <p:to>
-                                        <a:schemeClr val="bg1"/>
-                                      </p:to>
-                                    </p:animClr>
-                                    <p:set>
-                                      <p:cBhvr>
-                                        <p:cTn id="8" dur="250" autoRev="1" fill="remove"/>
-                                        <p:tgtEl>
-                                          <p:spTgt spid="7"/>
-                                        </p:tgtEl>
-                                        <p:attrNameLst>
-                                          <p:attrName>fill.type</p:attrName>
-                                        </p:attrNameLst>
-                                      </p:cBhvr>
-                                      <p:to>
-                                        <p:strVal val="solid"/>
-                                      </p:to>
-                                    </p:set>
-                                    <p:set>
-                                      <p:cBhvr>
-                                        <p:cTn id="9" dur="250" autoRev="1" fill="remove"/>
-                                        <p:tgtEl>
-                                          <p:spTgt spid="7"/>
-                                        </p:tgtEl>
-                                        <p:attrNameLst>
-                                          <p:attrName>fill.on</p:attrName>
-                                        </p:attrNameLst>
-                                      </p:cBhvr>
-                                      <p:to>
-                                        <p:strVal val="true"/>
-                                      </p:to>
-                                    </p:set>
-                                  </p:childTnLst>
-                                </p:cTn>
-                              </p:par>
-                              <p:par>
-                                <p:cTn id="10" presetID="27" presetClass="emph" presetSubtype="0" fill="remove" grpId="0" nodeType="withEffect">
-                                  <p:stCondLst>
-                                    <p:cond delay="1000"/>
-                                  </p:stCondLst>
-                                  <p:childTnLst>
-                                    <p:animClr clrSpc="rgb" dir="cw">
-                                      <p:cBhvr override="childStyle">
-                                        <p:cTn id="11" dur="250" autoRev="1" fill="remove"/>
-                                        <p:tgtEl>
-                                          <p:spTgt spid="8"/>
-                                        </p:tgtEl>
-                                        <p:attrNameLst>
-                                          <p:attrName>style.color</p:attrName>
-                                        </p:attrNameLst>
-                                      </p:cBhvr>
-                                      <p:to>
-                                        <a:schemeClr val="bg1"/>
-                                      </p:to>
-                                    </p:animClr>
-                                    <p:animClr clrSpc="rgb" dir="cw">
-                                      <p:cBhvr>
-                                        <p:cTn id="12" dur="250" autoRev="1" fill="remove"/>
-                                        <p:tgtEl>
-                                          <p:spTgt spid="8"/>
-                                        </p:tgtEl>
-                                        <p:attrNameLst>
-                                          <p:attrName>fillcolor</p:attrName>
-                                        </p:attrNameLst>
-                                      </p:cBhvr>
-                                      <p:to>
-                                        <a:schemeClr val="bg1"/>
-                                      </p:to>
-                                    </p:animClr>
-                                    <p:set>
-                                      <p:cBhvr>
-                                        <p:cTn id="13" dur="250" autoRev="1" fill="remove"/>
-                                        <p:tgtEl>
-                                          <p:spTgt spid="8"/>
-                                        </p:tgtEl>
-                                        <p:attrNameLst>
-                                          <p:attrName>fill.type</p:attrName>
-                                        </p:attrNameLst>
-                                      </p:cBhvr>
-                                      <p:to>
-                                        <p:strVal val="solid"/>
-                                      </p:to>
-                                    </p:set>
-                                    <p:set>
-                                      <p:cBhvr>
-                                        <p:cTn id="14" dur="250" autoRev="1" fill="remove"/>
-                                        <p:tgtEl>
-                                          <p:spTgt spid="8"/>
-                                        </p:tgtEl>
-                                        <p:attrNameLst>
-                                          <p:attrName>fill.on</p:attrName>
-                                        </p:attrNameLst>
-                                      </p:cBhvr>
-                                      <p:to>
-                                        <p:strVal val="true"/>
-                                      </p:to>
-                                    </p:set>
-                                  </p:childTnLst>
-                                </p:cTn>
-                              </p:par>
-                              <p:par>
-                                <p:cTn id="15" presetID="27" presetClass="emph" presetSubtype="0" fill="remove" grpId="0" nodeType="withEffect">
-                                  <p:stCondLst>
-                                    <p:cond delay="1000"/>
-                                  </p:stCondLst>
-                                  <p:childTnLst>
-                                    <p:animClr clrSpc="rgb" dir="cw">
-                                      <p:cBhvr override="childStyle">
-                                        <p:cTn id="16" dur="250" autoRev="1" fill="remove"/>
-                                        <p:tgtEl>
-                                          <p:spTgt spid="9"/>
-                                        </p:tgtEl>
-                                        <p:attrNameLst>
-                                          <p:attrName>style.color</p:attrName>
-                                        </p:attrNameLst>
-                                      </p:cBhvr>
-                                      <p:to>
-                                        <a:schemeClr val="bg1"/>
-                                      </p:to>
-                                    </p:animClr>
-                                    <p:animClr clrSpc="rgb" dir="cw">
-                                      <p:cBhvr>
-                                        <p:cTn id="17" dur="250" autoRev="1" fill="remove"/>
-                                        <p:tgtEl>
-                                          <p:spTgt spid="9"/>
-                                        </p:tgtEl>
-                                        <p:attrNameLst>
-                                          <p:attrName>fillcolor</p:attrName>
-                                        </p:attrNameLst>
-                                      </p:cBhvr>
-                                      <p:to>
-                                        <a:schemeClr val="bg1"/>
-                                      </p:to>
-                                    </p:animClr>
-                                    <p:set>
-                                      <p:cBhvr>
-                                        <p:cTn id="18" dur="250" autoRev="1" fill="remove"/>
-                                        <p:tgtEl>
-                                          <p:spTgt spid="9"/>
-                                        </p:tgtEl>
-                                        <p:attrNameLst>
-                                          <p:attrName>fill.type</p:attrName>
-                                        </p:attrNameLst>
-                                      </p:cBhvr>
-                                      <p:to>
-                                        <p:strVal val="solid"/>
-                                      </p:to>
-                                    </p:set>
-                                    <p:set>
-                                      <p:cBhvr>
-                                        <p:cTn id="19" dur="250" autoRev="1" fill="remove"/>
-                                        <p:tgtEl>
-                                          <p:spTgt spid="9"/>
-                                        </p:tgtEl>
-                                        <p:attrNameLst>
-                                          <p:attrName>fill.on</p:attrName>
-                                        </p:attrNameLst>
-                                      </p:cBhvr>
-                                      <p:to>
-                                        <p:strVal val="true"/>
-                                      </p:to>
-                                    </p:set>
-                                  </p:childTnLst>
-                                </p:cTn>
-                              </p:par>
-                              <p:par>
-                                <p:cTn id="20" presetID="27" presetClass="emph" presetSubtype="0" fill="remove" grpId="0" nodeType="withEffect">
-                                  <p:stCondLst>
-                                    <p:cond delay="1000"/>
-                                  </p:stCondLst>
-                                  <p:childTnLst>
-                                    <p:animClr clrSpc="rgb" dir="cw">
-                                      <p:cBhvr override="childStyle">
-                                        <p:cTn id="21" dur="250" autoRev="1" fill="remove"/>
-                                        <p:tgtEl>
-                                          <p:spTgt spid="10"/>
-                                        </p:tgtEl>
-                                        <p:attrNameLst>
-                                          <p:attrName>style.color</p:attrName>
-                                        </p:attrNameLst>
-                                      </p:cBhvr>
-                                      <p:to>
-                                        <a:schemeClr val="bg1"/>
-                                      </p:to>
-                                    </p:animClr>
-                                    <p:animClr clrSpc="rgb" dir="cw">
-                                      <p:cBhvr>
-                                        <p:cTn id="22" dur="250" autoRev="1" fill="remove"/>
-                                        <p:tgtEl>
-                                          <p:spTgt spid="10"/>
-                                        </p:tgtEl>
-                                        <p:attrNameLst>
-                                          <p:attrName>fillcolor</p:attrName>
-                                        </p:attrNameLst>
-                                      </p:cBhvr>
-                                      <p:to>
-                                        <a:schemeClr val="bg1"/>
-                                      </p:to>
-                                    </p:animClr>
-                                    <p:set>
-                                      <p:cBhvr>
-                                        <p:cTn id="23" dur="250" autoRev="1" fill="remove"/>
-                                        <p:tgtEl>
-                                          <p:spTgt spid="10"/>
-                                        </p:tgtEl>
-                                        <p:attrNameLst>
-                                          <p:attrName>fill.type</p:attrName>
-                                        </p:attrNameLst>
-                                      </p:cBhvr>
-                                      <p:to>
-                                        <p:strVal val="solid"/>
-                                      </p:to>
-                                    </p:set>
-                                    <p:set>
-                                      <p:cBhvr>
-                                        <p:cTn id="24" dur="250" autoRev="1" fill="remove"/>
-                                        <p:tgtEl>
-                                          <p:spTgt spid="10"/>
-                                        </p:tgtEl>
-                                        <p:attrNameLst>
-                                          <p:attrName>fill.on</p:attrName>
-                                        </p:attrNameLst>
-                                      </p:cBhvr>
-                                      <p:to>
-                                        <p:strVal val="true"/>
-                                      </p:to>
-                                    </p:set>
-                                  </p:childTnLst>
-                                </p:cTn>
-                              </p:par>
-                              <p:par>
-                                <p:cTn id="25" presetID="27" presetClass="emph" presetSubtype="0" fill="remove" grpId="0" nodeType="withEffect">
-                                  <p:stCondLst>
-                                    <p:cond delay="1000"/>
-                                  </p:stCondLst>
-                                  <p:childTnLst>
-                                    <p:animClr clrSpc="rgb" dir="cw">
-                                      <p:cBhvr override="childStyle">
-                                        <p:cTn id="26" dur="250" autoRev="1" fill="remove"/>
-                                        <p:tgtEl>
-                                          <p:spTgt spid="11"/>
-                                        </p:tgtEl>
-                                        <p:attrNameLst>
-                                          <p:attrName>style.color</p:attrName>
-                                        </p:attrNameLst>
-                                      </p:cBhvr>
-                                      <p:to>
-                                        <a:schemeClr val="bg1"/>
-                                      </p:to>
-                                    </p:animClr>
-                                    <p:animClr clrSpc="rgb" dir="cw">
-                                      <p:cBhvr>
-                                        <p:cTn id="27" dur="250" autoRev="1" fill="remove"/>
-                                        <p:tgtEl>
-                                          <p:spTgt spid="11"/>
-                                        </p:tgtEl>
-                                        <p:attrNameLst>
-                                          <p:attrName>fillcolor</p:attrName>
-                                        </p:attrNameLst>
-                                      </p:cBhvr>
-                                      <p:to>
-                                        <a:schemeClr val="bg1"/>
-                                      </p:to>
-                                    </p:animClr>
-                                    <p:set>
-                                      <p:cBhvr>
-                                        <p:cTn id="28" dur="250" autoRev="1" fill="remove"/>
-                                        <p:tgtEl>
-                                          <p:spTgt spid="11"/>
-                                        </p:tgtEl>
-                                        <p:attrNameLst>
-                                          <p:attrName>fill.type</p:attrName>
-                                        </p:attrNameLst>
-                                      </p:cBhvr>
-                                      <p:to>
-                                        <p:strVal val="solid"/>
-                                      </p:to>
-                                    </p:set>
-                                    <p:set>
-                                      <p:cBhvr>
-                                        <p:cTn id="29" dur="250" autoRev="1" fill="remove"/>
-                                        <p:tgtEl>
-                                          <p:spTgt spid="11"/>
-                                        </p:tgtEl>
-                                        <p:attrNameLst>
-                                          <p:attrName>fill.on</p:attrName>
-                                        </p:attrNameLst>
-                                      </p:cBhvr>
-                                      <p:to>
-                                        <p:strVal val="true"/>
-                                      </p:to>
-                                    </p:set>
-                                  </p:childTnLst>
-                                </p:cTn>
-                              </p:par>
-                              <p:par>
-                                <p:cTn id="30" presetID="27" presetClass="emph" presetSubtype="0" fill="remove" grpId="0" nodeType="withEffect">
-                                  <p:stCondLst>
-                                    <p:cond delay="1000"/>
-                                  </p:stCondLst>
-                                  <p:childTnLst>
-                                    <p:animClr clrSpc="rgb" dir="cw">
-                                      <p:cBhvr override="childStyle">
-                                        <p:cTn id="31" dur="250" autoRev="1" fill="remove"/>
-                                        <p:tgtEl>
-                                          <p:spTgt spid="12"/>
-                                        </p:tgtEl>
-                                        <p:attrNameLst>
-                                          <p:attrName>style.color</p:attrName>
-                                        </p:attrNameLst>
-                                      </p:cBhvr>
-                                      <p:to>
-                                        <a:schemeClr val="bg1"/>
-                                      </p:to>
-                                    </p:animClr>
-                                    <p:animClr clrSpc="rgb" dir="cw">
-                                      <p:cBhvr>
-                                        <p:cTn id="32" dur="250" autoRev="1" fill="remove"/>
-                                        <p:tgtEl>
-                                          <p:spTgt spid="12"/>
-                                        </p:tgtEl>
-                                        <p:attrNameLst>
-                                          <p:attrName>fillcolor</p:attrName>
-                                        </p:attrNameLst>
-                                      </p:cBhvr>
-                                      <p:to>
-                                        <a:schemeClr val="bg1"/>
-                                      </p:to>
-                                    </p:animClr>
-                                    <p:set>
-                                      <p:cBhvr>
-                                        <p:cTn id="33" dur="250" autoRev="1" fill="remove"/>
-                                        <p:tgtEl>
-                                          <p:spTgt spid="12"/>
-                                        </p:tgtEl>
-                                        <p:attrNameLst>
-                                          <p:attrName>fill.type</p:attrName>
-                                        </p:attrNameLst>
-                                      </p:cBhvr>
-                                      <p:to>
-                                        <p:strVal val="solid"/>
-                                      </p:to>
-                                    </p:set>
-                                    <p:set>
-                                      <p:cBhvr>
-                                        <p:cTn id="34" dur="250" autoRev="1" fill="remove"/>
-                                        <p:tgtEl>
-                                          <p:spTgt spid="12"/>
-                                        </p:tgtEl>
-                                        <p:attrNameLst>
-                                          <p:attrName>fill.on</p:attrName>
-                                        </p:attrNameLst>
-                                      </p:cBhvr>
-                                      <p:to>
-                                        <p:strVal val="true"/>
-                                      </p:to>
-                                    </p:set>
-                                  </p:childTnLst>
-                                </p:cTn>
-                              </p:par>
-                            </p:childTnLst>
-                          </p:cTn>
-                        </p:par>
-                      </p:childTnLst>
-                    </p:cTn>
-                  </p:par>
-                </p:childTnLst>
-              </p:cTn>
-              <p:prevCondLst>
-                <p:cond evt="onPrev" delay="0">
-                  <p:tgtEl>
-                    <p:sldTgt/>
-                  </p:tgtEl>
-                </p:cond>
-              </p:prevCondLst>
-              <p:nextCondLst>
-                <p:cond evt="onNext" delay="0">
-                  <p:tgtEl>
-                    <p:sldTgt/>
-                  </p:tgtEl>
-                </p:cond>
-              </p:nextCondLst>
-            </p:seq>
-          </p:childTnLst>
-        </p:cTn>
-      </p:par>
-    </p:tnLst>
-    <p:bldLst>
-      <p:bldP spid="7" grpId="0" animBg="1"/>
-      <p:bldP spid="8" grpId="0" animBg="1"/>
-      <p:bldP spid="9" grpId="0" animBg="1"/>
-      <p:bldP spid="10" grpId="0" animBg="1"/>
-      <p:bldP spid="11" grpId="0" animBg="1"/>
-      <p:bldP spid="12" grpId="0" animBg="1"/>
-    </p:bldLst>
-  </p:timing>
 </p:sld>
 </file>
 
@@ -19167,6 +18601,3737 @@
 </file>
 
 <file path=ppt/slides/slide20.xml><?xml version="1.0" encoding="utf-8"?>
+<p:sld xmlns:a="http://schemas.openxmlformats.org/drawingml/2006/main" xmlns:r="http://schemas.openxmlformats.org/officeDocument/2006/relationships" xmlns:p="http://schemas.openxmlformats.org/presentationml/2006/main">
+  <p:cSld>
+    <p:spTree>
+      <p:nvGrpSpPr>
+        <p:cNvPr id="1" name="Shape 353"/>
+        <p:cNvGrpSpPr/>
+        <p:nvPr/>
+      </p:nvGrpSpPr>
+      <p:grpSpPr>
+        <a:xfrm>
+          <a:off x="0" y="0"/>
+          <a:ext cx="0" cy="0"/>
+          <a:chOff x="0" y="0"/>
+          <a:chExt cx="0" cy="0"/>
+        </a:xfrm>
+      </p:grpSpPr>
+      <p:sp>
+        <p:nvSpPr>
+          <p:cNvPr id="354" name="Google Shape;354;p37"/>
+          <p:cNvSpPr txBox="1">
+            <a:spLocks noGrp="1"/>
+          </p:cNvSpPr>
+          <p:nvPr>
+            <p:ph type="title"/>
+          </p:nvPr>
+        </p:nvSpPr>
+        <p:spPr>
+          <a:xfrm>
+            <a:off x="714375" y="190941"/>
+            <a:ext cx="7715250" cy="571500"/>
+          </a:xfrm>
+          <a:prstGeom prst="rect">
+            <a:avLst/>
+          </a:prstGeom>
+        </p:spPr>
+        <p:txBody>
+          <a:bodyPr spcFirstLastPara="1" wrap="square" lIns="91425" tIns="91425" rIns="91425" bIns="91425" anchor="t" anchorCtr="0">
+            <a:noAutofit/>
+          </a:bodyPr>
+          <a:lstStyle/>
+          <a:p>
+            <a:pPr lvl="0" algn="ctr"/>
+            <a:r>
+              <a:rPr lang="es-ES" sz="2800" dirty="0">
+                <a:latin typeface="Century Gothic" panose="020B0502020202020204" pitchFamily="34" charset="0"/>
+              </a:rPr>
+              <a:t>Completar los </a:t>
+            </a:r>
+            <a:r>
+              <a:rPr lang="es-ES" sz="2800" dirty="0" err="1">
+                <a:latin typeface="Century Gothic" panose="020B0502020202020204" pitchFamily="34" charset="0"/>
+              </a:rPr>
+              <a:t>End</a:t>
+            </a:r>
+            <a:r>
+              <a:rPr lang="es-ES" sz="2800" dirty="0"/>
+              <a:t> </a:t>
+            </a:r>
+            <a:r>
+              <a:rPr lang="es-ES" sz="2800" dirty="0" err="1"/>
+              <a:t>Points</a:t>
+            </a:r>
+            <a:r>
+              <a:rPr lang="es-ES" sz="2800" dirty="0"/>
+              <a:t> </a:t>
+            </a:r>
+            <a:br>
+              <a:rPr lang="es-ES" sz="2800" dirty="0"/>
+            </a:br>
+            <a:r>
+              <a:rPr lang="es-ES" sz="2800" dirty="0"/>
+              <a:t>de </a:t>
+            </a:r>
+            <a:r>
+              <a:rPr lang="es-ES" sz="2800" dirty="0" err="1"/>
+              <a:t>Books</a:t>
+            </a:r>
+            <a:endParaRPr sz="2800" dirty="0">
+              <a:solidFill>
+                <a:schemeClr val="accent3"/>
+              </a:solidFill>
+              <a:latin typeface="Century Gothic" panose="020B0502020202020204" pitchFamily="34" charset="0"/>
+            </a:endParaRPr>
+          </a:p>
+        </p:txBody>
+      </p:sp>
+      <p:sp>
+        <p:nvSpPr>
+          <p:cNvPr id="20" name="Google Shape;336;p36">
+            <a:extLst>
+              <a:ext uri="{FF2B5EF4-FFF2-40B4-BE49-F238E27FC236}">
+                <a16:creationId xmlns:a16="http://schemas.microsoft.com/office/drawing/2014/main" id="{5926CBDB-15CA-9A39-1A85-C9A5FF9D3F48}"/>
+              </a:ext>
+            </a:extLst>
+          </p:cNvPr>
+          <p:cNvSpPr/>
+          <p:nvPr/>
+        </p:nvSpPr>
+        <p:spPr>
+          <a:xfrm>
+            <a:off x="4654787" y="3139949"/>
+            <a:ext cx="695400" cy="677400"/>
+          </a:xfrm>
+          <a:prstGeom prst="roundRect">
+            <a:avLst>
+              <a:gd name="adj" fmla="val 16667"/>
+            </a:avLst>
+          </a:prstGeom>
+          <a:solidFill>
+            <a:srgbClr val="F3B734"/>
+          </a:solidFill>
+          <a:ln>
+            <a:noFill/>
+          </a:ln>
+        </p:spPr>
+        <p:txBody>
+          <a:bodyPr spcFirstLastPara="1" wrap="square" lIns="91425" tIns="91425" rIns="91425" bIns="91425" anchor="ctr" anchorCtr="0">
+            <a:noAutofit/>
+          </a:bodyPr>
+          <a:lstStyle/>
+          <a:p>
+            <a:pPr marL="0" lvl="0" indent="0" algn="l" rtl="0">
+              <a:spcBef>
+                <a:spcPts val="0"/>
+              </a:spcBef>
+              <a:spcAft>
+                <a:spcPts val="0"/>
+              </a:spcAft>
+              <a:buNone/>
+            </a:pPr>
+            <a:endParaRPr/>
+          </a:p>
+        </p:txBody>
+      </p:sp>
+      <p:sp>
+        <p:nvSpPr>
+          <p:cNvPr id="21" name="Google Shape;333;p36">
+            <a:extLst>
+              <a:ext uri="{FF2B5EF4-FFF2-40B4-BE49-F238E27FC236}">
+                <a16:creationId xmlns:a16="http://schemas.microsoft.com/office/drawing/2014/main" id="{D436497F-436D-937E-3045-D249A08DBB76}"/>
+              </a:ext>
+            </a:extLst>
+          </p:cNvPr>
+          <p:cNvSpPr/>
+          <p:nvPr/>
+        </p:nvSpPr>
+        <p:spPr>
+          <a:xfrm>
+            <a:off x="613287" y="1547649"/>
+            <a:ext cx="695400" cy="677400"/>
+          </a:xfrm>
+          <a:prstGeom prst="roundRect">
+            <a:avLst>
+              <a:gd name="adj" fmla="val 16667"/>
+            </a:avLst>
+          </a:prstGeom>
+          <a:solidFill>
+            <a:srgbClr val="F3B734"/>
+          </a:solidFill>
+          <a:ln>
+            <a:noFill/>
+          </a:ln>
+        </p:spPr>
+        <p:txBody>
+          <a:bodyPr spcFirstLastPara="1" wrap="square" lIns="91425" tIns="91425" rIns="91425" bIns="91425" anchor="ctr" anchorCtr="0">
+            <a:noAutofit/>
+          </a:bodyPr>
+          <a:lstStyle/>
+          <a:p>
+            <a:pPr marL="0" lvl="0" indent="0" algn="l" rtl="0">
+              <a:spcBef>
+                <a:spcPts val="0"/>
+              </a:spcBef>
+              <a:spcAft>
+                <a:spcPts val="0"/>
+              </a:spcAft>
+              <a:buNone/>
+            </a:pPr>
+            <a:endParaRPr/>
+          </a:p>
+        </p:txBody>
+      </p:sp>
+      <p:sp>
+        <p:nvSpPr>
+          <p:cNvPr id="22" name="Google Shape;334;p36">
+            <a:extLst>
+              <a:ext uri="{FF2B5EF4-FFF2-40B4-BE49-F238E27FC236}">
+                <a16:creationId xmlns:a16="http://schemas.microsoft.com/office/drawing/2014/main" id="{B159242F-CD93-22BF-B1AB-78E100285B64}"/>
+              </a:ext>
+            </a:extLst>
+          </p:cNvPr>
+          <p:cNvSpPr/>
+          <p:nvPr/>
+        </p:nvSpPr>
+        <p:spPr>
+          <a:xfrm>
+            <a:off x="4654787" y="1547649"/>
+            <a:ext cx="695400" cy="677400"/>
+          </a:xfrm>
+          <a:prstGeom prst="roundRect">
+            <a:avLst>
+              <a:gd name="adj" fmla="val 16667"/>
+            </a:avLst>
+          </a:prstGeom>
+          <a:solidFill>
+            <a:srgbClr val="F3B734"/>
+          </a:solidFill>
+          <a:ln>
+            <a:noFill/>
+          </a:ln>
+        </p:spPr>
+        <p:txBody>
+          <a:bodyPr spcFirstLastPara="1" wrap="square" lIns="91425" tIns="91425" rIns="91425" bIns="91425" anchor="ctr" anchorCtr="0">
+            <a:noAutofit/>
+          </a:bodyPr>
+          <a:lstStyle/>
+          <a:p>
+            <a:pPr marL="0" lvl="0" indent="0" algn="l" rtl="0">
+              <a:spcBef>
+                <a:spcPts val="0"/>
+              </a:spcBef>
+              <a:spcAft>
+                <a:spcPts val="0"/>
+              </a:spcAft>
+              <a:buNone/>
+            </a:pPr>
+            <a:endParaRPr/>
+          </a:p>
+        </p:txBody>
+      </p:sp>
+      <p:sp>
+        <p:nvSpPr>
+          <p:cNvPr id="23" name="Google Shape;335;p36">
+            <a:extLst>
+              <a:ext uri="{FF2B5EF4-FFF2-40B4-BE49-F238E27FC236}">
+                <a16:creationId xmlns:a16="http://schemas.microsoft.com/office/drawing/2014/main" id="{7367C298-39FA-2BDE-3827-D59DE51723F2}"/>
+              </a:ext>
+            </a:extLst>
+          </p:cNvPr>
+          <p:cNvSpPr/>
+          <p:nvPr/>
+        </p:nvSpPr>
+        <p:spPr>
+          <a:xfrm>
+            <a:off x="613287" y="3139949"/>
+            <a:ext cx="695400" cy="677400"/>
+          </a:xfrm>
+          <a:prstGeom prst="roundRect">
+            <a:avLst>
+              <a:gd name="adj" fmla="val 16667"/>
+            </a:avLst>
+          </a:prstGeom>
+          <a:solidFill>
+            <a:srgbClr val="F3B734"/>
+          </a:solidFill>
+          <a:ln>
+            <a:noFill/>
+          </a:ln>
+        </p:spPr>
+        <p:txBody>
+          <a:bodyPr spcFirstLastPara="1" wrap="square" lIns="91425" tIns="91425" rIns="91425" bIns="91425" anchor="ctr" anchorCtr="0">
+            <a:noAutofit/>
+          </a:bodyPr>
+          <a:lstStyle/>
+          <a:p>
+            <a:pPr marL="0" lvl="0" indent="0" algn="l" rtl="0">
+              <a:spcBef>
+                <a:spcPts val="0"/>
+              </a:spcBef>
+              <a:spcAft>
+                <a:spcPts val="0"/>
+              </a:spcAft>
+              <a:buNone/>
+            </a:pPr>
+            <a:endParaRPr/>
+          </a:p>
+        </p:txBody>
+      </p:sp>
+      <p:sp>
+        <p:nvSpPr>
+          <p:cNvPr id="24" name="Google Shape;337;p36">
+            <a:extLst>
+              <a:ext uri="{FF2B5EF4-FFF2-40B4-BE49-F238E27FC236}">
+                <a16:creationId xmlns:a16="http://schemas.microsoft.com/office/drawing/2014/main" id="{A238EA03-DC04-222E-CB4C-C51767BEABAA}"/>
+              </a:ext>
+            </a:extLst>
+          </p:cNvPr>
+          <p:cNvSpPr txBox="1">
+            <a:spLocks/>
+          </p:cNvSpPr>
+          <p:nvPr/>
+        </p:nvSpPr>
+        <p:spPr>
+          <a:xfrm>
+            <a:off x="1323689" y="1599374"/>
+            <a:ext cx="2516188" cy="527050"/>
+          </a:xfrm>
+          <a:prstGeom prst="rect">
+            <a:avLst/>
+          </a:prstGeom>
+        </p:spPr>
+        <p:txBody>
+          <a:bodyPr spcFirstLastPara="1" wrap="square" lIns="91425" tIns="91425" rIns="91425" bIns="91425" anchor="ctr" anchorCtr="0">
+            <a:noAutofit/>
+          </a:bodyPr>
+          <a:lstStyle>
+            <a:defPPr marR="0" lvl="0" algn="l" rtl="0">
+              <a:lnSpc>
+                <a:spcPct val="100000"/>
+              </a:lnSpc>
+              <a:spcBef>
+                <a:spcPts val="0"/>
+              </a:spcBef>
+              <a:spcAft>
+                <a:spcPts val="0"/>
+              </a:spcAft>
+            </a:defPPr>
+            <a:lvl1pPr marR="0" lvl="0" algn="ctr" rtl="0">
+              <a:lnSpc>
+                <a:spcPct val="100000"/>
+              </a:lnSpc>
+              <a:spcBef>
+                <a:spcPts val="0"/>
+              </a:spcBef>
+              <a:spcAft>
+                <a:spcPts val="0"/>
+              </a:spcAft>
+              <a:buClr>
+                <a:schemeClr val="accent1"/>
+              </a:buClr>
+              <a:buSzPts val="2800"/>
+              <a:buFont typeface="Ramabhadra"/>
+              <a:buNone/>
+              <a:defRPr sz="2000" b="1" i="0" u="none" strike="noStrike" cap="none">
+                <a:solidFill>
+                  <a:srgbClr val="007399"/>
+                </a:solidFill>
+                <a:latin typeface="Century Gothic" panose="020B0502020202020204" pitchFamily="34" charset="0"/>
+                <a:ea typeface="Arial Black" panose="020B0604020202020204" pitchFamily="34" charset="0"/>
+                <a:cs typeface="Arial Black" panose="020B0604020202020204" pitchFamily="34" charset="0"/>
+                <a:sym typeface="Arial"/>
+              </a:defRPr>
+            </a:lvl1pPr>
+            <a:lvl2pPr marR="0" lvl="1" algn="ctr" rtl="0">
+              <a:lnSpc>
+                <a:spcPct val="100000"/>
+              </a:lnSpc>
+              <a:spcBef>
+                <a:spcPts val="0"/>
+              </a:spcBef>
+              <a:spcAft>
+                <a:spcPts val="0"/>
+              </a:spcAft>
+              <a:buClr>
+                <a:schemeClr val="accent1"/>
+              </a:buClr>
+              <a:buSzPts val="2800"/>
+              <a:buFont typeface="Ramabhadra"/>
+              <a:buNone/>
+              <a:defRPr sz="2800" b="1" i="0" u="none" strike="noStrike" cap="none">
+                <a:solidFill>
+                  <a:schemeClr val="accent1"/>
+                </a:solidFill>
+                <a:latin typeface="Ramabhadra"/>
+                <a:ea typeface="Ramabhadra"/>
+                <a:cs typeface="Ramabhadra"/>
+                <a:sym typeface="Ramabhadra"/>
+              </a:defRPr>
+            </a:lvl2pPr>
+            <a:lvl3pPr marR="0" lvl="2" algn="ctr" rtl="0">
+              <a:lnSpc>
+                <a:spcPct val="100000"/>
+              </a:lnSpc>
+              <a:spcBef>
+                <a:spcPts val="0"/>
+              </a:spcBef>
+              <a:spcAft>
+                <a:spcPts val="0"/>
+              </a:spcAft>
+              <a:buClr>
+                <a:schemeClr val="accent1"/>
+              </a:buClr>
+              <a:buSzPts val="2800"/>
+              <a:buFont typeface="Ramabhadra"/>
+              <a:buNone/>
+              <a:defRPr sz="2800" b="1" i="0" u="none" strike="noStrike" cap="none">
+                <a:solidFill>
+                  <a:schemeClr val="accent1"/>
+                </a:solidFill>
+                <a:latin typeface="Ramabhadra"/>
+                <a:ea typeface="Ramabhadra"/>
+                <a:cs typeface="Ramabhadra"/>
+                <a:sym typeface="Ramabhadra"/>
+              </a:defRPr>
+            </a:lvl3pPr>
+            <a:lvl4pPr marR="0" lvl="3" algn="ctr" rtl="0">
+              <a:lnSpc>
+                <a:spcPct val="100000"/>
+              </a:lnSpc>
+              <a:spcBef>
+                <a:spcPts val="0"/>
+              </a:spcBef>
+              <a:spcAft>
+                <a:spcPts val="0"/>
+              </a:spcAft>
+              <a:buClr>
+                <a:schemeClr val="accent1"/>
+              </a:buClr>
+              <a:buSzPts val="2800"/>
+              <a:buFont typeface="Ramabhadra"/>
+              <a:buNone/>
+              <a:defRPr sz="2800" b="1" i="0" u="none" strike="noStrike" cap="none">
+                <a:solidFill>
+                  <a:schemeClr val="accent1"/>
+                </a:solidFill>
+                <a:latin typeface="Ramabhadra"/>
+                <a:ea typeface="Ramabhadra"/>
+                <a:cs typeface="Ramabhadra"/>
+                <a:sym typeface="Ramabhadra"/>
+              </a:defRPr>
+            </a:lvl4pPr>
+            <a:lvl5pPr marR="0" lvl="4" algn="ctr" rtl="0">
+              <a:lnSpc>
+                <a:spcPct val="100000"/>
+              </a:lnSpc>
+              <a:spcBef>
+                <a:spcPts val="0"/>
+              </a:spcBef>
+              <a:spcAft>
+                <a:spcPts val="0"/>
+              </a:spcAft>
+              <a:buClr>
+                <a:schemeClr val="accent1"/>
+              </a:buClr>
+              <a:buSzPts val="2800"/>
+              <a:buFont typeface="Ramabhadra"/>
+              <a:buNone/>
+              <a:defRPr sz="2800" b="1" i="0" u="none" strike="noStrike" cap="none">
+                <a:solidFill>
+                  <a:schemeClr val="accent1"/>
+                </a:solidFill>
+                <a:latin typeface="Ramabhadra"/>
+                <a:ea typeface="Ramabhadra"/>
+                <a:cs typeface="Ramabhadra"/>
+                <a:sym typeface="Ramabhadra"/>
+              </a:defRPr>
+            </a:lvl5pPr>
+            <a:lvl6pPr marR="0" lvl="5" algn="ctr" rtl="0">
+              <a:lnSpc>
+                <a:spcPct val="100000"/>
+              </a:lnSpc>
+              <a:spcBef>
+                <a:spcPts val="0"/>
+              </a:spcBef>
+              <a:spcAft>
+                <a:spcPts val="0"/>
+              </a:spcAft>
+              <a:buClr>
+                <a:schemeClr val="accent1"/>
+              </a:buClr>
+              <a:buSzPts val="2800"/>
+              <a:buFont typeface="Ramabhadra"/>
+              <a:buNone/>
+              <a:defRPr sz="2800" b="1" i="0" u="none" strike="noStrike" cap="none">
+                <a:solidFill>
+                  <a:schemeClr val="accent1"/>
+                </a:solidFill>
+                <a:latin typeface="Ramabhadra"/>
+                <a:ea typeface="Ramabhadra"/>
+                <a:cs typeface="Ramabhadra"/>
+                <a:sym typeface="Ramabhadra"/>
+              </a:defRPr>
+            </a:lvl6pPr>
+            <a:lvl7pPr marR="0" lvl="6" algn="ctr" rtl="0">
+              <a:lnSpc>
+                <a:spcPct val="100000"/>
+              </a:lnSpc>
+              <a:spcBef>
+                <a:spcPts val="0"/>
+              </a:spcBef>
+              <a:spcAft>
+                <a:spcPts val="0"/>
+              </a:spcAft>
+              <a:buClr>
+                <a:schemeClr val="accent1"/>
+              </a:buClr>
+              <a:buSzPts val="2800"/>
+              <a:buFont typeface="Ramabhadra"/>
+              <a:buNone/>
+              <a:defRPr sz="2800" b="1" i="0" u="none" strike="noStrike" cap="none">
+                <a:solidFill>
+                  <a:schemeClr val="accent1"/>
+                </a:solidFill>
+                <a:latin typeface="Ramabhadra"/>
+                <a:ea typeface="Ramabhadra"/>
+                <a:cs typeface="Ramabhadra"/>
+                <a:sym typeface="Ramabhadra"/>
+              </a:defRPr>
+            </a:lvl7pPr>
+            <a:lvl8pPr marR="0" lvl="7" algn="ctr" rtl="0">
+              <a:lnSpc>
+                <a:spcPct val="100000"/>
+              </a:lnSpc>
+              <a:spcBef>
+                <a:spcPts val="0"/>
+              </a:spcBef>
+              <a:spcAft>
+                <a:spcPts val="0"/>
+              </a:spcAft>
+              <a:buClr>
+                <a:schemeClr val="accent1"/>
+              </a:buClr>
+              <a:buSzPts val="2800"/>
+              <a:buFont typeface="Ramabhadra"/>
+              <a:buNone/>
+              <a:defRPr sz="2800" b="1" i="0" u="none" strike="noStrike" cap="none">
+                <a:solidFill>
+                  <a:schemeClr val="accent1"/>
+                </a:solidFill>
+                <a:latin typeface="Ramabhadra"/>
+                <a:ea typeface="Ramabhadra"/>
+                <a:cs typeface="Ramabhadra"/>
+                <a:sym typeface="Ramabhadra"/>
+              </a:defRPr>
+            </a:lvl8pPr>
+            <a:lvl9pPr marR="0" lvl="8" algn="ctr" rtl="0">
+              <a:lnSpc>
+                <a:spcPct val="100000"/>
+              </a:lnSpc>
+              <a:spcBef>
+                <a:spcPts val="0"/>
+              </a:spcBef>
+              <a:spcAft>
+                <a:spcPts val="0"/>
+              </a:spcAft>
+              <a:buClr>
+                <a:schemeClr val="accent1"/>
+              </a:buClr>
+              <a:buSzPts val="2800"/>
+              <a:buFont typeface="Ramabhadra"/>
+              <a:buNone/>
+              <a:defRPr sz="2800" b="1" i="0" u="none" strike="noStrike" cap="none">
+                <a:solidFill>
+                  <a:schemeClr val="accent1"/>
+                </a:solidFill>
+                <a:latin typeface="Ramabhadra"/>
+                <a:ea typeface="Ramabhadra"/>
+                <a:cs typeface="Ramabhadra"/>
+                <a:sym typeface="Ramabhadra"/>
+              </a:defRPr>
+            </a:lvl9pPr>
+          </a:lstStyle>
+          <a:p>
+            <a:pPr algn="l"/>
+            <a:r>
+              <a:rPr lang="es-ES" sz="2400" dirty="0" err="1"/>
+              <a:t>Create</a:t>
+            </a:r>
+            <a:r>
+              <a:rPr lang="es-ES" sz="2400" dirty="0"/>
+              <a:t> a </a:t>
+            </a:r>
+            <a:r>
+              <a:rPr lang="es-ES" sz="2400" dirty="0" err="1"/>
+              <a:t>book</a:t>
+            </a:r>
+            <a:endParaRPr lang="es-ES" sz="2400" dirty="0"/>
+          </a:p>
+        </p:txBody>
+      </p:sp>
+      <p:sp>
+        <p:nvSpPr>
+          <p:cNvPr id="26" name="Google Shape;339;p36">
+            <a:extLst>
+              <a:ext uri="{FF2B5EF4-FFF2-40B4-BE49-F238E27FC236}">
+                <a16:creationId xmlns:a16="http://schemas.microsoft.com/office/drawing/2014/main" id="{FDFAF130-33F9-DD7D-9119-EBC3BEA4402B}"/>
+              </a:ext>
+            </a:extLst>
+          </p:cNvPr>
+          <p:cNvSpPr txBox="1">
+            <a:spLocks/>
+          </p:cNvSpPr>
+          <p:nvPr/>
+        </p:nvSpPr>
+        <p:spPr>
+          <a:xfrm>
+            <a:off x="5493585" y="1490907"/>
+            <a:ext cx="2865804" cy="712787"/>
+          </a:xfrm>
+          <a:prstGeom prst="rect">
+            <a:avLst/>
+          </a:prstGeom>
+        </p:spPr>
+        <p:txBody>
+          <a:bodyPr spcFirstLastPara="1" wrap="square" lIns="91425" tIns="91425" rIns="91425" bIns="91425" anchor="ctr" anchorCtr="0">
+            <a:noAutofit/>
+          </a:bodyPr>
+          <a:lstStyle>
+            <a:defPPr marR="0" lvl="0" algn="l" rtl="0">
+              <a:lnSpc>
+                <a:spcPct val="100000"/>
+              </a:lnSpc>
+              <a:spcBef>
+                <a:spcPts val="0"/>
+              </a:spcBef>
+              <a:spcAft>
+                <a:spcPts val="0"/>
+              </a:spcAft>
+            </a:defPPr>
+            <a:lvl1pPr marR="0" lvl="0" algn="ctr" rtl="0">
+              <a:lnSpc>
+                <a:spcPct val="100000"/>
+              </a:lnSpc>
+              <a:spcBef>
+                <a:spcPts val="0"/>
+              </a:spcBef>
+              <a:spcAft>
+                <a:spcPts val="0"/>
+              </a:spcAft>
+              <a:buClr>
+                <a:schemeClr val="accent1"/>
+              </a:buClr>
+              <a:buSzPts val="2800"/>
+              <a:buFont typeface="Ramabhadra"/>
+              <a:buNone/>
+              <a:defRPr sz="2000" b="1" i="0" u="none" strike="noStrike" cap="none">
+                <a:solidFill>
+                  <a:srgbClr val="007399"/>
+                </a:solidFill>
+                <a:latin typeface="Century Gothic" panose="020B0502020202020204" pitchFamily="34" charset="0"/>
+                <a:ea typeface="Arial Black" panose="020B0604020202020204" pitchFamily="34" charset="0"/>
+                <a:cs typeface="Arial Black" panose="020B0604020202020204" pitchFamily="34" charset="0"/>
+                <a:sym typeface="Arial"/>
+              </a:defRPr>
+            </a:lvl1pPr>
+            <a:lvl2pPr marR="0" lvl="1" algn="ctr" rtl="0">
+              <a:lnSpc>
+                <a:spcPct val="100000"/>
+              </a:lnSpc>
+              <a:spcBef>
+                <a:spcPts val="0"/>
+              </a:spcBef>
+              <a:spcAft>
+                <a:spcPts val="0"/>
+              </a:spcAft>
+              <a:buClr>
+                <a:schemeClr val="accent1"/>
+              </a:buClr>
+              <a:buSzPts val="2800"/>
+              <a:buFont typeface="Ramabhadra"/>
+              <a:buNone/>
+              <a:defRPr sz="2800" b="1" i="0" u="none" strike="noStrike" cap="none">
+                <a:solidFill>
+                  <a:schemeClr val="accent1"/>
+                </a:solidFill>
+                <a:latin typeface="Ramabhadra"/>
+                <a:ea typeface="Ramabhadra"/>
+                <a:cs typeface="Ramabhadra"/>
+                <a:sym typeface="Ramabhadra"/>
+              </a:defRPr>
+            </a:lvl2pPr>
+            <a:lvl3pPr marR="0" lvl="2" algn="ctr" rtl="0">
+              <a:lnSpc>
+                <a:spcPct val="100000"/>
+              </a:lnSpc>
+              <a:spcBef>
+                <a:spcPts val="0"/>
+              </a:spcBef>
+              <a:spcAft>
+                <a:spcPts val="0"/>
+              </a:spcAft>
+              <a:buClr>
+                <a:schemeClr val="accent1"/>
+              </a:buClr>
+              <a:buSzPts val="2800"/>
+              <a:buFont typeface="Ramabhadra"/>
+              <a:buNone/>
+              <a:defRPr sz="2800" b="1" i="0" u="none" strike="noStrike" cap="none">
+                <a:solidFill>
+                  <a:schemeClr val="accent1"/>
+                </a:solidFill>
+                <a:latin typeface="Ramabhadra"/>
+                <a:ea typeface="Ramabhadra"/>
+                <a:cs typeface="Ramabhadra"/>
+                <a:sym typeface="Ramabhadra"/>
+              </a:defRPr>
+            </a:lvl3pPr>
+            <a:lvl4pPr marR="0" lvl="3" algn="ctr" rtl="0">
+              <a:lnSpc>
+                <a:spcPct val="100000"/>
+              </a:lnSpc>
+              <a:spcBef>
+                <a:spcPts val="0"/>
+              </a:spcBef>
+              <a:spcAft>
+                <a:spcPts val="0"/>
+              </a:spcAft>
+              <a:buClr>
+                <a:schemeClr val="accent1"/>
+              </a:buClr>
+              <a:buSzPts val="2800"/>
+              <a:buFont typeface="Ramabhadra"/>
+              <a:buNone/>
+              <a:defRPr sz="2800" b="1" i="0" u="none" strike="noStrike" cap="none">
+                <a:solidFill>
+                  <a:schemeClr val="accent1"/>
+                </a:solidFill>
+                <a:latin typeface="Ramabhadra"/>
+                <a:ea typeface="Ramabhadra"/>
+                <a:cs typeface="Ramabhadra"/>
+                <a:sym typeface="Ramabhadra"/>
+              </a:defRPr>
+            </a:lvl4pPr>
+            <a:lvl5pPr marR="0" lvl="4" algn="ctr" rtl="0">
+              <a:lnSpc>
+                <a:spcPct val="100000"/>
+              </a:lnSpc>
+              <a:spcBef>
+                <a:spcPts val="0"/>
+              </a:spcBef>
+              <a:spcAft>
+                <a:spcPts val="0"/>
+              </a:spcAft>
+              <a:buClr>
+                <a:schemeClr val="accent1"/>
+              </a:buClr>
+              <a:buSzPts val="2800"/>
+              <a:buFont typeface="Ramabhadra"/>
+              <a:buNone/>
+              <a:defRPr sz="2800" b="1" i="0" u="none" strike="noStrike" cap="none">
+                <a:solidFill>
+                  <a:schemeClr val="accent1"/>
+                </a:solidFill>
+                <a:latin typeface="Ramabhadra"/>
+                <a:ea typeface="Ramabhadra"/>
+                <a:cs typeface="Ramabhadra"/>
+                <a:sym typeface="Ramabhadra"/>
+              </a:defRPr>
+            </a:lvl5pPr>
+            <a:lvl6pPr marR="0" lvl="5" algn="ctr" rtl="0">
+              <a:lnSpc>
+                <a:spcPct val="100000"/>
+              </a:lnSpc>
+              <a:spcBef>
+                <a:spcPts val="0"/>
+              </a:spcBef>
+              <a:spcAft>
+                <a:spcPts val="0"/>
+              </a:spcAft>
+              <a:buClr>
+                <a:schemeClr val="accent1"/>
+              </a:buClr>
+              <a:buSzPts val="2800"/>
+              <a:buFont typeface="Ramabhadra"/>
+              <a:buNone/>
+              <a:defRPr sz="2800" b="1" i="0" u="none" strike="noStrike" cap="none">
+                <a:solidFill>
+                  <a:schemeClr val="accent1"/>
+                </a:solidFill>
+                <a:latin typeface="Ramabhadra"/>
+                <a:ea typeface="Ramabhadra"/>
+                <a:cs typeface="Ramabhadra"/>
+                <a:sym typeface="Ramabhadra"/>
+              </a:defRPr>
+            </a:lvl6pPr>
+            <a:lvl7pPr marR="0" lvl="6" algn="ctr" rtl="0">
+              <a:lnSpc>
+                <a:spcPct val="100000"/>
+              </a:lnSpc>
+              <a:spcBef>
+                <a:spcPts val="0"/>
+              </a:spcBef>
+              <a:spcAft>
+                <a:spcPts val="0"/>
+              </a:spcAft>
+              <a:buClr>
+                <a:schemeClr val="accent1"/>
+              </a:buClr>
+              <a:buSzPts val="2800"/>
+              <a:buFont typeface="Ramabhadra"/>
+              <a:buNone/>
+              <a:defRPr sz="2800" b="1" i="0" u="none" strike="noStrike" cap="none">
+                <a:solidFill>
+                  <a:schemeClr val="accent1"/>
+                </a:solidFill>
+                <a:latin typeface="Ramabhadra"/>
+                <a:ea typeface="Ramabhadra"/>
+                <a:cs typeface="Ramabhadra"/>
+                <a:sym typeface="Ramabhadra"/>
+              </a:defRPr>
+            </a:lvl7pPr>
+            <a:lvl8pPr marR="0" lvl="7" algn="ctr" rtl="0">
+              <a:lnSpc>
+                <a:spcPct val="100000"/>
+              </a:lnSpc>
+              <a:spcBef>
+                <a:spcPts val="0"/>
+              </a:spcBef>
+              <a:spcAft>
+                <a:spcPts val="0"/>
+              </a:spcAft>
+              <a:buClr>
+                <a:schemeClr val="accent1"/>
+              </a:buClr>
+              <a:buSzPts val="2800"/>
+              <a:buFont typeface="Ramabhadra"/>
+              <a:buNone/>
+              <a:defRPr sz="2800" b="1" i="0" u="none" strike="noStrike" cap="none">
+                <a:solidFill>
+                  <a:schemeClr val="accent1"/>
+                </a:solidFill>
+                <a:latin typeface="Ramabhadra"/>
+                <a:ea typeface="Ramabhadra"/>
+                <a:cs typeface="Ramabhadra"/>
+                <a:sym typeface="Ramabhadra"/>
+              </a:defRPr>
+            </a:lvl8pPr>
+            <a:lvl9pPr marR="0" lvl="8" algn="ctr" rtl="0">
+              <a:lnSpc>
+                <a:spcPct val="100000"/>
+              </a:lnSpc>
+              <a:spcBef>
+                <a:spcPts val="0"/>
+              </a:spcBef>
+              <a:spcAft>
+                <a:spcPts val="0"/>
+              </a:spcAft>
+              <a:buClr>
+                <a:schemeClr val="accent1"/>
+              </a:buClr>
+              <a:buSzPts val="2800"/>
+              <a:buFont typeface="Ramabhadra"/>
+              <a:buNone/>
+              <a:defRPr sz="2800" b="1" i="0" u="none" strike="noStrike" cap="none">
+                <a:solidFill>
+                  <a:schemeClr val="accent1"/>
+                </a:solidFill>
+                <a:latin typeface="Ramabhadra"/>
+                <a:ea typeface="Ramabhadra"/>
+                <a:cs typeface="Ramabhadra"/>
+                <a:sym typeface="Ramabhadra"/>
+              </a:defRPr>
+            </a:lvl9pPr>
+          </a:lstStyle>
+          <a:p>
+            <a:pPr algn="l"/>
+            <a:r>
+              <a:rPr lang="es-ES" sz="2400" dirty="0" err="1"/>
+              <a:t>Get</a:t>
+            </a:r>
+            <a:r>
+              <a:rPr lang="es-ES" sz="2400" dirty="0"/>
+              <a:t> a </a:t>
+            </a:r>
+            <a:r>
+              <a:rPr lang="es-ES" sz="2400" dirty="0" err="1"/>
+              <a:t>book</a:t>
+            </a:r>
+            <a:r>
+              <a:rPr lang="es-ES" sz="2400" dirty="0"/>
+              <a:t> </a:t>
+            </a:r>
+            <a:r>
+              <a:rPr lang="es-ES" sz="2400" dirty="0" err="1"/>
+              <a:t>by</a:t>
+            </a:r>
+            <a:r>
+              <a:rPr lang="es-ES" sz="2400" dirty="0"/>
+              <a:t> id</a:t>
+            </a:r>
+          </a:p>
+        </p:txBody>
+      </p:sp>
+      <p:sp>
+        <p:nvSpPr>
+          <p:cNvPr id="28" name="Google Shape;342;p36">
+            <a:extLst>
+              <a:ext uri="{FF2B5EF4-FFF2-40B4-BE49-F238E27FC236}">
+                <a16:creationId xmlns:a16="http://schemas.microsoft.com/office/drawing/2014/main" id="{F95EF210-098C-7BE4-F711-1611F271FFC4}"/>
+              </a:ext>
+            </a:extLst>
+          </p:cNvPr>
+          <p:cNvSpPr txBox="1">
+            <a:spLocks/>
+          </p:cNvSpPr>
+          <p:nvPr/>
+        </p:nvSpPr>
+        <p:spPr>
+          <a:xfrm>
+            <a:off x="1347320" y="3251301"/>
+            <a:ext cx="2516188" cy="868363"/>
+          </a:xfrm>
+          <a:prstGeom prst="rect">
+            <a:avLst/>
+          </a:prstGeom>
+        </p:spPr>
+        <p:txBody>
+          <a:bodyPr spcFirstLastPara="1" wrap="square" lIns="91425" tIns="91425" rIns="91425" bIns="91425" anchor="ctr" anchorCtr="0">
+            <a:noAutofit/>
+          </a:bodyPr>
+          <a:lstStyle>
+            <a:defPPr marR="0" lvl="0" algn="l" rtl="0">
+              <a:lnSpc>
+                <a:spcPct val="100000"/>
+              </a:lnSpc>
+              <a:spcBef>
+                <a:spcPts val="0"/>
+              </a:spcBef>
+              <a:spcAft>
+                <a:spcPts val="0"/>
+              </a:spcAft>
+            </a:defPPr>
+            <a:lvl1pPr marR="0" lvl="0" algn="ctr" rtl="0">
+              <a:lnSpc>
+                <a:spcPct val="100000"/>
+              </a:lnSpc>
+              <a:spcBef>
+                <a:spcPts val="0"/>
+              </a:spcBef>
+              <a:spcAft>
+                <a:spcPts val="0"/>
+              </a:spcAft>
+              <a:buClr>
+                <a:schemeClr val="accent1"/>
+              </a:buClr>
+              <a:buSzPts val="2800"/>
+              <a:buFont typeface="Ramabhadra"/>
+              <a:buNone/>
+              <a:defRPr sz="2000" b="1" i="0" u="none" strike="noStrike" cap="none">
+                <a:solidFill>
+                  <a:srgbClr val="007399"/>
+                </a:solidFill>
+                <a:latin typeface="Century Gothic" panose="020B0502020202020204" pitchFamily="34" charset="0"/>
+                <a:ea typeface="Arial Black" panose="020B0604020202020204" pitchFamily="34" charset="0"/>
+                <a:cs typeface="Arial Black" panose="020B0604020202020204" pitchFamily="34" charset="0"/>
+                <a:sym typeface="Arial"/>
+              </a:defRPr>
+            </a:lvl1pPr>
+            <a:lvl2pPr marR="0" lvl="1" algn="ctr" rtl="0">
+              <a:lnSpc>
+                <a:spcPct val="100000"/>
+              </a:lnSpc>
+              <a:spcBef>
+                <a:spcPts val="0"/>
+              </a:spcBef>
+              <a:spcAft>
+                <a:spcPts val="0"/>
+              </a:spcAft>
+              <a:buClr>
+                <a:schemeClr val="accent1"/>
+              </a:buClr>
+              <a:buSzPts val="2800"/>
+              <a:buFont typeface="Ramabhadra"/>
+              <a:buNone/>
+              <a:defRPr sz="2800" b="1" i="0" u="none" strike="noStrike" cap="none">
+                <a:solidFill>
+                  <a:schemeClr val="accent1"/>
+                </a:solidFill>
+                <a:latin typeface="Ramabhadra"/>
+                <a:ea typeface="Ramabhadra"/>
+                <a:cs typeface="Ramabhadra"/>
+                <a:sym typeface="Ramabhadra"/>
+              </a:defRPr>
+            </a:lvl2pPr>
+            <a:lvl3pPr marR="0" lvl="2" algn="ctr" rtl="0">
+              <a:lnSpc>
+                <a:spcPct val="100000"/>
+              </a:lnSpc>
+              <a:spcBef>
+                <a:spcPts val="0"/>
+              </a:spcBef>
+              <a:spcAft>
+                <a:spcPts val="0"/>
+              </a:spcAft>
+              <a:buClr>
+                <a:schemeClr val="accent1"/>
+              </a:buClr>
+              <a:buSzPts val="2800"/>
+              <a:buFont typeface="Ramabhadra"/>
+              <a:buNone/>
+              <a:defRPr sz="2800" b="1" i="0" u="none" strike="noStrike" cap="none">
+                <a:solidFill>
+                  <a:schemeClr val="accent1"/>
+                </a:solidFill>
+                <a:latin typeface="Ramabhadra"/>
+                <a:ea typeface="Ramabhadra"/>
+                <a:cs typeface="Ramabhadra"/>
+                <a:sym typeface="Ramabhadra"/>
+              </a:defRPr>
+            </a:lvl3pPr>
+            <a:lvl4pPr marR="0" lvl="3" algn="ctr" rtl="0">
+              <a:lnSpc>
+                <a:spcPct val="100000"/>
+              </a:lnSpc>
+              <a:spcBef>
+                <a:spcPts val="0"/>
+              </a:spcBef>
+              <a:spcAft>
+                <a:spcPts val="0"/>
+              </a:spcAft>
+              <a:buClr>
+                <a:schemeClr val="accent1"/>
+              </a:buClr>
+              <a:buSzPts val="2800"/>
+              <a:buFont typeface="Ramabhadra"/>
+              <a:buNone/>
+              <a:defRPr sz="2800" b="1" i="0" u="none" strike="noStrike" cap="none">
+                <a:solidFill>
+                  <a:schemeClr val="accent1"/>
+                </a:solidFill>
+                <a:latin typeface="Ramabhadra"/>
+                <a:ea typeface="Ramabhadra"/>
+                <a:cs typeface="Ramabhadra"/>
+                <a:sym typeface="Ramabhadra"/>
+              </a:defRPr>
+            </a:lvl4pPr>
+            <a:lvl5pPr marR="0" lvl="4" algn="ctr" rtl="0">
+              <a:lnSpc>
+                <a:spcPct val="100000"/>
+              </a:lnSpc>
+              <a:spcBef>
+                <a:spcPts val="0"/>
+              </a:spcBef>
+              <a:spcAft>
+                <a:spcPts val="0"/>
+              </a:spcAft>
+              <a:buClr>
+                <a:schemeClr val="accent1"/>
+              </a:buClr>
+              <a:buSzPts val="2800"/>
+              <a:buFont typeface="Ramabhadra"/>
+              <a:buNone/>
+              <a:defRPr sz="2800" b="1" i="0" u="none" strike="noStrike" cap="none">
+                <a:solidFill>
+                  <a:schemeClr val="accent1"/>
+                </a:solidFill>
+                <a:latin typeface="Ramabhadra"/>
+                <a:ea typeface="Ramabhadra"/>
+                <a:cs typeface="Ramabhadra"/>
+                <a:sym typeface="Ramabhadra"/>
+              </a:defRPr>
+            </a:lvl5pPr>
+            <a:lvl6pPr marR="0" lvl="5" algn="ctr" rtl="0">
+              <a:lnSpc>
+                <a:spcPct val="100000"/>
+              </a:lnSpc>
+              <a:spcBef>
+                <a:spcPts val="0"/>
+              </a:spcBef>
+              <a:spcAft>
+                <a:spcPts val="0"/>
+              </a:spcAft>
+              <a:buClr>
+                <a:schemeClr val="accent1"/>
+              </a:buClr>
+              <a:buSzPts val="2800"/>
+              <a:buFont typeface="Ramabhadra"/>
+              <a:buNone/>
+              <a:defRPr sz="2800" b="1" i="0" u="none" strike="noStrike" cap="none">
+                <a:solidFill>
+                  <a:schemeClr val="accent1"/>
+                </a:solidFill>
+                <a:latin typeface="Ramabhadra"/>
+                <a:ea typeface="Ramabhadra"/>
+                <a:cs typeface="Ramabhadra"/>
+                <a:sym typeface="Ramabhadra"/>
+              </a:defRPr>
+            </a:lvl6pPr>
+            <a:lvl7pPr marR="0" lvl="6" algn="ctr" rtl="0">
+              <a:lnSpc>
+                <a:spcPct val="100000"/>
+              </a:lnSpc>
+              <a:spcBef>
+                <a:spcPts val="0"/>
+              </a:spcBef>
+              <a:spcAft>
+                <a:spcPts val="0"/>
+              </a:spcAft>
+              <a:buClr>
+                <a:schemeClr val="accent1"/>
+              </a:buClr>
+              <a:buSzPts val="2800"/>
+              <a:buFont typeface="Ramabhadra"/>
+              <a:buNone/>
+              <a:defRPr sz="2800" b="1" i="0" u="none" strike="noStrike" cap="none">
+                <a:solidFill>
+                  <a:schemeClr val="accent1"/>
+                </a:solidFill>
+                <a:latin typeface="Ramabhadra"/>
+                <a:ea typeface="Ramabhadra"/>
+                <a:cs typeface="Ramabhadra"/>
+                <a:sym typeface="Ramabhadra"/>
+              </a:defRPr>
+            </a:lvl7pPr>
+            <a:lvl8pPr marR="0" lvl="7" algn="ctr" rtl="0">
+              <a:lnSpc>
+                <a:spcPct val="100000"/>
+              </a:lnSpc>
+              <a:spcBef>
+                <a:spcPts val="0"/>
+              </a:spcBef>
+              <a:spcAft>
+                <a:spcPts val="0"/>
+              </a:spcAft>
+              <a:buClr>
+                <a:schemeClr val="accent1"/>
+              </a:buClr>
+              <a:buSzPts val="2800"/>
+              <a:buFont typeface="Ramabhadra"/>
+              <a:buNone/>
+              <a:defRPr sz="2800" b="1" i="0" u="none" strike="noStrike" cap="none">
+                <a:solidFill>
+                  <a:schemeClr val="accent1"/>
+                </a:solidFill>
+                <a:latin typeface="Ramabhadra"/>
+                <a:ea typeface="Ramabhadra"/>
+                <a:cs typeface="Ramabhadra"/>
+                <a:sym typeface="Ramabhadra"/>
+              </a:defRPr>
+            </a:lvl8pPr>
+            <a:lvl9pPr marR="0" lvl="8" algn="ctr" rtl="0">
+              <a:lnSpc>
+                <a:spcPct val="100000"/>
+              </a:lnSpc>
+              <a:spcBef>
+                <a:spcPts val="0"/>
+              </a:spcBef>
+              <a:spcAft>
+                <a:spcPts val="0"/>
+              </a:spcAft>
+              <a:buClr>
+                <a:schemeClr val="accent1"/>
+              </a:buClr>
+              <a:buSzPts val="2800"/>
+              <a:buFont typeface="Ramabhadra"/>
+              <a:buNone/>
+              <a:defRPr sz="2800" b="1" i="0" u="none" strike="noStrike" cap="none">
+                <a:solidFill>
+                  <a:schemeClr val="accent1"/>
+                </a:solidFill>
+                <a:latin typeface="Ramabhadra"/>
+                <a:ea typeface="Ramabhadra"/>
+                <a:cs typeface="Ramabhadra"/>
+                <a:sym typeface="Ramabhadra"/>
+              </a:defRPr>
+            </a:lvl9pPr>
+          </a:lstStyle>
+          <a:p>
+            <a:pPr algn="l"/>
+            <a:r>
+              <a:rPr lang="es-ES" sz="2400" dirty="0" err="1"/>
+              <a:t>Update</a:t>
+            </a:r>
+            <a:r>
+              <a:rPr lang="es-ES" sz="2400" dirty="0"/>
+              <a:t> a </a:t>
+            </a:r>
+            <a:r>
+              <a:rPr lang="es-ES" sz="2400" dirty="0" err="1"/>
+              <a:t>book</a:t>
+            </a:r>
+            <a:r>
+              <a:rPr lang="es-ES" sz="2400" dirty="0"/>
+              <a:t>
+</a:t>
+            </a:r>
+          </a:p>
+        </p:txBody>
+      </p:sp>
+      <p:sp>
+        <p:nvSpPr>
+          <p:cNvPr id="31" name="Google Shape;346;p36">
+            <a:extLst>
+              <a:ext uri="{FF2B5EF4-FFF2-40B4-BE49-F238E27FC236}">
+                <a16:creationId xmlns:a16="http://schemas.microsoft.com/office/drawing/2014/main" id="{3C76CA07-9E72-AD93-6699-225D9112D988}"/>
+              </a:ext>
+            </a:extLst>
+          </p:cNvPr>
+          <p:cNvSpPr txBox="1">
+            <a:spLocks/>
+          </p:cNvSpPr>
+          <p:nvPr/>
+        </p:nvSpPr>
+        <p:spPr>
+          <a:xfrm>
+            <a:off x="613287" y="1622030"/>
+            <a:ext cx="695325" cy="528638"/>
+          </a:xfrm>
+          <a:prstGeom prst="rect">
+            <a:avLst/>
+          </a:prstGeom>
+        </p:spPr>
+        <p:txBody>
+          <a:bodyPr spcFirstLastPara="1" wrap="square" lIns="91425" tIns="91425" rIns="91425" bIns="91425" anchor="ctr" anchorCtr="0">
+            <a:noAutofit/>
+          </a:bodyPr>
+          <a:lstStyle>
+            <a:defPPr marR="0" lvl="0" algn="l" rtl="0">
+              <a:lnSpc>
+                <a:spcPct val="100000"/>
+              </a:lnSpc>
+              <a:spcBef>
+                <a:spcPts val="0"/>
+              </a:spcBef>
+              <a:spcAft>
+                <a:spcPts val="0"/>
+              </a:spcAft>
+            </a:defPPr>
+            <a:lvl1pPr marR="0" lvl="0" algn="l" rtl="0">
+              <a:lnSpc>
+                <a:spcPct val="100000"/>
+              </a:lnSpc>
+              <a:spcBef>
+                <a:spcPts val="0"/>
+              </a:spcBef>
+              <a:spcAft>
+                <a:spcPts val="0"/>
+              </a:spcAft>
+              <a:buClr>
+                <a:srgbClr val="000000"/>
+              </a:buClr>
+              <a:buFont typeface="Arial"/>
+              <a:defRPr sz="1400" b="0" i="0" u="none" strike="noStrike" cap="none">
+                <a:solidFill>
+                  <a:srgbClr val="000000"/>
+                </a:solidFill>
+                <a:latin typeface="Arial"/>
+                <a:ea typeface="Arial"/>
+                <a:cs typeface="Arial"/>
+                <a:sym typeface="Arial"/>
+              </a:defRPr>
+            </a:lvl1pPr>
+            <a:lvl2pPr marR="0" lvl="1" algn="l" rtl="0">
+              <a:lnSpc>
+                <a:spcPct val="100000"/>
+              </a:lnSpc>
+              <a:spcBef>
+                <a:spcPts val="0"/>
+              </a:spcBef>
+              <a:spcAft>
+                <a:spcPts val="0"/>
+              </a:spcAft>
+              <a:buClr>
+                <a:srgbClr val="000000"/>
+              </a:buClr>
+              <a:buFont typeface="Arial"/>
+              <a:defRPr sz="1400" b="0" i="0" u="none" strike="noStrike" cap="none">
+                <a:solidFill>
+                  <a:srgbClr val="000000"/>
+                </a:solidFill>
+                <a:latin typeface="Arial"/>
+                <a:ea typeface="Arial"/>
+                <a:cs typeface="Arial"/>
+                <a:sym typeface="Arial"/>
+              </a:defRPr>
+            </a:lvl2pPr>
+            <a:lvl3pPr marR="0" lvl="2" algn="l" rtl="0">
+              <a:lnSpc>
+                <a:spcPct val="100000"/>
+              </a:lnSpc>
+              <a:spcBef>
+                <a:spcPts val="0"/>
+              </a:spcBef>
+              <a:spcAft>
+                <a:spcPts val="0"/>
+              </a:spcAft>
+              <a:buClr>
+                <a:srgbClr val="000000"/>
+              </a:buClr>
+              <a:buFont typeface="Arial"/>
+              <a:defRPr sz="1400" b="0" i="0" u="none" strike="noStrike" cap="none">
+                <a:solidFill>
+                  <a:srgbClr val="000000"/>
+                </a:solidFill>
+                <a:latin typeface="Arial"/>
+                <a:ea typeface="Arial"/>
+                <a:cs typeface="Arial"/>
+                <a:sym typeface="Arial"/>
+              </a:defRPr>
+            </a:lvl3pPr>
+            <a:lvl4pPr marR="0" lvl="3" algn="l" rtl="0">
+              <a:lnSpc>
+                <a:spcPct val="100000"/>
+              </a:lnSpc>
+              <a:spcBef>
+                <a:spcPts val="0"/>
+              </a:spcBef>
+              <a:spcAft>
+                <a:spcPts val="0"/>
+              </a:spcAft>
+              <a:buClr>
+                <a:srgbClr val="000000"/>
+              </a:buClr>
+              <a:buFont typeface="Arial"/>
+              <a:defRPr sz="1400" b="0" i="0" u="none" strike="noStrike" cap="none">
+                <a:solidFill>
+                  <a:srgbClr val="000000"/>
+                </a:solidFill>
+                <a:latin typeface="Arial"/>
+                <a:ea typeface="Arial"/>
+                <a:cs typeface="Arial"/>
+                <a:sym typeface="Arial"/>
+              </a:defRPr>
+            </a:lvl4pPr>
+            <a:lvl5pPr marR="0" lvl="4" algn="l" rtl="0">
+              <a:lnSpc>
+                <a:spcPct val="100000"/>
+              </a:lnSpc>
+              <a:spcBef>
+                <a:spcPts val="0"/>
+              </a:spcBef>
+              <a:spcAft>
+                <a:spcPts val="0"/>
+              </a:spcAft>
+              <a:buClr>
+                <a:srgbClr val="000000"/>
+              </a:buClr>
+              <a:buFont typeface="Arial"/>
+              <a:defRPr sz="1400" b="0" i="0" u="none" strike="noStrike" cap="none">
+                <a:solidFill>
+                  <a:srgbClr val="000000"/>
+                </a:solidFill>
+                <a:latin typeface="Arial"/>
+                <a:ea typeface="Arial"/>
+                <a:cs typeface="Arial"/>
+                <a:sym typeface="Arial"/>
+              </a:defRPr>
+            </a:lvl5pPr>
+            <a:lvl6pPr marR="0" lvl="5" algn="l" rtl="0">
+              <a:lnSpc>
+                <a:spcPct val="100000"/>
+              </a:lnSpc>
+              <a:spcBef>
+                <a:spcPts val="0"/>
+              </a:spcBef>
+              <a:spcAft>
+                <a:spcPts val="0"/>
+              </a:spcAft>
+              <a:buClr>
+                <a:srgbClr val="000000"/>
+              </a:buClr>
+              <a:buFont typeface="Arial"/>
+              <a:defRPr sz="1400" b="0" i="0" u="none" strike="noStrike" cap="none">
+                <a:solidFill>
+                  <a:srgbClr val="000000"/>
+                </a:solidFill>
+                <a:latin typeface="Arial"/>
+                <a:ea typeface="Arial"/>
+                <a:cs typeface="Arial"/>
+                <a:sym typeface="Arial"/>
+              </a:defRPr>
+            </a:lvl6pPr>
+            <a:lvl7pPr marR="0" lvl="6" algn="l" rtl="0">
+              <a:lnSpc>
+                <a:spcPct val="100000"/>
+              </a:lnSpc>
+              <a:spcBef>
+                <a:spcPts val="0"/>
+              </a:spcBef>
+              <a:spcAft>
+                <a:spcPts val="0"/>
+              </a:spcAft>
+              <a:buClr>
+                <a:srgbClr val="000000"/>
+              </a:buClr>
+              <a:buFont typeface="Arial"/>
+              <a:defRPr sz="1400" b="0" i="0" u="none" strike="noStrike" cap="none">
+                <a:solidFill>
+                  <a:srgbClr val="000000"/>
+                </a:solidFill>
+                <a:latin typeface="Arial"/>
+                <a:ea typeface="Arial"/>
+                <a:cs typeface="Arial"/>
+                <a:sym typeface="Arial"/>
+              </a:defRPr>
+            </a:lvl7pPr>
+            <a:lvl8pPr marR="0" lvl="7" algn="l" rtl="0">
+              <a:lnSpc>
+                <a:spcPct val="100000"/>
+              </a:lnSpc>
+              <a:spcBef>
+                <a:spcPts val="0"/>
+              </a:spcBef>
+              <a:spcAft>
+                <a:spcPts val="0"/>
+              </a:spcAft>
+              <a:buClr>
+                <a:srgbClr val="000000"/>
+              </a:buClr>
+              <a:buFont typeface="Arial"/>
+              <a:defRPr sz="1400" b="0" i="0" u="none" strike="noStrike" cap="none">
+                <a:solidFill>
+                  <a:srgbClr val="000000"/>
+                </a:solidFill>
+                <a:latin typeface="Arial"/>
+                <a:ea typeface="Arial"/>
+                <a:cs typeface="Arial"/>
+                <a:sym typeface="Arial"/>
+              </a:defRPr>
+            </a:lvl8pPr>
+            <a:lvl9pPr marR="0" lvl="8" algn="l" rtl="0">
+              <a:lnSpc>
+                <a:spcPct val="100000"/>
+              </a:lnSpc>
+              <a:spcBef>
+                <a:spcPts val="0"/>
+              </a:spcBef>
+              <a:spcAft>
+                <a:spcPts val="0"/>
+              </a:spcAft>
+              <a:buClr>
+                <a:srgbClr val="000000"/>
+              </a:buClr>
+              <a:buFont typeface="Arial"/>
+              <a:defRPr sz="1400" b="0" i="0" u="none" strike="noStrike" cap="none">
+                <a:solidFill>
+                  <a:srgbClr val="000000"/>
+                </a:solidFill>
+                <a:latin typeface="Arial"/>
+                <a:ea typeface="Arial"/>
+                <a:cs typeface="Arial"/>
+                <a:sym typeface="Arial"/>
+              </a:defRPr>
+            </a:lvl9pPr>
+          </a:lstStyle>
+          <a:p>
+            <a:pPr algn="ctr"/>
+            <a:r>
+              <a:rPr lang="en" sz="3200" b="1">
+                <a:solidFill>
+                  <a:schemeClr val="bg1"/>
+                </a:solidFill>
+              </a:rPr>
+              <a:t>01</a:t>
+            </a:r>
+            <a:endParaRPr lang="en" sz="3200" b="1" dirty="0">
+              <a:solidFill>
+                <a:schemeClr val="bg1"/>
+              </a:solidFill>
+            </a:endParaRPr>
+          </a:p>
+        </p:txBody>
+      </p:sp>
+      <p:sp>
+        <p:nvSpPr>
+          <p:cNvPr id="32" name="Google Shape;347;p36">
+            <a:extLst>
+              <a:ext uri="{FF2B5EF4-FFF2-40B4-BE49-F238E27FC236}">
+                <a16:creationId xmlns:a16="http://schemas.microsoft.com/office/drawing/2014/main" id="{365B6B4A-F908-0AA1-60B9-3532EC97AF67}"/>
+              </a:ext>
+            </a:extLst>
+          </p:cNvPr>
+          <p:cNvSpPr txBox="1">
+            <a:spLocks/>
+          </p:cNvSpPr>
+          <p:nvPr/>
+        </p:nvSpPr>
+        <p:spPr>
+          <a:xfrm>
+            <a:off x="4661903" y="1622030"/>
+            <a:ext cx="695325" cy="528638"/>
+          </a:xfrm>
+          <a:prstGeom prst="rect">
+            <a:avLst/>
+          </a:prstGeom>
+        </p:spPr>
+        <p:txBody>
+          <a:bodyPr spcFirstLastPara="1" wrap="square" lIns="91425" tIns="91425" rIns="91425" bIns="91425" anchor="ctr" anchorCtr="0">
+            <a:noAutofit/>
+          </a:bodyPr>
+          <a:lstStyle>
+            <a:defPPr marR="0" lvl="0" algn="l" rtl="0">
+              <a:lnSpc>
+                <a:spcPct val="100000"/>
+              </a:lnSpc>
+              <a:spcBef>
+                <a:spcPts val="0"/>
+              </a:spcBef>
+              <a:spcAft>
+                <a:spcPts val="0"/>
+              </a:spcAft>
+            </a:defPPr>
+            <a:lvl1pPr marR="0" lvl="0" algn="l" rtl="0">
+              <a:lnSpc>
+                <a:spcPct val="100000"/>
+              </a:lnSpc>
+              <a:spcBef>
+                <a:spcPts val="0"/>
+              </a:spcBef>
+              <a:spcAft>
+                <a:spcPts val="0"/>
+              </a:spcAft>
+              <a:buClr>
+                <a:srgbClr val="000000"/>
+              </a:buClr>
+              <a:buFont typeface="Arial"/>
+              <a:defRPr sz="1400" b="0" i="0" u="none" strike="noStrike" cap="none">
+                <a:solidFill>
+                  <a:srgbClr val="000000"/>
+                </a:solidFill>
+                <a:latin typeface="Arial"/>
+                <a:ea typeface="Arial"/>
+                <a:cs typeface="Arial"/>
+                <a:sym typeface="Arial"/>
+              </a:defRPr>
+            </a:lvl1pPr>
+            <a:lvl2pPr marR="0" lvl="1" algn="l" rtl="0">
+              <a:lnSpc>
+                <a:spcPct val="100000"/>
+              </a:lnSpc>
+              <a:spcBef>
+                <a:spcPts val="0"/>
+              </a:spcBef>
+              <a:spcAft>
+                <a:spcPts val="0"/>
+              </a:spcAft>
+              <a:buClr>
+                <a:srgbClr val="000000"/>
+              </a:buClr>
+              <a:buFont typeface="Arial"/>
+              <a:defRPr sz="1400" b="0" i="0" u="none" strike="noStrike" cap="none">
+                <a:solidFill>
+                  <a:srgbClr val="000000"/>
+                </a:solidFill>
+                <a:latin typeface="Arial"/>
+                <a:ea typeface="Arial"/>
+                <a:cs typeface="Arial"/>
+                <a:sym typeface="Arial"/>
+              </a:defRPr>
+            </a:lvl2pPr>
+            <a:lvl3pPr marR="0" lvl="2" algn="l" rtl="0">
+              <a:lnSpc>
+                <a:spcPct val="100000"/>
+              </a:lnSpc>
+              <a:spcBef>
+                <a:spcPts val="0"/>
+              </a:spcBef>
+              <a:spcAft>
+                <a:spcPts val="0"/>
+              </a:spcAft>
+              <a:buClr>
+                <a:srgbClr val="000000"/>
+              </a:buClr>
+              <a:buFont typeface="Arial"/>
+              <a:defRPr sz="1400" b="0" i="0" u="none" strike="noStrike" cap="none">
+                <a:solidFill>
+                  <a:srgbClr val="000000"/>
+                </a:solidFill>
+                <a:latin typeface="Arial"/>
+                <a:ea typeface="Arial"/>
+                <a:cs typeface="Arial"/>
+                <a:sym typeface="Arial"/>
+              </a:defRPr>
+            </a:lvl3pPr>
+            <a:lvl4pPr marR="0" lvl="3" algn="l" rtl="0">
+              <a:lnSpc>
+                <a:spcPct val="100000"/>
+              </a:lnSpc>
+              <a:spcBef>
+                <a:spcPts val="0"/>
+              </a:spcBef>
+              <a:spcAft>
+                <a:spcPts val="0"/>
+              </a:spcAft>
+              <a:buClr>
+                <a:srgbClr val="000000"/>
+              </a:buClr>
+              <a:buFont typeface="Arial"/>
+              <a:defRPr sz="1400" b="0" i="0" u="none" strike="noStrike" cap="none">
+                <a:solidFill>
+                  <a:srgbClr val="000000"/>
+                </a:solidFill>
+                <a:latin typeface="Arial"/>
+                <a:ea typeface="Arial"/>
+                <a:cs typeface="Arial"/>
+                <a:sym typeface="Arial"/>
+              </a:defRPr>
+            </a:lvl4pPr>
+            <a:lvl5pPr marR="0" lvl="4" algn="l" rtl="0">
+              <a:lnSpc>
+                <a:spcPct val="100000"/>
+              </a:lnSpc>
+              <a:spcBef>
+                <a:spcPts val="0"/>
+              </a:spcBef>
+              <a:spcAft>
+                <a:spcPts val="0"/>
+              </a:spcAft>
+              <a:buClr>
+                <a:srgbClr val="000000"/>
+              </a:buClr>
+              <a:buFont typeface="Arial"/>
+              <a:defRPr sz="1400" b="0" i="0" u="none" strike="noStrike" cap="none">
+                <a:solidFill>
+                  <a:srgbClr val="000000"/>
+                </a:solidFill>
+                <a:latin typeface="Arial"/>
+                <a:ea typeface="Arial"/>
+                <a:cs typeface="Arial"/>
+                <a:sym typeface="Arial"/>
+              </a:defRPr>
+            </a:lvl5pPr>
+            <a:lvl6pPr marR="0" lvl="5" algn="l" rtl="0">
+              <a:lnSpc>
+                <a:spcPct val="100000"/>
+              </a:lnSpc>
+              <a:spcBef>
+                <a:spcPts val="0"/>
+              </a:spcBef>
+              <a:spcAft>
+                <a:spcPts val="0"/>
+              </a:spcAft>
+              <a:buClr>
+                <a:srgbClr val="000000"/>
+              </a:buClr>
+              <a:buFont typeface="Arial"/>
+              <a:defRPr sz="1400" b="0" i="0" u="none" strike="noStrike" cap="none">
+                <a:solidFill>
+                  <a:srgbClr val="000000"/>
+                </a:solidFill>
+                <a:latin typeface="Arial"/>
+                <a:ea typeface="Arial"/>
+                <a:cs typeface="Arial"/>
+                <a:sym typeface="Arial"/>
+              </a:defRPr>
+            </a:lvl6pPr>
+            <a:lvl7pPr marR="0" lvl="6" algn="l" rtl="0">
+              <a:lnSpc>
+                <a:spcPct val="100000"/>
+              </a:lnSpc>
+              <a:spcBef>
+                <a:spcPts val="0"/>
+              </a:spcBef>
+              <a:spcAft>
+                <a:spcPts val="0"/>
+              </a:spcAft>
+              <a:buClr>
+                <a:srgbClr val="000000"/>
+              </a:buClr>
+              <a:buFont typeface="Arial"/>
+              <a:defRPr sz="1400" b="0" i="0" u="none" strike="noStrike" cap="none">
+                <a:solidFill>
+                  <a:srgbClr val="000000"/>
+                </a:solidFill>
+                <a:latin typeface="Arial"/>
+                <a:ea typeface="Arial"/>
+                <a:cs typeface="Arial"/>
+                <a:sym typeface="Arial"/>
+              </a:defRPr>
+            </a:lvl7pPr>
+            <a:lvl8pPr marR="0" lvl="7" algn="l" rtl="0">
+              <a:lnSpc>
+                <a:spcPct val="100000"/>
+              </a:lnSpc>
+              <a:spcBef>
+                <a:spcPts val="0"/>
+              </a:spcBef>
+              <a:spcAft>
+                <a:spcPts val="0"/>
+              </a:spcAft>
+              <a:buClr>
+                <a:srgbClr val="000000"/>
+              </a:buClr>
+              <a:buFont typeface="Arial"/>
+              <a:defRPr sz="1400" b="0" i="0" u="none" strike="noStrike" cap="none">
+                <a:solidFill>
+                  <a:srgbClr val="000000"/>
+                </a:solidFill>
+                <a:latin typeface="Arial"/>
+                <a:ea typeface="Arial"/>
+                <a:cs typeface="Arial"/>
+                <a:sym typeface="Arial"/>
+              </a:defRPr>
+            </a:lvl8pPr>
+            <a:lvl9pPr marR="0" lvl="8" algn="l" rtl="0">
+              <a:lnSpc>
+                <a:spcPct val="100000"/>
+              </a:lnSpc>
+              <a:spcBef>
+                <a:spcPts val="0"/>
+              </a:spcBef>
+              <a:spcAft>
+                <a:spcPts val="0"/>
+              </a:spcAft>
+              <a:buClr>
+                <a:srgbClr val="000000"/>
+              </a:buClr>
+              <a:buFont typeface="Arial"/>
+              <a:defRPr sz="1400" b="0" i="0" u="none" strike="noStrike" cap="none">
+                <a:solidFill>
+                  <a:srgbClr val="000000"/>
+                </a:solidFill>
+                <a:latin typeface="Arial"/>
+                <a:ea typeface="Arial"/>
+                <a:cs typeface="Arial"/>
+                <a:sym typeface="Arial"/>
+              </a:defRPr>
+            </a:lvl9pPr>
+          </a:lstStyle>
+          <a:p>
+            <a:pPr algn="ctr"/>
+            <a:r>
+              <a:rPr lang="en" sz="3200" b="1">
+                <a:solidFill>
+                  <a:schemeClr val="bg1"/>
+                </a:solidFill>
+              </a:rPr>
+              <a:t>02</a:t>
+            </a:r>
+            <a:endParaRPr lang="en" sz="3200" b="1" dirty="0">
+              <a:solidFill>
+                <a:schemeClr val="bg1"/>
+              </a:solidFill>
+            </a:endParaRPr>
+          </a:p>
+        </p:txBody>
+      </p:sp>
+      <p:sp>
+        <p:nvSpPr>
+          <p:cNvPr id="33" name="Google Shape;348;p36">
+            <a:extLst>
+              <a:ext uri="{FF2B5EF4-FFF2-40B4-BE49-F238E27FC236}">
+                <a16:creationId xmlns:a16="http://schemas.microsoft.com/office/drawing/2014/main" id="{D9793ABE-B68B-934E-DA15-6B16ACB71E57}"/>
+              </a:ext>
+            </a:extLst>
+          </p:cNvPr>
+          <p:cNvSpPr txBox="1">
+            <a:spLocks/>
+          </p:cNvSpPr>
+          <p:nvPr/>
+        </p:nvSpPr>
+        <p:spPr>
+          <a:xfrm>
+            <a:off x="634791" y="3192553"/>
+            <a:ext cx="695325" cy="528637"/>
+          </a:xfrm>
+          <a:prstGeom prst="rect">
+            <a:avLst/>
+          </a:prstGeom>
+        </p:spPr>
+        <p:txBody>
+          <a:bodyPr spcFirstLastPara="1" wrap="square" lIns="91425" tIns="91425" rIns="91425" bIns="91425" anchor="ctr" anchorCtr="0">
+            <a:noAutofit/>
+          </a:bodyPr>
+          <a:lstStyle>
+            <a:defPPr marR="0" lvl="0" algn="l" rtl="0">
+              <a:lnSpc>
+                <a:spcPct val="100000"/>
+              </a:lnSpc>
+              <a:spcBef>
+                <a:spcPts val="0"/>
+              </a:spcBef>
+              <a:spcAft>
+                <a:spcPts val="0"/>
+              </a:spcAft>
+            </a:defPPr>
+            <a:lvl1pPr marR="0" lvl="0" algn="l" rtl="0">
+              <a:lnSpc>
+                <a:spcPct val="100000"/>
+              </a:lnSpc>
+              <a:spcBef>
+                <a:spcPts val="0"/>
+              </a:spcBef>
+              <a:spcAft>
+                <a:spcPts val="0"/>
+              </a:spcAft>
+              <a:buClr>
+                <a:srgbClr val="000000"/>
+              </a:buClr>
+              <a:buFont typeface="Arial"/>
+              <a:defRPr sz="1400" b="0" i="0" u="none" strike="noStrike" cap="none">
+                <a:solidFill>
+                  <a:srgbClr val="000000"/>
+                </a:solidFill>
+                <a:latin typeface="Arial"/>
+                <a:ea typeface="Arial"/>
+                <a:cs typeface="Arial"/>
+                <a:sym typeface="Arial"/>
+              </a:defRPr>
+            </a:lvl1pPr>
+            <a:lvl2pPr marR="0" lvl="1" algn="l" rtl="0">
+              <a:lnSpc>
+                <a:spcPct val="100000"/>
+              </a:lnSpc>
+              <a:spcBef>
+                <a:spcPts val="0"/>
+              </a:spcBef>
+              <a:spcAft>
+                <a:spcPts val="0"/>
+              </a:spcAft>
+              <a:buClr>
+                <a:srgbClr val="000000"/>
+              </a:buClr>
+              <a:buFont typeface="Arial"/>
+              <a:defRPr sz="1400" b="0" i="0" u="none" strike="noStrike" cap="none">
+                <a:solidFill>
+                  <a:srgbClr val="000000"/>
+                </a:solidFill>
+                <a:latin typeface="Arial"/>
+                <a:ea typeface="Arial"/>
+                <a:cs typeface="Arial"/>
+                <a:sym typeface="Arial"/>
+              </a:defRPr>
+            </a:lvl2pPr>
+            <a:lvl3pPr marR="0" lvl="2" algn="l" rtl="0">
+              <a:lnSpc>
+                <a:spcPct val="100000"/>
+              </a:lnSpc>
+              <a:spcBef>
+                <a:spcPts val="0"/>
+              </a:spcBef>
+              <a:spcAft>
+                <a:spcPts val="0"/>
+              </a:spcAft>
+              <a:buClr>
+                <a:srgbClr val="000000"/>
+              </a:buClr>
+              <a:buFont typeface="Arial"/>
+              <a:defRPr sz="1400" b="0" i="0" u="none" strike="noStrike" cap="none">
+                <a:solidFill>
+                  <a:srgbClr val="000000"/>
+                </a:solidFill>
+                <a:latin typeface="Arial"/>
+                <a:ea typeface="Arial"/>
+                <a:cs typeface="Arial"/>
+                <a:sym typeface="Arial"/>
+              </a:defRPr>
+            </a:lvl3pPr>
+            <a:lvl4pPr marR="0" lvl="3" algn="l" rtl="0">
+              <a:lnSpc>
+                <a:spcPct val="100000"/>
+              </a:lnSpc>
+              <a:spcBef>
+                <a:spcPts val="0"/>
+              </a:spcBef>
+              <a:spcAft>
+                <a:spcPts val="0"/>
+              </a:spcAft>
+              <a:buClr>
+                <a:srgbClr val="000000"/>
+              </a:buClr>
+              <a:buFont typeface="Arial"/>
+              <a:defRPr sz="1400" b="0" i="0" u="none" strike="noStrike" cap="none">
+                <a:solidFill>
+                  <a:srgbClr val="000000"/>
+                </a:solidFill>
+                <a:latin typeface="Arial"/>
+                <a:ea typeface="Arial"/>
+                <a:cs typeface="Arial"/>
+                <a:sym typeface="Arial"/>
+              </a:defRPr>
+            </a:lvl4pPr>
+            <a:lvl5pPr marR="0" lvl="4" algn="l" rtl="0">
+              <a:lnSpc>
+                <a:spcPct val="100000"/>
+              </a:lnSpc>
+              <a:spcBef>
+                <a:spcPts val="0"/>
+              </a:spcBef>
+              <a:spcAft>
+                <a:spcPts val="0"/>
+              </a:spcAft>
+              <a:buClr>
+                <a:srgbClr val="000000"/>
+              </a:buClr>
+              <a:buFont typeface="Arial"/>
+              <a:defRPr sz="1400" b="0" i="0" u="none" strike="noStrike" cap="none">
+                <a:solidFill>
+                  <a:srgbClr val="000000"/>
+                </a:solidFill>
+                <a:latin typeface="Arial"/>
+                <a:ea typeface="Arial"/>
+                <a:cs typeface="Arial"/>
+                <a:sym typeface="Arial"/>
+              </a:defRPr>
+            </a:lvl5pPr>
+            <a:lvl6pPr marR="0" lvl="5" algn="l" rtl="0">
+              <a:lnSpc>
+                <a:spcPct val="100000"/>
+              </a:lnSpc>
+              <a:spcBef>
+                <a:spcPts val="0"/>
+              </a:spcBef>
+              <a:spcAft>
+                <a:spcPts val="0"/>
+              </a:spcAft>
+              <a:buClr>
+                <a:srgbClr val="000000"/>
+              </a:buClr>
+              <a:buFont typeface="Arial"/>
+              <a:defRPr sz="1400" b="0" i="0" u="none" strike="noStrike" cap="none">
+                <a:solidFill>
+                  <a:srgbClr val="000000"/>
+                </a:solidFill>
+                <a:latin typeface="Arial"/>
+                <a:ea typeface="Arial"/>
+                <a:cs typeface="Arial"/>
+                <a:sym typeface="Arial"/>
+              </a:defRPr>
+            </a:lvl6pPr>
+            <a:lvl7pPr marR="0" lvl="6" algn="l" rtl="0">
+              <a:lnSpc>
+                <a:spcPct val="100000"/>
+              </a:lnSpc>
+              <a:spcBef>
+                <a:spcPts val="0"/>
+              </a:spcBef>
+              <a:spcAft>
+                <a:spcPts val="0"/>
+              </a:spcAft>
+              <a:buClr>
+                <a:srgbClr val="000000"/>
+              </a:buClr>
+              <a:buFont typeface="Arial"/>
+              <a:defRPr sz="1400" b="0" i="0" u="none" strike="noStrike" cap="none">
+                <a:solidFill>
+                  <a:srgbClr val="000000"/>
+                </a:solidFill>
+                <a:latin typeface="Arial"/>
+                <a:ea typeface="Arial"/>
+                <a:cs typeface="Arial"/>
+                <a:sym typeface="Arial"/>
+              </a:defRPr>
+            </a:lvl7pPr>
+            <a:lvl8pPr marR="0" lvl="7" algn="l" rtl="0">
+              <a:lnSpc>
+                <a:spcPct val="100000"/>
+              </a:lnSpc>
+              <a:spcBef>
+                <a:spcPts val="0"/>
+              </a:spcBef>
+              <a:spcAft>
+                <a:spcPts val="0"/>
+              </a:spcAft>
+              <a:buClr>
+                <a:srgbClr val="000000"/>
+              </a:buClr>
+              <a:buFont typeface="Arial"/>
+              <a:defRPr sz="1400" b="0" i="0" u="none" strike="noStrike" cap="none">
+                <a:solidFill>
+                  <a:srgbClr val="000000"/>
+                </a:solidFill>
+                <a:latin typeface="Arial"/>
+                <a:ea typeface="Arial"/>
+                <a:cs typeface="Arial"/>
+                <a:sym typeface="Arial"/>
+              </a:defRPr>
+            </a:lvl8pPr>
+            <a:lvl9pPr marR="0" lvl="8" algn="l" rtl="0">
+              <a:lnSpc>
+                <a:spcPct val="100000"/>
+              </a:lnSpc>
+              <a:spcBef>
+                <a:spcPts val="0"/>
+              </a:spcBef>
+              <a:spcAft>
+                <a:spcPts val="0"/>
+              </a:spcAft>
+              <a:buClr>
+                <a:srgbClr val="000000"/>
+              </a:buClr>
+              <a:buFont typeface="Arial"/>
+              <a:defRPr sz="1400" b="0" i="0" u="none" strike="noStrike" cap="none">
+                <a:solidFill>
+                  <a:srgbClr val="000000"/>
+                </a:solidFill>
+                <a:latin typeface="Arial"/>
+                <a:ea typeface="Arial"/>
+                <a:cs typeface="Arial"/>
+                <a:sym typeface="Arial"/>
+              </a:defRPr>
+            </a:lvl9pPr>
+          </a:lstStyle>
+          <a:p>
+            <a:pPr algn="ctr"/>
+            <a:r>
+              <a:rPr lang="en" sz="3200" b="1">
+                <a:solidFill>
+                  <a:schemeClr val="bg1"/>
+                </a:solidFill>
+              </a:rPr>
+              <a:t>03</a:t>
+            </a:r>
+            <a:endParaRPr lang="en" sz="3200" b="1" dirty="0">
+              <a:solidFill>
+                <a:schemeClr val="bg1"/>
+              </a:solidFill>
+            </a:endParaRPr>
+          </a:p>
+        </p:txBody>
+      </p:sp>
+      <p:sp>
+        <p:nvSpPr>
+          <p:cNvPr id="34" name="Google Shape;349;p36">
+            <a:extLst>
+              <a:ext uri="{FF2B5EF4-FFF2-40B4-BE49-F238E27FC236}">
+                <a16:creationId xmlns:a16="http://schemas.microsoft.com/office/drawing/2014/main" id="{07B1AD9B-8D16-4239-7FBD-CC13CA7439F8}"/>
+              </a:ext>
+            </a:extLst>
+          </p:cNvPr>
+          <p:cNvSpPr txBox="1">
+            <a:spLocks/>
+          </p:cNvSpPr>
+          <p:nvPr/>
+        </p:nvSpPr>
+        <p:spPr>
+          <a:xfrm>
+            <a:off x="4647730" y="3192553"/>
+            <a:ext cx="695325" cy="528637"/>
+          </a:xfrm>
+          <a:prstGeom prst="rect">
+            <a:avLst/>
+          </a:prstGeom>
+        </p:spPr>
+        <p:txBody>
+          <a:bodyPr spcFirstLastPara="1" wrap="square" lIns="91425" tIns="91425" rIns="91425" bIns="91425" anchor="ctr" anchorCtr="0">
+            <a:noAutofit/>
+          </a:bodyPr>
+          <a:lstStyle>
+            <a:defPPr marR="0" lvl="0" algn="l" rtl="0">
+              <a:lnSpc>
+                <a:spcPct val="100000"/>
+              </a:lnSpc>
+              <a:spcBef>
+                <a:spcPts val="0"/>
+              </a:spcBef>
+              <a:spcAft>
+                <a:spcPts val="0"/>
+              </a:spcAft>
+            </a:defPPr>
+            <a:lvl1pPr marR="0" lvl="0" algn="l" rtl="0">
+              <a:lnSpc>
+                <a:spcPct val="100000"/>
+              </a:lnSpc>
+              <a:spcBef>
+                <a:spcPts val="0"/>
+              </a:spcBef>
+              <a:spcAft>
+                <a:spcPts val="0"/>
+              </a:spcAft>
+              <a:buClr>
+                <a:srgbClr val="000000"/>
+              </a:buClr>
+              <a:buFont typeface="Arial"/>
+              <a:defRPr sz="1400" b="0" i="0" u="none" strike="noStrike" cap="none">
+                <a:solidFill>
+                  <a:srgbClr val="000000"/>
+                </a:solidFill>
+                <a:latin typeface="Arial"/>
+                <a:ea typeface="Arial"/>
+                <a:cs typeface="Arial"/>
+                <a:sym typeface="Arial"/>
+              </a:defRPr>
+            </a:lvl1pPr>
+            <a:lvl2pPr marR="0" lvl="1" algn="l" rtl="0">
+              <a:lnSpc>
+                <a:spcPct val="100000"/>
+              </a:lnSpc>
+              <a:spcBef>
+                <a:spcPts val="0"/>
+              </a:spcBef>
+              <a:spcAft>
+                <a:spcPts val="0"/>
+              </a:spcAft>
+              <a:buClr>
+                <a:srgbClr val="000000"/>
+              </a:buClr>
+              <a:buFont typeface="Arial"/>
+              <a:defRPr sz="1400" b="0" i="0" u="none" strike="noStrike" cap="none">
+                <a:solidFill>
+                  <a:srgbClr val="000000"/>
+                </a:solidFill>
+                <a:latin typeface="Arial"/>
+                <a:ea typeface="Arial"/>
+                <a:cs typeface="Arial"/>
+                <a:sym typeface="Arial"/>
+              </a:defRPr>
+            </a:lvl2pPr>
+            <a:lvl3pPr marR="0" lvl="2" algn="l" rtl="0">
+              <a:lnSpc>
+                <a:spcPct val="100000"/>
+              </a:lnSpc>
+              <a:spcBef>
+                <a:spcPts val="0"/>
+              </a:spcBef>
+              <a:spcAft>
+                <a:spcPts val="0"/>
+              </a:spcAft>
+              <a:buClr>
+                <a:srgbClr val="000000"/>
+              </a:buClr>
+              <a:buFont typeface="Arial"/>
+              <a:defRPr sz="1400" b="0" i="0" u="none" strike="noStrike" cap="none">
+                <a:solidFill>
+                  <a:srgbClr val="000000"/>
+                </a:solidFill>
+                <a:latin typeface="Arial"/>
+                <a:ea typeface="Arial"/>
+                <a:cs typeface="Arial"/>
+                <a:sym typeface="Arial"/>
+              </a:defRPr>
+            </a:lvl3pPr>
+            <a:lvl4pPr marR="0" lvl="3" algn="l" rtl="0">
+              <a:lnSpc>
+                <a:spcPct val="100000"/>
+              </a:lnSpc>
+              <a:spcBef>
+                <a:spcPts val="0"/>
+              </a:spcBef>
+              <a:spcAft>
+                <a:spcPts val="0"/>
+              </a:spcAft>
+              <a:buClr>
+                <a:srgbClr val="000000"/>
+              </a:buClr>
+              <a:buFont typeface="Arial"/>
+              <a:defRPr sz="1400" b="0" i="0" u="none" strike="noStrike" cap="none">
+                <a:solidFill>
+                  <a:srgbClr val="000000"/>
+                </a:solidFill>
+                <a:latin typeface="Arial"/>
+                <a:ea typeface="Arial"/>
+                <a:cs typeface="Arial"/>
+                <a:sym typeface="Arial"/>
+              </a:defRPr>
+            </a:lvl4pPr>
+            <a:lvl5pPr marR="0" lvl="4" algn="l" rtl="0">
+              <a:lnSpc>
+                <a:spcPct val="100000"/>
+              </a:lnSpc>
+              <a:spcBef>
+                <a:spcPts val="0"/>
+              </a:spcBef>
+              <a:spcAft>
+                <a:spcPts val="0"/>
+              </a:spcAft>
+              <a:buClr>
+                <a:srgbClr val="000000"/>
+              </a:buClr>
+              <a:buFont typeface="Arial"/>
+              <a:defRPr sz="1400" b="0" i="0" u="none" strike="noStrike" cap="none">
+                <a:solidFill>
+                  <a:srgbClr val="000000"/>
+                </a:solidFill>
+                <a:latin typeface="Arial"/>
+                <a:ea typeface="Arial"/>
+                <a:cs typeface="Arial"/>
+                <a:sym typeface="Arial"/>
+              </a:defRPr>
+            </a:lvl5pPr>
+            <a:lvl6pPr marR="0" lvl="5" algn="l" rtl="0">
+              <a:lnSpc>
+                <a:spcPct val="100000"/>
+              </a:lnSpc>
+              <a:spcBef>
+                <a:spcPts val="0"/>
+              </a:spcBef>
+              <a:spcAft>
+                <a:spcPts val="0"/>
+              </a:spcAft>
+              <a:buClr>
+                <a:srgbClr val="000000"/>
+              </a:buClr>
+              <a:buFont typeface="Arial"/>
+              <a:defRPr sz="1400" b="0" i="0" u="none" strike="noStrike" cap="none">
+                <a:solidFill>
+                  <a:srgbClr val="000000"/>
+                </a:solidFill>
+                <a:latin typeface="Arial"/>
+                <a:ea typeface="Arial"/>
+                <a:cs typeface="Arial"/>
+                <a:sym typeface="Arial"/>
+              </a:defRPr>
+            </a:lvl6pPr>
+            <a:lvl7pPr marR="0" lvl="6" algn="l" rtl="0">
+              <a:lnSpc>
+                <a:spcPct val="100000"/>
+              </a:lnSpc>
+              <a:spcBef>
+                <a:spcPts val="0"/>
+              </a:spcBef>
+              <a:spcAft>
+                <a:spcPts val="0"/>
+              </a:spcAft>
+              <a:buClr>
+                <a:srgbClr val="000000"/>
+              </a:buClr>
+              <a:buFont typeface="Arial"/>
+              <a:defRPr sz="1400" b="0" i="0" u="none" strike="noStrike" cap="none">
+                <a:solidFill>
+                  <a:srgbClr val="000000"/>
+                </a:solidFill>
+                <a:latin typeface="Arial"/>
+                <a:ea typeface="Arial"/>
+                <a:cs typeface="Arial"/>
+                <a:sym typeface="Arial"/>
+              </a:defRPr>
+            </a:lvl7pPr>
+            <a:lvl8pPr marR="0" lvl="7" algn="l" rtl="0">
+              <a:lnSpc>
+                <a:spcPct val="100000"/>
+              </a:lnSpc>
+              <a:spcBef>
+                <a:spcPts val="0"/>
+              </a:spcBef>
+              <a:spcAft>
+                <a:spcPts val="0"/>
+              </a:spcAft>
+              <a:buClr>
+                <a:srgbClr val="000000"/>
+              </a:buClr>
+              <a:buFont typeface="Arial"/>
+              <a:defRPr sz="1400" b="0" i="0" u="none" strike="noStrike" cap="none">
+                <a:solidFill>
+                  <a:srgbClr val="000000"/>
+                </a:solidFill>
+                <a:latin typeface="Arial"/>
+                <a:ea typeface="Arial"/>
+                <a:cs typeface="Arial"/>
+                <a:sym typeface="Arial"/>
+              </a:defRPr>
+            </a:lvl8pPr>
+            <a:lvl9pPr marR="0" lvl="8" algn="l" rtl="0">
+              <a:lnSpc>
+                <a:spcPct val="100000"/>
+              </a:lnSpc>
+              <a:spcBef>
+                <a:spcPts val="0"/>
+              </a:spcBef>
+              <a:spcAft>
+                <a:spcPts val="0"/>
+              </a:spcAft>
+              <a:buClr>
+                <a:srgbClr val="000000"/>
+              </a:buClr>
+              <a:buFont typeface="Arial"/>
+              <a:defRPr sz="1400" b="0" i="0" u="none" strike="noStrike" cap="none">
+                <a:solidFill>
+                  <a:srgbClr val="000000"/>
+                </a:solidFill>
+                <a:latin typeface="Arial"/>
+                <a:ea typeface="Arial"/>
+                <a:cs typeface="Arial"/>
+                <a:sym typeface="Arial"/>
+              </a:defRPr>
+            </a:lvl9pPr>
+          </a:lstStyle>
+          <a:p>
+            <a:pPr algn="ctr"/>
+            <a:r>
+              <a:rPr lang="en" sz="3200" b="1">
+                <a:solidFill>
+                  <a:schemeClr val="bg1"/>
+                </a:solidFill>
+              </a:rPr>
+              <a:t>04</a:t>
+            </a:r>
+            <a:endParaRPr lang="en" sz="3200" b="1" dirty="0">
+              <a:solidFill>
+                <a:schemeClr val="bg1"/>
+              </a:solidFill>
+            </a:endParaRPr>
+          </a:p>
+        </p:txBody>
+      </p:sp>
+      <p:sp>
+        <p:nvSpPr>
+          <p:cNvPr id="35" name="Google Shape;339;p36">
+            <a:extLst>
+              <a:ext uri="{FF2B5EF4-FFF2-40B4-BE49-F238E27FC236}">
+                <a16:creationId xmlns:a16="http://schemas.microsoft.com/office/drawing/2014/main" id="{0079A885-0E47-23A3-8E2C-E0FC245A5215}"/>
+              </a:ext>
+            </a:extLst>
+          </p:cNvPr>
+          <p:cNvSpPr txBox="1">
+            <a:spLocks/>
+          </p:cNvSpPr>
+          <p:nvPr/>
+        </p:nvSpPr>
+        <p:spPr>
+          <a:xfrm>
+            <a:off x="5501949" y="3139949"/>
+            <a:ext cx="3205501" cy="712787"/>
+          </a:xfrm>
+          <a:prstGeom prst="rect">
+            <a:avLst/>
+          </a:prstGeom>
+        </p:spPr>
+        <p:txBody>
+          <a:bodyPr spcFirstLastPara="1" wrap="square" lIns="91425" tIns="91425" rIns="91425" bIns="91425" anchor="ctr" anchorCtr="0">
+            <a:noAutofit/>
+          </a:bodyPr>
+          <a:lstStyle>
+            <a:defPPr marR="0" lvl="0" algn="l" rtl="0">
+              <a:lnSpc>
+                <a:spcPct val="100000"/>
+              </a:lnSpc>
+              <a:spcBef>
+                <a:spcPts val="0"/>
+              </a:spcBef>
+              <a:spcAft>
+                <a:spcPts val="0"/>
+              </a:spcAft>
+            </a:defPPr>
+            <a:lvl1pPr marR="0" lvl="0" algn="ctr" rtl="0">
+              <a:lnSpc>
+                <a:spcPct val="100000"/>
+              </a:lnSpc>
+              <a:spcBef>
+                <a:spcPts val="0"/>
+              </a:spcBef>
+              <a:spcAft>
+                <a:spcPts val="0"/>
+              </a:spcAft>
+              <a:buClr>
+                <a:schemeClr val="accent1"/>
+              </a:buClr>
+              <a:buSzPts val="2800"/>
+              <a:buFont typeface="Ramabhadra"/>
+              <a:buNone/>
+              <a:defRPr sz="2000" b="1" i="0" u="none" strike="noStrike" cap="none">
+                <a:solidFill>
+                  <a:srgbClr val="007399"/>
+                </a:solidFill>
+                <a:latin typeface="Century Gothic" panose="020B0502020202020204" pitchFamily="34" charset="0"/>
+                <a:ea typeface="Arial Black" panose="020B0604020202020204" pitchFamily="34" charset="0"/>
+                <a:cs typeface="Arial Black" panose="020B0604020202020204" pitchFamily="34" charset="0"/>
+                <a:sym typeface="Arial"/>
+              </a:defRPr>
+            </a:lvl1pPr>
+            <a:lvl2pPr marR="0" lvl="1" algn="ctr" rtl="0">
+              <a:lnSpc>
+                <a:spcPct val="100000"/>
+              </a:lnSpc>
+              <a:spcBef>
+                <a:spcPts val="0"/>
+              </a:spcBef>
+              <a:spcAft>
+                <a:spcPts val="0"/>
+              </a:spcAft>
+              <a:buClr>
+                <a:schemeClr val="accent1"/>
+              </a:buClr>
+              <a:buSzPts val="2800"/>
+              <a:buFont typeface="Ramabhadra"/>
+              <a:buNone/>
+              <a:defRPr sz="2800" b="1" i="0" u="none" strike="noStrike" cap="none">
+                <a:solidFill>
+                  <a:schemeClr val="accent1"/>
+                </a:solidFill>
+                <a:latin typeface="Ramabhadra"/>
+                <a:ea typeface="Ramabhadra"/>
+                <a:cs typeface="Ramabhadra"/>
+                <a:sym typeface="Ramabhadra"/>
+              </a:defRPr>
+            </a:lvl2pPr>
+            <a:lvl3pPr marR="0" lvl="2" algn="ctr" rtl="0">
+              <a:lnSpc>
+                <a:spcPct val="100000"/>
+              </a:lnSpc>
+              <a:spcBef>
+                <a:spcPts val="0"/>
+              </a:spcBef>
+              <a:spcAft>
+                <a:spcPts val="0"/>
+              </a:spcAft>
+              <a:buClr>
+                <a:schemeClr val="accent1"/>
+              </a:buClr>
+              <a:buSzPts val="2800"/>
+              <a:buFont typeface="Ramabhadra"/>
+              <a:buNone/>
+              <a:defRPr sz="2800" b="1" i="0" u="none" strike="noStrike" cap="none">
+                <a:solidFill>
+                  <a:schemeClr val="accent1"/>
+                </a:solidFill>
+                <a:latin typeface="Ramabhadra"/>
+                <a:ea typeface="Ramabhadra"/>
+                <a:cs typeface="Ramabhadra"/>
+                <a:sym typeface="Ramabhadra"/>
+              </a:defRPr>
+            </a:lvl3pPr>
+            <a:lvl4pPr marR="0" lvl="3" algn="ctr" rtl="0">
+              <a:lnSpc>
+                <a:spcPct val="100000"/>
+              </a:lnSpc>
+              <a:spcBef>
+                <a:spcPts val="0"/>
+              </a:spcBef>
+              <a:spcAft>
+                <a:spcPts val="0"/>
+              </a:spcAft>
+              <a:buClr>
+                <a:schemeClr val="accent1"/>
+              </a:buClr>
+              <a:buSzPts val="2800"/>
+              <a:buFont typeface="Ramabhadra"/>
+              <a:buNone/>
+              <a:defRPr sz="2800" b="1" i="0" u="none" strike="noStrike" cap="none">
+                <a:solidFill>
+                  <a:schemeClr val="accent1"/>
+                </a:solidFill>
+                <a:latin typeface="Ramabhadra"/>
+                <a:ea typeface="Ramabhadra"/>
+                <a:cs typeface="Ramabhadra"/>
+                <a:sym typeface="Ramabhadra"/>
+              </a:defRPr>
+            </a:lvl4pPr>
+            <a:lvl5pPr marR="0" lvl="4" algn="ctr" rtl="0">
+              <a:lnSpc>
+                <a:spcPct val="100000"/>
+              </a:lnSpc>
+              <a:spcBef>
+                <a:spcPts val="0"/>
+              </a:spcBef>
+              <a:spcAft>
+                <a:spcPts val="0"/>
+              </a:spcAft>
+              <a:buClr>
+                <a:schemeClr val="accent1"/>
+              </a:buClr>
+              <a:buSzPts val="2800"/>
+              <a:buFont typeface="Ramabhadra"/>
+              <a:buNone/>
+              <a:defRPr sz="2800" b="1" i="0" u="none" strike="noStrike" cap="none">
+                <a:solidFill>
+                  <a:schemeClr val="accent1"/>
+                </a:solidFill>
+                <a:latin typeface="Ramabhadra"/>
+                <a:ea typeface="Ramabhadra"/>
+                <a:cs typeface="Ramabhadra"/>
+                <a:sym typeface="Ramabhadra"/>
+              </a:defRPr>
+            </a:lvl5pPr>
+            <a:lvl6pPr marR="0" lvl="5" algn="ctr" rtl="0">
+              <a:lnSpc>
+                <a:spcPct val="100000"/>
+              </a:lnSpc>
+              <a:spcBef>
+                <a:spcPts val="0"/>
+              </a:spcBef>
+              <a:spcAft>
+                <a:spcPts val="0"/>
+              </a:spcAft>
+              <a:buClr>
+                <a:schemeClr val="accent1"/>
+              </a:buClr>
+              <a:buSzPts val="2800"/>
+              <a:buFont typeface="Ramabhadra"/>
+              <a:buNone/>
+              <a:defRPr sz="2800" b="1" i="0" u="none" strike="noStrike" cap="none">
+                <a:solidFill>
+                  <a:schemeClr val="accent1"/>
+                </a:solidFill>
+                <a:latin typeface="Ramabhadra"/>
+                <a:ea typeface="Ramabhadra"/>
+                <a:cs typeface="Ramabhadra"/>
+                <a:sym typeface="Ramabhadra"/>
+              </a:defRPr>
+            </a:lvl6pPr>
+            <a:lvl7pPr marR="0" lvl="6" algn="ctr" rtl="0">
+              <a:lnSpc>
+                <a:spcPct val="100000"/>
+              </a:lnSpc>
+              <a:spcBef>
+                <a:spcPts val="0"/>
+              </a:spcBef>
+              <a:spcAft>
+                <a:spcPts val="0"/>
+              </a:spcAft>
+              <a:buClr>
+                <a:schemeClr val="accent1"/>
+              </a:buClr>
+              <a:buSzPts val="2800"/>
+              <a:buFont typeface="Ramabhadra"/>
+              <a:buNone/>
+              <a:defRPr sz="2800" b="1" i="0" u="none" strike="noStrike" cap="none">
+                <a:solidFill>
+                  <a:schemeClr val="accent1"/>
+                </a:solidFill>
+                <a:latin typeface="Ramabhadra"/>
+                <a:ea typeface="Ramabhadra"/>
+                <a:cs typeface="Ramabhadra"/>
+                <a:sym typeface="Ramabhadra"/>
+              </a:defRPr>
+            </a:lvl7pPr>
+            <a:lvl8pPr marR="0" lvl="7" algn="ctr" rtl="0">
+              <a:lnSpc>
+                <a:spcPct val="100000"/>
+              </a:lnSpc>
+              <a:spcBef>
+                <a:spcPts val="0"/>
+              </a:spcBef>
+              <a:spcAft>
+                <a:spcPts val="0"/>
+              </a:spcAft>
+              <a:buClr>
+                <a:schemeClr val="accent1"/>
+              </a:buClr>
+              <a:buSzPts val="2800"/>
+              <a:buFont typeface="Ramabhadra"/>
+              <a:buNone/>
+              <a:defRPr sz="2800" b="1" i="0" u="none" strike="noStrike" cap="none">
+                <a:solidFill>
+                  <a:schemeClr val="accent1"/>
+                </a:solidFill>
+                <a:latin typeface="Ramabhadra"/>
+                <a:ea typeface="Ramabhadra"/>
+                <a:cs typeface="Ramabhadra"/>
+                <a:sym typeface="Ramabhadra"/>
+              </a:defRPr>
+            </a:lvl8pPr>
+            <a:lvl9pPr marR="0" lvl="8" algn="ctr" rtl="0">
+              <a:lnSpc>
+                <a:spcPct val="100000"/>
+              </a:lnSpc>
+              <a:spcBef>
+                <a:spcPts val="0"/>
+              </a:spcBef>
+              <a:spcAft>
+                <a:spcPts val="0"/>
+              </a:spcAft>
+              <a:buClr>
+                <a:schemeClr val="accent1"/>
+              </a:buClr>
+              <a:buSzPts val="2800"/>
+              <a:buFont typeface="Ramabhadra"/>
+              <a:buNone/>
+              <a:defRPr sz="2800" b="1" i="0" u="none" strike="noStrike" cap="none">
+                <a:solidFill>
+                  <a:schemeClr val="accent1"/>
+                </a:solidFill>
+                <a:latin typeface="Ramabhadra"/>
+                <a:ea typeface="Ramabhadra"/>
+                <a:cs typeface="Ramabhadra"/>
+                <a:sym typeface="Ramabhadra"/>
+              </a:defRPr>
+            </a:lvl9pPr>
+          </a:lstStyle>
+          <a:p>
+            <a:pPr algn="l"/>
+            <a:r>
+              <a:rPr lang="es-ES" sz="2400" dirty="0" err="1"/>
+              <a:t>Delete</a:t>
+            </a:r>
+            <a:r>
+              <a:rPr lang="es-ES" sz="2400" dirty="0"/>
+              <a:t> a </a:t>
+            </a:r>
+            <a:r>
+              <a:rPr lang="es-ES" sz="2400" dirty="0" err="1"/>
+              <a:t>book</a:t>
+            </a:r>
+            <a:r>
+              <a:rPr lang="es-ES" sz="2400" dirty="0"/>
+              <a:t> </a:t>
+            </a:r>
+            <a:r>
+              <a:rPr lang="es-ES" sz="2400" dirty="0" err="1"/>
+              <a:t>by</a:t>
+            </a:r>
+            <a:r>
+              <a:rPr lang="es-ES" sz="2400" dirty="0"/>
+              <a:t> id</a:t>
+            </a:r>
+          </a:p>
+        </p:txBody>
+      </p:sp>
+    </p:spTree>
+    <p:extLst>
+      <p:ext uri="{BB962C8B-B14F-4D97-AF65-F5344CB8AC3E}">
+        <p14:creationId xmlns:p14="http://schemas.microsoft.com/office/powerpoint/2010/main" val="2156646661"/>
+      </p:ext>
+    </p:extLst>
+  </p:cSld>
+  <p:clrMapOvr>
+    <a:masterClrMapping/>
+  </p:clrMapOvr>
+</p:sld>
+</file>
+
+<file path=ppt/slides/slide21.xml><?xml version="1.0" encoding="utf-8"?>
+<p:sld xmlns:a="http://schemas.openxmlformats.org/drawingml/2006/main" xmlns:r="http://schemas.openxmlformats.org/officeDocument/2006/relationships" xmlns:p="http://schemas.openxmlformats.org/presentationml/2006/main">
+  <p:cSld>
+    <p:spTree>
+      <p:nvGrpSpPr>
+        <p:cNvPr id="1" name="Shape 353"/>
+        <p:cNvGrpSpPr/>
+        <p:nvPr/>
+      </p:nvGrpSpPr>
+      <p:grpSpPr>
+        <a:xfrm>
+          <a:off x="0" y="0"/>
+          <a:ext cx="0" cy="0"/>
+          <a:chOff x="0" y="0"/>
+          <a:chExt cx="0" cy="0"/>
+        </a:xfrm>
+      </p:grpSpPr>
+      <p:sp>
+        <p:nvSpPr>
+          <p:cNvPr id="354" name="Google Shape;354;p37"/>
+          <p:cNvSpPr txBox="1">
+            <a:spLocks noGrp="1"/>
+          </p:cNvSpPr>
+          <p:nvPr>
+            <p:ph type="title"/>
+          </p:nvPr>
+        </p:nvSpPr>
+        <p:spPr>
+          <a:xfrm>
+            <a:off x="714375" y="190941"/>
+            <a:ext cx="7715250" cy="571500"/>
+          </a:xfrm>
+          <a:prstGeom prst="rect">
+            <a:avLst/>
+          </a:prstGeom>
+        </p:spPr>
+        <p:txBody>
+          <a:bodyPr spcFirstLastPara="1" wrap="square" lIns="91425" tIns="91425" rIns="91425" bIns="91425" anchor="t" anchorCtr="0">
+            <a:noAutofit/>
+          </a:bodyPr>
+          <a:lstStyle/>
+          <a:p>
+            <a:pPr lvl="0" algn="ctr"/>
+            <a:r>
+              <a:rPr lang="es-ES" dirty="0">
+                <a:latin typeface="Century Gothic" panose="020B0502020202020204" pitchFamily="34" charset="0"/>
+              </a:rPr>
+              <a:t>Seguridad</a:t>
+            </a:r>
+            <a:endParaRPr dirty="0">
+              <a:solidFill>
+                <a:schemeClr val="accent3"/>
+              </a:solidFill>
+              <a:latin typeface="Century Gothic" panose="020B0502020202020204" pitchFamily="34" charset="0"/>
+            </a:endParaRPr>
+          </a:p>
+        </p:txBody>
+      </p:sp>
+      <p:pic>
+        <p:nvPicPr>
+          <p:cNvPr id="1026" name="Picture 2" descr="jwtexplanation">
+            <a:extLst>
+              <a:ext uri="{FF2B5EF4-FFF2-40B4-BE49-F238E27FC236}">
+                <a16:creationId xmlns:a16="http://schemas.microsoft.com/office/drawing/2014/main" id="{E54980F0-1291-4F31-A59C-2DB7E04A9DCF}"/>
+              </a:ext>
+            </a:extLst>
+          </p:cNvPr>
+          <p:cNvPicPr>
+            <a:picLocks noChangeAspect="1" noChangeArrowheads="1"/>
+          </p:cNvPicPr>
+          <p:nvPr/>
+        </p:nvPicPr>
+        <p:blipFill>
+          <a:blip r:embed="rId3">
+            <a:extLst>
+              <a:ext uri="{28A0092B-C50C-407E-A947-70E740481C1C}">
+                <a14:useLocalDpi xmlns:a14="http://schemas.microsoft.com/office/drawing/2010/main" val="0"/>
+              </a:ext>
+            </a:extLst>
+          </a:blip>
+          <a:srcRect/>
+          <a:stretch>
+            <a:fillRect/>
+          </a:stretch>
+        </p:blipFill>
+        <p:spPr bwMode="auto">
+          <a:xfrm>
+            <a:off x="1719263" y="1085850"/>
+            <a:ext cx="5705475" cy="2971800"/>
+          </a:xfrm>
+          <a:prstGeom prst="rect">
+            <a:avLst/>
+          </a:prstGeom>
+          <a:noFill/>
+          <a:extLst>
+            <a:ext uri="{909E8E84-426E-40DD-AFC4-6F175D3DCCD1}">
+              <a14:hiddenFill xmlns:a14="http://schemas.microsoft.com/office/drawing/2010/main">
+                <a:solidFill>
+                  <a:srgbClr val="FFFFFF"/>
+                </a:solidFill>
+              </a14:hiddenFill>
+            </a:ext>
+          </a:extLst>
+        </p:spPr>
+      </p:pic>
+      <p:sp>
+        <p:nvSpPr>
+          <p:cNvPr id="4" name="Google Shape;354;p37">
+            <a:extLst>
+              <a:ext uri="{FF2B5EF4-FFF2-40B4-BE49-F238E27FC236}">
+                <a16:creationId xmlns:a16="http://schemas.microsoft.com/office/drawing/2014/main" id="{2FD71023-751B-3D6D-EE4C-A3804F14DD2B}"/>
+              </a:ext>
+            </a:extLst>
+          </p:cNvPr>
+          <p:cNvSpPr txBox="1">
+            <a:spLocks/>
+          </p:cNvSpPr>
+          <p:nvPr/>
+        </p:nvSpPr>
+        <p:spPr>
+          <a:xfrm>
+            <a:off x="2377440" y="615511"/>
+            <a:ext cx="4353723" cy="431367"/>
+          </a:xfrm>
+          <a:prstGeom prst="rect">
+            <a:avLst/>
+          </a:prstGeom>
+        </p:spPr>
+        <p:txBody>
+          <a:bodyPr spcFirstLastPara="1" wrap="square" lIns="91425" tIns="91425" rIns="91425" bIns="91425" anchor="t" anchorCtr="0">
+            <a:noAutofit/>
+          </a:bodyPr>
+          <a:lstStyle>
+            <a:defPPr marR="0" lvl="0" algn="l" rtl="0">
+              <a:lnSpc>
+                <a:spcPct val="100000"/>
+              </a:lnSpc>
+              <a:spcBef>
+                <a:spcPts val="0"/>
+              </a:spcBef>
+              <a:spcAft>
+                <a:spcPts val="0"/>
+              </a:spcAft>
+            </a:defPPr>
+            <a:lvl1pPr marR="0" lvl="0" algn="ctr" rtl="0">
+              <a:lnSpc>
+                <a:spcPct val="100000"/>
+              </a:lnSpc>
+              <a:spcBef>
+                <a:spcPts val="0"/>
+              </a:spcBef>
+              <a:spcAft>
+                <a:spcPts val="0"/>
+              </a:spcAft>
+              <a:buClr>
+                <a:schemeClr val="accent1"/>
+              </a:buClr>
+              <a:buSzPts val="2800"/>
+              <a:buFont typeface="Ramabhadra"/>
+              <a:buNone/>
+              <a:defRPr sz="2000" b="1" i="0" u="none" strike="noStrike" cap="none">
+                <a:solidFill>
+                  <a:srgbClr val="007399"/>
+                </a:solidFill>
+                <a:latin typeface="Century Gothic" panose="020B0502020202020204" pitchFamily="34" charset="0"/>
+                <a:ea typeface="Arial Black" panose="020B0604020202020204" pitchFamily="34" charset="0"/>
+                <a:cs typeface="Arial Black" panose="020B0604020202020204" pitchFamily="34" charset="0"/>
+                <a:sym typeface="Arial"/>
+              </a:defRPr>
+            </a:lvl1pPr>
+            <a:lvl2pPr marR="0" lvl="1" algn="ctr" rtl="0">
+              <a:lnSpc>
+                <a:spcPct val="100000"/>
+              </a:lnSpc>
+              <a:spcBef>
+                <a:spcPts val="0"/>
+              </a:spcBef>
+              <a:spcAft>
+                <a:spcPts val="0"/>
+              </a:spcAft>
+              <a:buClr>
+                <a:schemeClr val="accent1"/>
+              </a:buClr>
+              <a:buSzPts val="2800"/>
+              <a:buFont typeface="Ramabhadra"/>
+              <a:buNone/>
+              <a:defRPr sz="2800" b="1" i="0" u="none" strike="noStrike" cap="none">
+                <a:solidFill>
+                  <a:schemeClr val="accent1"/>
+                </a:solidFill>
+                <a:latin typeface="Ramabhadra"/>
+                <a:ea typeface="Ramabhadra"/>
+                <a:cs typeface="Ramabhadra"/>
+                <a:sym typeface="Ramabhadra"/>
+              </a:defRPr>
+            </a:lvl2pPr>
+            <a:lvl3pPr marR="0" lvl="2" algn="ctr" rtl="0">
+              <a:lnSpc>
+                <a:spcPct val="100000"/>
+              </a:lnSpc>
+              <a:spcBef>
+                <a:spcPts val="0"/>
+              </a:spcBef>
+              <a:spcAft>
+                <a:spcPts val="0"/>
+              </a:spcAft>
+              <a:buClr>
+                <a:schemeClr val="accent1"/>
+              </a:buClr>
+              <a:buSzPts val="2800"/>
+              <a:buFont typeface="Ramabhadra"/>
+              <a:buNone/>
+              <a:defRPr sz="2800" b="1" i="0" u="none" strike="noStrike" cap="none">
+                <a:solidFill>
+                  <a:schemeClr val="accent1"/>
+                </a:solidFill>
+                <a:latin typeface="Ramabhadra"/>
+                <a:ea typeface="Ramabhadra"/>
+                <a:cs typeface="Ramabhadra"/>
+                <a:sym typeface="Ramabhadra"/>
+              </a:defRPr>
+            </a:lvl3pPr>
+            <a:lvl4pPr marR="0" lvl="3" algn="ctr" rtl="0">
+              <a:lnSpc>
+                <a:spcPct val="100000"/>
+              </a:lnSpc>
+              <a:spcBef>
+                <a:spcPts val="0"/>
+              </a:spcBef>
+              <a:spcAft>
+                <a:spcPts val="0"/>
+              </a:spcAft>
+              <a:buClr>
+                <a:schemeClr val="accent1"/>
+              </a:buClr>
+              <a:buSzPts val="2800"/>
+              <a:buFont typeface="Ramabhadra"/>
+              <a:buNone/>
+              <a:defRPr sz="2800" b="1" i="0" u="none" strike="noStrike" cap="none">
+                <a:solidFill>
+                  <a:schemeClr val="accent1"/>
+                </a:solidFill>
+                <a:latin typeface="Ramabhadra"/>
+                <a:ea typeface="Ramabhadra"/>
+                <a:cs typeface="Ramabhadra"/>
+                <a:sym typeface="Ramabhadra"/>
+              </a:defRPr>
+            </a:lvl4pPr>
+            <a:lvl5pPr marR="0" lvl="4" algn="ctr" rtl="0">
+              <a:lnSpc>
+                <a:spcPct val="100000"/>
+              </a:lnSpc>
+              <a:spcBef>
+                <a:spcPts val="0"/>
+              </a:spcBef>
+              <a:spcAft>
+                <a:spcPts val="0"/>
+              </a:spcAft>
+              <a:buClr>
+                <a:schemeClr val="accent1"/>
+              </a:buClr>
+              <a:buSzPts val="2800"/>
+              <a:buFont typeface="Ramabhadra"/>
+              <a:buNone/>
+              <a:defRPr sz="2800" b="1" i="0" u="none" strike="noStrike" cap="none">
+                <a:solidFill>
+                  <a:schemeClr val="accent1"/>
+                </a:solidFill>
+                <a:latin typeface="Ramabhadra"/>
+                <a:ea typeface="Ramabhadra"/>
+                <a:cs typeface="Ramabhadra"/>
+                <a:sym typeface="Ramabhadra"/>
+              </a:defRPr>
+            </a:lvl5pPr>
+            <a:lvl6pPr marR="0" lvl="5" algn="ctr" rtl="0">
+              <a:lnSpc>
+                <a:spcPct val="100000"/>
+              </a:lnSpc>
+              <a:spcBef>
+                <a:spcPts val="0"/>
+              </a:spcBef>
+              <a:spcAft>
+                <a:spcPts val="0"/>
+              </a:spcAft>
+              <a:buClr>
+                <a:schemeClr val="accent1"/>
+              </a:buClr>
+              <a:buSzPts val="2800"/>
+              <a:buFont typeface="Ramabhadra"/>
+              <a:buNone/>
+              <a:defRPr sz="2800" b="1" i="0" u="none" strike="noStrike" cap="none">
+                <a:solidFill>
+                  <a:schemeClr val="accent1"/>
+                </a:solidFill>
+                <a:latin typeface="Ramabhadra"/>
+                <a:ea typeface="Ramabhadra"/>
+                <a:cs typeface="Ramabhadra"/>
+                <a:sym typeface="Ramabhadra"/>
+              </a:defRPr>
+            </a:lvl6pPr>
+            <a:lvl7pPr marR="0" lvl="6" algn="ctr" rtl="0">
+              <a:lnSpc>
+                <a:spcPct val="100000"/>
+              </a:lnSpc>
+              <a:spcBef>
+                <a:spcPts val="0"/>
+              </a:spcBef>
+              <a:spcAft>
+                <a:spcPts val="0"/>
+              </a:spcAft>
+              <a:buClr>
+                <a:schemeClr val="accent1"/>
+              </a:buClr>
+              <a:buSzPts val="2800"/>
+              <a:buFont typeface="Ramabhadra"/>
+              <a:buNone/>
+              <a:defRPr sz="2800" b="1" i="0" u="none" strike="noStrike" cap="none">
+                <a:solidFill>
+                  <a:schemeClr val="accent1"/>
+                </a:solidFill>
+                <a:latin typeface="Ramabhadra"/>
+                <a:ea typeface="Ramabhadra"/>
+                <a:cs typeface="Ramabhadra"/>
+                <a:sym typeface="Ramabhadra"/>
+              </a:defRPr>
+            </a:lvl7pPr>
+            <a:lvl8pPr marR="0" lvl="7" algn="ctr" rtl="0">
+              <a:lnSpc>
+                <a:spcPct val="100000"/>
+              </a:lnSpc>
+              <a:spcBef>
+                <a:spcPts val="0"/>
+              </a:spcBef>
+              <a:spcAft>
+                <a:spcPts val="0"/>
+              </a:spcAft>
+              <a:buClr>
+                <a:schemeClr val="accent1"/>
+              </a:buClr>
+              <a:buSzPts val="2800"/>
+              <a:buFont typeface="Ramabhadra"/>
+              <a:buNone/>
+              <a:defRPr sz="2800" b="1" i="0" u="none" strike="noStrike" cap="none">
+                <a:solidFill>
+                  <a:schemeClr val="accent1"/>
+                </a:solidFill>
+                <a:latin typeface="Ramabhadra"/>
+                <a:ea typeface="Ramabhadra"/>
+                <a:cs typeface="Ramabhadra"/>
+                <a:sym typeface="Ramabhadra"/>
+              </a:defRPr>
+            </a:lvl8pPr>
+            <a:lvl9pPr marR="0" lvl="8" algn="ctr" rtl="0">
+              <a:lnSpc>
+                <a:spcPct val="100000"/>
+              </a:lnSpc>
+              <a:spcBef>
+                <a:spcPts val="0"/>
+              </a:spcBef>
+              <a:spcAft>
+                <a:spcPts val="0"/>
+              </a:spcAft>
+              <a:buClr>
+                <a:schemeClr val="accent1"/>
+              </a:buClr>
+              <a:buSzPts val="2800"/>
+              <a:buFont typeface="Ramabhadra"/>
+              <a:buNone/>
+              <a:defRPr sz="2800" b="1" i="0" u="none" strike="noStrike" cap="none">
+                <a:solidFill>
+                  <a:schemeClr val="accent1"/>
+                </a:solidFill>
+                <a:latin typeface="Ramabhadra"/>
+                <a:ea typeface="Ramabhadra"/>
+                <a:cs typeface="Ramabhadra"/>
+                <a:sym typeface="Ramabhadra"/>
+              </a:defRPr>
+            </a:lvl9pPr>
+          </a:lstStyle>
+          <a:p>
+            <a:r>
+              <a:rPr lang="es-ES" dirty="0">
+                <a:solidFill>
+                  <a:schemeClr val="accent3"/>
+                </a:solidFill>
+              </a:rPr>
+              <a:t>Token JWT</a:t>
+            </a:r>
+          </a:p>
+        </p:txBody>
+      </p:sp>
+      <p:sp>
+        <p:nvSpPr>
+          <p:cNvPr id="12" name="CuadroTexto 11">
+            <a:extLst>
+              <a:ext uri="{FF2B5EF4-FFF2-40B4-BE49-F238E27FC236}">
+                <a16:creationId xmlns:a16="http://schemas.microsoft.com/office/drawing/2014/main" id="{17575BF9-072C-32DE-7A62-9B11BBDEBB2A}"/>
+              </a:ext>
+            </a:extLst>
+          </p:cNvPr>
+          <p:cNvSpPr txBox="1"/>
+          <p:nvPr/>
+        </p:nvSpPr>
+        <p:spPr>
+          <a:xfrm>
+            <a:off x="3551411" y="4244315"/>
+            <a:ext cx="2123767" cy="369332"/>
+          </a:xfrm>
+          <a:prstGeom prst="rect">
+            <a:avLst/>
+          </a:prstGeom>
+          <a:noFill/>
+        </p:spPr>
+        <p:txBody>
+          <a:bodyPr wrap="square">
+            <a:spAutoFit/>
+          </a:bodyPr>
+          <a:lstStyle/>
+          <a:p>
+            <a:pPr algn="ctr"/>
+            <a:r>
+              <a:rPr lang="es-ES" sz="1800" dirty="0"/>
+              <a:t>https://jwt.io/</a:t>
+            </a:r>
+          </a:p>
+        </p:txBody>
+      </p:sp>
+      <p:sp>
+        <p:nvSpPr>
+          <p:cNvPr id="14" name="Google Shape;708;p52">
+            <a:extLst>
+              <a:ext uri="{FF2B5EF4-FFF2-40B4-BE49-F238E27FC236}">
+                <a16:creationId xmlns:a16="http://schemas.microsoft.com/office/drawing/2014/main" id="{8A506932-6F01-D5AA-DF1D-EB33E5F9414A}"/>
+              </a:ext>
+            </a:extLst>
+          </p:cNvPr>
+          <p:cNvSpPr/>
+          <p:nvPr/>
+        </p:nvSpPr>
+        <p:spPr>
+          <a:xfrm rot="20632129">
+            <a:off x="153142" y="209264"/>
+            <a:ext cx="695400" cy="677400"/>
+          </a:xfrm>
+          <a:prstGeom prst="roundRect">
+            <a:avLst>
+              <a:gd name="adj" fmla="val 16667"/>
+            </a:avLst>
+          </a:prstGeom>
+          <a:solidFill>
+            <a:srgbClr val="F3B734"/>
+          </a:solidFill>
+          <a:ln>
+            <a:noFill/>
+          </a:ln>
+        </p:spPr>
+        <p:txBody>
+          <a:bodyPr spcFirstLastPara="1" wrap="square" lIns="91425" tIns="91425" rIns="91425" bIns="91425" anchor="ctr" anchorCtr="0">
+            <a:noAutofit/>
+          </a:bodyPr>
+          <a:lstStyle/>
+          <a:p>
+            <a:pPr marL="0" lvl="0" indent="0" algn="l" rtl="0">
+              <a:spcBef>
+                <a:spcPts val="0"/>
+              </a:spcBef>
+              <a:spcAft>
+                <a:spcPts val="0"/>
+              </a:spcAft>
+              <a:buNone/>
+            </a:pPr>
+            <a:endParaRPr dirty="0"/>
+          </a:p>
+        </p:txBody>
+      </p:sp>
+      <p:sp>
+        <p:nvSpPr>
+          <p:cNvPr id="15" name="Google Shape;712;p52">
+            <a:extLst>
+              <a:ext uri="{FF2B5EF4-FFF2-40B4-BE49-F238E27FC236}">
+                <a16:creationId xmlns:a16="http://schemas.microsoft.com/office/drawing/2014/main" id="{D6752B32-D718-AE28-5199-737010EFBF3E}"/>
+              </a:ext>
+            </a:extLst>
+          </p:cNvPr>
+          <p:cNvSpPr txBox="1">
+            <a:spLocks/>
+          </p:cNvSpPr>
+          <p:nvPr/>
+        </p:nvSpPr>
+        <p:spPr>
+          <a:xfrm rot="20632129">
+            <a:off x="306523" y="794232"/>
+            <a:ext cx="695400" cy="413700"/>
+          </a:xfrm>
+          <a:prstGeom prst="rect">
+            <a:avLst/>
+          </a:prstGeom>
+        </p:spPr>
+        <p:txBody>
+          <a:bodyPr spcFirstLastPara="1" wrap="square" lIns="91425" tIns="91425" rIns="91425" bIns="91425" anchor="ctr" anchorCtr="0">
+            <a:noAutofit/>
+          </a:bodyPr>
+          <a:lstStyle>
+            <a:defPPr marR="0" lvl="0" algn="l" rtl="0">
+              <a:lnSpc>
+                <a:spcPct val="100000"/>
+              </a:lnSpc>
+              <a:spcBef>
+                <a:spcPts val="0"/>
+              </a:spcBef>
+              <a:spcAft>
+                <a:spcPts val="0"/>
+              </a:spcAft>
+            </a:defPPr>
+            <a:lvl1pPr marR="0" lvl="0" algn="l" rtl="0">
+              <a:lnSpc>
+                <a:spcPct val="100000"/>
+              </a:lnSpc>
+              <a:spcBef>
+                <a:spcPts val="0"/>
+              </a:spcBef>
+              <a:spcAft>
+                <a:spcPts val="0"/>
+              </a:spcAft>
+              <a:buClr>
+                <a:srgbClr val="000000"/>
+              </a:buClr>
+              <a:buFont typeface="Arial"/>
+              <a:defRPr sz="1400" b="0" i="0" u="none" strike="noStrike" cap="none">
+                <a:solidFill>
+                  <a:srgbClr val="000000"/>
+                </a:solidFill>
+                <a:latin typeface="Arial"/>
+                <a:ea typeface="Arial"/>
+                <a:cs typeface="Arial"/>
+                <a:sym typeface="Arial"/>
+              </a:defRPr>
+            </a:lvl1pPr>
+            <a:lvl2pPr marR="0" lvl="1" algn="l" rtl="0">
+              <a:lnSpc>
+                <a:spcPct val="100000"/>
+              </a:lnSpc>
+              <a:spcBef>
+                <a:spcPts val="0"/>
+              </a:spcBef>
+              <a:spcAft>
+                <a:spcPts val="0"/>
+              </a:spcAft>
+              <a:buClr>
+                <a:srgbClr val="000000"/>
+              </a:buClr>
+              <a:buFont typeface="Arial"/>
+              <a:defRPr sz="1400" b="0" i="0" u="none" strike="noStrike" cap="none">
+                <a:solidFill>
+                  <a:srgbClr val="000000"/>
+                </a:solidFill>
+                <a:latin typeface="Arial"/>
+                <a:ea typeface="Arial"/>
+                <a:cs typeface="Arial"/>
+                <a:sym typeface="Arial"/>
+              </a:defRPr>
+            </a:lvl2pPr>
+            <a:lvl3pPr marR="0" lvl="2" algn="l" rtl="0">
+              <a:lnSpc>
+                <a:spcPct val="100000"/>
+              </a:lnSpc>
+              <a:spcBef>
+                <a:spcPts val="0"/>
+              </a:spcBef>
+              <a:spcAft>
+                <a:spcPts val="0"/>
+              </a:spcAft>
+              <a:buClr>
+                <a:srgbClr val="000000"/>
+              </a:buClr>
+              <a:buFont typeface="Arial"/>
+              <a:defRPr sz="1400" b="0" i="0" u="none" strike="noStrike" cap="none">
+                <a:solidFill>
+                  <a:srgbClr val="000000"/>
+                </a:solidFill>
+                <a:latin typeface="Arial"/>
+                <a:ea typeface="Arial"/>
+                <a:cs typeface="Arial"/>
+                <a:sym typeface="Arial"/>
+              </a:defRPr>
+            </a:lvl3pPr>
+            <a:lvl4pPr marR="0" lvl="3" algn="l" rtl="0">
+              <a:lnSpc>
+                <a:spcPct val="100000"/>
+              </a:lnSpc>
+              <a:spcBef>
+                <a:spcPts val="0"/>
+              </a:spcBef>
+              <a:spcAft>
+                <a:spcPts val="0"/>
+              </a:spcAft>
+              <a:buClr>
+                <a:srgbClr val="000000"/>
+              </a:buClr>
+              <a:buFont typeface="Arial"/>
+              <a:defRPr sz="1400" b="0" i="0" u="none" strike="noStrike" cap="none">
+                <a:solidFill>
+                  <a:srgbClr val="000000"/>
+                </a:solidFill>
+                <a:latin typeface="Arial"/>
+                <a:ea typeface="Arial"/>
+                <a:cs typeface="Arial"/>
+                <a:sym typeface="Arial"/>
+              </a:defRPr>
+            </a:lvl4pPr>
+            <a:lvl5pPr marR="0" lvl="4" algn="l" rtl="0">
+              <a:lnSpc>
+                <a:spcPct val="100000"/>
+              </a:lnSpc>
+              <a:spcBef>
+                <a:spcPts val="0"/>
+              </a:spcBef>
+              <a:spcAft>
+                <a:spcPts val="0"/>
+              </a:spcAft>
+              <a:buClr>
+                <a:srgbClr val="000000"/>
+              </a:buClr>
+              <a:buFont typeface="Arial"/>
+              <a:defRPr sz="1400" b="0" i="0" u="none" strike="noStrike" cap="none">
+                <a:solidFill>
+                  <a:srgbClr val="000000"/>
+                </a:solidFill>
+                <a:latin typeface="Arial"/>
+                <a:ea typeface="Arial"/>
+                <a:cs typeface="Arial"/>
+                <a:sym typeface="Arial"/>
+              </a:defRPr>
+            </a:lvl5pPr>
+            <a:lvl6pPr marR="0" lvl="5" algn="l" rtl="0">
+              <a:lnSpc>
+                <a:spcPct val="100000"/>
+              </a:lnSpc>
+              <a:spcBef>
+                <a:spcPts val="0"/>
+              </a:spcBef>
+              <a:spcAft>
+                <a:spcPts val="0"/>
+              </a:spcAft>
+              <a:buClr>
+                <a:srgbClr val="000000"/>
+              </a:buClr>
+              <a:buFont typeface="Arial"/>
+              <a:defRPr sz="1400" b="0" i="0" u="none" strike="noStrike" cap="none">
+                <a:solidFill>
+                  <a:srgbClr val="000000"/>
+                </a:solidFill>
+                <a:latin typeface="Arial"/>
+                <a:ea typeface="Arial"/>
+                <a:cs typeface="Arial"/>
+                <a:sym typeface="Arial"/>
+              </a:defRPr>
+            </a:lvl6pPr>
+            <a:lvl7pPr marR="0" lvl="6" algn="l" rtl="0">
+              <a:lnSpc>
+                <a:spcPct val="100000"/>
+              </a:lnSpc>
+              <a:spcBef>
+                <a:spcPts val="0"/>
+              </a:spcBef>
+              <a:spcAft>
+                <a:spcPts val="0"/>
+              </a:spcAft>
+              <a:buClr>
+                <a:srgbClr val="000000"/>
+              </a:buClr>
+              <a:buFont typeface="Arial"/>
+              <a:defRPr sz="1400" b="0" i="0" u="none" strike="noStrike" cap="none">
+                <a:solidFill>
+                  <a:srgbClr val="000000"/>
+                </a:solidFill>
+                <a:latin typeface="Arial"/>
+                <a:ea typeface="Arial"/>
+                <a:cs typeface="Arial"/>
+                <a:sym typeface="Arial"/>
+              </a:defRPr>
+            </a:lvl7pPr>
+            <a:lvl8pPr marR="0" lvl="7" algn="l" rtl="0">
+              <a:lnSpc>
+                <a:spcPct val="100000"/>
+              </a:lnSpc>
+              <a:spcBef>
+                <a:spcPts val="0"/>
+              </a:spcBef>
+              <a:spcAft>
+                <a:spcPts val="0"/>
+              </a:spcAft>
+              <a:buClr>
+                <a:srgbClr val="000000"/>
+              </a:buClr>
+              <a:buFont typeface="Arial"/>
+              <a:defRPr sz="1400" b="0" i="0" u="none" strike="noStrike" cap="none">
+                <a:solidFill>
+                  <a:srgbClr val="000000"/>
+                </a:solidFill>
+                <a:latin typeface="Arial"/>
+                <a:ea typeface="Arial"/>
+                <a:cs typeface="Arial"/>
+                <a:sym typeface="Arial"/>
+              </a:defRPr>
+            </a:lvl8pPr>
+            <a:lvl9pPr marR="0" lvl="8" algn="l" rtl="0">
+              <a:lnSpc>
+                <a:spcPct val="100000"/>
+              </a:lnSpc>
+              <a:spcBef>
+                <a:spcPts val="0"/>
+              </a:spcBef>
+              <a:spcAft>
+                <a:spcPts val="0"/>
+              </a:spcAft>
+              <a:buClr>
+                <a:srgbClr val="000000"/>
+              </a:buClr>
+              <a:buFont typeface="Arial"/>
+              <a:defRPr sz="1400" b="0" i="0" u="none" strike="noStrike" cap="none">
+                <a:solidFill>
+                  <a:srgbClr val="000000"/>
+                </a:solidFill>
+                <a:latin typeface="Arial"/>
+                <a:ea typeface="Arial"/>
+                <a:cs typeface="Arial"/>
+                <a:sym typeface="Arial"/>
+              </a:defRPr>
+            </a:lvl9pPr>
+          </a:lstStyle>
+          <a:p>
+            <a:pPr algn="ctr"/>
+            <a:r>
+              <a:rPr lang="es-ES" dirty="0">
+                <a:latin typeface="Century Gothic" panose="020B0502020202020204" pitchFamily="34" charset="0"/>
+              </a:rPr>
+              <a:t>RETO</a:t>
+            </a:r>
+          </a:p>
+        </p:txBody>
+      </p:sp>
+      <p:grpSp>
+        <p:nvGrpSpPr>
+          <p:cNvPr id="16" name="Google Shape;714;p52">
+            <a:extLst>
+              <a:ext uri="{FF2B5EF4-FFF2-40B4-BE49-F238E27FC236}">
+                <a16:creationId xmlns:a16="http://schemas.microsoft.com/office/drawing/2014/main" id="{2554B949-9354-CF8A-441C-45AAA3340571}"/>
+              </a:ext>
+            </a:extLst>
+          </p:cNvPr>
+          <p:cNvGrpSpPr/>
+          <p:nvPr/>
+        </p:nvGrpSpPr>
+        <p:grpSpPr>
+          <a:xfrm rot="20632129">
+            <a:off x="320856" y="364724"/>
+            <a:ext cx="359972" cy="366480"/>
+            <a:chOff x="-62148800" y="3377700"/>
+            <a:chExt cx="311125" cy="316750"/>
+          </a:xfrm>
+        </p:grpSpPr>
+        <p:sp>
+          <p:nvSpPr>
+            <p:cNvPr id="17" name="Google Shape;715;p52">
+              <a:extLst>
+                <a:ext uri="{FF2B5EF4-FFF2-40B4-BE49-F238E27FC236}">
+                  <a16:creationId xmlns:a16="http://schemas.microsoft.com/office/drawing/2014/main" id="{1A8D3189-ACF6-2E91-E4BD-DD178C0F1C33}"/>
+                </a:ext>
+              </a:extLst>
+            </p:cNvPr>
+            <p:cNvSpPr/>
+            <p:nvPr/>
+          </p:nvSpPr>
+          <p:spPr>
+            <a:xfrm>
+              <a:off x="-62085775" y="3653375"/>
+              <a:ext cx="185875" cy="41075"/>
+            </a:xfrm>
+            <a:custGeom>
+              <a:avLst/>
+              <a:gdLst/>
+              <a:ahLst/>
+              <a:cxnLst/>
+              <a:rect l="l" t="t" r="r" b="b"/>
+              <a:pathLst>
+                <a:path w="7435" h="1643" extrusionOk="0">
+                  <a:moveTo>
+                    <a:pt x="819" y="1"/>
+                  </a:moveTo>
+                  <a:cubicBezTo>
+                    <a:pt x="347" y="1"/>
+                    <a:pt x="0" y="347"/>
+                    <a:pt x="0" y="851"/>
+                  </a:cubicBezTo>
+                  <a:lnTo>
+                    <a:pt x="0" y="1229"/>
+                  </a:lnTo>
+                  <a:cubicBezTo>
+                    <a:pt x="0" y="1481"/>
+                    <a:pt x="189" y="1639"/>
+                    <a:pt x="410" y="1639"/>
+                  </a:cubicBezTo>
+                  <a:lnTo>
+                    <a:pt x="7026" y="1639"/>
+                  </a:lnTo>
+                  <a:cubicBezTo>
+                    <a:pt x="7044" y="1641"/>
+                    <a:pt x="7062" y="1642"/>
+                    <a:pt x="7080" y="1642"/>
+                  </a:cubicBezTo>
+                  <a:cubicBezTo>
+                    <a:pt x="7300" y="1642"/>
+                    <a:pt x="7435" y="1463"/>
+                    <a:pt x="7435" y="1229"/>
+                  </a:cubicBezTo>
+                  <a:lnTo>
+                    <a:pt x="7435" y="851"/>
+                  </a:lnTo>
+                  <a:cubicBezTo>
+                    <a:pt x="7435" y="379"/>
+                    <a:pt x="7089" y="1"/>
+                    <a:pt x="6616" y="1"/>
+                  </a:cubicBezTo>
+                  <a:close/>
+                </a:path>
+              </a:pathLst>
+            </a:custGeom>
+            <a:solidFill>
+              <a:schemeClr val="lt1"/>
+            </a:solidFill>
+            <a:ln>
+              <a:noFill/>
+            </a:ln>
+          </p:spPr>
+          <p:txBody>
+            <a:bodyPr spcFirstLastPara="1" wrap="square" lIns="91425" tIns="91425" rIns="91425" bIns="91425" anchor="ctr" anchorCtr="0">
+              <a:noAutofit/>
+            </a:bodyPr>
+            <a:lstStyle/>
+            <a:p>
+              <a:pPr marL="0" lvl="0" indent="0" algn="l" rtl="0">
+                <a:spcBef>
+                  <a:spcPts val="0"/>
+                </a:spcBef>
+                <a:spcAft>
+                  <a:spcPts val="0"/>
+                </a:spcAft>
+                <a:buNone/>
+              </a:pPr>
+              <a:endParaRPr dirty="0"/>
+            </a:p>
+          </p:txBody>
+        </p:sp>
+        <p:sp>
+          <p:nvSpPr>
+            <p:cNvPr id="18" name="Google Shape;716;p52">
+              <a:extLst>
+                <a:ext uri="{FF2B5EF4-FFF2-40B4-BE49-F238E27FC236}">
+                  <a16:creationId xmlns:a16="http://schemas.microsoft.com/office/drawing/2014/main" id="{427B8530-9EA4-467A-2CDE-C14D590D80CC}"/>
+                </a:ext>
+              </a:extLst>
+            </p:cNvPr>
+            <p:cNvSpPr/>
+            <p:nvPr/>
+          </p:nvSpPr>
+          <p:spPr>
+            <a:xfrm>
+              <a:off x="-62148800" y="3377700"/>
+              <a:ext cx="311125" cy="254425"/>
+            </a:xfrm>
+            <a:custGeom>
+              <a:avLst/>
+              <a:gdLst/>
+              <a:ahLst/>
+              <a:cxnLst/>
+              <a:rect l="l" t="t" r="r" b="b"/>
+              <a:pathLst>
+                <a:path w="12445" h="10177" extrusionOk="0">
+                  <a:moveTo>
+                    <a:pt x="11626" y="1608"/>
+                  </a:moveTo>
+                  <a:lnTo>
+                    <a:pt x="11626" y="2899"/>
+                  </a:lnTo>
+                  <a:cubicBezTo>
+                    <a:pt x="11626" y="3939"/>
+                    <a:pt x="10807" y="4853"/>
+                    <a:pt x="9767" y="4916"/>
+                  </a:cubicBezTo>
+                  <a:cubicBezTo>
+                    <a:pt x="9893" y="4538"/>
+                    <a:pt x="9956" y="4128"/>
+                    <a:pt x="9956" y="3718"/>
+                  </a:cubicBezTo>
+                  <a:lnTo>
+                    <a:pt x="9956" y="1608"/>
+                  </a:lnTo>
+                  <a:close/>
+                  <a:moveTo>
+                    <a:pt x="2521" y="1639"/>
+                  </a:moveTo>
+                  <a:lnTo>
+                    <a:pt x="2521" y="3718"/>
+                  </a:lnTo>
+                  <a:cubicBezTo>
+                    <a:pt x="2521" y="4160"/>
+                    <a:pt x="2616" y="4538"/>
+                    <a:pt x="2710" y="4947"/>
+                  </a:cubicBezTo>
+                  <a:cubicBezTo>
+                    <a:pt x="1702" y="4853"/>
+                    <a:pt x="883" y="4002"/>
+                    <a:pt x="883" y="2899"/>
+                  </a:cubicBezTo>
+                  <a:lnTo>
+                    <a:pt x="883" y="1639"/>
+                  </a:lnTo>
+                  <a:close/>
+                  <a:moveTo>
+                    <a:pt x="6176" y="1576"/>
+                  </a:moveTo>
+                  <a:cubicBezTo>
+                    <a:pt x="6333" y="1576"/>
+                    <a:pt x="6491" y="1671"/>
+                    <a:pt x="6554" y="1828"/>
+                  </a:cubicBezTo>
+                  <a:lnTo>
+                    <a:pt x="6932" y="2647"/>
+                  </a:lnTo>
+                  <a:lnTo>
+                    <a:pt x="7845" y="2773"/>
+                  </a:lnTo>
+                  <a:cubicBezTo>
+                    <a:pt x="8003" y="2805"/>
+                    <a:pt x="8129" y="2899"/>
+                    <a:pt x="8160" y="3025"/>
+                  </a:cubicBezTo>
+                  <a:cubicBezTo>
+                    <a:pt x="8349" y="3214"/>
+                    <a:pt x="8318" y="3403"/>
+                    <a:pt x="8192" y="3466"/>
+                  </a:cubicBezTo>
+                  <a:lnTo>
+                    <a:pt x="7530" y="4097"/>
+                  </a:lnTo>
+                  <a:lnTo>
+                    <a:pt x="7688" y="5010"/>
+                  </a:lnTo>
+                  <a:cubicBezTo>
+                    <a:pt x="7719" y="5168"/>
+                    <a:pt x="7656" y="5325"/>
+                    <a:pt x="7530" y="5420"/>
+                  </a:cubicBezTo>
+                  <a:cubicBezTo>
+                    <a:pt x="7452" y="5459"/>
+                    <a:pt x="7363" y="5486"/>
+                    <a:pt x="7268" y="5486"/>
+                  </a:cubicBezTo>
+                  <a:cubicBezTo>
+                    <a:pt x="7210" y="5486"/>
+                    <a:pt x="7149" y="5475"/>
+                    <a:pt x="7089" y="5451"/>
+                  </a:cubicBezTo>
+                  <a:lnTo>
+                    <a:pt x="6270" y="5010"/>
+                  </a:lnTo>
+                  <a:lnTo>
+                    <a:pt x="5451" y="5451"/>
+                  </a:lnTo>
+                  <a:cubicBezTo>
+                    <a:pt x="5380" y="5480"/>
+                    <a:pt x="5309" y="5495"/>
+                    <a:pt x="5241" y="5495"/>
+                  </a:cubicBezTo>
+                  <a:cubicBezTo>
+                    <a:pt x="5158" y="5495"/>
+                    <a:pt x="5079" y="5472"/>
+                    <a:pt x="5010" y="5420"/>
+                  </a:cubicBezTo>
+                  <a:cubicBezTo>
+                    <a:pt x="4884" y="5325"/>
+                    <a:pt x="4821" y="5168"/>
+                    <a:pt x="4852" y="5010"/>
+                  </a:cubicBezTo>
+                  <a:lnTo>
+                    <a:pt x="5010" y="4097"/>
+                  </a:lnTo>
+                  <a:lnTo>
+                    <a:pt x="4348" y="3466"/>
+                  </a:lnTo>
+                  <a:cubicBezTo>
+                    <a:pt x="4222" y="3340"/>
+                    <a:pt x="4191" y="3214"/>
+                    <a:pt x="4222" y="3025"/>
+                  </a:cubicBezTo>
+                  <a:cubicBezTo>
+                    <a:pt x="4254" y="2899"/>
+                    <a:pt x="4411" y="2773"/>
+                    <a:pt x="4537" y="2773"/>
+                  </a:cubicBezTo>
+                  <a:lnTo>
+                    <a:pt x="5451" y="2647"/>
+                  </a:lnTo>
+                  <a:lnTo>
+                    <a:pt x="5829" y="1828"/>
+                  </a:lnTo>
+                  <a:cubicBezTo>
+                    <a:pt x="5924" y="1671"/>
+                    <a:pt x="6018" y="1576"/>
+                    <a:pt x="6176" y="1576"/>
+                  </a:cubicBezTo>
+                  <a:close/>
+                  <a:moveTo>
+                    <a:pt x="2931" y="1"/>
+                  </a:moveTo>
+                  <a:cubicBezTo>
+                    <a:pt x="2679" y="1"/>
+                    <a:pt x="2521" y="190"/>
+                    <a:pt x="2521" y="410"/>
+                  </a:cubicBezTo>
+                  <a:lnTo>
+                    <a:pt x="2521" y="852"/>
+                  </a:lnTo>
+                  <a:lnTo>
+                    <a:pt x="442" y="852"/>
+                  </a:lnTo>
+                  <a:cubicBezTo>
+                    <a:pt x="190" y="852"/>
+                    <a:pt x="1" y="1041"/>
+                    <a:pt x="1" y="1230"/>
+                  </a:cubicBezTo>
+                  <a:lnTo>
+                    <a:pt x="1" y="2899"/>
+                  </a:lnTo>
+                  <a:cubicBezTo>
+                    <a:pt x="1" y="4506"/>
+                    <a:pt x="1292" y="5766"/>
+                    <a:pt x="2931" y="5766"/>
+                  </a:cubicBezTo>
+                  <a:lnTo>
+                    <a:pt x="3120" y="5766"/>
+                  </a:lnTo>
+                  <a:cubicBezTo>
+                    <a:pt x="3561" y="6428"/>
+                    <a:pt x="4222" y="6932"/>
+                    <a:pt x="4978" y="7216"/>
+                  </a:cubicBezTo>
+                  <a:lnTo>
+                    <a:pt x="4978" y="8507"/>
+                  </a:lnTo>
+                  <a:cubicBezTo>
+                    <a:pt x="4506" y="8507"/>
+                    <a:pt x="4128" y="8854"/>
+                    <a:pt x="4128" y="9358"/>
+                  </a:cubicBezTo>
+                  <a:lnTo>
+                    <a:pt x="4128" y="10177"/>
+                  </a:lnTo>
+                  <a:lnTo>
+                    <a:pt x="8286" y="10177"/>
+                  </a:lnTo>
+                  <a:lnTo>
+                    <a:pt x="8286" y="9358"/>
+                  </a:lnTo>
+                  <a:cubicBezTo>
+                    <a:pt x="8286" y="8885"/>
+                    <a:pt x="7908" y="8507"/>
+                    <a:pt x="7436" y="8507"/>
+                  </a:cubicBezTo>
+                  <a:lnTo>
+                    <a:pt x="7436" y="7216"/>
+                  </a:lnTo>
+                  <a:cubicBezTo>
+                    <a:pt x="8192" y="6932"/>
+                    <a:pt x="8854" y="6428"/>
+                    <a:pt x="9295" y="5766"/>
+                  </a:cubicBezTo>
+                  <a:lnTo>
+                    <a:pt x="9484" y="5766"/>
+                  </a:lnTo>
+                  <a:cubicBezTo>
+                    <a:pt x="11122" y="5766"/>
+                    <a:pt x="12414" y="4475"/>
+                    <a:pt x="12414" y="2899"/>
+                  </a:cubicBezTo>
+                  <a:lnTo>
+                    <a:pt x="12414" y="1230"/>
+                  </a:lnTo>
+                  <a:cubicBezTo>
+                    <a:pt x="12445" y="978"/>
+                    <a:pt x="12288" y="852"/>
+                    <a:pt x="12067" y="852"/>
+                  </a:cubicBezTo>
+                  <a:lnTo>
+                    <a:pt x="9956" y="852"/>
+                  </a:lnTo>
+                  <a:lnTo>
+                    <a:pt x="9956" y="410"/>
+                  </a:lnTo>
+                  <a:cubicBezTo>
+                    <a:pt x="9956" y="158"/>
+                    <a:pt x="9767" y="1"/>
+                    <a:pt x="9547" y="1"/>
+                  </a:cubicBezTo>
+                  <a:close/>
+                </a:path>
+              </a:pathLst>
+            </a:custGeom>
+            <a:solidFill>
+              <a:schemeClr val="lt1"/>
+            </a:solidFill>
+            <a:ln>
+              <a:noFill/>
+            </a:ln>
+          </p:spPr>
+          <p:txBody>
+            <a:bodyPr spcFirstLastPara="1" wrap="square" lIns="91425" tIns="91425" rIns="91425" bIns="91425" anchor="ctr" anchorCtr="0">
+              <a:noAutofit/>
+            </a:bodyPr>
+            <a:lstStyle/>
+            <a:p>
+              <a:pPr marL="0" lvl="0" indent="0" algn="l" rtl="0">
+                <a:spcBef>
+                  <a:spcPts val="0"/>
+                </a:spcBef>
+                <a:spcAft>
+                  <a:spcPts val="0"/>
+                </a:spcAft>
+                <a:buNone/>
+              </a:pPr>
+              <a:endParaRPr dirty="0"/>
+            </a:p>
+          </p:txBody>
+        </p:sp>
+      </p:grpSp>
+    </p:spTree>
+    <p:extLst>
+      <p:ext uri="{BB962C8B-B14F-4D97-AF65-F5344CB8AC3E}">
+        <p14:creationId xmlns:p14="http://schemas.microsoft.com/office/powerpoint/2010/main" val="2878287583"/>
+      </p:ext>
+    </p:extLst>
+  </p:cSld>
+  <p:clrMapOvr>
+    <a:masterClrMapping/>
+  </p:clrMapOvr>
+</p:sld>
+</file>
+
+<file path=ppt/slides/slide22.xml><?xml version="1.0" encoding="utf-8"?>
 <p:sld xmlns:a="http://schemas.openxmlformats.org/drawingml/2006/main" xmlns:r="http://schemas.openxmlformats.org/officeDocument/2006/relationships" xmlns:p="http://schemas.openxmlformats.org/presentationml/2006/main">
   <p:cSld>
     <p:spTree>
@@ -29325,15 +32490,6 @@
 </file>
 
 <file path=customXml/item2.xml><?xml version="1.0" encoding="utf-8"?>
-<?mso-contentType ?>
-<FormTemplates xmlns="http://schemas.microsoft.com/sharepoint/v3/contenttype/forms">
-  <Display>DocumentLibraryForm</Display>
-  <Edit>DocumentLibraryForm</Edit>
-  <New>DocumentLibraryForm</New>
-</FormTemplates>
-</file>
-
-<file path=customXml/item3.xml><?xml version="1.0" encoding="utf-8"?>
 <ct:contentTypeSchema xmlns:ct="http://schemas.microsoft.com/office/2006/metadata/contentType" xmlns:ma="http://schemas.microsoft.com/office/2006/metadata/properties/metaAttributes" ct:_="" ma:_="" ma:contentTypeName="Documento" ma:contentTypeID="0x0101006B1E11B541137C48AA3727DCBBA54C16" ma:contentTypeVersion="11" ma:contentTypeDescription="Crear nuevo documento." ma:contentTypeScope="" ma:versionID="95949c5f839407ce12e4e96351584624">
   <xsd:schema xmlns:xsd="http://www.w3.org/2001/XMLSchema" xmlns:xs="http://www.w3.org/2001/XMLSchema" xmlns:p="http://schemas.microsoft.com/office/2006/metadata/properties" xmlns:ns2="e202ecef-a3f6-4d98-ad9b-1b77cdb87b84" xmlns:ns3="435026e9-b5d0-4467-bbd9-3b76a09ae0c4" targetNamespace="http://schemas.microsoft.com/office/2006/metadata/properties" ma:root="true" ma:fieldsID="f348301bcb62330657a04a353e23fd75" ns2:_="" ns3:_="">
     <xsd:import namespace="e202ecef-a3f6-4d98-ad9b-1b77cdb87b84"/>
@@ -29528,6 +32684,15 @@
 </ct:contentTypeSchema>
 </file>
 
+<file path=customXml/item3.xml><?xml version="1.0" encoding="utf-8"?>
+<?mso-contentType ?>
+<FormTemplates xmlns="http://schemas.microsoft.com/sharepoint/v3/contenttype/forms">
+  <Display>DocumentLibraryForm</Display>
+  <Edit>DocumentLibraryForm</Edit>
+  <New>DocumentLibraryForm</New>
+</FormTemplates>
+</file>
+
 <file path=customXml/itemProps1.xml><?xml version="1.0" encoding="utf-8"?>
 <ds:datastoreItem xmlns:ds="http://schemas.openxmlformats.org/officeDocument/2006/customXml" ds:itemID="{2F6D6B62-92C6-4EDE-B50E-8B81CFF669EA}">
   <ds:schemaRefs>
@@ -29540,14 +32705,6 @@
 </file>
 
 <file path=customXml/itemProps2.xml><?xml version="1.0" encoding="utf-8"?>
-<ds:datastoreItem xmlns:ds="http://schemas.openxmlformats.org/officeDocument/2006/customXml" ds:itemID="{A4B54BEA-998E-408D-BCCD-09BA67DF44CE}">
-  <ds:schemaRefs>
-    <ds:schemaRef ds:uri="http://schemas.microsoft.com/sharepoint/v3/contenttype/forms"/>
-  </ds:schemaRefs>
-</ds:datastoreItem>
-</file>
-
-<file path=customXml/itemProps3.xml><?xml version="1.0" encoding="utf-8"?>
 <ds:datastoreItem xmlns:ds="http://schemas.openxmlformats.org/officeDocument/2006/customXml" ds:itemID="{592DADBC-4920-4373-95D3-1A0ABF3667A7}">
   <ds:schemaRefs>
     <ds:schemaRef ds:uri="http://schemas.microsoft.com/office/2006/metadata/contentType"/>
@@ -29564,4 +32721,12 @@
     <ds:schemaRef ds:uri="http://schemas.microsoft.com/internal/obd"/>
   </ds:schemaRefs>
 </ds:datastoreItem>
+</file>
+
+<file path=customXml/itemProps3.xml><?xml version="1.0" encoding="utf-8"?>
+<ds:datastoreItem xmlns:ds="http://schemas.openxmlformats.org/officeDocument/2006/customXml" ds:itemID="{A4B54BEA-998E-408D-BCCD-09BA67DF44CE}">
+  <ds:schemaRefs>
+    <ds:schemaRef ds:uri="http://schemas.microsoft.com/sharepoint/v3/contenttype/forms"/>
+  </ds:schemaRefs>
+</ds:datastoreItem>
 </file>
--- a/ppt/curso-devops-ulpgc-api.pptx
+++ b/ppt/curso-devops-ulpgc-api.pptx
@@ -5,69 +5,66 @@
     <p:sldMasterId id="2147483678" r:id="rId4"/>
   </p:sldMasterIdLst>
   <p:notesMasterIdLst>
-    <p:notesMasterId r:id="rId27"/>
+    <p:notesMasterId r:id="rId29"/>
   </p:notesMasterIdLst>
   <p:handoutMasterIdLst>
-    <p:handoutMasterId r:id="rId28"/>
+    <p:handoutMasterId r:id="rId30"/>
   </p:handoutMasterIdLst>
   <p:sldIdLst>
     <p:sldId id="302" r:id="rId5"/>
-    <p:sldId id="1265" r:id="rId6"/>
-    <p:sldId id="259" r:id="rId7"/>
-    <p:sldId id="1266" r:id="rId8"/>
-    <p:sldId id="1267" r:id="rId9"/>
-    <p:sldId id="260" r:id="rId10"/>
-    <p:sldId id="1268" r:id="rId11"/>
-    <p:sldId id="1269" r:id="rId12"/>
-    <p:sldId id="1270" r:id="rId13"/>
-    <p:sldId id="1271" r:id="rId14"/>
-    <p:sldId id="1272" r:id="rId15"/>
-    <p:sldId id="1273" r:id="rId16"/>
-    <p:sldId id="1275" r:id="rId17"/>
-    <p:sldId id="1277" r:id="rId18"/>
-    <p:sldId id="1276" r:id="rId19"/>
-    <p:sldId id="1278" r:id="rId20"/>
-    <p:sldId id="1274" r:id="rId21"/>
-    <p:sldId id="1279" r:id="rId22"/>
-    <p:sldId id="1263" r:id="rId23"/>
-    <p:sldId id="1281" r:id="rId24"/>
-    <p:sldId id="1280" r:id="rId25"/>
-    <p:sldId id="1255" r:id="rId26"/>
+    <p:sldId id="1282" r:id="rId6"/>
+    <p:sldId id="1265" r:id="rId7"/>
+    <p:sldId id="259" r:id="rId8"/>
+    <p:sldId id="1266" r:id="rId9"/>
+    <p:sldId id="1267" r:id="rId10"/>
+    <p:sldId id="1283" r:id="rId11"/>
+    <p:sldId id="260" r:id="rId12"/>
+    <p:sldId id="1268" r:id="rId13"/>
+    <p:sldId id="1269" r:id="rId14"/>
+    <p:sldId id="1270" r:id="rId15"/>
+    <p:sldId id="1271" r:id="rId16"/>
+    <p:sldId id="1272" r:id="rId17"/>
+    <p:sldId id="1284" r:id="rId18"/>
+    <p:sldId id="1275" r:id="rId19"/>
+    <p:sldId id="1277" r:id="rId20"/>
+    <p:sldId id="1276" r:id="rId21"/>
+    <p:sldId id="1278" r:id="rId22"/>
+    <p:sldId id="1279" r:id="rId23"/>
+    <p:sldId id="1263" r:id="rId24"/>
+    <p:sldId id="1274" r:id="rId25"/>
+    <p:sldId id="1281" r:id="rId26"/>
+    <p:sldId id="1280" r:id="rId27"/>
+    <p:sldId id="1255" r:id="rId28"/>
   </p:sldIdLst>
   <p:sldSz cx="9144000" cy="5143500" type="screen16x9"/>
   <p:notesSz cx="6858000" cy="9144000"/>
   <p:embeddedFontLst>
     <p:embeddedFont>
       <p:font typeface="Arial Black" panose="020B0A04020102020204" pitchFamily="34" charset="0"/>
-      <p:bold r:id="rId29"/>
+      <p:bold r:id="rId31"/>
     </p:embeddedFont>
     <p:embeddedFont>
       <p:font typeface="Century Gothic" panose="020B0502020202020204" pitchFamily="34" charset="0"/>
-      <p:regular r:id="rId29"/>
-      <p:bold r:id="rId29"/>
-      <p:italic r:id="rId29"/>
-      <p:boldItalic r:id="rId29"/>
+      <p:regular r:id="rId31"/>
+      <p:bold r:id="rId31"/>
+      <p:italic r:id="rId31"/>
+      <p:boldItalic r:id="rId31"/>
     </p:embeddedFont>
     <p:embeddedFont>
       <p:font typeface="Montserrat" panose="00000500000000000000" pitchFamily="2" charset="0"/>
-      <p:regular r:id="rId30"/>
-      <p:bold r:id="rId31"/>
-      <p:italic r:id="rId32"/>
-      <p:boldItalic r:id="rId33"/>
-    </p:embeddedFont>
-    <p:embeddedFont>
-      <p:font typeface="Montserrat ExtraBold" panose="00000900000000000000" pitchFamily="2" charset="0"/>
-      <p:bold r:id="rId29"/>
-      <p:boldItalic r:id="rId29"/>
+      <p:regular r:id="rId32"/>
+      <p:bold r:id="rId33"/>
+      <p:italic r:id="rId34"/>
+      <p:boldItalic r:id="rId35"/>
     </p:embeddedFont>
     <p:embeddedFont>
       <p:font typeface="Raleway Medium" pitchFamily="2" charset="0"/>
-      <p:regular r:id="rId34"/>
-      <p:italic r:id="rId35"/>
+      <p:regular r:id="rId36"/>
+      <p:italic r:id="rId37"/>
     </p:embeddedFont>
     <p:embeddedFont>
       <p:font typeface="Ramabhadra"/>
-      <p:regular r:id="rId29"/>
+      <p:regular r:id="rId31"/>
     </p:embeddedFont>
   </p:embeddedFontLst>
   <p:defaultTextStyle>
@@ -423,7 +420,7 @@
           <a:p>
             <a:fld id="{4A3B785F-1BCE-1A46-9CAA-77ACC7103834}" type="datetimeFigureOut">
               <a:rPr lang="es-ES" smtClean="0"/>
-              <a:t>16/02/2023</a:t>
+              <a:t>07/02/2024</a:t>
             </a:fld>
             <a:endParaRPr lang="es-ES" dirty="0"/>
           </a:p>
@@ -1380,7 +1377,7 @@
     </p:spTree>
     <p:extLst>
       <p:ext uri="{BB962C8B-B14F-4D97-AF65-F5344CB8AC3E}">
-        <p14:creationId xmlns:p14="http://schemas.microsoft.com/office/powerpoint/2010/main" val="475150722"/>
+        <p14:creationId xmlns:p14="http://schemas.microsoft.com/office/powerpoint/2010/main" val="2170106149"/>
       </p:ext>
     </p:extLst>
   </p:cSld>
@@ -1489,7 +1486,7 @@
     </p:spTree>
     <p:extLst>
       <p:ext uri="{BB962C8B-B14F-4D97-AF65-F5344CB8AC3E}">
-        <p14:creationId xmlns:p14="http://schemas.microsoft.com/office/powerpoint/2010/main" val="2170106149"/>
+        <p14:creationId xmlns:p14="http://schemas.microsoft.com/office/powerpoint/2010/main" val="749835437"/>
       </p:ext>
     </p:extLst>
   </p:cSld>
@@ -1598,7 +1595,7 @@
     </p:spTree>
     <p:extLst>
       <p:ext uri="{BB962C8B-B14F-4D97-AF65-F5344CB8AC3E}">
-        <p14:creationId xmlns:p14="http://schemas.microsoft.com/office/powerpoint/2010/main" val="749835437"/>
+        <p14:creationId xmlns:p14="http://schemas.microsoft.com/office/powerpoint/2010/main" val="4223373497"/>
       </p:ext>
     </p:extLst>
   </p:cSld>
@@ -1707,7 +1704,7 @@
     </p:spTree>
     <p:extLst>
       <p:ext uri="{BB962C8B-B14F-4D97-AF65-F5344CB8AC3E}">
-        <p14:creationId xmlns:p14="http://schemas.microsoft.com/office/powerpoint/2010/main" val="4223373497"/>
+        <p14:creationId xmlns:p14="http://schemas.microsoft.com/office/powerpoint/2010/main" val="2570670403"/>
       </p:ext>
     </p:extLst>
   </p:cSld>
@@ -1816,7 +1813,7 @@
     </p:spTree>
     <p:extLst>
       <p:ext uri="{BB962C8B-B14F-4D97-AF65-F5344CB8AC3E}">
-        <p14:creationId xmlns:p14="http://schemas.microsoft.com/office/powerpoint/2010/main" val="2570670403"/>
+        <p14:creationId xmlns:p14="http://schemas.microsoft.com/office/powerpoint/2010/main" val="96156599"/>
       </p:ext>
     </p:extLst>
   </p:cSld>
@@ -1918,14 +1915,14 @@
               </a:spcAft>
               <a:buNone/>
             </a:pPr>
-            <a:endParaRPr dirty="0"/>
+            <a:endParaRPr/>
           </a:p>
         </p:txBody>
       </p:sp>
     </p:spTree>
     <p:extLst>
       <p:ext uri="{BB962C8B-B14F-4D97-AF65-F5344CB8AC3E}">
-        <p14:creationId xmlns:p14="http://schemas.microsoft.com/office/powerpoint/2010/main" val="3166858941"/>
+        <p14:creationId xmlns:p14="http://schemas.microsoft.com/office/powerpoint/2010/main" val="537281798"/>
       </p:ext>
     </p:extLst>
   </p:cSld>
@@ -2034,7 +2031,7 @@
     </p:spTree>
     <p:extLst>
       <p:ext uri="{BB962C8B-B14F-4D97-AF65-F5344CB8AC3E}">
-        <p14:creationId xmlns:p14="http://schemas.microsoft.com/office/powerpoint/2010/main" val="96156599"/>
+        <p14:creationId xmlns:p14="http://schemas.microsoft.com/office/powerpoint/2010/main" val="3166858941"/>
       </p:ext>
     </p:extLst>
   </p:cSld>
@@ -2136,14 +2133,14 @@
               </a:spcAft>
               <a:buNone/>
             </a:pPr>
-            <a:endParaRPr/>
+            <a:endParaRPr dirty="0"/>
           </a:p>
         </p:txBody>
       </p:sp>
     </p:spTree>
     <p:extLst>
       <p:ext uri="{BB962C8B-B14F-4D97-AF65-F5344CB8AC3E}">
-        <p14:creationId xmlns:p14="http://schemas.microsoft.com/office/powerpoint/2010/main" val="537281798"/>
+        <p14:creationId xmlns:p14="http://schemas.microsoft.com/office/powerpoint/2010/main" val="2078952649"/>
       </p:ext>
     </p:extLst>
   </p:cSld>
@@ -2361,7 +2358,7 @@
     </p:spTree>
     <p:extLst>
       <p:ext uri="{BB962C8B-B14F-4D97-AF65-F5344CB8AC3E}">
-        <p14:creationId xmlns:p14="http://schemas.microsoft.com/office/powerpoint/2010/main" val="2078952649"/>
+        <p14:creationId xmlns:p14="http://schemas.microsoft.com/office/powerpoint/2010/main" val="25386803"/>
       </p:ext>
     </p:extLst>
   </p:cSld>
@@ -2372,115 +2369,6 @@
 </file>
 
 <file path=ppt/notesSlides/notesSlide21.xml><?xml version="1.0" encoding="utf-8"?>
-<p:notes xmlns:a="http://schemas.openxmlformats.org/drawingml/2006/main" xmlns:r="http://schemas.openxmlformats.org/officeDocument/2006/relationships" xmlns:p="http://schemas.openxmlformats.org/presentationml/2006/main" showMasterSp="0" showMasterPhAnim="0">
-  <p:cSld>
-    <p:spTree>
-      <p:nvGrpSpPr>
-        <p:cNvPr id="1" name="Shape 350"/>
-        <p:cNvGrpSpPr/>
-        <p:nvPr/>
-      </p:nvGrpSpPr>
-      <p:grpSpPr>
-        <a:xfrm>
-          <a:off x="0" y="0"/>
-          <a:ext cx="0" cy="0"/>
-          <a:chOff x="0" y="0"/>
-          <a:chExt cx="0" cy="0"/>
-        </a:xfrm>
-      </p:grpSpPr>
-      <p:sp>
-        <p:nvSpPr>
-          <p:cNvPr id="351" name="Google Shape;351;gec13231a95_0_22:notes"/>
-          <p:cNvSpPr>
-            <a:spLocks noGrp="1" noRot="1" noChangeAspect="1"/>
-          </p:cNvSpPr>
-          <p:nvPr>
-            <p:ph type="sldImg" idx="2"/>
-          </p:nvPr>
-        </p:nvSpPr>
-        <p:spPr>
-          <a:xfrm>
-            <a:off x="381000" y="685800"/>
-            <a:ext cx="6096000" cy="3429000"/>
-          </a:xfrm>
-          <a:custGeom>
-            <a:avLst/>
-            <a:gdLst/>
-            <a:ahLst/>
-            <a:cxnLst/>
-            <a:rect l="l" t="t" r="r" b="b"/>
-            <a:pathLst>
-              <a:path w="120000" h="120000" extrusionOk="0">
-                <a:moveTo>
-                  <a:pt x="0" y="0"/>
-                </a:moveTo>
-                <a:lnTo>
-                  <a:pt x="120000" y="0"/>
-                </a:lnTo>
-                <a:lnTo>
-                  <a:pt x="120000" y="120000"/>
-                </a:lnTo>
-                <a:lnTo>
-                  <a:pt x="0" y="120000"/>
-                </a:lnTo>
-                <a:close/>
-              </a:path>
-            </a:pathLst>
-          </a:custGeom>
-        </p:spPr>
-      </p:sp>
-      <p:sp>
-        <p:nvSpPr>
-          <p:cNvPr id="352" name="Google Shape;352;gec13231a95_0_22:notes"/>
-          <p:cNvSpPr txBox="1">
-            <a:spLocks noGrp="1"/>
-          </p:cNvSpPr>
-          <p:nvPr>
-            <p:ph type="body" idx="1"/>
-          </p:nvPr>
-        </p:nvSpPr>
-        <p:spPr>
-          <a:xfrm>
-            <a:off x="685800" y="4343400"/>
-            <a:ext cx="5486400" cy="4114800"/>
-          </a:xfrm>
-          <a:prstGeom prst="rect">
-            <a:avLst/>
-          </a:prstGeom>
-        </p:spPr>
-        <p:txBody>
-          <a:bodyPr spcFirstLastPara="1" wrap="square" lIns="91425" tIns="91425" rIns="91425" bIns="91425" anchor="t" anchorCtr="0">
-            <a:noAutofit/>
-          </a:bodyPr>
-          <a:lstStyle/>
-          <a:p>
-            <a:pPr marL="0" lvl="0" indent="0" algn="l" rtl="0">
-              <a:spcBef>
-                <a:spcPts val="0"/>
-              </a:spcBef>
-              <a:spcAft>
-                <a:spcPts val="0"/>
-              </a:spcAft>
-              <a:buNone/>
-            </a:pPr>
-            <a:endParaRPr dirty="0"/>
-          </a:p>
-        </p:txBody>
-      </p:sp>
-    </p:spTree>
-    <p:extLst>
-      <p:ext uri="{BB962C8B-B14F-4D97-AF65-F5344CB8AC3E}">
-        <p14:creationId xmlns:p14="http://schemas.microsoft.com/office/powerpoint/2010/main" val="25386803"/>
-      </p:ext>
-    </p:extLst>
-  </p:cSld>
-  <p:clrMapOvr>
-    <a:masterClrMapping/>
-  </p:clrMapOvr>
-</p:notes>
-</file>
-
-<file path=ppt/notesSlides/notesSlide22.xml><?xml version="1.0" encoding="utf-8"?>
 <p:notes xmlns:a="http://schemas.openxmlformats.org/drawingml/2006/main" xmlns:r="http://schemas.openxmlformats.org/officeDocument/2006/relationships" xmlns:p="http://schemas.openxmlformats.org/presentationml/2006/main" showMasterSp="0" showMasterPhAnim="0">
   <p:cSld>
     <p:spTree>
@@ -10345,6 +10233,3953 @@
           </a:extLst>
         </p:spPr>
       </p:pic>
+      <p:sp>
+        <p:nvSpPr>
+          <p:cNvPr id="2" name="Google Shape;354;p37">
+            <a:extLst>
+              <a:ext uri="{FF2B5EF4-FFF2-40B4-BE49-F238E27FC236}">
+                <a16:creationId xmlns:a16="http://schemas.microsoft.com/office/drawing/2014/main" id="{520BC64A-1916-0A01-7FF1-EBF3F5F6CDF8}"/>
+              </a:ext>
+            </a:extLst>
+          </p:cNvPr>
+          <p:cNvSpPr txBox="1">
+            <a:spLocks/>
+          </p:cNvSpPr>
+          <p:nvPr/>
+        </p:nvSpPr>
+        <p:spPr>
+          <a:xfrm>
+            <a:off x="96552" y="615511"/>
+            <a:ext cx="4435691" cy="431367"/>
+          </a:xfrm>
+          <a:prstGeom prst="rect">
+            <a:avLst/>
+          </a:prstGeom>
+        </p:spPr>
+        <p:txBody>
+          <a:bodyPr spcFirstLastPara="1" wrap="square" lIns="91425" tIns="91425" rIns="91425" bIns="91425" anchor="t" anchorCtr="0">
+            <a:noAutofit/>
+          </a:bodyPr>
+          <a:lstStyle>
+            <a:defPPr marR="0" lvl="0" algn="l" rtl="0">
+              <a:lnSpc>
+                <a:spcPct val="100000"/>
+              </a:lnSpc>
+              <a:spcBef>
+                <a:spcPts val="0"/>
+              </a:spcBef>
+              <a:spcAft>
+                <a:spcPts val="0"/>
+              </a:spcAft>
+            </a:defPPr>
+            <a:lvl1pPr marR="0" lvl="0" algn="ctr" rtl="0">
+              <a:lnSpc>
+                <a:spcPct val="100000"/>
+              </a:lnSpc>
+              <a:spcBef>
+                <a:spcPts val="0"/>
+              </a:spcBef>
+              <a:spcAft>
+                <a:spcPts val="0"/>
+              </a:spcAft>
+              <a:buClr>
+                <a:schemeClr val="accent1"/>
+              </a:buClr>
+              <a:buSzPts val="2800"/>
+              <a:buFont typeface="Ramabhadra"/>
+              <a:buNone/>
+              <a:defRPr sz="2000" b="1" i="0" u="none" strike="noStrike" cap="none">
+                <a:solidFill>
+                  <a:srgbClr val="007399"/>
+                </a:solidFill>
+                <a:latin typeface="Century Gothic" panose="020B0502020202020204" pitchFamily="34" charset="0"/>
+                <a:ea typeface="Arial Black" panose="020B0604020202020204" pitchFamily="34" charset="0"/>
+                <a:cs typeface="Arial Black" panose="020B0604020202020204" pitchFamily="34" charset="0"/>
+                <a:sym typeface="Arial"/>
+              </a:defRPr>
+            </a:lvl1pPr>
+            <a:lvl2pPr marR="0" lvl="1" algn="ctr" rtl="0">
+              <a:lnSpc>
+                <a:spcPct val="100000"/>
+              </a:lnSpc>
+              <a:spcBef>
+                <a:spcPts val="0"/>
+              </a:spcBef>
+              <a:spcAft>
+                <a:spcPts val="0"/>
+              </a:spcAft>
+              <a:buClr>
+                <a:schemeClr val="accent1"/>
+              </a:buClr>
+              <a:buSzPts val="2800"/>
+              <a:buFont typeface="Ramabhadra"/>
+              <a:buNone/>
+              <a:defRPr sz="2800" b="1" i="0" u="none" strike="noStrike" cap="none">
+                <a:solidFill>
+                  <a:schemeClr val="accent1"/>
+                </a:solidFill>
+                <a:latin typeface="Ramabhadra"/>
+                <a:ea typeface="Ramabhadra"/>
+                <a:cs typeface="Ramabhadra"/>
+                <a:sym typeface="Ramabhadra"/>
+              </a:defRPr>
+            </a:lvl2pPr>
+            <a:lvl3pPr marR="0" lvl="2" algn="ctr" rtl="0">
+              <a:lnSpc>
+                <a:spcPct val="100000"/>
+              </a:lnSpc>
+              <a:spcBef>
+                <a:spcPts val="0"/>
+              </a:spcBef>
+              <a:spcAft>
+                <a:spcPts val="0"/>
+              </a:spcAft>
+              <a:buClr>
+                <a:schemeClr val="accent1"/>
+              </a:buClr>
+              <a:buSzPts val="2800"/>
+              <a:buFont typeface="Ramabhadra"/>
+              <a:buNone/>
+              <a:defRPr sz="2800" b="1" i="0" u="none" strike="noStrike" cap="none">
+                <a:solidFill>
+                  <a:schemeClr val="accent1"/>
+                </a:solidFill>
+                <a:latin typeface="Ramabhadra"/>
+                <a:ea typeface="Ramabhadra"/>
+                <a:cs typeface="Ramabhadra"/>
+                <a:sym typeface="Ramabhadra"/>
+              </a:defRPr>
+            </a:lvl3pPr>
+            <a:lvl4pPr marR="0" lvl="3" algn="ctr" rtl="0">
+              <a:lnSpc>
+                <a:spcPct val="100000"/>
+              </a:lnSpc>
+              <a:spcBef>
+                <a:spcPts val="0"/>
+              </a:spcBef>
+              <a:spcAft>
+                <a:spcPts val="0"/>
+              </a:spcAft>
+              <a:buClr>
+                <a:schemeClr val="accent1"/>
+              </a:buClr>
+              <a:buSzPts val="2800"/>
+              <a:buFont typeface="Ramabhadra"/>
+              <a:buNone/>
+              <a:defRPr sz="2800" b="1" i="0" u="none" strike="noStrike" cap="none">
+                <a:solidFill>
+                  <a:schemeClr val="accent1"/>
+                </a:solidFill>
+                <a:latin typeface="Ramabhadra"/>
+                <a:ea typeface="Ramabhadra"/>
+                <a:cs typeface="Ramabhadra"/>
+                <a:sym typeface="Ramabhadra"/>
+              </a:defRPr>
+            </a:lvl4pPr>
+            <a:lvl5pPr marR="0" lvl="4" algn="ctr" rtl="0">
+              <a:lnSpc>
+                <a:spcPct val="100000"/>
+              </a:lnSpc>
+              <a:spcBef>
+                <a:spcPts val="0"/>
+              </a:spcBef>
+              <a:spcAft>
+                <a:spcPts val="0"/>
+              </a:spcAft>
+              <a:buClr>
+                <a:schemeClr val="accent1"/>
+              </a:buClr>
+              <a:buSzPts val="2800"/>
+              <a:buFont typeface="Ramabhadra"/>
+              <a:buNone/>
+              <a:defRPr sz="2800" b="1" i="0" u="none" strike="noStrike" cap="none">
+                <a:solidFill>
+                  <a:schemeClr val="accent1"/>
+                </a:solidFill>
+                <a:latin typeface="Ramabhadra"/>
+                <a:ea typeface="Ramabhadra"/>
+                <a:cs typeface="Ramabhadra"/>
+                <a:sym typeface="Ramabhadra"/>
+              </a:defRPr>
+            </a:lvl5pPr>
+            <a:lvl6pPr marR="0" lvl="5" algn="ctr" rtl="0">
+              <a:lnSpc>
+                <a:spcPct val="100000"/>
+              </a:lnSpc>
+              <a:spcBef>
+                <a:spcPts val="0"/>
+              </a:spcBef>
+              <a:spcAft>
+                <a:spcPts val="0"/>
+              </a:spcAft>
+              <a:buClr>
+                <a:schemeClr val="accent1"/>
+              </a:buClr>
+              <a:buSzPts val="2800"/>
+              <a:buFont typeface="Ramabhadra"/>
+              <a:buNone/>
+              <a:defRPr sz="2800" b="1" i="0" u="none" strike="noStrike" cap="none">
+                <a:solidFill>
+                  <a:schemeClr val="accent1"/>
+                </a:solidFill>
+                <a:latin typeface="Ramabhadra"/>
+                <a:ea typeface="Ramabhadra"/>
+                <a:cs typeface="Ramabhadra"/>
+                <a:sym typeface="Ramabhadra"/>
+              </a:defRPr>
+            </a:lvl6pPr>
+            <a:lvl7pPr marR="0" lvl="6" algn="ctr" rtl="0">
+              <a:lnSpc>
+                <a:spcPct val="100000"/>
+              </a:lnSpc>
+              <a:spcBef>
+                <a:spcPts val="0"/>
+              </a:spcBef>
+              <a:spcAft>
+                <a:spcPts val="0"/>
+              </a:spcAft>
+              <a:buClr>
+                <a:schemeClr val="accent1"/>
+              </a:buClr>
+              <a:buSzPts val="2800"/>
+              <a:buFont typeface="Ramabhadra"/>
+              <a:buNone/>
+              <a:defRPr sz="2800" b="1" i="0" u="none" strike="noStrike" cap="none">
+                <a:solidFill>
+                  <a:schemeClr val="accent1"/>
+                </a:solidFill>
+                <a:latin typeface="Ramabhadra"/>
+                <a:ea typeface="Ramabhadra"/>
+                <a:cs typeface="Ramabhadra"/>
+                <a:sym typeface="Ramabhadra"/>
+              </a:defRPr>
+            </a:lvl7pPr>
+            <a:lvl8pPr marR="0" lvl="7" algn="ctr" rtl="0">
+              <a:lnSpc>
+                <a:spcPct val="100000"/>
+              </a:lnSpc>
+              <a:spcBef>
+                <a:spcPts val="0"/>
+              </a:spcBef>
+              <a:spcAft>
+                <a:spcPts val="0"/>
+              </a:spcAft>
+              <a:buClr>
+                <a:schemeClr val="accent1"/>
+              </a:buClr>
+              <a:buSzPts val="2800"/>
+              <a:buFont typeface="Ramabhadra"/>
+              <a:buNone/>
+              <a:defRPr sz="2800" b="1" i="0" u="none" strike="noStrike" cap="none">
+                <a:solidFill>
+                  <a:schemeClr val="accent1"/>
+                </a:solidFill>
+                <a:latin typeface="Ramabhadra"/>
+                <a:ea typeface="Ramabhadra"/>
+                <a:cs typeface="Ramabhadra"/>
+                <a:sym typeface="Ramabhadra"/>
+              </a:defRPr>
+            </a:lvl8pPr>
+            <a:lvl9pPr marR="0" lvl="8" algn="ctr" rtl="0">
+              <a:lnSpc>
+                <a:spcPct val="100000"/>
+              </a:lnSpc>
+              <a:spcBef>
+                <a:spcPts val="0"/>
+              </a:spcBef>
+              <a:spcAft>
+                <a:spcPts val="0"/>
+              </a:spcAft>
+              <a:buClr>
+                <a:schemeClr val="accent1"/>
+              </a:buClr>
+              <a:buSzPts val="2800"/>
+              <a:buFont typeface="Ramabhadra"/>
+              <a:buNone/>
+              <a:defRPr sz="2800" b="1" i="0" u="none" strike="noStrike" cap="none">
+                <a:solidFill>
+                  <a:schemeClr val="accent1"/>
+                </a:solidFill>
+                <a:latin typeface="Ramabhadra"/>
+                <a:ea typeface="Ramabhadra"/>
+                <a:cs typeface="Ramabhadra"/>
+                <a:sym typeface="Ramabhadra"/>
+              </a:defRPr>
+            </a:lvl9pPr>
+          </a:lstStyle>
+          <a:p>
+            <a:r>
+              <a:rPr lang="es-ES" dirty="0">
+                <a:solidFill>
+                  <a:schemeClr val="accent3"/>
+                </a:solidFill>
+              </a:rPr>
+              <a:t>pom.xml (Project </a:t>
+            </a:r>
+            <a:r>
+              <a:rPr lang="es-ES" dirty="0" err="1">
+                <a:solidFill>
+                  <a:schemeClr val="accent3"/>
+                </a:solidFill>
+              </a:rPr>
+              <a:t>Object</a:t>
+            </a:r>
+            <a:r>
+              <a:rPr lang="es-ES" dirty="0">
+                <a:solidFill>
+                  <a:schemeClr val="accent3"/>
+                </a:solidFill>
+              </a:rPr>
+              <a:t> </a:t>
+            </a:r>
+            <a:r>
+              <a:rPr lang="es-ES" dirty="0" err="1">
+                <a:solidFill>
+                  <a:schemeClr val="accent3"/>
+                </a:solidFill>
+              </a:rPr>
+              <a:t>Model</a:t>
+            </a:r>
+            <a:r>
+              <a:rPr lang="es-ES" dirty="0">
+                <a:solidFill>
+                  <a:schemeClr val="accent3"/>
+                </a:solidFill>
+              </a:rPr>
+              <a:t>)    </a:t>
+            </a:r>
+          </a:p>
+        </p:txBody>
+      </p:sp>
+      <p:sp>
+        <p:nvSpPr>
+          <p:cNvPr id="5" name="CuadroTexto 4">
+            <a:extLst>
+              <a:ext uri="{FF2B5EF4-FFF2-40B4-BE49-F238E27FC236}">
+                <a16:creationId xmlns:a16="http://schemas.microsoft.com/office/drawing/2014/main" id="{DBC38E8D-D887-F513-241C-A34C663D7EAD}"/>
+              </a:ext>
+            </a:extLst>
+          </p:cNvPr>
+          <p:cNvSpPr txBox="1"/>
+          <p:nvPr/>
+        </p:nvSpPr>
+        <p:spPr>
+          <a:xfrm>
+            <a:off x="323188" y="1594072"/>
+            <a:ext cx="5448063" cy="738664"/>
+          </a:xfrm>
+          <a:prstGeom prst="rect">
+            <a:avLst/>
+          </a:prstGeom>
+          <a:noFill/>
+        </p:spPr>
+        <p:txBody>
+          <a:bodyPr wrap="square">
+            <a:spAutoFit/>
+          </a:bodyPr>
+          <a:lstStyle/>
+          <a:p>
+            <a:r>
+              <a:rPr lang="fr-FR" b="1" dirty="0">
+                <a:latin typeface="Courier New" panose="02070309020205020404" pitchFamily="49" charset="0"/>
+                <a:cs typeface="Courier New" panose="02070309020205020404" pitchFamily="49" charset="0"/>
+              </a:rPr>
+              <a:t>&lt;</a:t>
+            </a:r>
+            <a:r>
+              <a:rPr lang="fr-FR" b="1" dirty="0" err="1">
+                <a:latin typeface="Courier New" panose="02070309020205020404" pitchFamily="49" charset="0"/>
+                <a:cs typeface="Courier New" panose="02070309020205020404" pitchFamily="49" charset="0"/>
+              </a:rPr>
+              <a:t>properties</a:t>
+            </a:r>
+            <a:r>
+              <a:rPr lang="fr-FR" b="1" dirty="0">
+                <a:latin typeface="Courier New" panose="02070309020205020404" pitchFamily="49" charset="0"/>
+                <a:cs typeface="Courier New" panose="02070309020205020404" pitchFamily="49" charset="0"/>
+              </a:rPr>
+              <a:t>&gt;</a:t>
+            </a:r>
+          </a:p>
+          <a:p>
+            <a:r>
+              <a:rPr lang="fr-FR" b="1" dirty="0">
+                <a:latin typeface="Courier New" panose="02070309020205020404" pitchFamily="49" charset="0"/>
+                <a:cs typeface="Courier New" panose="02070309020205020404" pitchFamily="49" charset="0"/>
+              </a:rPr>
+              <a:t>  &lt;</a:t>
+            </a:r>
+            <a:r>
+              <a:rPr lang="fr-FR" b="1" dirty="0" err="1">
+                <a:latin typeface="Courier New" panose="02070309020205020404" pitchFamily="49" charset="0"/>
+                <a:cs typeface="Courier New" panose="02070309020205020404" pitchFamily="49" charset="0"/>
+              </a:rPr>
+              <a:t>java.version</a:t>
+            </a:r>
+            <a:r>
+              <a:rPr lang="fr-FR" b="1" dirty="0">
+                <a:latin typeface="Courier New" panose="02070309020205020404" pitchFamily="49" charset="0"/>
+                <a:cs typeface="Courier New" panose="02070309020205020404" pitchFamily="49" charset="0"/>
+              </a:rPr>
+              <a:t>&gt;19&lt;/</a:t>
+            </a:r>
+            <a:r>
+              <a:rPr lang="fr-FR" b="1" dirty="0" err="1">
+                <a:latin typeface="Courier New" panose="02070309020205020404" pitchFamily="49" charset="0"/>
+                <a:cs typeface="Courier New" panose="02070309020205020404" pitchFamily="49" charset="0"/>
+              </a:rPr>
+              <a:t>java.version</a:t>
+            </a:r>
+            <a:r>
+              <a:rPr lang="fr-FR" b="1" dirty="0">
+                <a:latin typeface="Courier New" panose="02070309020205020404" pitchFamily="49" charset="0"/>
+                <a:cs typeface="Courier New" panose="02070309020205020404" pitchFamily="49" charset="0"/>
+              </a:rPr>
+              <a:t>&gt;</a:t>
+            </a:r>
+          </a:p>
+          <a:p>
+            <a:r>
+              <a:rPr lang="fr-FR" b="1" dirty="0">
+                <a:latin typeface="Courier New" panose="02070309020205020404" pitchFamily="49" charset="0"/>
+                <a:cs typeface="Courier New" panose="02070309020205020404" pitchFamily="49" charset="0"/>
+              </a:rPr>
+              <a:t>&lt;/</a:t>
+            </a:r>
+            <a:r>
+              <a:rPr lang="fr-FR" b="1" dirty="0" err="1">
+                <a:latin typeface="Courier New" panose="02070309020205020404" pitchFamily="49" charset="0"/>
+                <a:cs typeface="Courier New" panose="02070309020205020404" pitchFamily="49" charset="0"/>
+              </a:rPr>
+              <a:t>properties</a:t>
+            </a:r>
+            <a:r>
+              <a:rPr lang="fr-FR" b="1" dirty="0">
+                <a:latin typeface="Courier New" panose="02070309020205020404" pitchFamily="49" charset="0"/>
+                <a:cs typeface="Courier New" panose="02070309020205020404" pitchFamily="49" charset="0"/>
+              </a:rPr>
+              <a:t>&gt;</a:t>
+            </a:r>
+            <a:endParaRPr lang="es-ES" b="1" dirty="0">
+              <a:latin typeface="Courier New" panose="02070309020205020404" pitchFamily="49" charset="0"/>
+              <a:cs typeface="Courier New" panose="02070309020205020404" pitchFamily="49" charset="0"/>
+            </a:endParaRPr>
+          </a:p>
+        </p:txBody>
+      </p:sp>
+      <p:sp>
+        <p:nvSpPr>
+          <p:cNvPr id="8" name="Google Shape;836;p57">
+            <a:extLst>
+              <a:ext uri="{FF2B5EF4-FFF2-40B4-BE49-F238E27FC236}">
+                <a16:creationId xmlns:a16="http://schemas.microsoft.com/office/drawing/2014/main" id="{939D32B8-AC56-8108-24C0-238CD4F05CC9}"/>
+              </a:ext>
+            </a:extLst>
+          </p:cNvPr>
+          <p:cNvSpPr/>
+          <p:nvPr/>
+        </p:nvSpPr>
+        <p:spPr>
+          <a:xfrm>
+            <a:off x="444602" y="1273070"/>
+            <a:ext cx="77840" cy="239950"/>
+          </a:xfrm>
+          <a:custGeom>
+            <a:avLst/>
+            <a:gdLst/>
+            <a:ahLst/>
+            <a:cxnLst/>
+            <a:rect l="l" t="t" r="r" b="b"/>
+            <a:pathLst>
+              <a:path w="895" h="2759" extrusionOk="0">
+                <a:moveTo>
+                  <a:pt x="457" y="0"/>
+                </a:moveTo>
+                <a:cubicBezTo>
+                  <a:pt x="191" y="0"/>
+                  <a:pt x="1" y="190"/>
+                  <a:pt x="1" y="438"/>
+                </a:cubicBezTo>
+                <a:lnTo>
+                  <a:pt x="1" y="2321"/>
+                </a:lnTo>
+                <a:cubicBezTo>
+                  <a:pt x="1" y="2568"/>
+                  <a:pt x="210" y="2758"/>
+                  <a:pt x="457" y="2758"/>
+                </a:cubicBezTo>
+                <a:cubicBezTo>
+                  <a:pt x="705" y="2758"/>
+                  <a:pt x="895" y="2568"/>
+                  <a:pt x="895" y="2321"/>
+                </a:cubicBezTo>
+                <a:lnTo>
+                  <a:pt x="895" y="438"/>
+                </a:lnTo>
+                <a:cubicBezTo>
+                  <a:pt x="895" y="190"/>
+                  <a:pt x="705" y="0"/>
+                  <a:pt x="457" y="0"/>
+                </a:cubicBezTo>
+                <a:close/>
+              </a:path>
+            </a:pathLst>
+          </a:custGeom>
+          <a:solidFill>
+            <a:schemeClr val="accent3"/>
+          </a:solidFill>
+          <a:ln>
+            <a:noFill/>
+          </a:ln>
+        </p:spPr>
+        <p:txBody>
+          <a:bodyPr spcFirstLastPara="1" wrap="square" lIns="91425" tIns="91425" rIns="91425" bIns="91425" anchor="ctr" anchorCtr="0">
+            <a:noAutofit/>
+          </a:bodyPr>
+          <a:lstStyle/>
+          <a:p>
+            <a:pPr marL="0" lvl="0" indent="0" algn="l" rtl="0">
+              <a:spcBef>
+                <a:spcPts val="0"/>
+              </a:spcBef>
+              <a:spcAft>
+                <a:spcPts val="0"/>
+              </a:spcAft>
+              <a:buNone/>
+            </a:pPr>
+            <a:endParaRPr dirty="0"/>
+          </a:p>
+        </p:txBody>
+      </p:sp>
+      <p:sp>
+        <p:nvSpPr>
+          <p:cNvPr id="9" name="Google Shape;837;p57">
+            <a:extLst>
+              <a:ext uri="{FF2B5EF4-FFF2-40B4-BE49-F238E27FC236}">
+                <a16:creationId xmlns:a16="http://schemas.microsoft.com/office/drawing/2014/main" id="{3E9AB070-3449-E00E-BB68-5334A2C9225B}"/>
+              </a:ext>
+            </a:extLst>
+          </p:cNvPr>
+          <p:cNvSpPr/>
+          <p:nvPr/>
+        </p:nvSpPr>
+        <p:spPr>
+          <a:xfrm>
+            <a:off x="361895" y="1354122"/>
+            <a:ext cx="243262" cy="77838"/>
+          </a:xfrm>
+          <a:custGeom>
+            <a:avLst/>
+            <a:gdLst/>
+            <a:ahLst/>
+            <a:cxnLst/>
+            <a:rect l="l" t="t" r="r" b="b"/>
+            <a:pathLst>
+              <a:path w="2797" h="895" extrusionOk="0">
+                <a:moveTo>
+                  <a:pt x="438" y="0"/>
+                </a:moveTo>
+                <a:cubicBezTo>
+                  <a:pt x="191" y="0"/>
+                  <a:pt x="1" y="190"/>
+                  <a:pt x="1" y="438"/>
+                </a:cubicBezTo>
+                <a:cubicBezTo>
+                  <a:pt x="1" y="685"/>
+                  <a:pt x="191" y="894"/>
+                  <a:pt x="438" y="894"/>
+                </a:cubicBezTo>
+                <a:lnTo>
+                  <a:pt x="2359" y="894"/>
+                </a:lnTo>
+                <a:cubicBezTo>
+                  <a:pt x="2607" y="894"/>
+                  <a:pt x="2797" y="685"/>
+                  <a:pt x="2797" y="438"/>
+                </a:cubicBezTo>
+                <a:cubicBezTo>
+                  <a:pt x="2797" y="190"/>
+                  <a:pt x="2607" y="0"/>
+                  <a:pt x="2359" y="0"/>
+                </a:cubicBezTo>
+                <a:close/>
+              </a:path>
+            </a:pathLst>
+          </a:custGeom>
+          <a:solidFill>
+            <a:schemeClr val="accent3"/>
+          </a:solidFill>
+          <a:ln>
+            <a:noFill/>
+          </a:ln>
+        </p:spPr>
+        <p:txBody>
+          <a:bodyPr spcFirstLastPara="1" wrap="square" lIns="91425" tIns="91425" rIns="91425" bIns="91425" anchor="ctr" anchorCtr="0">
+            <a:noAutofit/>
+          </a:bodyPr>
+          <a:lstStyle/>
+          <a:p>
+            <a:pPr marL="0" lvl="0" indent="0" algn="l" rtl="0">
+              <a:spcBef>
+                <a:spcPts val="0"/>
+              </a:spcBef>
+              <a:spcAft>
+                <a:spcPts val="0"/>
+              </a:spcAft>
+              <a:buNone/>
+            </a:pPr>
+            <a:endParaRPr dirty="0"/>
+          </a:p>
+        </p:txBody>
+      </p:sp>
+      <p:sp>
+        <p:nvSpPr>
+          <p:cNvPr id="10" name="Google Shape;354;p37">
+            <a:extLst>
+              <a:ext uri="{FF2B5EF4-FFF2-40B4-BE49-F238E27FC236}">
+                <a16:creationId xmlns:a16="http://schemas.microsoft.com/office/drawing/2014/main" id="{C6AF3948-6999-3D7D-8520-EB1476795E46}"/>
+              </a:ext>
+            </a:extLst>
+          </p:cNvPr>
+          <p:cNvSpPr txBox="1">
+            <a:spLocks/>
+          </p:cNvSpPr>
+          <p:nvPr/>
+        </p:nvSpPr>
+        <p:spPr>
+          <a:xfrm>
+            <a:off x="643855" y="1187011"/>
+            <a:ext cx="3042144" cy="460321"/>
+          </a:xfrm>
+          <a:prstGeom prst="rect">
+            <a:avLst/>
+          </a:prstGeom>
+        </p:spPr>
+        <p:txBody>
+          <a:bodyPr spcFirstLastPara="1" wrap="square" lIns="91425" tIns="91425" rIns="91425" bIns="91425" anchor="t" anchorCtr="0">
+            <a:noAutofit/>
+          </a:bodyPr>
+          <a:lstStyle>
+            <a:defPPr marR="0" lvl="0" algn="l" rtl="0">
+              <a:lnSpc>
+                <a:spcPct val="100000"/>
+              </a:lnSpc>
+              <a:spcBef>
+                <a:spcPts val="0"/>
+              </a:spcBef>
+              <a:spcAft>
+                <a:spcPts val="0"/>
+              </a:spcAft>
+            </a:defPPr>
+            <a:lvl1pPr marR="0" lvl="0" algn="ctr" rtl="0">
+              <a:lnSpc>
+                <a:spcPct val="100000"/>
+              </a:lnSpc>
+              <a:spcBef>
+                <a:spcPts val="0"/>
+              </a:spcBef>
+              <a:spcAft>
+                <a:spcPts val="0"/>
+              </a:spcAft>
+              <a:buClr>
+                <a:schemeClr val="accent1"/>
+              </a:buClr>
+              <a:buSzPts val="2800"/>
+              <a:buFont typeface="Ramabhadra"/>
+              <a:buNone/>
+              <a:defRPr sz="2000" b="1" i="0" u="none" strike="noStrike" cap="none">
+                <a:solidFill>
+                  <a:srgbClr val="007399"/>
+                </a:solidFill>
+                <a:latin typeface="Century Gothic" panose="020B0502020202020204" pitchFamily="34" charset="0"/>
+                <a:ea typeface="Arial Black" panose="020B0604020202020204" pitchFamily="34" charset="0"/>
+                <a:cs typeface="Arial Black" panose="020B0604020202020204" pitchFamily="34" charset="0"/>
+                <a:sym typeface="Arial"/>
+              </a:defRPr>
+            </a:lvl1pPr>
+            <a:lvl2pPr marR="0" lvl="1" algn="ctr" rtl="0">
+              <a:lnSpc>
+                <a:spcPct val="100000"/>
+              </a:lnSpc>
+              <a:spcBef>
+                <a:spcPts val="0"/>
+              </a:spcBef>
+              <a:spcAft>
+                <a:spcPts val="0"/>
+              </a:spcAft>
+              <a:buClr>
+                <a:schemeClr val="accent1"/>
+              </a:buClr>
+              <a:buSzPts val="2800"/>
+              <a:buFont typeface="Ramabhadra"/>
+              <a:buNone/>
+              <a:defRPr sz="2800" b="1" i="0" u="none" strike="noStrike" cap="none">
+                <a:solidFill>
+                  <a:schemeClr val="accent1"/>
+                </a:solidFill>
+                <a:latin typeface="Ramabhadra"/>
+                <a:ea typeface="Ramabhadra"/>
+                <a:cs typeface="Ramabhadra"/>
+                <a:sym typeface="Ramabhadra"/>
+              </a:defRPr>
+            </a:lvl2pPr>
+            <a:lvl3pPr marR="0" lvl="2" algn="ctr" rtl="0">
+              <a:lnSpc>
+                <a:spcPct val="100000"/>
+              </a:lnSpc>
+              <a:spcBef>
+                <a:spcPts val="0"/>
+              </a:spcBef>
+              <a:spcAft>
+                <a:spcPts val="0"/>
+              </a:spcAft>
+              <a:buClr>
+                <a:schemeClr val="accent1"/>
+              </a:buClr>
+              <a:buSzPts val="2800"/>
+              <a:buFont typeface="Ramabhadra"/>
+              <a:buNone/>
+              <a:defRPr sz="2800" b="1" i="0" u="none" strike="noStrike" cap="none">
+                <a:solidFill>
+                  <a:schemeClr val="accent1"/>
+                </a:solidFill>
+                <a:latin typeface="Ramabhadra"/>
+                <a:ea typeface="Ramabhadra"/>
+                <a:cs typeface="Ramabhadra"/>
+                <a:sym typeface="Ramabhadra"/>
+              </a:defRPr>
+            </a:lvl3pPr>
+            <a:lvl4pPr marR="0" lvl="3" algn="ctr" rtl="0">
+              <a:lnSpc>
+                <a:spcPct val="100000"/>
+              </a:lnSpc>
+              <a:spcBef>
+                <a:spcPts val="0"/>
+              </a:spcBef>
+              <a:spcAft>
+                <a:spcPts val="0"/>
+              </a:spcAft>
+              <a:buClr>
+                <a:schemeClr val="accent1"/>
+              </a:buClr>
+              <a:buSzPts val="2800"/>
+              <a:buFont typeface="Ramabhadra"/>
+              <a:buNone/>
+              <a:defRPr sz="2800" b="1" i="0" u="none" strike="noStrike" cap="none">
+                <a:solidFill>
+                  <a:schemeClr val="accent1"/>
+                </a:solidFill>
+                <a:latin typeface="Ramabhadra"/>
+                <a:ea typeface="Ramabhadra"/>
+                <a:cs typeface="Ramabhadra"/>
+                <a:sym typeface="Ramabhadra"/>
+              </a:defRPr>
+            </a:lvl4pPr>
+            <a:lvl5pPr marR="0" lvl="4" algn="ctr" rtl="0">
+              <a:lnSpc>
+                <a:spcPct val="100000"/>
+              </a:lnSpc>
+              <a:spcBef>
+                <a:spcPts val="0"/>
+              </a:spcBef>
+              <a:spcAft>
+                <a:spcPts val="0"/>
+              </a:spcAft>
+              <a:buClr>
+                <a:schemeClr val="accent1"/>
+              </a:buClr>
+              <a:buSzPts val="2800"/>
+              <a:buFont typeface="Ramabhadra"/>
+              <a:buNone/>
+              <a:defRPr sz="2800" b="1" i="0" u="none" strike="noStrike" cap="none">
+                <a:solidFill>
+                  <a:schemeClr val="accent1"/>
+                </a:solidFill>
+                <a:latin typeface="Ramabhadra"/>
+                <a:ea typeface="Ramabhadra"/>
+                <a:cs typeface="Ramabhadra"/>
+                <a:sym typeface="Ramabhadra"/>
+              </a:defRPr>
+            </a:lvl5pPr>
+            <a:lvl6pPr marR="0" lvl="5" algn="ctr" rtl="0">
+              <a:lnSpc>
+                <a:spcPct val="100000"/>
+              </a:lnSpc>
+              <a:spcBef>
+                <a:spcPts val="0"/>
+              </a:spcBef>
+              <a:spcAft>
+                <a:spcPts val="0"/>
+              </a:spcAft>
+              <a:buClr>
+                <a:schemeClr val="accent1"/>
+              </a:buClr>
+              <a:buSzPts val="2800"/>
+              <a:buFont typeface="Ramabhadra"/>
+              <a:buNone/>
+              <a:defRPr sz="2800" b="1" i="0" u="none" strike="noStrike" cap="none">
+                <a:solidFill>
+                  <a:schemeClr val="accent1"/>
+                </a:solidFill>
+                <a:latin typeface="Ramabhadra"/>
+                <a:ea typeface="Ramabhadra"/>
+                <a:cs typeface="Ramabhadra"/>
+                <a:sym typeface="Ramabhadra"/>
+              </a:defRPr>
+            </a:lvl6pPr>
+            <a:lvl7pPr marR="0" lvl="6" algn="ctr" rtl="0">
+              <a:lnSpc>
+                <a:spcPct val="100000"/>
+              </a:lnSpc>
+              <a:spcBef>
+                <a:spcPts val="0"/>
+              </a:spcBef>
+              <a:spcAft>
+                <a:spcPts val="0"/>
+              </a:spcAft>
+              <a:buClr>
+                <a:schemeClr val="accent1"/>
+              </a:buClr>
+              <a:buSzPts val="2800"/>
+              <a:buFont typeface="Ramabhadra"/>
+              <a:buNone/>
+              <a:defRPr sz="2800" b="1" i="0" u="none" strike="noStrike" cap="none">
+                <a:solidFill>
+                  <a:schemeClr val="accent1"/>
+                </a:solidFill>
+                <a:latin typeface="Ramabhadra"/>
+                <a:ea typeface="Ramabhadra"/>
+                <a:cs typeface="Ramabhadra"/>
+                <a:sym typeface="Ramabhadra"/>
+              </a:defRPr>
+            </a:lvl7pPr>
+            <a:lvl8pPr marR="0" lvl="7" algn="ctr" rtl="0">
+              <a:lnSpc>
+                <a:spcPct val="100000"/>
+              </a:lnSpc>
+              <a:spcBef>
+                <a:spcPts val="0"/>
+              </a:spcBef>
+              <a:spcAft>
+                <a:spcPts val="0"/>
+              </a:spcAft>
+              <a:buClr>
+                <a:schemeClr val="accent1"/>
+              </a:buClr>
+              <a:buSzPts val="2800"/>
+              <a:buFont typeface="Ramabhadra"/>
+              <a:buNone/>
+              <a:defRPr sz="2800" b="1" i="0" u="none" strike="noStrike" cap="none">
+                <a:solidFill>
+                  <a:schemeClr val="accent1"/>
+                </a:solidFill>
+                <a:latin typeface="Ramabhadra"/>
+                <a:ea typeface="Ramabhadra"/>
+                <a:cs typeface="Ramabhadra"/>
+                <a:sym typeface="Ramabhadra"/>
+              </a:defRPr>
+            </a:lvl8pPr>
+            <a:lvl9pPr marR="0" lvl="8" algn="ctr" rtl="0">
+              <a:lnSpc>
+                <a:spcPct val="100000"/>
+              </a:lnSpc>
+              <a:spcBef>
+                <a:spcPts val="0"/>
+              </a:spcBef>
+              <a:spcAft>
+                <a:spcPts val="0"/>
+              </a:spcAft>
+              <a:buClr>
+                <a:schemeClr val="accent1"/>
+              </a:buClr>
+              <a:buSzPts val="2800"/>
+              <a:buFont typeface="Ramabhadra"/>
+              <a:buNone/>
+              <a:defRPr sz="2800" b="1" i="0" u="none" strike="noStrike" cap="none">
+                <a:solidFill>
+                  <a:schemeClr val="accent1"/>
+                </a:solidFill>
+                <a:latin typeface="Ramabhadra"/>
+                <a:ea typeface="Ramabhadra"/>
+                <a:cs typeface="Ramabhadra"/>
+                <a:sym typeface="Ramabhadra"/>
+              </a:defRPr>
+            </a:lvl9pPr>
+          </a:lstStyle>
+          <a:p>
+            <a:pPr algn="l"/>
+            <a:r>
+              <a:rPr lang="es-ES" sz="1600" dirty="0"/>
+              <a:t>Propiedades</a:t>
+            </a:r>
+            <a:endParaRPr lang="es-ES" sz="1600" dirty="0">
+              <a:solidFill>
+                <a:schemeClr val="accent3"/>
+              </a:solidFill>
+            </a:endParaRPr>
+          </a:p>
+        </p:txBody>
+      </p:sp>
+      <p:sp>
+        <p:nvSpPr>
+          <p:cNvPr id="11" name="CuadroTexto 10">
+            <a:extLst>
+              <a:ext uri="{FF2B5EF4-FFF2-40B4-BE49-F238E27FC236}">
+                <a16:creationId xmlns:a16="http://schemas.microsoft.com/office/drawing/2014/main" id="{4D05BCCC-D996-FA5D-DF87-54CE32FB412A}"/>
+              </a:ext>
+            </a:extLst>
+          </p:cNvPr>
+          <p:cNvSpPr txBox="1"/>
+          <p:nvPr/>
+        </p:nvSpPr>
+        <p:spPr>
+          <a:xfrm>
+            <a:off x="4216762" y="983541"/>
+            <a:ext cx="8508440" cy="4154984"/>
+          </a:xfrm>
+          <a:prstGeom prst="rect">
+            <a:avLst/>
+          </a:prstGeom>
+          <a:noFill/>
+        </p:spPr>
+        <p:txBody>
+          <a:bodyPr wrap="square">
+            <a:spAutoFit/>
+          </a:bodyPr>
+          <a:lstStyle/>
+          <a:p>
+            <a:r>
+              <a:rPr lang="es-ES" sz="1100" b="1" dirty="0">
+                <a:latin typeface="Courier New" panose="02070309020205020404" pitchFamily="49" charset="0"/>
+                <a:cs typeface="Courier New" panose="02070309020205020404" pitchFamily="49" charset="0"/>
+              </a:rPr>
+              <a:t>&lt;</a:t>
+            </a:r>
+            <a:r>
+              <a:rPr lang="es-ES" sz="1100" b="1" dirty="0" err="1">
+                <a:latin typeface="Courier New" panose="02070309020205020404" pitchFamily="49" charset="0"/>
+                <a:cs typeface="Courier New" panose="02070309020205020404" pitchFamily="49" charset="0"/>
+              </a:rPr>
+              <a:t>build</a:t>
+            </a:r>
+            <a:r>
+              <a:rPr lang="es-ES" sz="1100" b="1" dirty="0">
+                <a:latin typeface="Courier New" panose="02070309020205020404" pitchFamily="49" charset="0"/>
+                <a:cs typeface="Courier New" panose="02070309020205020404" pitchFamily="49" charset="0"/>
+              </a:rPr>
+              <a:t>&gt;</a:t>
+            </a:r>
+          </a:p>
+          <a:p>
+            <a:r>
+              <a:rPr lang="es-ES" sz="1100" b="1" dirty="0">
+                <a:latin typeface="Courier New" panose="02070309020205020404" pitchFamily="49" charset="0"/>
+                <a:cs typeface="Courier New" panose="02070309020205020404" pitchFamily="49" charset="0"/>
+              </a:rPr>
+              <a:t>  &lt;</a:t>
+            </a:r>
+            <a:r>
+              <a:rPr lang="es-ES" sz="1100" b="1" dirty="0" err="1">
+                <a:latin typeface="Courier New" panose="02070309020205020404" pitchFamily="49" charset="0"/>
+                <a:cs typeface="Courier New" panose="02070309020205020404" pitchFamily="49" charset="0"/>
+              </a:rPr>
+              <a:t>finalName</a:t>
+            </a:r>
+            <a:r>
+              <a:rPr lang="es-ES" sz="1100" b="1" dirty="0">
+                <a:latin typeface="Courier New" panose="02070309020205020404" pitchFamily="49" charset="0"/>
+                <a:cs typeface="Courier New" panose="02070309020205020404" pitchFamily="49" charset="0"/>
+              </a:rPr>
+              <a:t>&gt;</a:t>
+            </a:r>
+            <a:r>
+              <a:rPr lang="es-ES" sz="1100" b="1" dirty="0" err="1">
+                <a:latin typeface="Courier New" panose="02070309020205020404" pitchFamily="49" charset="0"/>
+                <a:cs typeface="Courier New" panose="02070309020205020404" pitchFamily="49" charset="0"/>
+              </a:rPr>
+              <a:t>book-review</a:t>
+            </a:r>
+            <a:r>
+              <a:rPr lang="es-ES" sz="1100" b="1" dirty="0">
+                <a:latin typeface="Courier New" panose="02070309020205020404" pitchFamily="49" charset="0"/>
+                <a:cs typeface="Courier New" panose="02070309020205020404" pitchFamily="49" charset="0"/>
+              </a:rPr>
+              <a:t>&lt;/</a:t>
+            </a:r>
+            <a:r>
+              <a:rPr lang="es-ES" sz="1100" b="1" dirty="0" err="1">
+                <a:latin typeface="Courier New" panose="02070309020205020404" pitchFamily="49" charset="0"/>
+                <a:cs typeface="Courier New" panose="02070309020205020404" pitchFamily="49" charset="0"/>
+              </a:rPr>
+              <a:t>finalName</a:t>
+            </a:r>
+            <a:r>
+              <a:rPr lang="es-ES" sz="1100" b="1" dirty="0">
+                <a:latin typeface="Courier New" panose="02070309020205020404" pitchFamily="49" charset="0"/>
+                <a:cs typeface="Courier New" panose="02070309020205020404" pitchFamily="49" charset="0"/>
+              </a:rPr>
+              <a:t>&gt;</a:t>
+            </a:r>
+          </a:p>
+          <a:p>
+            <a:r>
+              <a:rPr lang="es-ES" sz="1100" b="1" dirty="0">
+                <a:latin typeface="Courier New" panose="02070309020205020404" pitchFamily="49" charset="0"/>
+                <a:cs typeface="Courier New" panose="02070309020205020404" pitchFamily="49" charset="0"/>
+              </a:rPr>
+              <a:t>  &lt;</a:t>
+            </a:r>
+            <a:r>
+              <a:rPr lang="es-ES" sz="1100" b="1" dirty="0" err="1">
+                <a:latin typeface="Courier New" panose="02070309020205020404" pitchFamily="49" charset="0"/>
+                <a:cs typeface="Courier New" panose="02070309020205020404" pitchFamily="49" charset="0"/>
+              </a:rPr>
+              <a:t>plugins</a:t>
+            </a:r>
+            <a:r>
+              <a:rPr lang="es-ES" sz="1100" b="1" dirty="0">
+                <a:latin typeface="Courier New" panose="02070309020205020404" pitchFamily="49" charset="0"/>
+                <a:cs typeface="Courier New" panose="02070309020205020404" pitchFamily="49" charset="0"/>
+              </a:rPr>
+              <a:t>&gt;</a:t>
+            </a:r>
+          </a:p>
+          <a:p>
+            <a:r>
+              <a:rPr lang="es-ES" sz="1100" b="1" dirty="0">
+                <a:latin typeface="Courier New" panose="02070309020205020404" pitchFamily="49" charset="0"/>
+                <a:cs typeface="Courier New" panose="02070309020205020404" pitchFamily="49" charset="0"/>
+              </a:rPr>
+              <a:t>    &lt;plugin&gt;</a:t>
+            </a:r>
+          </a:p>
+          <a:p>
+            <a:r>
+              <a:rPr lang="es-ES" sz="1100" b="1" dirty="0">
+                <a:latin typeface="Courier New" panose="02070309020205020404" pitchFamily="49" charset="0"/>
+                <a:cs typeface="Courier New" panose="02070309020205020404" pitchFamily="49" charset="0"/>
+              </a:rPr>
+              <a:t>      &lt;</a:t>
+            </a:r>
+            <a:r>
+              <a:rPr lang="es-ES" sz="1100" b="1" dirty="0" err="1">
+                <a:latin typeface="Courier New" panose="02070309020205020404" pitchFamily="49" charset="0"/>
+                <a:cs typeface="Courier New" panose="02070309020205020404" pitchFamily="49" charset="0"/>
+              </a:rPr>
+              <a:t>artifactId</a:t>
+            </a:r>
+            <a:r>
+              <a:rPr lang="es-ES" sz="1100" b="1" dirty="0">
+                <a:latin typeface="Courier New" panose="02070309020205020404" pitchFamily="49" charset="0"/>
+                <a:cs typeface="Courier New" panose="02070309020205020404" pitchFamily="49" charset="0"/>
+              </a:rPr>
+              <a:t>&gt;</a:t>
+            </a:r>
+            <a:r>
+              <a:rPr lang="es-ES" sz="1100" b="1" dirty="0" err="1">
+                <a:latin typeface="Courier New" panose="02070309020205020404" pitchFamily="49" charset="0"/>
+                <a:cs typeface="Courier New" panose="02070309020205020404" pitchFamily="49" charset="0"/>
+              </a:rPr>
+              <a:t>maven</a:t>
+            </a:r>
+            <a:r>
+              <a:rPr lang="es-ES" sz="1100" b="1" dirty="0">
+                <a:latin typeface="Courier New" panose="02070309020205020404" pitchFamily="49" charset="0"/>
+                <a:cs typeface="Courier New" panose="02070309020205020404" pitchFamily="49" charset="0"/>
+              </a:rPr>
+              <a:t>-</a:t>
+            </a:r>
+            <a:r>
+              <a:rPr lang="es-ES" sz="1100" b="1" dirty="0" err="1">
+                <a:latin typeface="Courier New" panose="02070309020205020404" pitchFamily="49" charset="0"/>
+                <a:cs typeface="Courier New" panose="02070309020205020404" pitchFamily="49" charset="0"/>
+              </a:rPr>
+              <a:t>compiler</a:t>
+            </a:r>
+            <a:r>
+              <a:rPr lang="es-ES" sz="1100" b="1" dirty="0">
+                <a:latin typeface="Courier New" panose="02070309020205020404" pitchFamily="49" charset="0"/>
+                <a:cs typeface="Courier New" panose="02070309020205020404" pitchFamily="49" charset="0"/>
+              </a:rPr>
+              <a:t>-plugin&lt;/</a:t>
+            </a:r>
+            <a:r>
+              <a:rPr lang="es-ES" sz="1100" b="1" dirty="0" err="1">
+                <a:latin typeface="Courier New" panose="02070309020205020404" pitchFamily="49" charset="0"/>
+                <a:cs typeface="Courier New" panose="02070309020205020404" pitchFamily="49" charset="0"/>
+              </a:rPr>
+              <a:t>artifactId</a:t>
+            </a:r>
+            <a:r>
+              <a:rPr lang="es-ES" sz="1100" b="1" dirty="0">
+                <a:latin typeface="Courier New" panose="02070309020205020404" pitchFamily="49" charset="0"/>
+                <a:cs typeface="Courier New" panose="02070309020205020404" pitchFamily="49" charset="0"/>
+              </a:rPr>
+              <a:t>&gt;</a:t>
+            </a:r>
+          </a:p>
+          <a:p>
+            <a:r>
+              <a:rPr lang="es-ES" sz="1100" b="1" dirty="0">
+                <a:latin typeface="Courier New" panose="02070309020205020404" pitchFamily="49" charset="0"/>
+                <a:cs typeface="Courier New" panose="02070309020205020404" pitchFamily="49" charset="0"/>
+              </a:rPr>
+              <a:t>      &lt;</a:t>
+            </a:r>
+            <a:r>
+              <a:rPr lang="es-ES" sz="1100" b="1" dirty="0" err="1">
+                <a:latin typeface="Courier New" panose="02070309020205020404" pitchFamily="49" charset="0"/>
+                <a:cs typeface="Courier New" panose="02070309020205020404" pitchFamily="49" charset="0"/>
+              </a:rPr>
+              <a:t>version</a:t>
+            </a:r>
+            <a:r>
+              <a:rPr lang="es-ES" sz="1100" b="1" dirty="0">
+                <a:latin typeface="Courier New" panose="02070309020205020404" pitchFamily="49" charset="0"/>
+                <a:cs typeface="Courier New" panose="02070309020205020404" pitchFamily="49" charset="0"/>
+              </a:rPr>
+              <a:t>&gt;3.5.1&lt;/</a:t>
+            </a:r>
+            <a:r>
+              <a:rPr lang="es-ES" sz="1100" b="1" dirty="0" err="1">
+                <a:latin typeface="Courier New" panose="02070309020205020404" pitchFamily="49" charset="0"/>
+                <a:cs typeface="Courier New" panose="02070309020205020404" pitchFamily="49" charset="0"/>
+              </a:rPr>
+              <a:t>version</a:t>
+            </a:r>
+            <a:r>
+              <a:rPr lang="es-ES" sz="1100" b="1" dirty="0">
+                <a:latin typeface="Courier New" panose="02070309020205020404" pitchFamily="49" charset="0"/>
+                <a:cs typeface="Courier New" panose="02070309020205020404" pitchFamily="49" charset="0"/>
+              </a:rPr>
+              <a:t>&gt;</a:t>
+            </a:r>
+          </a:p>
+          <a:p>
+            <a:r>
+              <a:rPr lang="es-ES" sz="1100" b="1" dirty="0">
+                <a:latin typeface="Courier New" panose="02070309020205020404" pitchFamily="49" charset="0"/>
+                <a:cs typeface="Courier New" panose="02070309020205020404" pitchFamily="49" charset="0"/>
+              </a:rPr>
+              <a:t>      &lt;</a:t>
+            </a:r>
+            <a:r>
+              <a:rPr lang="es-ES" sz="1100" b="1" dirty="0" err="1">
+                <a:latin typeface="Courier New" panose="02070309020205020404" pitchFamily="49" charset="0"/>
+                <a:cs typeface="Courier New" panose="02070309020205020404" pitchFamily="49" charset="0"/>
+              </a:rPr>
+              <a:t>configuration</a:t>
+            </a:r>
+            <a:r>
+              <a:rPr lang="es-ES" sz="1100" b="1" dirty="0">
+                <a:latin typeface="Courier New" panose="02070309020205020404" pitchFamily="49" charset="0"/>
+                <a:cs typeface="Courier New" panose="02070309020205020404" pitchFamily="49" charset="0"/>
+              </a:rPr>
+              <a:t>&gt;</a:t>
+            </a:r>
+          </a:p>
+          <a:p>
+            <a:r>
+              <a:rPr lang="es-ES" sz="1100" b="1" dirty="0">
+                <a:latin typeface="Courier New" panose="02070309020205020404" pitchFamily="49" charset="0"/>
+                <a:cs typeface="Courier New" panose="02070309020205020404" pitchFamily="49" charset="0"/>
+              </a:rPr>
+              <a:t>         &lt;</a:t>
+            </a:r>
+            <a:r>
+              <a:rPr lang="es-ES" sz="1100" b="1" dirty="0" err="1">
+                <a:latin typeface="Courier New" panose="02070309020205020404" pitchFamily="49" charset="0"/>
+                <a:cs typeface="Courier New" panose="02070309020205020404" pitchFamily="49" charset="0"/>
+              </a:rPr>
+              <a:t>source</a:t>
+            </a:r>
+            <a:r>
+              <a:rPr lang="es-ES" sz="1100" b="1" dirty="0">
+                <a:latin typeface="Courier New" panose="02070309020205020404" pitchFamily="49" charset="0"/>
+                <a:cs typeface="Courier New" panose="02070309020205020404" pitchFamily="49" charset="0"/>
+              </a:rPr>
+              <a:t>&gt;19&lt;/</a:t>
+            </a:r>
+            <a:r>
+              <a:rPr lang="es-ES" sz="1100" b="1" dirty="0" err="1">
+                <a:latin typeface="Courier New" panose="02070309020205020404" pitchFamily="49" charset="0"/>
+                <a:cs typeface="Courier New" panose="02070309020205020404" pitchFamily="49" charset="0"/>
+              </a:rPr>
+              <a:t>source</a:t>
+            </a:r>
+            <a:r>
+              <a:rPr lang="es-ES" sz="1100" b="1" dirty="0">
+                <a:latin typeface="Courier New" panose="02070309020205020404" pitchFamily="49" charset="0"/>
+                <a:cs typeface="Courier New" panose="02070309020205020404" pitchFamily="49" charset="0"/>
+              </a:rPr>
+              <a:t>&gt;</a:t>
+            </a:r>
+          </a:p>
+          <a:p>
+            <a:r>
+              <a:rPr lang="es-ES" sz="1100" b="1" dirty="0">
+                <a:latin typeface="Courier New" panose="02070309020205020404" pitchFamily="49" charset="0"/>
+                <a:cs typeface="Courier New" panose="02070309020205020404" pitchFamily="49" charset="0"/>
+              </a:rPr>
+              <a:t>         &lt;target&gt;19&lt;/target&gt;</a:t>
+            </a:r>
+          </a:p>
+          <a:p>
+            <a:r>
+              <a:rPr lang="es-ES" sz="1100" b="1" dirty="0">
+                <a:latin typeface="Courier New" panose="02070309020205020404" pitchFamily="49" charset="0"/>
+                <a:cs typeface="Courier New" panose="02070309020205020404" pitchFamily="49" charset="0"/>
+              </a:rPr>
+              <a:t>         &lt;</a:t>
+            </a:r>
+            <a:r>
+              <a:rPr lang="es-ES" sz="1100" b="1" dirty="0" err="1">
+                <a:latin typeface="Courier New" panose="02070309020205020404" pitchFamily="49" charset="0"/>
+                <a:cs typeface="Courier New" panose="02070309020205020404" pitchFamily="49" charset="0"/>
+              </a:rPr>
+              <a:t>annotationProcessorPaths</a:t>
+            </a:r>
+            <a:r>
+              <a:rPr lang="es-ES" sz="1100" b="1" dirty="0">
+                <a:latin typeface="Courier New" panose="02070309020205020404" pitchFamily="49" charset="0"/>
+                <a:cs typeface="Courier New" panose="02070309020205020404" pitchFamily="49" charset="0"/>
+              </a:rPr>
+              <a:t>&gt;</a:t>
+            </a:r>
+          </a:p>
+          <a:p>
+            <a:r>
+              <a:rPr lang="es-ES" sz="1100" b="1" dirty="0">
+                <a:latin typeface="Courier New" panose="02070309020205020404" pitchFamily="49" charset="0"/>
+                <a:cs typeface="Courier New" panose="02070309020205020404" pitchFamily="49" charset="0"/>
+              </a:rPr>
+              <a:t>           &lt;</a:t>
+            </a:r>
+            <a:r>
+              <a:rPr lang="es-ES" sz="1100" b="1" dirty="0" err="1">
+                <a:latin typeface="Courier New" panose="02070309020205020404" pitchFamily="49" charset="0"/>
+                <a:cs typeface="Courier New" panose="02070309020205020404" pitchFamily="49" charset="0"/>
+              </a:rPr>
+              <a:t>path</a:t>
+            </a:r>
+            <a:r>
+              <a:rPr lang="es-ES" sz="1100" b="1" dirty="0">
+                <a:latin typeface="Courier New" panose="02070309020205020404" pitchFamily="49" charset="0"/>
+                <a:cs typeface="Courier New" panose="02070309020205020404" pitchFamily="49" charset="0"/>
+              </a:rPr>
+              <a:t>&gt;</a:t>
+            </a:r>
+          </a:p>
+          <a:p>
+            <a:r>
+              <a:rPr lang="es-ES" sz="1100" b="1" dirty="0">
+                <a:latin typeface="Courier New" panose="02070309020205020404" pitchFamily="49" charset="0"/>
+                <a:cs typeface="Courier New" panose="02070309020205020404" pitchFamily="49" charset="0"/>
+              </a:rPr>
+              <a:t>             &lt;</a:t>
+            </a:r>
+            <a:r>
+              <a:rPr lang="es-ES" sz="1100" b="1" dirty="0" err="1">
+                <a:latin typeface="Courier New" panose="02070309020205020404" pitchFamily="49" charset="0"/>
+                <a:cs typeface="Courier New" panose="02070309020205020404" pitchFamily="49" charset="0"/>
+              </a:rPr>
+              <a:t>groupId</a:t>
+            </a:r>
+            <a:r>
+              <a:rPr lang="es-ES" sz="1100" b="1" dirty="0">
+                <a:latin typeface="Courier New" panose="02070309020205020404" pitchFamily="49" charset="0"/>
+                <a:cs typeface="Courier New" panose="02070309020205020404" pitchFamily="49" charset="0"/>
+              </a:rPr>
+              <a:t>&gt;</a:t>
+            </a:r>
+            <a:r>
+              <a:rPr lang="es-ES" sz="1100" b="1" dirty="0" err="1">
+                <a:latin typeface="Courier New" panose="02070309020205020404" pitchFamily="49" charset="0"/>
+                <a:cs typeface="Courier New" panose="02070309020205020404" pitchFamily="49" charset="0"/>
+              </a:rPr>
+              <a:t>org.mapstruct</a:t>
+            </a:r>
+            <a:r>
+              <a:rPr lang="es-ES" sz="1100" b="1" dirty="0">
+                <a:latin typeface="Courier New" panose="02070309020205020404" pitchFamily="49" charset="0"/>
+                <a:cs typeface="Courier New" panose="02070309020205020404" pitchFamily="49" charset="0"/>
+              </a:rPr>
+              <a:t>&lt;/</a:t>
+            </a:r>
+            <a:r>
+              <a:rPr lang="es-ES" sz="1100" b="1" dirty="0" err="1">
+                <a:latin typeface="Courier New" panose="02070309020205020404" pitchFamily="49" charset="0"/>
+                <a:cs typeface="Courier New" panose="02070309020205020404" pitchFamily="49" charset="0"/>
+              </a:rPr>
+              <a:t>groupId</a:t>
+            </a:r>
+            <a:r>
+              <a:rPr lang="es-ES" sz="1100" b="1" dirty="0">
+                <a:latin typeface="Courier New" panose="02070309020205020404" pitchFamily="49" charset="0"/>
+                <a:cs typeface="Courier New" panose="02070309020205020404" pitchFamily="49" charset="0"/>
+              </a:rPr>
+              <a:t>&gt;</a:t>
+            </a:r>
+          </a:p>
+          <a:p>
+            <a:r>
+              <a:rPr lang="es-ES" sz="1100" b="1" dirty="0">
+                <a:latin typeface="Courier New" panose="02070309020205020404" pitchFamily="49" charset="0"/>
+                <a:cs typeface="Courier New" panose="02070309020205020404" pitchFamily="49" charset="0"/>
+              </a:rPr>
+              <a:t>             &lt;</a:t>
+            </a:r>
+            <a:r>
+              <a:rPr lang="es-ES" sz="1100" b="1" dirty="0" err="1">
+                <a:latin typeface="Courier New" panose="02070309020205020404" pitchFamily="49" charset="0"/>
+                <a:cs typeface="Courier New" panose="02070309020205020404" pitchFamily="49" charset="0"/>
+              </a:rPr>
+              <a:t>artifactId</a:t>
+            </a:r>
+            <a:r>
+              <a:rPr lang="es-ES" sz="1100" b="1" dirty="0">
+                <a:latin typeface="Courier New" panose="02070309020205020404" pitchFamily="49" charset="0"/>
+                <a:cs typeface="Courier New" panose="02070309020205020404" pitchFamily="49" charset="0"/>
+              </a:rPr>
+              <a:t>&gt;</a:t>
+            </a:r>
+            <a:r>
+              <a:rPr lang="es-ES" sz="1100" b="1" dirty="0" err="1">
+                <a:latin typeface="Courier New" panose="02070309020205020404" pitchFamily="49" charset="0"/>
+                <a:cs typeface="Courier New" panose="02070309020205020404" pitchFamily="49" charset="0"/>
+              </a:rPr>
+              <a:t>mapstruct-processor</a:t>
+            </a:r>
+            <a:r>
+              <a:rPr lang="es-ES" sz="1100" b="1" dirty="0">
+                <a:latin typeface="Courier New" panose="02070309020205020404" pitchFamily="49" charset="0"/>
+                <a:cs typeface="Courier New" panose="02070309020205020404" pitchFamily="49" charset="0"/>
+              </a:rPr>
+              <a:t>&lt;/</a:t>
+            </a:r>
+            <a:r>
+              <a:rPr lang="es-ES" sz="1100" b="1" dirty="0" err="1">
+                <a:latin typeface="Courier New" panose="02070309020205020404" pitchFamily="49" charset="0"/>
+                <a:cs typeface="Courier New" panose="02070309020205020404" pitchFamily="49" charset="0"/>
+              </a:rPr>
+              <a:t>artifactId</a:t>
+            </a:r>
+            <a:r>
+              <a:rPr lang="es-ES" sz="1100" b="1" dirty="0">
+                <a:latin typeface="Courier New" panose="02070309020205020404" pitchFamily="49" charset="0"/>
+                <a:cs typeface="Courier New" panose="02070309020205020404" pitchFamily="49" charset="0"/>
+              </a:rPr>
+              <a:t>&gt;</a:t>
+            </a:r>
+          </a:p>
+          <a:p>
+            <a:r>
+              <a:rPr lang="es-ES" sz="1100" b="1" dirty="0">
+                <a:latin typeface="Courier New" panose="02070309020205020404" pitchFamily="49" charset="0"/>
+                <a:cs typeface="Courier New" panose="02070309020205020404" pitchFamily="49" charset="0"/>
+              </a:rPr>
+              <a:t>             &lt;</a:t>
+            </a:r>
+            <a:r>
+              <a:rPr lang="es-ES" sz="1100" b="1" dirty="0" err="1">
+                <a:latin typeface="Courier New" panose="02070309020205020404" pitchFamily="49" charset="0"/>
+                <a:cs typeface="Courier New" panose="02070309020205020404" pitchFamily="49" charset="0"/>
+              </a:rPr>
+              <a:t>version</a:t>
+            </a:r>
+            <a:r>
+              <a:rPr lang="es-ES" sz="1100" b="1" dirty="0">
+                <a:latin typeface="Courier New" panose="02070309020205020404" pitchFamily="49" charset="0"/>
+                <a:cs typeface="Courier New" panose="02070309020205020404" pitchFamily="49" charset="0"/>
+              </a:rPr>
+              <a:t>&gt;1.4.2.Final&lt;/</a:t>
+            </a:r>
+            <a:r>
+              <a:rPr lang="es-ES" sz="1100" b="1" dirty="0" err="1">
+                <a:latin typeface="Courier New" panose="02070309020205020404" pitchFamily="49" charset="0"/>
+                <a:cs typeface="Courier New" panose="02070309020205020404" pitchFamily="49" charset="0"/>
+              </a:rPr>
+              <a:t>version</a:t>
+            </a:r>
+            <a:r>
+              <a:rPr lang="es-ES" sz="1100" b="1" dirty="0">
+                <a:latin typeface="Courier New" panose="02070309020205020404" pitchFamily="49" charset="0"/>
+                <a:cs typeface="Courier New" panose="02070309020205020404" pitchFamily="49" charset="0"/>
+              </a:rPr>
+              <a:t>&gt;</a:t>
+            </a:r>
+          </a:p>
+          <a:p>
+            <a:r>
+              <a:rPr lang="es-ES" sz="1100" b="1" dirty="0">
+                <a:latin typeface="Courier New" panose="02070309020205020404" pitchFamily="49" charset="0"/>
+                <a:cs typeface="Courier New" panose="02070309020205020404" pitchFamily="49" charset="0"/>
+              </a:rPr>
+              <a:t>           &lt;/</a:t>
+            </a:r>
+            <a:r>
+              <a:rPr lang="es-ES" sz="1100" b="1" dirty="0" err="1">
+                <a:latin typeface="Courier New" panose="02070309020205020404" pitchFamily="49" charset="0"/>
+                <a:cs typeface="Courier New" panose="02070309020205020404" pitchFamily="49" charset="0"/>
+              </a:rPr>
+              <a:t>path</a:t>
+            </a:r>
+            <a:r>
+              <a:rPr lang="es-ES" sz="1100" b="1" dirty="0">
+                <a:latin typeface="Courier New" panose="02070309020205020404" pitchFamily="49" charset="0"/>
+                <a:cs typeface="Courier New" panose="02070309020205020404" pitchFamily="49" charset="0"/>
+              </a:rPr>
+              <a:t>&gt;</a:t>
+            </a:r>
+          </a:p>
+          <a:p>
+            <a:r>
+              <a:rPr lang="es-ES" sz="1100" b="1" dirty="0">
+                <a:latin typeface="Courier New" panose="02070309020205020404" pitchFamily="49" charset="0"/>
+                <a:cs typeface="Courier New" panose="02070309020205020404" pitchFamily="49" charset="0"/>
+              </a:rPr>
+              <a:t>         &lt;/</a:t>
+            </a:r>
+            <a:r>
+              <a:rPr lang="es-ES" sz="1100" b="1" dirty="0" err="1">
+                <a:latin typeface="Courier New" panose="02070309020205020404" pitchFamily="49" charset="0"/>
+                <a:cs typeface="Courier New" panose="02070309020205020404" pitchFamily="49" charset="0"/>
+              </a:rPr>
+              <a:t>annotationProcessorPaths</a:t>
+            </a:r>
+            <a:r>
+              <a:rPr lang="es-ES" sz="1100" b="1" dirty="0">
+                <a:latin typeface="Courier New" panose="02070309020205020404" pitchFamily="49" charset="0"/>
+                <a:cs typeface="Courier New" panose="02070309020205020404" pitchFamily="49" charset="0"/>
+              </a:rPr>
+              <a:t>&gt;</a:t>
+            </a:r>
+          </a:p>
+          <a:p>
+            <a:r>
+              <a:rPr lang="es-ES" sz="1100" b="1" dirty="0">
+                <a:latin typeface="Courier New" panose="02070309020205020404" pitchFamily="49" charset="0"/>
+                <a:cs typeface="Courier New" panose="02070309020205020404" pitchFamily="49" charset="0"/>
+              </a:rPr>
+              <a:t>      &lt;/</a:t>
+            </a:r>
+            <a:r>
+              <a:rPr lang="es-ES" sz="1100" b="1" dirty="0" err="1">
+                <a:latin typeface="Courier New" panose="02070309020205020404" pitchFamily="49" charset="0"/>
+                <a:cs typeface="Courier New" panose="02070309020205020404" pitchFamily="49" charset="0"/>
+              </a:rPr>
+              <a:t>configuration</a:t>
+            </a:r>
+            <a:r>
+              <a:rPr lang="es-ES" sz="1100" b="1" dirty="0">
+                <a:latin typeface="Courier New" panose="02070309020205020404" pitchFamily="49" charset="0"/>
+                <a:cs typeface="Courier New" panose="02070309020205020404" pitchFamily="49" charset="0"/>
+              </a:rPr>
+              <a:t>&gt;</a:t>
+            </a:r>
+          </a:p>
+          <a:p>
+            <a:r>
+              <a:rPr lang="es-ES" sz="1100" b="1" dirty="0">
+                <a:latin typeface="Courier New" panose="02070309020205020404" pitchFamily="49" charset="0"/>
+                <a:cs typeface="Courier New" panose="02070309020205020404" pitchFamily="49" charset="0"/>
+              </a:rPr>
+              <a:t>    &lt;/plugin&gt;</a:t>
+            </a:r>
+          </a:p>
+          <a:p>
+            <a:r>
+              <a:rPr lang="es-ES" sz="1100" b="1" dirty="0">
+                <a:latin typeface="Courier New" panose="02070309020205020404" pitchFamily="49" charset="0"/>
+                <a:cs typeface="Courier New" panose="02070309020205020404" pitchFamily="49" charset="0"/>
+              </a:rPr>
+              <a:t>    &lt;plugin&gt;</a:t>
+            </a:r>
+          </a:p>
+          <a:p>
+            <a:r>
+              <a:rPr lang="es-ES" sz="1100" b="1" dirty="0">
+                <a:latin typeface="Courier New" panose="02070309020205020404" pitchFamily="49" charset="0"/>
+                <a:cs typeface="Courier New" panose="02070309020205020404" pitchFamily="49" charset="0"/>
+              </a:rPr>
+              <a:t>      &lt;</a:t>
+            </a:r>
+            <a:r>
+              <a:rPr lang="es-ES" sz="1100" b="1" dirty="0" err="1">
+                <a:latin typeface="Courier New" panose="02070309020205020404" pitchFamily="49" charset="0"/>
+                <a:cs typeface="Courier New" panose="02070309020205020404" pitchFamily="49" charset="0"/>
+              </a:rPr>
+              <a:t>groupId</a:t>
+            </a:r>
+            <a:r>
+              <a:rPr lang="es-ES" sz="1100" b="1" dirty="0">
+                <a:latin typeface="Courier New" panose="02070309020205020404" pitchFamily="49" charset="0"/>
+                <a:cs typeface="Courier New" panose="02070309020205020404" pitchFamily="49" charset="0"/>
+              </a:rPr>
+              <a:t>&gt;</a:t>
+            </a:r>
+            <a:r>
+              <a:rPr lang="es-ES" sz="1100" b="1" dirty="0" err="1">
+                <a:latin typeface="Courier New" panose="02070309020205020404" pitchFamily="49" charset="0"/>
+                <a:cs typeface="Courier New" panose="02070309020205020404" pitchFamily="49" charset="0"/>
+              </a:rPr>
+              <a:t>org.springframework.boot</a:t>
+            </a:r>
+            <a:r>
+              <a:rPr lang="es-ES" sz="1100" b="1" dirty="0">
+                <a:latin typeface="Courier New" panose="02070309020205020404" pitchFamily="49" charset="0"/>
+                <a:cs typeface="Courier New" panose="02070309020205020404" pitchFamily="49" charset="0"/>
+              </a:rPr>
+              <a:t>&lt;/</a:t>
+            </a:r>
+            <a:r>
+              <a:rPr lang="es-ES" sz="1100" b="1" dirty="0" err="1">
+                <a:latin typeface="Courier New" panose="02070309020205020404" pitchFamily="49" charset="0"/>
+                <a:cs typeface="Courier New" panose="02070309020205020404" pitchFamily="49" charset="0"/>
+              </a:rPr>
+              <a:t>groupId</a:t>
+            </a:r>
+            <a:r>
+              <a:rPr lang="es-ES" sz="1100" b="1" dirty="0">
+                <a:latin typeface="Courier New" panose="02070309020205020404" pitchFamily="49" charset="0"/>
+                <a:cs typeface="Courier New" panose="02070309020205020404" pitchFamily="49" charset="0"/>
+              </a:rPr>
+              <a:t>&gt;</a:t>
+            </a:r>
+          </a:p>
+          <a:p>
+            <a:r>
+              <a:rPr lang="es-ES" sz="1100" b="1" dirty="0">
+                <a:latin typeface="Courier New" panose="02070309020205020404" pitchFamily="49" charset="0"/>
+                <a:cs typeface="Courier New" panose="02070309020205020404" pitchFamily="49" charset="0"/>
+              </a:rPr>
+              <a:t>      &lt;</a:t>
+            </a:r>
+            <a:r>
+              <a:rPr lang="es-ES" sz="1100" b="1" dirty="0" err="1">
+                <a:latin typeface="Courier New" panose="02070309020205020404" pitchFamily="49" charset="0"/>
+                <a:cs typeface="Courier New" panose="02070309020205020404" pitchFamily="49" charset="0"/>
+              </a:rPr>
+              <a:t>artifactId</a:t>
+            </a:r>
+            <a:r>
+              <a:rPr lang="es-ES" sz="1100" b="1" dirty="0">
+                <a:latin typeface="Courier New" panose="02070309020205020404" pitchFamily="49" charset="0"/>
+                <a:cs typeface="Courier New" panose="02070309020205020404" pitchFamily="49" charset="0"/>
+              </a:rPr>
+              <a:t>&gt;</a:t>
+            </a:r>
+            <a:r>
+              <a:rPr lang="es-ES" sz="1100" b="1" dirty="0" err="1">
+                <a:latin typeface="Courier New" panose="02070309020205020404" pitchFamily="49" charset="0"/>
+                <a:cs typeface="Courier New" panose="02070309020205020404" pitchFamily="49" charset="0"/>
+              </a:rPr>
+              <a:t>spring</a:t>
+            </a:r>
+            <a:r>
+              <a:rPr lang="es-ES" sz="1100" b="1" dirty="0">
+                <a:latin typeface="Courier New" panose="02070309020205020404" pitchFamily="49" charset="0"/>
+                <a:cs typeface="Courier New" panose="02070309020205020404" pitchFamily="49" charset="0"/>
+              </a:rPr>
+              <a:t>-</a:t>
+            </a:r>
+            <a:r>
+              <a:rPr lang="es-ES" sz="1100" b="1" dirty="0" err="1">
+                <a:latin typeface="Courier New" panose="02070309020205020404" pitchFamily="49" charset="0"/>
+                <a:cs typeface="Courier New" panose="02070309020205020404" pitchFamily="49" charset="0"/>
+              </a:rPr>
+              <a:t>boot</a:t>
+            </a:r>
+            <a:r>
+              <a:rPr lang="es-ES" sz="1100" b="1" dirty="0">
+                <a:latin typeface="Courier New" panose="02070309020205020404" pitchFamily="49" charset="0"/>
+                <a:cs typeface="Courier New" panose="02070309020205020404" pitchFamily="49" charset="0"/>
+              </a:rPr>
+              <a:t>-</a:t>
+            </a:r>
+            <a:r>
+              <a:rPr lang="es-ES" sz="1100" b="1" dirty="0" err="1">
+                <a:latin typeface="Courier New" panose="02070309020205020404" pitchFamily="49" charset="0"/>
+                <a:cs typeface="Courier New" panose="02070309020205020404" pitchFamily="49" charset="0"/>
+              </a:rPr>
+              <a:t>maven</a:t>
+            </a:r>
+            <a:r>
+              <a:rPr lang="es-ES" sz="1100" b="1" dirty="0">
+                <a:latin typeface="Courier New" panose="02070309020205020404" pitchFamily="49" charset="0"/>
+                <a:cs typeface="Courier New" panose="02070309020205020404" pitchFamily="49" charset="0"/>
+              </a:rPr>
+              <a:t>-plugin&lt;/</a:t>
+            </a:r>
+            <a:r>
+              <a:rPr lang="es-ES" sz="1100" b="1" dirty="0" err="1">
+                <a:latin typeface="Courier New" panose="02070309020205020404" pitchFamily="49" charset="0"/>
+                <a:cs typeface="Courier New" panose="02070309020205020404" pitchFamily="49" charset="0"/>
+              </a:rPr>
+              <a:t>artifactId</a:t>
+            </a:r>
+            <a:r>
+              <a:rPr lang="es-ES" sz="1100" b="1" dirty="0">
+                <a:latin typeface="Courier New" panose="02070309020205020404" pitchFamily="49" charset="0"/>
+                <a:cs typeface="Courier New" panose="02070309020205020404" pitchFamily="49" charset="0"/>
+              </a:rPr>
+              <a:t>&gt;</a:t>
+            </a:r>
+          </a:p>
+          <a:p>
+            <a:r>
+              <a:rPr lang="es-ES" sz="1100" b="1" dirty="0">
+                <a:latin typeface="Courier New" panose="02070309020205020404" pitchFamily="49" charset="0"/>
+                <a:cs typeface="Courier New" panose="02070309020205020404" pitchFamily="49" charset="0"/>
+              </a:rPr>
+              <a:t>    &lt;/plugin&gt;</a:t>
+            </a:r>
+          </a:p>
+          <a:p>
+            <a:r>
+              <a:rPr lang="es-ES" sz="1100" b="1" dirty="0">
+                <a:latin typeface="Courier New" panose="02070309020205020404" pitchFamily="49" charset="0"/>
+                <a:cs typeface="Courier New" panose="02070309020205020404" pitchFamily="49" charset="0"/>
+              </a:rPr>
+              <a:t>  &lt;/</a:t>
+            </a:r>
+            <a:r>
+              <a:rPr lang="es-ES" sz="1100" b="1" dirty="0" err="1">
+                <a:latin typeface="Courier New" panose="02070309020205020404" pitchFamily="49" charset="0"/>
+                <a:cs typeface="Courier New" panose="02070309020205020404" pitchFamily="49" charset="0"/>
+              </a:rPr>
+              <a:t>plugins</a:t>
+            </a:r>
+            <a:r>
+              <a:rPr lang="es-ES" sz="1100" b="1" dirty="0">
+                <a:latin typeface="Courier New" panose="02070309020205020404" pitchFamily="49" charset="0"/>
+                <a:cs typeface="Courier New" panose="02070309020205020404" pitchFamily="49" charset="0"/>
+              </a:rPr>
+              <a:t>&gt;</a:t>
+            </a:r>
+          </a:p>
+          <a:p>
+            <a:r>
+              <a:rPr lang="es-ES" sz="1100" b="1" dirty="0">
+                <a:latin typeface="Courier New" panose="02070309020205020404" pitchFamily="49" charset="0"/>
+                <a:cs typeface="Courier New" panose="02070309020205020404" pitchFamily="49" charset="0"/>
+              </a:rPr>
+              <a:t>&lt;/</a:t>
+            </a:r>
+            <a:r>
+              <a:rPr lang="es-ES" sz="1100" b="1" dirty="0" err="1">
+                <a:latin typeface="Courier New" panose="02070309020205020404" pitchFamily="49" charset="0"/>
+                <a:cs typeface="Courier New" panose="02070309020205020404" pitchFamily="49" charset="0"/>
+              </a:rPr>
+              <a:t>build</a:t>
+            </a:r>
+            <a:r>
+              <a:rPr lang="es-ES" sz="1100" b="1" dirty="0">
+                <a:latin typeface="Courier New" panose="02070309020205020404" pitchFamily="49" charset="0"/>
+                <a:cs typeface="Courier New" panose="02070309020205020404" pitchFamily="49" charset="0"/>
+              </a:rPr>
+              <a:t>&gt;</a:t>
+            </a:r>
+          </a:p>
+        </p:txBody>
+      </p:sp>
+      <p:sp>
+        <p:nvSpPr>
+          <p:cNvPr id="12" name="Google Shape;836;p57">
+            <a:extLst>
+              <a:ext uri="{FF2B5EF4-FFF2-40B4-BE49-F238E27FC236}">
+                <a16:creationId xmlns:a16="http://schemas.microsoft.com/office/drawing/2014/main" id="{229C07F2-B907-5C34-A509-0F2182A76665}"/>
+              </a:ext>
+            </a:extLst>
+          </p:cNvPr>
+          <p:cNvSpPr/>
+          <p:nvPr/>
+        </p:nvSpPr>
+        <p:spPr>
+          <a:xfrm>
+            <a:off x="5715181" y="776761"/>
+            <a:ext cx="77840" cy="239950"/>
+          </a:xfrm>
+          <a:custGeom>
+            <a:avLst/>
+            <a:gdLst/>
+            <a:ahLst/>
+            <a:cxnLst/>
+            <a:rect l="l" t="t" r="r" b="b"/>
+            <a:pathLst>
+              <a:path w="895" h="2759" extrusionOk="0">
+                <a:moveTo>
+                  <a:pt x="457" y="0"/>
+                </a:moveTo>
+                <a:cubicBezTo>
+                  <a:pt x="191" y="0"/>
+                  <a:pt x="1" y="190"/>
+                  <a:pt x="1" y="438"/>
+                </a:cubicBezTo>
+                <a:lnTo>
+                  <a:pt x="1" y="2321"/>
+                </a:lnTo>
+                <a:cubicBezTo>
+                  <a:pt x="1" y="2568"/>
+                  <a:pt x="210" y="2758"/>
+                  <a:pt x="457" y="2758"/>
+                </a:cubicBezTo>
+                <a:cubicBezTo>
+                  <a:pt x="705" y="2758"/>
+                  <a:pt x="895" y="2568"/>
+                  <a:pt x="895" y="2321"/>
+                </a:cubicBezTo>
+                <a:lnTo>
+                  <a:pt x="895" y="438"/>
+                </a:lnTo>
+                <a:cubicBezTo>
+                  <a:pt x="895" y="190"/>
+                  <a:pt x="705" y="0"/>
+                  <a:pt x="457" y="0"/>
+                </a:cubicBezTo>
+                <a:close/>
+              </a:path>
+            </a:pathLst>
+          </a:custGeom>
+          <a:solidFill>
+            <a:schemeClr val="accent3"/>
+          </a:solidFill>
+          <a:ln>
+            <a:noFill/>
+          </a:ln>
+        </p:spPr>
+        <p:txBody>
+          <a:bodyPr spcFirstLastPara="1" wrap="square" lIns="91425" tIns="91425" rIns="91425" bIns="91425" anchor="ctr" anchorCtr="0">
+            <a:noAutofit/>
+          </a:bodyPr>
+          <a:lstStyle/>
+          <a:p>
+            <a:pPr marL="0" lvl="0" indent="0" algn="l" rtl="0">
+              <a:spcBef>
+                <a:spcPts val="0"/>
+              </a:spcBef>
+              <a:spcAft>
+                <a:spcPts val="0"/>
+              </a:spcAft>
+              <a:buNone/>
+            </a:pPr>
+            <a:endParaRPr dirty="0"/>
+          </a:p>
+        </p:txBody>
+      </p:sp>
+      <p:sp>
+        <p:nvSpPr>
+          <p:cNvPr id="13" name="Google Shape;837;p57">
+            <a:extLst>
+              <a:ext uri="{FF2B5EF4-FFF2-40B4-BE49-F238E27FC236}">
+                <a16:creationId xmlns:a16="http://schemas.microsoft.com/office/drawing/2014/main" id="{722F8EDC-061B-A7CE-3030-D9680027EE06}"/>
+              </a:ext>
+            </a:extLst>
+          </p:cNvPr>
+          <p:cNvSpPr/>
+          <p:nvPr/>
+        </p:nvSpPr>
+        <p:spPr>
+          <a:xfrm>
+            <a:off x="5632474" y="857813"/>
+            <a:ext cx="243262" cy="77838"/>
+          </a:xfrm>
+          <a:custGeom>
+            <a:avLst/>
+            <a:gdLst/>
+            <a:ahLst/>
+            <a:cxnLst/>
+            <a:rect l="l" t="t" r="r" b="b"/>
+            <a:pathLst>
+              <a:path w="2797" h="895" extrusionOk="0">
+                <a:moveTo>
+                  <a:pt x="438" y="0"/>
+                </a:moveTo>
+                <a:cubicBezTo>
+                  <a:pt x="191" y="0"/>
+                  <a:pt x="1" y="190"/>
+                  <a:pt x="1" y="438"/>
+                </a:cubicBezTo>
+                <a:cubicBezTo>
+                  <a:pt x="1" y="685"/>
+                  <a:pt x="191" y="894"/>
+                  <a:pt x="438" y="894"/>
+                </a:cubicBezTo>
+                <a:lnTo>
+                  <a:pt x="2359" y="894"/>
+                </a:lnTo>
+                <a:cubicBezTo>
+                  <a:pt x="2607" y="894"/>
+                  <a:pt x="2797" y="685"/>
+                  <a:pt x="2797" y="438"/>
+                </a:cubicBezTo>
+                <a:cubicBezTo>
+                  <a:pt x="2797" y="190"/>
+                  <a:pt x="2607" y="0"/>
+                  <a:pt x="2359" y="0"/>
+                </a:cubicBezTo>
+                <a:close/>
+              </a:path>
+            </a:pathLst>
+          </a:custGeom>
+          <a:solidFill>
+            <a:schemeClr val="accent3"/>
+          </a:solidFill>
+          <a:ln>
+            <a:noFill/>
+          </a:ln>
+        </p:spPr>
+        <p:txBody>
+          <a:bodyPr spcFirstLastPara="1" wrap="square" lIns="91425" tIns="91425" rIns="91425" bIns="91425" anchor="ctr" anchorCtr="0">
+            <a:noAutofit/>
+          </a:bodyPr>
+          <a:lstStyle/>
+          <a:p>
+            <a:pPr marL="0" lvl="0" indent="0" algn="l" rtl="0">
+              <a:spcBef>
+                <a:spcPts val="0"/>
+              </a:spcBef>
+              <a:spcAft>
+                <a:spcPts val="0"/>
+              </a:spcAft>
+              <a:buNone/>
+            </a:pPr>
+            <a:endParaRPr dirty="0"/>
+          </a:p>
+        </p:txBody>
+      </p:sp>
+      <p:sp>
+        <p:nvSpPr>
+          <p:cNvPr id="14" name="Google Shape;354;p37">
+            <a:extLst>
+              <a:ext uri="{FF2B5EF4-FFF2-40B4-BE49-F238E27FC236}">
+                <a16:creationId xmlns:a16="http://schemas.microsoft.com/office/drawing/2014/main" id="{F8A146E2-19EB-70EC-00E4-16ADBB83ABEF}"/>
+              </a:ext>
+            </a:extLst>
+          </p:cNvPr>
+          <p:cNvSpPr txBox="1">
+            <a:spLocks/>
+          </p:cNvSpPr>
+          <p:nvPr/>
+        </p:nvSpPr>
+        <p:spPr>
+          <a:xfrm>
+            <a:off x="5914435" y="690702"/>
+            <a:ext cx="1207032" cy="460321"/>
+          </a:xfrm>
+          <a:prstGeom prst="rect">
+            <a:avLst/>
+          </a:prstGeom>
+        </p:spPr>
+        <p:txBody>
+          <a:bodyPr spcFirstLastPara="1" wrap="square" lIns="91425" tIns="91425" rIns="91425" bIns="91425" anchor="t" anchorCtr="0">
+            <a:noAutofit/>
+          </a:bodyPr>
+          <a:lstStyle>
+            <a:defPPr marR="0" lvl="0" algn="l" rtl="0">
+              <a:lnSpc>
+                <a:spcPct val="100000"/>
+              </a:lnSpc>
+              <a:spcBef>
+                <a:spcPts val="0"/>
+              </a:spcBef>
+              <a:spcAft>
+                <a:spcPts val="0"/>
+              </a:spcAft>
+            </a:defPPr>
+            <a:lvl1pPr marR="0" lvl="0" algn="ctr" rtl="0">
+              <a:lnSpc>
+                <a:spcPct val="100000"/>
+              </a:lnSpc>
+              <a:spcBef>
+                <a:spcPts val="0"/>
+              </a:spcBef>
+              <a:spcAft>
+                <a:spcPts val="0"/>
+              </a:spcAft>
+              <a:buClr>
+                <a:schemeClr val="accent1"/>
+              </a:buClr>
+              <a:buSzPts val="2800"/>
+              <a:buFont typeface="Ramabhadra"/>
+              <a:buNone/>
+              <a:defRPr sz="2000" b="1" i="0" u="none" strike="noStrike" cap="none">
+                <a:solidFill>
+                  <a:srgbClr val="007399"/>
+                </a:solidFill>
+                <a:latin typeface="Century Gothic" panose="020B0502020202020204" pitchFamily="34" charset="0"/>
+                <a:ea typeface="Arial Black" panose="020B0604020202020204" pitchFamily="34" charset="0"/>
+                <a:cs typeface="Arial Black" panose="020B0604020202020204" pitchFamily="34" charset="0"/>
+                <a:sym typeface="Arial"/>
+              </a:defRPr>
+            </a:lvl1pPr>
+            <a:lvl2pPr marR="0" lvl="1" algn="ctr" rtl="0">
+              <a:lnSpc>
+                <a:spcPct val="100000"/>
+              </a:lnSpc>
+              <a:spcBef>
+                <a:spcPts val="0"/>
+              </a:spcBef>
+              <a:spcAft>
+                <a:spcPts val="0"/>
+              </a:spcAft>
+              <a:buClr>
+                <a:schemeClr val="accent1"/>
+              </a:buClr>
+              <a:buSzPts val="2800"/>
+              <a:buFont typeface="Ramabhadra"/>
+              <a:buNone/>
+              <a:defRPr sz="2800" b="1" i="0" u="none" strike="noStrike" cap="none">
+                <a:solidFill>
+                  <a:schemeClr val="accent1"/>
+                </a:solidFill>
+                <a:latin typeface="Ramabhadra"/>
+                <a:ea typeface="Ramabhadra"/>
+                <a:cs typeface="Ramabhadra"/>
+                <a:sym typeface="Ramabhadra"/>
+              </a:defRPr>
+            </a:lvl2pPr>
+            <a:lvl3pPr marR="0" lvl="2" algn="ctr" rtl="0">
+              <a:lnSpc>
+                <a:spcPct val="100000"/>
+              </a:lnSpc>
+              <a:spcBef>
+                <a:spcPts val="0"/>
+              </a:spcBef>
+              <a:spcAft>
+                <a:spcPts val="0"/>
+              </a:spcAft>
+              <a:buClr>
+                <a:schemeClr val="accent1"/>
+              </a:buClr>
+              <a:buSzPts val="2800"/>
+              <a:buFont typeface="Ramabhadra"/>
+              <a:buNone/>
+              <a:defRPr sz="2800" b="1" i="0" u="none" strike="noStrike" cap="none">
+                <a:solidFill>
+                  <a:schemeClr val="accent1"/>
+                </a:solidFill>
+                <a:latin typeface="Ramabhadra"/>
+                <a:ea typeface="Ramabhadra"/>
+                <a:cs typeface="Ramabhadra"/>
+                <a:sym typeface="Ramabhadra"/>
+              </a:defRPr>
+            </a:lvl3pPr>
+            <a:lvl4pPr marR="0" lvl="3" algn="ctr" rtl="0">
+              <a:lnSpc>
+                <a:spcPct val="100000"/>
+              </a:lnSpc>
+              <a:spcBef>
+                <a:spcPts val="0"/>
+              </a:spcBef>
+              <a:spcAft>
+                <a:spcPts val="0"/>
+              </a:spcAft>
+              <a:buClr>
+                <a:schemeClr val="accent1"/>
+              </a:buClr>
+              <a:buSzPts val="2800"/>
+              <a:buFont typeface="Ramabhadra"/>
+              <a:buNone/>
+              <a:defRPr sz="2800" b="1" i="0" u="none" strike="noStrike" cap="none">
+                <a:solidFill>
+                  <a:schemeClr val="accent1"/>
+                </a:solidFill>
+                <a:latin typeface="Ramabhadra"/>
+                <a:ea typeface="Ramabhadra"/>
+                <a:cs typeface="Ramabhadra"/>
+                <a:sym typeface="Ramabhadra"/>
+              </a:defRPr>
+            </a:lvl4pPr>
+            <a:lvl5pPr marR="0" lvl="4" algn="ctr" rtl="0">
+              <a:lnSpc>
+                <a:spcPct val="100000"/>
+              </a:lnSpc>
+              <a:spcBef>
+                <a:spcPts val="0"/>
+              </a:spcBef>
+              <a:spcAft>
+                <a:spcPts val="0"/>
+              </a:spcAft>
+              <a:buClr>
+                <a:schemeClr val="accent1"/>
+              </a:buClr>
+              <a:buSzPts val="2800"/>
+              <a:buFont typeface="Ramabhadra"/>
+              <a:buNone/>
+              <a:defRPr sz="2800" b="1" i="0" u="none" strike="noStrike" cap="none">
+                <a:solidFill>
+                  <a:schemeClr val="accent1"/>
+                </a:solidFill>
+                <a:latin typeface="Ramabhadra"/>
+                <a:ea typeface="Ramabhadra"/>
+                <a:cs typeface="Ramabhadra"/>
+                <a:sym typeface="Ramabhadra"/>
+              </a:defRPr>
+            </a:lvl5pPr>
+            <a:lvl6pPr marR="0" lvl="5" algn="ctr" rtl="0">
+              <a:lnSpc>
+                <a:spcPct val="100000"/>
+              </a:lnSpc>
+              <a:spcBef>
+                <a:spcPts val="0"/>
+              </a:spcBef>
+              <a:spcAft>
+                <a:spcPts val="0"/>
+              </a:spcAft>
+              <a:buClr>
+                <a:schemeClr val="accent1"/>
+              </a:buClr>
+              <a:buSzPts val="2800"/>
+              <a:buFont typeface="Ramabhadra"/>
+              <a:buNone/>
+              <a:defRPr sz="2800" b="1" i="0" u="none" strike="noStrike" cap="none">
+                <a:solidFill>
+                  <a:schemeClr val="accent1"/>
+                </a:solidFill>
+                <a:latin typeface="Ramabhadra"/>
+                <a:ea typeface="Ramabhadra"/>
+                <a:cs typeface="Ramabhadra"/>
+                <a:sym typeface="Ramabhadra"/>
+              </a:defRPr>
+            </a:lvl6pPr>
+            <a:lvl7pPr marR="0" lvl="6" algn="ctr" rtl="0">
+              <a:lnSpc>
+                <a:spcPct val="100000"/>
+              </a:lnSpc>
+              <a:spcBef>
+                <a:spcPts val="0"/>
+              </a:spcBef>
+              <a:spcAft>
+                <a:spcPts val="0"/>
+              </a:spcAft>
+              <a:buClr>
+                <a:schemeClr val="accent1"/>
+              </a:buClr>
+              <a:buSzPts val="2800"/>
+              <a:buFont typeface="Ramabhadra"/>
+              <a:buNone/>
+              <a:defRPr sz="2800" b="1" i="0" u="none" strike="noStrike" cap="none">
+                <a:solidFill>
+                  <a:schemeClr val="accent1"/>
+                </a:solidFill>
+                <a:latin typeface="Ramabhadra"/>
+                <a:ea typeface="Ramabhadra"/>
+                <a:cs typeface="Ramabhadra"/>
+                <a:sym typeface="Ramabhadra"/>
+              </a:defRPr>
+            </a:lvl7pPr>
+            <a:lvl8pPr marR="0" lvl="7" algn="ctr" rtl="0">
+              <a:lnSpc>
+                <a:spcPct val="100000"/>
+              </a:lnSpc>
+              <a:spcBef>
+                <a:spcPts val="0"/>
+              </a:spcBef>
+              <a:spcAft>
+                <a:spcPts val="0"/>
+              </a:spcAft>
+              <a:buClr>
+                <a:schemeClr val="accent1"/>
+              </a:buClr>
+              <a:buSzPts val="2800"/>
+              <a:buFont typeface="Ramabhadra"/>
+              <a:buNone/>
+              <a:defRPr sz="2800" b="1" i="0" u="none" strike="noStrike" cap="none">
+                <a:solidFill>
+                  <a:schemeClr val="accent1"/>
+                </a:solidFill>
+                <a:latin typeface="Ramabhadra"/>
+                <a:ea typeface="Ramabhadra"/>
+                <a:cs typeface="Ramabhadra"/>
+                <a:sym typeface="Ramabhadra"/>
+              </a:defRPr>
+            </a:lvl8pPr>
+            <a:lvl9pPr marR="0" lvl="8" algn="ctr" rtl="0">
+              <a:lnSpc>
+                <a:spcPct val="100000"/>
+              </a:lnSpc>
+              <a:spcBef>
+                <a:spcPts val="0"/>
+              </a:spcBef>
+              <a:spcAft>
+                <a:spcPts val="0"/>
+              </a:spcAft>
+              <a:buClr>
+                <a:schemeClr val="accent1"/>
+              </a:buClr>
+              <a:buSzPts val="2800"/>
+              <a:buFont typeface="Ramabhadra"/>
+              <a:buNone/>
+              <a:defRPr sz="2800" b="1" i="0" u="none" strike="noStrike" cap="none">
+                <a:solidFill>
+                  <a:schemeClr val="accent1"/>
+                </a:solidFill>
+                <a:latin typeface="Ramabhadra"/>
+                <a:ea typeface="Ramabhadra"/>
+                <a:cs typeface="Ramabhadra"/>
+                <a:sym typeface="Ramabhadra"/>
+              </a:defRPr>
+            </a:lvl9pPr>
+          </a:lstStyle>
+          <a:p>
+            <a:pPr algn="l"/>
+            <a:r>
+              <a:rPr lang="es-ES" sz="1600" dirty="0" err="1"/>
+              <a:t>Build</a:t>
+            </a:r>
+            <a:endParaRPr lang="es-ES" sz="1600" dirty="0">
+              <a:solidFill>
+                <a:schemeClr val="accent3"/>
+              </a:solidFill>
+            </a:endParaRPr>
+          </a:p>
+        </p:txBody>
+      </p:sp>
+    </p:spTree>
+    <p:extLst>
+      <p:ext uri="{BB962C8B-B14F-4D97-AF65-F5344CB8AC3E}">
+        <p14:creationId xmlns:p14="http://schemas.microsoft.com/office/powerpoint/2010/main" val="479957724"/>
+      </p:ext>
+    </p:extLst>
+  </p:cSld>
+  <p:clrMapOvr>
+    <a:masterClrMapping/>
+  </p:clrMapOvr>
+</p:sld>
+</file>
+
+<file path=ppt/slides/slide11.xml><?xml version="1.0" encoding="utf-8"?>
+<p:sld xmlns:a="http://schemas.openxmlformats.org/drawingml/2006/main" xmlns:r="http://schemas.openxmlformats.org/officeDocument/2006/relationships" xmlns:p="http://schemas.openxmlformats.org/presentationml/2006/main">
+  <p:cSld>
+    <p:spTree>
+      <p:nvGrpSpPr>
+        <p:cNvPr id="1" name="Shape 353"/>
+        <p:cNvGrpSpPr/>
+        <p:nvPr/>
+      </p:nvGrpSpPr>
+      <p:grpSpPr>
+        <a:xfrm>
+          <a:off x="0" y="0"/>
+          <a:ext cx="0" cy="0"/>
+          <a:chOff x="0" y="0"/>
+          <a:chExt cx="0" cy="0"/>
+        </a:xfrm>
+      </p:grpSpPr>
+      <p:sp>
+        <p:nvSpPr>
+          <p:cNvPr id="354" name="Google Shape;354;p37"/>
+          <p:cNvSpPr txBox="1">
+            <a:spLocks noGrp="1"/>
+          </p:cNvSpPr>
+          <p:nvPr>
+            <p:ph type="title"/>
+          </p:nvPr>
+        </p:nvSpPr>
+        <p:spPr>
+          <a:xfrm>
+            <a:off x="714375" y="190941"/>
+            <a:ext cx="7715250" cy="571500"/>
+          </a:xfrm>
+          <a:prstGeom prst="rect">
+            <a:avLst/>
+          </a:prstGeom>
+        </p:spPr>
+        <p:txBody>
+          <a:bodyPr spcFirstLastPara="1" wrap="square" lIns="91425" tIns="91425" rIns="91425" bIns="91425" anchor="t" anchorCtr="0">
+            <a:noAutofit/>
+          </a:bodyPr>
+          <a:lstStyle/>
+          <a:p>
+            <a:pPr lvl="0" algn="ctr"/>
+            <a:r>
+              <a:rPr lang="es-ES" dirty="0">
+                <a:latin typeface="Century Gothic" panose="020B0502020202020204" pitchFamily="34" charset="0"/>
+              </a:rPr>
+              <a:t>MAVEN</a:t>
+            </a:r>
+            <a:endParaRPr dirty="0">
+              <a:solidFill>
+                <a:schemeClr val="accent3"/>
+              </a:solidFill>
+              <a:latin typeface="Century Gothic" panose="020B0502020202020204" pitchFamily="34" charset="0"/>
+            </a:endParaRPr>
+          </a:p>
+        </p:txBody>
+      </p:sp>
+      <p:pic>
+        <p:nvPicPr>
+          <p:cNvPr id="3078" name="Picture 6">
+            <a:extLst>
+              <a:ext uri="{FF2B5EF4-FFF2-40B4-BE49-F238E27FC236}">
+                <a16:creationId xmlns:a16="http://schemas.microsoft.com/office/drawing/2014/main" id="{852C7473-011A-5322-4419-6F6DE03BF6C9}"/>
+              </a:ext>
+            </a:extLst>
+          </p:cNvPr>
+          <p:cNvPicPr>
+            <a:picLocks noChangeAspect="1" noChangeArrowheads="1"/>
+          </p:cNvPicPr>
+          <p:nvPr/>
+        </p:nvPicPr>
+        <p:blipFill>
+          <a:blip r:embed="rId3">
+            <a:extLst>
+              <a:ext uri="{28A0092B-C50C-407E-A947-70E740481C1C}">
+                <a14:useLocalDpi xmlns:a14="http://schemas.microsoft.com/office/drawing/2010/main" val="0"/>
+              </a:ext>
+            </a:extLst>
+          </a:blip>
+          <a:srcRect/>
+          <a:stretch>
+            <a:fillRect/>
+          </a:stretch>
+        </p:blipFill>
+        <p:spPr bwMode="auto">
+          <a:xfrm>
+            <a:off x="7402995" y="4694405"/>
+            <a:ext cx="1706321" cy="431352"/>
+          </a:xfrm>
+          <a:prstGeom prst="rect">
+            <a:avLst/>
+          </a:prstGeom>
+          <a:noFill/>
+          <a:extLst>
+            <a:ext uri="{909E8E84-426E-40DD-AFC4-6F175D3DCCD1}">
+              <a14:hiddenFill xmlns:a14="http://schemas.microsoft.com/office/drawing/2010/main">
+                <a:solidFill>
+                  <a:srgbClr val="FFFFFF"/>
+                </a:solidFill>
+              </a14:hiddenFill>
+            </a:ext>
+          </a:extLst>
+        </p:spPr>
+      </p:pic>
+      <p:sp>
+        <p:nvSpPr>
+          <p:cNvPr id="6" name="Google Shape;653;p49">
+            <a:extLst>
+              <a:ext uri="{FF2B5EF4-FFF2-40B4-BE49-F238E27FC236}">
+                <a16:creationId xmlns:a16="http://schemas.microsoft.com/office/drawing/2014/main" id="{080DA087-5F1B-0494-622C-9A95B620EC99}"/>
+              </a:ext>
+            </a:extLst>
+          </p:cNvPr>
+          <p:cNvSpPr txBox="1">
+            <a:spLocks/>
+          </p:cNvSpPr>
+          <p:nvPr/>
+        </p:nvSpPr>
+        <p:spPr>
+          <a:xfrm>
+            <a:off x="3593373" y="1574987"/>
+            <a:ext cx="2867025" cy="527050"/>
+          </a:xfrm>
+          <a:prstGeom prst="rect">
+            <a:avLst/>
+          </a:prstGeom>
+        </p:spPr>
+        <p:txBody>
+          <a:bodyPr spcFirstLastPara="1" wrap="square" lIns="91425" tIns="91425" rIns="91425" bIns="91425" anchor="ctr" anchorCtr="0">
+            <a:noAutofit/>
+          </a:bodyPr>
+          <a:lstStyle>
+            <a:defPPr marR="0" lvl="0" algn="l" rtl="0">
+              <a:lnSpc>
+                <a:spcPct val="100000"/>
+              </a:lnSpc>
+              <a:spcBef>
+                <a:spcPts val="0"/>
+              </a:spcBef>
+              <a:spcAft>
+                <a:spcPts val="0"/>
+              </a:spcAft>
+            </a:defPPr>
+            <a:lvl1pPr marR="0" lvl="0" algn="ctr" rtl="0">
+              <a:lnSpc>
+                <a:spcPct val="100000"/>
+              </a:lnSpc>
+              <a:spcBef>
+                <a:spcPts val="0"/>
+              </a:spcBef>
+              <a:spcAft>
+                <a:spcPts val="0"/>
+              </a:spcAft>
+              <a:buClr>
+                <a:schemeClr val="accent1"/>
+              </a:buClr>
+              <a:buSzPts val="2800"/>
+              <a:buFont typeface="Ramabhadra"/>
+              <a:buNone/>
+              <a:defRPr sz="2000" b="1" i="0" u="none" strike="noStrike" cap="none">
+                <a:solidFill>
+                  <a:srgbClr val="007399"/>
+                </a:solidFill>
+                <a:latin typeface="Century Gothic" panose="020B0502020202020204" pitchFamily="34" charset="0"/>
+                <a:ea typeface="Arial Black" panose="020B0604020202020204" pitchFamily="34" charset="0"/>
+                <a:cs typeface="Arial Black" panose="020B0604020202020204" pitchFamily="34" charset="0"/>
+                <a:sym typeface="Arial"/>
+              </a:defRPr>
+            </a:lvl1pPr>
+            <a:lvl2pPr marR="0" lvl="1" algn="ctr" rtl="0">
+              <a:lnSpc>
+                <a:spcPct val="100000"/>
+              </a:lnSpc>
+              <a:spcBef>
+                <a:spcPts val="0"/>
+              </a:spcBef>
+              <a:spcAft>
+                <a:spcPts val="0"/>
+              </a:spcAft>
+              <a:buClr>
+                <a:schemeClr val="accent1"/>
+              </a:buClr>
+              <a:buSzPts val="2800"/>
+              <a:buFont typeface="Ramabhadra"/>
+              <a:buNone/>
+              <a:defRPr sz="2800" b="1" i="0" u="none" strike="noStrike" cap="none">
+                <a:solidFill>
+                  <a:schemeClr val="accent1"/>
+                </a:solidFill>
+                <a:latin typeface="Ramabhadra"/>
+                <a:ea typeface="Ramabhadra"/>
+                <a:cs typeface="Ramabhadra"/>
+                <a:sym typeface="Ramabhadra"/>
+              </a:defRPr>
+            </a:lvl2pPr>
+            <a:lvl3pPr marR="0" lvl="2" algn="ctr" rtl="0">
+              <a:lnSpc>
+                <a:spcPct val="100000"/>
+              </a:lnSpc>
+              <a:spcBef>
+                <a:spcPts val="0"/>
+              </a:spcBef>
+              <a:spcAft>
+                <a:spcPts val="0"/>
+              </a:spcAft>
+              <a:buClr>
+                <a:schemeClr val="accent1"/>
+              </a:buClr>
+              <a:buSzPts val="2800"/>
+              <a:buFont typeface="Ramabhadra"/>
+              <a:buNone/>
+              <a:defRPr sz="2800" b="1" i="0" u="none" strike="noStrike" cap="none">
+                <a:solidFill>
+                  <a:schemeClr val="accent1"/>
+                </a:solidFill>
+                <a:latin typeface="Ramabhadra"/>
+                <a:ea typeface="Ramabhadra"/>
+                <a:cs typeface="Ramabhadra"/>
+                <a:sym typeface="Ramabhadra"/>
+              </a:defRPr>
+            </a:lvl3pPr>
+            <a:lvl4pPr marR="0" lvl="3" algn="ctr" rtl="0">
+              <a:lnSpc>
+                <a:spcPct val="100000"/>
+              </a:lnSpc>
+              <a:spcBef>
+                <a:spcPts val="0"/>
+              </a:spcBef>
+              <a:spcAft>
+                <a:spcPts val="0"/>
+              </a:spcAft>
+              <a:buClr>
+                <a:schemeClr val="accent1"/>
+              </a:buClr>
+              <a:buSzPts val="2800"/>
+              <a:buFont typeface="Ramabhadra"/>
+              <a:buNone/>
+              <a:defRPr sz="2800" b="1" i="0" u="none" strike="noStrike" cap="none">
+                <a:solidFill>
+                  <a:schemeClr val="accent1"/>
+                </a:solidFill>
+                <a:latin typeface="Ramabhadra"/>
+                <a:ea typeface="Ramabhadra"/>
+                <a:cs typeface="Ramabhadra"/>
+                <a:sym typeface="Ramabhadra"/>
+              </a:defRPr>
+            </a:lvl4pPr>
+            <a:lvl5pPr marR="0" lvl="4" algn="ctr" rtl="0">
+              <a:lnSpc>
+                <a:spcPct val="100000"/>
+              </a:lnSpc>
+              <a:spcBef>
+                <a:spcPts val="0"/>
+              </a:spcBef>
+              <a:spcAft>
+                <a:spcPts val="0"/>
+              </a:spcAft>
+              <a:buClr>
+                <a:schemeClr val="accent1"/>
+              </a:buClr>
+              <a:buSzPts val="2800"/>
+              <a:buFont typeface="Ramabhadra"/>
+              <a:buNone/>
+              <a:defRPr sz="2800" b="1" i="0" u="none" strike="noStrike" cap="none">
+                <a:solidFill>
+                  <a:schemeClr val="accent1"/>
+                </a:solidFill>
+                <a:latin typeface="Ramabhadra"/>
+                <a:ea typeface="Ramabhadra"/>
+                <a:cs typeface="Ramabhadra"/>
+                <a:sym typeface="Ramabhadra"/>
+              </a:defRPr>
+            </a:lvl5pPr>
+            <a:lvl6pPr marR="0" lvl="5" algn="ctr" rtl="0">
+              <a:lnSpc>
+                <a:spcPct val="100000"/>
+              </a:lnSpc>
+              <a:spcBef>
+                <a:spcPts val="0"/>
+              </a:spcBef>
+              <a:spcAft>
+                <a:spcPts val="0"/>
+              </a:spcAft>
+              <a:buClr>
+                <a:schemeClr val="accent1"/>
+              </a:buClr>
+              <a:buSzPts val="2800"/>
+              <a:buFont typeface="Ramabhadra"/>
+              <a:buNone/>
+              <a:defRPr sz="2800" b="1" i="0" u="none" strike="noStrike" cap="none">
+                <a:solidFill>
+                  <a:schemeClr val="accent1"/>
+                </a:solidFill>
+                <a:latin typeface="Ramabhadra"/>
+                <a:ea typeface="Ramabhadra"/>
+                <a:cs typeface="Ramabhadra"/>
+                <a:sym typeface="Ramabhadra"/>
+              </a:defRPr>
+            </a:lvl6pPr>
+            <a:lvl7pPr marR="0" lvl="6" algn="ctr" rtl="0">
+              <a:lnSpc>
+                <a:spcPct val="100000"/>
+              </a:lnSpc>
+              <a:spcBef>
+                <a:spcPts val="0"/>
+              </a:spcBef>
+              <a:spcAft>
+                <a:spcPts val="0"/>
+              </a:spcAft>
+              <a:buClr>
+                <a:schemeClr val="accent1"/>
+              </a:buClr>
+              <a:buSzPts val="2800"/>
+              <a:buFont typeface="Ramabhadra"/>
+              <a:buNone/>
+              <a:defRPr sz="2800" b="1" i="0" u="none" strike="noStrike" cap="none">
+                <a:solidFill>
+                  <a:schemeClr val="accent1"/>
+                </a:solidFill>
+                <a:latin typeface="Ramabhadra"/>
+                <a:ea typeface="Ramabhadra"/>
+                <a:cs typeface="Ramabhadra"/>
+                <a:sym typeface="Ramabhadra"/>
+              </a:defRPr>
+            </a:lvl7pPr>
+            <a:lvl8pPr marR="0" lvl="7" algn="ctr" rtl="0">
+              <a:lnSpc>
+                <a:spcPct val="100000"/>
+              </a:lnSpc>
+              <a:spcBef>
+                <a:spcPts val="0"/>
+              </a:spcBef>
+              <a:spcAft>
+                <a:spcPts val="0"/>
+              </a:spcAft>
+              <a:buClr>
+                <a:schemeClr val="accent1"/>
+              </a:buClr>
+              <a:buSzPts val="2800"/>
+              <a:buFont typeface="Ramabhadra"/>
+              <a:buNone/>
+              <a:defRPr sz="2800" b="1" i="0" u="none" strike="noStrike" cap="none">
+                <a:solidFill>
+                  <a:schemeClr val="accent1"/>
+                </a:solidFill>
+                <a:latin typeface="Ramabhadra"/>
+                <a:ea typeface="Ramabhadra"/>
+                <a:cs typeface="Ramabhadra"/>
+                <a:sym typeface="Ramabhadra"/>
+              </a:defRPr>
+            </a:lvl8pPr>
+            <a:lvl9pPr marR="0" lvl="8" algn="ctr" rtl="0">
+              <a:lnSpc>
+                <a:spcPct val="100000"/>
+              </a:lnSpc>
+              <a:spcBef>
+                <a:spcPts val="0"/>
+              </a:spcBef>
+              <a:spcAft>
+                <a:spcPts val="0"/>
+              </a:spcAft>
+              <a:buClr>
+                <a:schemeClr val="accent1"/>
+              </a:buClr>
+              <a:buSzPts val="2800"/>
+              <a:buFont typeface="Ramabhadra"/>
+              <a:buNone/>
+              <a:defRPr sz="2800" b="1" i="0" u="none" strike="noStrike" cap="none">
+                <a:solidFill>
+                  <a:schemeClr val="accent1"/>
+                </a:solidFill>
+                <a:latin typeface="Ramabhadra"/>
+                <a:ea typeface="Ramabhadra"/>
+                <a:cs typeface="Ramabhadra"/>
+                <a:sym typeface="Ramabhadra"/>
+              </a:defRPr>
+            </a:lvl9pPr>
+          </a:lstStyle>
+          <a:p>
+            <a:pPr algn="l"/>
+            <a:r>
+              <a:rPr lang="es-ES" sz="2400" dirty="0"/>
+              <a:t>Maven </a:t>
+            </a:r>
+            <a:r>
+              <a:rPr lang="es-ES" sz="2400" dirty="0" err="1"/>
+              <a:t>Repository</a:t>
+            </a:r>
+            <a:endParaRPr lang="es-ES" sz="2400" dirty="0"/>
+          </a:p>
+        </p:txBody>
+      </p:sp>
+      <p:sp>
+        <p:nvSpPr>
+          <p:cNvPr id="7" name="Google Shape;654;p49">
+            <a:extLst>
+              <a:ext uri="{FF2B5EF4-FFF2-40B4-BE49-F238E27FC236}">
+                <a16:creationId xmlns:a16="http://schemas.microsoft.com/office/drawing/2014/main" id="{90F73D1C-8C7F-95E2-3271-E88373C78478}"/>
+              </a:ext>
+            </a:extLst>
+          </p:cNvPr>
+          <p:cNvSpPr txBox="1">
+            <a:spLocks/>
+          </p:cNvSpPr>
+          <p:nvPr/>
+        </p:nvSpPr>
+        <p:spPr>
+          <a:xfrm>
+            <a:off x="3593373" y="2048062"/>
+            <a:ext cx="3557122" cy="307777"/>
+          </a:xfrm>
+          <a:prstGeom prst="rect">
+            <a:avLst/>
+          </a:prstGeom>
+        </p:spPr>
+        <p:txBody>
+          <a:bodyPr spcFirstLastPara="1" wrap="square" lIns="91425" tIns="91425" rIns="91425" bIns="91425" anchor="ctr" anchorCtr="0">
+            <a:noAutofit/>
+          </a:bodyPr>
+          <a:lstStyle>
+            <a:defPPr marR="0" lvl="0" algn="l" rtl="0">
+              <a:lnSpc>
+                <a:spcPct val="100000"/>
+              </a:lnSpc>
+              <a:spcBef>
+                <a:spcPts val="0"/>
+              </a:spcBef>
+              <a:spcAft>
+                <a:spcPts val="0"/>
+              </a:spcAft>
+            </a:defPPr>
+            <a:lvl1pPr marR="0" lvl="0" algn="l" rtl="0">
+              <a:lnSpc>
+                <a:spcPct val="100000"/>
+              </a:lnSpc>
+              <a:spcBef>
+                <a:spcPts val="0"/>
+              </a:spcBef>
+              <a:spcAft>
+                <a:spcPts val="0"/>
+              </a:spcAft>
+              <a:buClr>
+                <a:srgbClr val="000000"/>
+              </a:buClr>
+              <a:buFont typeface="Arial"/>
+              <a:defRPr sz="1400" b="0" i="0" u="none" strike="noStrike" cap="none">
+                <a:solidFill>
+                  <a:srgbClr val="000000"/>
+                </a:solidFill>
+                <a:latin typeface="Arial"/>
+                <a:ea typeface="Arial"/>
+                <a:cs typeface="Arial"/>
+                <a:sym typeface="Arial"/>
+              </a:defRPr>
+            </a:lvl1pPr>
+            <a:lvl2pPr marR="0" lvl="1" algn="l" rtl="0">
+              <a:lnSpc>
+                <a:spcPct val="100000"/>
+              </a:lnSpc>
+              <a:spcBef>
+                <a:spcPts val="0"/>
+              </a:spcBef>
+              <a:spcAft>
+                <a:spcPts val="0"/>
+              </a:spcAft>
+              <a:buClr>
+                <a:srgbClr val="000000"/>
+              </a:buClr>
+              <a:buFont typeface="Arial"/>
+              <a:defRPr sz="1400" b="0" i="0" u="none" strike="noStrike" cap="none">
+                <a:solidFill>
+                  <a:srgbClr val="000000"/>
+                </a:solidFill>
+                <a:latin typeface="Arial"/>
+                <a:ea typeface="Arial"/>
+                <a:cs typeface="Arial"/>
+                <a:sym typeface="Arial"/>
+              </a:defRPr>
+            </a:lvl2pPr>
+            <a:lvl3pPr marR="0" lvl="2" algn="l" rtl="0">
+              <a:lnSpc>
+                <a:spcPct val="100000"/>
+              </a:lnSpc>
+              <a:spcBef>
+                <a:spcPts val="0"/>
+              </a:spcBef>
+              <a:spcAft>
+                <a:spcPts val="0"/>
+              </a:spcAft>
+              <a:buClr>
+                <a:srgbClr val="000000"/>
+              </a:buClr>
+              <a:buFont typeface="Arial"/>
+              <a:defRPr sz="1400" b="0" i="0" u="none" strike="noStrike" cap="none">
+                <a:solidFill>
+                  <a:srgbClr val="000000"/>
+                </a:solidFill>
+                <a:latin typeface="Arial"/>
+                <a:ea typeface="Arial"/>
+                <a:cs typeface="Arial"/>
+                <a:sym typeface="Arial"/>
+              </a:defRPr>
+            </a:lvl3pPr>
+            <a:lvl4pPr marR="0" lvl="3" algn="l" rtl="0">
+              <a:lnSpc>
+                <a:spcPct val="100000"/>
+              </a:lnSpc>
+              <a:spcBef>
+                <a:spcPts val="0"/>
+              </a:spcBef>
+              <a:spcAft>
+                <a:spcPts val="0"/>
+              </a:spcAft>
+              <a:buClr>
+                <a:srgbClr val="000000"/>
+              </a:buClr>
+              <a:buFont typeface="Arial"/>
+              <a:defRPr sz="1400" b="0" i="0" u="none" strike="noStrike" cap="none">
+                <a:solidFill>
+                  <a:srgbClr val="000000"/>
+                </a:solidFill>
+                <a:latin typeface="Arial"/>
+                <a:ea typeface="Arial"/>
+                <a:cs typeface="Arial"/>
+                <a:sym typeface="Arial"/>
+              </a:defRPr>
+            </a:lvl4pPr>
+            <a:lvl5pPr marR="0" lvl="4" algn="l" rtl="0">
+              <a:lnSpc>
+                <a:spcPct val="100000"/>
+              </a:lnSpc>
+              <a:spcBef>
+                <a:spcPts val="0"/>
+              </a:spcBef>
+              <a:spcAft>
+                <a:spcPts val="0"/>
+              </a:spcAft>
+              <a:buClr>
+                <a:srgbClr val="000000"/>
+              </a:buClr>
+              <a:buFont typeface="Arial"/>
+              <a:defRPr sz="1400" b="0" i="0" u="none" strike="noStrike" cap="none">
+                <a:solidFill>
+                  <a:srgbClr val="000000"/>
+                </a:solidFill>
+                <a:latin typeface="Arial"/>
+                <a:ea typeface="Arial"/>
+                <a:cs typeface="Arial"/>
+                <a:sym typeface="Arial"/>
+              </a:defRPr>
+            </a:lvl5pPr>
+            <a:lvl6pPr marR="0" lvl="5" algn="l" rtl="0">
+              <a:lnSpc>
+                <a:spcPct val="100000"/>
+              </a:lnSpc>
+              <a:spcBef>
+                <a:spcPts val="0"/>
+              </a:spcBef>
+              <a:spcAft>
+                <a:spcPts val="0"/>
+              </a:spcAft>
+              <a:buClr>
+                <a:srgbClr val="000000"/>
+              </a:buClr>
+              <a:buFont typeface="Arial"/>
+              <a:defRPr sz="1400" b="0" i="0" u="none" strike="noStrike" cap="none">
+                <a:solidFill>
+                  <a:srgbClr val="000000"/>
+                </a:solidFill>
+                <a:latin typeface="Arial"/>
+                <a:ea typeface="Arial"/>
+                <a:cs typeface="Arial"/>
+                <a:sym typeface="Arial"/>
+              </a:defRPr>
+            </a:lvl6pPr>
+            <a:lvl7pPr marR="0" lvl="6" algn="l" rtl="0">
+              <a:lnSpc>
+                <a:spcPct val="100000"/>
+              </a:lnSpc>
+              <a:spcBef>
+                <a:spcPts val="0"/>
+              </a:spcBef>
+              <a:spcAft>
+                <a:spcPts val="0"/>
+              </a:spcAft>
+              <a:buClr>
+                <a:srgbClr val="000000"/>
+              </a:buClr>
+              <a:buFont typeface="Arial"/>
+              <a:defRPr sz="1400" b="0" i="0" u="none" strike="noStrike" cap="none">
+                <a:solidFill>
+                  <a:srgbClr val="000000"/>
+                </a:solidFill>
+                <a:latin typeface="Arial"/>
+                <a:ea typeface="Arial"/>
+                <a:cs typeface="Arial"/>
+                <a:sym typeface="Arial"/>
+              </a:defRPr>
+            </a:lvl7pPr>
+            <a:lvl8pPr marR="0" lvl="7" algn="l" rtl="0">
+              <a:lnSpc>
+                <a:spcPct val="100000"/>
+              </a:lnSpc>
+              <a:spcBef>
+                <a:spcPts val="0"/>
+              </a:spcBef>
+              <a:spcAft>
+                <a:spcPts val="0"/>
+              </a:spcAft>
+              <a:buClr>
+                <a:srgbClr val="000000"/>
+              </a:buClr>
+              <a:buFont typeface="Arial"/>
+              <a:defRPr sz="1400" b="0" i="0" u="none" strike="noStrike" cap="none">
+                <a:solidFill>
+                  <a:srgbClr val="000000"/>
+                </a:solidFill>
+                <a:latin typeface="Arial"/>
+                <a:ea typeface="Arial"/>
+                <a:cs typeface="Arial"/>
+                <a:sym typeface="Arial"/>
+              </a:defRPr>
+            </a:lvl8pPr>
+            <a:lvl9pPr marR="0" lvl="8" algn="l" rtl="0">
+              <a:lnSpc>
+                <a:spcPct val="100000"/>
+              </a:lnSpc>
+              <a:spcBef>
+                <a:spcPts val="0"/>
+              </a:spcBef>
+              <a:spcAft>
+                <a:spcPts val="0"/>
+              </a:spcAft>
+              <a:buClr>
+                <a:srgbClr val="000000"/>
+              </a:buClr>
+              <a:buFont typeface="Arial"/>
+              <a:defRPr sz="1400" b="0" i="0" u="none" strike="noStrike" cap="none">
+                <a:solidFill>
+                  <a:srgbClr val="000000"/>
+                </a:solidFill>
+                <a:latin typeface="Arial"/>
+                <a:ea typeface="Arial"/>
+                <a:cs typeface="Arial"/>
+                <a:sym typeface="Arial"/>
+              </a:defRPr>
+            </a:lvl9pPr>
+          </a:lstStyle>
+          <a:p>
+            <a:r>
+              <a:rPr lang="es-ES" sz="1200" dirty="0">
+                <a:solidFill>
+                  <a:srgbClr val="007399"/>
+                </a:solidFill>
+              </a:rPr>
+              <a:t>https://mvnrepository.com/repos/central</a:t>
+            </a:r>
+          </a:p>
+        </p:txBody>
+      </p:sp>
+      <p:sp>
+        <p:nvSpPr>
+          <p:cNvPr id="15" name="Google Shape;662;p49">
+            <a:extLst>
+              <a:ext uri="{FF2B5EF4-FFF2-40B4-BE49-F238E27FC236}">
+                <a16:creationId xmlns:a16="http://schemas.microsoft.com/office/drawing/2014/main" id="{7F002FA5-99EE-328F-B049-3A3EE1102B6C}"/>
+              </a:ext>
+            </a:extLst>
+          </p:cNvPr>
+          <p:cNvSpPr/>
+          <p:nvPr/>
+        </p:nvSpPr>
+        <p:spPr>
+          <a:xfrm>
+            <a:off x="2764973" y="1645430"/>
+            <a:ext cx="695400" cy="677400"/>
+          </a:xfrm>
+          <a:prstGeom prst="roundRect">
+            <a:avLst>
+              <a:gd name="adj" fmla="val 16667"/>
+            </a:avLst>
+          </a:prstGeom>
+          <a:solidFill>
+            <a:srgbClr val="F3B734"/>
+          </a:solidFill>
+          <a:ln>
+            <a:noFill/>
+          </a:ln>
+        </p:spPr>
+        <p:txBody>
+          <a:bodyPr spcFirstLastPara="1" wrap="square" lIns="91425" tIns="91425" rIns="91425" bIns="91425" anchor="ctr" anchorCtr="0">
+            <a:noAutofit/>
+          </a:bodyPr>
+          <a:lstStyle/>
+          <a:p>
+            <a:pPr marL="0" lvl="0" indent="0" algn="l" rtl="0">
+              <a:spcBef>
+                <a:spcPts val="0"/>
+              </a:spcBef>
+              <a:spcAft>
+                <a:spcPts val="0"/>
+              </a:spcAft>
+              <a:buNone/>
+            </a:pPr>
+            <a:endParaRPr dirty="0"/>
+          </a:p>
+        </p:txBody>
+      </p:sp>
+      <p:grpSp>
+        <p:nvGrpSpPr>
+          <p:cNvPr id="16" name="Google Shape;671;p49">
+            <a:extLst>
+              <a:ext uri="{FF2B5EF4-FFF2-40B4-BE49-F238E27FC236}">
+                <a16:creationId xmlns:a16="http://schemas.microsoft.com/office/drawing/2014/main" id="{93353D5D-7203-5702-AFE2-80C268EC23F0}"/>
+              </a:ext>
+            </a:extLst>
+          </p:cNvPr>
+          <p:cNvGrpSpPr/>
+          <p:nvPr/>
+        </p:nvGrpSpPr>
+        <p:grpSpPr>
+          <a:xfrm>
+            <a:off x="2966634" y="1814494"/>
+            <a:ext cx="292078" cy="339253"/>
+            <a:chOff x="4492800" y="2027925"/>
+            <a:chExt cx="414825" cy="481825"/>
+          </a:xfrm>
+        </p:grpSpPr>
+        <p:sp>
+          <p:nvSpPr>
+            <p:cNvPr id="17" name="Google Shape;672;p49">
+              <a:extLst>
+                <a:ext uri="{FF2B5EF4-FFF2-40B4-BE49-F238E27FC236}">
+                  <a16:creationId xmlns:a16="http://schemas.microsoft.com/office/drawing/2014/main" id="{9082FAF1-90C9-2F0E-8DC7-957D47E23BF9}"/>
+                </a:ext>
+              </a:extLst>
+            </p:cNvPr>
+            <p:cNvSpPr/>
+            <p:nvPr/>
+          </p:nvSpPr>
+          <p:spPr>
+            <a:xfrm>
+              <a:off x="4492800" y="2027925"/>
+              <a:ext cx="54600" cy="481825"/>
+            </a:xfrm>
+            <a:custGeom>
+              <a:avLst/>
+              <a:gdLst/>
+              <a:ahLst/>
+              <a:cxnLst/>
+              <a:rect l="l" t="t" r="r" b="b"/>
+              <a:pathLst>
+                <a:path w="2184" h="19273" extrusionOk="0">
+                  <a:moveTo>
+                    <a:pt x="912" y="1"/>
+                  </a:moveTo>
+                  <a:cubicBezTo>
+                    <a:pt x="407" y="1"/>
+                    <a:pt x="0" y="407"/>
+                    <a:pt x="0" y="913"/>
+                  </a:cubicBezTo>
+                  <a:lnTo>
+                    <a:pt x="0" y="18360"/>
+                  </a:lnTo>
+                  <a:cubicBezTo>
+                    <a:pt x="0" y="18866"/>
+                    <a:pt x="407" y="19273"/>
+                    <a:pt x="912" y="19273"/>
+                  </a:cubicBezTo>
+                  <a:lnTo>
+                    <a:pt x="1271" y="19273"/>
+                  </a:lnTo>
+                  <a:cubicBezTo>
+                    <a:pt x="1777" y="19273"/>
+                    <a:pt x="2183" y="18866"/>
+                    <a:pt x="2183" y="18360"/>
+                  </a:cubicBezTo>
+                  <a:lnTo>
+                    <a:pt x="2183" y="913"/>
+                  </a:lnTo>
+                  <a:cubicBezTo>
+                    <a:pt x="2183" y="407"/>
+                    <a:pt x="1777" y="1"/>
+                    <a:pt x="1271" y="1"/>
+                  </a:cubicBezTo>
+                  <a:close/>
+                </a:path>
+              </a:pathLst>
+            </a:custGeom>
+            <a:solidFill>
+              <a:schemeClr val="lt1"/>
+            </a:solidFill>
+            <a:ln>
+              <a:noFill/>
+            </a:ln>
+          </p:spPr>
+          <p:txBody>
+            <a:bodyPr spcFirstLastPara="1" wrap="square" lIns="91425" tIns="91425" rIns="91425" bIns="91425" anchor="ctr" anchorCtr="0">
+              <a:noAutofit/>
+            </a:bodyPr>
+            <a:lstStyle/>
+            <a:p>
+              <a:pPr marL="0" lvl="0" indent="0" algn="l" rtl="0">
+                <a:spcBef>
+                  <a:spcPts val="0"/>
+                </a:spcBef>
+                <a:spcAft>
+                  <a:spcPts val="0"/>
+                </a:spcAft>
+                <a:buNone/>
+              </a:pPr>
+              <a:endParaRPr dirty="0">
+                <a:solidFill>
+                  <a:srgbClr val="435D74"/>
+                </a:solidFill>
+              </a:endParaRPr>
+            </a:p>
+          </p:txBody>
+        </p:sp>
+        <p:sp>
+          <p:nvSpPr>
+            <p:cNvPr id="18" name="Google Shape;673;p49">
+              <a:extLst>
+                <a:ext uri="{FF2B5EF4-FFF2-40B4-BE49-F238E27FC236}">
+                  <a16:creationId xmlns:a16="http://schemas.microsoft.com/office/drawing/2014/main" id="{63446E85-0279-71B7-3FA6-8DE2F67F73F5}"/>
+                </a:ext>
+              </a:extLst>
+            </p:cNvPr>
+            <p:cNvSpPr/>
+            <p:nvPr/>
+          </p:nvSpPr>
+          <p:spPr>
+            <a:xfrm>
+              <a:off x="4575600" y="2051425"/>
+              <a:ext cx="332025" cy="262450"/>
+            </a:xfrm>
+            <a:custGeom>
+              <a:avLst/>
+              <a:gdLst/>
+              <a:ahLst/>
+              <a:cxnLst/>
+              <a:rect l="l" t="t" r="r" b="b"/>
+              <a:pathLst>
+                <a:path w="13281" h="10498" extrusionOk="0">
+                  <a:moveTo>
+                    <a:pt x="0" y="0"/>
+                  </a:moveTo>
+                  <a:lnTo>
+                    <a:pt x="0" y="10497"/>
+                  </a:lnTo>
+                  <a:lnTo>
+                    <a:pt x="12485" y="10497"/>
+                  </a:lnTo>
+                  <a:cubicBezTo>
+                    <a:pt x="13006" y="10494"/>
+                    <a:pt x="13280" y="9874"/>
+                    <a:pt x="12925" y="9488"/>
+                  </a:cubicBezTo>
+                  <a:lnTo>
+                    <a:pt x="9010" y="5249"/>
+                  </a:lnTo>
+                  <a:lnTo>
+                    <a:pt x="12925" y="1006"/>
+                  </a:lnTo>
+                  <a:cubicBezTo>
+                    <a:pt x="13280" y="620"/>
+                    <a:pt x="13006" y="0"/>
+                    <a:pt x="12485" y="0"/>
+                  </a:cubicBezTo>
+                  <a:close/>
+                </a:path>
+              </a:pathLst>
+            </a:custGeom>
+            <a:solidFill>
+              <a:schemeClr val="lt1"/>
+            </a:solidFill>
+            <a:ln>
+              <a:noFill/>
+            </a:ln>
+          </p:spPr>
+          <p:txBody>
+            <a:bodyPr spcFirstLastPara="1" wrap="square" lIns="91425" tIns="91425" rIns="91425" bIns="91425" anchor="ctr" anchorCtr="0">
+              <a:noAutofit/>
+            </a:bodyPr>
+            <a:lstStyle/>
+            <a:p>
+              <a:pPr marL="0" lvl="0" indent="0" algn="l" rtl="0">
+                <a:spcBef>
+                  <a:spcPts val="0"/>
+                </a:spcBef>
+                <a:spcAft>
+                  <a:spcPts val="0"/>
+                </a:spcAft>
+                <a:buNone/>
+              </a:pPr>
+              <a:endParaRPr dirty="0">
+                <a:solidFill>
+                  <a:srgbClr val="435D74"/>
+                </a:solidFill>
+              </a:endParaRPr>
+            </a:p>
+          </p:txBody>
+        </p:sp>
+      </p:grpSp>
+      <p:sp>
+        <p:nvSpPr>
+          <p:cNvPr id="19" name="Google Shape;653;p49">
+            <a:extLst>
+              <a:ext uri="{FF2B5EF4-FFF2-40B4-BE49-F238E27FC236}">
+                <a16:creationId xmlns:a16="http://schemas.microsoft.com/office/drawing/2014/main" id="{C19FF0C9-0C95-0CB0-B6BE-867108BEE159}"/>
+              </a:ext>
+            </a:extLst>
+          </p:cNvPr>
+          <p:cNvSpPr txBox="1">
+            <a:spLocks/>
+          </p:cNvSpPr>
+          <p:nvPr/>
+        </p:nvSpPr>
+        <p:spPr>
+          <a:xfrm>
+            <a:off x="3612773" y="2679086"/>
+            <a:ext cx="4196544" cy="527050"/>
+          </a:xfrm>
+          <a:prstGeom prst="rect">
+            <a:avLst/>
+          </a:prstGeom>
+        </p:spPr>
+        <p:txBody>
+          <a:bodyPr spcFirstLastPara="1" wrap="square" lIns="91425" tIns="91425" rIns="91425" bIns="91425" anchor="ctr" anchorCtr="0">
+            <a:noAutofit/>
+          </a:bodyPr>
+          <a:lstStyle>
+            <a:defPPr marR="0" lvl="0" algn="l" rtl="0">
+              <a:lnSpc>
+                <a:spcPct val="100000"/>
+              </a:lnSpc>
+              <a:spcBef>
+                <a:spcPts val="0"/>
+              </a:spcBef>
+              <a:spcAft>
+                <a:spcPts val="0"/>
+              </a:spcAft>
+            </a:defPPr>
+            <a:lvl1pPr marR="0" lvl="0" algn="ctr" rtl="0">
+              <a:lnSpc>
+                <a:spcPct val="100000"/>
+              </a:lnSpc>
+              <a:spcBef>
+                <a:spcPts val="0"/>
+              </a:spcBef>
+              <a:spcAft>
+                <a:spcPts val="0"/>
+              </a:spcAft>
+              <a:buClr>
+                <a:schemeClr val="accent1"/>
+              </a:buClr>
+              <a:buSzPts val="2800"/>
+              <a:buFont typeface="Ramabhadra"/>
+              <a:buNone/>
+              <a:defRPr sz="2000" b="1" i="0" u="none" strike="noStrike" cap="none">
+                <a:solidFill>
+                  <a:srgbClr val="007399"/>
+                </a:solidFill>
+                <a:latin typeface="Century Gothic" panose="020B0502020202020204" pitchFamily="34" charset="0"/>
+                <a:ea typeface="Arial Black" panose="020B0604020202020204" pitchFamily="34" charset="0"/>
+                <a:cs typeface="Arial Black" panose="020B0604020202020204" pitchFamily="34" charset="0"/>
+                <a:sym typeface="Arial"/>
+              </a:defRPr>
+            </a:lvl1pPr>
+            <a:lvl2pPr marR="0" lvl="1" algn="ctr" rtl="0">
+              <a:lnSpc>
+                <a:spcPct val="100000"/>
+              </a:lnSpc>
+              <a:spcBef>
+                <a:spcPts val="0"/>
+              </a:spcBef>
+              <a:spcAft>
+                <a:spcPts val="0"/>
+              </a:spcAft>
+              <a:buClr>
+                <a:schemeClr val="accent1"/>
+              </a:buClr>
+              <a:buSzPts val="2800"/>
+              <a:buFont typeface="Ramabhadra"/>
+              <a:buNone/>
+              <a:defRPr sz="2800" b="1" i="0" u="none" strike="noStrike" cap="none">
+                <a:solidFill>
+                  <a:schemeClr val="accent1"/>
+                </a:solidFill>
+                <a:latin typeface="Ramabhadra"/>
+                <a:ea typeface="Ramabhadra"/>
+                <a:cs typeface="Ramabhadra"/>
+                <a:sym typeface="Ramabhadra"/>
+              </a:defRPr>
+            </a:lvl2pPr>
+            <a:lvl3pPr marR="0" lvl="2" algn="ctr" rtl="0">
+              <a:lnSpc>
+                <a:spcPct val="100000"/>
+              </a:lnSpc>
+              <a:spcBef>
+                <a:spcPts val="0"/>
+              </a:spcBef>
+              <a:spcAft>
+                <a:spcPts val="0"/>
+              </a:spcAft>
+              <a:buClr>
+                <a:schemeClr val="accent1"/>
+              </a:buClr>
+              <a:buSzPts val="2800"/>
+              <a:buFont typeface="Ramabhadra"/>
+              <a:buNone/>
+              <a:defRPr sz="2800" b="1" i="0" u="none" strike="noStrike" cap="none">
+                <a:solidFill>
+                  <a:schemeClr val="accent1"/>
+                </a:solidFill>
+                <a:latin typeface="Ramabhadra"/>
+                <a:ea typeface="Ramabhadra"/>
+                <a:cs typeface="Ramabhadra"/>
+                <a:sym typeface="Ramabhadra"/>
+              </a:defRPr>
+            </a:lvl3pPr>
+            <a:lvl4pPr marR="0" lvl="3" algn="ctr" rtl="0">
+              <a:lnSpc>
+                <a:spcPct val="100000"/>
+              </a:lnSpc>
+              <a:spcBef>
+                <a:spcPts val="0"/>
+              </a:spcBef>
+              <a:spcAft>
+                <a:spcPts val="0"/>
+              </a:spcAft>
+              <a:buClr>
+                <a:schemeClr val="accent1"/>
+              </a:buClr>
+              <a:buSzPts val="2800"/>
+              <a:buFont typeface="Ramabhadra"/>
+              <a:buNone/>
+              <a:defRPr sz="2800" b="1" i="0" u="none" strike="noStrike" cap="none">
+                <a:solidFill>
+                  <a:schemeClr val="accent1"/>
+                </a:solidFill>
+                <a:latin typeface="Ramabhadra"/>
+                <a:ea typeface="Ramabhadra"/>
+                <a:cs typeface="Ramabhadra"/>
+                <a:sym typeface="Ramabhadra"/>
+              </a:defRPr>
+            </a:lvl4pPr>
+            <a:lvl5pPr marR="0" lvl="4" algn="ctr" rtl="0">
+              <a:lnSpc>
+                <a:spcPct val="100000"/>
+              </a:lnSpc>
+              <a:spcBef>
+                <a:spcPts val="0"/>
+              </a:spcBef>
+              <a:spcAft>
+                <a:spcPts val="0"/>
+              </a:spcAft>
+              <a:buClr>
+                <a:schemeClr val="accent1"/>
+              </a:buClr>
+              <a:buSzPts val="2800"/>
+              <a:buFont typeface="Ramabhadra"/>
+              <a:buNone/>
+              <a:defRPr sz="2800" b="1" i="0" u="none" strike="noStrike" cap="none">
+                <a:solidFill>
+                  <a:schemeClr val="accent1"/>
+                </a:solidFill>
+                <a:latin typeface="Ramabhadra"/>
+                <a:ea typeface="Ramabhadra"/>
+                <a:cs typeface="Ramabhadra"/>
+                <a:sym typeface="Ramabhadra"/>
+              </a:defRPr>
+            </a:lvl5pPr>
+            <a:lvl6pPr marR="0" lvl="5" algn="ctr" rtl="0">
+              <a:lnSpc>
+                <a:spcPct val="100000"/>
+              </a:lnSpc>
+              <a:spcBef>
+                <a:spcPts val="0"/>
+              </a:spcBef>
+              <a:spcAft>
+                <a:spcPts val="0"/>
+              </a:spcAft>
+              <a:buClr>
+                <a:schemeClr val="accent1"/>
+              </a:buClr>
+              <a:buSzPts val="2800"/>
+              <a:buFont typeface="Ramabhadra"/>
+              <a:buNone/>
+              <a:defRPr sz="2800" b="1" i="0" u="none" strike="noStrike" cap="none">
+                <a:solidFill>
+                  <a:schemeClr val="accent1"/>
+                </a:solidFill>
+                <a:latin typeface="Ramabhadra"/>
+                <a:ea typeface="Ramabhadra"/>
+                <a:cs typeface="Ramabhadra"/>
+                <a:sym typeface="Ramabhadra"/>
+              </a:defRPr>
+            </a:lvl6pPr>
+            <a:lvl7pPr marR="0" lvl="6" algn="ctr" rtl="0">
+              <a:lnSpc>
+                <a:spcPct val="100000"/>
+              </a:lnSpc>
+              <a:spcBef>
+                <a:spcPts val="0"/>
+              </a:spcBef>
+              <a:spcAft>
+                <a:spcPts val="0"/>
+              </a:spcAft>
+              <a:buClr>
+                <a:schemeClr val="accent1"/>
+              </a:buClr>
+              <a:buSzPts val="2800"/>
+              <a:buFont typeface="Ramabhadra"/>
+              <a:buNone/>
+              <a:defRPr sz="2800" b="1" i="0" u="none" strike="noStrike" cap="none">
+                <a:solidFill>
+                  <a:schemeClr val="accent1"/>
+                </a:solidFill>
+                <a:latin typeface="Ramabhadra"/>
+                <a:ea typeface="Ramabhadra"/>
+                <a:cs typeface="Ramabhadra"/>
+                <a:sym typeface="Ramabhadra"/>
+              </a:defRPr>
+            </a:lvl7pPr>
+            <a:lvl8pPr marR="0" lvl="7" algn="ctr" rtl="0">
+              <a:lnSpc>
+                <a:spcPct val="100000"/>
+              </a:lnSpc>
+              <a:spcBef>
+                <a:spcPts val="0"/>
+              </a:spcBef>
+              <a:spcAft>
+                <a:spcPts val="0"/>
+              </a:spcAft>
+              <a:buClr>
+                <a:schemeClr val="accent1"/>
+              </a:buClr>
+              <a:buSzPts val="2800"/>
+              <a:buFont typeface="Ramabhadra"/>
+              <a:buNone/>
+              <a:defRPr sz="2800" b="1" i="0" u="none" strike="noStrike" cap="none">
+                <a:solidFill>
+                  <a:schemeClr val="accent1"/>
+                </a:solidFill>
+                <a:latin typeface="Ramabhadra"/>
+                <a:ea typeface="Ramabhadra"/>
+                <a:cs typeface="Ramabhadra"/>
+                <a:sym typeface="Ramabhadra"/>
+              </a:defRPr>
+            </a:lvl8pPr>
+            <a:lvl9pPr marR="0" lvl="8" algn="ctr" rtl="0">
+              <a:lnSpc>
+                <a:spcPct val="100000"/>
+              </a:lnSpc>
+              <a:spcBef>
+                <a:spcPts val="0"/>
+              </a:spcBef>
+              <a:spcAft>
+                <a:spcPts val="0"/>
+              </a:spcAft>
+              <a:buClr>
+                <a:schemeClr val="accent1"/>
+              </a:buClr>
+              <a:buSzPts val="2800"/>
+              <a:buFont typeface="Ramabhadra"/>
+              <a:buNone/>
+              <a:defRPr sz="2800" b="1" i="0" u="none" strike="noStrike" cap="none">
+                <a:solidFill>
+                  <a:schemeClr val="accent1"/>
+                </a:solidFill>
+                <a:latin typeface="Ramabhadra"/>
+                <a:ea typeface="Ramabhadra"/>
+                <a:cs typeface="Ramabhadra"/>
+                <a:sym typeface="Ramabhadra"/>
+              </a:defRPr>
+            </a:lvl9pPr>
+          </a:lstStyle>
+          <a:p>
+            <a:pPr algn="l"/>
+            <a:r>
+              <a:rPr lang="es-ES" sz="2400" dirty="0"/>
+              <a:t>Nexus </a:t>
+            </a:r>
+            <a:r>
+              <a:rPr lang="es-ES" sz="2400" dirty="0" err="1"/>
+              <a:t>Repository</a:t>
+            </a:r>
+            <a:r>
+              <a:rPr lang="es-ES" sz="2400" dirty="0"/>
+              <a:t> </a:t>
+            </a:r>
+            <a:r>
+              <a:rPr lang="es-ES" sz="2400" dirty="0" err="1"/>
+              <a:t>Manage</a:t>
+            </a:r>
+            <a:endParaRPr lang="es-ES" sz="2400" dirty="0"/>
+          </a:p>
+        </p:txBody>
+      </p:sp>
+      <p:sp>
+        <p:nvSpPr>
+          <p:cNvPr id="20" name="Google Shape;654;p49">
+            <a:extLst>
+              <a:ext uri="{FF2B5EF4-FFF2-40B4-BE49-F238E27FC236}">
+                <a16:creationId xmlns:a16="http://schemas.microsoft.com/office/drawing/2014/main" id="{EF12C9F8-3670-E87D-0B23-9B4B0700DFB2}"/>
+              </a:ext>
+            </a:extLst>
+          </p:cNvPr>
+          <p:cNvSpPr txBox="1">
+            <a:spLocks/>
+          </p:cNvSpPr>
+          <p:nvPr/>
+        </p:nvSpPr>
+        <p:spPr>
+          <a:xfrm>
+            <a:off x="3612773" y="3152161"/>
+            <a:ext cx="3557122" cy="307777"/>
+          </a:xfrm>
+          <a:prstGeom prst="rect">
+            <a:avLst/>
+          </a:prstGeom>
+        </p:spPr>
+        <p:txBody>
+          <a:bodyPr spcFirstLastPara="1" wrap="square" lIns="91425" tIns="91425" rIns="91425" bIns="91425" anchor="ctr" anchorCtr="0">
+            <a:noAutofit/>
+          </a:bodyPr>
+          <a:lstStyle>
+            <a:defPPr marR="0" lvl="0" algn="l" rtl="0">
+              <a:lnSpc>
+                <a:spcPct val="100000"/>
+              </a:lnSpc>
+              <a:spcBef>
+                <a:spcPts val="0"/>
+              </a:spcBef>
+              <a:spcAft>
+                <a:spcPts val="0"/>
+              </a:spcAft>
+            </a:defPPr>
+            <a:lvl1pPr marR="0" lvl="0" algn="l" rtl="0">
+              <a:lnSpc>
+                <a:spcPct val="100000"/>
+              </a:lnSpc>
+              <a:spcBef>
+                <a:spcPts val="0"/>
+              </a:spcBef>
+              <a:spcAft>
+                <a:spcPts val="0"/>
+              </a:spcAft>
+              <a:buClr>
+                <a:srgbClr val="000000"/>
+              </a:buClr>
+              <a:buFont typeface="Arial"/>
+              <a:defRPr sz="1400" b="0" i="0" u="none" strike="noStrike" cap="none">
+                <a:solidFill>
+                  <a:srgbClr val="000000"/>
+                </a:solidFill>
+                <a:latin typeface="Arial"/>
+                <a:ea typeface="Arial"/>
+                <a:cs typeface="Arial"/>
+                <a:sym typeface="Arial"/>
+              </a:defRPr>
+            </a:lvl1pPr>
+            <a:lvl2pPr marR="0" lvl="1" algn="l" rtl="0">
+              <a:lnSpc>
+                <a:spcPct val="100000"/>
+              </a:lnSpc>
+              <a:spcBef>
+                <a:spcPts val="0"/>
+              </a:spcBef>
+              <a:spcAft>
+                <a:spcPts val="0"/>
+              </a:spcAft>
+              <a:buClr>
+                <a:srgbClr val="000000"/>
+              </a:buClr>
+              <a:buFont typeface="Arial"/>
+              <a:defRPr sz="1400" b="0" i="0" u="none" strike="noStrike" cap="none">
+                <a:solidFill>
+                  <a:srgbClr val="000000"/>
+                </a:solidFill>
+                <a:latin typeface="Arial"/>
+                <a:ea typeface="Arial"/>
+                <a:cs typeface="Arial"/>
+                <a:sym typeface="Arial"/>
+              </a:defRPr>
+            </a:lvl2pPr>
+            <a:lvl3pPr marR="0" lvl="2" algn="l" rtl="0">
+              <a:lnSpc>
+                <a:spcPct val="100000"/>
+              </a:lnSpc>
+              <a:spcBef>
+                <a:spcPts val="0"/>
+              </a:spcBef>
+              <a:spcAft>
+                <a:spcPts val="0"/>
+              </a:spcAft>
+              <a:buClr>
+                <a:srgbClr val="000000"/>
+              </a:buClr>
+              <a:buFont typeface="Arial"/>
+              <a:defRPr sz="1400" b="0" i="0" u="none" strike="noStrike" cap="none">
+                <a:solidFill>
+                  <a:srgbClr val="000000"/>
+                </a:solidFill>
+                <a:latin typeface="Arial"/>
+                <a:ea typeface="Arial"/>
+                <a:cs typeface="Arial"/>
+                <a:sym typeface="Arial"/>
+              </a:defRPr>
+            </a:lvl3pPr>
+            <a:lvl4pPr marR="0" lvl="3" algn="l" rtl="0">
+              <a:lnSpc>
+                <a:spcPct val="100000"/>
+              </a:lnSpc>
+              <a:spcBef>
+                <a:spcPts val="0"/>
+              </a:spcBef>
+              <a:spcAft>
+                <a:spcPts val="0"/>
+              </a:spcAft>
+              <a:buClr>
+                <a:srgbClr val="000000"/>
+              </a:buClr>
+              <a:buFont typeface="Arial"/>
+              <a:defRPr sz="1400" b="0" i="0" u="none" strike="noStrike" cap="none">
+                <a:solidFill>
+                  <a:srgbClr val="000000"/>
+                </a:solidFill>
+                <a:latin typeface="Arial"/>
+                <a:ea typeface="Arial"/>
+                <a:cs typeface="Arial"/>
+                <a:sym typeface="Arial"/>
+              </a:defRPr>
+            </a:lvl4pPr>
+            <a:lvl5pPr marR="0" lvl="4" algn="l" rtl="0">
+              <a:lnSpc>
+                <a:spcPct val="100000"/>
+              </a:lnSpc>
+              <a:spcBef>
+                <a:spcPts val="0"/>
+              </a:spcBef>
+              <a:spcAft>
+                <a:spcPts val="0"/>
+              </a:spcAft>
+              <a:buClr>
+                <a:srgbClr val="000000"/>
+              </a:buClr>
+              <a:buFont typeface="Arial"/>
+              <a:defRPr sz="1400" b="0" i="0" u="none" strike="noStrike" cap="none">
+                <a:solidFill>
+                  <a:srgbClr val="000000"/>
+                </a:solidFill>
+                <a:latin typeface="Arial"/>
+                <a:ea typeface="Arial"/>
+                <a:cs typeface="Arial"/>
+                <a:sym typeface="Arial"/>
+              </a:defRPr>
+            </a:lvl5pPr>
+            <a:lvl6pPr marR="0" lvl="5" algn="l" rtl="0">
+              <a:lnSpc>
+                <a:spcPct val="100000"/>
+              </a:lnSpc>
+              <a:spcBef>
+                <a:spcPts val="0"/>
+              </a:spcBef>
+              <a:spcAft>
+                <a:spcPts val="0"/>
+              </a:spcAft>
+              <a:buClr>
+                <a:srgbClr val="000000"/>
+              </a:buClr>
+              <a:buFont typeface="Arial"/>
+              <a:defRPr sz="1400" b="0" i="0" u="none" strike="noStrike" cap="none">
+                <a:solidFill>
+                  <a:srgbClr val="000000"/>
+                </a:solidFill>
+                <a:latin typeface="Arial"/>
+                <a:ea typeface="Arial"/>
+                <a:cs typeface="Arial"/>
+                <a:sym typeface="Arial"/>
+              </a:defRPr>
+            </a:lvl6pPr>
+            <a:lvl7pPr marR="0" lvl="6" algn="l" rtl="0">
+              <a:lnSpc>
+                <a:spcPct val="100000"/>
+              </a:lnSpc>
+              <a:spcBef>
+                <a:spcPts val="0"/>
+              </a:spcBef>
+              <a:spcAft>
+                <a:spcPts val="0"/>
+              </a:spcAft>
+              <a:buClr>
+                <a:srgbClr val="000000"/>
+              </a:buClr>
+              <a:buFont typeface="Arial"/>
+              <a:defRPr sz="1400" b="0" i="0" u="none" strike="noStrike" cap="none">
+                <a:solidFill>
+                  <a:srgbClr val="000000"/>
+                </a:solidFill>
+                <a:latin typeface="Arial"/>
+                <a:ea typeface="Arial"/>
+                <a:cs typeface="Arial"/>
+                <a:sym typeface="Arial"/>
+              </a:defRPr>
+            </a:lvl7pPr>
+            <a:lvl8pPr marR="0" lvl="7" algn="l" rtl="0">
+              <a:lnSpc>
+                <a:spcPct val="100000"/>
+              </a:lnSpc>
+              <a:spcBef>
+                <a:spcPts val="0"/>
+              </a:spcBef>
+              <a:spcAft>
+                <a:spcPts val="0"/>
+              </a:spcAft>
+              <a:buClr>
+                <a:srgbClr val="000000"/>
+              </a:buClr>
+              <a:buFont typeface="Arial"/>
+              <a:defRPr sz="1400" b="0" i="0" u="none" strike="noStrike" cap="none">
+                <a:solidFill>
+                  <a:srgbClr val="000000"/>
+                </a:solidFill>
+                <a:latin typeface="Arial"/>
+                <a:ea typeface="Arial"/>
+                <a:cs typeface="Arial"/>
+                <a:sym typeface="Arial"/>
+              </a:defRPr>
+            </a:lvl8pPr>
+            <a:lvl9pPr marR="0" lvl="8" algn="l" rtl="0">
+              <a:lnSpc>
+                <a:spcPct val="100000"/>
+              </a:lnSpc>
+              <a:spcBef>
+                <a:spcPts val="0"/>
+              </a:spcBef>
+              <a:spcAft>
+                <a:spcPts val="0"/>
+              </a:spcAft>
+              <a:buClr>
+                <a:srgbClr val="000000"/>
+              </a:buClr>
+              <a:buFont typeface="Arial"/>
+              <a:defRPr sz="1400" b="0" i="0" u="none" strike="noStrike" cap="none">
+                <a:solidFill>
+                  <a:srgbClr val="000000"/>
+                </a:solidFill>
+                <a:latin typeface="Arial"/>
+                <a:ea typeface="Arial"/>
+                <a:cs typeface="Arial"/>
+                <a:sym typeface="Arial"/>
+              </a:defRPr>
+            </a:lvl9pPr>
+          </a:lstStyle>
+          <a:p>
+            <a:r>
+              <a:rPr lang="es-ES" sz="1200" dirty="0">
+                <a:solidFill>
+                  <a:srgbClr val="007399"/>
+                </a:solidFill>
+              </a:rPr>
+              <a:t>https://nexus3.onap.org/</a:t>
+            </a:r>
+          </a:p>
+        </p:txBody>
+      </p:sp>
+      <p:sp>
+        <p:nvSpPr>
+          <p:cNvPr id="21" name="Google Shape;662;p49">
+            <a:extLst>
+              <a:ext uri="{FF2B5EF4-FFF2-40B4-BE49-F238E27FC236}">
+                <a16:creationId xmlns:a16="http://schemas.microsoft.com/office/drawing/2014/main" id="{591ECE35-8E80-1CF2-4947-FD6A391ECDB6}"/>
+              </a:ext>
+            </a:extLst>
+          </p:cNvPr>
+          <p:cNvSpPr/>
+          <p:nvPr/>
+        </p:nvSpPr>
+        <p:spPr>
+          <a:xfrm>
+            <a:off x="2784373" y="2749529"/>
+            <a:ext cx="695400" cy="677400"/>
+          </a:xfrm>
+          <a:prstGeom prst="roundRect">
+            <a:avLst>
+              <a:gd name="adj" fmla="val 16667"/>
+            </a:avLst>
+          </a:prstGeom>
+          <a:solidFill>
+            <a:srgbClr val="F3B734"/>
+          </a:solidFill>
+          <a:ln>
+            <a:noFill/>
+          </a:ln>
+        </p:spPr>
+        <p:txBody>
+          <a:bodyPr spcFirstLastPara="1" wrap="square" lIns="91425" tIns="91425" rIns="91425" bIns="91425" anchor="ctr" anchorCtr="0">
+            <a:noAutofit/>
+          </a:bodyPr>
+          <a:lstStyle/>
+          <a:p>
+            <a:pPr marL="0" lvl="0" indent="0" algn="l" rtl="0">
+              <a:spcBef>
+                <a:spcPts val="0"/>
+              </a:spcBef>
+              <a:spcAft>
+                <a:spcPts val="0"/>
+              </a:spcAft>
+              <a:buNone/>
+            </a:pPr>
+            <a:endParaRPr dirty="0"/>
+          </a:p>
+        </p:txBody>
+      </p:sp>
+      <p:grpSp>
+        <p:nvGrpSpPr>
+          <p:cNvPr id="22" name="Google Shape;671;p49">
+            <a:extLst>
+              <a:ext uri="{FF2B5EF4-FFF2-40B4-BE49-F238E27FC236}">
+                <a16:creationId xmlns:a16="http://schemas.microsoft.com/office/drawing/2014/main" id="{AEF72690-354E-07AA-4B28-C878A1343A1A}"/>
+              </a:ext>
+            </a:extLst>
+          </p:cNvPr>
+          <p:cNvGrpSpPr/>
+          <p:nvPr/>
+        </p:nvGrpSpPr>
+        <p:grpSpPr>
+          <a:xfrm>
+            <a:off x="2986034" y="2918593"/>
+            <a:ext cx="292078" cy="339253"/>
+            <a:chOff x="4492800" y="2027925"/>
+            <a:chExt cx="414825" cy="481825"/>
+          </a:xfrm>
+        </p:grpSpPr>
+        <p:sp>
+          <p:nvSpPr>
+            <p:cNvPr id="23" name="Google Shape;672;p49">
+              <a:extLst>
+                <a:ext uri="{FF2B5EF4-FFF2-40B4-BE49-F238E27FC236}">
+                  <a16:creationId xmlns:a16="http://schemas.microsoft.com/office/drawing/2014/main" id="{C02936B7-239A-6A11-CECA-BE587E06D7B6}"/>
+                </a:ext>
+              </a:extLst>
+            </p:cNvPr>
+            <p:cNvSpPr/>
+            <p:nvPr/>
+          </p:nvSpPr>
+          <p:spPr>
+            <a:xfrm>
+              <a:off x="4492800" y="2027925"/>
+              <a:ext cx="54600" cy="481825"/>
+            </a:xfrm>
+            <a:custGeom>
+              <a:avLst/>
+              <a:gdLst/>
+              <a:ahLst/>
+              <a:cxnLst/>
+              <a:rect l="l" t="t" r="r" b="b"/>
+              <a:pathLst>
+                <a:path w="2184" h="19273" extrusionOk="0">
+                  <a:moveTo>
+                    <a:pt x="912" y="1"/>
+                  </a:moveTo>
+                  <a:cubicBezTo>
+                    <a:pt x="407" y="1"/>
+                    <a:pt x="0" y="407"/>
+                    <a:pt x="0" y="913"/>
+                  </a:cubicBezTo>
+                  <a:lnTo>
+                    <a:pt x="0" y="18360"/>
+                  </a:lnTo>
+                  <a:cubicBezTo>
+                    <a:pt x="0" y="18866"/>
+                    <a:pt x="407" y="19273"/>
+                    <a:pt x="912" y="19273"/>
+                  </a:cubicBezTo>
+                  <a:lnTo>
+                    <a:pt x="1271" y="19273"/>
+                  </a:lnTo>
+                  <a:cubicBezTo>
+                    <a:pt x="1777" y="19273"/>
+                    <a:pt x="2183" y="18866"/>
+                    <a:pt x="2183" y="18360"/>
+                  </a:cubicBezTo>
+                  <a:lnTo>
+                    <a:pt x="2183" y="913"/>
+                  </a:lnTo>
+                  <a:cubicBezTo>
+                    <a:pt x="2183" y="407"/>
+                    <a:pt x="1777" y="1"/>
+                    <a:pt x="1271" y="1"/>
+                  </a:cubicBezTo>
+                  <a:close/>
+                </a:path>
+              </a:pathLst>
+            </a:custGeom>
+            <a:solidFill>
+              <a:schemeClr val="lt1"/>
+            </a:solidFill>
+            <a:ln>
+              <a:noFill/>
+            </a:ln>
+          </p:spPr>
+          <p:txBody>
+            <a:bodyPr spcFirstLastPara="1" wrap="square" lIns="91425" tIns="91425" rIns="91425" bIns="91425" anchor="ctr" anchorCtr="0">
+              <a:noAutofit/>
+            </a:bodyPr>
+            <a:lstStyle/>
+            <a:p>
+              <a:pPr marL="0" lvl="0" indent="0" algn="l" rtl="0">
+                <a:spcBef>
+                  <a:spcPts val="0"/>
+                </a:spcBef>
+                <a:spcAft>
+                  <a:spcPts val="0"/>
+                </a:spcAft>
+                <a:buNone/>
+              </a:pPr>
+              <a:endParaRPr dirty="0">
+                <a:solidFill>
+                  <a:srgbClr val="435D74"/>
+                </a:solidFill>
+              </a:endParaRPr>
+            </a:p>
+          </p:txBody>
+        </p:sp>
+        <p:sp>
+          <p:nvSpPr>
+            <p:cNvPr id="24" name="Google Shape;673;p49">
+              <a:extLst>
+                <a:ext uri="{FF2B5EF4-FFF2-40B4-BE49-F238E27FC236}">
+                  <a16:creationId xmlns:a16="http://schemas.microsoft.com/office/drawing/2014/main" id="{AC08F428-909B-C9B4-E6FF-D71FC23B6052}"/>
+                </a:ext>
+              </a:extLst>
+            </p:cNvPr>
+            <p:cNvSpPr/>
+            <p:nvPr/>
+          </p:nvSpPr>
+          <p:spPr>
+            <a:xfrm>
+              <a:off x="4575600" y="2051425"/>
+              <a:ext cx="332025" cy="262450"/>
+            </a:xfrm>
+            <a:custGeom>
+              <a:avLst/>
+              <a:gdLst/>
+              <a:ahLst/>
+              <a:cxnLst/>
+              <a:rect l="l" t="t" r="r" b="b"/>
+              <a:pathLst>
+                <a:path w="13281" h="10498" extrusionOk="0">
+                  <a:moveTo>
+                    <a:pt x="0" y="0"/>
+                  </a:moveTo>
+                  <a:lnTo>
+                    <a:pt x="0" y="10497"/>
+                  </a:lnTo>
+                  <a:lnTo>
+                    <a:pt x="12485" y="10497"/>
+                  </a:lnTo>
+                  <a:cubicBezTo>
+                    <a:pt x="13006" y="10494"/>
+                    <a:pt x="13280" y="9874"/>
+                    <a:pt x="12925" y="9488"/>
+                  </a:cubicBezTo>
+                  <a:lnTo>
+                    <a:pt x="9010" y="5249"/>
+                  </a:lnTo>
+                  <a:lnTo>
+                    <a:pt x="12925" y="1006"/>
+                  </a:lnTo>
+                  <a:cubicBezTo>
+                    <a:pt x="13280" y="620"/>
+                    <a:pt x="13006" y="0"/>
+                    <a:pt x="12485" y="0"/>
+                  </a:cubicBezTo>
+                  <a:close/>
+                </a:path>
+              </a:pathLst>
+            </a:custGeom>
+            <a:solidFill>
+              <a:schemeClr val="lt1"/>
+            </a:solidFill>
+            <a:ln>
+              <a:noFill/>
+            </a:ln>
+          </p:spPr>
+          <p:txBody>
+            <a:bodyPr spcFirstLastPara="1" wrap="square" lIns="91425" tIns="91425" rIns="91425" bIns="91425" anchor="ctr" anchorCtr="0">
+              <a:noAutofit/>
+            </a:bodyPr>
+            <a:lstStyle/>
+            <a:p>
+              <a:pPr marL="0" lvl="0" indent="0" algn="l" rtl="0">
+                <a:spcBef>
+                  <a:spcPts val="0"/>
+                </a:spcBef>
+                <a:spcAft>
+                  <a:spcPts val="0"/>
+                </a:spcAft>
+                <a:buNone/>
+              </a:pPr>
+              <a:endParaRPr dirty="0">
+                <a:solidFill>
+                  <a:srgbClr val="435D74"/>
+                </a:solidFill>
+              </a:endParaRPr>
+            </a:p>
+          </p:txBody>
+        </p:sp>
+      </p:grpSp>
+    </p:spTree>
+    <p:extLst>
+      <p:ext uri="{BB962C8B-B14F-4D97-AF65-F5344CB8AC3E}">
+        <p14:creationId xmlns:p14="http://schemas.microsoft.com/office/powerpoint/2010/main" val="3520516693"/>
+      </p:ext>
+    </p:extLst>
+  </p:cSld>
+  <p:clrMapOvr>
+    <a:masterClrMapping/>
+  </p:clrMapOvr>
+</p:sld>
+</file>
+
+<file path=ppt/slides/slide12.xml><?xml version="1.0" encoding="utf-8"?>
+<p:sld xmlns:a="http://schemas.openxmlformats.org/drawingml/2006/main" xmlns:r="http://schemas.openxmlformats.org/officeDocument/2006/relationships" xmlns:p="http://schemas.openxmlformats.org/presentationml/2006/main">
+  <p:cSld>
+    <p:spTree>
+      <p:nvGrpSpPr>
+        <p:cNvPr id="1" name="Shape 353"/>
+        <p:cNvGrpSpPr/>
+        <p:nvPr/>
+      </p:nvGrpSpPr>
+      <p:grpSpPr>
+        <a:xfrm>
+          <a:off x="0" y="0"/>
+          <a:ext cx="0" cy="0"/>
+          <a:chOff x="0" y="0"/>
+          <a:chExt cx="0" cy="0"/>
+        </a:xfrm>
+      </p:grpSpPr>
+      <p:sp>
+        <p:nvSpPr>
+          <p:cNvPr id="354" name="Google Shape;354;p37"/>
+          <p:cNvSpPr txBox="1">
+            <a:spLocks noGrp="1"/>
+          </p:cNvSpPr>
+          <p:nvPr>
+            <p:ph type="title"/>
+          </p:nvPr>
+        </p:nvSpPr>
+        <p:spPr>
+          <a:xfrm>
+            <a:off x="714375" y="190941"/>
+            <a:ext cx="7715250" cy="571500"/>
+          </a:xfrm>
+          <a:prstGeom prst="rect">
+            <a:avLst/>
+          </a:prstGeom>
+        </p:spPr>
+        <p:txBody>
+          <a:bodyPr spcFirstLastPara="1" wrap="square" lIns="91425" tIns="91425" rIns="91425" bIns="91425" anchor="t" anchorCtr="0">
+            <a:noAutofit/>
+          </a:bodyPr>
+          <a:lstStyle/>
+          <a:p>
+            <a:pPr lvl="0" algn="ctr"/>
+            <a:r>
+              <a:rPr lang="es-ES" dirty="0">
+                <a:latin typeface="Century Gothic" panose="020B0502020202020204" pitchFamily="34" charset="0"/>
+              </a:rPr>
+              <a:t>MAVEN</a:t>
+            </a:r>
+            <a:endParaRPr dirty="0">
+              <a:solidFill>
+                <a:schemeClr val="accent3"/>
+              </a:solidFill>
+              <a:latin typeface="Century Gothic" panose="020B0502020202020204" pitchFamily="34" charset="0"/>
+            </a:endParaRPr>
+          </a:p>
+        </p:txBody>
+      </p:sp>
+      <p:pic>
+        <p:nvPicPr>
+          <p:cNvPr id="3078" name="Picture 6">
+            <a:extLst>
+              <a:ext uri="{FF2B5EF4-FFF2-40B4-BE49-F238E27FC236}">
+                <a16:creationId xmlns:a16="http://schemas.microsoft.com/office/drawing/2014/main" id="{852C7473-011A-5322-4419-6F6DE03BF6C9}"/>
+              </a:ext>
+            </a:extLst>
+          </p:cNvPr>
+          <p:cNvPicPr>
+            <a:picLocks noChangeAspect="1" noChangeArrowheads="1"/>
+          </p:cNvPicPr>
+          <p:nvPr/>
+        </p:nvPicPr>
+        <p:blipFill>
+          <a:blip r:embed="rId3">
+            <a:extLst>
+              <a:ext uri="{28A0092B-C50C-407E-A947-70E740481C1C}">
+                <a14:useLocalDpi xmlns:a14="http://schemas.microsoft.com/office/drawing/2010/main" val="0"/>
+              </a:ext>
+            </a:extLst>
+          </a:blip>
+          <a:srcRect/>
+          <a:stretch>
+            <a:fillRect/>
+          </a:stretch>
+        </p:blipFill>
+        <p:spPr bwMode="auto">
+          <a:xfrm>
+            <a:off x="7402995" y="4694405"/>
+            <a:ext cx="1706321" cy="431352"/>
+          </a:xfrm>
+          <a:prstGeom prst="rect">
+            <a:avLst/>
+          </a:prstGeom>
+          <a:noFill/>
+          <a:extLst>
+            <a:ext uri="{909E8E84-426E-40DD-AFC4-6F175D3DCCD1}">
+              <a14:hiddenFill xmlns:a14="http://schemas.microsoft.com/office/drawing/2010/main">
+                <a:solidFill>
+                  <a:srgbClr val="FFFFFF"/>
+                </a:solidFill>
+              </a14:hiddenFill>
+            </a:ext>
+          </a:extLst>
+        </p:spPr>
+      </p:pic>
       <p:pic>
         <p:nvPicPr>
           <p:cNvPr id="3" name="Imagen 2">
@@ -11046,7 +14881,7 @@
 </p:sld>
 </file>
 
-<file path=ppt/slides/slide11.xml><?xml version="1.0" encoding="utf-8"?>
+<file path=ppt/slides/slide13.xml><?xml version="1.0" encoding="utf-8"?>
 <p:sld xmlns:a="http://schemas.openxmlformats.org/drawingml/2006/main" xmlns:r="http://schemas.openxmlformats.org/officeDocument/2006/relationships" xmlns:p="http://schemas.openxmlformats.org/presentationml/2006/main">
   <p:cSld>
     <p:spTree>
@@ -11063,36 +14898,6 @@
           <a:chExt cx="0" cy="0"/>
         </a:xfrm>
       </p:grpSpPr>
-      <p:pic>
-        <p:nvPicPr>
-          <p:cNvPr id="4" name="Imagen 3">
-            <a:extLst>
-              <a:ext uri="{FF2B5EF4-FFF2-40B4-BE49-F238E27FC236}">
-                <a16:creationId xmlns:a16="http://schemas.microsoft.com/office/drawing/2014/main" id="{DD3EA722-A4F2-8A1B-1991-B0CF2F9D1CB3}"/>
-              </a:ext>
-            </a:extLst>
-          </p:cNvPr>
-          <p:cNvPicPr>
-            <a:picLocks noChangeAspect="1"/>
-          </p:cNvPicPr>
-          <p:nvPr/>
-        </p:nvPicPr>
-        <p:blipFill>
-          <a:blip r:embed="rId3"/>
-          <a:stretch>
-            <a:fillRect/>
-          </a:stretch>
-        </p:blipFill>
-        <p:spPr>
-          <a:xfrm>
-            <a:off x="613386" y="740013"/>
-            <a:ext cx="7494107" cy="4156741"/>
-          </a:xfrm>
-          <a:prstGeom prst="rect">
-            <a:avLst/>
-          </a:prstGeom>
-        </p:spPr>
-      </p:pic>
       <p:sp>
         <p:nvSpPr>
           <p:cNvPr id="354" name="Google Shape;354;p37"/>
@@ -11134,6 +14939,36 @@
           </a:p>
         </p:txBody>
       </p:sp>
+      <p:pic>
+        <p:nvPicPr>
+          <p:cNvPr id="6" name="Imagen 5">
+            <a:extLst>
+              <a:ext uri="{FF2B5EF4-FFF2-40B4-BE49-F238E27FC236}">
+                <a16:creationId xmlns:a16="http://schemas.microsoft.com/office/drawing/2014/main" id="{434E8987-0014-D625-74FB-1145523C4072}"/>
+              </a:ext>
+            </a:extLst>
+          </p:cNvPr>
+          <p:cNvPicPr>
+            <a:picLocks noChangeAspect="1"/>
+          </p:cNvPicPr>
+          <p:nvPr/>
+        </p:nvPicPr>
+        <p:blipFill>
+          <a:blip r:embed="rId3"/>
+          <a:stretch>
+            <a:fillRect/>
+          </a:stretch>
+        </p:blipFill>
+        <p:spPr>
+          <a:xfrm>
+            <a:off x="554706" y="617773"/>
+            <a:ext cx="7631557" cy="4334786"/>
+          </a:xfrm>
+          <a:prstGeom prst="rect">
+            <a:avLst/>
+          </a:prstGeom>
+        </p:spPr>
+      </p:pic>
       <p:pic>
         <p:nvPicPr>
           <p:cNvPr id="3078" name="Picture 6">
@@ -11194,12 +15029,12 @@
 </p:sld>
 </file>
 
-<file path=ppt/slides/slide12.xml><?xml version="1.0" encoding="utf-8"?>
+<file path=ppt/slides/slide14.xml><?xml version="1.0" encoding="utf-8"?>
 <p:sld xmlns:a="http://schemas.openxmlformats.org/drawingml/2006/main" xmlns:r="http://schemas.openxmlformats.org/officeDocument/2006/relationships" xmlns:p="http://schemas.openxmlformats.org/presentationml/2006/main">
   <p:cSld>
     <p:spTree>
       <p:nvGrpSpPr>
-        <p:cNvPr id="1" name="Shape 353"/>
+        <p:cNvPr id="1" name=""/>
         <p:cNvGrpSpPr/>
         <p:nvPr/>
       </p:nvGrpSpPr>
@@ -11213,78 +15048,80 @@
       </p:grpSpPr>
       <p:sp>
         <p:nvSpPr>
-          <p:cNvPr id="354" name="Google Shape;354;p37"/>
-          <p:cNvSpPr txBox="1">
+          <p:cNvPr id="2" name="Título 1">
+            <a:extLst>
+              <a:ext uri="{FF2B5EF4-FFF2-40B4-BE49-F238E27FC236}">
+                <a16:creationId xmlns:a16="http://schemas.microsoft.com/office/drawing/2014/main" id="{87A85A7D-B7E0-9A9A-67C1-99869B7A7E2A}"/>
+              </a:ext>
+            </a:extLst>
+          </p:cNvPr>
+          <p:cNvSpPr>
             <a:spLocks noGrp="1"/>
           </p:cNvSpPr>
           <p:nvPr>
             <p:ph type="title"/>
           </p:nvPr>
         </p:nvSpPr>
-        <p:spPr>
-          <a:xfrm>
-            <a:off x="714375" y="-2167"/>
-            <a:ext cx="7715250" cy="571500"/>
-          </a:xfrm>
-          <a:prstGeom prst="rect">
-            <a:avLst/>
-          </a:prstGeom>
-        </p:spPr>
+        <p:spPr/>
         <p:txBody>
-          <a:bodyPr spcFirstLastPara="1" wrap="square" lIns="91425" tIns="91425" rIns="91425" bIns="91425" anchor="t" anchorCtr="0">
-            <a:noAutofit/>
-          </a:bodyPr>
+          <a:bodyPr/>
           <a:lstStyle/>
           <a:p>
-            <a:pPr lvl="0" algn="ctr"/>
-            <a:r>
-              <a:rPr lang="es-ES" dirty="0">
-                <a:latin typeface="Century Gothic" panose="020B0502020202020204" pitchFamily="34" charset="0"/>
-              </a:rPr>
-              <a:t>API</a:t>
-            </a:r>
-            <a:endParaRPr dirty="0">
-              <a:solidFill>
-                <a:schemeClr val="accent3"/>
-              </a:solidFill>
-              <a:latin typeface="Century Gothic" panose="020B0502020202020204" pitchFamily="34" charset="0"/>
-            </a:endParaRPr>
+            <a:endParaRPr lang="es-ES"/>
           </a:p>
         </p:txBody>
       </p:sp>
       <p:pic>
         <p:nvPicPr>
-          <p:cNvPr id="3" name="Imagen 2">
+          <p:cNvPr id="1026" name="Picture 2">
             <a:extLst>
               <a:ext uri="{FF2B5EF4-FFF2-40B4-BE49-F238E27FC236}">
-                <a16:creationId xmlns:a16="http://schemas.microsoft.com/office/drawing/2014/main" id="{79FD624B-B0E9-1893-6890-9BA8D1C6608C}"/>
+                <a16:creationId xmlns:a16="http://schemas.microsoft.com/office/drawing/2014/main" id="{CA87061B-F7DF-0485-496D-016E27513B9E}"/>
               </a:ext>
             </a:extLst>
           </p:cNvPr>
           <p:cNvPicPr>
-            <a:picLocks noChangeAspect="1"/>
+            <a:picLocks noChangeAspect="1" noChangeArrowheads="1"/>
           </p:cNvPicPr>
           <p:nvPr/>
         </p:nvPicPr>
-        <p:blipFill rotWithShape="1">
-          <a:blip r:embed="rId3"/>
-          <a:srcRect t="1188"/>
-          <a:stretch/>
+        <p:blipFill>
+          <a:blip r:embed="rId2">
+            <a:extLst>
+              <a:ext uri="{28A0092B-C50C-407E-A947-70E740481C1C}">
+                <a14:useLocalDpi xmlns:a14="http://schemas.microsoft.com/office/drawing/2010/main" val="0"/>
+              </a:ext>
+            </a:extLst>
+          </a:blip>
+          <a:srcRect/>
+          <a:stretch>
+            <a:fillRect/>
+          </a:stretch>
         </p:blipFill>
-        <p:spPr>
+        <p:spPr bwMode="auto">
           <a:xfrm>
-            <a:off x="0" y="569333"/>
-            <a:ext cx="9144000" cy="4271982"/>
+            <a:off x="2775133" y="1589207"/>
+            <a:ext cx="3593734" cy="2038057"/>
           </a:xfrm>
           <a:prstGeom prst="rect">
             <a:avLst/>
           </a:prstGeom>
+          <a:noFill/>
+          <a:extLst>
+            <a:ext uri="{909E8E84-426E-40DD-AFC4-6F175D3DCCD1}">
+              <a14:hiddenFill xmlns:a14="http://schemas.microsoft.com/office/drawing/2010/main">
+                <a:solidFill>
+                  <a:srgbClr val="FFFFFF"/>
+                </a:solidFill>
+              </a14:hiddenFill>
+            </a:ext>
+          </a:extLst>
         </p:spPr>
       </p:pic>
     </p:spTree>
     <p:extLst>
       <p:ext uri="{BB962C8B-B14F-4D97-AF65-F5344CB8AC3E}">
-        <p14:creationId xmlns:p14="http://schemas.microsoft.com/office/powerpoint/2010/main" val="2289645106"/>
+        <p14:creationId xmlns:p14="http://schemas.microsoft.com/office/powerpoint/2010/main" val="3733633264"/>
       </p:ext>
     </p:extLst>
   </p:cSld>
@@ -11294,7 +15131,7 @@
 </p:sld>
 </file>
 
-<file path=ppt/slides/slide13.xml><?xml version="1.0" encoding="utf-8"?>
+<file path=ppt/slides/slide15.xml><?xml version="1.0" encoding="utf-8"?>
 <p:sld xmlns:a="http://schemas.openxmlformats.org/drawingml/2006/main" xmlns:r="http://schemas.openxmlformats.org/officeDocument/2006/relationships" xmlns:p="http://schemas.openxmlformats.org/presentationml/2006/main">
   <p:cSld>
     <p:spTree>
@@ -11923,7 +15760,7 @@
 </p:sld>
 </file>
 
-<file path=ppt/slides/slide14.xml><?xml version="1.0" encoding="utf-8"?>
+<file path=ppt/slides/slide16.xml><?xml version="1.0" encoding="utf-8"?>
 <p:sld xmlns:a="http://schemas.openxmlformats.org/drawingml/2006/main" xmlns:r="http://schemas.openxmlformats.org/officeDocument/2006/relationships" xmlns:p="http://schemas.openxmlformats.org/presentationml/2006/main">
   <p:cSld>
     <p:spTree>
@@ -13671,7 +17508,7 @@
 </p:sld>
 </file>
 
-<file path=ppt/slides/slide15.xml><?xml version="1.0" encoding="utf-8"?>
+<file path=ppt/slides/slide17.xml><?xml version="1.0" encoding="utf-8"?>
 <p:sld xmlns:a="http://schemas.openxmlformats.org/drawingml/2006/main" xmlns:r="http://schemas.openxmlformats.org/officeDocument/2006/relationships" xmlns:p="http://schemas.openxmlformats.org/presentationml/2006/main">
   <p:cSld>
     <p:spTree>
@@ -16262,7 +20099,7 @@
 </p:sld>
 </file>
 
-<file path=ppt/slides/slide16.xml><?xml version="1.0" encoding="utf-8"?>
+<file path=ppt/slides/slide18.xml><?xml version="1.0" encoding="utf-8"?>
 <p:sld xmlns:a="http://schemas.openxmlformats.org/drawingml/2006/main" xmlns:r="http://schemas.openxmlformats.org/officeDocument/2006/relationships" xmlns:p="http://schemas.openxmlformats.org/presentationml/2006/main">
   <p:cSld>
     <p:spTree>
@@ -17153,108 +20990,7 @@
 </p:sld>
 </file>
 
-<file path=ppt/slides/slide17.xml><?xml version="1.0" encoding="utf-8"?>
-<p:sld xmlns:a="http://schemas.openxmlformats.org/drawingml/2006/main" xmlns:r="http://schemas.openxmlformats.org/officeDocument/2006/relationships" xmlns:p="http://schemas.openxmlformats.org/presentationml/2006/main">
-  <p:cSld>
-    <p:spTree>
-      <p:nvGrpSpPr>
-        <p:cNvPr id="1" name="Shape 353"/>
-        <p:cNvGrpSpPr/>
-        <p:nvPr/>
-      </p:nvGrpSpPr>
-      <p:grpSpPr>
-        <a:xfrm>
-          <a:off x="0" y="0"/>
-          <a:ext cx="0" cy="0"/>
-          <a:chOff x="0" y="0"/>
-          <a:chExt cx="0" cy="0"/>
-        </a:xfrm>
-      </p:grpSpPr>
-      <p:sp>
-        <p:nvSpPr>
-          <p:cNvPr id="354" name="Google Shape;354;p37"/>
-          <p:cNvSpPr txBox="1">
-            <a:spLocks noGrp="1"/>
-          </p:cNvSpPr>
-          <p:nvPr>
-            <p:ph type="title"/>
-          </p:nvPr>
-        </p:nvSpPr>
-        <p:spPr>
-          <a:xfrm>
-            <a:off x="714375" y="-2167"/>
-            <a:ext cx="7715250" cy="571500"/>
-          </a:xfrm>
-          <a:prstGeom prst="rect">
-            <a:avLst/>
-          </a:prstGeom>
-        </p:spPr>
-        <p:txBody>
-          <a:bodyPr spcFirstLastPara="1" wrap="square" lIns="91425" tIns="91425" rIns="91425" bIns="91425" anchor="t" anchorCtr="0">
-            <a:noAutofit/>
-          </a:bodyPr>
-          <a:lstStyle/>
-          <a:p>
-            <a:pPr lvl="0" algn="ctr"/>
-            <a:r>
-              <a:rPr lang="es-ES" dirty="0">
-                <a:latin typeface="Century Gothic" panose="020B0502020202020204" pitchFamily="34" charset="0"/>
-              </a:rPr>
-              <a:t>API</a:t>
-            </a:r>
-            <a:endParaRPr dirty="0">
-              <a:solidFill>
-                <a:schemeClr val="accent3"/>
-              </a:solidFill>
-              <a:latin typeface="Century Gothic" panose="020B0502020202020204" pitchFamily="34" charset="0"/>
-            </a:endParaRPr>
-          </a:p>
-        </p:txBody>
-      </p:sp>
-      <p:pic>
-        <p:nvPicPr>
-          <p:cNvPr id="4" name="Imagen 3">
-            <a:extLst>
-              <a:ext uri="{FF2B5EF4-FFF2-40B4-BE49-F238E27FC236}">
-                <a16:creationId xmlns:a16="http://schemas.microsoft.com/office/drawing/2014/main" id="{F085EFA9-0255-C7F3-3493-55471BB12EC8}"/>
-              </a:ext>
-            </a:extLst>
-          </p:cNvPr>
-          <p:cNvPicPr>
-            <a:picLocks noChangeAspect="1"/>
-          </p:cNvPicPr>
-          <p:nvPr/>
-        </p:nvPicPr>
-        <p:blipFill>
-          <a:blip r:embed="rId3"/>
-          <a:stretch>
-            <a:fillRect/>
-          </a:stretch>
-        </p:blipFill>
-        <p:spPr>
-          <a:xfrm>
-            <a:off x="374847" y="569333"/>
-            <a:ext cx="8144407" cy="4255462"/>
-          </a:xfrm>
-          <a:prstGeom prst="rect">
-            <a:avLst/>
-          </a:prstGeom>
-        </p:spPr>
-      </p:pic>
-    </p:spTree>
-    <p:extLst>
-      <p:ext uri="{BB962C8B-B14F-4D97-AF65-F5344CB8AC3E}">
-        <p14:creationId xmlns:p14="http://schemas.microsoft.com/office/powerpoint/2010/main" val="4229209639"/>
-      </p:ext>
-    </p:extLst>
-  </p:cSld>
-  <p:clrMapOvr>
-    <a:masterClrMapping/>
-  </p:clrMapOvr>
-</p:sld>
-</file>
-
-<file path=ppt/slides/slide18.xml><?xml version="1.0" encoding="utf-8"?>
+<file path=ppt/slides/slide19.xml><?xml version="1.0" encoding="utf-8"?>
 <p:sld xmlns:a="http://schemas.openxmlformats.org/drawingml/2006/main" xmlns:r="http://schemas.openxmlformats.org/officeDocument/2006/relationships" xmlns:p="http://schemas.openxmlformats.org/presentationml/2006/main">
   <p:cSld>
     <p:spTree>
@@ -17806,7 +21542,84 @@
 </p:sld>
 </file>
 
-<file path=ppt/slides/slide19.xml><?xml version="1.0" encoding="utf-8"?>
+<file path=ppt/slides/slide2.xml><?xml version="1.0" encoding="utf-8"?>
+<p:sld xmlns:a="http://schemas.openxmlformats.org/drawingml/2006/main" xmlns:r="http://schemas.openxmlformats.org/officeDocument/2006/relationships" xmlns:p="http://schemas.openxmlformats.org/presentationml/2006/main">
+  <p:cSld>
+    <p:spTree>
+      <p:nvGrpSpPr>
+        <p:cNvPr id="1" name=""/>
+        <p:cNvGrpSpPr/>
+        <p:nvPr/>
+      </p:nvGrpSpPr>
+      <p:grpSpPr>
+        <a:xfrm>
+          <a:off x="0" y="0"/>
+          <a:ext cx="0" cy="0"/>
+          <a:chOff x="0" y="0"/>
+          <a:chExt cx="0" cy="0"/>
+        </a:xfrm>
+      </p:grpSpPr>
+      <p:pic>
+        <p:nvPicPr>
+          <p:cNvPr id="3" name="Picture 6">
+            <a:extLst>
+              <a:ext uri="{FF2B5EF4-FFF2-40B4-BE49-F238E27FC236}">
+                <a16:creationId xmlns:a16="http://schemas.microsoft.com/office/drawing/2014/main" id="{9B2DECBF-397B-A21E-6CBA-58EB04487CA0}"/>
+              </a:ext>
+            </a:extLst>
+          </p:cNvPr>
+          <p:cNvPicPr>
+            <a:picLocks noChangeAspect="1" noChangeArrowheads="1"/>
+          </p:cNvPicPr>
+          <p:nvPr/>
+        </p:nvPicPr>
+        <p:blipFill>
+          <a:blip r:embed="rId2">
+            <a:extLst>
+              <a:ext uri="{28A0092B-C50C-407E-A947-70E740481C1C}">
+                <a14:useLocalDpi xmlns:a14="http://schemas.microsoft.com/office/drawing/2010/main" val="0"/>
+              </a:ext>
+            </a:extLst>
+          </a:blip>
+          <a:srcRect/>
+          <a:stretch>
+            <a:fillRect/>
+          </a:stretch>
+        </p:blipFill>
+        <p:spPr bwMode="auto">
+          <a:xfrm>
+            <a:off x="2907890" y="1878370"/>
+            <a:ext cx="3328219" cy="1386760"/>
+          </a:xfrm>
+          <a:prstGeom prst="rect">
+            <a:avLst/>
+          </a:prstGeom>
+          <a:noFill/>
+          <a:extLst>
+            <a:ext uri="{909E8E84-426E-40DD-AFC4-6F175D3DCCD1}">
+              <a14:hiddenFill xmlns:a14="http://schemas.microsoft.com/office/drawing/2010/main">
+                <a:solidFill>
+                  <a:srgbClr val="FFFFFF"/>
+                </a:solidFill>
+              </a14:hiddenFill>
+            </a:ext>
+          </a:extLst>
+        </p:spPr>
+      </p:pic>
+    </p:spTree>
+    <p:extLst>
+      <p:ext uri="{BB962C8B-B14F-4D97-AF65-F5344CB8AC3E}">
+        <p14:creationId xmlns:p14="http://schemas.microsoft.com/office/powerpoint/2010/main" val="2639088417"/>
+      </p:ext>
+    </p:extLst>
+  </p:cSld>
+  <p:clrMapOvr>
+    <a:masterClrMapping/>
+  </p:clrMapOvr>
+</p:sld>
+</file>
+
+<file path=ppt/slides/slide20.xml><?xml version="1.0" encoding="utf-8"?>
 <p:sld xmlns:a="http://schemas.openxmlformats.org/drawingml/2006/main" xmlns:r="http://schemas.openxmlformats.org/officeDocument/2006/relationships" xmlns:p="http://schemas.openxmlformats.org/presentationml/2006/main">
   <p:cSld>
     <p:spTree>
@@ -18402,12 +22215,12 @@
 </p:sld>
 </file>
 
-<file path=ppt/slides/slide2.xml><?xml version="1.0" encoding="utf-8"?>
+<file path=ppt/slides/slide21.xml><?xml version="1.0" encoding="utf-8"?>
 <p:sld xmlns:a="http://schemas.openxmlformats.org/drawingml/2006/main" xmlns:r="http://schemas.openxmlformats.org/officeDocument/2006/relationships" xmlns:p="http://schemas.openxmlformats.org/presentationml/2006/main">
   <p:cSld>
     <p:spTree>
       <p:nvGrpSpPr>
-        <p:cNvPr id="1" name="Shape 332"/>
+        <p:cNvPr id="1" name="Shape 353"/>
         <p:cNvGrpSpPr/>
         <p:nvPr/>
       </p:nvGrpSpPr>
@@ -18421,7 +22234,7 @@
       </p:grpSpPr>
       <p:sp>
         <p:nvSpPr>
-          <p:cNvPr id="341" name="Google Shape;341;p36"/>
+          <p:cNvPr id="354" name="Google Shape;354;p37"/>
           <p:cNvSpPr txBox="1">
             <a:spLocks noGrp="1"/>
           </p:cNvSpPr>
@@ -18431,7 +22244,7 @@
         </p:nvSpPr>
         <p:spPr>
           <a:xfrm>
-            <a:off x="714375" y="358775"/>
+            <a:off x="714375" y="-2167"/>
             <a:ext cx="7715250" cy="571500"/>
           </a:xfrm>
           <a:prstGeom prst="rect">
@@ -18444,22 +22257,17 @@
           </a:bodyPr>
           <a:lstStyle/>
           <a:p>
-            <a:pPr marL="0" lvl="0" indent="0" algn="ctr" rtl="0">
-              <a:spcBef>
-                <a:spcPts val="0"/>
-              </a:spcBef>
-              <a:spcAft>
-                <a:spcPts val="0"/>
-              </a:spcAft>
-              <a:buNone/>
-            </a:pPr>
-            <a:r>
-              <a:rPr lang="en" dirty="0">
+            <a:pPr lvl="0" algn="ctr"/>
+            <a:r>
+              <a:rPr lang="es-ES" dirty="0">
                 <a:latin typeface="Century Gothic" panose="020B0502020202020204" pitchFamily="34" charset="0"/>
               </a:rPr>
-              <a:t>GIT FLOW</a:t>
+              <a:t>API</a:t>
             </a:r>
             <a:endParaRPr dirty="0">
+              <a:solidFill>
+                <a:schemeClr val="accent3"/>
+              </a:solidFill>
               <a:latin typeface="Century Gothic" panose="020B0502020202020204" pitchFamily="34" charset="0"/>
             </a:endParaRPr>
           </a:p>
@@ -18467,10 +22275,10 @@
       </p:sp>
       <p:pic>
         <p:nvPicPr>
-          <p:cNvPr id="23" name="Gráfico 22">
+          <p:cNvPr id="4" name="Imagen 3">
             <a:extLst>
               <a:ext uri="{FF2B5EF4-FFF2-40B4-BE49-F238E27FC236}">
-                <a16:creationId xmlns:a16="http://schemas.microsoft.com/office/drawing/2014/main" id="{EFAB9613-8385-8487-5F23-5A6E572E8501}"/>
+                <a16:creationId xmlns:a16="http://schemas.microsoft.com/office/drawing/2014/main" id="{F085EFA9-0255-C7F3-3493-55471BB12EC8}"/>
               </a:ext>
             </a:extLst>
           </p:cNvPr>
@@ -18480,117 +22288,25 @@
           <p:nvPr/>
         </p:nvPicPr>
         <p:blipFill>
-          <a:blip r:embed="rId3">
-            <a:extLst>
-              <a:ext uri="{96DAC541-7B7A-43D3-8B79-37D633B846F1}">
-                <asvg:svgBlip xmlns:asvg="http://schemas.microsoft.com/office/drawing/2016/SVG/main" r:embed="rId4"/>
-              </a:ext>
-            </a:extLst>
-          </a:blip>
+          <a:blip r:embed="rId3"/>
           <a:stretch>
             <a:fillRect/>
           </a:stretch>
         </p:blipFill>
         <p:spPr>
           <a:xfrm>
-            <a:off x="1102959" y="1361451"/>
-            <a:ext cx="6938081" cy="2822717"/>
+            <a:off x="374847" y="569333"/>
+            <a:ext cx="8144407" cy="4255462"/>
           </a:xfrm>
           <a:prstGeom prst="rect">
             <a:avLst/>
           </a:prstGeom>
         </p:spPr>
       </p:pic>
-      <p:pic>
-        <p:nvPicPr>
-          <p:cNvPr id="3" name="Picture 6">
-            <a:extLst>
-              <a:ext uri="{FF2B5EF4-FFF2-40B4-BE49-F238E27FC236}">
-                <a16:creationId xmlns:a16="http://schemas.microsoft.com/office/drawing/2014/main" id="{1158E795-63DE-4221-0229-627DEB4802C9}"/>
-              </a:ext>
-            </a:extLst>
-          </p:cNvPr>
-          <p:cNvPicPr>
-            <a:picLocks noChangeAspect="1" noChangeArrowheads="1"/>
-          </p:cNvPicPr>
-          <p:nvPr/>
-        </p:nvPicPr>
-        <p:blipFill>
-          <a:blip r:embed="rId5">
-            <a:extLst>
-              <a:ext uri="{28A0092B-C50C-407E-A947-70E740481C1C}">
-                <a14:useLocalDpi xmlns:a14="http://schemas.microsoft.com/office/drawing/2010/main" val="0"/>
-              </a:ext>
-            </a:extLst>
-          </a:blip>
-          <a:srcRect/>
-          <a:stretch>
-            <a:fillRect/>
-          </a:stretch>
-        </p:blipFill>
-        <p:spPr bwMode="auto">
-          <a:xfrm>
-            <a:off x="8041040" y="4615344"/>
-            <a:ext cx="933277" cy="388866"/>
-          </a:xfrm>
-          <a:prstGeom prst="rect">
-            <a:avLst/>
-          </a:prstGeom>
-          <a:noFill/>
-          <a:extLst>
-            <a:ext uri="{909E8E84-426E-40DD-AFC4-6F175D3DCCD1}">
-              <a14:hiddenFill xmlns:a14="http://schemas.microsoft.com/office/drawing/2010/main">
-                <a:solidFill>
-                  <a:srgbClr val="FFFFFF"/>
-                </a:solidFill>
-              </a14:hiddenFill>
-            </a:ext>
-          </a:extLst>
-        </p:spPr>
-      </p:pic>
-      <p:sp>
-        <p:nvSpPr>
-          <p:cNvPr id="5" name="CuadroTexto 4">
-            <a:extLst>
-              <a:ext uri="{FF2B5EF4-FFF2-40B4-BE49-F238E27FC236}">
-                <a16:creationId xmlns:a16="http://schemas.microsoft.com/office/drawing/2014/main" id="{6060AAA1-27B6-A885-83C1-E9CAF73C671A}"/>
-              </a:ext>
-            </a:extLst>
-          </p:cNvPr>
-          <p:cNvSpPr txBox="1"/>
-          <p:nvPr/>
-        </p:nvSpPr>
-        <p:spPr>
-          <a:xfrm>
-            <a:off x="1314094" y="4615344"/>
-            <a:ext cx="6515809" cy="307777"/>
-          </a:xfrm>
-          <a:prstGeom prst="rect">
-            <a:avLst/>
-          </a:prstGeom>
-          <a:noFill/>
-        </p:spPr>
-        <p:txBody>
-          <a:bodyPr wrap="square">
-            <a:spAutoFit/>
-          </a:bodyPr>
-          <a:lstStyle/>
-          <a:p>
-            <a:r>
-              <a:rPr lang="es-ES" dirty="0">
-                <a:solidFill>
-                  <a:schemeClr val="accent2"/>
-                </a:solidFill>
-              </a:rPr>
-              <a:t>https://www.atlassian.com/git/tutorials/comparing-workflows/gitflow-workflow</a:t>
-            </a:r>
-          </a:p>
-        </p:txBody>
-      </p:sp>
     </p:spTree>
     <p:extLst>
       <p:ext uri="{BB962C8B-B14F-4D97-AF65-F5344CB8AC3E}">
-        <p14:creationId xmlns:p14="http://schemas.microsoft.com/office/powerpoint/2010/main" val="2531866707"/>
+        <p14:creationId xmlns:p14="http://schemas.microsoft.com/office/powerpoint/2010/main" val="4229209639"/>
       </p:ext>
     </p:extLst>
   </p:cSld>
@@ -18600,7 +22316,7 @@
 </p:sld>
 </file>
 
-<file path=ppt/slides/slide20.xml><?xml version="1.0" encoding="utf-8"?>
+<file path=ppt/slides/slide22.xml><?xml version="1.0" encoding="utf-8"?>
 <p:sld xmlns:a="http://schemas.openxmlformats.org/drawingml/2006/main" xmlns:r="http://schemas.openxmlformats.org/officeDocument/2006/relationships" xmlns:p="http://schemas.openxmlformats.org/presentationml/2006/main">
   <p:cSld>
     <p:spTree>
@@ -21182,7 +24898,7 @@
 </p:sld>
 </file>
 
-<file path=ppt/slides/slide21.xml><?xml version="1.0" encoding="utf-8"?>
+<file path=ppt/slides/slide23.xml><?xml version="1.0" encoding="utf-8"?>
 <p:sld xmlns:a="http://schemas.openxmlformats.org/drawingml/2006/main" xmlns:r="http://schemas.openxmlformats.org/officeDocument/2006/relationships" xmlns:p="http://schemas.openxmlformats.org/presentationml/2006/main">
   <p:cSld>
     <p:spTree>
@@ -22331,7 +26047,7 @@
 </p:sld>
 </file>
 
-<file path=ppt/slides/slide22.xml><?xml version="1.0" encoding="utf-8"?>
+<file path=ppt/slides/slide24.xml><?xml version="1.0" encoding="utf-8"?>
 <p:sld xmlns:a="http://schemas.openxmlformats.org/drawingml/2006/main" xmlns:r="http://schemas.openxmlformats.org/officeDocument/2006/relationships" xmlns:p="http://schemas.openxmlformats.org/presentationml/2006/main">
   <p:cSld>
     <p:spTree>
@@ -23930,6 +27646,204 @@
       </p:sp>
       <p:pic>
         <p:nvPicPr>
+          <p:cNvPr id="23" name="Gráfico 22">
+            <a:extLst>
+              <a:ext uri="{FF2B5EF4-FFF2-40B4-BE49-F238E27FC236}">
+                <a16:creationId xmlns:a16="http://schemas.microsoft.com/office/drawing/2014/main" id="{EFAB9613-8385-8487-5F23-5A6E572E8501}"/>
+              </a:ext>
+            </a:extLst>
+          </p:cNvPr>
+          <p:cNvPicPr>
+            <a:picLocks noChangeAspect="1"/>
+          </p:cNvPicPr>
+          <p:nvPr/>
+        </p:nvPicPr>
+        <p:blipFill>
+          <a:blip r:embed="rId3">
+            <a:extLst>
+              <a:ext uri="{96DAC541-7B7A-43D3-8B79-37D633B846F1}">
+                <asvg:svgBlip xmlns:asvg="http://schemas.microsoft.com/office/drawing/2016/SVG/main" r:embed="rId4"/>
+              </a:ext>
+            </a:extLst>
+          </a:blip>
+          <a:stretch>
+            <a:fillRect/>
+          </a:stretch>
+        </p:blipFill>
+        <p:spPr>
+          <a:xfrm>
+            <a:off x="1102959" y="1361451"/>
+            <a:ext cx="6938081" cy="2822717"/>
+          </a:xfrm>
+          <a:prstGeom prst="rect">
+            <a:avLst/>
+          </a:prstGeom>
+        </p:spPr>
+      </p:pic>
+      <p:pic>
+        <p:nvPicPr>
+          <p:cNvPr id="3" name="Picture 6">
+            <a:extLst>
+              <a:ext uri="{FF2B5EF4-FFF2-40B4-BE49-F238E27FC236}">
+                <a16:creationId xmlns:a16="http://schemas.microsoft.com/office/drawing/2014/main" id="{1158E795-63DE-4221-0229-627DEB4802C9}"/>
+              </a:ext>
+            </a:extLst>
+          </p:cNvPr>
+          <p:cNvPicPr>
+            <a:picLocks noChangeAspect="1" noChangeArrowheads="1"/>
+          </p:cNvPicPr>
+          <p:nvPr/>
+        </p:nvPicPr>
+        <p:blipFill>
+          <a:blip r:embed="rId5">
+            <a:extLst>
+              <a:ext uri="{28A0092B-C50C-407E-A947-70E740481C1C}">
+                <a14:useLocalDpi xmlns:a14="http://schemas.microsoft.com/office/drawing/2010/main" val="0"/>
+              </a:ext>
+            </a:extLst>
+          </a:blip>
+          <a:srcRect/>
+          <a:stretch>
+            <a:fillRect/>
+          </a:stretch>
+        </p:blipFill>
+        <p:spPr bwMode="auto">
+          <a:xfrm>
+            <a:off x="8041040" y="4615344"/>
+            <a:ext cx="933277" cy="388866"/>
+          </a:xfrm>
+          <a:prstGeom prst="rect">
+            <a:avLst/>
+          </a:prstGeom>
+          <a:noFill/>
+          <a:extLst>
+            <a:ext uri="{909E8E84-426E-40DD-AFC4-6F175D3DCCD1}">
+              <a14:hiddenFill xmlns:a14="http://schemas.microsoft.com/office/drawing/2010/main">
+                <a:solidFill>
+                  <a:srgbClr val="FFFFFF"/>
+                </a:solidFill>
+              </a14:hiddenFill>
+            </a:ext>
+          </a:extLst>
+        </p:spPr>
+      </p:pic>
+      <p:sp>
+        <p:nvSpPr>
+          <p:cNvPr id="5" name="CuadroTexto 4">
+            <a:extLst>
+              <a:ext uri="{FF2B5EF4-FFF2-40B4-BE49-F238E27FC236}">
+                <a16:creationId xmlns:a16="http://schemas.microsoft.com/office/drawing/2014/main" id="{6060AAA1-27B6-A885-83C1-E9CAF73C671A}"/>
+              </a:ext>
+            </a:extLst>
+          </p:cNvPr>
+          <p:cNvSpPr txBox="1"/>
+          <p:nvPr/>
+        </p:nvSpPr>
+        <p:spPr>
+          <a:xfrm>
+            <a:off x="1314094" y="4615344"/>
+            <a:ext cx="6515809" cy="307777"/>
+          </a:xfrm>
+          <a:prstGeom prst="rect">
+            <a:avLst/>
+          </a:prstGeom>
+          <a:noFill/>
+        </p:spPr>
+        <p:txBody>
+          <a:bodyPr wrap="square">
+            <a:spAutoFit/>
+          </a:bodyPr>
+          <a:lstStyle/>
+          <a:p>
+            <a:r>
+              <a:rPr lang="es-ES" dirty="0">
+                <a:solidFill>
+                  <a:schemeClr val="accent2"/>
+                </a:solidFill>
+              </a:rPr>
+              <a:t>https://www.atlassian.com/git/tutorials/comparing-workflows/gitflow-workflow</a:t>
+            </a:r>
+          </a:p>
+        </p:txBody>
+      </p:sp>
+    </p:spTree>
+    <p:extLst>
+      <p:ext uri="{BB962C8B-B14F-4D97-AF65-F5344CB8AC3E}">
+        <p14:creationId xmlns:p14="http://schemas.microsoft.com/office/powerpoint/2010/main" val="2531866707"/>
+      </p:ext>
+    </p:extLst>
+  </p:cSld>
+  <p:clrMapOvr>
+    <a:masterClrMapping/>
+  </p:clrMapOvr>
+</p:sld>
+</file>
+
+<file path=ppt/slides/slide4.xml><?xml version="1.0" encoding="utf-8"?>
+<p:sld xmlns:a="http://schemas.openxmlformats.org/drawingml/2006/main" xmlns:r="http://schemas.openxmlformats.org/officeDocument/2006/relationships" xmlns:p="http://schemas.openxmlformats.org/presentationml/2006/main">
+  <p:cSld>
+    <p:spTree>
+      <p:nvGrpSpPr>
+        <p:cNvPr id="1" name="Shape 332"/>
+        <p:cNvGrpSpPr/>
+        <p:nvPr/>
+      </p:nvGrpSpPr>
+      <p:grpSpPr>
+        <a:xfrm>
+          <a:off x="0" y="0"/>
+          <a:ext cx="0" cy="0"/>
+          <a:chOff x="0" y="0"/>
+          <a:chExt cx="0" cy="0"/>
+        </a:xfrm>
+      </p:grpSpPr>
+      <p:sp>
+        <p:nvSpPr>
+          <p:cNvPr id="341" name="Google Shape;341;p36"/>
+          <p:cNvSpPr txBox="1">
+            <a:spLocks noGrp="1"/>
+          </p:cNvSpPr>
+          <p:nvPr>
+            <p:ph type="title"/>
+          </p:nvPr>
+        </p:nvSpPr>
+        <p:spPr>
+          <a:xfrm>
+            <a:off x="714375" y="358775"/>
+            <a:ext cx="7715250" cy="571500"/>
+          </a:xfrm>
+          <a:prstGeom prst="rect">
+            <a:avLst/>
+          </a:prstGeom>
+        </p:spPr>
+        <p:txBody>
+          <a:bodyPr spcFirstLastPara="1" wrap="square" lIns="91425" tIns="91425" rIns="91425" bIns="91425" anchor="t" anchorCtr="0">
+            <a:noAutofit/>
+          </a:bodyPr>
+          <a:lstStyle/>
+          <a:p>
+            <a:pPr marL="0" lvl="0" indent="0" algn="ctr" rtl="0">
+              <a:spcBef>
+                <a:spcPts val="0"/>
+              </a:spcBef>
+              <a:spcAft>
+                <a:spcPts val="0"/>
+              </a:spcAft>
+              <a:buNone/>
+            </a:pPr>
+            <a:r>
+              <a:rPr lang="en" dirty="0">
+                <a:latin typeface="Century Gothic" panose="020B0502020202020204" pitchFamily="34" charset="0"/>
+              </a:rPr>
+              <a:t>GIT FLOW</a:t>
+            </a:r>
+            <a:endParaRPr dirty="0">
+              <a:latin typeface="Century Gothic" panose="020B0502020202020204" pitchFamily="34" charset="0"/>
+            </a:endParaRPr>
+          </a:p>
+        </p:txBody>
+      </p:sp>
+      <p:pic>
+        <p:nvPicPr>
           <p:cNvPr id="25" name="Gráfico 24">
             <a:extLst>
               <a:ext uri="{FF2B5EF4-FFF2-40B4-BE49-F238E27FC236}">
@@ -24305,7 +28219,7 @@
 </p:sld>
 </file>
 
-<file path=ppt/slides/slide4.xml><?xml version="1.0" encoding="utf-8"?>
+<file path=ppt/slides/slide5.xml><?xml version="1.0" encoding="utf-8"?>
 <p:sld xmlns:a="http://schemas.openxmlformats.org/drawingml/2006/main" xmlns:r="http://schemas.openxmlformats.org/officeDocument/2006/relationships" xmlns:p="http://schemas.openxmlformats.org/presentationml/2006/main">
   <p:cSld>
     <p:spTree>
@@ -24750,7 +28664,7 @@
 </p:sld>
 </file>
 
-<file path=ppt/slides/slide5.xml><?xml version="1.0" encoding="utf-8"?>
+<file path=ppt/slides/slide6.xml><?xml version="1.0" encoding="utf-8"?>
 <p:sld xmlns:a="http://schemas.openxmlformats.org/drawingml/2006/main" xmlns:r="http://schemas.openxmlformats.org/officeDocument/2006/relationships" xmlns:p="http://schemas.openxmlformats.org/presentationml/2006/main">
   <p:cSld>
     <p:spTree>
@@ -25195,7 +29109,109 @@
 </p:sld>
 </file>
 
-<file path=ppt/slides/slide6.xml><?xml version="1.0" encoding="utf-8"?>
+<file path=ppt/slides/slide7.xml><?xml version="1.0" encoding="utf-8"?>
+<p:sld xmlns:a="http://schemas.openxmlformats.org/drawingml/2006/main" xmlns:r="http://schemas.openxmlformats.org/officeDocument/2006/relationships" xmlns:p="http://schemas.openxmlformats.org/presentationml/2006/main">
+  <p:cSld>
+    <p:spTree>
+      <p:nvGrpSpPr>
+        <p:cNvPr id="1" name=""/>
+        <p:cNvGrpSpPr/>
+        <p:nvPr/>
+      </p:nvGrpSpPr>
+      <p:grpSpPr>
+        <a:xfrm>
+          <a:off x="0" y="0"/>
+          <a:ext cx="0" cy="0"/>
+          <a:chOff x="0" y="0"/>
+          <a:chExt cx="0" cy="0"/>
+        </a:xfrm>
+      </p:grpSpPr>
+      <p:sp>
+        <p:nvSpPr>
+          <p:cNvPr id="2" name="Título 1">
+            <a:extLst>
+              <a:ext uri="{FF2B5EF4-FFF2-40B4-BE49-F238E27FC236}">
+                <a16:creationId xmlns:a16="http://schemas.microsoft.com/office/drawing/2014/main" id="{727921F5-6565-7927-A1F2-0C0ED3E7550C}"/>
+              </a:ext>
+            </a:extLst>
+          </p:cNvPr>
+          <p:cNvSpPr>
+            <a:spLocks noGrp="1"/>
+          </p:cNvSpPr>
+          <p:nvPr>
+            <p:ph type="title"/>
+          </p:nvPr>
+        </p:nvSpPr>
+        <p:spPr/>
+        <p:txBody>
+          <a:bodyPr/>
+          <a:lstStyle/>
+          <a:p>
+            <a:endParaRPr lang="es-ES"/>
+          </a:p>
+        </p:txBody>
+      </p:sp>
+      <p:pic>
+        <p:nvPicPr>
+          <p:cNvPr id="3" name="Picture 6">
+            <a:extLst>
+              <a:ext uri="{FF2B5EF4-FFF2-40B4-BE49-F238E27FC236}">
+                <a16:creationId xmlns:a16="http://schemas.microsoft.com/office/drawing/2014/main" id="{B0C51FD6-3AD4-AA9E-EE2F-66C02179ED67}"/>
+              </a:ext>
+            </a:extLst>
+          </p:cNvPr>
+          <p:cNvPicPr>
+            <a:picLocks noChangeAspect="1" noChangeArrowheads="1"/>
+          </p:cNvPicPr>
+          <p:nvPr/>
+        </p:nvPicPr>
+        <p:blipFill>
+          <a:blip r:embed="rId2">
+            <a:extLst>
+              <a:ext uri="{28A0092B-C50C-407E-A947-70E740481C1C}">
+                <a14:useLocalDpi xmlns:a14="http://schemas.microsoft.com/office/drawing/2010/main" val="0"/>
+              </a:ext>
+            </a:extLst>
+          </a:blip>
+          <a:srcRect/>
+          <a:stretch>
+            <a:fillRect/>
+          </a:stretch>
+        </p:blipFill>
+        <p:spPr bwMode="auto">
+          <a:xfrm>
+            <a:off x="2700986" y="1925202"/>
+            <a:ext cx="4041507" cy="1021679"/>
+          </a:xfrm>
+          <a:prstGeom prst="rect">
+            <a:avLst/>
+          </a:prstGeom>
+          <a:noFill/>
+          <a:extLst>
+            <a:ext uri="{909E8E84-426E-40DD-AFC4-6F175D3DCCD1}">
+              <a14:hiddenFill xmlns:a14="http://schemas.microsoft.com/office/drawing/2010/main">
+                <a:solidFill>
+                  <a:srgbClr val="FFFFFF"/>
+                </a:solidFill>
+              </a14:hiddenFill>
+            </a:ext>
+          </a:extLst>
+        </p:spPr>
+      </p:pic>
+    </p:spTree>
+    <p:extLst>
+      <p:ext uri="{BB962C8B-B14F-4D97-AF65-F5344CB8AC3E}">
+        <p14:creationId xmlns:p14="http://schemas.microsoft.com/office/powerpoint/2010/main" val="2722315733"/>
+      </p:ext>
+    </p:extLst>
+  </p:cSld>
+  <p:clrMapOvr>
+    <a:masterClrMapping/>
+  </p:clrMapOvr>
+</p:sld>
+</file>
+
+<file path=ppt/slides/slide8.xml><?xml version="1.0" encoding="utf-8"?>
 <p:sld xmlns:a="http://schemas.openxmlformats.org/drawingml/2006/main" xmlns:r="http://schemas.openxmlformats.org/officeDocument/2006/relationships" xmlns:p="http://schemas.openxmlformats.org/presentationml/2006/main">
   <p:cSld>
     <p:spTree>
@@ -25870,7 +29886,7 @@
 </p:sld>
 </file>
 
-<file path=ppt/slides/slide7.xml><?xml version="1.0" encoding="utf-8"?>
+<file path=ppt/slides/slide9.xml><?xml version="1.0" encoding="utf-8"?>
 <p:sld xmlns:a="http://schemas.openxmlformats.org/drawingml/2006/main" xmlns:r="http://schemas.openxmlformats.org/officeDocument/2006/relationships" xmlns:p="http://schemas.openxmlformats.org/presentationml/2006/main">
   <p:cSld>
     <p:spTree>
@@ -27631,3953 +31647,6 @@
     <p:extLst>
       <p:ext uri="{BB962C8B-B14F-4D97-AF65-F5344CB8AC3E}">
         <p14:creationId xmlns:p14="http://schemas.microsoft.com/office/powerpoint/2010/main" val="2396752250"/>
-      </p:ext>
-    </p:extLst>
-  </p:cSld>
-  <p:clrMapOvr>
-    <a:masterClrMapping/>
-  </p:clrMapOvr>
-</p:sld>
-</file>
-
-<file path=ppt/slides/slide8.xml><?xml version="1.0" encoding="utf-8"?>
-<p:sld xmlns:a="http://schemas.openxmlformats.org/drawingml/2006/main" xmlns:r="http://schemas.openxmlformats.org/officeDocument/2006/relationships" xmlns:p="http://schemas.openxmlformats.org/presentationml/2006/main">
-  <p:cSld>
-    <p:spTree>
-      <p:nvGrpSpPr>
-        <p:cNvPr id="1" name="Shape 353"/>
-        <p:cNvGrpSpPr/>
-        <p:nvPr/>
-      </p:nvGrpSpPr>
-      <p:grpSpPr>
-        <a:xfrm>
-          <a:off x="0" y="0"/>
-          <a:ext cx="0" cy="0"/>
-          <a:chOff x="0" y="0"/>
-          <a:chExt cx="0" cy="0"/>
-        </a:xfrm>
-      </p:grpSpPr>
-      <p:sp>
-        <p:nvSpPr>
-          <p:cNvPr id="354" name="Google Shape;354;p37"/>
-          <p:cNvSpPr txBox="1">
-            <a:spLocks noGrp="1"/>
-          </p:cNvSpPr>
-          <p:nvPr>
-            <p:ph type="title"/>
-          </p:nvPr>
-        </p:nvSpPr>
-        <p:spPr>
-          <a:xfrm>
-            <a:off x="714375" y="190941"/>
-            <a:ext cx="7715250" cy="571500"/>
-          </a:xfrm>
-          <a:prstGeom prst="rect">
-            <a:avLst/>
-          </a:prstGeom>
-        </p:spPr>
-        <p:txBody>
-          <a:bodyPr spcFirstLastPara="1" wrap="square" lIns="91425" tIns="91425" rIns="91425" bIns="91425" anchor="t" anchorCtr="0">
-            <a:noAutofit/>
-          </a:bodyPr>
-          <a:lstStyle/>
-          <a:p>
-            <a:pPr lvl="0" algn="ctr"/>
-            <a:r>
-              <a:rPr lang="es-ES" dirty="0">
-                <a:latin typeface="Century Gothic" panose="020B0502020202020204" pitchFamily="34" charset="0"/>
-              </a:rPr>
-              <a:t>MAVEN</a:t>
-            </a:r>
-            <a:endParaRPr dirty="0">
-              <a:solidFill>
-                <a:schemeClr val="accent3"/>
-              </a:solidFill>
-              <a:latin typeface="Century Gothic" panose="020B0502020202020204" pitchFamily="34" charset="0"/>
-            </a:endParaRPr>
-          </a:p>
-        </p:txBody>
-      </p:sp>
-      <p:pic>
-        <p:nvPicPr>
-          <p:cNvPr id="3078" name="Picture 6">
-            <a:extLst>
-              <a:ext uri="{FF2B5EF4-FFF2-40B4-BE49-F238E27FC236}">
-                <a16:creationId xmlns:a16="http://schemas.microsoft.com/office/drawing/2014/main" id="{852C7473-011A-5322-4419-6F6DE03BF6C9}"/>
-              </a:ext>
-            </a:extLst>
-          </p:cNvPr>
-          <p:cNvPicPr>
-            <a:picLocks noChangeAspect="1" noChangeArrowheads="1"/>
-          </p:cNvPicPr>
-          <p:nvPr/>
-        </p:nvPicPr>
-        <p:blipFill>
-          <a:blip r:embed="rId3">
-            <a:extLst>
-              <a:ext uri="{28A0092B-C50C-407E-A947-70E740481C1C}">
-                <a14:useLocalDpi xmlns:a14="http://schemas.microsoft.com/office/drawing/2010/main" val="0"/>
-              </a:ext>
-            </a:extLst>
-          </a:blip>
-          <a:srcRect/>
-          <a:stretch>
-            <a:fillRect/>
-          </a:stretch>
-        </p:blipFill>
-        <p:spPr bwMode="auto">
-          <a:xfrm>
-            <a:off x="7402995" y="4694405"/>
-            <a:ext cx="1706321" cy="431352"/>
-          </a:xfrm>
-          <a:prstGeom prst="rect">
-            <a:avLst/>
-          </a:prstGeom>
-          <a:noFill/>
-          <a:extLst>
-            <a:ext uri="{909E8E84-426E-40DD-AFC4-6F175D3DCCD1}">
-              <a14:hiddenFill xmlns:a14="http://schemas.microsoft.com/office/drawing/2010/main">
-                <a:solidFill>
-                  <a:srgbClr val="FFFFFF"/>
-                </a:solidFill>
-              </a14:hiddenFill>
-            </a:ext>
-          </a:extLst>
-        </p:spPr>
-      </p:pic>
-      <p:sp>
-        <p:nvSpPr>
-          <p:cNvPr id="2" name="Google Shape;354;p37">
-            <a:extLst>
-              <a:ext uri="{FF2B5EF4-FFF2-40B4-BE49-F238E27FC236}">
-                <a16:creationId xmlns:a16="http://schemas.microsoft.com/office/drawing/2014/main" id="{520BC64A-1916-0A01-7FF1-EBF3F5F6CDF8}"/>
-              </a:ext>
-            </a:extLst>
-          </p:cNvPr>
-          <p:cNvSpPr txBox="1">
-            <a:spLocks/>
-          </p:cNvSpPr>
-          <p:nvPr/>
-        </p:nvSpPr>
-        <p:spPr>
-          <a:xfrm>
-            <a:off x="96552" y="615511"/>
-            <a:ext cx="4435691" cy="431367"/>
-          </a:xfrm>
-          <a:prstGeom prst="rect">
-            <a:avLst/>
-          </a:prstGeom>
-        </p:spPr>
-        <p:txBody>
-          <a:bodyPr spcFirstLastPara="1" wrap="square" lIns="91425" tIns="91425" rIns="91425" bIns="91425" anchor="t" anchorCtr="0">
-            <a:noAutofit/>
-          </a:bodyPr>
-          <a:lstStyle>
-            <a:defPPr marR="0" lvl="0" algn="l" rtl="0">
-              <a:lnSpc>
-                <a:spcPct val="100000"/>
-              </a:lnSpc>
-              <a:spcBef>
-                <a:spcPts val="0"/>
-              </a:spcBef>
-              <a:spcAft>
-                <a:spcPts val="0"/>
-              </a:spcAft>
-            </a:defPPr>
-            <a:lvl1pPr marR="0" lvl="0" algn="ctr" rtl="0">
-              <a:lnSpc>
-                <a:spcPct val="100000"/>
-              </a:lnSpc>
-              <a:spcBef>
-                <a:spcPts val="0"/>
-              </a:spcBef>
-              <a:spcAft>
-                <a:spcPts val="0"/>
-              </a:spcAft>
-              <a:buClr>
-                <a:schemeClr val="accent1"/>
-              </a:buClr>
-              <a:buSzPts val="2800"/>
-              <a:buFont typeface="Ramabhadra"/>
-              <a:buNone/>
-              <a:defRPr sz="2000" b="1" i="0" u="none" strike="noStrike" cap="none">
-                <a:solidFill>
-                  <a:srgbClr val="007399"/>
-                </a:solidFill>
-                <a:latin typeface="Century Gothic" panose="020B0502020202020204" pitchFamily="34" charset="0"/>
-                <a:ea typeface="Arial Black" panose="020B0604020202020204" pitchFamily="34" charset="0"/>
-                <a:cs typeface="Arial Black" panose="020B0604020202020204" pitchFamily="34" charset="0"/>
-                <a:sym typeface="Arial"/>
-              </a:defRPr>
-            </a:lvl1pPr>
-            <a:lvl2pPr marR="0" lvl="1" algn="ctr" rtl="0">
-              <a:lnSpc>
-                <a:spcPct val="100000"/>
-              </a:lnSpc>
-              <a:spcBef>
-                <a:spcPts val="0"/>
-              </a:spcBef>
-              <a:spcAft>
-                <a:spcPts val="0"/>
-              </a:spcAft>
-              <a:buClr>
-                <a:schemeClr val="accent1"/>
-              </a:buClr>
-              <a:buSzPts val="2800"/>
-              <a:buFont typeface="Ramabhadra"/>
-              <a:buNone/>
-              <a:defRPr sz="2800" b="1" i="0" u="none" strike="noStrike" cap="none">
-                <a:solidFill>
-                  <a:schemeClr val="accent1"/>
-                </a:solidFill>
-                <a:latin typeface="Ramabhadra"/>
-                <a:ea typeface="Ramabhadra"/>
-                <a:cs typeface="Ramabhadra"/>
-                <a:sym typeface="Ramabhadra"/>
-              </a:defRPr>
-            </a:lvl2pPr>
-            <a:lvl3pPr marR="0" lvl="2" algn="ctr" rtl="0">
-              <a:lnSpc>
-                <a:spcPct val="100000"/>
-              </a:lnSpc>
-              <a:spcBef>
-                <a:spcPts val="0"/>
-              </a:spcBef>
-              <a:spcAft>
-                <a:spcPts val="0"/>
-              </a:spcAft>
-              <a:buClr>
-                <a:schemeClr val="accent1"/>
-              </a:buClr>
-              <a:buSzPts val="2800"/>
-              <a:buFont typeface="Ramabhadra"/>
-              <a:buNone/>
-              <a:defRPr sz="2800" b="1" i="0" u="none" strike="noStrike" cap="none">
-                <a:solidFill>
-                  <a:schemeClr val="accent1"/>
-                </a:solidFill>
-                <a:latin typeface="Ramabhadra"/>
-                <a:ea typeface="Ramabhadra"/>
-                <a:cs typeface="Ramabhadra"/>
-                <a:sym typeface="Ramabhadra"/>
-              </a:defRPr>
-            </a:lvl3pPr>
-            <a:lvl4pPr marR="0" lvl="3" algn="ctr" rtl="0">
-              <a:lnSpc>
-                <a:spcPct val="100000"/>
-              </a:lnSpc>
-              <a:spcBef>
-                <a:spcPts val="0"/>
-              </a:spcBef>
-              <a:spcAft>
-                <a:spcPts val="0"/>
-              </a:spcAft>
-              <a:buClr>
-                <a:schemeClr val="accent1"/>
-              </a:buClr>
-              <a:buSzPts val="2800"/>
-              <a:buFont typeface="Ramabhadra"/>
-              <a:buNone/>
-              <a:defRPr sz="2800" b="1" i="0" u="none" strike="noStrike" cap="none">
-                <a:solidFill>
-                  <a:schemeClr val="accent1"/>
-                </a:solidFill>
-                <a:latin typeface="Ramabhadra"/>
-                <a:ea typeface="Ramabhadra"/>
-                <a:cs typeface="Ramabhadra"/>
-                <a:sym typeface="Ramabhadra"/>
-              </a:defRPr>
-            </a:lvl4pPr>
-            <a:lvl5pPr marR="0" lvl="4" algn="ctr" rtl="0">
-              <a:lnSpc>
-                <a:spcPct val="100000"/>
-              </a:lnSpc>
-              <a:spcBef>
-                <a:spcPts val="0"/>
-              </a:spcBef>
-              <a:spcAft>
-                <a:spcPts val="0"/>
-              </a:spcAft>
-              <a:buClr>
-                <a:schemeClr val="accent1"/>
-              </a:buClr>
-              <a:buSzPts val="2800"/>
-              <a:buFont typeface="Ramabhadra"/>
-              <a:buNone/>
-              <a:defRPr sz="2800" b="1" i="0" u="none" strike="noStrike" cap="none">
-                <a:solidFill>
-                  <a:schemeClr val="accent1"/>
-                </a:solidFill>
-                <a:latin typeface="Ramabhadra"/>
-                <a:ea typeface="Ramabhadra"/>
-                <a:cs typeface="Ramabhadra"/>
-                <a:sym typeface="Ramabhadra"/>
-              </a:defRPr>
-            </a:lvl5pPr>
-            <a:lvl6pPr marR="0" lvl="5" algn="ctr" rtl="0">
-              <a:lnSpc>
-                <a:spcPct val="100000"/>
-              </a:lnSpc>
-              <a:spcBef>
-                <a:spcPts val="0"/>
-              </a:spcBef>
-              <a:spcAft>
-                <a:spcPts val="0"/>
-              </a:spcAft>
-              <a:buClr>
-                <a:schemeClr val="accent1"/>
-              </a:buClr>
-              <a:buSzPts val="2800"/>
-              <a:buFont typeface="Ramabhadra"/>
-              <a:buNone/>
-              <a:defRPr sz="2800" b="1" i="0" u="none" strike="noStrike" cap="none">
-                <a:solidFill>
-                  <a:schemeClr val="accent1"/>
-                </a:solidFill>
-                <a:latin typeface="Ramabhadra"/>
-                <a:ea typeface="Ramabhadra"/>
-                <a:cs typeface="Ramabhadra"/>
-                <a:sym typeface="Ramabhadra"/>
-              </a:defRPr>
-            </a:lvl6pPr>
-            <a:lvl7pPr marR="0" lvl="6" algn="ctr" rtl="0">
-              <a:lnSpc>
-                <a:spcPct val="100000"/>
-              </a:lnSpc>
-              <a:spcBef>
-                <a:spcPts val="0"/>
-              </a:spcBef>
-              <a:spcAft>
-                <a:spcPts val="0"/>
-              </a:spcAft>
-              <a:buClr>
-                <a:schemeClr val="accent1"/>
-              </a:buClr>
-              <a:buSzPts val="2800"/>
-              <a:buFont typeface="Ramabhadra"/>
-              <a:buNone/>
-              <a:defRPr sz="2800" b="1" i="0" u="none" strike="noStrike" cap="none">
-                <a:solidFill>
-                  <a:schemeClr val="accent1"/>
-                </a:solidFill>
-                <a:latin typeface="Ramabhadra"/>
-                <a:ea typeface="Ramabhadra"/>
-                <a:cs typeface="Ramabhadra"/>
-                <a:sym typeface="Ramabhadra"/>
-              </a:defRPr>
-            </a:lvl7pPr>
-            <a:lvl8pPr marR="0" lvl="7" algn="ctr" rtl="0">
-              <a:lnSpc>
-                <a:spcPct val="100000"/>
-              </a:lnSpc>
-              <a:spcBef>
-                <a:spcPts val="0"/>
-              </a:spcBef>
-              <a:spcAft>
-                <a:spcPts val="0"/>
-              </a:spcAft>
-              <a:buClr>
-                <a:schemeClr val="accent1"/>
-              </a:buClr>
-              <a:buSzPts val="2800"/>
-              <a:buFont typeface="Ramabhadra"/>
-              <a:buNone/>
-              <a:defRPr sz="2800" b="1" i="0" u="none" strike="noStrike" cap="none">
-                <a:solidFill>
-                  <a:schemeClr val="accent1"/>
-                </a:solidFill>
-                <a:latin typeface="Ramabhadra"/>
-                <a:ea typeface="Ramabhadra"/>
-                <a:cs typeface="Ramabhadra"/>
-                <a:sym typeface="Ramabhadra"/>
-              </a:defRPr>
-            </a:lvl8pPr>
-            <a:lvl9pPr marR="0" lvl="8" algn="ctr" rtl="0">
-              <a:lnSpc>
-                <a:spcPct val="100000"/>
-              </a:lnSpc>
-              <a:spcBef>
-                <a:spcPts val="0"/>
-              </a:spcBef>
-              <a:spcAft>
-                <a:spcPts val="0"/>
-              </a:spcAft>
-              <a:buClr>
-                <a:schemeClr val="accent1"/>
-              </a:buClr>
-              <a:buSzPts val="2800"/>
-              <a:buFont typeface="Ramabhadra"/>
-              <a:buNone/>
-              <a:defRPr sz="2800" b="1" i="0" u="none" strike="noStrike" cap="none">
-                <a:solidFill>
-                  <a:schemeClr val="accent1"/>
-                </a:solidFill>
-                <a:latin typeface="Ramabhadra"/>
-                <a:ea typeface="Ramabhadra"/>
-                <a:cs typeface="Ramabhadra"/>
-                <a:sym typeface="Ramabhadra"/>
-              </a:defRPr>
-            </a:lvl9pPr>
-          </a:lstStyle>
-          <a:p>
-            <a:r>
-              <a:rPr lang="es-ES" dirty="0">
-                <a:solidFill>
-                  <a:schemeClr val="accent3"/>
-                </a:solidFill>
-              </a:rPr>
-              <a:t>pom.xml (Project </a:t>
-            </a:r>
-            <a:r>
-              <a:rPr lang="es-ES" dirty="0" err="1">
-                <a:solidFill>
-                  <a:schemeClr val="accent3"/>
-                </a:solidFill>
-              </a:rPr>
-              <a:t>Object</a:t>
-            </a:r>
-            <a:r>
-              <a:rPr lang="es-ES" dirty="0">
-                <a:solidFill>
-                  <a:schemeClr val="accent3"/>
-                </a:solidFill>
-              </a:rPr>
-              <a:t> </a:t>
-            </a:r>
-            <a:r>
-              <a:rPr lang="es-ES" dirty="0" err="1">
-                <a:solidFill>
-                  <a:schemeClr val="accent3"/>
-                </a:solidFill>
-              </a:rPr>
-              <a:t>Model</a:t>
-            </a:r>
-            <a:r>
-              <a:rPr lang="es-ES" dirty="0">
-                <a:solidFill>
-                  <a:schemeClr val="accent3"/>
-                </a:solidFill>
-              </a:rPr>
-              <a:t>)    </a:t>
-            </a:r>
-          </a:p>
-        </p:txBody>
-      </p:sp>
-      <p:sp>
-        <p:nvSpPr>
-          <p:cNvPr id="5" name="CuadroTexto 4">
-            <a:extLst>
-              <a:ext uri="{FF2B5EF4-FFF2-40B4-BE49-F238E27FC236}">
-                <a16:creationId xmlns:a16="http://schemas.microsoft.com/office/drawing/2014/main" id="{DBC38E8D-D887-F513-241C-A34C663D7EAD}"/>
-              </a:ext>
-            </a:extLst>
-          </p:cNvPr>
-          <p:cNvSpPr txBox="1"/>
-          <p:nvPr/>
-        </p:nvSpPr>
-        <p:spPr>
-          <a:xfrm>
-            <a:off x="323188" y="1594072"/>
-            <a:ext cx="5448063" cy="738664"/>
-          </a:xfrm>
-          <a:prstGeom prst="rect">
-            <a:avLst/>
-          </a:prstGeom>
-          <a:noFill/>
-        </p:spPr>
-        <p:txBody>
-          <a:bodyPr wrap="square">
-            <a:spAutoFit/>
-          </a:bodyPr>
-          <a:lstStyle/>
-          <a:p>
-            <a:r>
-              <a:rPr lang="fr-FR" b="1" dirty="0">
-                <a:latin typeface="Courier New" panose="02070309020205020404" pitchFamily="49" charset="0"/>
-                <a:cs typeface="Courier New" panose="02070309020205020404" pitchFamily="49" charset="0"/>
-              </a:rPr>
-              <a:t>&lt;</a:t>
-            </a:r>
-            <a:r>
-              <a:rPr lang="fr-FR" b="1" dirty="0" err="1">
-                <a:latin typeface="Courier New" panose="02070309020205020404" pitchFamily="49" charset="0"/>
-                <a:cs typeface="Courier New" panose="02070309020205020404" pitchFamily="49" charset="0"/>
-              </a:rPr>
-              <a:t>properties</a:t>
-            </a:r>
-            <a:r>
-              <a:rPr lang="fr-FR" b="1" dirty="0">
-                <a:latin typeface="Courier New" panose="02070309020205020404" pitchFamily="49" charset="0"/>
-                <a:cs typeface="Courier New" panose="02070309020205020404" pitchFamily="49" charset="0"/>
-              </a:rPr>
-              <a:t>&gt;</a:t>
-            </a:r>
-          </a:p>
-          <a:p>
-            <a:r>
-              <a:rPr lang="fr-FR" b="1" dirty="0">
-                <a:latin typeface="Courier New" panose="02070309020205020404" pitchFamily="49" charset="0"/>
-                <a:cs typeface="Courier New" panose="02070309020205020404" pitchFamily="49" charset="0"/>
-              </a:rPr>
-              <a:t>  &lt;</a:t>
-            </a:r>
-            <a:r>
-              <a:rPr lang="fr-FR" b="1" dirty="0" err="1">
-                <a:latin typeface="Courier New" panose="02070309020205020404" pitchFamily="49" charset="0"/>
-                <a:cs typeface="Courier New" panose="02070309020205020404" pitchFamily="49" charset="0"/>
-              </a:rPr>
-              <a:t>java.version</a:t>
-            </a:r>
-            <a:r>
-              <a:rPr lang="fr-FR" b="1" dirty="0">
-                <a:latin typeface="Courier New" panose="02070309020205020404" pitchFamily="49" charset="0"/>
-                <a:cs typeface="Courier New" panose="02070309020205020404" pitchFamily="49" charset="0"/>
-              </a:rPr>
-              <a:t>&gt;19&lt;/</a:t>
-            </a:r>
-            <a:r>
-              <a:rPr lang="fr-FR" b="1" dirty="0" err="1">
-                <a:latin typeface="Courier New" panose="02070309020205020404" pitchFamily="49" charset="0"/>
-                <a:cs typeface="Courier New" panose="02070309020205020404" pitchFamily="49" charset="0"/>
-              </a:rPr>
-              <a:t>java.version</a:t>
-            </a:r>
-            <a:r>
-              <a:rPr lang="fr-FR" b="1" dirty="0">
-                <a:latin typeface="Courier New" panose="02070309020205020404" pitchFamily="49" charset="0"/>
-                <a:cs typeface="Courier New" panose="02070309020205020404" pitchFamily="49" charset="0"/>
-              </a:rPr>
-              <a:t>&gt;</a:t>
-            </a:r>
-          </a:p>
-          <a:p>
-            <a:r>
-              <a:rPr lang="fr-FR" b="1" dirty="0">
-                <a:latin typeface="Courier New" panose="02070309020205020404" pitchFamily="49" charset="0"/>
-                <a:cs typeface="Courier New" panose="02070309020205020404" pitchFamily="49" charset="0"/>
-              </a:rPr>
-              <a:t>&lt;/</a:t>
-            </a:r>
-            <a:r>
-              <a:rPr lang="fr-FR" b="1" dirty="0" err="1">
-                <a:latin typeface="Courier New" panose="02070309020205020404" pitchFamily="49" charset="0"/>
-                <a:cs typeface="Courier New" panose="02070309020205020404" pitchFamily="49" charset="0"/>
-              </a:rPr>
-              <a:t>properties</a:t>
-            </a:r>
-            <a:r>
-              <a:rPr lang="fr-FR" b="1" dirty="0">
-                <a:latin typeface="Courier New" panose="02070309020205020404" pitchFamily="49" charset="0"/>
-                <a:cs typeface="Courier New" panose="02070309020205020404" pitchFamily="49" charset="0"/>
-              </a:rPr>
-              <a:t>&gt;</a:t>
-            </a:r>
-            <a:endParaRPr lang="es-ES" b="1" dirty="0">
-              <a:latin typeface="Courier New" panose="02070309020205020404" pitchFamily="49" charset="0"/>
-              <a:cs typeface="Courier New" panose="02070309020205020404" pitchFamily="49" charset="0"/>
-            </a:endParaRPr>
-          </a:p>
-        </p:txBody>
-      </p:sp>
-      <p:sp>
-        <p:nvSpPr>
-          <p:cNvPr id="8" name="Google Shape;836;p57">
-            <a:extLst>
-              <a:ext uri="{FF2B5EF4-FFF2-40B4-BE49-F238E27FC236}">
-                <a16:creationId xmlns:a16="http://schemas.microsoft.com/office/drawing/2014/main" id="{939D32B8-AC56-8108-24C0-238CD4F05CC9}"/>
-              </a:ext>
-            </a:extLst>
-          </p:cNvPr>
-          <p:cNvSpPr/>
-          <p:nvPr/>
-        </p:nvSpPr>
-        <p:spPr>
-          <a:xfrm>
-            <a:off x="444602" y="1273070"/>
-            <a:ext cx="77840" cy="239950"/>
-          </a:xfrm>
-          <a:custGeom>
-            <a:avLst/>
-            <a:gdLst/>
-            <a:ahLst/>
-            <a:cxnLst/>
-            <a:rect l="l" t="t" r="r" b="b"/>
-            <a:pathLst>
-              <a:path w="895" h="2759" extrusionOk="0">
-                <a:moveTo>
-                  <a:pt x="457" y="0"/>
-                </a:moveTo>
-                <a:cubicBezTo>
-                  <a:pt x="191" y="0"/>
-                  <a:pt x="1" y="190"/>
-                  <a:pt x="1" y="438"/>
-                </a:cubicBezTo>
-                <a:lnTo>
-                  <a:pt x="1" y="2321"/>
-                </a:lnTo>
-                <a:cubicBezTo>
-                  <a:pt x="1" y="2568"/>
-                  <a:pt x="210" y="2758"/>
-                  <a:pt x="457" y="2758"/>
-                </a:cubicBezTo>
-                <a:cubicBezTo>
-                  <a:pt x="705" y="2758"/>
-                  <a:pt x="895" y="2568"/>
-                  <a:pt x="895" y="2321"/>
-                </a:cubicBezTo>
-                <a:lnTo>
-                  <a:pt x="895" y="438"/>
-                </a:lnTo>
-                <a:cubicBezTo>
-                  <a:pt x="895" y="190"/>
-                  <a:pt x="705" y="0"/>
-                  <a:pt x="457" y="0"/>
-                </a:cubicBezTo>
-                <a:close/>
-              </a:path>
-            </a:pathLst>
-          </a:custGeom>
-          <a:solidFill>
-            <a:schemeClr val="accent3"/>
-          </a:solidFill>
-          <a:ln>
-            <a:noFill/>
-          </a:ln>
-        </p:spPr>
-        <p:txBody>
-          <a:bodyPr spcFirstLastPara="1" wrap="square" lIns="91425" tIns="91425" rIns="91425" bIns="91425" anchor="ctr" anchorCtr="0">
-            <a:noAutofit/>
-          </a:bodyPr>
-          <a:lstStyle/>
-          <a:p>
-            <a:pPr marL="0" lvl="0" indent="0" algn="l" rtl="0">
-              <a:spcBef>
-                <a:spcPts val="0"/>
-              </a:spcBef>
-              <a:spcAft>
-                <a:spcPts val="0"/>
-              </a:spcAft>
-              <a:buNone/>
-            </a:pPr>
-            <a:endParaRPr dirty="0"/>
-          </a:p>
-        </p:txBody>
-      </p:sp>
-      <p:sp>
-        <p:nvSpPr>
-          <p:cNvPr id="9" name="Google Shape;837;p57">
-            <a:extLst>
-              <a:ext uri="{FF2B5EF4-FFF2-40B4-BE49-F238E27FC236}">
-                <a16:creationId xmlns:a16="http://schemas.microsoft.com/office/drawing/2014/main" id="{3E9AB070-3449-E00E-BB68-5334A2C9225B}"/>
-              </a:ext>
-            </a:extLst>
-          </p:cNvPr>
-          <p:cNvSpPr/>
-          <p:nvPr/>
-        </p:nvSpPr>
-        <p:spPr>
-          <a:xfrm>
-            <a:off x="361895" y="1354122"/>
-            <a:ext cx="243262" cy="77838"/>
-          </a:xfrm>
-          <a:custGeom>
-            <a:avLst/>
-            <a:gdLst/>
-            <a:ahLst/>
-            <a:cxnLst/>
-            <a:rect l="l" t="t" r="r" b="b"/>
-            <a:pathLst>
-              <a:path w="2797" h="895" extrusionOk="0">
-                <a:moveTo>
-                  <a:pt x="438" y="0"/>
-                </a:moveTo>
-                <a:cubicBezTo>
-                  <a:pt x="191" y="0"/>
-                  <a:pt x="1" y="190"/>
-                  <a:pt x="1" y="438"/>
-                </a:cubicBezTo>
-                <a:cubicBezTo>
-                  <a:pt x="1" y="685"/>
-                  <a:pt x="191" y="894"/>
-                  <a:pt x="438" y="894"/>
-                </a:cubicBezTo>
-                <a:lnTo>
-                  <a:pt x="2359" y="894"/>
-                </a:lnTo>
-                <a:cubicBezTo>
-                  <a:pt x="2607" y="894"/>
-                  <a:pt x="2797" y="685"/>
-                  <a:pt x="2797" y="438"/>
-                </a:cubicBezTo>
-                <a:cubicBezTo>
-                  <a:pt x="2797" y="190"/>
-                  <a:pt x="2607" y="0"/>
-                  <a:pt x="2359" y="0"/>
-                </a:cubicBezTo>
-                <a:close/>
-              </a:path>
-            </a:pathLst>
-          </a:custGeom>
-          <a:solidFill>
-            <a:schemeClr val="accent3"/>
-          </a:solidFill>
-          <a:ln>
-            <a:noFill/>
-          </a:ln>
-        </p:spPr>
-        <p:txBody>
-          <a:bodyPr spcFirstLastPara="1" wrap="square" lIns="91425" tIns="91425" rIns="91425" bIns="91425" anchor="ctr" anchorCtr="0">
-            <a:noAutofit/>
-          </a:bodyPr>
-          <a:lstStyle/>
-          <a:p>
-            <a:pPr marL="0" lvl="0" indent="0" algn="l" rtl="0">
-              <a:spcBef>
-                <a:spcPts val="0"/>
-              </a:spcBef>
-              <a:spcAft>
-                <a:spcPts val="0"/>
-              </a:spcAft>
-              <a:buNone/>
-            </a:pPr>
-            <a:endParaRPr dirty="0"/>
-          </a:p>
-        </p:txBody>
-      </p:sp>
-      <p:sp>
-        <p:nvSpPr>
-          <p:cNvPr id="10" name="Google Shape;354;p37">
-            <a:extLst>
-              <a:ext uri="{FF2B5EF4-FFF2-40B4-BE49-F238E27FC236}">
-                <a16:creationId xmlns:a16="http://schemas.microsoft.com/office/drawing/2014/main" id="{C6AF3948-6999-3D7D-8520-EB1476795E46}"/>
-              </a:ext>
-            </a:extLst>
-          </p:cNvPr>
-          <p:cNvSpPr txBox="1">
-            <a:spLocks/>
-          </p:cNvSpPr>
-          <p:nvPr/>
-        </p:nvSpPr>
-        <p:spPr>
-          <a:xfrm>
-            <a:off x="643855" y="1187011"/>
-            <a:ext cx="3042144" cy="460321"/>
-          </a:xfrm>
-          <a:prstGeom prst="rect">
-            <a:avLst/>
-          </a:prstGeom>
-        </p:spPr>
-        <p:txBody>
-          <a:bodyPr spcFirstLastPara="1" wrap="square" lIns="91425" tIns="91425" rIns="91425" bIns="91425" anchor="t" anchorCtr="0">
-            <a:noAutofit/>
-          </a:bodyPr>
-          <a:lstStyle>
-            <a:defPPr marR="0" lvl="0" algn="l" rtl="0">
-              <a:lnSpc>
-                <a:spcPct val="100000"/>
-              </a:lnSpc>
-              <a:spcBef>
-                <a:spcPts val="0"/>
-              </a:spcBef>
-              <a:spcAft>
-                <a:spcPts val="0"/>
-              </a:spcAft>
-            </a:defPPr>
-            <a:lvl1pPr marR="0" lvl="0" algn="ctr" rtl="0">
-              <a:lnSpc>
-                <a:spcPct val="100000"/>
-              </a:lnSpc>
-              <a:spcBef>
-                <a:spcPts val="0"/>
-              </a:spcBef>
-              <a:spcAft>
-                <a:spcPts val="0"/>
-              </a:spcAft>
-              <a:buClr>
-                <a:schemeClr val="accent1"/>
-              </a:buClr>
-              <a:buSzPts val="2800"/>
-              <a:buFont typeface="Ramabhadra"/>
-              <a:buNone/>
-              <a:defRPr sz="2000" b="1" i="0" u="none" strike="noStrike" cap="none">
-                <a:solidFill>
-                  <a:srgbClr val="007399"/>
-                </a:solidFill>
-                <a:latin typeface="Century Gothic" panose="020B0502020202020204" pitchFamily="34" charset="0"/>
-                <a:ea typeface="Arial Black" panose="020B0604020202020204" pitchFamily="34" charset="0"/>
-                <a:cs typeface="Arial Black" panose="020B0604020202020204" pitchFamily="34" charset="0"/>
-                <a:sym typeface="Arial"/>
-              </a:defRPr>
-            </a:lvl1pPr>
-            <a:lvl2pPr marR="0" lvl="1" algn="ctr" rtl="0">
-              <a:lnSpc>
-                <a:spcPct val="100000"/>
-              </a:lnSpc>
-              <a:spcBef>
-                <a:spcPts val="0"/>
-              </a:spcBef>
-              <a:spcAft>
-                <a:spcPts val="0"/>
-              </a:spcAft>
-              <a:buClr>
-                <a:schemeClr val="accent1"/>
-              </a:buClr>
-              <a:buSzPts val="2800"/>
-              <a:buFont typeface="Ramabhadra"/>
-              <a:buNone/>
-              <a:defRPr sz="2800" b="1" i="0" u="none" strike="noStrike" cap="none">
-                <a:solidFill>
-                  <a:schemeClr val="accent1"/>
-                </a:solidFill>
-                <a:latin typeface="Ramabhadra"/>
-                <a:ea typeface="Ramabhadra"/>
-                <a:cs typeface="Ramabhadra"/>
-                <a:sym typeface="Ramabhadra"/>
-              </a:defRPr>
-            </a:lvl2pPr>
-            <a:lvl3pPr marR="0" lvl="2" algn="ctr" rtl="0">
-              <a:lnSpc>
-                <a:spcPct val="100000"/>
-              </a:lnSpc>
-              <a:spcBef>
-                <a:spcPts val="0"/>
-              </a:spcBef>
-              <a:spcAft>
-                <a:spcPts val="0"/>
-              </a:spcAft>
-              <a:buClr>
-                <a:schemeClr val="accent1"/>
-              </a:buClr>
-              <a:buSzPts val="2800"/>
-              <a:buFont typeface="Ramabhadra"/>
-              <a:buNone/>
-              <a:defRPr sz="2800" b="1" i="0" u="none" strike="noStrike" cap="none">
-                <a:solidFill>
-                  <a:schemeClr val="accent1"/>
-                </a:solidFill>
-                <a:latin typeface="Ramabhadra"/>
-                <a:ea typeface="Ramabhadra"/>
-                <a:cs typeface="Ramabhadra"/>
-                <a:sym typeface="Ramabhadra"/>
-              </a:defRPr>
-            </a:lvl3pPr>
-            <a:lvl4pPr marR="0" lvl="3" algn="ctr" rtl="0">
-              <a:lnSpc>
-                <a:spcPct val="100000"/>
-              </a:lnSpc>
-              <a:spcBef>
-                <a:spcPts val="0"/>
-              </a:spcBef>
-              <a:spcAft>
-                <a:spcPts val="0"/>
-              </a:spcAft>
-              <a:buClr>
-                <a:schemeClr val="accent1"/>
-              </a:buClr>
-              <a:buSzPts val="2800"/>
-              <a:buFont typeface="Ramabhadra"/>
-              <a:buNone/>
-              <a:defRPr sz="2800" b="1" i="0" u="none" strike="noStrike" cap="none">
-                <a:solidFill>
-                  <a:schemeClr val="accent1"/>
-                </a:solidFill>
-                <a:latin typeface="Ramabhadra"/>
-                <a:ea typeface="Ramabhadra"/>
-                <a:cs typeface="Ramabhadra"/>
-                <a:sym typeface="Ramabhadra"/>
-              </a:defRPr>
-            </a:lvl4pPr>
-            <a:lvl5pPr marR="0" lvl="4" algn="ctr" rtl="0">
-              <a:lnSpc>
-                <a:spcPct val="100000"/>
-              </a:lnSpc>
-              <a:spcBef>
-                <a:spcPts val="0"/>
-              </a:spcBef>
-              <a:spcAft>
-                <a:spcPts val="0"/>
-              </a:spcAft>
-              <a:buClr>
-                <a:schemeClr val="accent1"/>
-              </a:buClr>
-              <a:buSzPts val="2800"/>
-              <a:buFont typeface="Ramabhadra"/>
-              <a:buNone/>
-              <a:defRPr sz="2800" b="1" i="0" u="none" strike="noStrike" cap="none">
-                <a:solidFill>
-                  <a:schemeClr val="accent1"/>
-                </a:solidFill>
-                <a:latin typeface="Ramabhadra"/>
-                <a:ea typeface="Ramabhadra"/>
-                <a:cs typeface="Ramabhadra"/>
-                <a:sym typeface="Ramabhadra"/>
-              </a:defRPr>
-            </a:lvl5pPr>
-            <a:lvl6pPr marR="0" lvl="5" algn="ctr" rtl="0">
-              <a:lnSpc>
-                <a:spcPct val="100000"/>
-              </a:lnSpc>
-              <a:spcBef>
-                <a:spcPts val="0"/>
-              </a:spcBef>
-              <a:spcAft>
-                <a:spcPts val="0"/>
-              </a:spcAft>
-              <a:buClr>
-                <a:schemeClr val="accent1"/>
-              </a:buClr>
-              <a:buSzPts val="2800"/>
-              <a:buFont typeface="Ramabhadra"/>
-              <a:buNone/>
-              <a:defRPr sz="2800" b="1" i="0" u="none" strike="noStrike" cap="none">
-                <a:solidFill>
-                  <a:schemeClr val="accent1"/>
-                </a:solidFill>
-                <a:latin typeface="Ramabhadra"/>
-                <a:ea typeface="Ramabhadra"/>
-                <a:cs typeface="Ramabhadra"/>
-                <a:sym typeface="Ramabhadra"/>
-              </a:defRPr>
-            </a:lvl6pPr>
-            <a:lvl7pPr marR="0" lvl="6" algn="ctr" rtl="0">
-              <a:lnSpc>
-                <a:spcPct val="100000"/>
-              </a:lnSpc>
-              <a:spcBef>
-                <a:spcPts val="0"/>
-              </a:spcBef>
-              <a:spcAft>
-                <a:spcPts val="0"/>
-              </a:spcAft>
-              <a:buClr>
-                <a:schemeClr val="accent1"/>
-              </a:buClr>
-              <a:buSzPts val="2800"/>
-              <a:buFont typeface="Ramabhadra"/>
-              <a:buNone/>
-              <a:defRPr sz="2800" b="1" i="0" u="none" strike="noStrike" cap="none">
-                <a:solidFill>
-                  <a:schemeClr val="accent1"/>
-                </a:solidFill>
-                <a:latin typeface="Ramabhadra"/>
-                <a:ea typeface="Ramabhadra"/>
-                <a:cs typeface="Ramabhadra"/>
-                <a:sym typeface="Ramabhadra"/>
-              </a:defRPr>
-            </a:lvl7pPr>
-            <a:lvl8pPr marR="0" lvl="7" algn="ctr" rtl="0">
-              <a:lnSpc>
-                <a:spcPct val="100000"/>
-              </a:lnSpc>
-              <a:spcBef>
-                <a:spcPts val="0"/>
-              </a:spcBef>
-              <a:spcAft>
-                <a:spcPts val="0"/>
-              </a:spcAft>
-              <a:buClr>
-                <a:schemeClr val="accent1"/>
-              </a:buClr>
-              <a:buSzPts val="2800"/>
-              <a:buFont typeface="Ramabhadra"/>
-              <a:buNone/>
-              <a:defRPr sz="2800" b="1" i="0" u="none" strike="noStrike" cap="none">
-                <a:solidFill>
-                  <a:schemeClr val="accent1"/>
-                </a:solidFill>
-                <a:latin typeface="Ramabhadra"/>
-                <a:ea typeface="Ramabhadra"/>
-                <a:cs typeface="Ramabhadra"/>
-                <a:sym typeface="Ramabhadra"/>
-              </a:defRPr>
-            </a:lvl8pPr>
-            <a:lvl9pPr marR="0" lvl="8" algn="ctr" rtl="0">
-              <a:lnSpc>
-                <a:spcPct val="100000"/>
-              </a:lnSpc>
-              <a:spcBef>
-                <a:spcPts val="0"/>
-              </a:spcBef>
-              <a:spcAft>
-                <a:spcPts val="0"/>
-              </a:spcAft>
-              <a:buClr>
-                <a:schemeClr val="accent1"/>
-              </a:buClr>
-              <a:buSzPts val="2800"/>
-              <a:buFont typeface="Ramabhadra"/>
-              <a:buNone/>
-              <a:defRPr sz="2800" b="1" i="0" u="none" strike="noStrike" cap="none">
-                <a:solidFill>
-                  <a:schemeClr val="accent1"/>
-                </a:solidFill>
-                <a:latin typeface="Ramabhadra"/>
-                <a:ea typeface="Ramabhadra"/>
-                <a:cs typeface="Ramabhadra"/>
-                <a:sym typeface="Ramabhadra"/>
-              </a:defRPr>
-            </a:lvl9pPr>
-          </a:lstStyle>
-          <a:p>
-            <a:pPr algn="l"/>
-            <a:r>
-              <a:rPr lang="es-ES" sz="1600" dirty="0"/>
-              <a:t>Propiedades</a:t>
-            </a:r>
-            <a:endParaRPr lang="es-ES" sz="1600" dirty="0">
-              <a:solidFill>
-                <a:schemeClr val="accent3"/>
-              </a:solidFill>
-            </a:endParaRPr>
-          </a:p>
-        </p:txBody>
-      </p:sp>
-      <p:sp>
-        <p:nvSpPr>
-          <p:cNvPr id="11" name="CuadroTexto 10">
-            <a:extLst>
-              <a:ext uri="{FF2B5EF4-FFF2-40B4-BE49-F238E27FC236}">
-                <a16:creationId xmlns:a16="http://schemas.microsoft.com/office/drawing/2014/main" id="{4D05BCCC-D996-FA5D-DF87-54CE32FB412A}"/>
-              </a:ext>
-            </a:extLst>
-          </p:cNvPr>
-          <p:cNvSpPr txBox="1"/>
-          <p:nvPr/>
-        </p:nvSpPr>
-        <p:spPr>
-          <a:xfrm>
-            <a:off x="4216762" y="983541"/>
-            <a:ext cx="8508440" cy="4154984"/>
-          </a:xfrm>
-          <a:prstGeom prst="rect">
-            <a:avLst/>
-          </a:prstGeom>
-          <a:noFill/>
-        </p:spPr>
-        <p:txBody>
-          <a:bodyPr wrap="square">
-            <a:spAutoFit/>
-          </a:bodyPr>
-          <a:lstStyle/>
-          <a:p>
-            <a:r>
-              <a:rPr lang="es-ES" sz="1100" b="1" dirty="0">
-                <a:latin typeface="Courier New" panose="02070309020205020404" pitchFamily="49" charset="0"/>
-                <a:cs typeface="Courier New" panose="02070309020205020404" pitchFamily="49" charset="0"/>
-              </a:rPr>
-              <a:t>&lt;</a:t>
-            </a:r>
-            <a:r>
-              <a:rPr lang="es-ES" sz="1100" b="1" dirty="0" err="1">
-                <a:latin typeface="Courier New" panose="02070309020205020404" pitchFamily="49" charset="0"/>
-                <a:cs typeface="Courier New" panose="02070309020205020404" pitchFamily="49" charset="0"/>
-              </a:rPr>
-              <a:t>build</a:t>
-            </a:r>
-            <a:r>
-              <a:rPr lang="es-ES" sz="1100" b="1" dirty="0">
-                <a:latin typeface="Courier New" panose="02070309020205020404" pitchFamily="49" charset="0"/>
-                <a:cs typeface="Courier New" panose="02070309020205020404" pitchFamily="49" charset="0"/>
-              </a:rPr>
-              <a:t>&gt;</a:t>
-            </a:r>
-          </a:p>
-          <a:p>
-            <a:r>
-              <a:rPr lang="es-ES" sz="1100" b="1" dirty="0">
-                <a:latin typeface="Courier New" panose="02070309020205020404" pitchFamily="49" charset="0"/>
-                <a:cs typeface="Courier New" panose="02070309020205020404" pitchFamily="49" charset="0"/>
-              </a:rPr>
-              <a:t>  &lt;</a:t>
-            </a:r>
-            <a:r>
-              <a:rPr lang="es-ES" sz="1100" b="1" dirty="0" err="1">
-                <a:latin typeface="Courier New" panose="02070309020205020404" pitchFamily="49" charset="0"/>
-                <a:cs typeface="Courier New" panose="02070309020205020404" pitchFamily="49" charset="0"/>
-              </a:rPr>
-              <a:t>finalName</a:t>
-            </a:r>
-            <a:r>
-              <a:rPr lang="es-ES" sz="1100" b="1" dirty="0">
-                <a:latin typeface="Courier New" panose="02070309020205020404" pitchFamily="49" charset="0"/>
-                <a:cs typeface="Courier New" panose="02070309020205020404" pitchFamily="49" charset="0"/>
-              </a:rPr>
-              <a:t>&gt;</a:t>
-            </a:r>
-            <a:r>
-              <a:rPr lang="es-ES" sz="1100" b="1" dirty="0" err="1">
-                <a:latin typeface="Courier New" panose="02070309020205020404" pitchFamily="49" charset="0"/>
-                <a:cs typeface="Courier New" panose="02070309020205020404" pitchFamily="49" charset="0"/>
-              </a:rPr>
-              <a:t>book-review</a:t>
-            </a:r>
-            <a:r>
-              <a:rPr lang="es-ES" sz="1100" b="1" dirty="0">
-                <a:latin typeface="Courier New" panose="02070309020205020404" pitchFamily="49" charset="0"/>
-                <a:cs typeface="Courier New" panose="02070309020205020404" pitchFamily="49" charset="0"/>
-              </a:rPr>
-              <a:t>&lt;/</a:t>
-            </a:r>
-            <a:r>
-              <a:rPr lang="es-ES" sz="1100" b="1" dirty="0" err="1">
-                <a:latin typeface="Courier New" panose="02070309020205020404" pitchFamily="49" charset="0"/>
-                <a:cs typeface="Courier New" panose="02070309020205020404" pitchFamily="49" charset="0"/>
-              </a:rPr>
-              <a:t>finalName</a:t>
-            </a:r>
-            <a:r>
-              <a:rPr lang="es-ES" sz="1100" b="1" dirty="0">
-                <a:latin typeface="Courier New" panose="02070309020205020404" pitchFamily="49" charset="0"/>
-                <a:cs typeface="Courier New" panose="02070309020205020404" pitchFamily="49" charset="0"/>
-              </a:rPr>
-              <a:t>&gt;</a:t>
-            </a:r>
-          </a:p>
-          <a:p>
-            <a:r>
-              <a:rPr lang="es-ES" sz="1100" b="1" dirty="0">
-                <a:latin typeface="Courier New" panose="02070309020205020404" pitchFamily="49" charset="0"/>
-                <a:cs typeface="Courier New" panose="02070309020205020404" pitchFamily="49" charset="0"/>
-              </a:rPr>
-              <a:t>  &lt;</a:t>
-            </a:r>
-            <a:r>
-              <a:rPr lang="es-ES" sz="1100" b="1" dirty="0" err="1">
-                <a:latin typeface="Courier New" panose="02070309020205020404" pitchFamily="49" charset="0"/>
-                <a:cs typeface="Courier New" panose="02070309020205020404" pitchFamily="49" charset="0"/>
-              </a:rPr>
-              <a:t>plugins</a:t>
-            </a:r>
-            <a:r>
-              <a:rPr lang="es-ES" sz="1100" b="1" dirty="0">
-                <a:latin typeface="Courier New" panose="02070309020205020404" pitchFamily="49" charset="0"/>
-                <a:cs typeface="Courier New" panose="02070309020205020404" pitchFamily="49" charset="0"/>
-              </a:rPr>
-              <a:t>&gt;</a:t>
-            </a:r>
-          </a:p>
-          <a:p>
-            <a:r>
-              <a:rPr lang="es-ES" sz="1100" b="1" dirty="0">
-                <a:latin typeface="Courier New" panose="02070309020205020404" pitchFamily="49" charset="0"/>
-                <a:cs typeface="Courier New" panose="02070309020205020404" pitchFamily="49" charset="0"/>
-              </a:rPr>
-              <a:t>    &lt;plugin&gt;</a:t>
-            </a:r>
-          </a:p>
-          <a:p>
-            <a:r>
-              <a:rPr lang="es-ES" sz="1100" b="1" dirty="0">
-                <a:latin typeface="Courier New" panose="02070309020205020404" pitchFamily="49" charset="0"/>
-                <a:cs typeface="Courier New" panose="02070309020205020404" pitchFamily="49" charset="0"/>
-              </a:rPr>
-              <a:t>      &lt;</a:t>
-            </a:r>
-            <a:r>
-              <a:rPr lang="es-ES" sz="1100" b="1" dirty="0" err="1">
-                <a:latin typeface="Courier New" panose="02070309020205020404" pitchFamily="49" charset="0"/>
-                <a:cs typeface="Courier New" panose="02070309020205020404" pitchFamily="49" charset="0"/>
-              </a:rPr>
-              <a:t>artifactId</a:t>
-            </a:r>
-            <a:r>
-              <a:rPr lang="es-ES" sz="1100" b="1" dirty="0">
-                <a:latin typeface="Courier New" panose="02070309020205020404" pitchFamily="49" charset="0"/>
-                <a:cs typeface="Courier New" panose="02070309020205020404" pitchFamily="49" charset="0"/>
-              </a:rPr>
-              <a:t>&gt;</a:t>
-            </a:r>
-            <a:r>
-              <a:rPr lang="es-ES" sz="1100" b="1" dirty="0" err="1">
-                <a:latin typeface="Courier New" panose="02070309020205020404" pitchFamily="49" charset="0"/>
-                <a:cs typeface="Courier New" panose="02070309020205020404" pitchFamily="49" charset="0"/>
-              </a:rPr>
-              <a:t>maven</a:t>
-            </a:r>
-            <a:r>
-              <a:rPr lang="es-ES" sz="1100" b="1" dirty="0">
-                <a:latin typeface="Courier New" panose="02070309020205020404" pitchFamily="49" charset="0"/>
-                <a:cs typeface="Courier New" panose="02070309020205020404" pitchFamily="49" charset="0"/>
-              </a:rPr>
-              <a:t>-</a:t>
-            </a:r>
-            <a:r>
-              <a:rPr lang="es-ES" sz="1100" b="1" dirty="0" err="1">
-                <a:latin typeface="Courier New" panose="02070309020205020404" pitchFamily="49" charset="0"/>
-                <a:cs typeface="Courier New" panose="02070309020205020404" pitchFamily="49" charset="0"/>
-              </a:rPr>
-              <a:t>compiler</a:t>
-            </a:r>
-            <a:r>
-              <a:rPr lang="es-ES" sz="1100" b="1" dirty="0">
-                <a:latin typeface="Courier New" panose="02070309020205020404" pitchFamily="49" charset="0"/>
-                <a:cs typeface="Courier New" panose="02070309020205020404" pitchFamily="49" charset="0"/>
-              </a:rPr>
-              <a:t>-plugin&lt;/</a:t>
-            </a:r>
-            <a:r>
-              <a:rPr lang="es-ES" sz="1100" b="1" dirty="0" err="1">
-                <a:latin typeface="Courier New" panose="02070309020205020404" pitchFamily="49" charset="0"/>
-                <a:cs typeface="Courier New" panose="02070309020205020404" pitchFamily="49" charset="0"/>
-              </a:rPr>
-              <a:t>artifactId</a:t>
-            </a:r>
-            <a:r>
-              <a:rPr lang="es-ES" sz="1100" b="1" dirty="0">
-                <a:latin typeface="Courier New" panose="02070309020205020404" pitchFamily="49" charset="0"/>
-                <a:cs typeface="Courier New" panose="02070309020205020404" pitchFamily="49" charset="0"/>
-              </a:rPr>
-              <a:t>&gt;</a:t>
-            </a:r>
-          </a:p>
-          <a:p>
-            <a:r>
-              <a:rPr lang="es-ES" sz="1100" b="1" dirty="0">
-                <a:latin typeface="Courier New" panose="02070309020205020404" pitchFamily="49" charset="0"/>
-                <a:cs typeface="Courier New" panose="02070309020205020404" pitchFamily="49" charset="0"/>
-              </a:rPr>
-              <a:t>      &lt;</a:t>
-            </a:r>
-            <a:r>
-              <a:rPr lang="es-ES" sz="1100" b="1" dirty="0" err="1">
-                <a:latin typeface="Courier New" panose="02070309020205020404" pitchFamily="49" charset="0"/>
-                <a:cs typeface="Courier New" panose="02070309020205020404" pitchFamily="49" charset="0"/>
-              </a:rPr>
-              <a:t>version</a:t>
-            </a:r>
-            <a:r>
-              <a:rPr lang="es-ES" sz="1100" b="1" dirty="0">
-                <a:latin typeface="Courier New" panose="02070309020205020404" pitchFamily="49" charset="0"/>
-                <a:cs typeface="Courier New" panose="02070309020205020404" pitchFamily="49" charset="0"/>
-              </a:rPr>
-              <a:t>&gt;3.5.1&lt;/</a:t>
-            </a:r>
-            <a:r>
-              <a:rPr lang="es-ES" sz="1100" b="1" dirty="0" err="1">
-                <a:latin typeface="Courier New" panose="02070309020205020404" pitchFamily="49" charset="0"/>
-                <a:cs typeface="Courier New" panose="02070309020205020404" pitchFamily="49" charset="0"/>
-              </a:rPr>
-              <a:t>version</a:t>
-            </a:r>
-            <a:r>
-              <a:rPr lang="es-ES" sz="1100" b="1" dirty="0">
-                <a:latin typeface="Courier New" panose="02070309020205020404" pitchFamily="49" charset="0"/>
-                <a:cs typeface="Courier New" panose="02070309020205020404" pitchFamily="49" charset="0"/>
-              </a:rPr>
-              <a:t>&gt;</a:t>
-            </a:r>
-          </a:p>
-          <a:p>
-            <a:r>
-              <a:rPr lang="es-ES" sz="1100" b="1" dirty="0">
-                <a:latin typeface="Courier New" panose="02070309020205020404" pitchFamily="49" charset="0"/>
-                <a:cs typeface="Courier New" panose="02070309020205020404" pitchFamily="49" charset="0"/>
-              </a:rPr>
-              <a:t>      &lt;</a:t>
-            </a:r>
-            <a:r>
-              <a:rPr lang="es-ES" sz="1100" b="1" dirty="0" err="1">
-                <a:latin typeface="Courier New" panose="02070309020205020404" pitchFamily="49" charset="0"/>
-                <a:cs typeface="Courier New" panose="02070309020205020404" pitchFamily="49" charset="0"/>
-              </a:rPr>
-              <a:t>configuration</a:t>
-            </a:r>
-            <a:r>
-              <a:rPr lang="es-ES" sz="1100" b="1" dirty="0">
-                <a:latin typeface="Courier New" panose="02070309020205020404" pitchFamily="49" charset="0"/>
-                <a:cs typeface="Courier New" panose="02070309020205020404" pitchFamily="49" charset="0"/>
-              </a:rPr>
-              <a:t>&gt;</a:t>
-            </a:r>
-          </a:p>
-          <a:p>
-            <a:r>
-              <a:rPr lang="es-ES" sz="1100" b="1" dirty="0">
-                <a:latin typeface="Courier New" panose="02070309020205020404" pitchFamily="49" charset="0"/>
-                <a:cs typeface="Courier New" panose="02070309020205020404" pitchFamily="49" charset="0"/>
-              </a:rPr>
-              <a:t>         &lt;</a:t>
-            </a:r>
-            <a:r>
-              <a:rPr lang="es-ES" sz="1100" b="1" dirty="0" err="1">
-                <a:latin typeface="Courier New" panose="02070309020205020404" pitchFamily="49" charset="0"/>
-                <a:cs typeface="Courier New" panose="02070309020205020404" pitchFamily="49" charset="0"/>
-              </a:rPr>
-              <a:t>source</a:t>
-            </a:r>
-            <a:r>
-              <a:rPr lang="es-ES" sz="1100" b="1" dirty="0">
-                <a:latin typeface="Courier New" panose="02070309020205020404" pitchFamily="49" charset="0"/>
-                <a:cs typeface="Courier New" panose="02070309020205020404" pitchFamily="49" charset="0"/>
-              </a:rPr>
-              <a:t>&gt;19&lt;/</a:t>
-            </a:r>
-            <a:r>
-              <a:rPr lang="es-ES" sz="1100" b="1" dirty="0" err="1">
-                <a:latin typeface="Courier New" panose="02070309020205020404" pitchFamily="49" charset="0"/>
-                <a:cs typeface="Courier New" panose="02070309020205020404" pitchFamily="49" charset="0"/>
-              </a:rPr>
-              <a:t>source</a:t>
-            </a:r>
-            <a:r>
-              <a:rPr lang="es-ES" sz="1100" b="1" dirty="0">
-                <a:latin typeface="Courier New" panose="02070309020205020404" pitchFamily="49" charset="0"/>
-                <a:cs typeface="Courier New" panose="02070309020205020404" pitchFamily="49" charset="0"/>
-              </a:rPr>
-              <a:t>&gt;</a:t>
-            </a:r>
-          </a:p>
-          <a:p>
-            <a:r>
-              <a:rPr lang="es-ES" sz="1100" b="1" dirty="0">
-                <a:latin typeface="Courier New" panose="02070309020205020404" pitchFamily="49" charset="0"/>
-                <a:cs typeface="Courier New" panose="02070309020205020404" pitchFamily="49" charset="0"/>
-              </a:rPr>
-              <a:t>         &lt;target&gt;19&lt;/target&gt;</a:t>
-            </a:r>
-          </a:p>
-          <a:p>
-            <a:r>
-              <a:rPr lang="es-ES" sz="1100" b="1" dirty="0">
-                <a:latin typeface="Courier New" panose="02070309020205020404" pitchFamily="49" charset="0"/>
-                <a:cs typeface="Courier New" panose="02070309020205020404" pitchFamily="49" charset="0"/>
-              </a:rPr>
-              <a:t>         &lt;</a:t>
-            </a:r>
-            <a:r>
-              <a:rPr lang="es-ES" sz="1100" b="1" dirty="0" err="1">
-                <a:latin typeface="Courier New" panose="02070309020205020404" pitchFamily="49" charset="0"/>
-                <a:cs typeface="Courier New" panose="02070309020205020404" pitchFamily="49" charset="0"/>
-              </a:rPr>
-              <a:t>annotationProcessorPaths</a:t>
-            </a:r>
-            <a:r>
-              <a:rPr lang="es-ES" sz="1100" b="1" dirty="0">
-                <a:latin typeface="Courier New" panose="02070309020205020404" pitchFamily="49" charset="0"/>
-                <a:cs typeface="Courier New" panose="02070309020205020404" pitchFamily="49" charset="0"/>
-              </a:rPr>
-              <a:t>&gt;</a:t>
-            </a:r>
-          </a:p>
-          <a:p>
-            <a:r>
-              <a:rPr lang="es-ES" sz="1100" b="1" dirty="0">
-                <a:latin typeface="Courier New" panose="02070309020205020404" pitchFamily="49" charset="0"/>
-                <a:cs typeface="Courier New" panose="02070309020205020404" pitchFamily="49" charset="0"/>
-              </a:rPr>
-              <a:t>           &lt;</a:t>
-            </a:r>
-            <a:r>
-              <a:rPr lang="es-ES" sz="1100" b="1" dirty="0" err="1">
-                <a:latin typeface="Courier New" panose="02070309020205020404" pitchFamily="49" charset="0"/>
-                <a:cs typeface="Courier New" panose="02070309020205020404" pitchFamily="49" charset="0"/>
-              </a:rPr>
-              <a:t>path</a:t>
-            </a:r>
-            <a:r>
-              <a:rPr lang="es-ES" sz="1100" b="1" dirty="0">
-                <a:latin typeface="Courier New" panose="02070309020205020404" pitchFamily="49" charset="0"/>
-                <a:cs typeface="Courier New" panose="02070309020205020404" pitchFamily="49" charset="0"/>
-              </a:rPr>
-              <a:t>&gt;</a:t>
-            </a:r>
-          </a:p>
-          <a:p>
-            <a:r>
-              <a:rPr lang="es-ES" sz="1100" b="1" dirty="0">
-                <a:latin typeface="Courier New" panose="02070309020205020404" pitchFamily="49" charset="0"/>
-                <a:cs typeface="Courier New" panose="02070309020205020404" pitchFamily="49" charset="0"/>
-              </a:rPr>
-              <a:t>             &lt;</a:t>
-            </a:r>
-            <a:r>
-              <a:rPr lang="es-ES" sz="1100" b="1" dirty="0" err="1">
-                <a:latin typeface="Courier New" panose="02070309020205020404" pitchFamily="49" charset="0"/>
-                <a:cs typeface="Courier New" panose="02070309020205020404" pitchFamily="49" charset="0"/>
-              </a:rPr>
-              <a:t>groupId</a:t>
-            </a:r>
-            <a:r>
-              <a:rPr lang="es-ES" sz="1100" b="1" dirty="0">
-                <a:latin typeface="Courier New" panose="02070309020205020404" pitchFamily="49" charset="0"/>
-                <a:cs typeface="Courier New" panose="02070309020205020404" pitchFamily="49" charset="0"/>
-              </a:rPr>
-              <a:t>&gt;</a:t>
-            </a:r>
-            <a:r>
-              <a:rPr lang="es-ES" sz="1100" b="1" dirty="0" err="1">
-                <a:latin typeface="Courier New" panose="02070309020205020404" pitchFamily="49" charset="0"/>
-                <a:cs typeface="Courier New" panose="02070309020205020404" pitchFamily="49" charset="0"/>
-              </a:rPr>
-              <a:t>org.mapstruct</a:t>
-            </a:r>
-            <a:r>
-              <a:rPr lang="es-ES" sz="1100" b="1" dirty="0">
-                <a:latin typeface="Courier New" panose="02070309020205020404" pitchFamily="49" charset="0"/>
-                <a:cs typeface="Courier New" panose="02070309020205020404" pitchFamily="49" charset="0"/>
-              </a:rPr>
-              <a:t>&lt;/</a:t>
-            </a:r>
-            <a:r>
-              <a:rPr lang="es-ES" sz="1100" b="1" dirty="0" err="1">
-                <a:latin typeface="Courier New" panose="02070309020205020404" pitchFamily="49" charset="0"/>
-                <a:cs typeface="Courier New" panose="02070309020205020404" pitchFamily="49" charset="0"/>
-              </a:rPr>
-              <a:t>groupId</a:t>
-            </a:r>
-            <a:r>
-              <a:rPr lang="es-ES" sz="1100" b="1" dirty="0">
-                <a:latin typeface="Courier New" panose="02070309020205020404" pitchFamily="49" charset="0"/>
-                <a:cs typeface="Courier New" panose="02070309020205020404" pitchFamily="49" charset="0"/>
-              </a:rPr>
-              <a:t>&gt;</a:t>
-            </a:r>
-          </a:p>
-          <a:p>
-            <a:r>
-              <a:rPr lang="es-ES" sz="1100" b="1" dirty="0">
-                <a:latin typeface="Courier New" panose="02070309020205020404" pitchFamily="49" charset="0"/>
-                <a:cs typeface="Courier New" panose="02070309020205020404" pitchFamily="49" charset="0"/>
-              </a:rPr>
-              <a:t>             &lt;</a:t>
-            </a:r>
-            <a:r>
-              <a:rPr lang="es-ES" sz="1100" b="1" dirty="0" err="1">
-                <a:latin typeface="Courier New" panose="02070309020205020404" pitchFamily="49" charset="0"/>
-                <a:cs typeface="Courier New" panose="02070309020205020404" pitchFamily="49" charset="0"/>
-              </a:rPr>
-              <a:t>artifactId</a:t>
-            </a:r>
-            <a:r>
-              <a:rPr lang="es-ES" sz="1100" b="1" dirty="0">
-                <a:latin typeface="Courier New" panose="02070309020205020404" pitchFamily="49" charset="0"/>
-                <a:cs typeface="Courier New" panose="02070309020205020404" pitchFamily="49" charset="0"/>
-              </a:rPr>
-              <a:t>&gt;</a:t>
-            </a:r>
-            <a:r>
-              <a:rPr lang="es-ES" sz="1100" b="1" dirty="0" err="1">
-                <a:latin typeface="Courier New" panose="02070309020205020404" pitchFamily="49" charset="0"/>
-                <a:cs typeface="Courier New" panose="02070309020205020404" pitchFamily="49" charset="0"/>
-              </a:rPr>
-              <a:t>mapstruct-processor</a:t>
-            </a:r>
-            <a:r>
-              <a:rPr lang="es-ES" sz="1100" b="1" dirty="0">
-                <a:latin typeface="Courier New" panose="02070309020205020404" pitchFamily="49" charset="0"/>
-                <a:cs typeface="Courier New" panose="02070309020205020404" pitchFamily="49" charset="0"/>
-              </a:rPr>
-              <a:t>&lt;/</a:t>
-            </a:r>
-            <a:r>
-              <a:rPr lang="es-ES" sz="1100" b="1" dirty="0" err="1">
-                <a:latin typeface="Courier New" panose="02070309020205020404" pitchFamily="49" charset="0"/>
-                <a:cs typeface="Courier New" panose="02070309020205020404" pitchFamily="49" charset="0"/>
-              </a:rPr>
-              <a:t>artifactId</a:t>
-            </a:r>
-            <a:r>
-              <a:rPr lang="es-ES" sz="1100" b="1" dirty="0">
-                <a:latin typeface="Courier New" panose="02070309020205020404" pitchFamily="49" charset="0"/>
-                <a:cs typeface="Courier New" panose="02070309020205020404" pitchFamily="49" charset="0"/>
-              </a:rPr>
-              <a:t>&gt;</a:t>
-            </a:r>
-          </a:p>
-          <a:p>
-            <a:r>
-              <a:rPr lang="es-ES" sz="1100" b="1" dirty="0">
-                <a:latin typeface="Courier New" panose="02070309020205020404" pitchFamily="49" charset="0"/>
-                <a:cs typeface="Courier New" panose="02070309020205020404" pitchFamily="49" charset="0"/>
-              </a:rPr>
-              <a:t>             &lt;</a:t>
-            </a:r>
-            <a:r>
-              <a:rPr lang="es-ES" sz="1100" b="1" dirty="0" err="1">
-                <a:latin typeface="Courier New" panose="02070309020205020404" pitchFamily="49" charset="0"/>
-                <a:cs typeface="Courier New" panose="02070309020205020404" pitchFamily="49" charset="0"/>
-              </a:rPr>
-              <a:t>version</a:t>
-            </a:r>
-            <a:r>
-              <a:rPr lang="es-ES" sz="1100" b="1" dirty="0">
-                <a:latin typeface="Courier New" panose="02070309020205020404" pitchFamily="49" charset="0"/>
-                <a:cs typeface="Courier New" panose="02070309020205020404" pitchFamily="49" charset="0"/>
-              </a:rPr>
-              <a:t>&gt;1.4.2.Final&lt;/</a:t>
-            </a:r>
-            <a:r>
-              <a:rPr lang="es-ES" sz="1100" b="1" dirty="0" err="1">
-                <a:latin typeface="Courier New" panose="02070309020205020404" pitchFamily="49" charset="0"/>
-                <a:cs typeface="Courier New" panose="02070309020205020404" pitchFamily="49" charset="0"/>
-              </a:rPr>
-              <a:t>version</a:t>
-            </a:r>
-            <a:r>
-              <a:rPr lang="es-ES" sz="1100" b="1" dirty="0">
-                <a:latin typeface="Courier New" panose="02070309020205020404" pitchFamily="49" charset="0"/>
-                <a:cs typeface="Courier New" panose="02070309020205020404" pitchFamily="49" charset="0"/>
-              </a:rPr>
-              <a:t>&gt;</a:t>
-            </a:r>
-          </a:p>
-          <a:p>
-            <a:r>
-              <a:rPr lang="es-ES" sz="1100" b="1" dirty="0">
-                <a:latin typeface="Courier New" panose="02070309020205020404" pitchFamily="49" charset="0"/>
-                <a:cs typeface="Courier New" panose="02070309020205020404" pitchFamily="49" charset="0"/>
-              </a:rPr>
-              <a:t>           &lt;/</a:t>
-            </a:r>
-            <a:r>
-              <a:rPr lang="es-ES" sz="1100" b="1" dirty="0" err="1">
-                <a:latin typeface="Courier New" panose="02070309020205020404" pitchFamily="49" charset="0"/>
-                <a:cs typeface="Courier New" panose="02070309020205020404" pitchFamily="49" charset="0"/>
-              </a:rPr>
-              <a:t>path</a:t>
-            </a:r>
-            <a:r>
-              <a:rPr lang="es-ES" sz="1100" b="1" dirty="0">
-                <a:latin typeface="Courier New" panose="02070309020205020404" pitchFamily="49" charset="0"/>
-                <a:cs typeface="Courier New" panose="02070309020205020404" pitchFamily="49" charset="0"/>
-              </a:rPr>
-              <a:t>&gt;</a:t>
-            </a:r>
-          </a:p>
-          <a:p>
-            <a:r>
-              <a:rPr lang="es-ES" sz="1100" b="1" dirty="0">
-                <a:latin typeface="Courier New" panose="02070309020205020404" pitchFamily="49" charset="0"/>
-                <a:cs typeface="Courier New" panose="02070309020205020404" pitchFamily="49" charset="0"/>
-              </a:rPr>
-              <a:t>         &lt;/</a:t>
-            </a:r>
-            <a:r>
-              <a:rPr lang="es-ES" sz="1100" b="1" dirty="0" err="1">
-                <a:latin typeface="Courier New" panose="02070309020205020404" pitchFamily="49" charset="0"/>
-                <a:cs typeface="Courier New" panose="02070309020205020404" pitchFamily="49" charset="0"/>
-              </a:rPr>
-              <a:t>annotationProcessorPaths</a:t>
-            </a:r>
-            <a:r>
-              <a:rPr lang="es-ES" sz="1100" b="1" dirty="0">
-                <a:latin typeface="Courier New" panose="02070309020205020404" pitchFamily="49" charset="0"/>
-                <a:cs typeface="Courier New" panose="02070309020205020404" pitchFamily="49" charset="0"/>
-              </a:rPr>
-              <a:t>&gt;</a:t>
-            </a:r>
-          </a:p>
-          <a:p>
-            <a:r>
-              <a:rPr lang="es-ES" sz="1100" b="1" dirty="0">
-                <a:latin typeface="Courier New" panose="02070309020205020404" pitchFamily="49" charset="0"/>
-                <a:cs typeface="Courier New" panose="02070309020205020404" pitchFamily="49" charset="0"/>
-              </a:rPr>
-              <a:t>      &lt;/</a:t>
-            </a:r>
-            <a:r>
-              <a:rPr lang="es-ES" sz="1100" b="1" dirty="0" err="1">
-                <a:latin typeface="Courier New" panose="02070309020205020404" pitchFamily="49" charset="0"/>
-                <a:cs typeface="Courier New" panose="02070309020205020404" pitchFamily="49" charset="0"/>
-              </a:rPr>
-              <a:t>configuration</a:t>
-            </a:r>
-            <a:r>
-              <a:rPr lang="es-ES" sz="1100" b="1" dirty="0">
-                <a:latin typeface="Courier New" panose="02070309020205020404" pitchFamily="49" charset="0"/>
-                <a:cs typeface="Courier New" panose="02070309020205020404" pitchFamily="49" charset="0"/>
-              </a:rPr>
-              <a:t>&gt;</a:t>
-            </a:r>
-          </a:p>
-          <a:p>
-            <a:r>
-              <a:rPr lang="es-ES" sz="1100" b="1" dirty="0">
-                <a:latin typeface="Courier New" panose="02070309020205020404" pitchFamily="49" charset="0"/>
-                <a:cs typeface="Courier New" panose="02070309020205020404" pitchFamily="49" charset="0"/>
-              </a:rPr>
-              <a:t>    &lt;/plugin&gt;</a:t>
-            </a:r>
-          </a:p>
-          <a:p>
-            <a:r>
-              <a:rPr lang="es-ES" sz="1100" b="1" dirty="0">
-                <a:latin typeface="Courier New" panose="02070309020205020404" pitchFamily="49" charset="0"/>
-                <a:cs typeface="Courier New" panose="02070309020205020404" pitchFamily="49" charset="0"/>
-              </a:rPr>
-              <a:t>    &lt;plugin&gt;</a:t>
-            </a:r>
-          </a:p>
-          <a:p>
-            <a:r>
-              <a:rPr lang="es-ES" sz="1100" b="1" dirty="0">
-                <a:latin typeface="Courier New" panose="02070309020205020404" pitchFamily="49" charset="0"/>
-                <a:cs typeface="Courier New" panose="02070309020205020404" pitchFamily="49" charset="0"/>
-              </a:rPr>
-              <a:t>      &lt;</a:t>
-            </a:r>
-            <a:r>
-              <a:rPr lang="es-ES" sz="1100" b="1" dirty="0" err="1">
-                <a:latin typeface="Courier New" panose="02070309020205020404" pitchFamily="49" charset="0"/>
-                <a:cs typeface="Courier New" panose="02070309020205020404" pitchFamily="49" charset="0"/>
-              </a:rPr>
-              <a:t>groupId</a:t>
-            </a:r>
-            <a:r>
-              <a:rPr lang="es-ES" sz="1100" b="1" dirty="0">
-                <a:latin typeface="Courier New" panose="02070309020205020404" pitchFamily="49" charset="0"/>
-                <a:cs typeface="Courier New" panose="02070309020205020404" pitchFamily="49" charset="0"/>
-              </a:rPr>
-              <a:t>&gt;</a:t>
-            </a:r>
-            <a:r>
-              <a:rPr lang="es-ES" sz="1100" b="1" dirty="0" err="1">
-                <a:latin typeface="Courier New" panose="02070309020205020404" pitchFamily="49" charset="0"/>
-                <a:cs typeface="Courier New" panose="02070309020205020404" pitchFamily="49" charset="0"/>
-              </a:rPr>
-              <a:t>org.springframework.boot</a:t>
-            </a:r>
-            <a:r>
-              <a:rPr lang="es-ES" sz="1100" b="1" dirty="0">
-                <a:latin typeface="Courier New" panose="02070309020205020404" pitchFamily="49" charset="0"/>
-                <a:cs typeface="Courier New" panose="02070309020205020404" pitchFamily="49" charset="0"/>
-              </a:rPr>
-              <a:t>&lt;/</a:t>
-            </a:r>
-            <a:r>
-              <a:rPr lang="es-ES" sz="1100" b="1" dirty="0" err="1">
-                <a:latin typeface="Courier New" panose="02070309020205020404" pitchFamily="49" charset="0"/>
-                <a:cs typeface="Courier New" panose="02070309020205020404" pitchFamily="49" charset="0"/>
-              </a:rPr>
-              <a:t>groupId</a:t>
-            </a:r>
-            <a:r>
-              <a:rPr lang="es-ES" sz="1100" b="1" dirty="0">
-                <a:latin typeface="Courier New" panose="02070309020205020404" pitchFamily="49" charset="0"/>
-                <a:cs typeface="Courier New" panose="02070309020205020404" pitchFamily="49" charset="0"/>
-              </a:rPr>
-              <a:t>&gt;</a:t>
-            </a:r>
-          </a:p>
-          <a:p>
-            <a:r>
-              <a:rPr lang="es-ES" sz="1100" b="1" dirty="0">
-                <a:latin typeface="Courier New" panose="02070309020205020404" pitchFamily="49" charset="0"/>
-                <a:cs typeface="Courier New" panose="02070309020205020404" pitchFamily="49" charset="0"/>
-              </a:rPr>
-              <a:t>      &lt;</a:t>
-            </a:r>
-            <a:r>
-              <a:rPr lang="es-ES" sz="1100" b="1" dirty="0" err="1">
-                <a:latin typeface="Courier New" panose="02070309020205020404" pitchFamily="49" charset="0"/>
-                <a:cs typeface="Courier New" panose="02070309020205020404" pitchFamily="49" charset="0"/>
-              </a:rPr>
-              <a:t>artifactId</a:t>
-            </a:r>
-            <a:r>
-              <a:rPr lang="es-ES" sz="1100" b="1" dirty="0">
-                <a:latin typeface="Courier New" panose="02070309020205020404" pitchFamily="49" charset="0"/>
-                <a:cs typeface="Courier New" panose="02070309020205020404" pitchFamily="49" charset="0"/>
-              </a:rPr>
-              <a:t>&gt;</a:t>
-            </a:r>
-            <a:r>
-              <a:rPr lang="es-ES" sz="1100" b="1" dirty="0" err="1">
-                <a:latin typeface="Courier New" panose="02070309020205020404" pitchFamily="49" charset="0"/>
-                <a:cs typeface="Courier New" panose="02070309020205020404" pitchFamily="49" charset="0"/>
-              </a:rPr>
-              <a:t>spring</a:t>
-            </a:r>
-            <a:r>
-              <a:rPr lang="es-ES" sz="1100" b="1" dirty="0">
-                <a:latin typeface="Courier New" panose="02070309020205020404" pitchFamily="49" charset="0"/>
-                <a:cs typeface="Courier New" panose="02070309020205020404" pitchFamily="49" charset="0"/>
-              </a:rPr>
-              <a:t>-</a:t>
-            </a:r>
-            <a:r>
-              <a:rPr lang="es-ES" sz="1100" b="1" dirty="0" err="1">
-                <a:latin typeface="Courier New" panose="02070309020205020404" pitchFamily="49" charset="0"/>
-                <a:cs typeface="Courier New" panose="02070309020205020404" pitchFamily="49" charset="0"/>
-              </a:rPr>
-              <a:t>boot</a:t>
-            </a:r>
-            <a:r>
-              <a:rPr lang="es-ES" sz="1100" b="1" dirty="0">
-                <a:latin typeface="Courier New" panose="02070309020205020404" pitchFamily="49" charset="0"/>
-                <a:cs typeface="Courier New" panose="02070309020205020404" pitchFamily="49" charset="0"/>
-              </a:rPr>
-              <a:t>-</a:t>
-            </a:r>
-            <a:r>
-              <a:rPr lang="es-ES" sz="1100" b="1" dirty="0" err="1">
-                <a:latin typeface="Courier New" panose="02070309020205020404" pitchFamily="49" charset="0"/>
-                <a:cs typeface="Courier New" panose="02070309020205020404" pitchFamily="49" charset="0"/>
-              </a:rPr>
-              <a:t>maven</a:t>
-            </a:r>
-            <a:r>
-              <a:rPr lang="es-ES" sz="1100" b="1" dirty="0">
-                <a:latin typeface="Courier New" panose="02070309020205020404" pitchFamily="49" charset="0"/>
-                <a:cs typeface="Courier New" panose="02070309020205020404" pitchFamily="49" charset="0"/>
-              </a:rPr>
-              <a:t>-plugin&lt;/</a:t>
-            </a:r>
-            <a:r>
-              <a:rPr lang="es-ES" sz="1100" b="1" dirty="0" err="1">
-                <a:latin typeface="Courier New" panose="02070309020205020404" pitchFamily="49" charset="0"/>
-                <a:cs typeface="Courier New" panose="02070309020205020404" pitchFamily="49" charset="0"/>
-              </a:rPr>
-              <a:t>artifactId</a:t>
-            </a:r>
-            <a:r>
-              <a:rPr lang="es-ES" sz="1100" b="1" dirty="0">
-                <a:latin typeface="Courier New" panose="02070309020205020404" pitchFamily="49" charset="0"/>
-                <a:cs typeface="Courier New" panose="02070309020205020404" pitchFamily="49" charset="0"/>
-              </a:rPr>
-              <a:t>&gt;</a:t>
-            </a:r>
-          </a:p>
-          <a:p>
-            <a:r>
-              <a:rPr lang="es-ES" sz="1100" b="1" dirty="0">
-                <a:latin typeface="Courier New" panose="02070309020205020404" pitchFamily="49" charset="0"/>
-                <a:cs typeface="Courier New" panose="02070309020205020404" pitchFamily="49" charset="0"/>
-              </a:rPr>
-              <a:t>    &lt;/plugin&gt;</a:t>
-            </a:r>
-          </a:p>
-          <a:p>
-            <a:r>
-              <a:rPr lang="es-ES" sz="1100" b="1" dirty="0">
-                <a:latin typeface="Courier New" panose="02070309020205020404" pitchFamily="49" charset="0"/>
-                <a:cs typeface="Courier New" panose="02070309020205020404" pitchFamily="49" charset="0"/>
-              </a:rPr>
-              <a:t>  &lt;/</a:t>
-            </a:r>
-            <a:r>
-              <a:rPr lang="es-ES" sz="1100" b="1" dirty="0" err="1">
-                <a:latin typeface="Courier New" panose="02070309020205020404" pitchFamily="49" charset="0"/>
-                <a:cs typeface="Courier New" panose="02070309020205020404" pitchFamily="49" charset="0"/>
-              </a:rPr>
-              <a:t>plugins</a:t>
-            </a:r>
-            <a:r>
-              <a:rPr lang="es-ES" sz="1100" b="1" dirty="0">
-                <a:latin typeface="Courier New" panose="02070309020205020404" pitchFamily="49" charset="0"/>
-                <a:cs typeface="Courier New" panose="02070309020205020404" pitchFamily="49" charset="0"/>
-              </a:rPr>
-              <a:t>&gt;</a:t>
-            </a:r>
-          </a:p>
-          <a:p>
-            <a:r>
-              <a:rPr lang="es-ES" sz="1100" b="1" dirty="0">
-                <a:latin typeface="Courier New" panose="02070309020205020404" pitchFamily="49" charset="0"/>
-                <a:cs typeface="Courier New" panose="02070309020205020404" pitchFamily="49" charset="0"/>
-              </a:rPr>
-              <a:t>&lt;/</a:t>
-            </a:r>
-            <a:r>
-              <a:rPr lang="es-ES" sz="1100" b="1" dirty="0" err="1">
-                <a:latin typeface="Courier New" panose="02070309020205020404" pitchFamily="49" charset="0"/>
-                <a:cs typeface="Courier New" panose="02070309020205020404" pitchFamily="49" charset="0"/>
-              </a:rPr>
-              <a:t>build</a:t>
-            </a:r>
-            <a:r>
-              <a:rPr lang="es-ES" sz="1100" b="1" dirty="0">
-                <a:latin typeface="Courier New" panose="02070309020205020404" pitchFamily="49" charset="0"/>
-                <a:cs typeface="Courier New" panose="02070309020205020404" pitchFamily="49" charset="0"/>
-              </a:rPr>
-              <a:t>&gt;</a:t>
-            </a:r>
-          </a:p>
-        </p:txBody>
-      </p:sp>
-      <p:sp>
-        <p:nvSpPr>
-          <p:cNvPr id="12" name="Google Shape;836;p57">
-            <a:extLst>
-              <a:ext uri="{FF2B5EF4-FFF2-40B4-BE49-F238E27FC236}">
-                <a16:creationId xmlns:a16="http://schemas.microsoft.com/office/drawing/2014/main" id="{229C07F2-B907-5C34-A509-0F2182A76665}"/>
-              </a:ext>
-            </a:extLst>
-          </p:cNvPr>
-          <p:cNvSpPr/>
-          <p:nvPr/>
-        </p:nvSpPr>
-        <p:spPr>
-          <a:xfrm>
-            <a:off x="5715181" y="776761"/>
-            <a:ext cx="77840" cy="239950"/>
-          </a:xfrm>
-          <a:custGeom>
-            <a:avLst/>
-            <a:gdLst/>
-            <a:ahLst/>
-            <a:cxnLst/>
-            <a:rect l="l" t="t" r="r" b="b"/>
-            <a:pathLst>
-              <a:path w="895" h="2759" extrusionOk="0">
-                <a:moveTo>
-                  <a:pt x="457" y="0"/>
-                </a:moveTo>
-                <a:cubicBezTo>
-                  <a:pt x="191" y="0"/>
-                  <a:pt x="1" y="190"/>
-                  <a:pt x="1" y="438"/>
-                </a:cubicBezTo>
-                <a:lnTo>
-                  <a:pt x="1" y="2321"/>
-                </a:lnTo>
-                <a:cubicBezTo>
-                  <a:pt x="1" y="2568"/>
-                  <a:pt x="210" y="2758"/>
-                  <a:pt x="457" y="2758"/>
-                </a:cubicBezTo>
-                <a:cubicBezTo>
-                  <a:pt x="705" y="2758"/>
-                  <a:pt x="895" y="2568"/>
-                  <a:pt x="895" y="2321"/>
-                </a:cubicBezTo>
-                <a:lnTo>
-                  <a:pt x="895" y="438"/>
-                </a:lnTo>
-                <a:cubicBezTo>
-                  <a:pt x="895" y="190"/>
-                  <a:pt x="705" y="0"/>
-                  <a:pt x="457" y="0"/>
-                </a:cubicBezTo>
-                <a:close/>
-              </a:path>
-            </a:pathLst>
-          </a:custGeom>
-          <a:solidFill>
-            <a:schemeClr val="accent3"/>
-          </a:solidFill>
-          <a:ln>
-            <a:noFill/>
-          </a:ln>
-        </p:spPr>
-        <p:txBody>
-          <a:bodyPr spcFirstLastPara="1" wrap="square" lIns="91425" tIns="91425" rIns="91425" bIns="91425" anchor="ctr" anchorCtr="0">
-            <a:noAutofit/>
-          </a:bodyPr>
-          <a:lstStyle/>
-          <a:p>
-            <a:pPr marL="0" lvl="0" indent="0" algn="l" rtl="0">
-              <a:spcBef>
-                <a:spcPts val="0"/>
-              </a:spcBef>
-              <a:spcAft>
-                <a:spcPts val="0"/>
-              </a:spcAft>
-              <a:buNone/>
-            </a:pPr>
-            <a:endParaRPr dirty="0"/>
-          </a:p>
-        </p:txBody>
-      </p:sp>
-      <p:sp>
-        <p:nvSpPr>
-          <p:cNvPr id="13" name="Google Shape;837;p57">
-            <a:extLst>
-              <a:ext uri="{FF2B5EF4-FFF2-40B4-BE49-F238E27FC236}">
-                <a16:creationId xmlns:a16="http://schemas.microsoft.com/office/drawing/2014/main" id="{722F8EDC-061B-A7CE-3030-D9680027EE06}"/>
-              </a:ext>
-            </a:extLst>
-          </p:cNvPr>
-          <p:cNvSpPr/>
-          <p:nvPr/>
-        </p:nvSpPr>
-        <p:spPr>
-          <a:xfrm>
-            <a:off x="5632474" y="857813"/>
-            <a:ext cx="243262" cy="77838"/>
-          </a:xfrm>
-          <a:custGeom>
-            <a:avLst/>
-            <a:gdLst/>
-            <a:ahLst/>
-            <a:cxnLst/>
-            <a:rect l="l" t="t" r="r" b="b"/>
-            <a:pathLst>
-              <a:path w="2797" h="895" extrusionOk="0">
-                <a:moveTo>
-                  <a:pt x="438" y="0"/>
-                </a:moveTo>
-                <a:cubicBezTo>
-                  <a:pt x="191" y="0"/>
-                  <a:pt x="1" y="190"/>
-                  <a:pt x="1" y="438"/>
-                </a:cubicBezTo>
-                <a:cubicBezTo>
-                  <a:pt x="1" y="685"/>
-                  <a:pt x="191" y="894"/>
-                  <a:pt x="438" y="894"/>
-                </a:cubicBezTo>
-                <a:lnTo>
-                  <a:pt x="2359" y="894"/>
-                </a:lnTo>
-                <a:cubicBezTo>
-                  <a:pt x="2607" y="894"/>
-                  <a:pt x="2797" y="685"/>
-                  <a:pt x="2797" y="438"/>
-                </a:cubicBezTo>
-                <a:cubicBezTo>
-                  <a:pt x="2797" y="190"/>
-                  <a:pt x="2607" y="0"/>
-                  <a:pt x="2359" y="0"/>
-                </a:cubicBezTo>
-                <a:close/>
-              </a:path>
-            </a:pathLst>
-          </a:custGeom>
-          <a:solidFill>
-            <a:schemeClr val="accent3"/>
-          </a:solidFill>
-          <a:ln>
-            <a:noFill/>
-          </a:ln>
-        </p:spPr>
-        <p:txBody>
-          <a:bodyPr spcFirstLastPara="1" wrap="square" lIns="91425" tIns="91425" rIns="91425" bIns="91425" anchor="ctr" anchorCtr="0">
-            <a:noAutofit/>
-          </a:bodyPr>
-          <a:lstStyle/>
-          <a:p>
-            <a:pPr marL="0" lvl="0" indent="0" algn="l" rtl="0">
-              <a:spcBef>
-                <a:spcPts val="0"/>
-              </a:spcBef>
-              <a:spcAft>
-                <a:spcPts val="0"/>
-              </a:spcAft>
-              <a:buNone/>
-            </a:pPr>
-            <a:endParaRPr dirty="0"/>
-          </a:p>
-        </p:txBody>
-      </p:sp>
-      <p:sp>
-        <p:nvSpPr>
-          <p:cNvPr id="14" name="Google Shape;354;p37">
-            <a:extLst>
-              <a:ext uri="{FF2B5EF4-FFF2-40B4-BE49-F238E27FC236}">
-                <a16:creationId xmlns:a16="http://schemas.microsoft.com/office/drawing/2014/main" id="{F8A146E2-19EB-70EC-00E4-16ADBB83ABEF}"/>
-              </a:ext>
-            </a:extLst>
-          </p:cNvPr>
-          <p:cNvSpPr txBox="1">
-            <a:spLocks/>
-          </p:cNvSpPr>
-          <p:nvPr/>
-        </p:nvSpPr>
-        <p:spPr>
-          <a:xfrm>
-            <a:off x="5914435" y="690702"/>
-            <a:ext cx="1207032" cy="460321"/>
-          </a:xfrm>
-          <a:prstGeom prst="rect">
-            <a:avLst/>
-          </a:prstGeom>
-        </p:spPr>
-        <p:txBody>
-          <a:bodyPr spcFirstLastPara="1" wrap="square" lIns="91425" tIns="91425" rIns="91425" bIns="91425" anchor="t" anchorCtr="0">
-            <a:noAutofit/>
-          </a:bodyPr>
-          <a:lstStyle>
-            <a:defPPr marR="0" lvl="0" algn="l" rtl="0">
-              <a:lnSpc>
-                <a:spcPct val="100000"/>
-              </a:lnSpc>
-              <a:spcBef>
-                <a:spcPts val="0"/>
-              </a:spcBef>
-              <a:spcAft>
-                <a:spcPts val="0"/>
-              </a:spcAft>
-            </a:defPPr>
-            <a:lvl1pPr marR="0" lvl="0" algn="ctr" rtl="0">
-              <a:lnSpc>
-                <a:spcPct val="100000"/>
-              </a:lnSpc>
-              <a:spcBef>
-                <a:spcPts val="0"/>
-              </a:spcBef>
-              <a:spcAft>
-                <a:spcPts val="0"/>
-              </a:spcAft>
-              <a:buClr>
-                <a:schemeClr val="accent1"/>
-              </a:buClr>
-              <a:buSzPts val="2800"/>
-              <a:buFont typeface="Ramabhadra"/>
-              <a:buNone/>
-              <a:defRPr sz="2000" b="1" i="0" u="none" strike="noStrike" cap="none">
-                <a:solidFill>
-                  <a:srgbClr val="007399"/>
-                </a:solidFill>
-                <a:latin typeface="Century Gothic" panose="020B0502020202020204" pitchFamily="34" charset="0"/>
-                <a:ea typeface="Arial Black" panose="020B0604020202020204" pitchFamily="34" charset="0"/>
-                <a:cs typeface="Arial Black" panose="020B0604020202020204" pitchFamily="34" charset="0"/>
-                <a:sym typeface="Arial"/>
-              </a:defRPr>
-            </a:lvl1pPr>
-            <a:lvl2pPr marR="0" lvl="1" algn="ctr" rtl="0">
-              <a:lnSpc>
-                <a:spcPct val="100000"/>
-              </a:lnSpc>
-              <a:spcBef>
-                <a:spcPts val="0"/>
-              </a:spcBef>
-              <a:spcAft>
-                <a:spcPts val="0"/>
-              </a:spcAft>
-              <a:buClr>
-                <a:schemeClr val="accent1"/>
-              </a:buClr>
-              <a:buSzPts val="2800"/>
-              <a:buFont typeface="Ramabhadra"/>
-              <a:buNone/>
-              <a:defRPr sz="2800" b="1" i="0" u="none" strike="noStrike" cap="none">
-                <a:solidFill>
-                  <a:schemeClr val="accent1"/>
-                </a:solidFill>
-                <a:latin typeface="Ramabhadra"/>
-                <a:ea typeface="Ramabhadra"/>
-                <a:cs typeface="Ramabhadra"/>
-                <a:sym typeface="Ramabhadra"/>
-              </a:defRPr>
-            </a:lvl2pPr>
-            <a:lvl3pPr marR="0" lvl="2" algn="ctr" rtl="0">
-              <a:lnSpc>
-                <a:spcPct val="100000"/>
-              </a:lnSpc>
-              <a:spcBef>
-                <a:spcPts val="0"/>
-              </a:spcBef>
-              <a:spcAft>
-                <a:spcPts val="0"/>
-              </a:spcAft>
-              <a:buClr>
-                <a:schemeClr val="accent1"/>
-              </a:buClr>
-              <a:buSzPts val="2800"/>
-              <a:buFont typeface="Ramabhadra"/>
-              <a:buNone/>
-              <a:defRPr sz="2800" b="1" i="0" u="none" strike="noStrike" cap="none">
-                <a:solidFill>
-                  <a:schemeClr val="accent1"/>
-                </a:solidFill>
-                <a:latin typeface="Ramabhadra"/>
-                <a:ea typeface="Ramabhadra"/>
-                <a:cs typeface="Ramabhadra"/>
-                <a:sym typeface="Ramabhadra"/>
-              </a:defRPr>
-            </a:lvl3pPr>
-            <a:lvl4pPr marR="0" lvl="3" algn="ctr" rtl="0">
-              <a:lnSpc>
-                <a:spcPct val="100000"/>
-              </a:lnSpc>
-              <a:spcBef>
-                <a:spcPts val="0"/>
-              </a:spcBef>
-              <a:spcAft>
-                <a:spcPts val="0"/>
-              </a:spcAft>
-              <a:buClr>
-                <a:schemeClr val="accent1"/>
-              </a:buClr>
-              <a:buSzPts val="2800"/>
-              <a:buFont typeface="Ramabhadra"/>
-              <a:buNone/>
-              <a:defRPr sz="2800" b="1" i="0" u="none" strike="noStrike" cap="none">
-                <a:solidFill>
-                  <a:schemeClr val="accent1"/>
-                </a:solidFill>
-                <a:latin typeface="Ramabhadra"/>
-                <a:ea typeface="Ramabhadra"/>
-                <a:cs typeface="Ramabhadra"/>
-                <a:sym typeface="Ramabhadra"/>
-              </a:defRPr>
-            </a:lvl4pPr>
-            <a:lvl5pPr marR="0" lvl="4" algn="ctr" rtl="0">
-              <a:lnSpc>
-                <a:spcPct val="100000"/>
-              </a:lnSpc>
-              <a:spcBef>
-                <a:spcPts val="0"/>
-              </a:spcBef>
-              <a:spcAft>
-                <a:spcPts val="0"/>
-              </a:spcAft>
-              <a:buClr>
-                <a:schemeClr val="accent1"/>
-              </a:buClr>
-              <a:buSzPts val="2800"/>
-              <a:buFont typeface="Ramabhadra"/>
-              <a:buNone/>
-              <a:defRPr sz="2800" b="1" i="0" u="none" strike="noStrike" cap="none">
-                <a:solidFill>
-                  <a:schemeClr val="accent1"/>
-                </a:solidFill>
-                <a:latin typeface="Ramabhadra"/>
-                <a:ea typeface="Ramabhadra"/>
-                <a:cs typeface="Ramabhadra"/>
-                <a:sym typeface="Ramabhadra"/>
-              </a:defRPr>
-            </a:lvl5pPr>
-            <a:lvl6pPr marR="0" lvl="5" algn="ctr" rtl="0">
-              <a:lnSpc>
-                <a:spcPct val="100000"/>
-              </a:lnSpc>
-              <a:spcBef>
-                <a:spcPts val="0"/>
-              </a:spcBef>
-              <a:spcAft>
-                <a:spcPts val="0"/>
-              </a:spcAft>
-              <a:buClr>
-                <a:schemeClr val="accent1"/>
-              </a:buClr>
-              <a:buSzPts val="2800"/>
-              <a:buFont typeface="Ramabhadra"/>
-              <a:buNone/>
-              <a:defRPr sz="2800" b="1" i="0" u="none" strike="noStrike" cap="none">
-                <a:solidFill>
-                  <a:schemeClr val="accent1"/>
-                </a:solidFill>
-                <a:latin typeface="Ramabhadra"/>
-                <a:ea typeface="Ramabhadra"/>
-                <a:cs typeface="Ramabhadra"/>
-                <a:sym typeface="Ramabhadra"/>
-              </a:defRPr>
-            </a:lvl6pPr>
-            <a:lvl7pPr marR="0" lvl="6" algn="ctr" rtl="0">
-              <a:lnSpc>
-                <a:spcPct val="100000"/>
-              </a:lnSpc>
-              <a:spcBef>
-                <a:spcPts val="0"/>
-              </a:spcBef>
-              <a:spcAft>
-                <a:spcPts val="0"/>
-              </a:spcAft>
-              <a:buClr>
-                <a:schemeClr val="accent1"/>
-              </a:buClr>
-              <a:buSzPts val="2800"/>
-              <a:buFont typeface="Ramabhadra"/>
-              <a:buNone/>
-              <a:defRPr sz="2800" b="1" i="0" u="none" strike="noStrike" cap="none">
-                <a:solidFill>
-                  <a:schemeClr val="accent1"/>
-                </a:solidFill>
-                <a:latin typeface="Ramabhadra"/>
-                <a:ea typeface="Ramabhadra"/>
-                <a:cs typeface="Ramabhadra"/>
-                <a:sym typeface="Ramabhadra"/>
-              </a:defRPr>
-            </a:lvl7pPr>
-            <a:lvl8pPr marR="0" lvl="7" algn="ctr" rtl="0">
-              <a:lnSpc>
-                <a:spcPct val="100000"/>
-              </a:lnSpc>
-              <a:spcBef>
-                <a:spcPts val="0"/>
-              </a:spcBef>
-              <a:spcAft>
-                <a:spcPts val="0"/>
-              </a:spcAft>
-              <a:buClr>
-                <a:schemeClr val="accent1"/>
-              </a:buClr>
-              <a:buSzPts val="2800"/>
-              <a:buFont typeface="Ramabhadra"/>
-              <a:buNone/>
-              <a:defRPr sz="2800" b="1" i="0" u="none" strike="noStrike" cap="none">
-                <a:solidFill>
-                  <a:schemeClr val="accent1"/>
-                </a:solidFill>
-                <a:latin typeface="Ramabhadra"/>
-                <a:ea typeface="Ramabhadra"/>
-                <a:cs typeface="Ramabhadra"/>
-                <a:sym typeface="Ramabhadra"/>
-              </a:defRPr>
-            </a:lvl8pPr>
-            <a:lvl9pPr marR="0" lvl="8" algn="ctr" rtl="0">
-              <a:lnSpc>
-                <a:spcPct val="100000"/>
-              </a:lnSpc>
-              <a:spcBef>
-                <a:spcPts val="0"/>
-              </a:spcBef>
-              <a:spcAft>
-                <a:spcPts val="0"/>
-              </a:spcAft>
-              <a:buClr>
-                <a:schemeClr val="accent1"/>
-              </a:buClr>
-              <a:buSzPts val="2800"/>
-              <a:buFont typeface="Ramabhadra"/>
-              <a:buNone/>
-              <a:defRPr sz="2800" b="1" i="0" u="none" strike="noStrike" cap="none">
-                <a:solidFill>
-                  <a:schemeClr val="accent1"/>
-                </a:solidFill>
-                <a:latin typeface="Ramabhadra"/>
-                <a:ea typeface="Ramabhadra"/>
-                <a:cs typeface="Ramabhadra"/>
-                <a:sym typeface="Ramabhadra"/>
-              </a:defRPr>
-            </a:lvl9pPr>
-          </a:lstStyle>
-          <a:p>
-            <a:pPr algn="l"/>
-            <a:r>
-              <a:rPr lang="es-ES" sz="1600" dirty="0" err="1"/>
-              <a:t>Build</a:t>
-            </a:r>
-            <a:endParaRPr lang="es-ES" sz="1600" dirty="0">
-              <a:solidFill>
-                <a:schemeClr val="accent3"/>
-              </a:solidFill>
-            </a:endParaRPr>
-          </a:p>
-        </p:txBody>
-      </p:sp>
-    </p:spTree>
-    <p:extLst>
-      <p:ext uri="{BB962C8B-B14F-4D97-AF65-F5344CB8AC3E}">
-        <p14:creationId xmlns:p14="http://schemas.microsoft.com/office/powerpoint/2010/main" val="479957724"/>
-      </p:ext>
-    </p:extLst>
-  </p:cSld>
-  <p:clrMapOvr>
-    <a:masterClrMapping/>
-  </p:clrMapOvr>
-</p:sld>
-</file>
-
-<file path=ppt/slides/slide9.xml><?xml version="1.0" encoding="utf-8"?>
-<p:sld xmlns:a="http://schemas.openxmlformats.org/drawingml/2006/main" xmlns:r="http://schemas.openxmlformats.org/officeDocument/2006/relationships" xmlns:p="http://schemas.openxmlformats.org/presentationml/2006/main">
-  <p:cSld>
-    <p:spTree>
-      <p:nvGrpSpPr>
-        <p:cNvPr id="1" name="Shape 353"/>
-        <p:cNvGrpSpPr/>
-        <p:nvPr/>
-      </p:nvGrpSpPr>
-      <p:grpSpPr>
-        <a:xfrm>
-          <a:off x="0" y="0"/>
-          <a:ext cx="0" cy="0"/>
-          <a:chOff x="0" y="0"/>
-          <a:chExt cx="0" cy="0"/>
-        </a:xfrm>
-      </p:grpSpPr>
-      <p:sp>
-        <p:nvSpPr>
-          <p:cNvPr id="354" name="Google Shape;354;p37"/>
-          <p:cNvSpPr txBox="1">
-            <a:spLocks noGrp="1"/>
-          </p:cNvSpPr>
-          <p:nvPr>
-            <p:ph type="title"/>
-          </p:nvPr>
-        </p:nvSpPr>
-        <p:spPr>
-          <a:xfrm>
-            <a:off x="714375" y="190941"/>
-            <a:ext cx="7715250" cy="571500"/>
-          </a:xfrm>
-          <a:prstGeom prst="rect">
-            <a:avLst/>
-          </a:prstGeom>
-        </p:spPr>
-        <p:txBody>
-          <a:bodyPr spcFirstLastPara="1" wrap="square" lIns="91425" tIns="91425" rIns="91425" bIns="91425" anchor="t" anchorCtr="0">
-            <a:noAutofit/>
-          </a:bodyPr>
-          <a:lstStyle/>
-          <a:p>
-            <a:pPr lvl="0" algn="ctr"/>
-            <a:r>
-              <a:rPr lang="es-ES" dirty="0">
-                <a:latin typeface="Century Gothic" panose="020B0502020202020204" pitchFamily="34" charset="0"/>
-              </a:rPr>
-              <a:t>MAVEN</a:t>
-            </a:r>
-            <a:endParaRPr dirty="0">
-              <a:solidFill>
-                <a:schemeClr val="accent3"/>
-              </a:solidFill>
-              <a:latin typeface="Century Gothic" panose="020B0502020202020204" pitchFamily="34" charset="0"/>
-            </a:endParaRPr>
-          </a:p>
-        </p:txBody>
-      </p:sp>
-      <p:pic>
-        <p:nvPicPr>
-          <p:cNvPr id="3078" name="Picture 6">
-            <a:extLst>
-              <a:ext uri="{FF2B5EF4-FFF2-40B4-BE49-F238E27FC236}">
-                <a16:creationId xmlns:a16="http://schemas.microsoft.com/office/drawing/2014/main" id="{852C7473-011A-5322-4419-6F6DE03BF6C9}"/>
-              </a:ext>
-            </a:extLst>
-          </p:cNvPr>
-          <p:cNvPicPr>
-            <a:picLocks noChangeAspect="1" noChangeArrowheads="1"/>
-          </p:cNvPicPr>
-          <p:nvPr/>
-        </p:nvPicPr>
-        <p:blipFill>
-          <a:blip r:embed="rId3">
-            <a:extLst>
-              <a:ext uri="{28A0092B-C50C-407E-A947-70E740481C1C}">
-                <a14:useLocalDpi xmlns:a14="http://schemas.microsoft.com/office/drawing/2010/main" val="0"/>
-              </a:ext>
-            </a:extLst>
-          </a:blip>
-          <a:srcRect/>
-          <a:stretch>
-            <a:fillRect/>
-          </a:stretch>
-        </p:blipFill>
-        <p:spPr bwMode="auto">
-          <a:xfrm>
-            <a:off x="7402995" y="4694405"/>
-            <a:ext cx="1706321" cy="431352"/>
-          </a:xfrm>
-          <a:prstGeom prst="rect">
-            <a:avLst/>
-          </a:prstGeom>
-          <a:noFill/>
-          <a:extLst>
-            <a:ext uri="{909E8E84-426E-40DD-AFC4-6F175D3DCCD1}">
-              <a14:hiddenFill xmlns:a14="http://schemas.microsoft.com/office/drawing/2010/main">
-                <a:solidFill>
-                  <a:srgbClr val="FFFFFF"/>
-                </a:solidFill>
-              </a14:hiddenFill>
-            </a:ext>
-          </a:extLst>
-        </p:spPr>
-      </p:pic>
-      <p:sp>
-        <p:nvSpPr>
-          <p:cNvPr id="6" name="Google Shape;653;p49">
-            <a:extLst>
-              <a:ext uri="{FF2B5EF4-FFF2-40B4-BE49-F238E27FC236}">
-                <a16:creationId xmlns:a16="http://schemas.microsoft.com/office/drawing/2014/main" id="{080DA087-5F1B-0494-622C-9A95B620EC99}"/>
-              </a:ext>
-            </a:extLst>
-          </p:cNvPr>
-          <p:cNvSpPr txBox="1">
-            <a:spLocks/>
-          </p:cNvSpPr>
-          <p:nvPr/>
-        </p:nvSpPr>
-        <p:spPr>
-          <a:xfrm>
-            <a:off x="3593373" y="1574987"/>
-            <a:ext cx="2867025" cy="527050"/>
-          </a:xfrm>
-          <a:prstGeom prst="rect">
-            <a:avLst/>
-          </a:prstGeom>
-        </p:spPr>
-        <p:txBody>
-          <a:bodyPr spcFirstLastPara="1" wrap="square" lIns="91425" tIns="91425" rIns="91425" bIns="91425" anchor="ctr" anchorCtr="0">
-            <a:noAutofit/>
-          </a:bodyPr>
-          <a:lstStyle>
-            <a:defPPr marR="0" lvl="0" algn="l" rtl="0">
-              <a:lnSpc>
-                <a:spcPct val="100000"/>
-              </a:lnSpc>
-              <a:spcBef>
-                <a:spcPts val="0"/>
-              </a:spcBef>
-              <a:spcAft>
-                <a:spcPts val="0"/>
-              </a:spcAft>
-            </a:defPPr>
-            <a:lvl1pPr marR="0" lvl="0" algn="ctr" rtl="0">
-              <a:lnSpc>
-                <a:spcPct val="100000"/>
-              </a:lnSpc>
-              <a:spcBef>
-                <a:spcPts val="0"/>
-              </a:spcBef>
-              <a:spcAft>
-                <a:spcPts val="0"/>
-              </a:spcAft>
-              <a:buClr>
-                <a:schemeClr val="accent1"/>
-              </a:buClr>
-              <a:buSzPts val="2800"/>
-              <a:buFont typeface="Ramabhadra"/>
-              <a:buNone/>
-              <a:defRPr sz="2000" b="1" i="0" u="none" strike="noStrike" cap="none">
-                <a:solidFill>
-                  <a:srgbClr val="007399"/>
-                </a:solidFill>
-                <a:latin typeface="Century Gothic" panose="020B0502020202020204" pitchFamily="34" charset="0"/>
-                <a:ea typeface="Arial Black" panose="020B0604020202020204" pitchFamily="34" charset="0"/>
-                <a:cs typeface="Arial Black" panose="020B0604020202020204" pitchFamily="34" charset="0"/>
-                <a:sym typeface="Arial"/>
-              </a:defRPr>
-            </a:lvl1pPr>
-            <a:lvl2pPr marR="0" lvl="1" algn="ctr" rtl="0">
-              <a:lnSpc>
-                <a:spcPct val="100000"/>
-              </a:lnSpc>
-              <a:spcBef>
-                <a:spcPts val="0"/>
-              </a:spcBef>
-              <a:spcAft>
-                <a:spcPts val="0"/>
-              </a:spcAft>
-              <a:buClr>
-                <a:schemeClr val="accent1"/>
-              </a:buClr>
-              <a:buSzPts val="2800"/>
-              <a:buFont typeface="Ramabhadra"/>
-              <a:buNone/>
-              <a:defRPr sz="2800" b="1" i="0" u="none" strike="noStrike" cap="none">
-                <a:solidFill>
-                  <a:schemeClr val="accent1"/>
-                </a:solidFill>
-                <a:latin typeface="Ramabhadra"/>
-                <a:ea typeface="Ramabhadra"/>
-                <a:cs typeface="Ramabhadra"/>
-                <a:sym typeface="Ramabhadra"/>
-              </a:defRPr>
-            </a:lvl2pPr>
-            <a:lvl3pPr marR="0" lvl="2" algn="ctr" rtl="0">
-              <a:lnSpc>
-                <a:spcPct val="100000"/>
-              </a:lnSpc>
-              <a:spcBef>
-                <a:spcPts val="0"/>
-              </a:spcBef>
-              <a:spcAft>
-                <a:spcPts val="0"/>
-              </a:spcAft>
-              <a:buClr>
-                <a:schemeClr val="accent1"/>
-              </a:buClr>
-              <a:buSzPts val="2800"/>
-              <a:buFont typeface="Ramabhadra"/>
-              <a:buNone/>
-              <a:defRPr sz="2800" b="1" i="0" u="none" strike="noStrike" cap="none">
-                <a:solidFill>
-                  <a:schemeClr val="accent1"/>
-                </a:solidFill>
-                <a:latin typeface="Ramabhadra"/>
-                <a:ea typeface="Ramabhadra"/>
-                <a:cs typeface="Ramabhadra"/>
-                <a:sym typeface="Ramabhadra"/>
-              </a:defRPr>
-            </a:lvl3pPr>
-            <a:lvl4pPr marR="0" lvl="3" algn="ctr" rtl="0">
-              <a:lnSpc>
-                <a:spcPct val="100000"/>
-              </a:lnSpc>
-              <a:spcBef>
-                <a:spcPts val="0"/>
-              </a:spcBef>
-              <a:spcAft>
-                <a:spcPts val="0"/>
-              </a:spcAft>
-              <a:buClr>
-                <a:schemeClr val="accent1"/>
-              </a:buClr>
-              <a:buSzPts val="2800"/>
-              <a:buFont typeface="Ramabhadra"/>
-              <a:buNone/>
-              <a:defRPr sz="2800" b="1" i="0" u="none" strike="noStrike" cap="none">
-                <a:solidFill>
-                  <a:schemeClr val="accent1"/>
-                </a:solidFill>
-                <a:latin typeface="Ramabhadra"/>
-                <a:ea typeface="Ramabhadra"/>
-                <a:cs typeface="Ramabhadra"/>
-                <a:sym typeface="Ramabhadra"/>
-              </a:defRPr>
-            </a:lvl4pPr>
-            <a:lvl5pPr marR="0" lvl="4" algn="ctr" rtl="0">
-              <a:lnSpc>
-                <a:spcPct val="100000"/>
-              </a:lnSpc>
-              <a:spcBef>
-                <a:spcPts val="0"/>
-              </a:spcBef>
-              <a:spcAft>
-                <a:spcPts val="0"/>
-              </a:spcAft>
-              <a:buClr>
-                <a:schemeClr val="accent1"/>
-              </a:buClr>
-              <a:buSzPts val="2800"/>
-              <a:buFont typeface="Ramabhadra"/>
-              <a:buNone/>
-              <a:defRPr sz="2800" b="1" i="0" u="none" strike="noStrike" cap="none">
-                <a:solidFill>
-                  <a:schemeClr val="accent1"/>
-                </a:solidFill>
-                <a:latin typeface="Ramabhadra"/>
-                <a:ea typeface="Ramabhadra"/>
-                <a:cs typeface="Ramabhadra"/>
-                <a:sym typeface="Ramabhadra"/>
-              </a:defRPr>
-            </a:lvl5pPr>
-            <a:lvl6pPr marR="0" lvl="5" algn="ctr" rtl="0">
-              <a:lnSpc>
-                <a:spcPct val="100000"/>
-              </a:lnSpc>
-              <a:spcBef>
-                <a:spcPts val="0"/>
-              </a:spcBef>
-              <a:spcAft>
-                <a:spcPts val="0"/>
-              </a:spcAft>
-              <a:buClr>
-                <a:schemeClr val="accent1"/>
-              </a:buClr>
-              <a:buSzPts val="2800"/>
-              <a:buFont typeface="Ramabhadra"/>
-              <a:buNone/>
-              <a:defRPr sz="2800" b="1" i="0" u="none" strike="noStrike" cap="none">
-                <a:solidFill>
-                  <a:schemeClr val="accent1"/>
-                </a:solidFill>
-                <a:latin typeface="Ramabhadra"/>
-                <a:ea typeface="Ramabhadra"/>
-                <a:cs typeface="Ramabhadra"/>
-                <a:sym typeface="Ramabhadra"/>
-              </a:defRPr>
-            </a:lvl6pPr>
-            <a:lvl7pPr marR="0" lvl="6" algn="ctr" rtl="0">
-              <a:lnSpc>
-                <a:spcPct val="100000"/>
-              </a:lnSpc>
-              <a:spcBef>
-                <a:spcPts val="0"/>
-              </a:spcBef>
-              <a:spcAft>
-                <a:spcPts val="0"/>
-              </a:spcAft>
-              <a:buClr>
-                <a:schemeClr val="accent1"/>
-              </a:buClr>
-              <a:buSzPts val="2800"/>
-              <a:buFont typeface="Ramabhadra"/>
-              <a:buNone/>
-              <a:defRPr sz="2800" b="1" i="0" u="none" strike="noStrike" cap="none">
-                <a:solidFill>
-                  <a:schemeClr val="accent1"/>
-                </a:solidFill>
-                <a:latin typeface="Ramabhadra"/>
-                <a:ea typeface="Ramabhadra"/>
-                <a:cs typeface="Ramabhadra"/>
-                <a:sym typeface="Ramabhadra"/>
-              </a:defRPr>
-            </a:lvl7pPr>
-            <a:lvl8pPr marR="0" lvl="7" algn="ctr" rtl="0">
-              <a:lnSpc>
-                <a:spcPct val="100000"/>
-              </a:lnSpc>
-              <a:spcBef>
-                <a:spcPts val="0"/>
-              </a:spcBef>
-              <a:spcAft>
-                <a:spcPts val="0"/>
-              </a:spcAft>
-              <a:buClr>
-                <a:schemeClr val="accent1"/>
-              </a:buClr>
-              <a:buSzPts val="2800"/>
-              <a:buFont typeface="Ramabhadra"/>
-              <a:buNone/>
-              <a:defRPr sz="2800" b="1" i="0" u="none" strike="noStrike" cap="none">
-                <a:solidFill>
-                  <a:schemeClr val="accent1"/>
-                </a:solidFill>
-                <a:latin typeface="Ramabhadra"/>
-                <a:ea typeface="Ramabhadra"/>
-                <a:cs typeface="Ramabhadra"/>
-                <a:sym typeface="Ramabhadra"/>
-              </a:defRPr>
-            </a:lvl8pPr>
-            <a:lvl9pPr marR="0" lvl="8" algn="ctr" rtl="0">
-              <a:lnSpc>
-                <a:spcPct val="100000"/>
-              </a:lnSpc>
-              <a:spcBef>
-                <a:spcPts val="0"/>
-              </a:spcBef>
-              <a:spcAft>
-                <a:spcPts val="0"/>
-              </a:spcAft>
-              <a:buClr>
-                <a:schemeClr val="accent1"/>
-              </a:buClr>
-              <a:buSzPts val="2800"/>
-              <a:buFont typeface="Ramabhadra"/>
-              <a:buNone/>
-              <a:defRPr sz="2800" b="1" i="0" u="none" strike="noStrike" cap="none">
-                <a:solidFill>
-                  <a:schemeClr val="accent1"/>
-                </a:solidFill>
-                <a:latin typeface="Ramabhadra"/>
-                <a:ea typeface="Ramabhadra"/>
-                <a:cs typeface="Ramabhadra"/>
-                <a:sym typeface="Ramabhadra"/>
-              </a:defRPr>
-            </a:lvl9pPr>
-          </a:lstStyle>
-          <a:p>
-            <a:pPr algn="l"/>
-            <a:r>
-              <a:rPr lang="es-ES" sz="2400" dirty="0"/>
-              <a:t>Maven </a:t>
-            </a:r>
-            <a:r>
-              <a:rPr lang="es-ES" sz="2400" dirty="0" err="1"/>
-              <a:t>Repository</a:t>
-            </a:r>
-            <a:endParaRPr lang="es-ES" sz="2400" dirty="0"/>
-          </a:p>
-        </p:txBody>
-      </p:sp>
-      <p:sp>
-        <p:nvSpPr>
-          <p:cNvPr id="7" name="Google Shape;654;p49">
-            <a:extLst>
-              <a:ext uri="{FF2B5EF4-FFF2-40B4-BE49-F238E27FC236}">
-                <a16:creationId xmlns:a16="http://schemas.microsoft.com/office/drawing/2014/main" id="{90F73D1C-8C7F-95E2-3271-E88373C78478}"/>
-              </a:ext>
-            </a:extLst>
-          </p:cNvPr>
-          <p:cNvSpPr txBox="1">
-            <a:spLocks/>
-          </p:cNvSpPr>
-          <p:nvPr/>
-        </p:nvSpPr>
-        <p:spPr>
-          <a:xfrm>
-            <a:off x="3593373" y="2048062"/>
-            <a:ext cx="3557122" cy="307777"/>
-          </a:xfrm>
-          <a:prstGeom prst="rect">
-            <a:avLst/>
-          </a:prstGeom>
-        </p:spPr>
-        <p:txBody>
-          <a:bodyPr spcFirstLastPara="1" wrap="square" lIns="91425" tIns="91425" rIns="91425" bIns="91425" anchor="ctr" anchorCtr="0">
-            <a:noAutofit/>
-          </a:bodyPr>
-          <a:lstStyle>
-            <a:defPPr marR="0" lvl="0" algn="l" rtl="0">
-              <a:lnSpc>
-                <a:spcPct val="100000"/>
-              </a:lnSpc>
-              <a:spcBef>
-                <a:spcPts val="0"/>
-              </a:spcBef>
-              <a:spcAft>
-                <a:spcPts val="0"/>
-              </a:spcAft>
-            </a:defPPr>
-            <a:lvl1pPr marR="0" lvl="0" algn="l" rtl="0">
-              <a:lnSpc>
-                <a:spcPct val="100000"/>
-              </a:lnSpc>
-              <a:spcBef>
-                <a:spcPts val="0"/>
-              </a:spcBef>
-              <a:spcAft>
-                <a:spcPts val="0"/>
-              </a:spcAft>
-              <a:buClr>
-                <a:srgbClr val="000000"/>
-              </a:buClr>
-              <a:buFont typeface="Arial"/>
-              <a:defRPr sz="1400" b="0" i="0" u="none" strike="noStrike" cap="none">
-                <a:solidFill>
-                  <a:srgbClr val="000000"/>
-                </a:solidFill>
-                <a:latin typeface="Arial"/>
-                <a:ea typeface="Arial"/>
-                <a:cs typeface="Arial"/>
-                <a:sym typeface="Arial"/>
-              </a:defRPr>
-            </a:lvl1pPr>
-            <a:lvl2pPr marR="0" lvl="1" algn="l" rtl="0">
-              <a:lnSpc>
-                <a:spcPct val="100000"/>
-              </a:lnSpc>
-              <a:spcBef>
-                <a:spcPts val="0"/>
-              </a:spcBef>
-              <a:spcAft>
-                <a:spcPts val="0"/>
-              </a:spcAft>
-              <a:buClr>
-                <a:srgbClr val="000000"/>
-              </a:buClr>
-              <a:buFont typeface="Arial"/>
-              <a:defRPr sz="1400" b="0" i="0" u="none" strike="noStrike" cap="none">
-                <a:solidFill>
-                  <a:srgbClr val="000000"/>
-                </a:solidFill>
-                <a:latin typeface="Arial"/>
-                <a:ea typeface="Arial"/>
-                <a:cs typeface="Arial"/>
-                <a:sym typeface="Arial"/>
-              </a:defRPr>
-            </a:lvl2pPr>
-            <a:lvl3pPr marR="0" lvl="2" algn="l" rtl="0">
-              <a:lnSpc>
-                <a:spcPct val="100000"/>
-              </a:lnSpc>
-              <a:spcBef>
-                <a:spcPts val="0"/>
-              </a:spcBef>
-              <a:spcAft>
-                <a:spcPts val="0"/>
-              </a:spcAft>
-              <a:buClr>
-                <a:srgbClr val="000000"/>
-              </a:buClr>
-              <a:buFont typeface="Arial"/>
-              <a:defRPr sz="1400" b="0" i="0" u="none" strike="noStrike" cap="none">
-                <a:solidFill>
-                  <a:srgbClr val="000000"/>
-                </a:solidFill>
-                <a:latin typeface="Arial"/>
-                <a:ea typeface="Arial"/>
-                <a:cs typeface="Arial"/>
-                <a:sym typeface="Arial"/>
-              </a:defRPr>
-            </a:lvl3pPr>
-            <a:lvl4pPr marR="0" lvl="3" algn="l" rtl="0">
-              <a:lnSpc>
-                <a:spcPct val="100000"/>
-              </a:lnSpc>
-              <a:spcBef>
-                <a:spcPts val="0"/>
-              </a:spcBef>
-              <a:spcAft>
-                <a:spcPts val="0"/>
-              </a:spcAft>
-              <a:buClr>
-                <a:srgbClr val="000000"/>
-              </a:buClr>
-              <a:buFont typeface="Arial"/>
-              <a:defRPr sz="1400" b="0" i="0" u="none" strike="noStrike" cap="none">
-                <a:solidFill>
-                  <a:srgbClr val="000000"/>
-                </a:solidFill>
-                <a:latin typeface="Arial"/>
-                <a:ea typeface="Arial"/>
-                <a:cs typeface="Arial"/>
-                <a:sym typeface="Arial"/>
-              </a:defRPr>
-            </a:lvl4pPr>
-            <a:lvl5pPr marR="0" lvl="4" algn="l" rtl="0">
-              <a:lnSpc>
-                <a:spcPct val="100000"/>
-              </a:lnSpc>
-              <a:spcBef>
-                <a:spcPts val="0"/>
-              </a:spcBef>
-              <a:spcAft>
-                <a:spcPts val="0"/>
-              </a:spcAft>
-              <a:buClr>
-                <a:srgbClr val="000000"/>
-              </a:buClr>
-              <a:buFont typeface="Arial"/>
-              <a:defRPr sz="1400" b="0" i="0" u="none" strike="noStrike" cap="none">
-                <a:solidFill>
-                  <a:srgbClr val="000000"/>
-                </a:solidFill>
-                <a:latin typeface="Arial"/>
-                <a:ea typeface="Arial"/>
-                <a:cs typeface="Arial"/>
-                <a:sym typeface="Arial"/>
-              </a:defRPr>
-            </a:lvl5pPr>
-            <a:lvl6pPr marR="0" lvl="5" algn="l" rtl="0">
-              <a:lnSpc>
-                <a:spcPct val="100000"/>
-              </a:lnSpc>
-              <a:spcBef>
-                <a:spcPts val="0"/>
-              </a:spcBef>
-              <a:spcAft>
-                <a:spcPts val="0"/>
-              </a:spcAft>
-              <a:buClr>
-                <a:srgbClr val="000000"/>
-              </a:buClr>
-              <a:buFont typeface="Arial"/>
-              <a:defRPr sz="1400" b="0" i="0" u="none" strike="noStrike" cap="none">
-                <a:solidFill>
-                  <a:srgbClr val="000000"/>
-                </a:solidFill>
-                <a:latin typeface="Arial"/>
-                <a:ea typeface="Arial"/>
-                <a:cs typeface="Arial"/>
-                <a:sym typeface="Arial"/>
-              </a:defRPr>
-            </a:lvl6pPr>
-            <a:lvl7pPr marR="0" lvl="6" algn="l" rtl="0">
-              <a:lnSpc>
-                <a:spcPct val="100000"/>
-              </a:lnSpc>
-              <a:spcBef>
-                <a:spcPts val="0"/>
-              </a:spcBef>
-              <a:spcAft>
-                <a:spcPts val="0"/>
-              </a:spcAft>
-              <a:buClr>
-                <a:srgbClr val="000000"/>
-              </a:buClr>
-              <a:buFont typeface="Arial"/>
-              <a:defRPr sz="1400" b="0" i="0" u="none" strike="noStrike" cap="none">
-                <a:solidFill>
-                  <a:srgbClr val="000000"/>
-                </a:solidFill>
-                <a:latin typeface="Arial"/>
-                <a:ea typeface="Arial"/>
-                <a:cs typeface="Arial"/>
-                <a:sym typeface="Arial"/>
-              </a:defRPr>
-            </a:lvl7pPr>
-            <a:lvl8pPr marR="0" lvl="7" algn="l" rtl="0">
-              <a:lnSpc>
-                <a:spcPct val="100000"/>
-              </a:lnSpc>
-              <a:spcBef>
-                <a:spcPts val="0"/>
-              </a:spcBef>
-              <a:spcAft>
-                <a:spcPts val="0"/>
-              </a:spcAft>
-              <a:buClr>
-                <a:srgbClr val="000000"/>
-              </a:buClr>
-              <a:buFont typeface="Arial"/>
-              <a:defRPr sz="1400" b="0" i="0" u="none" strike="noStrike" cap="none">
-                <a:solidFill>
-                  <a:srgbClr val="000000"/>
-                </a:solidFill>
-                <a:latin typeface="Arial"/>
-                <a:ea typeface="Arial"/>
-                <a:cs typeface="Arial"/>
-                <a:sym typeface="Arial"/>
-              </a:defRPr>
-            </a:lvl8pPr>
-            <a:lvl9pPr marR="0" lvl="8" algn="l" rtl="0">
-              <a:lnSpc>
-                <a:spcPct val="100000"/>
-              </a:lnSpc>
-              <a:spcBef>
-                <a:spcPts val="0"/>
-              </a:spcBef>
-              <a:spcAft>
-                <a:spcPts val="0"/>
-              </a:spcAft>
-              <a:buClr>
-                <a:srgbClr val="000000"/>
-              </a:buClr>
-              <a:buFont typeface="Arial"/>
-              <a:defRPr sz="1400" b="0" i="0" u="none" strike="noStrike" cap="none">
-                <a:solidFill>
-                  <a:srgbClr val="000000"/>
-                </a:solidFill>
-                <a:latin typeface="Arial"/>
-                <a:ea typeface="Arial"/>
-                <a:cs typeface="Arial"/>
-                <a:sym typeface="Arial"/>
-              </a:defRPr>
-            </a:lvl9pPr>
-          </a:lstStyle>
-          <a:p>
-            <a:r>
-              <a:rPr lang="es-ES" sz="1200" dirty="0">
-                <a:solidFill>
-                  <a:srgbClr val="007399"/>
-                </a:solidFill>
-              </a:rPr>
-              <a:t>https://mvnrepository.com/repos/central</a:t>
-            </a:r>
-          </a:p>
-        </p:txBody>
-      </p:sp>
-      <p:sp>
-        <p:nvSpPr>
-          <p:cNvPr id="15" name="Google Shape;662;p49">
-            <a:extLst>
-              <a:ext uri="{FF2B5EF4-FFF2-40B4-BE49-F238E27FC236}">
-                <a16:creationId xmlns:a16="http://schemas.microsoft.com/office/drawing/2014/main" id="{7F002FA5-99EE-328F-B049-3A3EE1102B6C}"/>
-              </a:ext>
-            </a:extLst>
-          </p:cNvPr>
-          <p:cNvSpPr/>
-          <p:nvPr/>
-        </p:nvSpPr>
-        <p:spPr>
-          <a:xfrm>
-            <a:off x="2764973" y="1645430"/>
-            <a:ext cx="695400" cy="677400"/>
-          </a:xfrm>
-          <a:prstGeom prst="roundRect">
-            <a:avLst>
-              <a:gd name="adj" fmla="val 16667"/>
-            </a:avLst>
-          </a:prstGeom>
-          <a:solidFill>
-            <a:srgbClr val="F3B734"/>
-          </a:solidFill>
-          <a:ln>
-            <a:noFill/>
-          </a:ln>
-        </p:spPr>
-        <p:txBody>
-          <a:bodyPr spcFirstLastPara="1" wrap="square" lIns="91425" tIns="91425" rIns="91425" bIns="91425" anchor="ctr" anchorCtr="0">
-            <a:noAutofit/>
-          </a:bodyPr>
-          <a:lstStyle/>
-          <a:p>
-            <a:pPr marL="0" lvl="0" indent="0" algn="l" rtl="0">
-              <a:spcBef>
-                <a:spcPts val="0"/>
-              </a:spcBef>
-              <a:spcAft>
-                <a:spcPts val="0"/>
-              </a:spcAft>
-              <a:buNone/>
-            </a:pPr>
-            <a:endParaRPr dirty="0"/>
-          </a:p>
-        </p:txBody>
-      </p:sp>
-      <p:grpSp>
-        <p:nvGrpSpPr>
-          <p:cNvPr id="16" name="Google Shape;671;p49">
-            <a:extLst>
-              <a:ext uri="{FF2B5EF4-FFF2-40B4-BE49-F238E27FC236}">
-                <a16:creationId xmlns:a16="http://schemas.microsoft.com/office/drawing/2014/main" id="{93353D5D-7203-5702-AFE2-80C268EC23F0}"/>
-              </a:ext>
-            </a:extLst>
-          </p:cNvPr>
-          <p:cNvGrpSpPr/>
-          <p:nvPr/>
-        </p:nvGrpSpPr>
-        <p:grpSpPr>
-          <a:xfrm>
-            <a:off x="2966634" y="1814494"/>
-            <a:ext cx="292078" cy="339253"/>
-            <a:chOff x="4492800" y="2027925"/>
-            <a:chExt cx="414825" cy="481825"/>
-          </a:xfrm>
-        </p:grpSpPr>
-        <p:sp>
-          <p:nvSpPr>
-            <p:cNvPr id="17" name="Google Shape;672;p49">
-              <a:extLst>
-                <a:ext uri="{FF2B5EF4-FFF2-40B4-BE49-F238E27FC236}">
-                  <a16:creationId xmlns:a16="http://schemas.microsoft.com/office/drawing/2014/main" id="{9082FAF1-90C9-2F0E-8DC7-957D47E23BF9}"/>
-                </a:ext>
-              </a:extLst>
-            </p:cNvPr>
-            <p:cNvSpPr/>
-            <p:nvPr/>
-          </p:nvSpPr>
-          <p:spPr>
-            <a:xfrm>
-              <a:off x="4492800" y="2027925"/>
-              <a:ext cx="54600" cy="481825"/>
-            </a:xfrm>
-            <a:custGeom>
-              <a:avLst/>
-              <a:gdLst/>
-              <a:ahLst/>
-              <a:cxnLst/>
-              <a:rect l="l" t="t" r="r" b="b"/>
-              <a:pathLst>
-                <a:path w="2184" h="19273" extrusionOk="0">
-                  <a:moveTo>
-                    <a:pt x="912" y="1"/>
-                  </a:moveTo>
-                  <a:cubicBezTo>
-                    <a:pt x="407" y="1"/>
-                    <a:pt x="0" y="407"/>
-                    <a:pt x="0" y="913"/>
-                  </a:cubicBezTo>
-                  <a:lnTo>
-                    <a:pt x="0" y="18360"/>
-                  </a:lnTo>
-                  <a:cubicBezTo>
-                    <a:pt x="0" y="18866"/>
-                    <a:pt x="407" y="19273"/>
-                    <a:pt x="912" y="19273"/>
-                  </a:cubicBezTo>
-                  <a:lnTo>
-                    <a:pt x="1271" y="19273"/>
-                  </a:lnTo>
-                  <a:cubicBezTo>
-                    <a:pt x="1777" y="19273"/>
-                    <a:pt x="2183" y="18866"/>
-                    <a:pt x="2183" y="18360"/>
-                  </a:cubicBezTo>
-                  <a:lnTo>
-                    <a:pt x="2183" y="913"/>
-                  </a:lnTo>
-                  <a:cubicBezTo>
-                    <a:pt x="2183" y="407"/>
-                    <a:pt x="1777" y="1"/>
-                    <a:pt x="1271" y="1"/>
-                  </a:cubicBezTo>
-                  <a:close/>
-                </a:path>
-              </a:pathLst>
-            </a:custGeom>
-            <a:solidFill>
-              <a:schemeClr val="lt1"/>
-            </a:solidFill>
-            <a:ln>
-              <a:noFill/>
-            </a:ln>
-          </p:spPr>
-          <p:txBody>
-            <a:bodyPr spcFirstLastPara="1" wrap="square" lIns="91425" tIns="91425" rIns="91425" bIns="91425" anchor="ctr" anchorCtr="0">
-              <a:noAutofit/>
-            </a:bodyPr>
-            <a:lstStyle/>
-            <a:p>
-              <a:pPr marL="0" lvl="0" indent="0" algn="l" rtl="0">
-                <a:spcBef>
-                  <a:spcPts val="0"/>
-                </a:spcBef>
-                <a:spcAft>
-                  <a:spcPts val="0"/>
-                </a:spcAft>
-                <a:buNone/>
-              </a:pPr>
-              <a:endParaRPr dirty="0">
-                <a:solidFill>
-                  <a:srgbClr val="435D74"/>
-                </a:solidFill>
-              </a:endParaRPr>
-            </a:p>
-          </p:txBody>
-        </p:sp>
-        <p:sp>
-          <p:nvSpPr>
-            <p:cNvPr id="18" name="Google Shape;673;p49">
-              <a:extLst>
-                <a:ext uri="{FF2B5EF4-FFF2-40B4-BE49-F238E27FC236}">
-                  <a16:creationId xmlns:a16="http://schemas.microsoft.com/office/drawing/2014/main" id="{63446E85-0279-71B7-3FA6-8DE2F67F73F5}"/>
-                </a:ext>
-              </a:extLst>
-            </p:cNvPr>
-            <p:cNvSpPr/>
-            <p:nvPr/>
-          </p:nvSpPr>
-          <p:spPr>
-            <a:xfrm>
-              <a:off x="4575600" y="2051425"/>
-              <a:ext cx="332025" cy="262450"/>
-            </a:xfrm>
-            <a:custGeom>
-              <a:avLst/>
-              <a:gdLst/>
-              <a:ahLst/>
-              <a:cxnLst/>
-              <a:rect l="l" t="t" r="r" b="b"/>
-              <a:pathLst>
-                <a:path w="13281" h="10498" extrusionOk="0">
-                  <a:moveTo>
-                    <a:pt x="0" y="0"/>
-                  </a:moveTo>
-                  <a:lnTo>
-                    <a:pt x="0" y="10497"/>
-                  </a:lnTo>
-                  <a:lnTo>
-                    <a:pt x="12485" y="10497"/>
-                  </a:lnTo>
-                  <a:cubicBezTo>
-                    <a:pt x="13006" y="10494"/>
-                    <a:pt x="13280" y="9874"/>
-                    <a:pt x="12925" y="9488"/>
-                  </a:cubicBezTo>
-                  <a:lnTo>
-                    <a:pt x="9010" y="5249"/>
-                  </a:lnTo>
-                  <a:lnTo>
-                    <a:pt x="12925" y="1006"/>
-                  </a:lnTo>
-                  <a:cubicBezTo>
-                    <a:pt x="13280" y="620"/>
-                    <a:pt x="13006" y="0"/>
-                    <a:pt x="12485" y="0"/>
-                  </a:cubicBezTo>
-                  <a:close/>
-                </a:path>
-              </a:pathLst>
-            </a:custGeom>
-            <a:solidFill>
-              <a:schemeClr val="lt1"/>
-            </a:solidFill>
-            <a:ln>
-              <a:noFill/>
-            </a:ln>
-          </p:spPr>
-          <p:txBody>
-            <a:bodyPr spcFirstLastPara="1" wrap="square" lIns="91425" tIns="91425" rIns="91425" bIns="91425" anchor="ctr" anchorCtr="0">
-              <a:noAutofit/>
-            </a:bodyPr>
-            <a:lstStyle/>
-            <a:p>
-              <a:pPr marL="0" lvl="0" indent="0" algn="l" rtl="0">
-                <a:spcBef>
-                  <a:spcPts val="0"/>
-                </a:spcBef>
-                <a:spcAft>
-                  <a:spcPts val="0"/>
-                </a:spcAft>
-                <a:buNone/>
-              </a:pPr>
-              <a:endParaRPr dirty="0">
-                <a:solidFill>
-                  <a:srgbClr val="435D74"/>
-                </a:solidFill>
-              </a:endParaRPr>
-            </a:p>
-          </p:txBody>
-        </p:sp>
-      </p:grpSp>
-      <p:sp>
-        <p:nvSpPr>
-          <p:cNvPr id="19" name="Google Shape;653;p49">
-            <a:extLst>
-              <a:ext uri="{FF2B5EF4-FFF2-40B4-BE49-F238E27FC236}">
-                <a16:creationId xmlns:a16="http://schemas.microsoft.com/office/drawing/2014/main" id="{C19FF0C9-0C95-0CB0-B6BE-867108BEE159}"/>
-              </a:ext>
-            </a:extLst>
-          </p:cNvPr>
-          <p:cNvSpPr txBox="1">
-            <a:spLocks/>
-          </p:cNvSpPr>
-          <p:nvPr/>
-        </p:nvSpPr>
-        <p:spPr>
-          <a:xfrm>
-            <a:off x="3612773" y="2679086"/>
-            <a:ext cx="4196544" cy="527050"/>
-          </a:xfrm>
-          <a:prstGeom prst="rect">
-            <a:avLst/>
-          </a:prstGeom>
-        </p:spPr>
-        <p:txBody>
-          <a:bodyPr spcFirstLastPara="1" wrap="square" lIns="91425" tIns="91425" rIns="91425" bIns="91425" anchor="ctr" anchorCtr="0">
-            <a:noAutofit/>
-          </a:bodyPr>
-          <a:lstStyle>
-            <a:defPPr marR="0" lvl="0" algn="l" rtl="0">
-              <a:lnSpc>
-                <a:spcPct val="100000"/>
-              </a:lnSpc>
-              <a:spcBef>
-                <a:spcPts val="0"/>
-              </a:spcBef>
-              <a:spcAft>
-                <a:spcPts val="0"/>
-              </a:spcAft>
-            </a:defPPr>
-            <a:lvl1pPr marR="0" lvl="0" algn="ctr" rtl="0">
-              <a:lnSpc>
-                <a:spcPct val="100000"/>
-              </a:lnSpc>
-              <a:spcBef>
-                <a:spcPts val="0"/>
-              </a:spcBef>
-              <a:spcAft>
-                <a:spcPts val="0"/>
-              </a:spcAft>
-              <a:buClr>
-                <a:schemeClr val="accent1"/>
-              </a:buClr>
-              <a:buSzPts val="2800"/>
-              <a:buFont typeface="Ramabhadra"/>
-              <a:buNone/>
-              <a:defRPr sz="2000" b="1" i="0" u="none" strike="noStrike" cap="none">
-                <a:solidFill>
-                  <a:srgbClr val="007399"/>
-                </a:solidFill>
-                <a:latin typeface="Century Gothic" panose="020B0502020202020204" pitchFamily="34" charset="0"/>
-                <a:ea typeface="Arial Black" panose="020B0604020202020204" pitchFamily="34" charset="0"/>
-                <a:cs typeface="Arial Black" panose="020B0604020202020204" pitchFamily="34" charset="0"/>
-                <a:sym typeface="Arial"/>
-              </a:defRPr>
-            </a:lvl1pPr>
-            <a:lvl2pPr marR="0" lvl="1" algn="ctr" rtl="0">
-              <a:lnSpc>
-                <a:spcPct val="100000"/>
-              </a:lnSpc>
-              <a:spcBef>
-                <a:spcPts val="0"/>
-              </a:spcBef>
-              <a:spcAft>
-                <a:spcPts val="0"/>
-              </a:spcAft>
-              <a:buClr>
-                <a:schemeClr val="accent1"/>
-              </a:buClr>
-              <a:buSzPts val="2800"/>
-              <a:buFont typeface="Ramabhadra"/>
-              <a:buNone/>
-              <a:defRPr sz="2800" b="1" i="0" u="none" strike="noStrike" cap="none">
-                <a:solidFill>
-                  <a:schemeClr val="accent1"/>
-                </a:solidFill>
-                <a:latin typeface="Ramabhadra"/>
-                <a:ea typeface="Ramabhadra"/>
-                <a:cs typeface="Ramabhadra"/>
-                <a:sym typeface="Ramabhadra"/>
-              </a:defRPr>
-            </a:lvl2pPr>
-            <a:lvl3pPr marR="0" lvl="2" algn="ctr" rtl="0">
-              <a:lnSpc>
-                <a:spcPct val="100000"/>
-              </a:lnSpc>
-              <a:spcBef>
-                <a:spcPts val="0"/>
-              </a:spcBef>
-              <a:spcAft>
-                <a:spcPts val="0"/>
-              </a:spcAft>
-              <a:buClr>
-                <a:schemeClr val="accent1"/>
-              </a:buClr>
-              <a:buSzPts val="2800"/>
-              <a:buFont typeface="Ramabhadra"/>
-              <a:buNone/>
-              <a:defRPr sz="2800" b="1" i="0" u="none" strike="noStrike" cap="none">
-                <a:solidFill>
-                  <a:schemeClr val="accent1"/>
-                </a:solidFill>
-                <a:latin typeface="Ramabhadra"/>
-                <a:ea typeface="Ramabhadra"/>
-                <a:cs typeface="Ramabhadra"/>
-                <a:sym typeface="Ramabhadra"/>
-              </a:defRPr>
-            </a:lvl3pPr>
-            <a:lvl4pPr marR="0" lvl="3" algn="ctr" rtl="0">
-              <a:lnSpc>
-                <a:spcPct val="100000"/>
-              </a:lnSpc>
-              <a:spcBef>
-                <a:spcPts val="0"/>
-              </a:spcBef>
-              <a:spcAft>
-                <a:spcPts val="0"/>
-              </a:spcAft>
-              <a:buClr>
-                <a:schemeClr val="accent1"/>
-              </a:buClr>
-              <a:buSzPts val="2800"/>
-              <a:buFont typeface="Ramabhadra"/>
-              <a:buNone/>
-              <a:defRPr sz="2800" b="1" i="0" u="none" strike="noStrike" cap="none">
-                <a:solidFill>
-                  <a:schemeClr val="accent1"/>
-                </a:solidFill>
-                <a:latin typeface="Ramabhadra"/>
-                <a:ea typeface="Ramabhadra"/>
-                <a:cs typeface="Ramabhadra"/>
-                <a:sym typeface="Ramabhadra"/>
-              </a:defRPr>
-            </a:lvl4pPr>
-            <a:lvl5pPr marR="0" lvl="4" algn="ctr" rtl="0">
-              <a:lnSpc>
-                <a:spcPct val="100000"/>
-              </a:lnSpc>
-              <a:spcBef>
-                <a:spcPts val="0"/>
-              </a:spcBef>
-              <a:spcAft>
-                <a:spcPts val="0"/>
-              </a:spcAft>
-              <a:buClr>
-                <a:schemeClr val="accent1"/>
-              </a:buClr>
-              <a:buSzPts val="2800"/>
-              <a:buFont typeface="Ramabhadra"/>
-              <a:buNone/>
-              <a:defRPr sz="2800" b="1" i="0" u="none" strike="noStrike" cap="none">
-                <a:solidFill>
-                  <a:schemeClr val="accent1"/>
-                </a:solidFill>
-                <a:latin typeface="Ramabhadra"/>
-                <a:ea typeface="Ramabhadra"/>
-                <a:cs typeface="Ramabhadra"/>
-                <a:sym typeface="Ramabhadra"/>
-              </a:defRPr>
-            </a:lvl5pPr>
-            <a:lvl6pPr marR="0" lvl="5" algn="ctr" rtl="0">
-              <a:lnSpc>
-                <a:spcPct val="100000"/>
-              </a:lnSpc>
-              <a:spcBef>
-                <a:spcPts val="0"/>
-              </a:spcBef>
-              <a:spcAft>
-                <a:spcPts val="0"/>
-              </a:spcAft>
-              <a:buClr>
-                <a:schemeClr val="accent1"/>
-              </a:buClr>
-              <a:buSzPts val="2800"/>
-              <a:buFont typeface="Ramabhadra"/>
-              <a:buNone/>
-              <a:defRPr sz="2800" b="1" i="0" u="none" strike="noStrike" cap="none">
-                <a:solidFill>
-                  <a:schemeClr val="accent1"/>
-                </a:solidFill>
-                <a:latin typeface="Ramabhadra"/>
-                <a:ea typeface="Ramabhadra"/>
-                <a:cs typeface="Ramabhadra"/>
-                <a:sym typeface="Ramabhadra"/>
-              </a:defRPr>
-            </a:lvl6pPr>
-            <a:lvl7pPr marR="0" lvl="6" algn="ctr" rtl="0">
-              <a:lnSpc>
-                <a:spcPct val="100000"/>
-              </a:lnSpc>
-              <a:spcBef>
-                <a:spcPts val="0"/>
-              </a:spcBef>
-              <a:spcAft>
-                <a:spcPts val="0"/>
-              </a:spcAft>
-              <a:buClr>
-                <a:schemeClr val="accent1"/>
-              </a:buClr>
-              <a:buSzPts val="2800"/>
-              <a:buFont typeface="Ramabhadra"/>
-              <a:buNone/>
-              <a:defRPr sz="2800" b="1" i="0" u="none" strike="noStrike" cap="none">
-                <a:solidFill>
-                  <a:schemeClr val="accent1"/>
-                </a:solidFill>
-                <a:latin typeface="Ramabhadra"/>
-                <a:ea typeface="Ramabhadra"/>
-                <a:cs typeface="Ramabhadra"/>
-                <a:sym typeface="Ramabhadra"/>
-              </a:defRPr>
-            </a:lvl7pPr>
-            <a:lvl8pPr marR="0" lvl="7" algn="ctr" rtl="0">
-              <a:lnSpc>
-                <a:spcPct val="100000"/>
-              </a:lnSpc>
-              <a:spcBef>
-                <a:spcPts val="0"/>
-              </a:spcBef>
-              <a:spcAft>
-                <a:spcPts val="0"/>
-              </a:spcAft>
-              <a:buClr>
-                <a:schemeClr val="accent1"/>
-              </a:buClr>
-              <a:buSzPts val="2800"/>
-              <a:buFont typeface="Ramabhadra"/>
-              <a:buNone/>
-              <a:defRPr sz="2800" b="1" i="0" u="none" strike="noStrike" cap="none">
-                <a:solidFill>
-                  <a:schemeClr val="accent1"/>
-                </a:solidFill>
-                <a:latin typeface="Ramabhadra"/>
-                <a:ea typeface="Ramabhadra"/>
-                <a:cs typeface="Ramabhadra"/>
-                <a:sym typeface="Ramabhadra"/>
-              </a:defRPr>
-            </a:lvl8pPr>
-            <a:lvl9pPr marR="0" lvl="8" algn="ctr" rtl="0">
-              <a:lnSpc>
-                <a:spcPct val="100000"/>
-              </a:lnSpc>
-              <a:spcBef>
-                <a:spcPts val="0"/>
-              </a:spcBef>
-              <a:spcAft>
-                <a:spcPts val="0"/>
-              </a:spcAft>
-              <a:buClr>
-                <a:schemeClr val="accent1"/>
-              </a:buClr>
-              <a:buSzPts val="2800"/>
-              <a:buFont typeface="Ramabhadra"/>
-              <a:buNone/>
-              <a:defRPr sz="2800" b="1" i="0" u="none" strike="noStrike" cap="none">
-                <a:solidFill>
-                  <a:schemeClr val="accent1"/>
-                </a:solidFill>
-                <a:latin typeface="Ramabhadra"/>
-                <a:ea typeface="Ramabhadra"/>
-                <a:cs typeface="Ramabhadra"/>
-                <a:sym typeface="Ramabhadra"/>
-              </a:defRPr>
-            </a:lvl9pPr>
-          </a:lstStyle>
-          <a:p>
-            <a:pPr algn="l"/>
-            <a:r>
-              <a:rPr lang="es-ES" sz="2400" dirty="0"/>
-              <a:t>Nexus </a:t>
-            </a:r>
-            <a:r>
-              <a:rPr lang="es-ES" sz="2400" dirty="0" err="1"/>
-              <a:t>Repository</a:t>
-            </a:r>
-            <a:r>
-              <a:rPr lang="es-ES" sz="2400" dirty="0"/>
-              <a:t> </a:t>
-            </a:r>
-            <a:r>
-              <a:rPr lang="es-ES" sz="2400" dirty="0" err="1"/>
-              <a:t>Manage</a:t>
-            </a:r>
-            <a:endParaRPr lang="es-ES" sz="2400" dirty="0"/>
-          </a:p>
-        </p:txBody>
-      </p:sp>
-      <p:sp>
-        <p:nvSpPr>
-          <p:cNvPr id="20" name="Google Shape;654;p49">
-            <a:extLst>
-              <a:ext uri="{FF2B5EF4-FFF2-40B4-BE49-F238E27FC236}">
-                <a16:creationId xmlns:a16="http://schemas.microsoft.com/office/drawing/2014/main" id="{EF12C9F8-3670-E87D-0B23-9B4B0700DFB2}"/>
-              </a:ext>
-            </a:extLst>
-          </p:cNvPr>
-          <p:cNvSpPr txBox="1">
-            <a:spLocks/>
-          </p:cNvSpPr>
-          <p:nvPr/>
-        </p:nvSpPr>
-        <p:spPr>
-          <a:xfrm>
-            <a:off x="3612773" y="3152161"/>
-            <a:ext cx="3557122" cy="307777"/>
-          </a:xfrm>
-          <a:prstGeom prst="rect">
-            <a:avLst/>
-          </a:prstGeom>
-        </p:spPr>
-        <p:txBody>
-          <a:bodyPr spcFirstLastPara="1" wrap="square" lIns="91425" tIns="91425" rIns="91425" bIns="91425" anchor="ctr" anchorCtr="0">
-            <a:noAutofit/>
-          </a:bodyPr>
-          <a:lstStyle>
-            <a:defPPr marR="0" lvl="0" algn="l" rtl="0">
-              <a:lnSpc>
-                <a:spcPct val="100000"/>
-              </a:lnSpc>
-              <a:spcBef>
-                <a:spcPts val="0"/>
-              </a:spcBef>
-              <a:spcAft>
-                <a:spcPts val="0"/>
-              </a:spcAft>
-            </a:defPPr>
-            <a:lvl1pPr marR="0" lvl="0" algn="l" rtl="0">
-              <a:lnSpc>
-                <a:spcPct val="100000"/>
-              </a:lnSpc>
-              <a:spcBef>
-                <a:spcPts val="0"/>
-              </a:spcBef>
-              <a:spcAft>
-                <a:spcPts val="0"/>
-              </a:spcAft>
-              <a:buClr>
-                <a:srgbClr val="000000"/>
-              </a:buClr>
-              <a:buFont typeface="Arial"/>
-              <a:defRPr sz="1400" b="0" i="0" u="none" strike="noStrike" cap="none">
-                <a:solidFill>
-                  <a:srgbClr val="000000"/>
-                </a:solidFill>
-                <a:latin typeface="Arial"/>
-                <a:ea typeface="Arial"/>
-                <a:cs typeface="Arial"/>
-                <a:sym typeface="Arial"/>
-              </a:defRPr>
-            </a:lvl1pPr>
-            <a:lvl2pPr marR="0" lvl="1" algn="l" rtl="0">
-              <a:lnSpc>
-                <a:spcPct val="100000"/>
-              </a:lnSpc>
-              <a:spcBef>
-                <a:spcPts val="0"/>
-              </a:spcBef>
-              <a:spcAft>
-                <a:spcPts val="0"/>
-              </a:spcAft>
-              <a:buClr>
-                <a:srgbClr val="000000"/>
-              </a:buClr>
-              <a:buFont typeface="Arial"/>
-              <a:defRPr sz="1400" b="0" i="0" u="none" strike="noStrike" cap="none">
-                <a:solidFill>
-                  <a:srgbClr val="000000"/>
-                </a:solidFill>
-                <a:latin typeface="Arial"/>
-                <a:ea typeface="Arial"/>
-                <a:cs typeface="Arial"/>
-                <a:sym typeface="Arial"/>
-              </a:defRPr>
-            </a:lvl2pPr>
-            <a:lvl3pPr marR="0" lvl="2" algn="l" rtl="0">
-              <a:lnSpc>
-                <a:spcPct val="100000"/>
-              </a:lnSpc>
-              <a:spcBef>
-                <a:spcPts val="0"/>
-              </a:spcBef>
-              <a:spcAft>
-                <a:spcPts val="0"/>
-              </a:spcAft>
-              <a:buClr>
-                <a:srgbClr val="000000"/>
-              </a:buClr>
-              <a:buFont typeface="Arial"/>
-              <a:defRPr sz="1400" b="0" i="0" u="none" strike="noStrike" cap="none">
-                <a:solidFill>
-                  <a:srgbClr val="000000"/>
-                </a:solidFill>
-                <a:latin typeface="Arial"/>
-                <a:ea typeface="Arial"/>
-                <a:cs typeface="Arial"/>
-                <a:sym typeface="Arial"/>
-              </a:defRPr>
-            </a:lvl3pPr>
-            <a:lvl4pPr marR="0" lvl="3" algn="l" rtl="0">
-              <a:lnSpc>
-                <a:spcPct val="100000"/>
-              </a:lnSpc>
-              <a:spcBef>
-                <a:spcPts val="0"/>
-              </a:spcBef>
-              <a:spcAft>
-                <a:spcPts val="0"/>
-              </a:spcAft>
-              <a:buClr>
-                <a:srgbClr val="000000"/>
-              </a:buClr>
-              <a:buFont typeface="Arial"/>
-              <a:defRPr sz="1400" b="0" i="0" u="none" strike="noStrike" cap="none">
-                <a:solidFill>
-                  <a:srgbClr val="000000"/>
-                </a:solidFill>
-                <a:latin typeface="Arial"/>
-                <a:ea typeface="Arial"/>
-                <a:cs typeface="Arial"/>
-                <a:sym typeface="Arial"/>
-              </a:defRPr>
-            </a:lvl4pPr>
-            <a:lvl5pPr marR="0" lvl="4" algn="l" rtl="0">
-              <a:lnSpc>
-                <a:spcPct val="100000"/>
-              </a:lnSpc>
-              <a:spcBef>
-                <a:spcPts val="0"/>
-              </a:spcBef>
-              <a:spcAft>
-                <a:spcPts val="0"/>
-              </a:spcAft>
-              <a:buClr>
-                <a:srgbClr val="000000"/>
-              </a:buClr>
-              <a:buFont typeface="Arial"/>
-              <a:defRPr sz="1400" b="0" i="0" u="none" strike="noStrike" cap="none">
-                <a:solidFill>
-                  <a:srgbClr val="000000"/>
-                </a:solidFill>
-                <a:latin typeface="Arial"/>
-                <a:ea typeface="Arial"/>
-                <a:cs typeface="Arial"/>
-                <a:sym typeface="Arial"/>
-              </a:defRPr>
-            </a:lvl5pPr>
-            <a:lvl6pPr marR="0" lvl="5" algn="l" rtl="0">
-              <a:lnSpc>
-                <a:spcPct val="100000"/>
-              </a:lnSpc>
-              <a:spcBef>
-                <a:spcPts val="0"/>
-              </a:spcBef>
-              <a:spcAft>
-                <a:spcPts val="0"/>
-              </a:spcAft>
-              <a:buClr>
-                <a:srgbClr val="000000"/>
-              </a:buClr>
-              <a:buFont typeface="Arial"/>
-              <a:defRPr sz="1400" b="0" i="0" u="none" strike="noStrike" cap="none">
-                <a:solidFill>
-                  <a:srgbClr val="000000"/>
-                </a:solidFill>
-                <a:latin typeface="Arial"/>
-                <a:ea typeface="Arial"/>
-                <a:cs typeface="Arial"/>
-                <a:sym typeface="Arial"/>
-              </a:defRPr>
-            </a:lvl6pPr>
-            <a:lvl7pPr marR="0" lvl="6" algn="l" rtl="0">
-              <a:lnSpc>
-                <a:spcPct val="100000"/>
-              </a:lnSpc>
-              <a:spcBef>
-                <a:spcPts val="0"/>
-              </a:spcBef>
-              <a:spcAft>
-                <a:spcPts val="0"/>
-              </a:spcAft>
-              <a:buClr>
-                <a:srgbClr val="000000"/>
-              </a:buClr>
-              <a:buFont typeface="Arial"/>
-              <a:defRPr sz="1400" b="0" i="0" u="none" strike="noStrike" cap="none">
-                <a:solidFill>
-                  <a:srgbClr val="000000"/>
-                </a:solidFill>
-                <a:latin typeface="Arial"/>
-                <a:ea typeface="Arial"/>
-                <a:cs typeface="Arial"/>
-                <a:sym typeface="Arial"/>
-              </a:defRPr>
-            </a:lvl7pPr>
-            <a:lvl8pPr marR="0" lvl="7" algn="l" rtl="0">
-              <a:lnSpc>
-                <a:spcPct val="100000"/>
-              </a:lnSpc>
-              <a:spcBef>
-                <a:spcPts val="0"/>
-              </a:spcBef>
-              <a:spcAft>
-                <a:spcPts val="0"/>
-              </a:spcAft>
-              <a:buClr>
-                <a:srgbClr val="000000"/>
-              </a:buClr>
-              <a:buFont typeface="Arial"/>
-              <a:defRPr sz="1400" b="0" i="0" u="none" strike="noStrike" cap="none">
-                <a:solidFill>
-                  <a:srgbClr val="000000"/>
-                </a:solidFill>
-                <a:latin typeface="Arial"/>
-                <a:ea typeface="Arial"/>
-                <a:cs typeface="Arial"/>
-                <a:sym typeface="Arial"/>
-              </a:defRPr>
-            </a:lvl8pPr>
-            <a:lvl9pPr marR="0" lvl="8" algn="l" rtl="0">
-              <a:lnSpc>
-                <a:spcPct val="100000"/>
-              </a:lnSpc>
-              <a:spcBef>
-                <a:spcPts val="0"/>
-              </a:spcBef>
-              <a:spcAft>
-                <a:spcPts val="0"/>
-              </a:spcAft>
-              <a:buClr>
-                <a:srgbClr val="000000"/>
-              </a:buClr>
-              <a:buFont typeface="Arial"/>
-              <a:defRPr sz="1400" b="0" i="0" u="none" strike="noStrike" cap="none">
-                <a:solidFill>
-                  <a:srgbClr val="000000"/>
-                </a:solidFill>
-                <a:latin typeface="Arial"/>
-                <a:ea typeface="Arial"/>
-                <a:cs typeface="Arial"/>
-                <a:sym typeface="Arial"/>
-              </a:defRPr>
-            </a:lvl9pPr>
-          </a:lstStyle>
-          <a:p>
-            <a:r>
-              <a:rPr lang="es-ES" sz="1200" dirty="0">
-                <a:solidFill>
-                  <a:srgbClr val="007399"/>
-                </a:solidFill>
-              </a:rPr>
-              <a:t>https://nexus3.onap.org/</a:t>
-            </a:r>
-          </a:p>
-        </p:txBody>
-      </p:sp>
-      <p:sp>
-        <p:nvSpPr>
-          <p:cNvPr id="21" name="Google Shape;662;p49">
-            <a:extLst>
-              <a:ext uri="{FF2B5EF4-FFF2-40B4-BE49-F238E27FC236}">
-                <a16:creationId xmlns:a16="http://schemas.microsoft.com/office/drawing/2014/main" id="{591ECE35-8E80-1CF2-4947-FD6A391ECDB6}"/>
-              </a:ext>
-            </a:extLst>
-          </p:cNvPr>
-          <p:cNvSpPr/>
-          <p:nvPr/>
-        </p:nvSpPr>
-        <p:spPr>
-          <a:xfrm>
-            <a:off x="2784373" y="2749529"/>
-            <a:ext cx="695400" cy="677400"/>
-          </a:xfrm>
-          <a:prstGeom prst="roundRect">
-            <a:avLst>
-              <a:gd name="adj" fmla="val 16667"/>
-            </a:avLst>
-          </a:prstGeom>
-          <a:solidFill>
-            <a:srgbClr val="F3B734"/>
-          </a:solidFill>
-          <a:ln>
-            <a:noFill/>
-          </a:ln>
-        </p:spPr>
-        <p:txBody>
-          <a:bodyPr spcFirstLastPara="1" wrap="square" lIns="91425" tIns="91425" rIns="91425" bIns="91425" anchor="ctr" anchorCtr="0">
-            <a:noAutofit/>
-          </a:bodyPr>
-          <a:lstStyle/>
-          <a:p>
-            <a:pPr marL="0" lvl="0" indent="0" algn="l" rtl="0">
-              <a:spcBef>
-                <a:spcPts val="0"/>
-              </a:spcBef>
-              <a:spcAft>
-                <a:spcPts val="0"/>
-              </a:spcAft>
-              <a:buNone/>
-            </a:pPr>
-            <a:endParaRPr dirty="0"/>
-          </a:p>
-        </p:txBody>
-      </p:sp>
-      <p:grpSp>
-        <p:nvGrpSpPr>
-          <p:cNvPr id="22" name="Google Shape;671;p49">
-            <a:extLst>
-              <a:ext uri="{FF2B5EF4-FFF2-40B4-BE49-F238E27FC236}">
-                <a16:creationId xmlns:a16="http://schemas.microsoft.com/office/drawing/2014/main" id="{AEF72690-354E-07AA-4B28-C878A1343A1A}"/>
-              </a:ext>
-            </a:extLst>
-          </p:cNvPr>
-          <p:cNvGrpSpPr/>
-          <p:nvPr/>
-        </p:nvGrpSpPr>
-        <p:grpSpPr>
-          <a:xfrm>
-            <a:off x="2986034" y="2918593"/>
-            <a:ext cx="292078" cy="339253"/>
-            <a:chOff x="4492800" y="2027925"/>
-            <a:chExt cx="414825" cy="481825"/>
-          </a:xfrm>
-        </p:grpSpPr>
-        <p:sp>
-          <p:nvSpPr>
-            <p:cNvPr id="23" name="Google Shape;672;p49">
-              <a:extLst>
-                <a:ext uri="{FF2B5EF4-FFF2-40B4-BE49-F238E27FC236}">
-                  <a16:creationId xmlns:a16="http://schemas.microsoft.com/office/drawing/2014/main" id="{C02936B7-239A-6A11-CECA-BE587E06D7B6}"/>
-                </a:ext>
-              </a:extLst>
-            </p:cNvPr>
-            <p:cNvSpPr/>
-            <p:nvPr/>
-          </p:nvSpPr>
-          <p:spPr>
-            <a:xfrm>
-              <a:off x="4492800" y="2027925"/>
-              <a:ext cx="54600" cy="481825"/>
-            </a:xfrm>
-            <a:custGeom>
-              <a:avLst/>
-              <a:gdLst/>
-              <a:ahLst/>
-              <a:cxnLst/>
-              <a:rect l="l" t="t" r="r" b="b"/>
-              <a:pathLst>
-                <a:path w="2184" h="19273" extrusionOk="0">
-                  <a:moveTo>
-                    <a:pt x="912" y="1"/>
-                  </a:moveTo>
-                  <a:cubicBezTo>
-                    <a:pt x="407" y="1"/>
-                    <a:pt x="0" y="407"/>
-                    <a:pt x="0" y="913"/>
-                  </a:cubicBezTo>
-                  <a:lnTo>
-                    <a:pt x="0" y="18360"/>
-                  </a:lnTo>
-                  <a:cubicBezTo>
-                    <a:pt x="0" y="18866"/>
-                    <a:pt x="407" y="19273"/>
-                    <a:pt x="912" y="19273"/>
-                  </a:cubicBezTo>
-                  <a:lnTo>
-                    <a:pt x="1271" y="19273"/>
-                  </a:lnTo>
-                  <a:cubicBezTo>
-                    <a:pt x="1777" y="19273"/>
-                    <a:pt x="2183" y="18866"/>
-                    <a:pt x="2183" y="18360"/>
-                  </a:cubicBezTo>
-                  <a:lnTo>
-                    <a:pt x="2183" y="913"/>
-                  </a:lnTo>
-                  <a:cubicBezTo>
-                    <a:pt x="2183" y="407"/>
-                    <a:pt x="1777" y="1"/>
-                    <a:pt x="1271" y="1"/>
-                  </a:cubicBezTo>
-                  <a:close/>
-                </a:path>
-              </a:pathLst>
-            </a:custGeom>
-            <a:solidFill>
-              <a:schemeClr val="lt1"/>
-            </a:solidFill>
-            <a:ln>
-              <a:noFill/>
-            </a:ln>
-          </p:spPr>
-          <p:txBody>
-            <a:bodyPr spcFirstLastPara="1" wrap="square" lIns="91425" tIns="91425" rIns="91425" bIns="91425" anchor="ctr" anchorCtr="0">
-              <a:noAutofit/>
-            </a:bodyPr>
-            <a:lstStyle/>
-            <a:p>
-              <a:pPr marL="0" lvl="0" indent="0" algn="l" rtl="0">
-                <a:spcBef>
-                  <a:spcPts val="0"/>
-                </a:spcBef>
-                <a:spcAft>
-                  <a:spcPts val="0"/>
-                </a:spcAft>
-                <a:buNone/>
-              </a:pPr>
-              <a:endParaRPr dirty="0">
-                <a:solidFill>
-                  <a:srgbClr val="435D74"/>
-                </a:solidFill>
-              </a:endParaRPr>
-            </a:p>
-          </p:txBody>
-        </p:sp>
-        <p:sp>
-          <p:nvSpPr>
-            <p:cNvPr id="24" name="Google Shape;673;p49">
-              <a:extLst>
-                <a:ext uri="{FF2B5EF4-FFF2-40B4-BE49-F238E27FC236}">
-                  <a16:creationId xmlns:a16="http://schemas.microsoft.com/office/drawing/2014/main" id="{AC08F428-909B-C9B4-E6FF-D71FC23B6052}"/>
-                </a:ext>
-              </a:extLst>
-            </p:cNvPr>
-            <p:cNvSpPr/>
-            <p:nvPr/>
-          </p:nvSpPr>
-          <p:spPr>
-            <a:xfrm>
-              <a:off x="4575600" y="2051425"/>
-              <a:ext cx="332025" cy="262450"/>
-            </a:xfrm>
-            <a:custGeom>
-              <a:avLst/>
-              <a:gdLst/>
-              <a:ahLst/>
-              <a:cxnLst/>
-              <a:rect l="l" t="t" r="r" b="b"/>
-              <a:pathLst>
-                <a:path w="13281" h="10498" extrusionOk="0">
-                  <a:moveTo>
-                    <a:pt x="0" y="0"/>
-                  </a:moveTo>
-                  <a:lnTo>
-                    <a:pt x="0" y="10497"/>
-                  </a:lnTo>
-                  <a:lnTo>
-                    <a:pt x="12485" y="10497"/>
-                  </a:lnTo>
-                  <a:cubicBezTo>
-                    <a:pt x="13006" y="10494"/>
-                    <a:pt x="13280" y="9874"/>
-                    <a:pt x="12925" y="9488"/>
-                  </a:cubicBezTo>
-                  <a:lnTo>
-                    <a:pt x="9010" y="5249"/>
-                  </a:lnTo>
-                  <a:lnTo>
-                    <a:pt x="12925" y="1006"/>
-                  </a:lnTo>
-                  <a:cubicBezTo>
-                    <a:pt x="13280" y="620"/>
-                    <a:pt x="13006" y="0"/>
-                    <a:pt x="12485" y="0"/>
-                  </a:cubicBezTo>
-                  <a:close/>
-                </a:path>
-              </a:pathLst>
-            </a:custGeom>
-            <a:solidFill>
-              <a:schemeClr val="lt1"/>
-            </a:solidFill>
-            <a:ln>
-              <a:noFill/>
-            </a:ln>
-          </p:spPr>
-          <p:txBody>
-            <a:bodyPr spcFirstLastPara="1" wrap="square" lIns="91425" tIns="91425" rIns="91425" bIns="91425" anchor="ctr" anchorCtr="0">
-              <a:noAutofit/>
-            </a:bodyPr>
-            <a:lstStyle/>
-            <a:p>
-              <a:pPr marL="0" lvl="0" indent="0" algn="l" rtl="0">
-                <a:spcBef>
-                  <a:spcPts val="0"/>
-                </a:spcBef>
-                <a:spcAft>
-                  <a:spcPts val="0"/>
-                </a:spcAft>
-                <a:buNone/>
-              </a:pPr>
-              <a:endParaRPr dirty="0">
-                <a:solidFill>
-                  <a:srgbClr val="435D74"/>
-                </a:solidFill>
-              </a:endParaRPr>
-            </a:p>
-          </p:txBody>
-        </p:sp>
-      </p:grpSp>
-    </p:spTree>
-    <p:extLst>
-      <p:ext uri="{BB962C8B-B14F-4D97-AF65-F5344CB8AC3E}">
-        <p14:creationId xmlns:p14="http://schemas.microsoft.com/office/powerpoint/2010/main" val="3520516693"/>
       </p:ext>
     </p:extLst>
   </p:cSld>
@@ -32490,6 +32559,15 @@
 </file>
 
 <file path=customXml/item2.xml><?xml version="1.0" encoding="utf-8"?>
+<?mso-contentType ?>
+<FormTemplates xmlns="http://schemas.microsoft.com/sharepoint/v3/contenttype/forms">
+  <Display>DocumentLibraryForm</Display>
+  <Edit>DocumentLibraryForm</Edit>
+  <New>DocumentLibraryForm</New>
+</FormTemplates>
+</file>
+
+<file path=customXml/item3.xml><?xml version="1.0" encoding="utf-8"?>
 <ct:contentTypeSchema xmlns:ct="http://schemas.microsoft.com/office/2006/metadata/contentType" xmlns:ma="http://schemas.microsoft.com/office/2006/metadata/properties/metaAttributes" ct:_="" ma:_="" ma:contentTypeName="Documento" ma:contentTypeID="0x0101006B1E11B541137C48AA3727DCBBA54C16" ma:contentTypeVersion="11" ma:contentTypeDescription="Crear nuevo documento." ma:contentTypeScope="" ma:versionID="95949c5f839407ce12e4e96351584624">
   <xsd:schema xmlns:xsd="http://www.w3.org/2001/XMLSchema" xmlns:xs="http://www.w3.org/2001/XMLSchema" xmlns:p="http://schemas.microsoft.com/office/2006/metadata/properties" xmlns:ns2="e202ecef-a3f6-4d98-ad9b-1b77cdb87b84" xmlns:ns3="435026e9-b5d0-4467-bbd9-3b76a09ae0c4" targetNamespace="http://schemas.microsoft.com/office/2006/metadata/properties" ma:root="true" ma:fieldsID="f348301bcb62330657a04a353e23fd75" ns2:_="" ns3:_="">
     <xsd:import namespace="e202ecef-a3f6-4d98-ad9b-1b77cdb87b84"/>
@@ -32684,15 +32762,6 @@
 </ct:contentTypeSchema>
 </file>
 
-<file path=customXml/item3.xml><?xml version="1.0" encoding="utf-8"?>
-<?mso-contentType ?>
-<FormTemplates xmlns="http://schemas.microsoft.com/sharepoint/v3/contenttype/forms">
-  <Display>DocumentLibraryForm</Display>
-  <Edit>DocumentLibraryForm</Edit>
-  <New>DocumentLibraryForm</New>
-</FormTemplates>
-</file>
-
 <file path=customXml/itemProps1.xml><?xml version="1.0" encoding="utf-8"?>
 <ds:datastoreItem xmlns:ds="http://schemas.openxmlformats.org/officeDocument/2006/customXml" ds:itemID="{2F6D6B62-92C6-4EDE-B50E-8B81CFF669EA}">
   <ds:schemaRefs>
@@ -32705,6 +32774,14 @@
 </file>
 
 <file path=customXml/itemProps2.xml><?xml version="1.0" encoding="utf-8"?>
+<ds:datastoreItem xmlns:ds="http://schemas.openxmlformats.org/officeDocument/2006/customXml" ds:itemID="{A4B54BEA-998E-408D-BCCD-09BA67DF44CE}">
+  <ds:schemaRefs>
+    <ds:schemaRef ds:uri="http://schemas.microsoft.com/sharepoint/v3/contenttype/forms"/>
+  </ds:schemaRefs>
+</ds:datastoreItem>
+</file>
+
+<file path=customXml/itemProps3.xml><?xml version="1.0" encoding="utf-8"?>
 <ds:datastoreItem xmlns:ds="http://schemas.openxmlformats.org/officeDocument/2006/customXml" ds:itemID="{592DADBC-4920-4373-95D3-1A0ABF3667A7}">
   <ds:schemaRefs>
     <ds:schemaRef ds:uri="http://schemas.microsoft.com/office/2006/metadata/contentType"/>
@@ -32721,12 +32798,4 @@
     <ds:schemaRef ds:uri="http://schemas.microsoft.com/internal/obd"/>
   </ds:schemaRefs>
 </ds:datastoreItem>
-</file>
-
-<file path=customXml/itemProps3.xml><?xml version="1.0" encoding="utf-8"?>
-<ds:datastoreItem xmlns:ds="http://schemas.openxmlformats.org/officeDocument/2006/customXml" ds:itemID="{A4B54BEA-998E-408D-BCCD-09BA67DF44CE}">
-  <ds:schemaRefs>
-    <ds:schemaRef ds:uri="http://schemas.microsoft.com/sharepoint/v3/contenttype/forms"/>
-  </ds:schemaRefs>
-</ds:datastoreItem>
 </file>